--- a/1_linear_algebra.pptx
+++ b/1_linear_algebra.pptx
@@ -7,8 +7,11 @@
   <p:sldIdLst>
     <p:sldId id="256" r:id="rId2"/>
     <p:sldId id="257" r:id="rId3"/>
-    <p:sldId id="259" r:id="rId4"/>
-    <p:sldId id="258" r:id="rId5"/>
+    <p:sldId id="260" r:id="rId4"/>
+    <p:sldId id="261" r:id="rId5"/>
+    <p:sldId id="262" r:id="rId6"/>
+    <p:sldId id="263" r:id="rId7"/>
+    <p:sldId id="259" r:id="rId8"/>
   </p:sldIdLst>
   <p:sldSz cx="12192000" cy="6858000"/>
   <p:notesSz cx="6858000" cy="9144000"/>
@@ -5855,7 +5858,7 @@
           <a:p>
             <a:r>
               <a:rPr lang="zh-CN" altLang="en-US"/>
-              <a:t>线性代数概要</a:t>
+              <a:t>线性代数温故知新</a:t>
             </a:r>
           </a:p>
         </p:txBody>
@@ -6048,7 +6051,7 @@
         </p:blipFill>
         <p:spPr>
           <a:xfrm>
-            <a:off x="6770115" y="609600"/>
+            <a:off x="6770115" y="736822"/>
             <a:ext cx="2692400" cy="5245100"/>
           </a:xfrm>
           <a:prstGeom prst="rect">
@@ -6091,7 +6094,7 @@
           <p:cNvPr id="2" name="标题 1">
             <a:extLst>
               <a:ext uri="{FF2B5EF4-FFF2-40B4-BE49-F238E27FC236}">
-                <a16:creationId xmlns:a16="http://schemas.microsoft.com/office/drawing/2014/main" id="{C8F91420-1A0F-4CC2-846D-72A5F48A9210}"/>
+                <a16:creationId xmlns:a16="http://schemas.microsoft.com/office/drawing/2014/main" id="{4EEE9B70-6709-41AB-A86F-5663E63834E5}"/>
               </a:ext>
             </a:extLst>
           </p:cNvPr>
@@ -6102,141 +6105,145 @@
             <p:ph type="title"/>
           </p:nvPr>
         </p:nvSpPr>
-        <p:spPr/>
+        <p:spPr>
+          <a:xfrm>
+            <a:off x="677334" y="100711"/>
+            <a:ext cx="8596668" cy="1320800"/>
+          </a:xfrm>
+        </p:spPr>
         <p:txBody>
           <a:bodyPr/>
           <a:lstStyle/>
           <a:p>
             <a:r>
               <a:rPr lang="zh-CN" altLang="en-US"/>
-              <a:t>数据科学的两大数学基础</a:t>
-            </a:r>
-          </a:p>
-        </p:txBody>
-      </p:sp>
-      <p:sp>
-        <p:nvSpPr>
-          <p:cNvPr id="3" name="内容占位符 2">
+              <a:t>曾经有三部电影叫</a:t>
+            </a:r>
+            <a:r>
+              <a:rPr lang="en-US" altLang="zh-CN"/>
+              <a:t>《The Matrix》</a:t>
+            </a:r>
+            <a:br>
+              <a:rPr lang="en-US" altLang="zh-CN"/>
+            </a:br>
+            <a:r>
+              <a:rPr lang="zh-CN" altLang="en-US"/>
+              <a:t>讲的是线性代数的故事。。。</a:t>
+            </a:r>
+          </a:p>
+        </p:txBody>
+      </p:sp>
+      <p:pic>
+        <p:nvPicPr>
+          <p:cNvPr id="5" name="内容占位符 4">
             <a:extLst>
               <a:ext uri="{FF2B5EF4-FFF2-40B4-BE49-F238E27FC236}">
-                <a16:creationId xmlns:a16="http://schemas.microsoft.com/office/drawing/2014/main" id="{F38A7118-9A24-4AFD-A2B0-1AFDBC2FE0DE}"/>
+                <a16:creationId xmlns:a16="http://schemas.microsoft.com/office/drawing/2014/main" id="{3FFAEF9D-2BB6-4A10-A79B-11261350C78A}"/>
               </a:ext>
             </a:extLst>
           </p:cNvPr>
-          <p:cNvSpPr>
-            <a:spLocks noGrp="1"/>
-          </p:cNvSpPr>
+          <p:cNvPicPr>
+            <a:picLocks noGrp="1" noChangeAspect="1"/>
+          </p:cNvPicPr>
           <p:nvPr>
             <p:ph idx="1"/>
           </p:nvPr>
-        </p:nvSpPr>
-        <p:spPr/>
-        <p:txBody>
-          <a:bodyPr>
-            <a:normAutofit fontScale="92500" lnSpcReduction="20000"/>
-          </a:bodyPr>
-          <a:lstStyle/>
-          <a:p>
-            <a:r>
-              <a:rPr lang="zh-CN" altLang="en-US" sz="2000"/>
-              <a:t>线性代数</a:t>
-            </a:r>
-            <a:endParaRPr lang="en-US" altLang="zh-CN" sz="2000"/>
-          </a:p>
-          <a:p>
-            <a:pPr lvl="1"/>
-            <a:r>
-              <a:rPr lang="zh-CN" altLang="en-US" sz="1800"/>
-              <a:t>标量，向量，矩阵</a:t>
-            </a:r>
-            <a:endParaRPr lang="en-US" altLang="zh-CN" sz="1800"/>
-          </a:p>
-          <a:p>
-            <a:pPr lvl="1"/>
-            <a:r>
-              <a:rPr lang="zh-CN" altLang="en-US" sz="1800"/>
-              <a:t>矩阵和向量运算</a:t>
-            </a:r>
-            <a:endParaRPr lang="en-US" altLang="zh-CN" sz="1800"/>
-          </a:p>
-          <a:p>
-            <a:pPr lvl="1"/>
-            <a:r>
-              <a:rPr lang="zh-CN" altLang="en-US" sz="1800"/>
-              <a:t>单位阵和矩阵逆</a:t>
-            </a:r>
-            <a:endParaRPr lang="en-US" altLang="zh-CN" sz="1800"/>
-          </a:p>
-          <a:p>
-            <a:pPr lvl="1"/>
-            <a:r>
-              <a:rPr lang="zh-CN" altLang="en-US" sz="1800"/>
-              <a:t>范数</a:t>
-            </a:r>
-            <a:endParaRPr lang="en-US" altLang="zh-CN" sz="1800"/>
-          </a:p>
-          <a:p>
-            <a:pPr lvl="1"/>
-            <a:r>
-              <a:rPr lang="zh-CN" altLang="en-US" sz="1800"/>
-              <a:t>特殊矩阵</a:t>
-            </a:r>
-            <a:endParaRPr lang="en-US" altLang="zh-CN" sz="1800"/>
-          </a:p>
-          <a:p>
-            <a:pPr lvl="1"/>
-            <a:r>
-              <a:rPr lang="zh-CN" altLang="en-US" sz="1800"/>
-              <a:t>特征值分解</a:t>
-            </a:r>
-            <a:endParaRPr lang="en-US" altLang="zh-CN" sz="1800"/>
-          </a:p>
-          <a:p>
-            <a:pPr lvl="1"/>
-            <a:r>
-              <a:rPr lang="zh-CN" altLang="en-US" sz="1800"/>
-              <a:t>奇异值分解</a:t>
-            </a:r>
-            <a:endParaRPr lang="en-US" altLang="zh-CN" sz="1800"/>
-          </a:p>
-          <a:p>
-            <a:pPr lvl="1"/>
-            <a:r>
-              <a:rPr lang="zh-CN" altLang="en-US" sz="1800"/>
-              <a:t>广义逆</a:t>
-            </a:r>
-            <a:endParaRPr lang="en-US" altLang="zh-CN" sz="1800"/>
-          </a:p>
-          <a:p>
-            <a:pPr lvl="1"/>
-            <a:r>
-              <a:rPr lang="zh-CN" altLang="en-US" sz="1800"/>
-              <a:t>迹算子</a:t>
-            </a:r>
-            <a:endParaRPr lang="en-US" altLang="zh-CN" sz="1800"/>
-          </a:p>
-          <a:p>
-            <a:pPr lvl="1"/>
-            <a:r>
-              <a:rPr lang="zh-CN" altLang="en-US" sz="1800"/>
-              <a:t>行列式</a:t>
-            </a:r>
-            <a:endParaRPr lang="en-US" altLang="zh-CN" sz="1800"/>
-          </a:p>
-          <a:p>
-            <a:pPr lvl="1"/>
-            <a:endParaRPr lang="en-US" altLang="zh-CN" sz="1800"/>
-          </a:p>
-          <a:p>
-            <a:pPr lvl="1"/>
-            <a:endParaRPr lang="zh-CN" altLang="en-US" sz="1800"/>
-          </a:p>
-        </p:txBody>
-      </p:sp>
+        </p:nvPicPr>
+        <p:blipFill>
+          <a:blip r:embed="rId2">
+            <a:extLst>
+              <a:ext uri="{28A0092B-C50C-407E-A947-70E740481C1C}">
+                <a14:useLocalDpi xmlns:a14="http://schemas.microsoft.com/office/drawing/2010/main" val="0"/>
+              </a:ext>
+            </a:extLst>
+          </a:blip>
+          <a:stretch>
+            <a:fillRect/>
+          </a:stretch>
+        </p:blipFill>
+        <p:spPr>
+          <a:xfrm>
+            <a:off x="43916" y="1385137"/>
+            <a:ext cx="3438756" cy="4871573"/>
+          </a:xfrm>
+        </p:spPr>
+      </p:pic>
+      <p:pic>
+        <p:nvPicPr>
+          <p:cNvPr id="7" name="图片 6">
+            <a:extLst>
+              <a:ext uri="{FF2B5EF4-FFF2-40B4-BE49-F238E27FC236}">
+                <a16:creationId xmlns:a16="http://schemas.microsoft.com/office/drawing/2014/main" id="{E0BE7451-2C83-4E5A-8CCF-EA374A069128}"/>
+              </a:ext>
+            </a:extLst>
+          </p:cNvPr>
+          <p:cNvPicPr>
+            <a:picLocks noChangeAspect="1"/>
+          </p:cNvPicPr>
+          <p:nvPr/>
+        </p:nvPicPr>
+        <p:blipFill>
+          <a:blip r:embed="rId3">
+            <a:extLst>
+              <a:ext uri="{28A0092B-C50C-407E-A947-70E740481C1C}">
+                <a14:useLocalDpi xmlns:a14="http://schemas.microsoft.com/office/drawing/2010/main" val="0"/>
+              </a:ext>
+            </a:extLst>
+          </a:blip>
+          <a:stretch>
+            <a:fillRect/>
+          </a:stretch>
+        </p:blipFill>
+        <p:spPr>
+          <a:xfrm>
+            <a:off x="3491736" y="1391481"/>
+            <a:ext cx="5120639" cy="3840479"/>
+          </a:xfrm>
+          <a:prstGeom prst="rect">
+            <a:avLst/>
+          </a:prstGeom>
+        </p:spPr>
+      </p:pic>
+      <p:pic>
+        <p:nvPicPr>
+          <p:cNvPr id="9" name="图片 8">
+            <a:extLst>
+              <a:ext uri="{FF2B5EF4-FFF2-40B4-BE49-F238E27FC236}">
+                <a16:creationId xmlns:a16="http://schemas.microsoft.com/office/drawing/2014/main" id="{5057FACD-0A36-4291-923C-17EB183818AB}"/>
+              </a:ext>
+            </a:extLst>
+          </p:cNvPr>
+          <p:cNvPicPr>
+            <a:picLocks noChangeAspect="1"/>
+          </p:cNvPicPr>
+          <p:nvPr/>
+        </p:nvPicPr>
+        <p:blipFill>
+          <a:blip r:embed="rId4">
+            <a:extLst>
+              <a:ext uri="{28A0092B-C50C-407E-A947-70E740481C1C}">
+                <a14:useLocalDpi xmlns:a14="http://schemas.microsoft.com/office/drawing/2010/main" val="0"/>
+              </a:ext>
+            </a:extLst>
+          </a:blip>
+          <a:stretch>
+            <a:fillRect/>
+          </a:stretch>
+        </p:blipFill>
+        <p:spPr>
+          <a:xfrm>
+            <a:off x="8607324" y="1379587"/>
+            <a:ext cx="3540760" cy="5027833"/>
+          </a:xfrm>
+          <a:prstGeom prst="rect">
+            <a:avLst/>
+          </a:prstGeom>
+        </p:spPr>
+      </p:pic>
     </p:spTree>
     <p:extLst>
       <p:ext uri="{BB962C8B-B14F-4D97-AF65-F5344CB8AC3E}">
-        <p14:creationId xmlns:p14="http://schemas.microsoft.com/office/powerpoint/2010/main" val="4109712820"/>
+        <p14:creationId xmlns:p14="http://schemas.microsoft.com/office/powerpoint/2010/main" val="91771652"/>
       </p:ext>
     </p:extLst>
   </p:cSld>
@@ -6268,7 +6275,7 @@
           <p:cNvPr id="2" name="标题 1">
             <a:extLst>
               <a:ext uri="{FF2B5EF4-FFF2-40B4-BE49-F238E27FC236}">
-                <a16:creationId xmlns:a16="http://schemas.microsoft.com/office/drawing/2014/main" id="{6347F140-ED9B-4644-96F3-7CFE0A6C2FCE}"/>
+                <a16:creationId xmlns:a16="http://schemas.microsoft.com/office/drawing/2014/main" id="{D6F1C6F6-2302-4965-A8E8-84D460321606}"/>
               </a:ext>
             </a:extLst>
           </p:cNvPr>
@@ -6286,8 +6293,374 @@
           <a:p>
             <a:r>
               <a:rPr lang="zh-CN" altLang="en-US"/>
-              <a:t>概率与统计</a:t>
-            </a:r>
+              <a:t>世界背后是一张张表（矩阵）</a:t>
+            </a:r>
+          </a:p>
+        </p:txBody>
+      </p:sp>
+      <p:pic>
+        <p:nvPicPr>
+          <p:cNvPr id="5" name="内容占位符 4">
+            <a:extLst>
+              <a:ext uri="{FF2B5EF4-FFF2-40B4-BE49-F238E27FC236}">
+                <a16:creationId xmlns:a16="http://schemas.microsoft.com/office/drawing/2014/main" id="{9D7DC02C-C0F8-4F37-B845-31827CD17316}"/>
+              </a:ext>
+            </a:extLst>
+          </p:cNvPr>
+          <p:cNvPicPr>
+            <a:picLocks noGrp="1" noChangeAspect="1"/>
+          </p:cNvPicPr>
+          <p:nvPr>
+            <p:ph idx="1"/>
+          </p:nvPr>
+        </p:nvPicPr>
+        <p:blipFill>
+          <a:blip r:embed="rId2">
+            <a:extLst>
+              <a:ext uri="{28A0092B-C50C-407E-A947-70E740481C1C}">
+                <a14:useLocalDpi xmlns:a14="http://schemas.microsoft.com/office/drawing/2010/main" val="0"/>
+              </a:ext>
+            </a:extLst>
+          </a:blip>
+          <a:stretch>
+            <a:fillRect/>
+          </a:stretch>
+        </p:blipFill>
+        <p:spPr>
+          <a:xfrm>
+            <a:off x="407520" y="2028335"/>
+            <a:ext cx="10115593" cy="4261147"/>
+          </a:xfrm>
+        </p:spPr>
+      </p:pic>
+    </p:spTree>
+    <p:extLst>
+      <p:ext uri="{BB962C8B-B14F-4D97-AF65-F5344CB8AC3E}">
+        <p14:creationId xmlns:p14="http://schemas.microsoft.com/office/powerpoint/2010/main" val="98106338"/>
+      </p:ext>
+    </p:extLst>
+  </p:cSld>
+  <p:clrMapOvr>
+    <a:masterClrMapping/>
+  </p:clrMapOvr>
+</p:sld>
+</file>
+
+<file path=ppt/slides/slide5.xml><?xml version="1.0" encoding="utf-8"?>
+<p:sld xmlns:a="http://schemas.openxmlformats.org/drawingml/2006/main" xmlns:r="http://schemas.openxmlformats.org/officeDocument/2006/relationships" xmlns:p="http://schemas.openxmlformats.org/presentationml/2006/main">
+  <p:cSld>
+    <p:spTree>
+      <p:nvGrpSpPr>
+        <p:cNvPr id="1" name=""/>
+        <p:cNvGrpSpPr/>
+        <p:nvPr/>
+      </p:nvGrpSpPr>
+      <p:grpSpPr>
+        <a:xfrm>
+          <a:off x="0" y="0"/>
+          <a:ext cx="0" cy="0"/>
+          <a:chOff x="0" y="0"/>
+          <a:chExt cx="0" cy="0"/>
+        </a:xfrm>
+      </p:grpSpPr>
+      <p:sp>
+        <p:nvSpPr>
+          <p:cNvPr id="2" name="标题 1">
+            <a:extLst>
+              <a:ext uri="{FF2B5EF4-FFF2-40B4-BE49-F238E27FC236}">
+                <a16:creationId xmlns:a16="http://schemas.microsoft.com/office/drawing/2014/main" id="{4F4340A4-94A7-4598-BFD6-7A9FDEC684C4}"/>
+              </a:ext>
+            </a:extLst>
+          </p:cNvPr>
+          <p:cNvSpPr>
+            <a:spLocks noGrp="1"/>
+          </p:cNvSpPr>
+          <p:nvPr>
+            <p:ph type="title"/>
+          </p:nvPr>
+        </p:nvSpPr>
+        <p:spPr/>
+        <p:txBody>
+          <a:bodyPr/>
+          <a:lstStyle/>
+          <a:p>
+            <a:r>
+              <a:rPr lang="zh-CN" altLang="en-US"/>
+              <a:t>为什么我不热衷旅游？</a:t>
+            </a:r>
+            <a:br>
+              <a:rPr lang="en-US" altLang="zh-CN"/>
+            </a:br>
+            <a:r>
+              <a:rPr lang="zh-CN" altLang="en-US"/>
+              <a:t>旅游只是改变你在矩阵里的</a:t>
+            </a:r>
+            <a:r>
+              <a:rPr lang="en-US" altLang="zh-CN"/>
+              <a:t>X,Y</a:t>
+            </a:r>
+            <a:r>
+              <a:rPr lang="zh-CN" altLang="en-US"/>
+              <a:t>坐标</a:t>
+            </a:r>
+          </a:p>
+        </p:txBody>
+      </p:sp>
+      <p:pic>
+        <p:nvPicPr>
+          <p:cNvPr id="9" name="内容占位符 8">
+            <a:extLst>
+              <a:ext uri="{FF2B5EF4-FFF2-40B4-BE49-F238E27FC236}">
+                <a16:creationId xmlns:a16="http://schemas.microsoft.com/office/drawing/2014/main" id="{3E1A06CE-D445-4D05-AC79-2E2CED1E6B6C}"/>
+              </a:ext>
+            </a:extLst>
+          </p:cNvPr>
+          <p:cNvPicPr>
+            <a:picLocks noGrp="1" noChangeAspect="1"/>
+          </p:cNvPicPr>
+          <p:nvPr>
+            <p:ph idx="1"/>
+          </p:nvPr>
+        </p:nvPicPr>
+        <p:blipFill>
+          <a:blip r:embed="rId2">
+            <a:extLst>
+              <a:ext uri="{28A0092B-C50C-407E-A947-70E740481C1C}">
+                <a14:useLocalDpi xmlns:a14="http://schemas.microsoft.com/office/drawing/2010/main" val="0"/>
+              </a:ext>
+            </a:extLst>
+          </a:blip>
+          <a:stretch>
+            <a:fillRect/>
+          </a:stretch>
+        </p:blipFill>
+        <p:spPr>
+          <a:xfrm>
+            <a:off x="79411" y="2956776"/>
+            <a:ext cx="5819944" cy="3839984"/>
+          </a:xfrm>
+        </p:spPr>
+      </p:pic>
+      <p:pic>
+        <p:nvPicPr>
+          <p:cNvPr id="11" name="图片 10">
+            <a:extLst>
+              <a:ext uri="{FF2B5EF4-FFF2-40B4-BE49-F238E27FC236}">
+                <a16:creationId xmlns:a16="http://schemas.microsoft.com/office/drawing/2014/main" id="{E2B6B3A8-ABB8-4C94-AF5D-581D36CD6FA9}"/>
+              </a:ext>
+            </a:extLst>
+          </p:cNvPr>
+          <p:cNvPicPr>
+            <a:picLocks noChangeAspect="1"/>
+          </p:cNvPicPr>
+          <p:nvPr/>
+        </p:nvPicPr>
+        <p:blipFill>
+          <a:blip r:embed="rId3">
+            <a:extLst>
+              <a:ext uri="{28A0092B-C50C-407E-A947-70E740481C1C}">
+                <a14:useLocalDpi xmlns:a14="http://schemas.microsoft.com/office/drawing/2010/main" val="0"/>
+              </a:ext>
+            </a:extLst>
+          </a:blip>
+          <a:stretch>
+            <a:fillRect/>
+          </a:stretch>
+        </p:blipFill>
+        <p:spPr>
+          <a:xfrm>
+            <a:off x="5934980" y="2155296"/>
+            <a:ext cx="6217265" cy="4662949"/>
+          </a:xfrm>
+          <a:prstGeom prst="rect">
+            <a:avLst/>
+          </a:prstGeom>
+        </p:spPr>
+      </p:pic>
+      <p:sp>
+        <p:nvSpPr>
+          <p:cNvPr id="12" name="文本框 11">
+            <a:extLst>
+              <a:ext uri="{FF2B5EF4-FFF2-40B4-BE49-F238E27FC236}">
+                <a16:creationId xmlns:a16="http://schemas.microsoft.com/office/drawing/2014/main" id="{FACB7302-660A-45CF-AA03-8FA415C55715}"/>
+              </a:ext>
+            </a:extLst>
+          </p:cNvPr>
+          <p:cNvSpPr txBox="1"/>
+          <p:nvPr/>
+        </p:nvSpPr>
+        <p:spPr>
+          <a:xfrm>
+            <a:off x="993058" y="2414199"/>
+            <a:ext cx="3896994" cy="461665"/>
+          </a:xfrm>
+          <a:prstGeom prst="rect">
+            <a:avLst/>
+          </a:prstGeom>
+          <a:noFill/>
+        </p:spPr>
+        <p:txBody>
+          <a:bodyPr wrap="square" rtlCol="0">
+            <a:spAutoFit/>
+          </a:bodyPr>
+          <a:lstStyle/>
+          <a:p>
+            <a:r>
+              <a:rPr lang="zh-CN" altLang="en-US" sz="2400"/>
+              <a:t>现代化都市都一个样。。。</a:t>
+            </a:r>
+          </a:p>
+        </p:txBody>
+      </p:sp>
+    </p:spTree>
+    <p:extLst>
+      <p:ext uri="{BB962C8B-B14F-4D97-AF65-F5344CB8AC3E}">
+        <p14:creationId xmlns:p14="http://schemas.microsoft.com/office/powerpoint/2010/main" val="3911951627"/>
+      </p:ext>
+    </p:extLst>
+  </p:cSld>
+  <p:clrMapOvr>
+    <a:masterClrMapping/>
+  </p:clrMapOvr>
+</p:sld>
+</file>
+
+<file path=ppt/slides/slide6.xml><?xml version="1.0" encoding="utf-8"?>
+<p:sld xmlns:a="http://schemas.openxmlformats.org/drawingml/2006/main" xmlns:r="http://schemas.openxmlformats.org/officeDocument/2006/relationships" xmlns:p="http://schemas.openxmlformats.org/presentationml/2006/main">
+  <p:cSld>
+    <p:spTree>
+      <p:nvGrpSpPr>
+        <p:cNvPr id="1" name=""/>
+        <p:cNvGrpSpPr/>
+        <p:nvPr/>
+      </p:nvGrpSpPr>
+      <p:grpSpPr>
+        <a:xfrm>
+          <a:off x="0" y="0"/>
+          <a:ext cx="0" cy="0"/>
+          <a:chOff x="0" y="0"/>
+          <a:chExt cx="0" cy="0"/>
+        </a:xfrm>
+      </p:grpSpPr>
+      <p:sp>
+        <p:nvSpPr>
+          <p:cNvPr id="2" name="标题 1">
+            <a:extLst>
+              <a:ext uri="{FF2B5EF4-FFF2-40B4-BE49-F238E27FC236}">
+                <a16:creationId xmlns:a16="http://schemas.microsoft.com/office/drawing/2014/main" id="{521B2B18-BB3D-4861-9C32-EE0C0FAF3D41}"/>
+              </a:ext>
+            </a:extLst>
+          </p:cNvPr>
+          <p:cNvSpPr>
+            <a:spLocks noGrp="1"/>
+          </p:cNvSpPr>
+          <p:nvPr>
+            <p:ph type="title"/>
+          </p:nvPr>
+        </p:nvSpPr>
+        <p:spPr/>
+        <p:txBody>
+          <a:bodyPr/>
+          <a:lstStyle/>
+          <a:p>
+            <a:r>
+              <a:rPr lang="zh-CN" altLang="en-US"/>
+              <a:t>图也是矩阵</a:t>
+            </a:r>
+          </a:p>
+        </p:txBody>
+      </p:sp>
+      <p:pic>
+        <p:nvPicPr>
+          <p:cNvPr id="5" name="内容占位符 4">
+            <a:extLst>
+              <a:ext uri="{FF2B5EF4-FFF2-40B4-BE49-F238E27FC236}">
+                <a16:creationId xmlns:a16="http://schemas.microsoft.com/office/drawing/2014/main" id="{6A70B4D2-EC20-4BB4-A349-2E816C4F4F5F}"/>
+              </a:ext>
+            </a:extLst>
+          </p:cNvPr>
+          <p:cNvPicPr>
+            <a:picLocks noGrp="1" noChangeAspect="1"/>
+          </p:cNvPicPr>
+          <p:nvPr>
+            <p:ph idx="1"/>
+          </p:nvPr>
+        </p:nvPicPr>
+        <p:blipFill>
+          <a:blip r:embed="rId2">
+            <a:extLst>
+              <a:ext uri="{28A0092B-C50C-407E-A947-70E740481C1C}">
+                <a14:useLocalDpi xmlns:a14="http://schemas.microsoft.com/office/drawing/2010/main" val="0"/>
+              </a:ext>
+            </a:extLst>
+          </a:blip>
+          <a:stretch>
+            <a:fillRect/>
+          </a:stretch>
+        </p:blipFill>
+        <p:spPr>
+          <a:xfrm>
+            <a:off x="296198" y="1908527"/>
+            <a:ext cx="11233191" cy="4567087"/>
+          </a:xfrm>
+        </p:spPr>
+      </p:pic>
+    </p:spTree>
+    <p:extLst>
+      <p:ext uri="{BB962C8B-B14F-4D97-AF65-F5344CB8AC3E}">
+        <p14:creationId xmlns:p14="http://schemas.microsoft.com/office/powerpoint/2010/main" val="3852605955"/>
+      </p:ext>
+    </p:extLst>
+  </p:cSld>
+  <p:clrMapOvr>
+    <a:masterClrMapping/>
+  </p:clrMapOvr>
+</p:sld>
+</file>
+
+<file path=ppt/slides/slide7.xml><?xml version="1.0" encoding="utf-8"?>
+<p:sld xmlns:a="http://schemas.openxmlformats.org/drawingml/2006/main" xmlns:r="http://schemas.openxmlformats.org/officeDocument/2006/relationships" xmlns:p="http://schemas.openxmlformats.org/presentationml/2006/main">
+  <p:cSld>
+    <p:spTree>
+      <p:nvGrpSpPr>
+        <p:cNvPr id="1" name=""/>
+        <p:cNvGrpSpPr/>
+        <p:nvPr/>
+      </p:nvGrpSpPr>
+      <p:grpSpPr>
+        <a:xfrm>
+          <a:off x="0" y="0"/>
+          <a:ext cx="0" cy="0"/>
+          <a:chOff x="0" y="0"/>
+          <a:chExt cx="0" cy="0"/>
+        </a:xfrm>
+      </p:grpSpPr>
+      <p:sp>
+        <p:nvSpPr>
+          <p:cNvPr id="2" name="标题 1">
+            <a:extLst>
+              <a:ext uri="{FF2B5EF4-FFF2-40B4-BE49-F238E27FC236}">
+                <a16:creationId xmlns:a16="http://schemas.microsoft.com/office/drawing/2014/main" id="{C8F91420-1A0F-4CC2-846D-72A5F48A9210}"/>
+              </a:ext>
+            </a:extLst>
+          </p:cNvPr>
+          <p:cNvSpPr>
+            <a:spLocks noGrp="1"/>
+          </p:cNvSpPr>
+          <p:nvPr>
+            <p:ph type="title"/>
+          </p:nvPr>
+        </p:nvSpPr>
+        <p:spPr/>
+        <p:txBody>
+          <a:bodyPr/>
+          <a:lstStyle/>
+          <a:p>
+            <a:r>
+              <a:rPr lang="zh-CN" altLang="en-US"/>
+              <a:t>线性代数</a:t>
+            </a:r>
+            <a:endParaRPr lang="en-US" altLang="zh-CN"/>
           </a:p>
         </p:txBody>
       </p:sp>
@@ -6296,7 +6669,7 @@
           <p:cNvPr id="3" name="内容占位符 2">
             <a:extLst>
               <a:ext uri="{FF2B5EF4-FFF2-40B4-BE49-F238E27FC236}">
-                <a16:creationId xmlns:a16="http://schemas.microsoft.com/office/drawing/2014/main" id="{B3A982B7-D77E-40D9-A5A4-DA22DEA98A7E}"/>
+                <a16:creationId xmlns:a16="http://schemas.microsoft.com/office/drawing/2014/main" id="{F38A7118-9A24-4AFD-A2B0-1AFDBC2FE0DE}"/>
               </a:ext>
             </a:extLst>
           </p:cNvPr>
@@ -6307,19 +6680,93 @@
             <p:ph idx="1"/>
           </p:nvPr>
         </p:nvSpPr>
-        <p:spPr/>
-        <p:txBody>
-          <a:bodyPr/>
-          <a:lstStyle/>
-          <a:p>
-            <a:endParaRPr lang="zh-CN" altLang="en-US"/>
+        <p:spPr>
+          <a:xfrm>
+            <a:off x="677334" y="1478943"/>
+            <a:ext cx="8596668" cy="5057029"/>
+          </a:xfrm>
+        </p:spPr>
+        <p:txBody>
+          <a:bodyPr>
+            <a:normAutofit fontScale="92500" lnSpcReduction="10000"/>
+          </a:bodyPr>
+          <a:lstStyle/>
+          <a:p>
+            <a:r>
+              <a:rPr lang="zh-CN" altLang="en-US" sz="2800"/>
+              <a:t>标量，向量，矩阵</a:t>
+            </a:r>
+            <a:endParaRPr lang="en-US" altLang="zh-CN" sz="2800"/>
+          </a:p>
+          <a:p>
+            <a:r>
+              <a:rPr lang="zh-CN" altLang="en-US" sz="2800"/>
+              <a:t>矩阵和向量运算</a:t>
+            </a:r>
+            <a:endParaRPr lang="en-US" altLang="zh-CN" sz="2800"/>
+          </a:p>
+          <a:p>
+            <a:r>
+              <a:rPr lang="zh-CN" altLang="en-US" sz="2800"/>
+              <a:t>单位阵和矩阵逆</a:t>
+            </a:r>
+            <a:endParaRPr lang="en-US" altLang="zh-CN" sz="2800"/>
+          </a:p>
+          <a:p>
+            <a:r>
+              <a:rPr lang="zh-CN" altLang="en-US" sz="2800"/>
+              <a:t>范数</a:t>
+            </a:r>
+            <a:endParaRPr lang="en-US" altLang="zh-CN" sz="2800"/>
+          </a:p>
+          <a:p>
+            <a:r>
+              <a:rPr lang="zh-CN" altLang="en-US" sz="2800"/>
+              <a:t>特殊矩阵</a:t>
+            </a:r>
+            <a:endParaRPr lang="en-US" altLang="zh-CN" sz="2800"/>
+          </a:p>
+          <a:p>
+            <a:r>
+              <a:rPr lang="zh-CN" altLang="en-US" sz="2800"/>
+              <a:t>特征值分解</a:t>
+            </a:r>
+            <a:endParaRPr lang="en-US" altLang="zh-CN" sz="2800"/>
+          </a:p>
+          <a:p>
+            <a:r>
+              <a:rPr lang="zh-CN" altLang="en-US" sz="2800"/>
+              <a:t>奇异值分解</a:t>
+            </a:r>
+            <a:endParaRPr lang="en-US" altLang="zh-CN" sz="2800"/>
+          </a:p>
+          <a:p>
+            <a:r>
+              <a:rPr lang="zh-CN" altLang="en-US" sz="2800"/>
+              <a:t>广义逆</a:t>
+            </a:r>
+            <a:endParaRPr lang="en-US" altLang="zh-CN" sz="2800"/>
+          </a:p>
+          <a:p>
+            <a:r>
+              <a:rPr lang="zh-CN" altLang="en-US" sz="2800"/>
+              <a:t>迹算子</a:t>
+            </a:r>
+            <a:endParaRPr lang="en-US" altLang="zh-CN" sz="2800"/>
+          </a:p>
+          <a:p>
+            <a:r>
+              <a:rPr lang="zh-CN" altLang="en-US" sz="2800"/>
+              <a:t>行列式</a:t>
+            </a:r>
+            <a:endParaRPr lang="en-US" altLang="zh-CN" sz="2800"/>
           </a:p>
         </p:txBody>
       </p:sp>
     </p:spTree>
     <p:extLst>
       <p:ext uri="{BB962C8B-B14F-4D97-AF65-F5344CB8AC3E}">
-        <p14:creationId xmlns:p14="http://schemas.microsoft.com/office/powerpoint/2010/main" val="1064530492"/>
+        <p14:creationId xmlns:p14="http://schemas.microsoft.com/office/powerpoint/2010/main" val="4109712820"/>
       </p:ext>
     </p:extLst>
   </p:cSld>

--- a/1_linear_algebra.pptx
+++ b/1_linear_algebra.pptx
@@ -9,9 +9,29 @@
     <p:sldId id="257" r:id="rId3"/>
     <p:sldId id="260" r:id="rId4"/>
     <p:sldId id="261" r:id="rId5"/>
-    <p:sldId id="262" r:id="rId6"/>
-    <p:sldId id="263" r:id="rId7"/>
-    <p:sldId id="259" r:id="rId8"/>
+    <p:sldId id="263" r:id="rId6"/>
+    <p:sldId id="262" r:id="rId7"/>
+    <p:sldId id="265" r:id="rId8"/>
+    <p:sldId id="264" r:id="rId9"/>
+    <p:sldId id="259" r:id="rId10"/>
+    <p:sldId id="266" r:id="rId11"/>
+    <p:sldId id="267" r:id="rId12"/>
+    <p:sldId id="268" r:id="rId13"/>
+    <p:sldId id="270" r:id="rId14"/>
+    <p:sldId id="269" r:id="rId15"/>
+    <p:sldId id="271" r:id="rId16"/>
+    <p:sldId id="272" r:id="rId17"/>
+    <p:sldId id="273" r:id="rId18"/>
+    <p:sldId id="278" r:id="rId19"/>
+    <p:sldId id="274" r:id="rId20"/>
+    <p:sldId id="275" r:id="rId21"/>
+    <p:sldId id="276" r:id="rId22"/>
+    <p:sldId id="277" r:id="rId23"/>
+    <p:sldId id="279" r:id="rId24"/>
+    <p:sldId id="280" r:id="rId25"/>
+    <p:sldId id="281" r:id="rId26"/>
+    <p:sldId id="282" r:id="rId27"/>
+    <p:sldId id="283" r:id="rId28"/>
   </p:sldIdLst>
   <p:sldSz cx="12192000" cy="6858000"/>
   <p:notesSz cx="6858000" cy="9144000"/>
@@ -840,7 +860,7 @@
           <a:p>
             <a:fld id="{6D0035E6-BDE3-4943-AFED-FF77561E17AE}" type="datetimeFigureOut">
               <a:rPr lang="zh-CN" altLang="en-US" smtClean="0"/>
-              <a:t>2019/8/28</a:t>
+              <a:t>2019/9/3</a:t>
             </a:fld>
             <a:endParaRPr lang="zh-CN" altLang="en-US"/>
           </a:p>
@@ -1091,7 +1111,7 @@
           <a:p>
             <a:fld id="{6D0035E6-BDE3-4943-AFED-FF77561E17AE}" type="datetimeFigureOut">
               <a:rPr lang="zh-CN" altLang="en-US" smtClean="0"/>
-              <a:t>2019/8/28</a:t>
+              <a:t>2019/9/3</a:t>
             </a:fld>
             <a:endParaRPr lang="zh-CN" altLang="en-US"/>
           </a:p>
@@ -1405,7 +1425,7 @@
           <a:p>
             <a:fld id="{6D0035E6-BDE3-4943-AFED-FF77561E17AE}" type="datetimeFigureOut">
               <a:rPr lang="zh-CN" altLang="en-US" smtClean="0"/>
-              <a:t>2019/8/28</a:t>
+              <a:t>2019/9/3</a:t>
             </a:fld>
             <a:endParaRPr lang="zh-CN" altLang="en-US"/>
           </a:p>
@@ -1746,7 +1766,7 @@
           <a:p>
             <a:fld id="{6D0035E6-BDE3-4943-AFED-FF77561E17AE}" type="datetimeFigureOut">
               <a:rPr lang="zh-CN" altLang="en-US" smtClean="0"/>
-              <a:t>2019/8/28</a:t>
+              <a:t>2019/9/3</a:t>
             </a:fld>
             <a:endParaRPr lang="zh-CN" altLang="en-US"/>
           </a:p>
@@ -2060,7 +2080,7 @@
           <a:p>
             <a:fld id="{6D0035E6-BDE3-4943-AFED-FF77561E17AE}" type="datetimeFigureOut">
               <a:rPr lang="zh-CN" altLang="en-US" smtClean="0"/>
-              <a:t>2019/8/28</a:t>
+              <a:t>2019/9/3</a:t>
             </a:fld>
             <a:endParaRPr lang="zh-CN" altLang="en-US"/>
           </a:p>
@@ -2453,7 +2473,7 @@
           <a:p>
             <a:fld id="{6D0035E6-BDE3-4943-AFED-FF77561E17AE}" type="datetimeFigureOut">
               <a:rPr lang="zh-CN" altLang="en-US" smtClean="0"/>
-              <a:t>2019/8/28</a:t>
+              <a:t>2019/9/3</a:t>
             </a:fld>
             <a:endParaRPr lang="zh-CN" altLang="en-US"/>
           </a:p>
@@ -2623,7 +2643,7 @@
           <a:p>
             <a:fld id="{6D0035E6-BDE3-4943-AFED-FF77561E17AE}" type="datetimeFigureOut">
               <a:rPr lang="zh-CN" altLang="en-US" smtClean="0"/>
-              <a:t>2019/8/28</a:t>
+              <a:t>2019/9/3</a:t>
             </a:fld>
             <a:endParaRPr lang="zh-CN" altLang="en-US"/>
           </a:p>
@@ -2803,7 +2823,7 @@
           <a:p>
             <a:fld id="{6D0035E6-BDE3-4943-AFED-FF77561E17AE}" type="datetimeFigureOut">
               <a:rPr lang="zh-CN" altLang="en-US" smtClean="0"/>
-              <a:t>2019/8/28</a:t>
+              <a:t>2019/9/3</a:t>
             </a:fld>
             <a:endParaRPr lang="zh-CN" altLang="en-US"/>
           </a:p>
@@ -2979,7 +2999,7 @@
           <a:p>
             <a:fld id="{6D0035E6-BDE3-4943-AFED-FF77561E17AE}" type="datetimeFigureOut">
               <a:rPr lang="zh-CN" altLang="en-US" smtClean="0"/>
-              <a:t>2019/8/28</a:t>
+              <a:t>2019/9/3</a:t>
             </a:fld>
             <a:endParaRPr lang="zh-CN" altLang="en-US"/>
           </a:p>
@@ -3226,7 +3246,7 @@
           <a:p>
             <a:fld id="{6D0035E6-BDE3-4943-AFED-FF77561E17AE}" type="datetimeFigureOut">
               <a:rPr lang="zh-CN" altLang="en-US" smtClean="0"/>
-              <a:t>2019/8/28</a:t>
+              <a:t>2019/9/3</a:t>
             </a:fld>
             <a:endParaRPr lang="zh-CN" altLang="en-US"/>
           </a:p>
@@ -3458,7 +3478,7 @@
           <a:p>
             <a:fld id="{6D0035E6-BDE3-4943-AFED-FF77561E17AE}" type="datetimeFigureOut">
               <a:rPr lang="zh-CN" altLang="en-US" smtClean="0"/>
-              <a:t>2019/8/28</a:t>
+              <a:t>2019/9/3</a:t>
             </a:fld>
             <a:endParaRPr lang="zh-CN" altLang="en-US"/>
           </a:p>
@@ -3832,7 +3852,7 @@
           <a:p>
             <a:fld id="{6D0035E6-BDE3-4943-AFED-FF77561E17AE}" type="datetimeFigureOut">
               <a:rPr lang="zh-CN" altLang="en-US" smtClean="0"/>
-              <a:t>2019/8/28</a:t>
+              <a:t>2019/9/3</a:t>
             </a:fld>
             <a:endParaRPr lang="zh-CN" altLang="en-US"/>
           </a:p>
@@ -3955,7 +3975,7 @@
           <a:p>
             <a:fld id="{6D0035E6-BDE3-4943-AFED-FF77561E17AE}" type="datetimeFigureOut">
               <a:rPr lang="zh-CN" altLang="en-US" smtClean="0"/>
-              <a:t>2019/8/28</a:t>
+              <a:t>2019/9/3</a:t>
             </a:fld>
             <a:endParaRPr lang="zh-CN" altLang="en-US"/>
           </a:p>
@@ -4050,7 +4070,7 @@
           <a:p>
             <a:fld id="{6D0035E6-BDE3-4943-AFED-FF77561E17AE}" type="datetimeFigureOut">
               <a:rPr lang="zh-CN" altLang="en-US" smtClean="0"/>
-              <a:t>2019/8/28</a:t>
+              <a:t>2019/9/3</a:t>
             </a:fld>
             <a:endParaRPr lang="zh-CN" altLang="en-US"/>
           </a:p>
@@ -4305,7 +4325,7 @@
           <a:p>
             <a:fld id="{6D0035E6-BDE3-4943-AFED-FF77561E17AE}" type="datetimeFigureOut">
               <a:rPr lang="zh-CN" altLang="en-US" smtClean="0"/>
-              <a:t>2019/8/28</a:t>
+              <a:t>2019/9/3</a:t>
             </a:fld>
             <a:endParaRPr lang="zh-CN" altLang="en-US"/>
           </a:p>
@@ -4568,7 +4588,7 @@
           <a:p>
             <a:fld id="{6D0035E6-BDE3-4943-AFED-FF77561E17AE}" type="datetimeFigureOut">
               <a:rPr lang="zh-CN" altLang="en-US" smtClean="0"/>
-              <a:t>2019/8/28</a:t>
+              <a:t>2019/9/3</a:t>
             </a:fld>
             <a:endParaRPr lang="zh-CN" altLang="en-US"/>
           </a:p>
@@ -5311,7 +5331,7 @@
           <a:p>
             <a:fld id="{6D0035E6-BDE3-4943-AFED-FF77561E17AE}" type="datetimeFigureOut">
               <a:rPr lang="zh-CN" altLang="en-US" smtClean="0"/>
-              <a:t>2019/8/28</a:t>
+              <a:t>2019/9/3</a:t>
             </a:fld>
             <a:endParaRPr lang="zh-CN" altLang="en-US"/>
           </a:p>
@@ -5917,6 +5937,3066 @@
 </p:sld>
 </file>
 
+<file path=ppt/slides/slide10.xml><?xml version="1.0" encoding="utf-8"?>
+<p:sld xmlns:a="http://schemas.openxmlformats.org/drawingml/2006/main" xmlns:r="http://schemas.openxmlformats.org/officeDocument/2006/relationships" xmlns:p="http://schemas.openxmlformats.org/presentationml/2006/main">
+  <p:cSld>
+    <p:spTree>
+      <p:nvGrpSpPr>
+        <p:cNvPr id="1" name=""/>
+        <p:cNvGrpSpPr/>
+        <p:nvPr/>
+      </p:nvGrpSpPr>
+      <p:grpSpPr>
+        <a:xfrm>
+          <a:off x="0" y="0"/>
+          <a:ext cx="0" cy="0"/>
+          <a:chOff x="0" y="0"/>
+          <a:chExt cx="0" cy="0"/>
+        </a:xfrm>
+      </p:grpSpPr>
+      <p:sp>
+        <p:nvSpPr>
+          <p:cNvPr id="2" name="标题 1">
+            <a:extLst>
+              <a:ext uri="{FF2B5EF4-FFF2-40B4-BE49-F238E27FC236}">
+                <a16:creationId xmlns:a16="http://schemas.microsoft.com/office/drawing/2014/main" id="{67E4A2EF-3509-4435-8338-69409852A3A3}"/>
+              </a:ext>
+            </a:extLst>
+          </p:cNvPr>
+          <p:cNvSpPr>
+            <a:spLocks noGrp="1"/>
+          </p:cNvSpPr>
+          <p:nvPr>
+            <p:ph type="title"/>
+          </p:nvPr>
+        </p:nvSpPr>
+        <p:spPr/>
+        <p:txBody>
+          <a:bodyPr/>
+          <a:lstStyle/>
+          <a:p>
+            <a:r>
+              <a:rPr lang="zh-CN" altLang="en-US"/>
+              <a:t>标量</a:t>
+            </a:r>
+            <a:r>
+              <a:rPr lang="en-US" altLang="zh-CN"/>
+              <a:t>(Scalar)</a:t>
+            </a:r>
+            <a:endParaRPr lang="zh-CN" altLang="en-US"/>
+          </a:p>
+        </p:txBody>
+      </p:sp>
+      <p:sp>
+        <p:nvSpPr>
+          <p:cNvPr id="3" name="内容占位符 2">
+            <a:extLst>
+              <a:ext uri="{FF2B5EF4-FFF2-40B4-BE49-F238E27FC236}">
+                <a16:creationId xmlns:a16="http://schemas.microsoft.com/office/drawing/2014/main" id="{706ECAC4-D663-4B85-97F8-89775AE8596F}"/>
+              </a:ext>
+            </a:extLst>
+          </p:cNvPr>
+          <p:cNvSpPr>
+            <a:spLocks noGrp="1"/>
+          </p:cNvSpPr>
+          <p:nvPr>
+            <p:ph idx="1"/>
+          </p:nvPr>
+        </p:nvSpPr>
+        <p:spPr/>
+        <p:txBody>
+          <a:bodyPr>
+            <a:normAutofit/>
+          </a:bodyPr>
+          <a:lstStyle/>
+          <a:p>
+            <a:r>
+              <a:rPr lang="zh-CN" altLang="en-US" sz="2400"/>
+              <a:t>就是一个数字，通常是实数。</a:t>
+            </a:r>
+            <a:endParaRPr lang="en-US" altLang="zh-CN" sz="2400"/>
+          </a:p>
+          <a:p>
+            <a:r>
+              <a:rPr lang="zh-CN" altLang="en-US" sz="2400"/>
+              <a:t>温度，体重，年龄等。</a:t>
+            </a:r>
+            <a:endParaRPr lang="en-US" altLang="zh-CN" sz="2400"/>
+          </a:p>
+          <a:p>
+            <a:r>
+              <a:rPr lang="zh-CN" altLang="en-US" sz="2400"/>
+              <a:t>不好意思，自从进了大学，我再也没碰过</a:t>
+            </a:r>
+            <a:r>
+              <a:rPr lang="zh-CN" altLang="en-US" sz="2400">
+                <a:solidFill>
+                  <a:srgbClr val="FF0000"/>
+                </a:solidFill>
+              </a:rPr>
+              <a:t>复数</a:t>
+            </a:r>
+            <a:r>
+              <a:rPr lang="zh-CN" altLang="en-US" sz="2400"/>
+              <a:t>。</a:t>
+            </a:r>
+            <a:endParaRPr lang="en-US" altLang="zh-CN" sz="2400"/>
+          </a:p>
+          <a:p>
+            <a:endParaRPr lang="zh-CN" altLang="en-US" sz="2400"/>
+          </a:p>
+        </p:txBody>
+      </p:sp>
+    </p:spTree>
+    <p:extLst>
+      <p:ext uri="{BB962C8B-B14F-4D97-AF65-F5344CB8AC3E}">
+        <p14:creationId xmlns:p14="http://schemas.microsoft.com/office/powerpoint/2010/main" val="1340524514"/>
+      </p:ext>
+    </p:extLst>
+  </p:cSld>
+  <p:clrMapOvr>
+    <a:masterClrMapping/>
+  </p:clrMapOvr>
+</p:sld>
+</file>
+
+<file path=ppt/slides/slide11.xml><?xml version="1.0" encoding="utf-8"?>
+<p:sld xmlns:a="http://schemas.openxmlformats.org/drawingml/2006/main" xmlns:r="http://schemas.openxmlformats.org/officeDocument/2006/relationships" xmlns:p="http://schemas.openxmlformats.org/presentationml/2006/main">
+  <p:cSld>
+    <p:spTree>
+      <p:nvGrpSpPr>
+        <p:cNvPr id="1" name=""/>
+        <p:cNvGrpSpPr/>
+        <p:nvPr/>
+      </p:nvGrpSpPr>
+      <p:grpSpPr>
+        <a:xfrm>
+          <a:off x="0" y="0"/>
+          <a:ext cx="0" cy="0"/>
+          <a:chOff x="0" y="0"/>
+          <a:chExt cx="0" cy="0"/>
+        </a:xfrm>
+      </p:grpSpPr>
+      <p:sp>
+        <p:nvSpPr>
+          <p:cNvPr id="2" name="标题 1">
+            <a:extLst>
+              <a:ext uri="{FF2B5EF4-FFF2-40B4-BE49-F238E27FC236}">
+                <a16:creationId xmlns:a16="http://schemas.microsoft.com/office/drawing/2014/main" id="{46DFFF02-AAE8-4CC1-9992-6CF385ABC7E5}"/>
+              </a:ext>
+            </a:extLst>
+          </p:cNvPr>
+          <p:cNvSpPr>
+            <a:spLocks noGrp="1"/>
+          </p:cNvSpPr>
+          <p:nvPr>
+            <p:ph type="title"/>
+          </p:nvPr>
+        </p:nvSpPr>
+        <p:spPr/>
+        <p:txBody>
+          <a:bodyPr/>
+          <a:lstStyle/>
+          <a:p>
+            <a:r>
+              <a:rPr lang="zh-CN" altLang="en-US"/>
+              <a:t>向量</a:t>
+            </a:r>
+            <a:r>
+              <a:rPr lang="en-US" altLang="zh-CN"/>
+              <a:t>(vector)</a:t>
+            </a:r>
+            <a:endParaRPr lang="zh-CN" altLang="en-US"/>
+          </a:p>
+        </p:txBody>
+      </p:sp>
+      <p:sp>
+        <p:nvSpPr>
+          <p:cNvPr id="3" name="内容占位符 2">
+            <a:extLst>
+              <a:ext uri="{FF2B5EF4-FFF2-40B4-BE49-F238E27FC236}">
+                <a16:creationId xmlns:a16="http://schemas.microsoft.com/office/drawing/2014/main" id="{F209FD10-A114-4737-B065-9C2B09CDCDEF}"/>
+              </a:ext>
+            </a:extLst>
+          </p:cNvPr>
+          <p:cNvSpPr>
+            <a:spLocks noGrp="1"/>
+          </p:cNvSpPr>
+          <p:nvPr>
+            <p:ph idx="1"/>
+          </p:nvPr>
+        </p:nvSpPr>
+        <p:spPr/>
+        <p:txBody>
+          <a:bodyPr/>
+          <a:lstStyle/>
+          <a:p>
+            <a:r>
+              <a:rPr lang="zh-CN" altLang="en-US" sz="2400"/>
+              <a:t>就是一组数字</a:t>
+            </a:r>
+            <a:endParaRPr lang="en-US" altLang="zh-CN" sz="2400"/>
+          </a:p>
+          <a:p>
+            <a:endParaRPr lang="en-US" altLang="zh-CN"/>
+          </a:p>
+          <a:p>
+            <a:endParaRPr lang="en-US" altLang="zh-CN"/>
+          </a:p>
+          <a:p>
+            <a:endParaRPr lang="en-US" altLang="zh-CN"/>
+          </a:p>
+          <a:p>
+            <a:endParaRPr lang="en-US" altLang="zh-CN"/>
+          </a:p>
+          <a:p>
+            <a:endParaRPr lang="en-US" altLang="zh-CN"/>
+          </a:p>
+          <a:p>
+            <a:endParaRPr lang="en-US" altLang="zh-CN"/>
+          </a:p>
+          <a:p>
+            <a:r>
+              <a:rPr lang="zh-CN" altLang="en-US" sz="2400"/>
+              <a:t>计算机科学里和数组</a:t>
+            </a:r>
+            <a:r>
+              <a:rPr lang="en-US" altLang="zh-CN" sz="2400"/>
+              <a:t>(array)</a:t>
+            </a:r>
+            <a:r>
+              <a:rPr lang="zh-CN" altLang="en-US" sz="2400"/>
+              <a:t>等价</a:t>
+            </a:r>
+            <a:endParaRPr lang="en-US" altLang="zh-CN" sz="2400"/>
+          </a:p>
+          <a:p>
+            <a:r>
+              <a:rPr lang="zh-CN" altLang="en-US" sz="2400"/>
+              <a:t>向量是一种宽度为</a:t>
+            </a:r>
+            <a:r>
+              <a:rPr lang="en-US" altLang="zh-CN" sz="2400"/>
+              <a:t>1</a:t>
+            </a:r>
+            <a:r>
+              <a:rPr lang="zh-CN" altLang="en-US" sz="2400"/>
+              <a:t>的特殊矩阵</a:t>
+            </a:r>
+          </a:p>
+        </p:txBody>
+      </p:sp>
+      <p:pic>
+        <p:nvPicPr>
+          <p:cNvPr id="4" name="图片 3">
+            <a:extLst>
+              <a:ext uri="{FF2B5EF4-FFF2-40B4-BE49-F238E27FC236}">
+                <a16:creationId xmlns:a16="http://schemas.microsoft.com/office/drawing/2014/main" id="{52FC9A63-4EFB-49F6-ABA7-F84565CF95BA}"/>
+              </a:ext>
+            </a:extLst>
+          </p:cNvPr>
+          <p:cNvPicPr>
+            <a:picLocks noChangeAspect="1"/>
+          </p:cNvPicPr>
+          <p:nvPr/>
+        </p:nvPicPr>
+        <p:blipFill>
+          <a:blip r:embed="rId2"/>
+          <a:stretch>
+            <a:fillRect/>
+          </a:stretch>
+        </p:blipFill>
+        <p:spPr>
+          <a:xfrm>
+            <a:off x="810313" y="2663777"/>
+            <a:ext cx="2200275" cy="2400300"/>
+          </a:xfrm>
+          <a:prstGeom prst="rect">
+            <a:avLst/>
+          </a:prstGeom>
+        </p:spPr>
+      </p:pic>
+    </p:spTree>
+    <p:extLst>
+      <p:ext uri="{BB962C8B-B14F-4D97-AF65-F5344CB8AC3E}">
+        <p14:creationId xmlns:p14="http://schemas.microsoft.com/office/powerpoint/2010/main" val="1262598291"/>
+      </p:ext>
+    </p:extLst>
+  </p:cSld>
+  <p:clrMapOvr>
+    <a:masterClrMapping/>
+  </p:clrMapOvr>
+</p:sld>
+</file>
+
+<file path=ppt/slides/slide12.xml><?xml version="1.0" encoding="utf-8"?>
+<p:sld xmlns:a="http://schemas.openxmlformats.org/drawingml/2006/main" xmlns:r="http://schemas.openxmlformats.org/officeDocument/2006/relationships" xmlns:p="http://schemas.openxmlformats.org/presentationml/2006/main">
+  <p:cSld>
+    <p:spTree>
+      <p:nvGrpSpPr>
+        <p:cNvPr id="1" name=""/>
+        <p:cNvGrpSpPr/>
+        <p:nvPr/>
+      </p:nvGrpSpPr>
+      <p:grpSpPr>
+        <a:xfrm>
+          <a:off x="0" y="0"/>
+          <a:ext cx="0" cy="0"/>
+          <a:chOff x="0" y="0"/>
+          <a:chExt cx="0" cy="0"/>
+        </a:xfrm>
+      </p:grpSpPr>
+      <p:sp>
+        <p:nvSpPr>
+          <p:cNvPr id="2" name="标题 1">
+            <a:extLst>
+              <a:ext uri="{FF2B5EF4-FFF2-40B4-BE49-F238E27FC236}">
+                <a16:creationId xmlns:a16="http://schemas.microsoft.com/office/drawing/2014/main" id="{F4A9431A-AF54-4AE6-8E6A-A91C3F79FFE3}"/>
+              </a:ext>
+            </a:extLst>
+          </p:cNvPr>
+          <p:cNvSpPr>
+            <a:spLocks noGrp="1"/>
+          </p:cNvSpPr>
+          <p:nvPr>
+            <p:ph type="title"/>
+          </p:nvPr>
+        </p:nvSpPr>
+        <p:spPr/>
+        <p:txBody>
+          <a:bodyPr/>
+          <a:lstStyle/>
+          <a:p>
+            <a:r>
+              <a:rPr lang="zh-CN" altLang="en-US"/>
+              <a:t>矩阵</a:t>
+            </a:r>
+            <a:r>
+              <a:rPr lang="en-US" altLang="zh-CN"/>
+              <a:t>(matrix)</a:t>
+            </a:r>
+            <a:endParaRPr lang="zh-CN" altLang="en-US"/>
+          </a:p>
+        </p:txBody>
+      </p:sp>
+      <p:sp>
+        <p:nvSpPr>
+          <p:cNvPr id="3" name="内容占位符 2">
+            <a:extLst>
+              <a:ext uri="{FF2B5EF4-FFF2-40B4-BE49-F238E27FC236}">
+                <a16:creationId xmlns:a16="http://schemas.microsoft.com/office/drawing/2014/main" id="{268049F8-1DAD-4A90-ABEC-64E1BE8D3471}"/>
+              </a:ext>
+            </a:extLst>
+          </p:cNvPr>
+          <p:cNvSpPr>
+            <a:spLocks noGrp="1"/>
+          </p:cNvSpPr>
+          <p:nvPr>
+            <p:ph idx="1"/>
+          </p:nvPr>
+        </p:nvSpPr>
+        <p:spPr/>
+        <p:txBody>
+          <a:bodyPr/>
+          <a:lstStyle/>
+          <a:p>
+            <a:r>
+              <a:rPr lang="zh-CN" altLang="en-US" sz="2400"/>
+              <a:t>就是一张二维的表格</a:t>
+            </a:r>
+            <a:endParaRPr lang="en-US" altLang="zh-CN" sz="2400"/>
+          </a:p>
+          <a:p>
+            <a:endParaRPr lang="en-US" altLang="zh-CN" sz="2400"/>
+          </a:p>
+          <a:p>
+            <a:r>
+              <a:rPr lang="zh-CN" altLang="en-US" sz="2400"/>
+              <a:t>行存储，列存储？</a:t>
+            </a:r>
+            <a:endParaRPr lang="en-US" altLang="zh-CN" sz="2400"/>
+          </a:p>
+          <a:p>
+            <a:endParaRPr lang="zh-CN" altLang="en-US"/>
+          </a:p>
+        </p:txBody>
+      </p:sp>
+      <p:pic>
+        <p:nvPicPr>
+          <p:cNvPr id="5" name="图片 4">
+            <a:extLst>
+              <a:ext uri="{FF2B5EF4-FFF2-40B4-BE49-F238E27FC236}">
+                <a16:creationId xmlns:a16="http://schemas.microsoft.com/office/drawing/2014/main" id="{CF5FD33E-FB69-4B27-9043-442B632F16D7}"/>
+              </a:ext>
+            </a:extLst>
+          </p:cNvPr>
+          <p:cNvPicPr>
+            <a:picLocks noChangeAspect="1"/>
+          </p:cNvPicPr>
+          <p:nvPr/>
+        </p:nvPicPr>
+        <p:blipFill>
+          <a:blip r:embed="rId2"/>
+          <a:stretch>
+            <a:fillRect/>
+          </a:stretch>
+        </p:blipFill>
+        <p:spPr>
+          <a:xfrm>
+            <a:off x="815632" y="3896218"/>
+            <a:ext cx="2847975" cy="1466850"/>
+          </a:xfrm>
+          <a:prstGeom prst="rect">
+            <a:avLst/>
+          </a:prstGeom>
+        </p:spPr>
+      </p:pic>
+    </p:spTree>
+    <p:extLst>
+      <p:ext uri="{BB962C8B-B14F-4D97-AF65-F5344CB8AC3E}">
+        <p14:creationId xmlns:p14="http://schemas.microsoft.com/office/powerpoint/2010/main" val="3088893096"/>
+      </p:ext>
+    </p:extLst>
+  </p:cSld>
+  <p:clrMapOvr>
+    <a:masterClrMapping/>
+  </p:clrMapOvr>
+</p:sld>
+</file>
+
+<file path=ppt/slides/slide13.xml><?xml version="1.0" encoding="utf-8"?>
+<p:sld xmlns:a="http://schemas.openxmlformats.org/drawingml/2006/main" xmlns:r="http://schemas.openxmlformats.org/officeDocument/2006/relationships" xmlns:p="http://schemas.openxmlformats.org/presentationml/2006/main">
+  <p:cSld>
+    <p:spTree>
+      <p:nvGrpSpPr>
+        <p:cNvPr id="1" name=""/>
+        <p:cNvGrpSpPr/>
+        <p:nvPr/>
+      </p:nvGrpSpPr>
+      <p:grpSpPr>
+        <a:xfrm>
+          <a:off x="0" y="0"/>
+          <a:ext cx="0" cy="0"/>
+          <a:chOff x="0" y="0"/>
+          <a:chExt cx="0" cy="0"/>
+        </a:xfrm>
+      </p:grpSpPr>
+      <p:sp>
+        <p:nvSpPr>
+          <p:cNvPr id="2" name="标题 1">
+            <a:extLst>
+              <a:ext uri="{FF2B5EF4-FFF2-40B4-BE49-F238E27FC236}">
+                <a16:creationId xmlns:a16="http://schemas.microsoft.com/office/drawing/2014/main" id="{0E1EA3C4-9299-488E-AFEB-669199C7198F}"/>
+              </a:ext>
+            </a:extLst>
+          </p:cNvPr>
+          <p:cNvSpPr>
+            <a:spLocks noGrp="1"/>
+          </p:cNvSpPr>
+          <p:nvPr>
+            <p:ph type="title"/>
+          </p:nvPr>
+        </p:nvSpPr>
+        <p:spPr/>
+        <p:txBody>
+          <a:bodyPr/>
+          <a:lstStyle/>
+          <a:p>
+            <a:r>
+              <a:rPr lang="zh-CN" altLang="en-US"/>
+              <a:t>矩阵即是数据，也是函数（运动）</a:t>
+            </a:r>
+          </a:p>
+        </p:txBody>
+      </p:sp>
+      <p:graphicFrame>
+        <p:nvGraphicFramePr>
+          <p:cNvPr id="5" name="内容占位符 4">
+            <a:extLst>
+              <a:ext uri="{FF2B5EF4-FFF2-40B4-BE49-F238E27FC236}">
+                <a16:creationId xmlns:a16="http://schemas.microsoft.com/office/drawing/2014/main" id="{DF21155C-9288-4140-A8EF-B809B4798E35}"/>
+              </a:ext>
+            </a:extLst>
+          </p:cNvPr>
+          <p:cNvGraphicFramePr>
+            <a:graphicFrameLocks noGrp="1"/>
+          </p:cNvGraphicFramePr>
+          <p:nvPr>
+            <p:ph idx="1"/>
+            <p:extLst>
+              <p:ext uri="{D42A27DB-BD31-4B8C-83A1-F6EECF244321}">
+                <p14:modId xmlns:p14="http://schemas.microsoft.com/office/powerpoint/2010/main" val="2382227570"/>
+              </p:ext>
+            </p:extLst>
+          </p:nvPr>
+        </p:nvGraphicFramePr>
+        <p:xfrm>
+          <a:off x="166978" y="3554233"/>
+          <a:ext cx="3767301" cy="683812"/>
+        </p:xfrm>
+        <a:graphic>
+          <a:graphicData uri="http://schemas.openxmlformats.org/drawingml/2006/table">
+            <a:tbl>
+              <a:tblPr>
+                <a:tableStyleId>{5C22544A-7EE6-4342-B048-85BDC9FD1C3A}</a:tableStyleId>
+              </a:tblPr>
+              <a:tblGrid>
+                <a:gridCol w="762952">
+                  <a:extLst>
+                    <a:ext uri="{9D8B030D-6E8A-4147-A177-3AD203B41FA5}">
+                      <a16:colId xmlns:a16="http://schemas.microsoft.com/office/drawing/2014/main" val="4010539326"/>
+                    </a:ext>
+                  </a:extLst>
+                </a:gridCol>
+                <a:gridCol w="509512">
+                  <a:extLst>
+                    <a:ext uri="{9D8B030D-6E8A-4147-A177-3AD203B41FA5}">
+                      <a16:colId xmlns:a16="http://schemas.microsoft.com/office/drawing/2014/main" val="3600574052"/>
+                    </a:ext>
+                  </a:extLst>
+                </a:gridCol>
+                <a:gridCol w="764540">
+                  <a:extLst>
+                    <a:ext uri="{9D8B030D-6E8A-4147-A177-3AD203B41FA5}">
+                      <a16:colId xmlns:a16="http://schemas.microsoft.com/office/drawing/2014/main" val="1290845955"/>
+                    </a:ext>
+                  </a:extLst>
+                </a:gridCol>
+                <a:gridCol w="535940">
+                  <a:extLst>
+                    <a:ext uri="{9D8B030D-6E8A-4147-A177-3AD203B41FA5}">
+                      <a16:colId xmlns:a16="http://schemas.microsoft.com/office/drawing/2014/main" val="3311088961"/>
+                    </a:ext>
+                  </a:extLst>
+                </a:gridCol>
+                <a:gridCol w="1194357">
+                  <a:extLst>
+                    <a:ext uri="{9D8B030D-6E8A-4147-A177-3AD203B41FA5}">
+                      <a16:colId xmlns:a16="http://schemas.microsoft.com/office/drawing/2014/main" val="2621557079"/>
+                    </a:ext>
+                  </a:extLst>
+                </a:gridCol>
+              </a:tblGrid>
+              <a:tr h="341906">
+                <a:tc>
+                  <a:txBody>
+                    <a:bodyPr/>
+                    <a:lstStyle/>
+                    <a:p>
+                      <a:pPr algn="ctr" fontAlgn="ctr"/>
+                      <a:r>
+                        <a:rPr lang="zh-CN" altLang="en-US" sz="1800" u="none" strike="noStrike">
+                          <a:effectLst/>
+                        </a:rPr>
+                        <a:t>职业</a:t>
+                      </a:r>
+                      <a:endParaRPr lang="zh-CN" altLang="en-US" sz="1800" b="0" i="0" u="none" strike="noStrike">
+                        <a:solidFill>
+                          <a:srgbClr val="000000"/>
+                        </a:solidFill>
+                        <a:effectLst/>
+                        <a:latin typeface="等线" panose="02010600030101010101" pitchFamily="2" charset="-122"/>
+                        <a:ea typeface="等线" panose="02010600030101010101" pitchFamily="2" charset="-122"/>
+                      </a:endParaRPr>
+                    </a:p>
+                  </a:txBody>
+                  <a:tcPr marL="7620" marR="7620" marT="7620" marB="0" anchor="ctr"/>
+                </a:tc>
+                <a:tc>
+                  <a:txBody>
+                    <a:bodyPr/>
+                    <a:lstStyle/>
+                    <a:p>
+                      <a:pPr algn="ctr" rtl="0" fontAlgn="ctr"/>
+                      <a:r>
+                        <a:rPr lang="zh-CN" altLang="en-US" sz="1800" u="none" strike="noStrike">
+                          <a:effectLst/>
+                        </a:rPr>
+                        <a:t>骑士</a:t>
+                      </a:r>
+                      <a:endParaRPr lang="zh-CN" altLang="en-US" sz="1800" b="0" i="0" u="none" strike="noStrike">
+                        <a:solidFill>
+                          <a:srgbClr val="000000"/>
+                        </a:solidFill>
+                        <a:effectLst/>
+                        <a:latin typeface="Arial" panose="020B0604020202020204" pitchFamily="34" charset="0"/>
+                        <a:ea typeface="等线" panose="02010600030101010101" pitchFamily="2" charset="-122"/>
+                      </a:endParaRPr>
+                    </a:p>
+                  </a:txBody>
+                  <a:tcPr marL="7620" marR="7620" marT="7620" marB="0" anchor="ctr"/>
+                </a:tc>
+                <a:tc>
+                  <a:txBody>
+                    <a:bodyPr/>
+                    <a:lstStyle/>
+                    <a:p>
+                      <a:pPr algn="ctr" rtl="0" fontAlgn="ctr"/>
+                      <a:r>
+                        <a:rPr lang="zh-CN" altLang="en-US" sz="1800" u="none" strike="noStrike">
+                          <a:effectLst/>
+                        </a:rPr>
+                        <a:t>魔法师</a:t>
+                      </a:r>
+                      <a:endParaRPr lang="zh-CN" altLang="en-US" sz="1800" b="0" i="0" u="none" strike="noStrike">
+                        <a:solidFill>
+                          <a:srgbClr val="000000"/>
+                        </a:solidFill>
+                        <a:effectLst/>
+                        <a:latin typeface="Arial" panose="020B0604020202020204" pitchFamily="34" charset="0"/>
+                        <a:ea typeface="等线" panose="02010600030101010101" pitchFamily="2" charset="-122"/>
+                      </a:endParaRPr>
+                    </a:p>
+                  </a:txBody>
+                  <a:tcPr marL="7620" marR="7620" marT="7620" marB="0" anchor="ctr"/>
+                </a:tc>
+                <a:tc>
+                  <a:txBody>
+                    <a:bodyPr/>
+                    <a:lstStyle/>
+                    <a:p>
+                      <a:pPr algn="ctr" rtl="0" fontAlgn="ctr"/>
+                      <a:r>
+                        <a:rPr lang="zh-CN" altLang="en-US" sz="1800" u="none" strike="noStrike">
+                          <a:effectLst/>
+                        </a:rPr>
+                        <a:t>剑士</a:t>
+                      </a:r>
+                      <a:endParaRPr lang="zh-CN" altLang="en-US" sz="1800" b="0" i="0" u="none" strike="noStrike">
+                        <a:solidFill>
+                          <a:srgbClr val="000000"/>
+                        </a:solidFill>
+                        <a:effectLst/>
+                        <a:latin typeface="Arial" panose="020B0604020202020204" pitchFamily="34" charset="0"/>
+                        <a:ea typeface="等线" panose="02010600030101010101" pitchFamily="2" charset="-122"/>
+                      </a:endParaRPr>
+                    </a:p>
+                  </a:txBody>
+                  <a:tcPr marL="7620" marR="7620" marT="7620" marB="0" anchor="ctr"/>
+                </a:tc>
+                <a:tc>
+                  <a:txBody>
+                    <a:bodyPr/>
+                    <a:lstStyle/>
+                    <a:p>
+                      <a:pPr algn="ctr" rtl="0" fontAlgn="ctr"/>
+                      <a:r>
+                        <a:rPr lang="zh-CN" altLang="en-US" sz="1800" u="none" strike="noStrike">
+                          <a:effectLst/>
+                        </a:rPr>
+                        <a:t>弓箭手</a:t>
+                      </a:r>
+                      <a:endParaRPr lang="zh-CN" altLang="en-US" sz="1800" b="0" i="0" u="none" strike="noStrike">
+                        <a:solidFill>
+                          <a:srgbClr val="000000"/>
+                        </a:solidFill>
+                        <a:effectLst/>
+                        <a:latin typeface="Arial" panose="020B0604020202020204" pitchFamily="34" charset="0"/>
+                        <a:ea typeface="等线" panose="02010600030101010101" pitchFamily="2" charset="-122"/>
+                      </a:endParaRPr>
+                    </a:p>
+                  </a:txBody>
+                  <a:tcPr marL="7620" marR="7620" marT="7620" marB="0" anchor="ctr"/>
+                </a:tc>
+                <a:extLst>
+                  <a:ext uri="{0D108BD9-81ED-4DB2-BD59-A6C34878D82A}">
+                    <a16:rowId xmlns:a16="http://schemas.microsoft.com/office/drawing/2014/main" val="2985755971"/>
+                  </a:ext>
+                </a:extLst>
+              </a:tr>
+              <a:tr h="341906">
+                <a:tc>
+                  <a:txBody>
+                    <a:bodyPr/>
+                    <a:lstStyle/>
+                    <a:p>
+                      <a:pPr algn="ctr" fontAlgn="ctr"/>
+                      <a:r>
+                        <a:rPr lang="zh-CN" altLang="en-US" sz="1800" b="0" i="0" u="none" strike="noStrike">
+                          <a:solidFill>
+                            <a:srgbClr val="000000"/>
+                          </a:solidFill>
+                          <a:effectLst/>
+                          <a:latin typeface="华文新魏" panose="02010800040101010101" pitchFamily="2" charset="-122"/>
+                          <a:ea typeface="华文新魏" panose="02010800040101010101" pitchFamily="2" charset="-122"/>
+                        </a:rPr>
+                        <a:t>骑法师</a:t>
+                      </a:r>
+                    </a:p>
+                  </a:txBody>
+                  <a:tcPr marL="7620" marR="7620" marT="7620" marB="0" anchor="ctr"/>
+                </a:tc>
+                <a:tc>
+                  <a:txBody>
+                    <a:bodyPr/>
+                    <a:lstStyle/>
+                    <a:p>
+                      <a:pPr algn="ctr" fontAlgn="ctr"/>
+                      <a:r>
+                        <a:rPr lang="en-US" altLang="zh-CN" sz="1800" u="none" strike="noStrike">
+                          <a:effectLst/>
+                        </a:rPr>
+                        <a:t>0.5</a:t>
+                      </a:r>
+                      <a:endParaRPr lang="en-US" altLang="zh-CN" sz="1800" b="0" i="0" u="none" strike="noStrike">
+                        <a:solidFill>
+                          <a:srgbClr val="000000"/>
+                        </a:solidFill>
+                        <a:effectLst/>
+                        <a:latin typeface="等线" panose="02010600030101010101" pitchFamily="2" charset="-122"/>
+                        <a:ea typeface="等线" panose="02010600030101010101" pitchFamily="2" charset="-122"/>
+                      </a:endParaRPr>
+                    </a:p>
+                  </a:txBody>
+                  <a:tcPr marL="7620" marR="7620" marT="7620" marB="0" anchor="ctr"/>
+                </a:tc>
+                <a:tc>
+                  <a:txBody>
+                    <a:bodyPr/>
+                    <a:lstStyle/>
+                    <a:p>
+                      <a:pPr algn="ctr" fontAlgn="ctr"/>
+                      <a:r>
+                        <a:rPr lang="en-US" altLang="zh-CN" sz="1800" u="none" strike="noStrike">
+                          <a:effectLst/>
+                        </a:rPr>
+                        <a:t>0.5</a:t>
+                      </a:r>
+                      <a:endParaRPr lang="en-US" altLang="zh-CN" sz="1800" b="0" i="0" u="none" strike="noStrike">
+                        <a:solidFill>
+                          <a:srgbClr val="000000"/>
+                        </a:solidFill>
+                        <a:effectLst/>
+                        <a:latin typeface="等线" panose="02010600030101010101" pitchFamily="2" charset="-122"/>
+                        <a:ea typeface="等线" panose="02010600030101010101" pitchFamily="2" charset="-122"/>
+                      </a:endParaRPr>
+                    </a:p>
+                  </a:txBody>
+                  <a:tcPr marL="7620" marR="7620" marT="7620" marB="0" anchor="ctr"/>
+                </a:tc>
+                <a:tc>
+                  <a:txBody>
+                    <a:bodyPr/>
+                    <a:lstStyle/>
+                    <a:p>
+                      <a:pPr algn="ctr" fontAlgn="ctr"/>
+                      <a:r>
+                        <a:rPr lang="en-US" altLang="zh-CN" sz="1800" u="none" strike="noStrike">
+                          <a:effectLst/>
+                        </a:rPr>
+                        <a:t>0</a:t>
+                      </a:r>
+                      <a:endParaRPr lang="en-US" altLang="zh-CN" sz="1800" b="0" i="0" u="none" strike="noStrike">
+                        <a:solidFill>
+                          <a:srgbClr val="000000"/>
+                        </a:solidFill>
+                        <a:effectLst/>
+                        <a:latin typeface="等线" panose="02010600030101010101" pitchFamily="2" charset="-122"/>
+                        <a:ea typeface="等线" panose="02010600030101010101" pitchFamily="2" charset="-122"/>
+                      </a:endParaRPr>
+                    </a:p>
+                  </a:txBody>
+                  <a:tcPr marL="7620" marR="7620" marT="7620" marB="0" anchor="ctr"/>
+                </a:tc>
+                <a:tc>
+                  <a:txBody>
+                    <a:bodyPr/>
+                    <a:lstStyle/>
+                    <a:p>
+                      <a:pPr algn="ctr" fontAlgn="ctr"/>
+                      <a:r>
+                        <a:rPr lang="en-US" altLang="zh-CN" sz="1800" u="none" strike="noStrike">
+                          <a:effectLst/>
+                        </a:rPr>
+                        <a:t>0</a:t>
+                      </a:r>
+                      <a:endParaRPr lang="en-US" altLang="zh-CN" sz="1800" b="0" i="0" u="none" strike="noStrike">
+                        <a:solidFill>
+                          <a:srgbClr val="000000"/>
+                        </a:solidFill>
+                        <a:effectLst/>
+                        <a:latin typeface="等线" panose="02010600030101010101" pitchFamily="2" charset="-122"/>
+                        <a:ea typeface="等线" panose="02010600030101010101" pitchFamily="2" charset="-122"/>
+                      </a:endParaRPr>
+                    </a:p>
+                  </a:txBody>
+                  <a:tcPr marL="7620" marR="7620" marT="7620" marB="0" anchor="ctr"/>
+                </a:tc>
+                <a:extLst>
+                  <a:ext uri="{0D108BD9-81ED-4DB2-BD59-A6C34878D82A}">
+                    <a16:rowId xmlns:a16="http://schemas.microsoft.com/office/drawing/2014/main" val="3870316877"/>
+                  </a:ext>
+                </a:extLst>
+              </a:tr>
+            </a:tbl>
+          </a:graphicData>
+        </a:graphic>
+      </p:graphicFrame>
+      <p:graphicFrame>
+        <p:nvGraphicFramePr>
+          <p:cNvPr id="4" name="表格 3">
+            <a:extLst>
+              <a:ext uri="{FF2B5EF4-FFF2-40B4-BE49-F238E27FC236}">
+                <a16:creationId xmlns:a16="http://schemas.microsoft.com/office/drawing/2014/main" id="{F48FA23E-A9DF-4E9B-BE7D-DA10A2678EC4}"/>
+              </a:ext>
+            </a:extLst>
+          </p:cNvPr>
+          <p:cNvGraphicFramePr>
+            <a:graphicFrameLocks noGrp="1"/>
+          </p:cNvGraphicFramePr>
+          <p:nvPr>
+            <p:extLst>
+              <p:ext uri="{D42A27DB-BD31-4B8C-83A1-F6EECF244321}">
+                <p14:modId xmlns:p14="http://schemas.microsoft.com/office/powerpoint/2010/main" val="1661465069"/>
+              </p:ext>
+            </p:extLst>
+          </p:nvPr>
+        </p:nvGraphicFramePr>
+        <p:xfrm>
+          <a:off x="4444777" y="3285044"/>
+          <a:ext cx="3371358" cy="1409700"/>
+        </p:xfrm>
+        <a:graphic>
+          <a:graphicData uri="http://schemas.openxmlformats.org/drawingml/2006/table">
+            <a:tbl>
+              <a:tblPr>
+                <a:tableStyleId>{5C22544A-7EE6-4342-B048-85BDC9FD1C3A}</a:tableStyleId>
+              </a:tblPr>
+              <a:tblGrid>
+                <a:gridCol w="836928">
+                  <a:extLst>
+                    <a:ext uri="{9D8B030D-6E8A-4147-A177-3AD203B41FA5}">
+                      <a16:colId xmlns:a16="http://schemas.microsoft.com/office/drawing/2014/main" val="550438623"/>
+                    </a:ext>
+                  </a:extLst>
+                </a:gridCol>
+                <a:gridCol w="586162">
+                  <a:extLst>
+                    <a:ext uri="{9D8B030D-6E8A-4147-A177-3AD203B41FA5}">
+                      <a16:colId xmlns:a16="http://schemas.microsoft.com/office/drawing/2014/main" val="3560520730"/>
+                    </a:ext>
+                  </a:extLst>
+                </a:gridCol>
+                <a:gridCol w="586162">
+                  <a:extLst>
+                    <a:ext uri="{9D8B030D-6E8A-4147-A177-3AD203B41FA5}">
+                      <a16:colId xmlns:a16="http://schemas.microsoft.com/office/drawing/2014/main" val="3017517785"/>
+                    </a:ext>
+                  </a:extLst>
+                </a:gridCol>
+                <a:gridCol w="629354">
+                  <a:extLst>
+                    <a:ext uri="{9D8B030D-6E8A-4147-A177-3AD203B41FA5}">
+                      <a16:colId xmlns:a16="http://schemas.microsoft.com/office/drawing/2014/main" val="340348876"/>
+                    </a:ext>
+                  </a:extLst>
+                </a:gridCol>
+                <a:gridCol w="732752">
+                  <a:extLst>
+                    <a:ext uri="{9D8B030D-6E8A-4147-A177-3AD203B41FA5}">
+                      <a16:colId xmlns:a16="http://schemas.microsoft.com/office/drawing/2014/main" val="2636546198"/>
+                    </a:ext>
+                  </a:extLst>
+                </a:gridCol>
+              </a:tblGrid>
+              <a:tr h="281245">
+                <a:tc>
+                  <a:txBody>
+                    <a:bodyPr/>
+                    <a:lstStyle/>
+                    <a:p>
+                      <a:pPr algn="ctr" fontAlgn="ctr"/>
+                      <a:r>
+                        <a:rPr lang="zh-CN" altLang="en-US" sz="1800" u="none" strike="noStrike">
+                          <a:effectLst/>
+                        </a:rPr>
+                        <a:t>职业</a:t>
+                      </a:r>
+                      <a:endParaRPr lang="zh-CN" altLang="en-US" sz="1800" b="0" i="0" u="none" strike="noStrike">
+                        <a:solidFill>
+                          <a:srgbClr val="000000"/>
+                        </a:solidFill>
+                        <a:effectLst/>
+                        <a:latin typeface="等线" panose="02010600030101010101" pitchFamily="2" charset="-122"/>
+                        <a:ea typeface="等线" panose="02010600030101010101" pitchFamily="2" charset="-122"/>
+                      </a:endParaRPr>
+                    </a:p>
+                  </a:txBody>
+                  <a:tcPr marL="7620" marR="7620" marT="7620" marB="0" anchor="ctr"/>
+                </a:tc>
+                <a:tc>
+                  <a:txBody>
+                    <a:bodyPr/>
+                    <a:lstStyle/>
+                    <a:p>
+                      <a:pPr algn="ctr" fontAlgn="ctr"/>
+                      <a:r>
+                        <a:rPr lang="zh-CN" altLang="en-US" sz="1800" u="none" strike="noStrike">
+                          <a:effectLst/>
+                        </a:rPr>
+                        <a:t>力量</a:t>
+                      </a:r>
+                      <a:endParaRPr lang="zh-CN" altLang="en-US" sz="1800" b="0" i="0" u="none" strike="noStrike">
+                        <a:solidFill>
+                          <a:srgbClr val="000000"/>
+                        </a:solidFill>
+                        <a:effectLst/>
+                        <a:latin typeface="等线" panose="02010600030101010101" pitchFamily="2" charset="-122"/>
+                        <a:ea typeface="等线" panose="02010600030101010101" pitchFamily="2" charset="-122"/>
+                      </a:endParaRPr>
+                    </a:p>
+                  </a:txBody>
+                  <a:tcPr marL="7620" marR="7620" marT="7620" marB="0" anchor="ctr"/>
+                </a:tc>
+                <a:tc>
+                  <a:txBody>
+                    <a:bodyPr/>
+                    <a:lstStyle/>
+                    <a:p>
+                      <a:pPr algn="ctr" fontAlgn="ctr"/>
+                      <a:r>
+                        <a:rPr lang="zh-CN" altLang="en-US" sz="1800" u="none" strike="noStrike">
+                          <a:effectLst/>
+                        </a:rPr>
+                        <a:t>魔法</a:t>
+                      </a:r>
+                      <a:endParaRPr lang="zh-CN" altLang="en-US" sz="1800" b="0" i="0" u="none" strike="noStrike">
+                        <a:solidFill>
+                          <a:srgbClr val="000000"/>
+                        </a:solidFill>
+                        <a:effectLst/>
+                        <a:latin typeface="等线" panose="02010600030101010101" pitchFamily="2" charset="-122"/>
+                        <a:ea typeface="等线" panose="02010600030101010101" pitchFamily="2" charset="-122"/>
+                      </a:endParaRPr>
+                    </a:p>
+                  </a:txBody>
+                  <a:tcPr marL="7620" marR="7620" marT="7620" marB="0" anchor="ctr"/>
+                </a:tc>
+                <a:tc>
+                  <a:txBody>
+                    <a:bodyPr/>
+                    <a:lstStyle/>
+                    <a:p>
+                      <a:pPr algn="ctr" fontAlgn="ctr"/>
+                      <a:r>
+                        <a:rPr lang="zh-CN" altLang="en-US" sz="1800" u="none" strike="noStrike">
+                          <a:effectLst/>
+                        </a:rPr>
+                        <a:t>血槽</a:t>
+                      </a:r>
+                      <a:endParaRPr lang="zh-CN" altLang="en-US" sz="1800" b="0" i="0" u="none" strike="noStrike">
+                        <a:solidFill>
+                          <a:srgbClr val="000000"/>
+                        </a:solidFill>
+                        <a:effectLst/>
+                        <a:latin typeface="等线" panose="02010600030101010101" pitchFamily="2" charset="-122"/>
+                        <a:ea typeface="等线" panose="02010600030101010101" pitchFamily="2" charset="-122"/>
+                      </a:endParaRPr>
+                    </a:p>
+                  </a:txBody>
+                  <a:tcPr marL="7620" marR="7620" marT="7620" marB="0" anchor="ctr"/>
+                </a:tc>
+                <a:tc>
+                  <a:txBody>
+                    <a:bodyPr/>
+                    <a:lstStyle/>
+                    <a:p>
+                      <a:pPr algn="ctr" fontAlgn="ctr"/>
+                      <a:r>
+                        <a:rPr lang="zh-CN" altLang="en-US" sz="1800" u="none" strike="noStrike">
+                          <a:effectLst/>
+                        </a:rPr>
+                        <a:t>敏捷</a:t>
+                      </a:r>
+                      <a:endParaRPr lang="zh-CN" altLang="en-US" sz="1800" b="0" i="0" u="none" strike="noStrike">
+                        <a:solidFill>
+                          <a:srgbClr val="000000"/>
+                        </a:solidFill>
+                        <a:effectLst/>
+                        <a:latin typeface="等线" panose="02010600030101010101" pitchFamily="2" charset="-122"/>
+                        <a:ea typeface="等线" panose="02010600030101010101" pitchFamily="2" charset="-122"/>
+                      </a:endParaRPr>
+                    </a:p>
+                  </a:txBody>
+                  <a:tcPr marL="7620" marR="7620" marT="7620" marB="0" anchor="ctr"/>
+                </a:tc>
+                <a:extLst>
+                  <a:ext uri="{0D108BD9-81ED-4DB2-BD59-A6C34878D82A}">
+                    <a16:rowId xmlns:a16="http://schemas.microsoft.com/office/drawing/2014/main" val="2416650654"/>
+                  </a:ext>
+                </a:extLst>
+              </a:tr>
+              <a:tr h="281245">
+                <a:tc>
+                  <a:txBody>
+                    <a:bodyPr/>
+                    <a:lstStyle/>
+                    <a:p>
+                      <a:pPr algn="ctr" fontAlgn="ctr"/>
+                      <a:r>
+                        <a:rPr lang="zh-CN" altLang="en-US" sz="1800" u="none" strike="noStrike">
+                          <a:effectLst/>
+                        </a:rPr>
+                        <a:t>骑士</a:t>
+                      </a:r>
+                      <a:endParaRPr lang="zh-CN" altLang="en-US" sz="1800" b="0" i="0" u="none" strike="noStrike">
+                        <a:solidFill>
+                          <a:srgbClr val="000000"/>
+                        </a:solidFill>
+                        <a:effectLst/>
+                        <a:latin typeface="等线" panose="02010600030101010101" pitchFamily="2" charset="-122"/>
+                        <a:ea typeface="等线" panose="02010600030101010101" pitchFamily="2" charset="-122"/>
+                      </a:endParaRPr>
+                    </a:p>
+                  </a:txBody>
+                  <a:tcPr marL="7620" marR="7620" marT="7620" marB="0" anchor="ctr"/>
+                </a:tc>
+                <a:tc>
+                  <a:txBody>
+                    <a:bodyPr/>
+                    <a:lstStyle/>
+                    <a:p>
+                      <a:pPr algn="ctr" fontAlgn="ctr"/>
+                      <a:r>
+                        <a:rPr lang="en-US" altLang="zh-CN" sz="1800" u="none" strike="noStrike">
+                          <a:effectLst/>
+                        </a:rPr>
+                        <a:t>90</a:t>
+                      </a:r>
+                      <a:endParaRPr lang="en-US" altLang="zh-CN" sz="1800" b="0" i="0" u="none" strike="noStrike">
+                        <a:solidFill>
+                          <a:srgbClr val="000000"/>
+                        </a:solidFill>
+                        <a:effectLst/>
+                        <a:latin typeface="等线" panose="02010600030101010101" pitchFamily="2" charset="-122"/>
+                        <a:ea typeface="等线" panose="02010600030101010101" pitchFamily="2" charset="-122"/>
+                      </a:endParaRPr>
+                    </a:p>
+                  </a:txBody>
+                  <a:tcPr marL="7620" marR="7620" marT="7620" marB="0" anchor="ctr"/>
+                </a:tc>
+                <a:tc>
+                  <a:txBody>
+                    <a:bodyPr/>
+                    <a:lstStyle/>
+                    <a:p>
+                      <a:pPr algn="ctr" fontAlgn="ctr"/>
+                      <a:r>
+                        <a:rPr lang="en-US" altLang="zh-CN" sz="1800" u="none" strike="noStrike">
+                          <a:effectLst/>
+                        </a:rPr>
+                        <a:t>30</a:t>
+                      </a:r>
+                      <a:endParaRPr lang="en-US" altLang="zh-CN" sz="1800" b="0" i="0" u="none" strike="noStrike">
+                        <a:solidFill>
+                          <a:srgbClr val="000000"/>
+                        </a:solidFill>
+                        <a:effectLst/>
+                        <a:latin typeface="等线" panose="02010600030101010101" pitchFamily="2" charset="-122"/>
+                        <a:ea typeface="等线" panose="02010600030101010101" pitchFamily="2" charset="-122"/>
+                      </a:endParaRPr>
+                    </a:p>
+                  </a:txBody>
+                  <a:tcPr marL="7620" marR="7620" marT="7620" marB="0" anchor="ctr"/>
+                </a:tc>
+                <a:tc>
+                  <a:txBody>
+                    <a:bodyPr/>
+                    <a:lstStyle/>
+                    <a:p>
+                      <a:pPr algn="ctr" fontAlgn="ctr"/>
+                      <a:r>
+                        <a:rPr lang="en-US" altLang="zh-CN" sz="1800" u="none" strike="noStrike">
+                          <a:effectLst/>
+                        </a:rPr>
+                        <a:t>100</a:t>
+                      </a:r>
+                      <a:endParaRPr lang="en-US" altLang="zh-CN" sz="1800" b="0" i="0" u="none" strike="noStrike">
+                        <a:solidFill>
+                          <a:srgbClr val="000000"/>
+                        </a:solidFill>
+                        <a:effectLst/>
+                        <a:latin typeface="等线" panose="02010600030101010101" pitchFamily="2" charset="-122"/>
+                        <a:ea typeface="等线" panose="02010600030101010101" pitchFamily="2" charset="-122"/>
+                      </a:endParaRPr>
+                    </a:p>
+                  </a:txBody>
+                  <a:tcPr marL="7620" marR="7620" marT="7620" marB="0" anchor="ctr"/>
+                </a:tc>
+                <a:tc>
+                  <a:txBody>
+                    <a:bodyPr/>
+                    <a:lstStyle/>
+                    <a:p>
+                      <a:pPr algn="ctr" fontAlgn="ctr"/>
+                      <a:r>
+                        <a:rPr lang="en-US" altLang="zh-CN" sz="1800" u="none" strike="noStrike">
+                          <a:effectLst/>
+                        </a:rPr>
+                        <a:t>60</a:t>
+                      </a:r>
+                      <a:endParaRPr lang="en-US" altLang="zh-CN" sz="1800" b="0" i="0" u="none" strike="noStrike">
+                        <a:solidFill>
+                          <a:srgbClr val="000000"/>
+                        </a:solidFill>
+                        <a:effectLst/>
+                        <a:latin typeface="等线" panose="02010600030101010101" pitchFamily="2" charset="-122"/>
+                        <a:ea typeface="等线" panose="02010600030101010101" pitchFamily="2" charset="-122"/>
+                      </a:endParaRPr>
+                    </a:p>
+                  </a:txBody>
+                  <a:tcPr marL="7620" marR="7620" marT="7620" marB="0" anchor="ctr"/>
+                </a:tc>
+                <a:extLst>
+                  <a:ext uri="{0D108BD9-81ED-4DB2-BD59-A6C34878D82A}">
+                    <a16:rowId xmlns:a16="http://schemas.microsoft.com/office/drawing/2014/main" val="2535390638"/>
+                  </a:ext>
+                </a:extLst>
+              </a:tr>
+              <a:tr h="281245">
+                <a:tc>
+                  <a:txBody>
+                    <a:bodyPr/>
+                    <a:lstStyle/>
+                    <a:p>
+                      <a:pPr algn="ctr" fontAlgn="ctr"/>
+                      <a:r>
+                        <a:rPr lang="zh-CN" altLang="en-US" sz="1800" u="none" strike="noStrike">
+                          <a:effectLst/>
+                        </a:rPr>
+                        <a:t>魔法师</a:t>
+                      </a:r>
+                      <a:endParaRPr lang="zh-CN" altLang="en-US" sz="1800" b="0" i="0" u="none" strike="noStrike">
+                        <a:solidFill>
+                          <a:srgbClr val="000000"/>
+                        </a:solidFill>
+                        <a:effectLst/>
+                        <a:latin typeface="等线" panose="02010600030101010101" pitchFamily="2" charset="-122"/>
+                        <a:ea typeface="等线" panose="02010600030101010101" pitchFamily="2" charset="-122"/>
+                      </a:endParaRPr>
+                    </a:p>
+                  </a:txBody>
+                  <a:tcPr marL="7620" marR="7620" marT="7620" marB="0" anchor="ctr"/>
+                </a:tc>
+                <a:tc>
+                  <a:txBody>
+                    <a:bodyPr/>
+                    <a:lstStyle/>
+                    <a:p>
+                      <a:pPr algn="ctr" fontAlgn="ctr"/>
+                      <a:r>
+                        <a:rPr lang="en-US" altLang="zh-CN" sz="1800" u="none" strike="noStrike">
+                          <a:effectLst/>
+                        </a:rPr>
+                        <a:t>30</a:t>
+                      </a:r>
+                      <a:endParaRPr lang="en-US" altLang="zh-CN" sz="1800" b="0" i="0" u="none" strike="noStrike">
+                        <a:solidFill>
+                          <a:srgbClr val="000000"/>
+                        </a:solidFill>
+                        <a:effectLst/>
+                        <a:latin typeface="等线" panose="02010600030101010101" pitchFamily="2" charset="-122"/>
+                        <a:ea typeface="等线" panose="02010600030101010101" pitchFamily="2" charset="-122"/>
+                      </a:endParaRPr>
+                    </a:p>
+                  </a:txBody>
+                  <a:tcPr marL="7620" marR="7620" marT="7620" marB="0" anchor="ctr"/>
+                </a:tc>
+                <a:tc>
+                  <a:txBody>
+                    <a:bodyPr/>
+                    <a:lstStyle/>
+                    <a:p>
+                      <a:pPr algn="ctr" fontAlgn="ctr"/>
+                      <a:r>
+                        <a:rPr lang="en-US" altLang="zh-CN" sz="1800" u="none" strike="noStrike">
+                          <a:effectLst/>
+                        </a:rPr>
+                        <a:t>100</a:t>
+                      </a:r>
+                      <a:endParaRPr lang="en-US" altLang="zh-CN" sz="1800" b="0" i="0" u="none" strike="noStrike">
+                        <a:solidFill>
+                          <a:srgbClr val="000000"/>
+                        </a:solidFill>
+                        <a:effectLst/>
+                        <a:latin typeface="等线" panose="02010600030101010101" pitchFamily="2" charset="-122"/>
+                        <a:ea typeface="等线" panose="02010600030101010101" pitchFamily="2" charset="-122"/>
+                      </a:endParaRPr>
+                    </a:p>
+                  </a:txBody>
+                  <a:tcPr marL="7620" marR="7620" marT="7620" marB="0" anchor="ctr"/>
+                </a:tc>
+                <a:tc>
+                  <a:txBody>
+                    <a:bodyPr/>
+                    <a:lstStyle/>
+                    <a:p>
+                      <a:pPr algn="ctr" fontAlgn="ctr"/>
+                      <a:r>
+                        <a:rPr lang="en-US" altLang="zh-CN" sz="1800" u="none" strike="noStrike">
+                          <a:effectLst/>
+                        </a:rPr>
+                        <a:t>30</a:t>
+                      </a:r>
+                      <a:endParaRPr lang="en-US" altLang="zh-CN" sz="1800" b="0" i="0" u="none" strike="noStrike">
+                        <a:solidFill>
+                          <a:srgbClr val="000000"/>
+                        </a:solidFill>
+                        <a:effectLst/>
+                        <a:latin typeface="等线" panose="02010600030101010101" pitchFamily="2" charset="-122"/>
+                        <a:ea typeface="等线" panose="02010600030101010101" pitchFamily="2" charset="-122"/>
+                      </a:endParaRPr>
+                    </a:p>
+                  </a:txBody>
+                  <a:tcPr marL="7620" marR="7620" marT="7620" marB="0" anchor="ctr"/>
+                </a:tc>
+                <a:tc>
+                  <a:txBody>
+                    <a:bodyPr/>
+                    <a:lstStyle/>
+                    <a:p>
+                      <a:pPr algn="ctr" fontAlgn="ctr"/>
+                      <a:r>
+                        <a:rPr lang="en-US" altLang="zh-CN" sz="1800" u="none" strike="noStrike">
+                          <a:effectLst/>
+                        </a:rPr>
+                        <a:t>80</a:t>
+                      </a:r>
+                      <a:endParaRPr lang="en-US" altLang="zh-CN" sz="1800" b="0" i="0" u="none" strike="noStrike">
+                        <a:solidFill>
+                          <a:srgbClr val="000000"/>
+                        </a:solidFill>
+                        <a:effectLst/>
+                        <a:latin typeface="等线" panose="02010600030101010101" pitchFamily="2" charset="-122"/>
+                        <a:ea typeface="等线" panose="02010600030101010101" pitchFamily="2" charset="-122"/>
+                      </a:endParaRPr>
+                    </a:p>
+                  </a:txBody>
+                  <a:tcPr marL="7620" marR="7620" marT="7620" marB="0" anchor="ctr"/>
+                </a:tc>
+                <a:extLst>
+                  <a:ext uri="{0D108BD9-81ED-4DB2-BD59-A6C34878D82A}">
+                    <a16:rowId xmlns:a16="http://schemas.microsoft.com/office/drawing/2014/main" val="654852498"/>
+                  </a:ext>
+                </a:extLst>
+              </a:tr>
+              <a:tr h="281245">
+                <a:tc>
+                  <a:txBody>
+                    <a:bodyPr/>
+                    <a:lstStyle/>
+                    <a:p>
+                      <a:pPr algn="ctr" fontAlgn="ctr"/>
+                      <a:r>
+                        <a:rPr lang="zh-CN" altLang="en-US" sz="1800" u="none" strike="noStrike">
+                          <a:effectLst/>
+                        </a:rPr>
+                        <a:t>剑士</a:t>
+                      </a:r>
+                      <a:endParaRPr lang="zh-CN" altLang="en-US" sz="1800" b="0" i="0" u="none" strike="noStrike">
+                        <a:solidFill>
+                          <a:srgbClr val="000000"/>
+                        </a:solidFill>
+                        <a:effectLst/>
+                        <a:latin typeface="等线" panose="02010600030101010101" pitchFamily="2" charset="-122"/>
+                        <a:ea typeface="等线" panose="02010600030101010101" pitchFamily="2" charset="-122"/>
+                      </a:endParaRPr>
+                    </a:p>
+                  </a:txBody>
+                  <a:tcPr marL="7620" marR="7620" marT="7620" marB="0" anchor="ctr"/>
+                </a:tc>
+                <a:tc>
+                  <a:txBody>
+                    <a:bodyPr/>
+                    <a:lstStyle/>
+                    <a:p>
+                      <a:pPr algn="ctr" fontAlgn="ctr"/>
+                      <a:r>
+                        <a:rPr lang="en-US" altLang="zh-CN" sz="1800" u="none" strike="noStrike">
+                          <a:effectLst/>
+                        </a:rPr>
+                        <a:t>100</a:t>
+                      </a:r>
+                      <a:endParaRPr lang="en-US" altLang="zh-CN" sz="1800" b="0" i="0" u="none" strike="noStrike">
+                        <a:solidFill>
+                          <a:srgbClr val="000000"/>
+                        </a:solidFill>
+                        <a:effectLst/>
+                        <a:latin typeface="等线" panose="02010600030101010101" pitchFamily="2" charset="-122"/>
+                        <a:ea typeface="等线" panose="02010600030101010101" pitchFamily="2" charset="-122"/>
+                      </a:endParaRPr>
+                    </a:p>
+                  </a:txBody>
+                  <a:tcPr marL="7620" marR="7620" marT="7620" marB="0" anchor="ctr"/>
+                </a:tc>
+                <a:tc>
+                  <a:txBody>
+                    <a:bodyPr/>
+                    <a:lstStyle/>
+                    <a:p>
+                      <a:pPr algn="ctr" fontAlgn="ctr"/>
+                      <a:r>
+                        <a:rPr lang="en-US" altLang="zh-CN" sz="1800" u="none" strike="noStrike">
+                          <a:effectLst/>
+                        </a:rPr>
+                        <a:t>30</a:t>
+                      </a:r>
+                      <a:endParaRPr lang="en-US" altLang="zh-CN" sz="1800" b="0" i="0" u="none" strike="noStrike">
+                        <a:solidFill>
+                          <a:srgbClr val="000000"/>
+                        </a:solidFill>
+                        <a:effectLst/>
+                        <a:latin typeface="等线" panose="02010600030101010101" pitchFamily="2" charset="-122"/>
+                        <a:ea typeface="等线" panose="02010600030101010101" pitchFamily="2" charset="-122"/>
+                      </a:endParaRPr>
+                    </a:p>
+                  </a:txBody>
+                  <a:tcPr marL="7620" marR="7620" marT="7620" marB="0" anchor="ctr"/>
+                </a:tc>
+                <a:tc>
+                  <a:txBody>
+                    <a:bodyPr/>
+                    <a:lstStyle/>
+                    <a:p>
+                      <a:pPr algn="ctr" fontAlgn="ctr"/>
+                      <a:r>
+                        <a:rPr lang="en-US" altLang="zh-CN" sz="1800" u="none" strike="noStrike">
+                          <a:effectLst/>
+                        </a:rPr>
+                        <a:t>90</a:t>
+                      </a:r>
+                      <a:endParaRPr lang="en-US" altLang="zh-CN" sz="1800" b="0" i="0" u="none" strike="noStrike">
+                        <a:solidFill>
+                          <a:srgbClr val="000000"/>
+                        </a:solidFill>
+                        <a:effectLst/>
+                        <a:latin typeface="等线" panose="02010600030101010101" pitchFamily="2" charset="-122"/>
+                        <a:ea typeface="等线" panose="02010600030101010101" pitchFamily="2" charset="-122"/>
+                      </a:endParaRPr>
+                    </a:p>
+                  </a:txBody>
+                  <a:tcPr marL="7620" marR="7620" marT="7620" marB="0" anchor="ctr"/>
+                </a:tc>
+                <a:tc>
+                  <a:txBody>
+                    <a:bodyPr/>
+                    <a:lstStyle/>
+                    <a:p>
+                      <a:pPr algn="ctr" fontAlgn="ctr"/>
+                      <a:r>
+                        <a:rPr lang="en-US" altLang="zh-CN" sz="1800" u="none" strike="noStrike">
+                          <a:effectLst/>
+                        </a:rPr>
+                        <a:t>90</a:t>
+                      </a:r>
+                      <a:endParaRPr lang="en-US" altLang="zh-CN" sz="1800" b="0" i="0" u="none" strike="noStrike">
+                        <a:solidFill>
+                          <a:srgbClr val="000000"/>
+                        </a:solidFill>
+                        <a:effectLst/>
+                        <a:latin typeface="等线" panose="02010600030101010101" pitchFamily="2" charset="-122"/>
+                        <a:ea typeface="等线" panose="02010600030101010101" pitchFamily="2" charset="-122"/>
+                      </a:endParaRPr>
+                    </a:p>
+                  </a:txBody>
+                  <a:tcPr marL="7620" marR="7620" marT="7620" marB="0" anchor="ctr"/>
+                </a:tc>
+                <a:extLst>
+                  <a:ext uri="{0D108BD9-81ED-4DB2-BD59-A6C34878D82A}">
+                    <a16:rowId xmlns:a16="http://schemas.microsoft.com/office/drawing/2014/main" val="2748458684"/>
+                  </a:ext>
+                </a:extLst>
+              </a:tr>
+              <a:tr h="281245">
+                <a:tc>
+                  <a:txBody>
+                    <a:bodyPr/>
+                    <a:lstStyle/>
+                    <a:p>
+                      <a:pPr algn="ctr" fontAlgn="ctr"/>
+                      <a:r>
+                        <a:rPr lang="zh-CN" altLang="en-US" sz="1800" u="none" strike="noStrike">
+                          <a:effectLst/>
+                        </a:rPr>
+                        <a:t>弓箭手</a:t>
+                      </a:r>
+                      <a:endParaRPr lang="zh-CN" altLang="en-US" sz="1800" b="0" i="0" u="none" strike="noStrike">
+                        <a:solidFill>
+                          <a:srgbClr val="000000"/>
+                        </a:solidFill>
+                        <a:effectLst/>
+                        <a:latin typeface="等线" panose="02010600030101010101" pitchFamily="2" charset="-122"/>
+                        <a:ea typeface="等线" panose="02010600030101010101" pitchFamily="2" charset="-122"/>
+                      </a:endParaRPr>
+                    </a:p>
+                  </a:txBody>
+                  <a:tcPr marL="7620" marR="7620" marT="7620" marB="0" anchor="ctr"/>
+                </a:tc>
+                <a:tc>
+                  <a:txBody>
+                    <a:bodyPr/>
+                    <a:lstStyle/>
+                    <a:p>
+                      <a:pPr algn="ctr" fontAlgn="ctr"/>
+                      <a:r>
+                        <a:rPr lang="en-US" altLang="zh-CN" sz="1800" u="none" strike="noStrike">
+                          <a:effectLst/>
+                        </a:rPr>
+                        <a:t>80</a:t>
+                      </a:r>
+                      <a:endParaRPr lang="en-US" altLang="zh-CN" sz="1800" b="0" i="0" u="none" strike="noStrike">
+                        <a:solidFill>
+                          <a:srgbClr val="000000"/>
+                        </a:solidFill>
+                        <a:effectLst/>
+                        <a:latin typeface="等线" panose="02010600030101010101" pitchFamily="2" charset="-122"/>
+                        <a:ea typeface="等线" panose="02010600030101010101" pitchFamily="2" charset="-122"/>
+                      </a:endParaRPr>
+                    </a:p>
+                  </a:txBody>
+                  <a:tcPr marL="7620" marR="7620" marT="7620" marB="0" anchor="ctr"/>
+                </a:tc>
+                <a:tc>
+                  <a:txBody>
+                    <a:bodyPr/>
+                    <a:lstStyle/>
+                    <a:p>
+                      <a:pPr algn="ctr" fontAlgn="ctr"/>
+                      <a:r>
+                        <a:rPr lang="en-US" altLang="zh-CN" sz="1800" u="none" strike="noStrike">
+                          <a:effectLst/>
+                        </a:rPr>
+                        <a:t>40</a:t>
+                      </a:r>
+                      <a:endParaRPr lang="en-US" altLang="zh-CN" sz="1800" b="0" i="0" u="none" strike="noStrike">
+                        <a:solidFill>
+                          <a:srgbClr val="000000"/>
+                        </a:solidFill>
+                        <a:effectLst/>
+                        <a:latin typeface="等线" panose="02010600030101010101" pitchFamily="2" charset="-122"/>
+                        <a:ea typeface="等线" panose="02010600030101010101" pitchFamily="2" charset="-122"/>
+                      </a:endParaRPr>
+                    </a:p>
+                  </a:txBody>
+                  <a:tcPr marL="7620" marR="7620" marT="7620" marB="0" anchor="ctr"/>
+                </a:tc>
+                <a:tc>
+                  <a:txBody>
+                    <a:bodyPr/>
+                    <a:lstStyle/>
+                    <a:p>
+                      <a:pPr algn="ctr" fontAlgn="ctr"/>
+                      <a:r>
+                        <a:rPr lang="en-US" altLang="zh-CN" sz="1800" u="none" strike="noStrike">
+                          <a:effectLst/>
+                        </a:rPr>
+                        <a:t>60</a:t>
+                      </a:r>
+                      <a:endParaRPr lang="en-US" altLang="zh-CN" sz="1800" b="0" i="0" u="none" strike="noStrike">
+                        <a:solidFill>
+                          <a:srgbClr val="000000"/>
+                        </a:solidFill>
+                        <a:effectLst/>
+                        <a:latin typeface="等线" panose="02010600030101010101" pitchFamily="2" charset="-122"/>
+                        <a:ea typeface="等线" panose="02010600030101010101" pitchFamily="2" charset="-122"/>
+                      </a:endParaRPr>
+                    </a:p>
+                  </a:txBody>
+                  <a:tcPr marL="7620" marR="7620" marT="7620" marB="0" anchor="ctr"/>
+                </a:tc>
+                <a:tc>
+                  <a:txBody>
+                    <a:bodyPr/>
+                    <a:lstStyle/>
+                    <a:p>
+                      <a:pPr algn="ctr" fontAlgn="ctr"/>
+                      <a:r>
+                        <a:rPr lang="en-US" altLang="zh-CN" sz="1800" u="none" strike="noStrike">
+                          <a:effectLst/>
+                        </a:rPr>
+                        <a:t>100</a:t>
+                      </a:r>
+                      <a:endParaRPr lang="en-US" altLang="zh-CN" sz="1800" b="0" i="0" u="none" strike="noStrike">
+                        <a:solidFill>
+                          <a:srgbClr val="000000"/>
+                        </a:solidFill>
+                        <a:effectLst/>
+                        <a:latin typeface="等线" panose="02010600030101010101" pitchFamily="2" charset="-122"/>
+                        <a:ea typeface="等线" panose="02010600030101010101" pitchFamily="2" charset="-122"/>
+                      </a:endParaRPr>
+                    </a:p>
+                  </a:txBody>
+                  <a:tcPr marL="7620" marR="7620" marT="7620" marB="0" anchor="ctr"/>
+                </a:tc>
+                <a:extLst>
+                  <a:ext uri="{0D108BD9-81ED-4DB2-BD59-A6C34878D82A}">
+                    <a16:rowId xmlns:a16="http://schemas.microsoft.com/office/drawing/2014/main" val="950453381"/>
+                  </a:ext>
+                </a:extLst>
+              </a:tr>
+            </a:tbl>
+          </a:graphicData>
+        </a:graphic>
+      </p:graphicFrame>
+      <p:sp>
+        <p:nvSpPr>
+          <p:cNvPr id="6" name="乘号 5">
+            <a:extLst>
+              <a:ext uri="{FF2B5EF4-FFF2-40B4-BE49-F238E27FC236}">
+                <a16:creationId xmlns:a16="http://schemas.microsoft.com/office/drawing/2014/main" id="{3D828139-7C95-43F2-BF19-8930B7F6E590}"/>
+              </a:ext>
+            </a:extLst>
+          </p:cNvPr>
+          <p:cNvSpPr/>
+          <p:nvPr/>
+        </p:nvSpPr>
+        <p:spPr>
+          <a:xfrm>
+            <a:off x="3913327" y="3578085"/>
+            <a:ext cx="499648" cy="691764"/>
+          </a:xfrm>
+          <a:prstGeom prst="mathMultiply">
+            <a:avLst/>
+          </a:prstGeom>
+        </p:spPr>
+        <p:style>
+          <a:lnRef idx="2">
+            <a:schemeClr val="accent1">
+              <a:shade val="50000"/>
+            </a:schemeClr>
+          </a:lnRef>
+          <a:fillRef idx="1">
+            <a:schemeClr val="accent1"/>
+          </a:fillRef>
+          <a:effectRef idx="0">
+            <a:schemeClr val="accent1"/>
+          </a:effectRef>
+          <a:fontRef idx="minor">
+            <a:schemeClr val="lt1"/>
+          </a:fontRef>
+        </p:style>
+        <p:txBody>
+          <a:bodyPr rtlCol="0" anchor="ctr"/>
+          <a:lstStyle/>
+          <a:p>
+            <a:pPr algn="ctr"/>
+            <a:endParaRPr lang="zh-CN" altLang="en-US"/>
+          </a:p>
+        </p:txBody>
+      </p:sp>
+      <p:graphicFrame>
+        <p:nvGraphicFramePr>
+          <p:cNvPr id="7" name="表格 6">
+            <a:extLst>
+              <a:ext uri="{FF2B5EF4-FFF2-40B4-BE49-F238E27FC236}">
+                <a16:creationId xmlns:a16="http://schemas.microsoft.com/office/drawing/2014/main" id="{B2E32021-B069-490A-A113-5581B55A685A}"/>
+              </a:ext>
+            </a:extLst>
+          </p:cNvPr>
+          <p:cNvGraphicFramePr>
+            <a:graphicFrameLocks noGrp="1"/>
+          </p:cNvGraphicFramePr>
+          <p:nvPr>
+            <p:extLst>
+              <p:ext uri="{D42A27DB-BD31-4B8C-83A1-F6EECF244321}">
+                <p14:modId xmlns:p14="http://schemas.microsoft.com/office/powerpoint/2010/main" val="2176899127"/>
+              </p:ext>
+            </p:extLst>
+          </p:nvPr>
+        </p:nvGraphicFramePr>
+        <p:xfrm>
+          <a:off x="8452235" y="3694984"/>
+          <a:ext cx="3085329" cy="563880"/>
+        </p:xfrm>
+        <a:graphic>
+          <a:graphicData uri="http://schemas.openxmlformats.org/drawingml/2006/table">
+            <a:tbl>
+              <a:tblPr>
+                <a:tableStyleId>{5C22544A-7EE6-4342-B048-85BDC9FD1C3A}</a:tableStyleId>
+              </a:tblPr>
+              <a:tblGrid>
+                <a:gridCol w="762952">
+                  <a:extLst>
+                    <a:ext uri="{9D8B030D-6E8A-4147-A177-3AD203B41FA5}">
+                      <a16:colId xmlns:a16="http://schemas.microsoft.com/office/drawing/2014/main" val="522575774"/>
+                    </a:ext>
+                  </a:extLst>
+                </a:gridCol>
+                <a:gridCol w="535940">
+                  <a:extLst>
+                    <a:ext uri="{9D8B030D-6E8A-4147-A177-3AD203B41FA5}">
+                      <a16:colId xmlns:a16="http://schemas.microsoft.com/office/drawing/2014/main" val="907697836"/>
+                    </a:ext>
+                  </a:extLst>
+                </a:gridCol>
+                <a:gridCol w="535940">
+                  <a:extLst>
+                    <a:ext uri="{9D8B030D-6E8A-4147-A177-3AD203B41FA5}">
+                      <a16:colId xmlns:a16="http://schemas.microsoft.com/office/drawing/2014/main" val="566173974"/>
+                    </a:ext>
+                  </a:extLst>
+                </a:gridCol>
+                <a:gridCol w="535940">
+                  <a:extLst>
+                    <a:ext uri="{9D8B030D-6E8A-4147-A177-3AD203B41FA5}">
+                      <a16:colId xmlns:a16="http://schemas.microsoft.com/office/drawing/2014/main" val="4188794394"/>
+                    </a:ext>
+                  </a:extLst>
+                </a:gridCol>
+                <a:gridCol w="714557">
+                  <a:extLst>
+                    <a:ext uri="{9D8B030D-6E8A-4147-A177-3AD203B41FA5}">
+                      <a16:colId xmlns:a16="http://schemas.microsoft.com/office/drawing/2014/main" val="3671607614"/>
+                    </a:ext>
+                  </a:extLst>
+                </a:gridCol>
+              </a:tblGrid>
+              <a:tr h="121152">
+                <a:tc>
+                  <a:txBody>
+                    <a:bodyPr/>
+                    <a:lstStyle/>
+                    <a:p>
+                      <a:pPr algn="l" fontAlgn="ctr"/>
+                      <a:endParaRPr lang="zh-CN" altLang="en-US" sz="1800" b="0" i="0" u="none" strike="noStrike">
+                        <a:solidFill>
+                          <a:srgbClr val="000000"/>
+                        </a:solidFill>
+                        <a:effectLst/>
+                        <a:latin typeface="等线" panose="02010600030101010101" pitchFamily="2" charset="-122"/>
+                        <a:ea typeface="等线" panose="02010600030101010101" pitchFamily="2" charset="-122"/>
+                      </a:endParaRPr>
+                    </a:p>
+                  </a:txBody>
+                  <a:tcPr marL="7620" marR="7620" marT="7620" marB="0" anchor="ctr"/>
+                </a:tc>
+                <a:tc>
+                  <a:txBody>
+                    <a:bodyPr/>
+                    <a:lstStyle/>
+                    <a:p>
+                      <a:pPr algn="ctr" rtl="0" fontAlgn="ctr"/>
+                      <a:r>
+                        <a:rPr lang="zh-CN" altLang="en-US" sz="1800" u="none" strike="noStrike">
+                          <a:effectLst/>
+                        </a:rPr>
+                        <a:t>力量</a:t>
+                      </a:r>
+                      <a:endParaRPr lang="zh-CN" altLang="en-US" sz="1800" b="0" i="0" u="none" strike="noStrike">
+                        <a:solidFill>
+                          <a:srgbClr val="000000"/>
+                        </a:solidFill>
+                        <a:effectLst/>
+                        <a:latin typeface="Arial" panose="020B0604020202020204" pitchFamily="34" charset="0"/>
+                        <a:ea typeface="等线" panose="02010600030101010101" pitchFamily="2" charset="-122"/>
+                      </a:endParaRPr>
+                    </a:p>
+                  </a:txBody>
+                  <a:tcPr marL="7620" marR="7620" marT="7620" marB="0" anchor="ctr"/>
+                </a:tc>
+                <a:tc>
+                  <a:txBody>
+                    <a:bodyPr/>
+                    <a:lstStyle/>
+                    <a:p>
+                      <a:pPr algn="ctr" rtl="0" fontAlgn="ctr"/>
+                      <a:r>
+                        <a:rPr lang="zh-CN" altLang="en-US" sz="1800" u="none" strike="noStrike">
+                          <a:effectLst/>
+                        </a:rPr>
+                        <a:t>魔法</a:t>
+                      </a:r>
+                      <a:endParaRPr lang="zh-CN" altLang="en-US" sz="1800" b="0" i="0" u="none" strike="noStrike">
+                        <a:solidFill>
+                          <a:srgbClr val="000000"/>
+                        </a:solidFill>
+                        <a:effectLst/>
+                        <a:latin typeface="Arial" panose="020B0604020202020204" pitchFamily="34" charset="0"/>
+                        <a:ea typeface="等线" panose="02010600030101010101" pitchFamily="2" charset="-122"/>
+                      </a:endParaRPr>
+                    </a:p>
+                  </a:txBody>
+                  <a:tcPr marL="7620" marR="7620" marT="7620" marB="0" anchor="ctr"/>
+                </a:tc>
+                <a:tc>
+                  <a:txBody>
+                    <a:bodyPr/>
+                    <a:lstStyle/>
+                    <a:p>
+                      <a:pPr algn="ctr" rtl="0" fontAlgn="ctr"/>
+                      <a:r>
+                        <a:rPr lang="zh-CN" altLang="en-US" sz="1800" u="none" strike="noStrike">
+                          <a:effectLst/>
+                        </a:rPr>
+                        <a:t>血槽</a:t>
+                      </a:r>
+                      <a:endParaRPr lang="zh-CN" altLang="en-US" sz="1800" b="0" i="0" u="none" strike="noStrike">
+                        <a:solidFill>
+                          <a:srgbClr val="000000"/>
+                        </a:solidFill>
+                        <a:effectLst/>
+                        <a:latin typeface="Arial" panose="020B0604020202020204" pitchFamily="34" charset="0"/>
+                        <a:ea typeface="等线" panose="02010600030101010101" pitchFamily="2" charset="-122"/>
+                      </a:endParaRPr>
+                    </a:p>
+                  </a:txBody>
+                  <a:tcPr marL="7620" marR="7620" marT="7620" marB="0" anchor="ctr"/>
+                </a:tc>
+                <a:tc>
+                  <a:txBody>
+                    <a:bodyPr/>
+                    <a:lstStyle/>
+                    <a:p>
+                      <a:pPr algn="ctr" rtl="0" fontAlgn="ctr"/>
+                      <a:r>
+                        <a:rPr lang="zh-CN" altLang="en-US" sz="1800" u="none" strike="noStrike">
+                          <a:effectLst/>
+                        </a:rPr>
+                        <a:t>敏捷</a:t>
+                      </a:r>
+                      <a:endParaRPr lang="zh-CN" altLang="en-US" sz="1800" b="0" i="0" u="none" strike="noStrike">
+                        <a:solidFill>
+                          <a:srgbClr val="000000"/>
+                        </a:solidFill>
+                        <a:effectLst/>
+                        <a:latin typeface="Arial" panose="020B0604020202020204" pitchFamily="34" charset="0"/>
+                        <a:ea typeface="等线" panose="02010600030101010101" pitchFamily="2" charset="-122"/>
+                      </a:endParaRPr>
+                    </a:p>
+                  </a:txBody>
+                  <a:tcPr marL="7620" marR="7620" marT="7620" marB="0" anchor="ctr"/>
+                </a:tc>
+                <a:extLst>
+                  <a:ext uri="{0D108BD9-81ED-4DB2-BD59-A6C34878D82A}">
+                    <a16:rowId xmlns:a16="http://schemas.microsoft.com/office/drawing/2014/main" val="3429710312"/>
+                  </a:ext>
+                </a:extLst>
+              </a:tr>
+              <a:tr h="239029">
+                <a:tc>
+                  <a:txBody>
+                    <a:bodyPr/>
+                    <a:lstStyle/>
+                    <a:p>
+                      <a:pPr algn="ctr" fontAlgn="ctr"/>
+                      <a:r>
+                        <a:rPr lang="zh-CN" altLang="en-US" sz="1800" b="0" i="0" u="none" strike="noStrike">
+                          <a:solidFill>
+                            <a:srgbClr val="000000"/>
+                          </a:solidFill>
+                          <a:effectLst/>
+                          <a:latin typeface="华文新魏" panose="02010800040101010101" pitchFamily="2" charset="-122"/>
+                          <a:ea typeface="+mn-ea"/>
+                        </a:rPr>
+                        <a:t>骑法师</a:t>
+                      </a:r>
+                    </a:p>
+                  </a:txBody>
+                  <a:tcPr marL="7620" marR="7620" marT="7620" marB="0" anchor="ctr"/>
+                </a:tc>
+                <a:tc>
+                  <a:txBody>
+                    <a:bodyPr/>
+                    <a:lstStyle/>
+                    <a:p>
+                      <a:pPr algn="ctr" fontAlgn="ctr"/>
+                      <a:r>
+                        <a:rPr lang="en-US" altLang="zh-CN" sz="1800" u="none" strike="noStrike">
+                          <a:effectLst/>
+                        </a:rPr>
+                        <a:t>65</a:t>
+                      </a:r>
+                      <a:endParaRPr lang="en-US" altLang="zh-CN" sz="1800" b="0" i="0" u="none" strike="noStrike">
+                        <a:solidFill>
+                          <a:srgbClr val="000000"/>
+                        </a:solidFill>
+                        <a:effectLst/>
+                        <a:latin typeface="等线" panose="02010600030101010101" pitchFamily="2" charset="-122"/>
+                        <a:ea typeface="等线" panose="02010600030101010101" pitchFamily="2" charset="-122"/>
+                      </a:endParaRPr>
+                    </a:p>
+                  </a:txBody>
+                  <a:tcPr marL="7620" marR="7620" marT="7620" marB="0" anchor="ctr"/>
+                </a:tc>
+                <a:tc>
+                  <a:txBody>
+                    <a:bodyPr/>
+                    <a:lstStyle/>
+                    <a:p>
+                      <a:pPr algn="ctr" fontAlgn="ctr"/>
+                      <a:r>
+                        <a:rPr lang="en-US" altLang="zh-CN" sz="1800" u="none" strike="noStrike">
+                          <a:effectLst/>
+                        </a:rPr>
+                        <a:t>65</a:t>
+                      </a:r>
+                      <a:endParaRPr lang="en-US" altLang="zh-CN" sz="1800" b="0" i="0" u="none" strike="noStrike">
+                        <a:solidFill>
+                          <a:srgbClr val="000000"/>
+                        </a:solidFill>
+                        <a:effectLst/>
+                        <a:latin typeface="等线" panose="02010600030101010101" pitchFamily="2" charset="-122"/>
+                        <a:ea typeface="等线" panose="02010600030101010101" pitchFamily="2" charset="-122"/>
+                      </a:endParaRPr>
+                    </a:p>
+                  </a:txBody>
+                  <a:tcPr marL="7620" marR="7620" marT="7620" marB="0" anchor="ctr"/>
+                </a:tc>
+                <a:tc>
+                  <a:txBody>
+                    <a:bodyPr/>
+                    <a:lstStyle/>
+                    <a:p>
+                      <a:pPr algn="ctr" fontAlgn="ctr"/>
+                      <a:r>
+                        <a:rPr lang="en-US" altLang="zh-CN" sz="1800" u="none" strike="noStrike">
+                          <a:effectLst/>
+                        </a:rPr>
+                        <a:t>65</a:t>
+                      </a:r>
+                      <a:endParaRPr lang="en-US" altLang="zh-CN" sz="1800" b="0" i="0" u="none" strike="noStrike">
+                        <a:solidFill>
+                          <a:srgbClr val="000000"/>
+                        </a:solidFill>
+                        <a:effectLst/>
+                        <a:latin typeface="等线" panose="02010600030101010101" pitchFamily="2" charset="-122"/>
+                        <a:ea typeface="等线" panose="02010600030101010101" pitchFamily="2" charset="-122"/>
+                      </a:endParaRPr>
+                    </a:p>
+                  </a:txBody>
+                  <a:tcPr marL="7620" marR="7620" marT="7620" marB="0" anchor="ctr"/>
+                </a:tc>
+                <a:tc>
+                  <a:txBody>
+                    <a:bodyPr/>
+                    <a:lstStyle/>
+                    <a:p>
+                      <a:pPr algn="ctr" fontAlgn="ctr"/>
+                      <a:r>
+                        <a:rPr lang="en-US" altLang="zh-CN" sz="1800" u="none" strike="noStrike">
+                          <a:effectLst/>
+                        </a:rPr>
+                        <a:t>70</a:t>
+                      </a:r>
+                      <a:endParaRPr lang="en-US" altLang="zh-CN" sz="1800" b="0" i="0" u="none" strike="noStrike">
+                        <a:solidFill>
+                          <a:srgbClr val="000000"/>
+                        </a:solidFill>
+                        <a:effectLst/>
+                        <a:latin typeface="等线" panose="02010600030101010101" pitchFamily="2" charset="-122"/>
+                        <a:ea typeface="等线" panose="02010600030101010101" pitchFamily="2" charset="-122"/>
+                      </a:endParaRPr>
+                    </a:p>
+                  </a:txBody>
+                  <a:tcPr marL="7620" marR="7620" marT="7620" marB="0" anchor="ctr"/>
+                </a:tc>
+                <a:extLst>
+                  <a:ext uri="{0D108BD9-81ED-4DB2-BD59-A6C34878D82A}">
+                    <a16:rowId xmlns:a16="http://schemas.microsoft.com/office/drawing/2014/main" val="2061058679"/>
+                  </a:ext>
+                </a:extLst>
+              </a:tr>
+            </a:tbl>
+          </a:graphicData>
+        </a:graphic>
+      </p:graphicFrame>
+      <p:sp>
+        <p:nvSpPr>
+          <p:cNvPr id="8" name="等号 7">
+            <a:extLst>
+              <a:ext uri="{FF2B5EF4-FFF2-40B4-BE49-F238E27FC236}">
+                <a16:creationId xmlns:a16="http://schemas.microsoft.com/office/drawing/2014/main" id="{8B9E1F72-1CE3-4EFA-8988-DCB920D03CBF}"/>
+              </a:ext>
+            </a:extLst>
+          </p:cNvPr>
+          <p:cNvSpPr/>
+          <p:nvPr/>
+        </p:nvSpPr>
+        <p:spPr>
+          <a:xfrm>
+            <a:off x="7839458" y="3792771"/>
+            <a:ext cx="526269" cy="381663"/>
+          </a:xfrm>
+          <a:prstGeom prst="mathEqual">
+            <a:avLst/>
+          </a:prstGeom>
+        </p:spPr>
+        <p:style>
+          <a:lnRef idx="2">
+            <a:schemeClr val="accent1">
+              <a:shade val="50000"/>
+            </a:schemeClr>
+          </a:lnRef>
+          <a:fillRef idx="1">
+            <a:schemeClr val="accent1"/>
+          </a:fillRef>
+          <a:effectRef idx="0">
+            <a:schemeClr val="accent1"/>
+          </a:effectRef>
+          <a:fontRef idx="minor">
+            <a:schemeClr val="lt1"/>
+          </a:fontRef>
+        </p:style>
+        <p:txBody>
+          <a:bodyPr rtlCol="0" anchor="ctr"/>
+          <a:lstStyle/>
+          <a:p>
+            <a:pPr algn="ctr"/>
+            <a:endParaRPr lang="zh-CN" altLang="en-US">
+              <a:solidFill>
+                <a:schemeClr val="tx1"/>
+              </a:solidFill>
+            </a:endParaRPr>
+          </a:p>
+        </p:txBody>
+      </p:sp>
+      <p:sp>
+        <p:nvSpPr>
+          <p:cNvPr id="11" name="文本框 10">
+            <a:extLst>
+              <a:ext uri="{FF2B5EF4-FFF2-40B4-BE49-F238E27FC236}">
+                <a16:creationId xmlns:a16="http://schemas.microsoft.com/office/drawing/2014/main" id="{3DA6DF54-6BCD-400A-A545-FC03AEBCCAFD}"/>
+              </a:ext>
+            </a:extLst>
+          </p:cNvPr>
+          <p:cNvSpPr txBox="1"/>
+          <p:nvPr/>
+        </p:nvSpPr>
+        <p:spPr>
+          <a:xfrm>
+            <a:off x="4405025" y="4715134"/>
+            <a:ext cx="906448" cy="523220"/>
+          </a:xfrm>
+          <a:prstGeom prst="rect">
+            <a:avLst/>
+          </a:prstGeom>
+          <a:noFill/>
+        </p:spPr>
+        <p:txBody>
+          <a:bodyPr wrap="square" rtlCol="0">
+            <a:spAutoFit/>
+          </a:bodyPr>
+          <a:lstStyle/>
+          <a:p>
+            <a:r>
+              <a:rPr lang="zh-CN" altLang="en-US" sz="2800">
+                <a:solidFill>
+                  <a:srgbClr val="C00000"/>
+                </a:solidFill>
+              </a:rPr>
+              <a:t>输入</a:t>
+            </a:r>
+          </a:p>
+        </p:txBody>
+      </p:sp>
+      <p:sp>
+        <p:nvSpPr>
+          <p:cNvPr id="12" name="文本框 11">
+            <a:extLst>
+              <a:ext uri="{FF2B5EF4-FFF2-40B4-BE49-F238E27FC236}">
+                <a16:creationId xmlns:a16="http://schemas.microsoft.com/office/drawing/2014/main" id="{D74896A9-D9EF-4D97-9072-B469B77AF90D}"/>
+              </a:ext>
+            </a:extLst>
+          </p:cNvPr>
+          <p:cNvSpPr txBox="1"/>
+          <p:nvPr/>
+        </p:nvSpPr>
+        <p:spPr>
+          <a:xfrm>
+            <a:off x="5702413" y="2780546"/>
+            <a:ext cx="905122" cy="523220"/>
+          </a:xfrm>
+          <a:prstGeom prst="rect">
+            <a:avLst/>
+          </a:prstGeom>
+          <a:noFill/>
+        </p:spPr>
+        <p:txBody>
+          <a:bodyPr wrap="square" rtlCol="0">
+            <a:spAutoFit/>
+          </a:bodyPr>
+          <a:lstStyle/>
+          <a:p>
+            <a:r>
+              <a:rPr lang="zh-CN" altLang="en-US" sz="2800">
+                <a:solidFill>
+                  <a:srgbClr val="C00000"/>
+                </a:solidFill>
+              </a:rPr>
+              <a:t>输出</a:t>
+            </a:r>
+          </a:p>
+        </p:txBody>
+      </p:sp>
+    </p:spTree>
+    <p:extLst>
+      <p:ext uri="{BB962C8B-B14F-4D97-AF65-F5344CB8AC3E}">
+        <p14:creationId xmlns:p14="http://schemas.microsoft.com/office/powerpoint/2010/main" val="513233000"/>
+      </p:ext>
+    </p:extLst>
+  </p:cSld>
+  <p:clrMapOvr>
+    <a:masterClrMapping/>
+  </p:clrMapOvr>
+</p:sld>
+</file>
+
+<file path=ppt/slides/slide14.xml><?xml version="1.0" encoding="utf-8"?>
+<p:sld xmlns:a="http://schemas.openxmlformats.org/drawingml/2006/main" xmlns:r="http://schemas.openxmlformats.org/officeDocument/2006/relationships" xmlns:p="http://schemas.openxmlformats.org/presentationml/2006/main">
+  <p:cSld>
+    <p:spTree>
+      <p:nvGrpSpPr>
+        <p:cNvPr id="1" name=""/>
+        <p:cNvGrpSpPr/>
+        <p:nvPr/>
+      </p:nvGrpSpPr>
+      <p:grpSpPr>
+        <a:xfrm>
+          <a:off x="0" y="0"/>
+          <a:ext cx="0" cy="0"/>
+          <a:chOff x="0" y="0"/>
+          <a:chExt cx="0" cy="0"/>
+        </a:xfrm>
+      </p:grpSpPr>
+      <p:sp>
+        <p:nvSpPr>
+          <p:cNvPr id="2" name="标题 1">
+            <a:extLst>
+              <a:ext uri="{FF2B5EF4-FFF2-40B4-BE49-F238E27FC236}">
+                <a16:creationId xmlns:a16="http://schemas.microsoft.com/office/drawing/2014/main" id="{E64FECFA-CAB4-4C96-8556-EF2A09C623AC}"/>
+              </a:ext>
+            </a:extLst>
+          </p:cNvPr>
+          <p:cNvSpPr>
+            <a:spLocks noGrp="1"/>
+          </p:cNvSpPr>
+          <p:nvPr>
+            <p:ph type="title"/>
+          </p:nvPr>
+        </p:nvSpPr>
+        <p:spPr/>
+        <p:txBody>
+          <a:bodyPr/>
+          <a:lstStyle/>
+          <a:p>
+            <a:r>
+              <a:rPr lang="zh-CN" altLang="en-US"/>
+              <a:t>矩阵转置</a:t>
+            </a:r>
+            <a:r>
+              <a:rPr lang="en-US" altLang="zh-CN"/>
+              <a:t>(matrix transposition)</a:t>
+            </a:r>
+            <a:endParaRPr lang="zh-CN" altLang="en-US"/>
+          </a:p>
+        </p:txBody>
+      </p:sp>
+      <p:sp>
+        <p:nvSpPr>
+          <p:cNvPr id="3" name="内容占位符 2">
+            <a:extLst>
+              <a:ext uri="{FF2B5EF4-FFF2-40B4-BE49-F238E27FC236}">
+                <a16:creationId xmlns:a16="http://schemas.microsoft.com/office/drawing/2014/main" id="{2E9593FF-550D-47B7-8859-08A4AAE3B7D1}"/>
+              </a:ext>
+            </a:extLst>
+          </p:cNvPr>
+          <p:cNvSpPr>
+            <a:spLocks noGrp="1"/>
+          </p:cNvSpPr>
+          <p:nvPr>
+            <p:ph idx="1"/>
+          </p:nvPr>
+        </p:nvSpPr>
+        <p:spPr/>
+        <p:txBody>
+          <a:bodyPr/>
+          <a:lstStyle/>
+          <a:p>
+            <a:endParaRPr lang="en-US" altLang="zh-CN"/>
+          </a:p>
+          <a:p>
+            <a:endParaRPr lang="en-US" altLang="zh-CN"/>
+          </a:p>
+          <a:p>
+            <a:endParaRPr lang="en-US" altLang="zh-CN"/>
+          </a:p>
+          <a:p>
+            <a:endParaRPr lang="en-US" altLang="zh-CN"/>
+          </a:p>
+          <a:p>
+            <a:endParaRPr lang="en-US" altLang="zh-CN"/>
+          </a:p>
+          <a:p>
+            <a:endParaRPr lang="en-US" altLang="zh-CN"/>
+          </a:p>
+          <a:p>
+            <a:endParaRPr lang="en-US" altLang="zh-CN"/>
+          </a:p>
+          <a:p>
+            <a:r>
+              <a:rPr lang="zh-CN" altLang="en-US" sz="2400"/>
+              <a:t>万物都有学问。这么简单的事也有挑战。</a:t>
+            </a:r>
+            <a:endParaRPr lang="en-US" altLang="zh-CN" sz="2400"/>
+          </a:p>
+          <a:p>
+            <a:r>
+              <a:rPr lang="zh-CN" altLang="en-US" sz="2400">
+                <a:solidFill>
+                  <a:srgbClr val="7030A0"/>
+                </a:solidFill>
+              </a:rPr>
+              <a:t>网上搜</a:t>
+            </a:r>
+            <a:r>
+              <a:rPr lang="en-US" altLang="zh-CN" sz="2400">
+                <a:solidFill>
+                  <a:srgbClr val="7030A0"/>
+                </a:solidFill>
+              </a:rPr>
+              <a:t>in-place matrix transposition</a:t>
+            </a:r>
+            <a:endParaRPr lang="zh-CN" altLang="en-US" sz="2400">
+              <a:solidFill>
+                <a:srgbClr val="7030A0"/>
+              </a:solidFill>
+            </a:endParaRPr>
+          </a:p>
+        </p:txBody>
+      </p:sp>
+      <p:pic>
+        <p:nvPicPr>
+          <p:cNvPr id="4" name="图片 3">
+            <a:extLst>
+              <a:ext uri="{FF2B5EF4-FFF2-40B4-BE49-F238E27FC236}">
+                <a16:creationId xmlns:a16="http://schemas.microsoft.com/office/drawing/2014/main" id="{10A63183-9DCC-47F8-8969-1E8D6095180E}"/>
+              </a:ext>
+            </a:extLst>
+          </p:cNvPr>
+          <p:cNvPicPr>
+            <a:picLocks noChangeAspect="1"/>
+          </p:cNvPicPr>
+          <p:nvPr/>
+        </p:nvPicPr>
+        <p:blipFill>
+          <a:blip r:embed="rId2"/>
+          <a:stretch>
+            <a:fillRect/>
+          </a:stretch>
+        </p:blipFill>
+        <p:spPr>
+          <a:xfrm>
+            <a:off x="827224" y="2009514"/>
+            <a:ext cx="7038975" cy="2447925"/>
+          </a:xfrm>
+          <a:prstGeom prst="rect">
+            <a:avLst/>
+          </a:prstGeom>
+        </p:spPr>
+      </p:pic>
+    </p:spTree>
+    <p:extLst>
+      <p:ext uri="{BB962C8B-B14F-4D97-AF65-F5344CB8AC3E}">
+        <p14:creationId xmlns:p14="http://schemas.microsoft.com/office/powerpoint/2010/main" val="2072377774"/>
+      </p:ext>
+    </p:extLst>
+  </p:cSld>
+  <p:clrMapOvr>
+    <a:masterClrMapping/>
+  </p:clrMapOvr>
+</p:sld>
+</file>
+
+<file path=ppt/slides/slide15.xml><?xml version="1.0" encoding="utf-8"?>
+<p:sld xmlns:a="http://schemas.openxmlformats.org/drawingml/2006/main" xmlns:r="http://schemas.openxmlformats.org/officeDocument/2006/relationships" xmlns:p="http://schemas.openxmlformats.org/presentationml/2006/main">
+  <p:cSld>
+    <p:spTree>
+      <p:nvGrpSpPr>
+        <p:cNvPr id="1" name=""/>
+        <p:cNvGrpSpPr/>
+        <p:nvPr/>
+      </p:nvGrpSpPr>
+      <p:grpSpPr>
+        <a:xfrm>
+          <a:off x="0" y="0"/>
+          <a:ext cx="0" cy="0"/>
+          <a:chOff x="0" y="0"/>
+          <a:chExt cx="0" cy="0"/>
+        </a:xfrm>
+      </p:grpSpPr>
+      <p:sp>
+        <p:nvSpPr>
+          <p:cNvPr id="2" name="标题 1">
+            <a:extLst>
+              <a:ext uri="{FF2B5EF4-FFF2-40B4-BE49-F238E27FC236}">
+                <a16:creationId xmlns:a16="http://schemas.microsoft.com/office/drawing/2014/main" id="{3FD8A5B6-CA7D-44EC-9294-8498222ECA45}"/>
+              </a:ext>
+            </a:extLst>
+          </p:cNvPr>
+          <p:cNvSpPr>
+            <a:spLocks noGrp="1"/>
+          </p:cNvSpPr>
+          <p:nvPr>
+            <p:ph type="title"/>
+          </p:nvPr>
+        </p:nvSpPr>
+        <p:spPr/>
+        <p:txBody>
+          <a:bodyPr/>
+          <a:lstStyle/>
+          <a:p>
+            <a:r>
+              <a:rPr lang="zh-CN" altLang="en-US"/>
+              <a:t>矩阵乘法</a:t>
+            </a:r>
+            <a:r>
+              <a:rPr lang="en-US" altLang="zh-CN"/>
+              <a:t>(matrix multiplication)</a:t>
+            </a:r>
+            <a:endParaRPr lang="zh-CN" altLang="en-US"/>
+          </a:p>
+        </p:txBody>
+      </p:sp>
+      <p:pic>
+        <p:nvPicPr>
+          <p:cNvPr id="5" name="内容占位符 4">
+            <a:extLst>
+              <a:ext uri="{FF2B5EF4-FFF2-40B4-BE49-F238E27FC236}">
+                <a16:creationId xmlns:a16="http://schemas.microsoft.com/office/drawing/2014/main" id="{E2393E82-B0C5-4C78-A563-07CB6D35DE7A}"/>
+              </a:ext>
+            </a:extLst>
+          </p:cNvPr>
+          <p:cNvPicPr>
+            <a:picLocks noGrp="1" noChangeAspect="1"/>
+          </p:cNvPicPr>
+          <p:nvPr>
+            <p:ph idx="1"/>
+          </p:nvPr>
+        </p:nvPicPr>
+        <p:blipFill>
+          <a:blip r:embed="rId2">
+            <a:extLst>
+              <a:ext uri="{28A0092B-C50C-407E-A947-70E740481C1C}">
+                <a14:useLocalDpi xmlns:a14="http://schemas.microsoft.com/office/drawing/2010/main" val="0"/>
+              </a:ext>
+            </a:extLst>
+          </a:blip>
+          <a:stretch>
+            <a:fillRect/>
+          </a:stretch>
+        </p:blipFill>
+        <p:spPr>
+          <a:xfrm>
+            <a:off x="1019162" y="1469797"/>
+            <a:ext cx="8596668" cy="4235780"/>
+          </a:xfrm>
+        </p:spPr>
+      </p:pic>
+      <p:pic>
+        <p:nvPicPr>
+          <p:cNvPr id="6" name="图片 5">
+            <a:extLst>
+              <a:ext uri="{FF2B5EF4-FFF2-40B4-BE49-F238E27FC236}">
+                <a16:creationId xmlns:a16="http://schemas.microsoft.com/office/drawing/2014/main" id="{8F12133C-08CD-416E-B43C-71513E9D164D}"/>
+              </a:ext>
+            </a:extLst>
+          </p:cNvPr>
+          <p:cNvPicPr>
+            <a:picLocks noChangeAspect="1"/>
+          </p:cNvPicPr>
+          <p:nvPr/>
+        </p:nvPicPr>
+        <p:blipFill>
+          <a:blip r:embed="rId3"/>
+          <a:stretch>
+            <a:fillRect/>
+          </a:stretch>
+        </p:blipFill>
+        <p:spPr>
+          <a:xfrm>
+            <a:off x="67835" y="6270830"/>
+            <a:ext cx="4248150" cy="533400"/>
+          </a:xfrm>
+          <a:prstGeom prst="rect">
+            <a:avLst/>
+          </a:prstGeom>
+        </p:spPr>
+      </p:pic>
+      <p:pic>
+        <p:nvPicPr>
+          <p:cNvPr id="7" name="图片 6">
+            <a:extLst>
+              <a:ext uri="{FF2B5EF4-FFF2-40B4-BE49-F238E27FC236}">
+                <a16:creationId xmlns:a16="http://schemas.microsoft.com/office/drawing/2014/main" id="{16689085-110B-4572-BA25-B4850CBF063F}"/>
+              </a:ext>
+            </a:extLst>
+          </p:cNvPr>
+          <p:cNvPicPr>
+            <a:picLocks noChangeAspect="1"/>
+          </p:cNvPicPr>
+          <p:nvPr/>
+        </p:nvPicPr>
+        <p:blipFill>
+          <a:blip r:embed="rId4"/>
+          <a:stretch>
+            <a:fillRect/>
+          </a:stretch>
+        </p:blipFill>
+        <p:spPr>
+          <a:xfrm>
+            <a:off x="5027004" y="6199268"/>
+            <a:ext cx="3267075" cy="619125"/>
+          </a:xfrm>
+          <a:prstGeom prst="rect">
+            <a:avLst/>
+          </a:prstGeom>
+        </p:spPr>
+      </p:pic>
+      <p:pic>
+        <p:nvPicPr>
+          <p:cNvPr id="9" name="图片 8">
+            <a:extLst>
+              <a:ext uri="{FF2B5EF4-FFF2-40B4-BE49-F238E27FC236}">
+                <a16:creationId xmlns:a16="http://schemas.microsoft.com/office/drawing/2014/main" id="{BF38E7DB-5586-418C-934E-523F9FB30193}"/>
+              </a:ext>
+            </a:extLst>
+          </p:cNvPr>
+          <p:cNvPicPr>
+            <a:picLocks noChangeAspect="1"/>
+          </p:cNvPicPr>
+          <p:nvPr/>
+        </p:nvPicPr>
+        <p:blipFill>
+          <a:blip r:embed="rId5"/>
+          <a:stretch>
+            <a:fillRect/>
+          </a:stretch>
+        </p:blipFill>
+        <p:spPr>
+          <a:xfrm>
+            <a:off x="9074627" y="6133024"/>
+            <a:ext cx="3067050" cy="666750"/>
+          </a:xfrm>
+          <a:prstGeom prst="rect">
+            <a:avLst/>
+          </a:prstGeom>
+        </p:spPr>
+      </p:pic>
+    </p:spTree>
+    <p:extLst>
+      <p:ext uri="{BB962C8B-B14F-4D97-AF65-F5344CB8AC3E}">
+        <p14:creationId xmlns:p14="http://schemas.microsoft.com/office/powerpoint/2010/main" val="2504066757"/>
+      </p:ext>
+    </p:extLst>
+  </p:cSld>
+  <p:clrMapOvr>
+    <a:masterClrMapping/>
+  </p:clrMapOvr>
+</p:sld>
+</file>
+
+<file path=ppt/slides/slide16.xml><?xml version="1.0" encoding="utf-8"?>
+<p:sld xmlns:a="http://schemas.openxmlformats.org/drawingml/2006/main" xmlns:r="http://schemas.openxmlformats.org/officeDocument/2006/relationships" xmlns:p="http://schemas.openxmlformats.org/presentationml/2006/main">
+  <p:cSld>
+    <p:spTree>
+      <p:nvGrpSpPr>
+        <p:cNvPr id="1" name=""/>
+        <p:cNvGrpSpPr/>
+        <p:nvPr/>
+      </p:nvGrpSpPr>
+      <p:grpSpPr>
+        <a:xfrm>
+          <a:off x="0" y="0"/>
+          <a:ext cx="0" cy="0"/>
+          <a:chOff x="0" y="0"/>
+          <a:chExt cx="0" cy="0"/>
+        </a:xfrm>
+      </p:grpSpPr>
+      <p:sp>
+        <p:nvSpPr>
+          <p:cNvPr id="2" name="标题 1">
+            <a:extLst>
+              <a:ext uri="{FF2B5EF4-FFF2-40B4-BE49-F238E27FC236}">
+                <a16:creationId xmlns:a16="http://schemas.microsoft.com/office/drawing/2014/main" id="{14A7CFD0-B82E-4019-94F5-10DB6C4D148B}"/>
+              </a:ext>
+            </a:extLst>
+          </p:cNvPr>
+          <p:cNvSpPr>
+            <a:spLocks noGrp="1"/>
+          </p:cNvSpPr>
+          <p:nvPr>
+            <p:ph type="title"/>
+          </p:nvPr>
+        </p:nvSpPr>
+        <p:spPr/>
+        <p:txBody>
+          <a:bodyPr/>
+          <a:lstStyle/>
+          <a:p>
+            <a:r>
+              <a:rPr lang="zh-CN" altLang="en-US"/>
+              <a:t>单位阵（</a:t>
+            </a:r>
+            <a:r>
+              <a:rPr lang="en-US" altLang="zh-CN"/>
+              <a:t>Identity Matrix)</a:t>
+            </a:r>
+            <a:endParaRPr lang="zh-CN" altLang="en-US"/>
+          </a:p>
+        </p:txBody>
+      </p:sp>
+      <p:sp>
+        <p:nvSpPr>
+          <p:cNvPr id="3" name="内容占位符 2">
+            <a:extLst>
+              <a:ext uri="{FF2B5EF4-FFF2-40B4-BE49-F238E27FC236}">
+                <a16:creationId xmlns:a16="http://schemas.microsoft.com/office/drawing/2014/main" id="{89129EF2-33E4-4A58-B375-639CF78EA411}"/>
+              </a:ext>
+            </a:extLst>
+          </p:cNvPr>
+          <p:cNvSpPr>
+            <a:spLocks noGrp="1"/>
+          </p:cNvSpPr>
+          <p:nvPr>
+            <p:ph idx="1"/>
+          </p:nvPr>
+        </p:nvSpPr>
+        <p:spPr/>
+        <p:txBody>
+          <a:bodyPr/>
+          <a:lstStyle/>
+          <a:p>
+            <a:r>
+              <a:rPr lang="zh-CN" altLang="en-US" sz="2400"/>
+              <a:t>单位阵：对角线都是</a:t>
+            </a:r>
+            <a:r>
+              <a:rPr lang="en-US" altLang="zh-CN" sz="2400"/>
+              <a:t>1</a:t>
+            </a:r>
+            <a:r>
+              <a:rPr lang="zh-CN" altLang="en-US" sz="2400"/>
+              <a:t>，其余值都是</a:t>
+            </a:r>
+            <a:r>
+              <a:rPr lang="en-US" altLang="zh-CN" sz="2400"/>
+              <a:t>0</a:t>
+            </a:r>
+            <a:r>
+              <a:rPr lang="zh-CN" altLang="en-US" sz="2400"/>
+              <a:t>的方形矩阵。</a:t>
+            </a:r>
+            <a:endParaRPr lang="en-US" altLang="zh-CN" sz="2400"/>
+          </a:p>
+          <a:p>
+            <a:endParaRPr lang="zh-CN" altLang="en-US"/>
+          </a:p>
+        </p:txBody>
+      </p:sp>
+      <p:pic>
+        <p:nvPicPr>
+          <p:cNvPr id="5" name="图片 4">
+            <a:extLst>
+              <a:ext uri="{FF2B5EF4-FFF2-40B4-BE49-F238E27FC236}">
+                <a16:creationId xmlns:a16="http://schemas.microsoft.com/office/drawing/2014/main" id="{F5C26027-237E-4DF8-9312-83C9B2D1F421}"/>
+              </a:ext>
+            </a:extLst>
+          </p:cNvPr>
+          <p:cNvPicPr>
+            <a:picLocks noChangeAspect="1"/>
+          </p:cNvPicPr>
+          <p:nvPr/>
+        </p:nvPicPr>
+        <p:blipFill>
+          <a:blip r:embed="rId2">
+            <a:extLst>
+              <a:ext uri="{28A0092B-C50C-407E-A947-70E740481C1C}">
+                <a14:useLocalDpi xmlns:a14="http://schemas.microsoft.com/office/drawing/2010/main" val="0"/>
+              </a:ext>
+            </a:extLst>
+          </a:blip>
+          <a:stretch>
+            <a:fillRect/>
+          </a:stretch>
+        </p:blipFill>
+        <p:spPr>
+          <a:xfrm>
+            <a:off x="770117" y="2908893"/>
+            <a:ext cx="4514850" cy="1724025"/>
+          </a:xfrm>
+          <a:prstGeom prst="rect">
+            <a:avLst/>
+          </a:prstGeom>
+        </p:spPr>
+      </p:pic>
+    </p:spTree>
+    <p:extLst>
+      <p:ext uri="{BB962C8B-B14F-4D97-AF65-F5344CB8AC3E}">
+        <p14:creationId xmlns:p14="http://schemas.microsoft.com/office/powerpoint/2010/main" val="4188910965"/>
+      </p:ext>
+    </p:extLst>
+  </p:cSld>
+  <p:clrMapOvr>
+    <a:masterClrMapping/>
+  </p:clrMapOvr>
+</p:sld>
+</file>
+
+<file path=ppt/slides/slide17.xml><?xml version="1.0" encoding="utf-8"?>
+<p:sld xmlns:a="http://schemas.openxmlformats.org/drawingml/2006/main" xmlns:r="http://schemas.openxmlformats.org/officeDocument/2006/relationships" xmlns:p="http://schemas.openxmlformats.org/presentationml/2006/main">
+  <p:cSld>
+    <p:spTree>
+      <p:nvGrpSpPr>
+        <p:cNvPr id="1" name=""/>
+        <p:cNvGrpSpPr/>
+        <p:nvPr/>
+      </p:nvGrpSpPr>
+      <p:grpSpPr>
+        <a:xfrm>
+          <a:off x="0" y="0"/>
+          <a:ext cx="0" cy="0"/>
+          <a:chOff x="0" y="0"/>
+          <a:chExt cx="0" cy="0"/>
+        </a:xfrm>
+      </p:grpSpPr>
+      <p:sp>
+        <p:nvSpPr>
+          <p:cNvPr id="2" name="标题 1">
+            <a:extLst>
+              <a:ext uri="{FF2B5EF4-FFF2-40B4-BE49-F238E27FC236}">
+                <a16:creationId xmlns:a16="http://schemas.microsoft.com/office/drawing/2014/main" id="{7DBD7223-BC1E-4012-800A-15B0F330C4F5}"/>
+              </a:ext>
+            </a:extLst>
+          </p:cNvPr>
+          <p:cNvSpPr>
+            <a:spLocks noGrp="1"/>
+          </p:cNvSpPr>
+          <p:nvPr>
+            <p:ph type="title"/>
+          </p:nvPr>
+        </p:nvSpPr>
+        <p:spPr/>
+        <p:txBody>
+          <a:bodyPr/>
+          <a:lstStyle/>
+          <a:p>
+            <a:r>
+              <a:rPr lang="zh-CN" altLang="en-US"/>
+              <a:t>逆矩阵</a:t>
+            </a:r>
+            <a:r>
+              <a:rPr lang="en-US" altLang="zh-CN"/>
+              <a:t>(inverse matrix)</a:t>
+            </a:r>
+            <a:endParaRPr lang="zh-CN" altLang="en-US"/>
+          </a:p>
+        </p:txBody>
+      </p:sp>
+      <p:sp>
+        <p:nvSpPr>
+          <p:cNvPr id="3" name="内容占位符 2">
+            <a:extLst>
+              <a:ext uri="{FF2B5EF4-FFF2-40B4-BE49-F238E27FC236}">
+                <a16:creationId xmlns:a16="http://schemas.microsoft.com/office/drawing/2014/main" id="{2364ECB7-32E3-48C0-8A52-B94342E38AF6}"/>
+              </a:ext>
+            </a:extLst>
+          </p:cNvPr>
+          <p:cNvSpPr>
+            <a:spLocks noGrp="1"/>
+          </p:cNvSpPr>
+          <p:nvPr>
+            <p:ph idx="1"/>
+          </p:nvPr>
+        </p:nvSpPr>
+        <p:spPr>
+          <a:xfrm>
+            <a:off x="677334" y="1532435"/>
+            <a:ext cx="8596668" cy="3880773"/>
+          </a:xfrm>
+        </p:spPr>
+        <p:txBody>
+          <a:bodyPr>
+            <a:normAutofit/>
+          </a:bodyPr>
+          <a:lstStyle/>
+          <a:p>
+            <a:r>
+              <a:rPr lang="zh-CN" altLang="en-US" sz="2400"/>
+              <a:t>逆矩阵和原矩阵相乘为单位阵</a:t>
+            </a:r>
+            <a:endParaRPr lang="en-US" altLang="zh-CN" sz="2400"/>
+          </a:p>
+          <a:p>
+            <a:pPr marL="0" indent="0">
+              <a:buNone/>
+            </a:pPr>
+            <a:endParaRPr lang="en-US" altLang="zh-CN" sz="4000"/>
+          </a:p>
+          <a:p>
+            <a:r>
+              <a:rPr lang="zh-CN" altLang="en-US" sz="4000"/>
+              <a:t>王</a:t>
+            </a:r>
+            <a:r>
+              <a:rPr lang="en-US" altLang="zh-CN" sz="4000" baseline="30000"/>
+              <a:t>-1</a:t>
+            </a:r>
+            <a:r>
+              <a:rPr lang="zh-CN" altLang="en-US" sz="4000"/>
+              <a:t>王</a:t>
+            </a:r>
+            <a:r>
+              <a:rPr lang="en-US" altLang="zh-CN" sz="4000"/>
+              <a:t>=</a:t>
+            </a:r>
+            <a:r>
+              <a:rPr lang="zh-CN" altLang="en-US" sz="4000"/>
+              <a:t>一             王</a:t>
+            </a:r>
+            <a:r>
+              <a:rPr lang="en-US" altLang="zh-CN" sz="4000" baseline="30000"/>
+              <a:t>-1</a:t>
+            </a:r>
+            <a:r>
+              <a:rPr lang="zh-CN" altLang="en-US" sz="4000"/>
+              <a:t> </a:t>
+            </a:r>
+            <a:r>
+              <a:rPr lang="en-US" altLang="zh-CN" sz="4000"/>
+              <a:t>=</a:t>
+            </a:r>
+            <a:r>
+              <a:rPr lang="zh-CN" altLang="en-US" sz="4000"/>
+              <a:t>？</a:t>
+            </a:r>
+            <a:endParaRPr lang="en-US" altLang="zh-CN" sz="4000"/>
+          </a:p>
+          <a:p>
+            <a:pPr marL="0" indent="0">
+              <a:buNone/>
+            </a:pPr>
+            <a:endParaRPr lang="en-US" altLang="zh-CN" sz="4000"/>
+          </a:p>
+          <a:p>
+            <a:endParaRPr lang="en-US" altLang="zh-CN" sz="4000">
+              <a:solidFill>
+                <a:srgbClr val="FF0000"/>
+              </a:solidFill>
+            </a:endParaRPr>
+          </a:p>
+          <a:p>
+            <a:endParaRPr lang="zh-CN" altLang="en-US" sz="2400">
+              <a:solidFill>
+                <a:srgbClr val="FF0000"/>
+              </a:solidFill>
+            </a:endParaRPr>
+          </a:p>
+        </p:txBody>
+      </p:sp>
+      <p:pic>
+        <p:nvPicPr>
+          <p:cNvPr id="4" name="图片 3">
+            <a:extLst>
+              <a:ext uri="{FF2B5EF4-FFF2-40B4-BE49-F238E27FC236}">
+                <a16:creationId xmlns:a16="http://schemas.microsoft.com/office/drawing/2014/main" id="{EC77B557-D695-465C-BFCF-0A9826EEF89A}"/>
+              </a:ext>
+            </a:extLst>
+          </p:cNvPr>
+          <p:cNvPicPr>
+            <a:picLocks noChangeAspect="1"/>
+          </p:cNvPicPr>
+          <p:nvPr/>
+        </p:nvPicPr>
+        <p:blipFill>
+          <a:blip r:embed="rId2"/>
+          <a:stretch>
+            <a:fillRect/>
+          </a:stretch>
+        </p:blipFill>
+        <p:spPr>
+          <a:xfrm>
+            <a:off x="1134636" y="1920447"/>
+            <a:ext cx="2114550" cy="695325"/>
+          </a:xfrm>
+          <a:prstGeom prst="rect">
+            <a:avLst/>
+          </a:prstGeom>
+        </p:spPr>
+      </p:pic>
+      <p:pic>
+        <p:nvPicPr>
+          <p:cNvPr id="5" name="图片 4">
+            <a:extLst>
+              <a:ext uri="{FF2B5EF4-FFF2-40B4-BE49-F238E27FC236}">
+                <a16:creationId xmlns:a16="http://schemas.microsoft.com/office/drawing/2014/main" id="{A341BE30-F1AA-4D63-B849-67D66ADD7112}"/>
+              </a:ext>
+            </a:extLst>
+          </p:cNvPr>
+          <p:cNvPicPr>
+            <a:picLocks noChangeAspect="1"/>
+          </p:cNvPicPr>
+          <p:nvPr/>
+        </p:nvPicPr>
+        <p:blipFill>
+          <a:blip r:embed="rId3"/>
+          <a:stretch>
+            <a:fillRect/>
+          </a:stretch>
+        </p:blipFill>
+        <p:spPr>
+          <a:xfrm>
+            <a:off x="739472" y="3698884"/>
+            <a:ext cx="7259950" cy="2849011"/>
+          </a:xfrm>
+          <a:prstGeom prst="rect">
+            <a:avLst/>
+          </a:prstGeom>
+        </p:spPr>
+      </p:pic>
+    </p:spTree>
+    <p:extLst>
+      <p:ext uri="{BB962C8B-B14F-4D97-AF65-F5344CB8AC3E}">
+        <p14:creationId xmlns:p14="http://schemas.microsoft.com/office/powerpoint/2010/main" val="676507102"/>
+      </p:ext>
+    </p:extLst>
+  </p:cSld>
+  <p:clrMapOvr>
+    <a:masterClrMapping/>
+  </p:clrMapOvr>
+</p:sld>
+</file>
+
+<file path=ppt/slides/slide18.xml><?xml version="1.0" encoding="utf-8"?>
+<p:sld xmlns:a="http://schemas.openxmlformats.org/drawingml/2006/main" xmlns:r="http://schemas.openxmlformats.org/officeDocument/2006/relationships" xmlns:p="http://schemas.openxmlformats.org/presentationml/2006/main">
+  <p:cSld>
+    <p:spTree>
+      <p:nvGrpSpPr>
+        <p:cNvPr id="1" name=""/>
+        <p:cNvGrpSpPr/>
+        <p:nvPr/>
+      </p:nvGrpSpPr>
+      <p:grpSpPr>
+        <a:xfrm>
+          <a:off x="0" y="0"/>
+          <a:ext cx="0" cy="0"/>
+          <a:chOff x="0" y="0"/>
+          <a:chExt cx="0" cy="0"/>
+        </a:xfrm>
+      </p:grpSpPr>
+      <p:sp>
+        <p:nvSpPr>
+          <p:cNvPr id="2" name="标题 1">
+            <a:extLst>
+              <a:ext uri="{FF2B5EF4-FFF2-40B4-BE49-F238E27FC236}">
+                <a16:creationId xmlns:a16="http://schemas.microsoft.com/office/drawing/2014/main" id="{2EBF8DC7-4739-494B-B258-C6AE16DC40AC}"/>
+              </a:ext>
+            </a:extLst>
+          </p:cNvPr>
+          <p:cNvSpPr>
+            <a:spLocks noGrp="1"/>
+          </p:cNvSpPr>
+          <p:nvPr>
+            <p:ph type="title"/>
+          </p:nvPr>
+        </p:nvSpPr>
+        <p:spPr/>
+        <p:txBody>
+          <a:bodyPr/>
+          <a:lstStyle/>
+          <a:p>
+            <a:r>
+              <a:rPr lang="zh-CN" altLang="en-US"/>
+              <a:t>吉洪诺夫正则化</a:t>
+            </a:r>
+            <a:r>
+              <a:rPr lang="en-US" altLang="zh-CN"/>
+              <a:t>(Tikhonov regularization )</a:t>
+            </a:r>
+            <a:endParaRPr lang="zh-CN" altLang="en-US"/>
+          </a:p>
+        </p:txBody>
+      </p:sp>
+      <p:sp>
+        <p:nvSpPr>
+          <p:cNvPr id="3" name="内容占位符 2">
+            <a:extLst>
+              <a:ext uri="{FF2B5EF4-FFF2-40B4-BE49-F238E27FC236}">
+                <a16:creationId xmlns:a16="http://schemas.microsoft.com/office/drawing/2014/main" id="{9A5B95DC-32FD-4B5C-9F15-DAAB1B3F5348}"/>
+              </a:ext>
+            </a:extLst>
+          </p:cNvPr>
+          <p:cNvSpPr>
+            <a:spLocks noGrp="1"/>
+          </p:cNvSpPr>
+          <p:nvPr>
+            <p:ph idx="1"/>
+          </p:nvPr>
+        </p:nvSpPr>
+        <p:spPr/>
+        <p:txBody>
+          <a:bodyPr>
+            <a:normAutofit/>
+          </a:bodyPr>
+          <a:lstStyle/>
+          <a:p>
+            <a:r>
+              <a:rPr lang="en-US" altLang="zh-CN" sz="2400"/>
+              <a:t>y=1/x</a:t>
+            </a:r>
+            <a:r>
+              <a:rPr lang="zh-CN" altLang="en-US" sz="2400"/>
+              <a:t>，当</a:t>
+            </a:r>
+            <a:r>
+              <a:rPr lang="en-US" altLang="zh-CN" sz="2400"/>
+              <a:t>x</a:t>
+            </a:r>
+            <a:r>
+              <a:rPr lang="zh-CN" altLang="en-US" sz="2400"/>
+              <a:t>很小的时候，</a:t>
+            </a:r>
+            <a:r>
+              <a:rPr lang="en-US" altLang="zh-CN" sz="2400"/>
+              <a:t>y</a:t>
+            </a:r>
+            <a:r>
+              <a:rPr lang="zh-CN" altLang="en-US" sz="2400"/>
+              <a:t>趋向于无穷大。</a:t>
+            </a:r>
+            <a:endParaRPr lang="en-US" altLang="zh-CN" sz="2400"/>
+          </a:p>
+          <a:p>
+            <a:endParaRPr lang="en-US" altLang="zh-CN" sz="2400"/>
+          </a:p>
+          <a:p>
+            <a:r>
+              <a:rPr lang="en-US" altLang="zh-CN" sz="2400"/>
+              <a:t>x=x+</a:t>
+            </a:r>
+            <a:r>
+              <a:rPr lang="el-GR" altLang="zh-CN" sz="2400"/>
+              <a:t> λ</a:t>
+            </a:r>
+            <a:r>
+              <a:rPr lang="en-US" altLang="zh-CN" sz="2400"/>
+              <a:t>,</a:t>
+            </a:r>
+            <a:r>
+              <a:rPr lang="zh-CN" altLang="en-US" sz="2400"/>
+              <a:t>其中</a:t>
+            </a:r>
+            <a:r>
+              <a:rPr lang="el-GR" altLang="zh-CN" sz="2400"/>
+              <a:t>λ</a:t>
+            </a:r>
+            <a:r>
+              <a:rPr lang="zh-CN" altLang="en-US" sz="2400"/>
+              <a:t>是一个小的数字，那么</a:t>
+            </a:r>
+            <a:r>
+              <a:rPr lang="en-US" altLang="zh-CN" sz="2400"/>
+              <a:t>y</a:t>
+            </a:r>
+            <a:r>
+              <a:rPr lang="zh-CN" altLang="en-US" sz="2400"/>
+              <a:t>就不会无穷大了，</a:t>
+            </a:r>
+            <a:r>
+              <a:rPr lang="el-GR" altLang="zh-CN" sz="2400"/>
+              <a:t> λ</a:t>
+            </a:r>
+            <a:r>
+              <a:rPr lang="zh-CN" altLang="en-US" sz="2400"/>
+              <a:t>起到一个稳定的作用。</a:t>
+            </a:r>
+            <a:endParaRPr lang="en-US" altLang="zh-CN" sz="2400"/>
+          </a:p>
+          <a:p>
+            <a:endParaRPr lang="en-US" altLang="zh-CN" sz="2400"/>
+          </a:p>
+          <a:p>
+            <a:r>
+              <a:rPr lang="zh-CN" altLang="en-US" sz="2400"/>
+              <a:t>吉洪诺夫正则化</a:t>
+            </a:r>
+            <a:endParaRPr lang="en-US" altLang="zh-CN" sz="2400"/>
+          </a:p>
+          <a:p>
+            <a:pPr lvl="1"/>
+            <a:r>
+              <a:rPr lang="en-US" altLang="zh-CN" sz="3500"/>
+              <a:t>A=A+</a:t>
+            </a:r>
+            <a:r>
+              <a:rPr lang="el-GR" altLang="zh-CN" sz="3500"/>
+              <a:t>λ</a:t>
+            </a:r>
+            <a:r>
+              <a:rPr lang="en-US" altLang="zh-CN" sz="3500"/>
+              <a:t>I</a:t>
+            </a:r>
+          </a:p>
+          <a:p>
+            <a:endParaRPr lang="en-US" altLang="zh-CN" sz="2400"/>
+          </a:p>
+        </p:txBody>
+      </p:sp>
+    </p:spTree>
+    <p:extLst>
+      <p:ext uri="{BB962C8B-B14F-4D97-AF65-F5344CB8AC3E}">
+        <p14:creationId xmlns:p14="http://schemas.microsoft.com/office/powerpoint/2010/main" val="203715209"/>
+      </p:ext>
+    </p:extLst>
+  </p:cSld>
+  <p:clrMapOvr>
+    <a:masterClrMapping/>
+  </p:clrMapOvr>
+</p:sld>
+</file>
+
+<file path=ppt/slides/slide19.xml><?xml version="1.0" encoding="utf-8"?>
+<p:sld xmlns:a="http://schemas.openxmlformats.org/drawingml/2006/main" xmlns:r="http://schemas.openxmlformats.org/officeDocument/2006/relationships" xmlns:p="http://schemas.openxmlformats.org/presentationml/2006/main">
+  <p:cSld>
+    <p:spTree>
+      <p:nvGrpSpPr>
+        <p:cNvPr id="1" name=""/>
+        <p:cNvGrpSpPr/>
+        <p:nvPr/>
+      </p:nvGrpSpPr>
+      <p:grpSpPr>
+        <a:xfrm>
+          <a:off x="0" y="0"/>
+          <a:ext cx="0" cy="0"/>
+          <a:chOff x="0" y="0"/>
+          <a:chExt cx="0" cy="0"/>
+        </a:xfrm>
+      </p:grpSpPr>
+      <p:sp>
+        <p:nvSpPr>
+          <p:cNvPr id="2" name="标题 1">
+            <a:extLst>
+              <a:ext uri="{FF2B5EF4-FFF2-40B4-BE49-F238E27FC236}">
+                <a16:creationId xmlns:a16="http://schemas.microsoft.com/office/drawing/2014/main" id="{BE232CD7-6E8E-42E1-94A2-664010BED0A1}"/>
+              </a:ext>
+            </a:extLst>
+          </p:cNvPr>
+          <p:cNvSpPr>
+            <a:spLocks noGrp="1"/>
+          </p:cNvSpPr>
+          <p:nvPr>
+            <p:ph type="title"/>
+          </p:nvPr>
+        </p:nvSpPr>
+        <p:spPr/>
+        <p:txBody>
+          <a:bodyPr/>
+          <a:lstStyle/>
+          <a:p>
+            <a:r>
+              <a:rPr lang="zh-CN" altLang="en-US"/>
+              <a:t>逆矩阵用于解方程</a:t>
+            </a:r>
+          </a:p>
+        </p:txBody>
+      </p:sp>
+      <p:sp>
+        <p:nvSpPr>
+          <p:cNvPr id="3" name="内容占位符 2">
+            <a:extLst>
+              <a:ext uri="{FF2B5EF4-FFF2-40B4-BE49-F238E27FC236}">
+                <a16:creationId xmlns:a16="http://schemas.microsoft.com/office/drawing/2014/main" id="{961E71D1-0256-456E-903B-213953FFCD4E}"/>
+              </a:ext>
+            </a:extLst>
+          </p:cNvPr>
+          <p:cNvSpPr>
+            <a:spLocks noGrp="1"/>
+          </p:cNvSpPr>
+          <p:nvPr>
+            <p:ph idx="1"/>
+          </p:nvPr>
+        </p:nvSpPr>
+        <p:spPr/>
+        <p:txBody>
+          <a:bodyPr/>
+          <a:lstStyle/>
+          <a:p>
+            <a:endParaRPr lang="zh-CN" altLang="en-US"/>
+          </a:p>
+        </p:txBody>
+      </p:sp>
+      <p:pic>
+        <p:nvPicPr>
+          <p:cNvPr id="4" name="图片 3">
+            <a:extLst>
+              <a:ext uri="{FF2B5EF4-FFF2-40B4-BE49-F238E27FC236}">
+                <a16:creationId xmlns:a16="http://schemas.microsoft.com/office/drawing/2014/main" id="{DBAABBFB-9C66-4449-95EC-50AC2DFBCA8F}"/>
+              </a:ext>
+            </a:extLst>
+          </p:cNvPr>
+          <p:cNvPicPr>
+            <a:picLocks noChangeAspect="1"/>
+          </p:cNvPicPr>
+          <p:nvPr/>
+        </p:nvPicPr>
+        <p:blipFill>
+          <a:blip r:embed="rId2"/>
+          <a:stretch>
+            <a:fillRect/>
+          </a:stretch>
+        </p:blipFill>
+        <p:spPr>
+          <a:xfrm>
+            <a:off x="1065736" y="2207853"/>
+            <a:ext cx="2857500" cy="2028825"/>
+          </a:xfrm>
+          <a:prstGeom prst="rect">
+            <a:avLst/>
+          </a:prstGeom>
+        </p:spPr>
+      </p:pic>
+      <p:pic>
+        <p:nvPicPr>
+          <p:cNvPr id="6" name="图片 5">
+            <a:extLst>
+              <a:ext uri="{FF2B5EF4-FFF2-40B4-BE49-F238E27FC236}">
+                <a16:creationId xmlns:a16="http://schemas.microsoft.com/office/drawing/2014/main" id="{C46F5172-44B4-4382-B195-7A802956AC13}"/>
+              </a:ext>
+            </a:extLst>
+          </p:cNvPr>
+          <p:cNvPicPr>
+            <a:picLocks noChangeAspect="1"/>
+          </p:cNvPicPr>
+          <p:nvPr/>
+        </p:nvPicPr>
+        <p:blipFill>
+          <a:blip r:embed="rId3"/>
+          <a:stretch>
+            <a:fillRect/>
+          </a:stretch>
+        </p:blipFill>
+        <p:spPr>
+          <a:xfrm>
+            <a:off x="1415911" y="4941250"/>
+            <a:ext cx="1885950" cy="723900"/>
+          </a:xfrm>
+          <a:prstGeom prst="rect">
+            <a:avLst/>
+          </a:prstGeom>
+        </p:spPr>
+      </p:pic>
+    </p:spTree>
+    <p:extLst>
+      <p:ext uri="{BB962C8B-B14F-4D97-AF65-F5344CB8AC3E}">
+        <p14:creationId xmlns:p14="http://schemas.microsoft.com/office/powerpoint/2010/main" val="1180542320"/>
+      </p:ext>
+    </p:extLst>
+  </p:cSld>
+  <p:clrMapOvr>
+    <a:masterClrMapping/>
+  </p:clrMapOvr>
+</p:sld>
+</file>
+
 <file path=ppt/slides/slide2.xml><?xml version="1.0" encoding="utf-8"?>
 <p:sld xmlns:a="http://schemas.openxmlformats.org/drawingml/2006/main" xmlns:r="http://schemas.openxmlformats.org/officeDocument/2006/relationships" xmlns:p="http://schemas.openxmlformats.org/presentationml/2006/main">
   <p:cSld>
@@ -5981,7 +9061,7 @@
         <p:spPr/>
         <p:txBody>
           <a:bodyPr>
-            <a:normAutofit/>
+            <a:normAutofit fontScale="92500" lnSpcReduction="10000"/>
           </a:bodyPr>
           <a:lstStyle/>
           <a:p>
@@ -6018,7 +9098,23 @@
             <a:endParaRPr lang="en-US" altLang="zh-CN" sz="2600"/>
           </a:p>
           <a:p>
-            <a:pPr lvl="1"/>
+            <a:endParaRPr lang="en-US" altLang="zh-CN" sz="2800"/>
+          </a:p>
+          <a:p>
+            <a:r>
+              <a:rPr lang="zh-CN" altLang="en-US" sz="2800"/>
+              <a:t>所有让你累的事都在帮你</a:t>
+            </a:r>
+            <a:endParaRPr lang="en-US" altLang="zh-CN" sz="2800"/>
+          </a:p>
+          <a:p>
+            <a:r>
+              <a:rPr lang="zh-CN" altLang="en-US" sz="2800"/>
+              <a:t>所有让你爽的事都在害你</a:t>
+            </a:r>
+            <a:endParaRPr lang="en-US" altLang="zh-CN" sz="2800"/>
+          </a:p>
+          <a:p>
             <a:endParaRPr lang="zh-CN" altLang="en-US"/>
           </a:p>
         </p:txBody>
@@ -6063,6 +9159,1817 @@
     <p:extLst>
       <p:ext uri="{BB962C8B-B14F-4D97-AF65-F5344CB8AC3E}">
         <p14:creationId xmlns:p14="http://schemas.microsoft.com/office/powerpoint/2010/main" val="1582883215"/>
+      </p:ext>
+    </p:extLst>
+  </p:cSld>
+  <p:clrMapOvr>
+    <a:masterClrMapping/>
+  </p:clrMapOvr>
+</p:sld>
+</file>
+
+<file path=ppt/slides/slide20.xml><?xml version="1.0" encoding="utf-8"?>
+<p:sld xmlns:a="http://schemas.openxmlformats.org/drawingml/2006/main" xmlns:r="http://schemas.openxmlformats.org/officeDocument/2006/relationships" xmlns:p="http://schemas.openxmlformats.org/presentationml/2006/main">
+  <p:cSld>
+    <p:spTree>
+      <p:nvGrpSpPr>
+        <p:cNvPr id="1" name=""/>
+        <p:cNvGrpSpPr/>
+        <p:nvPr/>
+      </p:nvGrpSpPr>
+      <p:grpSpPr>
+        <a:xfrm>
+          <a:off x="0" y="0"/>
+          <a:ext cx="0" cy="0"/>
+          <a:chOff x="0" y="0"/>
+          <a:chExt cx="0" cy="0"/>
+        </a:xfrm>
+      </p:grpSpPr>
+      <p:sp>
+        <p:nvSpPr>
+          <p:cNvPr id="2" name="标题 1">
+            <a:extLst>
+              <a:ext uri="{FF2B5EF4-FFF2-40B4-BE49-F238E27FC236}">
+                <a16:creationId xmlns:a16="http://schemas.microsoft.com/office/drawing/2014/main" id="{8EFB1769-212B-451C-8E60-BE9F7E2C9449}"/>
+              </a:ext>
+            </a:extLst>
+          </p:cNvPr>
+          <p:cNvSpPr>
+            <a:spLocks noGrp="1"/>
+          </p:cNvSpPr>
+          <p:nvPr>
+            <p:ph type="title"/>
+          </p:nvPr>
+        </p:nvSpPr>
+        <p:spPr/>
+        <p:txBody>
+          <a:bodyPr/>
+          <a:lstStyle/>
+          <a:p>
+            <a:r>
+              <a:rPr lang="zh-CN" altLang="en-US"/>
+              <a:t>范数</a:t>
+            </a:r>
+            <a:r>
+              <a:rPr lang="en-US" altLang="zh-CN"/>
+              <a:t>(norm)</a:t>
+            </a:r>
+            <a:endParaRPr lang="zh-CN" altLang="en-US"/>
+          </a:p>
+        </p:txBody>
+      </p:sp>
+      <mc:AlternateContent xmlns:mc="http://schemas.openxmlformats.org/markup-compatibility/2006">
+        <mc:Choice xmlns:a14="http://schemas.microsoft.com/office/drawing/2010/main" Requires="a14">
+          <p:sp>
+            <p:nvSpPr>
+              <p:cNvPr id="3" name="内容占位符 2">
+                <a:extLst>
+                  <a:ext uri="{FF2B5EF4-FFF2-40B4-BE49-F238E27FC236}">
+                    <a16:creationId xmlns:a16="http://schemas.microsoft.com/office/drawing/2014/main" id="{372E653F-DBEA-49B5-B2AF-E036006F6468}"/>
+                  </a:ext>
+                </a:extLst>
+              </p:cNvPr>
+              <p:cNvSpPr>
+                <a:spLocks noGrp="1"/>
+              </p:cNvSpPr>
+              <p:nvPr>
+                <p:ph idx="1"/>
+              </p:nvPr>
+            </p:nvSpPr>
+            <p:spPr/>
+            <p:txBody>
+              <a:bodyPr/>
+              <a:lstStyle/>
+              <a:p>
+                <a:r>
+                  <a:rPr lang="zh-CN" altLang="en-US"/>
+                  <a:t>范数是用来衡量大小的，是绝对值的推广。</a:t>
+                </a:r>
+                <a:endParaRPr lang="en-US" altLang="zh-CN"/>
+              </a:p>
+              <a:p>
+                <a:endParaRPr lang="en-US" altLang="zh-CN"/>
+              </a:p>
+              <a:p>
+                <a:endParaRPr lang="en-US" altLang="zh-CN"/>
+              </a:p>
+              <a:p>
+                <a:endParaRPr lang="en-US" altLang="zh-CN"/>
+              </a:p>
+              <a:p>
+                <a:endParaRPr lang="en-US" altLang="zh-CN"/>
+              </a:p>
+              <a:p>
+                <a:endParaRPr lang="en-US" altLang="zh-CN"/>
+              </a:p>
+              <a:p>
+                <a:r>
+                  <a:rPr lang="en-US" altLang="zh-CN"/>
+                  <a:t>Nuclear Norm:</a:t>
+                </a:r>
+              </a:p>
+              <a:p>
+                <a:pPr marL="0" indent="0">
+                  <a:buNone/>
+                </a:pPr>
+                <a14:m>
+                  <m:oMathPara xmlns:m="http://schemas.openxmlformats.org/officeDocument/2006/math">
+                    <m:oMathParaPr>
+                      <m:jc m:val="center"/>
+                    </m:oMathParaPr>
+                    <m:oMath xmlns:m="http://schemas.openxmlformats.org/officeDocument/2006/math">
+                      <m:sSub>
+                        <m:sSubPr>
+                          <m:ctrlPr>
+                            <a:rPr lang="en-US" altLang="zh-CN" b="0" i="1" smtClean="0">
+                              <a:latin typeface="Cambria Math" panose="02040503050406030204" pitchFamily="18" charset="0"/>
+                            </a:rPr>
+                          </m:ctrlPr>
+                        </m:sSubPr>
+                        <m:e>
+                          <m:r>
+                            <a:rPr lang="en-US" altLang="zh-CN" i="1">
+                              <a:latin typeface="Cambria Math" panose="02040503050406030204" pitchFamily="18" charset="0"/>
+                            </a:rPr>
+                            <m:t>|</m:t>
+                          </m:r>
+                          <m:d>
+                            <m:dPr>
+                              <m:begChr m:val="|"/>
+                              <m:endChr m:val="|"/>
+                              <m:ctrlPr>
+                                <a:rPr lang="en-US" altLang="zh-CN" i="1">
+                                  <a:latin typeface="Cambria Math" panose="02040503050406030204" pitchFamily="18" charset="0"/>
+                                </a:rPr>
+                              </m:ctrlPr>
+                            </m:dPr>
+                            <m:e>
+                              <m:r>
+                                <a:rPr lang="en-US" altLang="zh-CN" i="1">
+                                  <a:latin typeface="Cambria Math" panose="02040503050406030204" pitchFamily="18" charset="0"/>
+                                </a:rPr>
+                                <m:t>𝐴</m:t>
+                              </m:r>
+                            </m:e>
+                          </m:d>
+                          <m:r>
+                            <a:rPr lang="en-US" altLang="zh-CN" i="1">
+                              <a:latin typeface="Cambria Math" panose="02040503050406030204" pitchFamily="18" charset="0"/>
+                            </a:rPr>
+                            <m:t>|</m:t>
+                          </m:r>
+                        </m:e>
+                        <m:sub>
+                          <m:r>
+                            <a:rPr lang="en-US" altLang="zh-CN" b="0" i="1" smtClean="0">
+                              <a:latin typeface="Cambria Math" panose="02040503050406030204" pitchFamily="18" charset="0"/>
+                            </a:rPr>
+                            <m:t>𝑁</m:t>
+                          </m:r>
+                        </m:sub>
+                      </m:sSub>
+                      <m:r>
+                        <a:rPr lang="en-US" altLang="zh-CN" b="0" i="1" smtClean="0">
+                          <a:latin typeface="Cambria Math" panose="02040503050406030204" pitchFamily="18" charset="0"/>
+                        </a:rPr>
+                        <m:t>=</m:t>
+                      </m:r>
+                      <m:nary>
+                        <m:naryPr>
+                          <m:chr m:val="∑"/>
+                          <m:subHide m:val="on"/>
+                          <m:supHide m:val="on"/>
+                          <m:ctrlPr>
+                            <a:rPr lang="en-US" altLang="zh-CN" b="0" i="1" smtClean="0">
+                              <a:latin typeface="Cambria Math" panose="02040503050406030204" pitchFamily="18" charset="0"/>
+                            </a:rPr>
+                          </m:ctrlPr>
+                        </m:naryPr>
+                        <m:sub/>
+                        <m:sup/>
+                        <m:e>
+                          <m:r>
+                            <a:rPr lang="en-US" altLang="zh-CN" b="0" i="1" smtClean="0">
+                              <a:latin typeface="Cambria Math" panose="02040503050406030204" pitchFamily="18" charset="0"/>
+                            </a:rPr>
+                            <m:t>𝑆𝑖𝑛𝑔𝑢𝑙𝑎𝑟𝑉𝑎𝑙𝑢𝑒</m:t>
+                          </m:r>
+                          <m:r>
+                            <a:rPr lang="en-US" altLang="zh-CN" b="0" i="1" smtClean="0">
+                              <a:latin typeface="Cambria Math" panose="02040503050406030204" pitchFamily="18" charset="0"/>
+                            </a:rPr>
+                            <m:t>(</m:t>
+                          </m:r>
+                          <m:r>
+                            <a:rPr lang="en-US" altLang="zh-CN" b="0" i="1" smtClean="0">
+                              <a:latin typeface="Cambria Math" panose="02040503050406030204" pitchFamily="18" charset="0"/>
+                            </a:rPr>
+                            <m:t>𝐴</m:t>
+                          </m:r>
+                          <m:r>
+                            <a:rPr lang="en-US" altLang="zh-CN" b="0" i="1" smtClean="0">
+                              <a:latin typeface="Cambria Math" panose="02040503050406030204" pitchFamily="18" charset="0"/>
+                            </a:rPr>
+                            <m:t>)</m:t>
+                          </m:r>
+                        </m:e>
+                      </m:nary>
+                    </m:oMath>
+                  </m:oMathPara>
+                </a14:m>
+                <a:endParaRPr lang="zh-CN" altLang="en-US"/>
+              </a:p>
+            </p:txBody>
+          </p:sp>
+        </mc:Choice>
+        <mc:Fallback>
+          <p:sp>
+            <p:nvSpPr>
+              <p:cNvPr id="3" name="内容占位符 2">
+                <a:extLst>
+                  <a:ext uri="{FF2B5EF4-FFF2-40B4-BE49-F238E27FC236}">
+                    <a16:creationId xmlns:a16="http://schemas.microsoft.com/office/drawing/2014/main" id="{372E653F-DBEA-49B5-B2AF-E036006F6468}"/>
+                  </a:ext>
+                </a:extLst>
+              </p:cNvPr>
+              <p:cNvSpPr>
+                <a:spLocks noGrp="1" noRot="1" noChangeAspect="1" noMove="1" noResize="1" noEditPoints="1" noAdjustHandles="1" noChangeArrowheads="1" noChangeShapeType="1" noTextEdit="1"/>
+              </p:cNvSpPr>
+              <p:nvPr>
+                <p:ph idx="1"/>
+              </p:nvPr>
+            </p:nvSpPr>
+            <p:spPr>
+              <a:blipFill>
+                <a:blip r:embed="rId2"/>
+                <a:stretch>
+                  <a:fillRect l="-142" t="-628"/>
+                </a:stretch>
+              </a:blipFill>
+            </p:spPr>
+            <p:txBody>
+              <a:bodyPr/>
+              <a:lstStyle/>
+              <a:p>
+                <a:r>
+                  <a:rPr lang="zh-CN" altLang="en-US">
+                    <a:noFill/>
+                  </a:rPr>
+                  <a:t> </a:t>
+                </a:r>
+              </a:p>
+            </p:txBody>
+          </p:sp>
+        </mc:Fallback>
+      </mc:AlternateContent>
+      <p:pic>
+        <p:nvPicPr>
+          <p:cNvPr id="4" name="图片 3">
+            <a:extLst>
+              <a:ext uri="{FF2B5EF4-FFF2-40B4-BE49-F238E27FC236}">
+                <a16:creationId xmlns:a16="http://schemas.microsoft.com/office/drawing/2014/main" id="{5543E0C5-54A0-4585-988E-FA5F38BD4506}"/>
+              </a:ext>
+            </a:extLst>
+          </p:cNvPr>
+          <p:cNvPicPr>
+            <a:picLocks noChangeAspect="1"/>
+          </p:cNvPicPr>
+          <p:nvPr/>
+        </p:nvPicPr>
+        <p:blipFill>
+          <a:blip r:embed="rId3"/>
+          <a:stretch>
+            <a:fillRect/>
+          </a:stretch>
+        </p:blipFill>
+        <p:spPr>
+          <a:xfrm>
+            <a:off x="1131529" y="2539903"/>
+            <a:ext cx="2014538" cy="833438"/>
+          </a:xfrm>
+          <a:prstGeom prst="rect">
+            <a:avLst/>
+          </a:prstGeom>
+        </p:spPr>
+      </p:pic>
+      <p:pic>
+        <p:nvPicPr>
+          <p:cNvPr id="5" name="图片 4">
+            <a:extLst>
+              <a:ext uri="{FF2B5EF4-FFF2-40B4-BE49-F238E27FC236}">
+                <a16:creationId xmlns:a16="http://schemas.microsoft.com/office/drawing/2014/main" id="{19C432F8-0FE9-4CDF-8305-ACD04F8D02C9}"/>
+              </a:ext>
+            </a:extLst>
+          </p:cNvPr>
+          <p:cNvPicPr>
+            <a:picLocks noChangeAspect="1"/>
+          </p:cNvPicPr>
+          <p:nvPr/>
+        </p:nvPicPr>
+        <p:blipFill>
+          <a:blip r:embed="rId4"/>
+          <a:stretch>
+            <a:fillRect/>
+          </a:stretch>
+        </p:blipFill>
+        <p:spPr>
+          <a:xfrm>
+            <a:off x="1103738" y="3736625"/>
+            <a:ext cx="4419600" cy="819150"/>
+          </a:xfrm>
+          <a:prstGeom prst="rect">
+            <a:avLst/>
+          </a:prstGeom>
+        </p:spPr>
+      </p:pic>
+    </p:spTree>
+    <p:extLst>
+      <p:ext uri="{BB962C8B-B14F-4D97-AF65-F5344CB8AC3E}">
+        <p14:creationId xmlns:p14="http://schemas.microsoft.com/office/powerpoint/2010/main" val="1191136459"/>
+      </p:ext>
+    </p:extLst>
+  </p:cSld>
+  <p:clrMapOvr>
+    <a:masterClrMapping/>
+  </p:clrMapOvr>
+</p:sld>
+</file>
+
+<file path=ppt/slides/slide21.xml><?xml version="1.0" encoding="utf-8"?>
+<p:sld xmlns:a="http://schemas.openxmlformats.org/drawingml/2006/main" xmlns:r="http://schemas.openxmlformats.org/officeDocument/2006/relationships" xmlns:p="http://schemas.openxmlformats.org/presentationml/2006/main">
+  <p:cSld>
+    <p:spTree>
+      <p:nvGrpSpPr>
+        <p:cNvPr id="1" name=""/>
+        <p:cNvGrpSpPr/>
+        <p:nvPr/>
+      </p:nvGrpSpPr>
+      <p:grpSpPr>
+        <a:xfrm>
+          <a:off x="0" y="0"/>
+          <a:ext cx="0" cy="0"/>
+          <a:chOff x="0" y="0"/>
+          <a:chExt cx="0" cy="0"/>
+        </a:xfrm>
+      </p:grpSpPr>
+      <p:sp>
+        <p:nvSpPr>
+          <p:cNvPr id="2" name="标题 1">
+            <a:extLst>
+              <a:ext uri="{FF2B5EF4-FFF2-40B4-BE49-F238E27FC236}">
+                <a16:creationId xmlns:a16="http://schemas.microsoft.com/office/drawing/2014/main" id="{BDC3E72D-E496-49E3-AEF1-640585CD8C84}"/>
+              </a:ext>
+            </a:extLst>
+          </p:cNvPr>
+          <p:cNvSpPr>
+            <a:spLocks noGrp="1"/>
+          </p:cNvSpPr>
+          <p:nvPr>
+            <p:ph type="title"/>
+          </p:nvPr>
+        </p:nvSpPr>
+        <p:spPr/>
+        <p:txBody>
+          <a:bodyPr/>
+          <a:lstStyle/>
+          <a:p>
+            <a:r>
+              <a:rPr lang="zh-CN" altLang="en-US"/>
+              <a:t>特殊矩阵</a:t>
+            </a:r>
+          </a:p>
+        </p:txBody>
+      </p:sp>
+      <p:sp>
+        <p:nvSpPr>
+          <p:cNvPr id="3" name="内容占位符 2">
+            <a:extLst>
+              <a:ext uri="{FF2B5EF4-FFF2-40B4-BE49-F238E27FC236}">
+                <a16:creationId xmlns:a16="http://schemas.microsoft.com/office/drawing/2014/main" id="{4ACFA9ED-64A7-4EB8-88C5-6AB2833C1D82}"/>
+              </a:ext>
+            </a:extLst>
+          </p:cNvPr>
+          <p:cNvSpPr>
+            <a:spLocks noGrp="1"/>
+          </p:cNvSpPr>
+          <p:nvPr>
+            <p:ph idx="1"/>
+          </p:nvPr>
+        </p:nvSpPr>
+        <p:spPr/>
+        <p:txBody>
+          <a:bodyPr/>
+          <a:lstStyle/>
+          <a:p>
+            <a:r>
+              <a:rPr lang="zh-CN" altLang="en-US" sz="2400"/>
+              <a:t>对角阵</a:t>
+            </a:r>
+            <a:r>
+              <a:rPr lang="en-US" altLang="zh-CN" sz="2400"/>
+              <a:t>(Diagonal Matrix)</a:t>
+            </a:r>
+          </a:p>
+          <a:p>
+            <a:endParaRPr lang="en-US" altLang="zh-CN" sz="2400"/>
+          </a:p>
+          <a:p>
+            <a:r>
+              <a:rPr lang="zh-CN" altLang="en-US" sz="2400"/>
+              <a:t>对称阵</a:t>
+            </a:r>
+            <a:r>
+              <a:rPr lang="en-US" altLang="zh-CN" sz="2400"/>
+              <a:t>(Symmetric Matrix)</a:t>
+            </a:r>
+          </a:p>
+          <a:p>
+            <a:endParaRPr lang="en-US" altLang="zh-CN" sz="2400"/>
+          </a:p>
+          <a:p>
+            <a:endParaRPr lang="en-US" altLang="zh-CN" sz="2400"/>
+          </a:p>
+          <a:p>
+            <a:r>
+              <a:rPr lang="zh-CN" altLang="en-US" sz="2400"/>
+              <a:t>正交阵</a:t>
+            </a:r>
+            <a:r>
+              <a:rPr lang="en-US" altLang="zh-CN" sz="2400"/>
+              <a:t>(Orthogonal Matrix)</a:t>
+            </a:r>
+          </a:p>
+          <a:p>
+            <a:endParaRPr lang="zh-CN" altLang="en-US"/>
+          </a:p>
+        </p:txBody>
+      </p:sp>
+      <p:pic>
+        <p:nvPicPr>
+          <p:cNvPr id="4" name="图片 3">
+            <a:extLst>
+              <a:ext uri="{FF2B5EF4-FFF2-40B4-BE49-F238E27FC236}">
+                <a16:creationId xmlns:a16="http://schemas.microsoft.com/office/drawing/2014/main" id="{54709E32-EA66-4971-B014-0651897C9A74}"/>
+              </a:ext>
+            </a:extLst>
+          </p:cNvPr>
+          <p:cNvPicPr>
+            <a:picLocks noChangeAspect="1"/>
+          </p:cNvPicPr>
+          <p:nvPr/>
+        </p:nvPicPr>
+        <p:blipFill>
+          <a:blip r:embed="rId2"/>
+          <a:stretch>
+            <a:fillRect/>
+          </a:stretch>
+        </p:blipFill>
+        <p:spPr>
+          <a:xfrm>
+            <a:off x="1095642" y="3731151"/>
+            <a:ext cx="1438275" cy="609600"/>
+          </a:xfrm>
+          <a:prstGeom prst="rect">
+            <a:avLst/>
+          </a:prstGeom>
+        </p:spPr>
+      </p:pic>
+      <p:pic>
+        <p:nvPicPr>
+          <p:cNvPr id="5" name="图片 4">
+            <a:extLst>
+              <a:ext uri="{FF2B5EF4-FFF2-40B4-BE49-F238E27FC236}">
+                <a16:creationId xmlns:a16="http://schemas.microsoft.com/office/drawing/2014/main" id="{5DB1B162-B13B-4A36-8874-3141C7BDA185}"/>
+              </a:ext>
+            </a:extLst>
+          </p:cNvPr>
+          <p:cNvPicPr>
+            <a:picLocks noChangeAspect="1"/>
+          </p:cNvPicPr>
+          <p:nvPr/>
+        </p:nvPicPr>
+        <p:blipFill>
+          <a:blip r:embed="rId3"/>
+          <a:stretch>
+            <a:fillRect/>
+          </a:stretch>
+        </p:blipFill>
+        <p:spPr>
+          <a:xfrm>
+            <a:off x="1040784" y="5271081"/>
+            <a:ext cx="1857375" cy="571500"/>
+          </a:xfrm>
+          <a:prstGeom prst="rect">
+            <a:avLst/>
+          </a:prstGeom>
+        </p:spPr>
+      </p:pic>
+    </p:spTree>
+    <p:extLst>
+      <p:ext uri="{BB962C8B-B14F-4D97-AF65-F5344CB8AC3E}">
+        <p14:creationId xmlns:p14="http://schemas.microsoft.com/office/powerpoint/2010/main" val="51729579"/>
+      </p:ext>
+    </p:extLst>
+  </p:cSld>
+  <p:clrMapOvr>
+    <a:masterClrMapping/>
+  </p:clrMapOvr>
+</p:sld>
+</file>
+
+<file path=ppt/slides/slide22.xml><?xml version="1.0" encoding="utf-8"?>
+<p:sld xmlns:a="http://schemas.openxmlformats.org/drawingml/2006/main" xmlns:r="http://schemas.openxmlformats.org/officeDocument/2006/relationships" xmlns:p="http://schemas.openxmlformats.org/presentationml/2006/main">
+  <p:cSld>
+    <p:spTree>
+      <p:nvGrpSpPr>
+        <p:cNvPr id="1" name=""/>
+        <p:cNvGrpSpPr/>
+        <p:nvPr/>
+      </p:nvGrpSpPr>
+      <p:grpSpPr>
+        <a:xfrm>
+          <a:off x="0" y="0"/>
+          <a:ext cx="0" cy="0"/>
+          <a:chOff x="0" y="0"/>
+          <a:chExt cx="0" cy="0"/>
+        </a:xfrm>
+      </p:grpSpPr>
+      <p:sp>
+        <p:nvSpPr>
+          <p:cNvPr id="2" name="标题 1">
+            <a:extLst>
+              <a:ext uri="{FF2B5EF4-FFF2-40B4-BE49-F238E27FC236}">
+                <a16:creationId xmlns:a16="http://schemas.microsoft.com/office/drawing/2014/main" id="{EC8CD3B1-7D59-45F4-B23B-DD6BD91715AD}"/>
+              </a:ext>
+            </a:extLst>
+          </p:cNvPr>
+          <p:cNvSpPr>
+            <a:spLocks noGrp="1"/>
+          </p:cNvSpPr>
+          <p:nvPr>
+            <p:ph type="title"/>
+          </p:nvPr>
+        </p:nvSpPr>
+        <p:spPr/>
+        <p:txBody>
+          <a:bodyPr/>
+          <a:lstStyle/>
+          <a:p>
+            <a:r>
+              <a:rPr lang="zh-CN" altLang="en-US"/>
+              <a:t>特征值</a:t>
+            </a:r>
+            <a:r>
+              <a:rPr lang="en-US" altLang="zh-CN"/>
+              <a:t>(eigenvalue)</a:t>
+            </a:r>
+            <a:br>
+              <a:rPr lang="en-US" altLang="zh-CN"/>
+            </a:br>
+            <a:r>
+              <a:rPr lang="zh-CN" altLang="en-US"/>
+              <a:t>特征向量</a:t>
+            </a:r>
+            <a:r>
+              <a:rPr lang="en-US" altLang="zh-CN"/>
+              <a:t>(eigenvector)</a:t>
+            </a:r>
+            <a:endParaRPr lang="zh-CN" altLang="en-US"/>
+          </a:p>
+        </p:txBody>
+      </p:sp>
+      <p:sp>
+        <p:nvSpPr>
+          <p:cNvPr id="7" name="内容占位符 6">
+            <a:extLst>
+              <a:ext uri="{FF2B5EF4-FFF2-40B4-BE49-F238E27FC236}">
+                <a16:creationId xmlns:a16="http://schemas.microsoft.com/office/drawing/2014/main" id="{7EC84380-A84D-4CDC-B9FE-EC82EF853413}"/>
+              </a:ext>
+            </a:extLst>
+          </p:cNvPr>
+          <p:cNvSpPr>
+            <a:spLocks noGrp="1"/>
+          </p:cNvSpPr>
+          <p:nvPr>
+            <p:ph idx="1"/>
+          </p:nvPr>
+        </p:nvSpPr>
+        <p:spPr/>
+        <p:txBody>
+          <a:bodyPr/>
+          <a:lstStyle/>
+          <a:p>
+            <a:endParaRPr lang="en-US" altLang="zh-CN"/>
+          </a:p>
+          <a:p>
+            <a:pPr marL="0" indent="0">
+              <a:buNone/>
+            </a:pPr>
+            <a:endParaRPr lang="en-US" altLang="zh-CN"/>
+          </a:p>
+          <a:p>
+            <a:endParaRPr lang="en-US" altLang="zh-CN" sz="2400"/>
+          </a:p>
+          <a:p>
+            <a:endParaRPr lang="en-US" altLang="zh-CN" sz="2400"/>
+          </a:p>
+          <a:p>
+            <a:r>
+              <a:rPr lang="zh-CN" altLang="en-US" sz="2400"/>
+              <a:t>特征值是一个不动点，第一特征值可以通过迭代获得。</a:t>
+            </a:r>
+            <a:endParaRPr lang="en-US" altLang="zh-CN" sz="2400"/>
+          </a:p>
+          <a:p>
+            <a:endParaRPr lang="en-US" altLang="zh-CN" sz="2400"/>
+          </a:p>
+          <a:p>
+            <a:r>
+              <a:rPr lang="zh-CN" altLang="en-US" sz="2400"/>
+              <a:t>当代有很先进的算法来计算，例如</a:t>
+            </a:r>
+            <a:r>
+              <a:rPr lang="en-US" altLang="zh-CN" sz="2400"/>
+              <a:t>QR</a:t>
+            </a:r>
+            <a:r>
+              <a:rPr lang="zh-CN" altLang="en-US" sz="2400"/>
+              <a:t>分解等（听说过即可）。</a:t>
+            </a:r>
+            <a:endParaRPr lang="en-US" altLang="zh-CN" sz="2400"/>
+          </a:p>
+          <a:p>
+            <a:pPr marL="0" indent="0">
+              <a:buNone/>
+            </a:pPr>
+            <a:endParaRPr lang="zh-CN" altLang="en-US"/>
+          </a:p>
+        </p:txBody>
+      </p:sp>
+      <p:pic>
+        <p:nvPicPr>
+          <p:cNvPr id="8" name="图片 7">
+            <a:extLst>
+              <a:ext uri="{FF2B5EF4-FFF2-40B4-BE49-F238E27FC236}">
+                <a16:creationId xmlns:a16="http://schemas.microsoft.com/office/drawing/2014/main" id="{AE1BBAE8-240A-4FFA-A803-CC9EE6263B5C}"/>
+              </a:ext>
+            </a:extLst>
+          </p:cNvPr>
+          <p:cNvPicPr>
+            <a:picLocks noChangeAspect="1"/>
+          </p:cNvPicPr>
+          <p:nvPr/>
+        </p:nvPicPr>
+        <p:blipFill>
+          <a:blip r:embed="rId2"/>
+          <a:stretch>
+            <a:fillRect/>
+          </a:stretch>
+        </p:blipFill>
+        <p:spPr>
+          <a:xfrm>
+            <a:off x="931776" y="2673873"/>
+            <a:ext cx="1647825" cy="552450"/>
+          </a:xfrm>
+          <a:prstGeom prst="rect">
+            <a:avLst/>
+          </a:prstGeom>
+        </p:spPr>
+      </p:pic>
+    </p:spTree>
+    <p:extLst>
+      <p:ext uri="{BB962C8B-B14F-4D97-AF65-F5344CB8AC3E}">
+        <p14:creationId xmlns:p14="http://schemas.microsoft.com/office/powerpoint/2010/main" val="405308804"/>
+      </p:ext>
+    </p:extLst>
+  </p:cSld>
+  <p:clrMapOvr>
+    <a:masterClrMapping/>
+  </p:clrMapOvr>
+</p:sld>
+</file>
+
+<file path=ppt/slides/slide23.xml><?xml version="1.0" encoding="utf-8"?>
+<p:sld xmlns:a="http://schemas.openxmlformats.org/drawingml/2006/main" xmlns:r="http://schemas.openxmlformats.org/officeDocument/2006/relationships" xmlns:p="http://schemas.openxmlformats.org/presentationml/2006/main">
+  <p:cSld>
+    <p:spTree>
+      <p:nvGrpSpPr>
+        <p:cNvPr id="1" name=""/>
+        <p:cNvGrpSpPr/>
+        <p:nvPr/>
+      </p:nvGrpSpPr>
+      <p:grpSpPr>
+        <a:xfrm>
+          <a:off x="0" y="0"/>
+          <a:ext cx="0" cy="0"/>
+          <a:chOff x="0" y="0"/>
+          <a:chExt cx="0" cy="0"/>
+        </a:xfrm>
+      </p:grpSpPr>
+      <p:sp>
+        <p:nvSpPr>
+          <p:cNvPr id="2" name="标题 1">
+            <a:extLst>
+              <a:ext uri="{FF2B5EF4-FFF2-40B4-BE49-F238E27FC236}">
+                <a16:creationId xmlns:a16="http://schemas.microsoft.com/office/drawing/2014/main" id="{3F9050CC-1830-441A-B5A8-A34BF3862C94}"/>
+              </a:ext>
+            </a:extLst>
+          </p:cNvPr>
+          <p:cNvSpPr>
+            <a:spLocks noGrp="1"/>
+          </p:cNvSpPr>
+          <p:nvPr>
+            <p:ph type="title"/>
+          </p:nvPr>
+        </p:nvSpPr>
+        <p:spPr/>
+        <p:txBody>
+          <a:bodyPr/>
+          <a:lstStyle/>
+          <a:p>
+            <a:r>
+              <a:rPr lang="zh-CN" altLang="en-US"/>
+              <a:t>奇异值分解</a:t>
+            </a:r>
+            <a:r>
+              <a:rPr lang="en-US" altLang="zh-CN"/>
+              <a:t>(SVD,Singular Value Decomposition)</a:t>
+            </a:r>
+            <a:endParaRPr lang="zh-CN" altLang="en-US"/>
+          </a:p>
+        </p:txBody>
+      </p:sp>
+      <p:pic>
+        <p:nvPicPr>
+          <p:cNvPr id="4" name="内容占位符 3">
+            <a:extLst>
+              <a:ext uri="{FF2B5EF4-FFF2-40B4-BE49-F238E27FC236}">
+                <a16:creationId xmlns:a16="http://schemas.microsoft.com/office/drawing/2014/main" id="{98E2B136-DEF7-47FA-BA6E-E4CE74B84B39}"/>
+              </a:ext>
+            </a:extLst>
+          </p:cNvPr>
+          <p:cNvPicPr>
+            <a:picLocks noGrp="1" noChangeAspect="1"/>
+          </p:cNvPicPr>
+          <p:nvPr>
+            <p:ph idx="1"/>
+          </p:nvPr>
+        </p:nvPicPr>
+        <p:blipFill>
+          <a:blip r:embed="rId2"/>
+          <a:stretch>
+            <a:fillRect/>
+          </a:stretch>
+        </p:blipFill>
+        <p:spPr>
+          <a:xfrm>
+            <a:off x="1188300" y="2241158"/>
+            <a:ext cx="2152650" cy="523875"/>
+          </a:xfrm>
+          <a:prstGeom prst="rect">
+            <a:avLst/>
+          </a:prstGeom>
+        </p:spPr>
+      </p:pic>
+      <p:pic>
+        <p:nvPicPr>
+          <p:cNvPr id="6" name="图片 5">
+            <a:extLst>
+              <a:ext uri="{FF2B5EF4-FFF2-40B4-BE49-F238E27FC236}">
+                <a16:creationId xmlns:a16="http://schemas.microsoft.com/office/drawing/2014/main" id="{7D30DEC3-7C00-45BB-BFBB-3EEA8F536AA4}"/>
+              </a:ext>
+            </a:extLst>
+          </p:cNvPr>
+          <p:cNvPicPr>
+            <a:picLocks noChangeAspect="1"/>
+          </p:cNvPicPr>
+          <p:nvPr/>
+        </p:nvPicPr>
+        <p:blipFill>
+          <a:blip r:embed="rId3">
+            <a:extLst>
+              <a:ext uri="{28A0092B-C50C-407E-A947-70E740481C1C}">
+                <a14:useLocalDpi xmlns:a14="http://schemas.microsoft.com/office/drawing/2010/main" val="0"/>
+              </a:ext>
+            </a:extLst>
+          </a:blip>
+          <a:stretch>
+            <a:fillRect/>
+          </a:stretch>
+        </p:blipFill>
+        <p:spPr>
+          <a:xfrm>
+            <a:off x="4961615" y="1367920"/>
+            <a:ext cx="4309606" cy="5034404"/>
+          </a:xfrm>
+          <a:prstGeom prst="rect">
+            <a:avLst/>
+          </a:prstGeom>
+        </p:spPr>
+      </p:pic>
+      <p:sp>
+        <p:nvSpPr>
+          <p:cNvPr id="7" name="文本框 6">
+            <a:extLst>
+              <a:ext uri="{FF2B5EF4-FFF2-40B4-BE49-F238E27FC236}">
+                <a16:creationId xmlns:a16="http://schemas.microsoft.com/office/drawing/2014/main" id="{A6CEE6D0-1502-4873-8B58-DD9D57C71E3E}"/>
+              </a:ext>
+            </a:extLst>
+          </p:cNvPr>
+          <p:cNvSpPr txBox="1"/>
+          <p:nvPr/>
+        </p:nvSpPr>
+        <p:spPr>
+          <a:xfrm>
+            <a:off x="677334" y="3373341"/>
+            <a:ext cx="4281499" cy="584775"/>
+          </a:xfrm>
+          <a:prstGeom prst="rect">
+            <a:avLst/>
+          </a:prstGeom>
+          <a:noFill/>
+        </p:spPr>
+        <p:txBody>
+          <a:bodyPr wrap="square" rtlCol="0">
+            <a:spAutoFit/>
+          </a:bodyPr>
+          <a:lstStyle/>
+          <a:p>
+            <a:r>
+              <a:rPr lang="zh-CN" altLang="en-US" sz="3200">
+                <a:solidFill>
+                  <a:srgbClr val="FF0000"/>
+                </a:solidFill>
+              </a:rPr>
+              <a:t>线性代数的终极武器</a:t>
+            </a:r>
+          </a:p>
+        </p:txBody>
+      </p:sp>
+      <mc:AlternateContent xmlns:mc="http://schemas.openxmlformats.org/markup-compatibility/2006">
+        <mc:Choice xmlns:a14="http://schemas.microsoft.com/office/drawing/2010/main" Requires="a14">
+          <p:sp>
+            <p:nvSpPr>
+              <p:cNvPr id="8" name="文本框 7">
+                <a:extLst>
+                  <a:ext uri="{FF2B5EF4-FFF2-40B4-BE49-F238E27FC236}">
+                    <a16:creationId xmlns:a16="http://schemas.microsoft.com/office/drawing/2014/main" id="{927CAE4B-234B-4592-A367-6DF32C260C1C}"/>
+                  </a:ext>
+                </a:extLst>
+              </p:cNvPr>
+              <p:cNvSpPr txBox="1"/>
+              <p:nvPr/>
+            </p:nvSpPr>
+            <p:spPr>
+              <a:xfrm>
+                <a:off x="874643" y="4738980"/>
+                <a:ext cx="2756794" cy="461665"/>
+              </a:xfrm>
+              <a:prstGeom prst="rect">
+                <a:avLst/>
+              </a:prstGeom>
+              <a:noFill/>
+            </p:spPr>
+            <p:txBody>
+              <a:bodyPr wrap="square" rtlCol="0">
+                <a:spAutoFit/>
+              </a:bodyPr>
+              <a:lstStyle/>
+              <a:p>
+                <a14:m>
+                  <m:oMathPara xmlns:m="http://schemas.openxmlformats.org/officeDocument/2006/math">
+                    <m:oMathParaPr>
+                      <m:jc m:val="centerGroup"/>
+                    </m:oMathParaPr>
+                    <m:oMath xmlns:m="http://schemas.openxmlformats.org/officeDocument/2006/math">
+                      <m:sSup>
+                        <m:sSupPr>
+                          <m:ctrlPr>
+                            <a:rPr lang="en-US" altLang="zh-CN" sz="2400" i="1" smtClean="0">
+                              <a:latin typeface="Cambria Math" panose="02040503050406030204" pitchFamily="18" charset="0"/>
+                            </a:rPr>
+                          </m:ctrlPr>
+                        </m:sSupPr>
+                        <m:e>
+                          <m:r>
+                            <a:rPr lang="en-US" altLang="zh-CN" sz="2400" b="0" i="1" smtClean="0">
+                              <a:latin typeface="Cambria Math" panose="02040503050406030204" pitchFamily="18" charset="0"/>
+                            </a:rPr>
+                            <m:t>𝐴</m:t>
+                          </m:r>
+                        </m:e>
+                        <m:sup>
+                          <m:r>
+                            <a:rPr lang="en-US" altLang="zh-CN" sz="2400" b="0" i="1" smtClean="0">
+                              <a:latin typeface="Cambria Math" panose="02040503050406030204" pitchFamily="18" charset="0"/>
+                            </a:rPr>
+                            <m:t>−1</m:t>
+                          </m:r>
+                        </m:sup>
+                      </m:sSup>
+                      <m:r>
+                        <a:rPr lang="en-US" altLang="zh-CN" sz="2400" b="0" i="1" smtClean="0">
+                          <a:latin typeface="Cambria Math" panose="02040503050406030204" pitchFamily="18" charset="0"/>
+                        </a:rPr>
+                        <m:t>=</m:t>
+                      </m:r>
+                      <m:r>
+                        <a:rPr lang="en-US" altLang="zh-CN" sz="2400" b="0" i="1" smtClean="0">
+                          <a:latin typeface="Cambria Math" panose="02040503050406030204" pitchFamily="18" charset="0"/>
+                        </a:rPr>
+                        <m:t>𝑉</m:t>
+                      </m:r>
+                      <m:sSup>
+                        <m:sSupPr>
+                          <m:ctrlPr>
+                            <a:rPr lang="en-US" altLang="zh-CN" sz="2400" b="0" i="1" smtClean="0">
+                              <a:latin typeface="Cambria Math" panose="02040503050406030204" pitchFamily="18" charset="0"/>
+                            </a:rPr>
+                          </m:ctrlPr>
+                        </m:sSupPr>
+                        <m:e>
+                          <m:r>
+                            <a:rPr lang="en-US" altLang="zh-CN" sz="2400" b="0" i="1" smtClean="0">
+                              <a:latin typeface="Cambria Math" panose="02040503050406030204" pitchFamily="18" charset="0"/>
+                            </a:rPr>
+                            <m:t>𝐷</m:t>
+                          </m:r>
+                        </m:e>
+                        <m:sup>
+                          <m:r>
+                            <a:rPr lang="en-US" altLang="zh-CN" sz="2400" b="0" i="1" smtClean="0">
+                              <a:latin typeface="Cambria Math" panose="02040503050406030204" pitchFamily="18" charset="0"/>
+                            </a:rPr>
+                            <m:t>−1</m:t>
+                          </m:r>
+                        </m:sup>
+                      </m:sSup>
+                      <m:sSup>
+                        <m:sSupPr>
+                          <m:ctrlPr>
+                            <a:rPr lang="en-US" altLang="zh-CN" sz="2400" b="0" i="1" smtClean="0">
+                              <a:latin typeface="Cambria Math" panose="02040503050406030204" pitchFamily="18" charset="0"/>
+                            </a:rPr>
+                          </m:ctrlPr>
+                        </m:sSupPr>
+                        <m:e>
+                          <m:r>
+                            <a:rPr lang="en-US" altLang="zh-CN" sz="2400" b="0" i="1" smtClean="0">
+                              <a:latin typeface="Cambria Math" panose="02040503050406030204" pitchFamily="18" charset="0"/>
+                            </a:rPr>
+                            <m:t>𝑈</m:t>
+                          </m:r>
+                        </m:e>
+                        <m:sup>
+                          <m:r>
+                            <a:rPr lang="en-US" altLang="zh-CN" sz="2400" b="0" i="1" smtClean="0">
+                              <a:latin typeface="Cambria Math" panose="02040503050406030204" pitchFamily="18" charset="0"/>
+                            </a:rPr>
+                            <m:t>𝑇</m:t>
+                          </m:r>
+                        </m:sup>
+                      </m:sSup>
+                    </m:oMath>
+                  </m:oMathPara>
+                </a14:m>
+                <a:endParaRPr lang="zh-CN" altLang="en-US" sz="2400"/>
+              </a:p>
+            </p:txBody>
+          </p:sp>
+        </mc:Choice>
+        <mc:Fallback>
+          <p:sp>
+            <p:nvSpPr>
+              <p:cNvPr id="8" name="文本框 7">
+                <a:extLst>
+                  <a:ext uri="{FF2B5EF4-FFF2-40B4-BE49-F238E27FC236}">
+                    <a16:creationId xmlns:a16="http://schemas.microsoft.com/office/drawing/2014/main" id="{927CAE4B-234B-4592-A367-6DF32C260C1C}"/>
+                  </a:ext>
+                </a:extLst>
+              </p:cNvPr>
+              <p:cNvSpPr txBox="1">
+                <a:spLocks noRot="1" noChangeAspect="1" noMove="1" noResize="1" noEditPoints="1" noAdjustHandles="1" noChangeArrowheads="1" noChangeShapeType="1" noTextEdit="1"/>
+              </p:cNvSpPr>
+              <p:nvPr/>
+            </p:nvSpPr>
+            <p:spPr>
+              <a:xfrm>
+                <a:off x="874643" y="4738980"/>
+                <a:ext cx="2756794" cy="461665"/>
+              </a:xfrm>
+              <a:prstGeom prst="rect">
+                <a:avLst/>
+              </a:prstGeom>
+              <a:blipFill>
+                <a:blip r:embed="rId4"/>
+                <a:stretch>
+                  <a:fillRect/>
+                </a:stretch>
+              </a:blipFill>
+            </p:spPr>
+            <p:txBody>
+              <a:bodyPr/>
+              <a:lstStyle/>
+              <a:p>
+                <a:r>
+                  <a:rPr lang="zh-CN" altLang="en-US">
+                    <a:noFill/>
+                  </a:rPr>
+                  <a:t> </a:t>
+                </a:r>
+              </a:p>
+            </p:txBody>
+          </p:sp>
+        </mc:Fallback>
+      </mc:AlternateContent>
+    </p:spTree>
+    <p:extLst>
+      <p:ext uri="{BB962C8B-B14F-4D97-AF65-F5344CB8AC3E}">
+        <p14:creationId xmlns:p14="http://schemas.microsoft.com/office/powerpoint/2010/main" val="1619562959"/>
+      </p:ext>
+    </p:extLst>
+  </p:cSld>
+  <p:clrMapOvr>
+    <a:masterClrMapping/>
+  </p:clrMapOvr>
+</p:sld>
+</file>
+
+<file path=ppt/slides/slide24.xml><?xml version="1.0" encoding="utf-8"?>
+<p:sld xmlns:a="http://schemas.openxmlformats.org/drawingml/2006/main" xmlns:r="http://schemas.openxmlformats.org/officeDocument/2006/relationships" xmlns:p="http://schemas.openxmlformats.org/presentationml/2006/main">
+  <p:cSld>
+    <p:spTree>
+      <p:nvGrpSpPr>
+        <p:cNvPr id="1" name=""/>
+        <p:cNvGrpSpPr/>
+        <p:nvPr/>
+      </p:nvGrpSpPr>
+      <p:grpSpPr>
+        <a:xfrm>
+          <a:off x="0" y="0"/>
+          <a:ext cx="0" cy="0"/>
+          <a:chOff x="0" y="0"/>
+          <a:chExt cx="0" cy="0"/>
+        </a:xfrm>
+      </p:grpSpPr>
+      <p:sp>
+        <p:nvSpPr>
+          <p:cNvPr id="2" name="标题 1">
+            <a:extLst>
+              <a:ext uri="{FF2B5EF4-FFF2-40B4-BE49-F238E27FC236}">
+                <a16:creationId xmlns:a16="http://schemas.microsoft.com/office/drawing/2014/main" id="{46734982-9295-4638-90E2-25DA7A4FD052}"/>
+              </a:ext>
+            </a:extLst>
+          </p:cNvPr>
+          <p:cNvSpPr>
+            <a:spLocks noGrp="1"/>
+          </p:cNvSpPr>
+          <p:nvPr>
+            <p:ph type="title"/>
+          </p:nvPr>
+        </p:nvSpPr>
+        <p:spPr/>
+        <p:txBody>
+          <a:bodyPr/>
+          <a:lstStyle/>
+          <a:p>
+            <a:r>
+              <a:rPr lang="zh-CN" altLang="en-US"/>
+              <a:t>广义逆</a:t>
+            </a:r>
+            <a:r>
+              <a:rPr lang="en-US" altLang="zh-CN"/>
+              <a:t>(Moore-Penrose Pseudoinverse)</a:t>
+            </a:r>
+            <a:endParaRPr lang="zh-CN" altLang="en-US"/>
+          </a:p>
+        </p:txBody>
+      </p:sp>
+      <mc:AlternateContent xmlns:mc="http://schemas.openxmlformats.org/markup-compatibility/2006">
+        <mc:Choice xmlns:a14="http://schemas.microsoft.com/office/drawing/2010/main" Requires="a14">
+          <p:sp>
+            <p:nvSpPr>
+              <p:cNvPr id="4" name="文本框 3">
+                <a:extLst>
+                  <a:ext uri="{FF2B5EF4-FFF2-40B4-BE49-F238E27FC236}">
+                    <a16:creationId xmlns:a16="http://schemas.microsoft.com/office/drawing/2014/main" id="{AB3C9AF5-3614-4B02-BA61-A94CF348E640}"/>
+                  </a:ext>
+                </a:extLst>
+              </p:cNvPr>
+              <p:cNvSpPr txBox="1"/>
+              <p:nvPr/>
+            </p:nvSpPr>
+            <p:spPr>
+              <a:xfrm>
+                <a:off x="1046095" y="2814764"/>
+                <a:ext cx="2466071" cy="461665"/>
+              </a:xfrm>
+              <a:prstGeom prst="rect">
+                <a:avLst/>
+              </a:prstGeom>
+              <a:noFill/>
+            </p:spPr>
+            <p:txBody>
+              <a:bodyPr wrap="square" rtlCol="0">
+                <a:spAutoFit/>
+              </a:bodyPr>
+              <a:lstStyle/>
+              <a:p>
+                <a14:m>
+                  <m:oMathPara xmlns:m="http://schemas.openxmlformats.org/officeDocument/2006/math">
+                    <m:oMathParaPr>
+                      <m:jc m:val="centerGroup"/>
+                    </m:oMathParaPr>
+                    <m:oMath xmlns:m="http://schemas.openxmlformats.org/officeDocument/2006/math">
+                      <m:sSup>
+                        <m:sSupPr>
+                          <m:ctrlPr>
+                            <a:rPr lang="en-US" altLang="zh-CN" sz="2400" i="1" smtClean="0">
+                              <a:latin typeface="Cambria Math" panose="02040503050406030204" pitchFamily="18" charset="0"/>
+                            </a:rPr>
+                          </m:ctrlPr>
+                        </m:sSupPr>
+                        <m:e>
+                          <m:r>
+                            <a:rPr lang="en-US" altLang="zh-CN" sz="2400" b="0" i="1" smtClean="0">
+                              <a:latin typeface="Cambria Math" panose="02040503050406030204" pitchFamily="18" charset="0"/>
+                            </a:rPr>
+                            <m:t>𝐴</m:t>
+                          </m:r>
+                        </m:e>
+                        <m:sup>
+                          <m:r>
+                            <a:rPr lang="en-US" altLang="zh-CN" sz="2400" b="0" i="1" smtClean="0">
+                              <a:latin typeface="Cambria Math" panose="02040503050406030204" pitchFamily="18" charset="0"/>
+                            </a:rPr>
+                            <m:t>−1</m:t>
+                          </m:r>
+                        </m:sup>
+                      </m:sSup>
+                      <m:r>
+                        <a:rPr lang="en-US" altLang="zh-CN" sz="2400" b="0" i="1" smtClean="0">
+                          <a:latin typeface="Cambria Math" panose="02040503050406030204" pitchFamily="18" charset="0"/>
+                        </a:rPr>
+                        <m:t>=</m:t>
+                      </m:r>
+                      <m:r>
+                        <a:rPr lang="en-US" altLang="zh-CN" sz="2400" b="0" i="1" smtClean="0">
+                          <a:latin typeface="Cambria Math" panose="02040503050406030204" pitchFamily="18" charset="0"/>
+                        </a:rPr>
+                        <m:t>𝑉</m:t>
+                      </m:r>
+                      <m:sSup>
+                        <m:sSupPr>
+                          <m:ctrlPr>
+                            <a:rPr lang="en-US" altLang="zh-CN" sz="2400" b="0" i="1" smtClean="0">
+                              <a:latin typeface="Cambria Math" panose="02040503050406030204" pitchFamily="18" charset="0"/>
+                            </a:rPr>
+                          </m:ctrlPr>
+                        </m:sSupPr>
+                        <m:e>
+                          <m:r>
+                            <a:rPr lang="en-US" altLang="zh-CN" sz="2400" b="0" i="1" smtClean="0">
+                              <a:latin typeface="Cambria Math" panose="02040503050406030204" pitchFamily="18" charset="0"/>
+                            </a:rPr>
+                            <m:t>𝐷</m:t>
+                          </m:r>
+                        </m:e>
+                        <m:sup>
+                          <m:r>
+                            <a:rPr lang="en-US" altLang="zh-CN" sz="2400" b="0" i="1" smtClean="0">
+                              <a:latin typeface="Cambria Math" panose="02040503050406030204" pitchFamily="18" charset="0"/>
+                            </a:rPr>
+                            <m:t>−1</m:t>
+                          </m:r>
+                        </m:sup>
+                      </m:sSup>
+                      <m:sSup>
+                        <m:sSupPr>
+                          <m:ctrlPr>
+                            <a:rPr lang="en-US" altLang="zh-CN" sz="2400" b="0" i="1" smtClean="0">
+                              <a:latin typeface="Cambria Math" panose="02040503050406030204" pitchFamily="18" charset="0"/>
+                            </a:rPr>
+                          </m:ctrlPr>
+                        </m:sSupPr>
+                        <m:e>
+                          <m:r>
+                            <a:rPr lang="en-US" altLang="zh-CN" sz="2400" b="0" i="1" smtClean="0">
+                              <a:latin typeface="Cambria Math" panose="02040503050406030204" pitchFamily="18" charset="0"/>
+                            </a:rPr>
+                            <m:t>𝑈</m:t>
+                          </m:r>
+                        </m:e>
+                        <m:sup>
+                          <m:r>
+                            <a:rPr lang="en-US" altLang="zh-CN" sz="2400" b="0" i="1" smtClean="0">
+                              <a:latin typeface="Cambria Math" panose="02040503050406030204" pitchFamily="18" charset="0"/>
+                            </a:rPr>
+                            <m:t>𝑇</m:t>
+                          </m:r>
+                        </m:sup>
+                      </m:sSup>
+                    </m:oMath>
+                  </m:oMathPara>
+                </a14:m>
+                <a:endParaRPr lang="zh-CN" altLang="en-US" sz="2400"/>
+              </a:p>
+            </p:txBody>
+          </p:sp>
+        </mc:Choice>
+        <mc:Fallback>
+          <p:sp>
+            <p:nvSpPr>
+              <p:cNvPr id="4" name="文本框 3">
+                <a:extLst>
+                  <a:ext uri="{FF2B5EF4-FFF2-40B4-BE49-F238E27FC236}">
+                    <a16:creationId xmlns:a16="http://schemas.microsoft.com/office/drawing/2014/main" id="{AB3C9AF5-3614-4B02-BA61-A94CF348E640}"/>
+                  </a:ext>
+                </a:extLst>
+              </p:cNvPr>
+              <p:cNvSpPr txBox="1">
+                <a:spLocks noRot="1" noChangeAspect="1" noMove="1" noResize="1" noEditPoints="1" noAdjustHandles="1" noChangeArrowheads="1" noChangeShapeType="1" noTextEdit="1"/>
+              </p:cNvSpPr>
+              <p:nvPr/>
+            </p:nvSpPr>
+            <p:spPr>
+              <a:xfrm>
+                <a:off x="1046095" y="2814764"/>
+                <a:ext cx="2466071" cy="461665"/>
+              </a:xfrm>
+              <a:prstGeom prst="rect">
+                <a:avLst/>
+              </a:prstGeom>
+              <a:blipFill>
+                <a:blip r:embed="rId2"/>
+                <a:stretch>
+                  <a:fillRect/>
+                </a:stretch>
+              </a:blipFill>
+            </p:spPr>
+            <p:txBody>
+              <a:bodyPr/>
+              <a:lstStyle/>
+              <a:p>
+                <a:r>
+                  <a:rPr lang="zh-CN" altLang="en-US">
+                    <a:noFill/>
+                  </a:rPr>
+                  <a:t> </a:t>
+                </a:r>
+              </a:p>
+            </p:txBody>
+          </p:sp>
+        </mc:Fallback>
+      </mc:AlternateContent>
+      <p:pic>
+        <p:nvPicPr>
+          <p:cNvPr id="5" name="图片 4">
+            <a:extLst>
+              <a:ext uri="{FF2B5EF4-FFF2-40B4-BE49-F238E27FC236}">
+                <a16:creationId xmlns:a16="http://schemas.microsoft.com/office/drawing/2014/main" id="{EB7FF512-3265-4651-B12C-2B8B8BFDD0DF}"/>
+              </a:ext>
+            </a:extLst>
+          </p:cNvPr>
+          <p:cNvPicPr>
+            <a:picLocks noChangeAspect="1"/>
+          </p:cNvPicPr>
+          <p:nvPr/>
+        </p:nvPicPr>
+        <p:blipFill>
+          <a:blip r:embed="rId3"/>
+          <a:stretch>
+            <a:fillRect/>
+          </a:stretch>
+        </p:blipFill>
+        <p:spPr>
+          <a:xfrm>
+            <a:off x="1046096" y="4228390"/>
+            <a:ext cx="2705100" cy="571500"/>
+          </a:xfrm>
+          <a:prstGeom prst="rect">
+            <a:avLst/>
+          </a:prstGeom>
+        </p:spPr>
+      </p:pic>
+      <p:sp>
+        <p:nvSpPr>
+          <p:cNvPr id="6" name="文本框 5">
+            <a:extLst>
+              <a:ext uri="{FF2B5EF4-FFF2-40B4-BE49-F238E27FC236}">
+                <a16:creationId xmlns:a16="http://schemas.microsoft.com/office/drawing/2014/main" id="{8660A2BB-5558-45B9-9AA1-B77C8F082F69}"/>
+              </a:ext>
+            </a:extLst>
+          </p:cNvPr>
+          <p:cNvSpPr txBox="1"/>
+          <p:nvPr/>
+        </p:nvSpPr>
+        <p:spPr>
+          <a:xfrm>
+            <a:off x="4150580" y="4373214"/>
+            <a:ext cx="4619708" cy="461665"/>
+          </a:xfrm>
+          <a:prstGeom prst="rect">
+            <a:avLst/>
+          </a:prstGeom>
+          <a:noFill/>
+        </p:spPr>
+        <p:txBody>
+          <a:bodyPr wrap="square" rtlCol="0">
+            <a:spAutoFit/>
+          </a:bodyPr>
+          <a:lstStyle/>
+          <a:p>
+            <a:r>
+              <a:rPr lang="zh-CN" altLang="en-US" sz="2400"/>
+              <a:t>其中</a:t>
+            </a:r>
+            <a:r>
+              <a:rPr lang="en-US" altLang="zh-CN" sz="2400"/>
+              <a:t>+</a:t>
+            </a:r>
+            <a:r>
+              <a:rPr lang="zh-CN" altLang="en-US" sz="2400"/>
+              <a:t>号表示奇异值非零的项</a:t>
+            </a:r>
+          </a:p>
+        </p:txBody>
+      </p:sp>
+    </p:spTree>
+    <p:extLst>
+      <p:ext uri="{BB962C8B-B14F-4D97-AF65-F5344CB8AC3E}">
+        <p14:creationId xmlns:p14="http://schemas.microsoft.com/office/powerpoint/2010/main" val="1446051261"/>
+      </p:ext>
+    </p:extLst>
+  </p:cSld>
+  <p:clrMapOvr>
+    <a:masterClrMapping/>
+  </p:clrMapOvr>
+</p:sld>
+</file>
+
+<file path=ppt/slides/slide25.xml><?xml version="1.0" encoding="utf-8"?>
+<p:sld xmlns:a="http://schemas.openxmlformats.org/drawingml/2006/main" xmlns:r="http://schemas.openxmlformats.org/officeDocument/2006/relationships" xmlns:p="http://schemas.openxmlformats.org/presentationml/2006/main">
+  <p:cSld>
+    <p:spTree>
+      <p:nvGrpSpPr>
+        <p:cNvPr id="1" name=""/>
+        <p:cNvGrpSpPr/>
+        <p:nvPr/>
+      </p:nvGrpSpPr>
+      <p:grpSpPr>
+        <a:xfrm>
+          <a:off x="0" y="0"/>
+          <a:ext cx="0" cy="0"/>
+          <a:chOff x="0" y="0"/>
+          <a:chExt cx="0" cy="0"/>
+        </a:xfrm>
+      </p:grpSpPr>
+      <p:sp>
+        <p:nvSpPr>
+          <p:cNvPr id="2" name="标题 1">
+            <a:extLst>
+              <a:ext uri="{FF2B5EF4-FFF2-40B4-BE49-F238E27FC236}">
+                <a16:creationId xmlns:a16="http://schemas.microsoft.com/office/drawing/2014/main" id="{46CD768A-2190-4F6F-9140-5FDF05F734AE}"/>
+              </a:ext>
+            </a:extLst>
+          </p:cNvPr>
+          <p:cNvSpPr>
+            <a:spLocks noGrp="1"/>
+          </p:cNvSpPr>
+          <p:nvPr>
+            <p:ph type="title"/>
+          </p:nvPr>
+        </p:nvSpPr>
+        <p:spPr/>
+        <p:txBody>
+          <a:bodyPr/>
+          <a:lstStyle/>
+          <a:p>
+            <a:r>
+              <a:rPr lang="zh-CN" altLang="en-US"/>
+              <a:t>矩阵的迹</a:t>
+            </a:r>
+            <a:r>
+              <a:rPr lang="en-US" altLang="zh-CN"/>
+              <a:t>(Trace)</a:t>
+            </a:r>
+            <a:endParaRPr lang="zh-CN" altLang="en-US"/>
+          </a:p>
+        </p:txBody>
+      </p:sp>
+      <p:pic>
+        <p:nvPicPr>
+          <p:cNvPr id="4" name="图片 3">
+            <a:extLst>
+              <a:ext uri="{FF2B5EF4-FFF2-40B4-BE49-F238E27FC236}">
+                <a16:creationId xmlns:a16="http://schemas.microsoft.com/office/drawing/2014/main" id="{21432BE3-1B6E-4A6E-880E-3A56BE783994}"/>
+              </a:ext>
+            </a:extLst>
+          </p:cNvPr>
+          <p:cNvPicPr>
+            <a:picLocks noChangeAspect="1"/>
+          </p:cNvPicPr>
+          <p:nvPr/>
+        </p:nvPicPr>
+        <p:blipFill>
+          <a:blip r:embed="rId2"/>
+          <a:stretch>
+            <a:fillRect/>
+          </a:stretch>
+        </p:blipFill>
+        <p:spPr>
+          <a:xfrm>
+            <a:off x="796604" y="2186361"/>
+            <a:ext cx="2952750" cy="1085850"/>
+          </a:xfrm>
+          <a:prstGeom prst="rect">
+            <a:avLst/>
+          </a:prstGeom>
+        </p:spPr>
+      </p:pic>
+      <p:pic>
+        <p:nvPicPr>
+          <p:cNvPr id="5" name="图片 4">
+            <a:extLst>
+              <a:ext uri="{FF2B5EF4-FFF2-40B4-BE49-F238E27FC236}">
+                <a16:creationId xmlns:a16="http://schemas.microsoft.com/office/drawing/2014/main" id="{079F84AD-39D4-486C-828A-C6C7AF50B84F}"/>
+              </a:ext>
+            </a:extLst>
+          </p:cNvPr>
+          <p:cNvPicPr>
+            <a:picLocks noChangeAspect="1"/>
+          </p:cNvPicPr>
+          <p:nvPr/>
+        </p:nvPicPr>
+        <p:blipFill>
+          <a:blip r:embed="rId3"/>
+          <a:stretch>
+            <a:fillRect/>
+          </a:stretch>
+        </p:blipFill>
+        <p:spPr>
+          <a:xfrm>
+            <a:off x="734673" y="4533445"/>
+            <a:ext cx="3686175" cy="923925"/>
+          </a:xfrm>
+          <a:prstGeom prst="rect">
+            <a:avLst/>
+          </a:prstGeom>
+        </p:spPr>
+      </p:pic>
+    </p:spTree>
+    <p:extLst>
+      <p:ext uri="{BB962C8B-B14F-4D97-AF65-F5344CB8AC3E}">
+        <p14:creationId xmlns:p14="http://schemas.microsoft.com/office/powerpoint/2010/main" val="2203492243"/>
+      </p:ext>
+    </p:extLst>
+  </p:cSld>
+  <p:clrMapOvr>
+    <a:masterClrMapping/>
+  </p:clrMapOvr>
+</p:sld>
+</file>
+
+<file path=ppt/slides/slide26.xml><?xml version="1.0" encoding="utf-8"?>
+<p:sld xmlns:a="http://schemas.openxmlformats.org/drawingml/2006/main" xmlns:r="http://schemas.openxmlformats.org/officeDocument/2006/relationships" xmlns:p="http://schemas.openxmlformats.org/presentationml/2006/main">
+  <p:cSld>
+    <p:spTree>
+      <p:nvGrpSpPr>
+        <p:cNvPr id="1" name=""/>
+        <p:cNvGrpSpPr/>
+        <p:nvPr/>
+      </p:nvGrpSpPr>
+      <p:grpSpPr>
+        <a:xfrm>
+          <a:off x="0" y="0"/>
+          <a:ext cx="0" cy="0"/>
+          <a:chOff x="0" y="0"/>
+          <a:chExt cx="0" cy="0"/>
+        </a:xfrm>
+      </p:grpSpPr>
+      <p:sp>
+        <p:nvSpPr>
+          <p:cNvPr id="2" name="标题 1">
+            <a:extLst>
+              <a:ext uri="{FF2B5EF4-FFF2-40B4-BE49-F238E27FC236}">
+                <a16:creationId xmlns:a16="http://schemas.microsoft.com/office/drawing/2014/main" id="{08DF6D69-D65D-42A6-B39E-95AE27F898A2}"/>
+              </a:ext>
+            </a:extLst>
+          </p:cNvPr>
+          <p:cNvSpPr>
+            <a:spLocks noGrp="1"/>
+          </p:cNvSpPr>
+          <p:nvPr>
+            <p:ph type="title"/>
+          </p:nvPr>
+        </p:nvSpPr>
+        <p:spPr/>
+        <p:txBody>
+          <a:bodyPr/>
+          <a:lstStyle/>
+          <a:p>
+            <a:r>
+              <a:rPr lang="zh-CN" altLang="en-US"/>
+              <a:t>行列式（</a:t>
+            </a:r>
+            <a:r>
+              <a:rPr lang="en-US" altLang="zh-CN"/>
+              <a:t>Determinant)</a:t>
+            </a:r>
+            <a:endParaRPr lang="zh-CN" altLang="en-US"/>
+          </a:p>
+        </p:txBody>
+      </p:sp>
+      <mc:AlternateContent xmlns:mc="http://schemas.openxmlformats.org/markup-compatibility/2006">
+        <mc:Choice xmlns:a14="http://schemas.microsoft.com/office/drawing/2010/main" Requires="a14">
+          <p:sp>
+            <p:nvSpPr>
+              <p:cNvPr id="3" name="内容占位符 2">
+                <a:extLst>
+                  <a:ext uri="{FF2B5EF4-FFF2-40B4-BE49-F238E27FC236}">
+                    <a16:creationId xmlns:a16="http://schemas.microsoft.com/office/drawing/2014/main" id="{6AFA1706-88FD-4ADB-84BB-438E4292C4FC}"/>
+                  </a:ext>
+                </a:extLst>
+              </p:cNvPr>
+              <p:cNvSpPr>
+                <a:spLocks noGrp="1"/>
+              </p:cNvSpPr>
+              <p:nvPr>
+                <p:ph idx="1"/>
+              </p:nvPr>
+            </p:nvSpPr>
+            <p:spPr/>
+            <p:txBody>
+              <a:bodyPr>
+                <a:normAutofit/>
+              </a:bodyPr>
+              <a:lstStyle/>
+              <a:p>
+                <a14:m>
+                  <m:oMath xmlns:m="http://schemas.openxmlformats.org/officeDocument/2006/math">
+                    <m:func>
+                      <m:funcPr>
+                        <m:ctrlPr>
+                          <a:rPr lang="en-US" altLang="zh-CN" sz="2800" b="0" i="1" smtClean="0">
+                            <a:latin typeface="Cambria Math" panose="02040503050406030204" pitchFamily="18" charset="0"/>
+                          </a:rPr>
+                        </m:ctrlPr>
+                      </m:funcPr>
+                      <m:fName>
+                        <m:r>
+                          <m:rPr>
+                            <m:sty m:val="p"/>
+                          </m:rPr>
+                          <a:rPr lang="en-US" altLang="zh-CN" sz="2800" b="0" i="0" smtClean="0">
+                            <a:latin typeface="Cambria Math" panose="02040503050406030204" pitchFamily="18" charset="0"/>
+                          </a:rPr>
+                          <m:t>det</m:t>
+                        </m:r>
+                      </m:fName>
+                      <m:e>
+                        <m:d>
+                          <m:dPr>
+                            <m:ctrlPr>
+                              <a:rPr lang="en-US" altLang="zh-CN" sz="2800" b="0" i="1" smtClean="0">
+                                <a:latin typeface="Cambria Math" panose="02040503050406030204" pitchFamily="18" charset="0"/>
+                              </a:rPr>
+                            </m:ctrlPr>
+                          </m:dPr>
+                          <m:e>
+                            <m:r>
+                              <a:rPr lang="en-US" altLang="zh-CN" sz="2800" b="0" i="1" smtClean="0">
+                                <a:latin typeface="Cambria Math" panose="02040503050406030204" pitchFamily="18" charset="0"/>
+                              </a:rPr>
+                              <m:t>𝐴</m:t>
+                            </m:r>
+                          </m:e>
+                        </m:d>
+                      </m:e>
+                    </m:func>
+                    <m:r>
+                      <a:rPr lang="en-US" altLang="zh-CN" sz="2800" b="0" i="1" smtClean="0">
+                        <a:latin typeface="Cambria Math" panose="02040503050406030204" pitchFamily="18" charset="0"/>
+                      </a:rPr>
+                      <m:t>=</m:t>
+                    </m:r>
+                    <m:nary>
+                      <m:naryPr>
+                        <m:chr m:val="∏"/>
+                        <m:subHide m:val="on"/>
+                        <m:supHide m:val="on"/>
+                        <m:ctrlPr>
+                          <a:rPr lang="en-US" altLang="zh-CN" sz="2800" b="0" i="1" smtClean="0">
+                            <a:latin typeface="Cambria Math" panose="02040503050406030204" pitchFamily="18" charset="0"/>
+                          </a:rPr>
+                        </m:ctrlPr>
+                      </m:naryPr>
+                      <m:sub/>
+                      <m:sup/>
+                      <m:e>
+                        <m:r>
+                          <a:rPr lang="en-US" altLang="zh-CN" sz="2800" b="0" i="1" smtClean="0">
+                            <a:latin typeface="Cambria Math" panose="02040503050406030204" pitchFamily="18" charset="0"/>
+                          </a:rPr>
+                          <m:t>𝑆𝑖𝑛𝑔𝑢𝑙𝑎𝑟𝑉𝑎𝑙𝑢𝑒</m:t>
+                        </m:r>
+                        <m:r>
+                          <a:rPr lang="en-US" altLang="zh-CN" sz="2800" b="0" i="1" smtClean="0">
+                            <a:latin typeface="Cambria Math" panose="02040503050406030204" pitchFamily="18" charset="0"/>
+                          </a:rPr>
+                          <m:t>(</m:t>
+                        </m:r>
+                        <m:r>
+                          <a:rPr lang="en-US" altLang="zh-CN" sz="2800" b="0" i="1" smtClean="0">
+                            <a:latin typeface="Cambria Math" panose="02040503050406030204" pitchFamily="18" charset="0"/>
+                          </a:rPr>
+                          <m:t>𝐴</m:t>
+                        </m:r>
+                        <m:r>
+                          <a:rPr lang="en-US" altLang="zh-CN" sz="2800" b="0" i="1" smtClean="0">
+                            <a:latin typeface="Cambria Math" panose="02040503050406030204" pitchFamily="18" charset="0"/>
+                          </a:rPr>
+                          <m:t>)</m:t>
+                        </m:r>
+                      </m:e>
+                    </m:nary>
+                  </m:oMath>
+                </a14:m>
+                <a:endParaRPr lang="en-US" altLang="zh-CN" sz="2800"/>
+              </a:p>
+              <a:p>
+                <a:endParaRPr lang="en-US" altLang="zh-CN" sz="2800"/>
+              </a:p>
+              <a:p>
+                <a:r>
+                  <a:rPr lang="en-US" altLang="zh-CN" sz="2800"/>
+                  <a:t>Det(A)</a:t>
+                </a:r>
+                <a:r>
+                  <a:rPr lang="zh-CN" altLang="en-US" sz="2800"/>
+                  <a:t>决定了</a:t>
+                </a:r>
+                <a:r>
+                  <a:rPr lang="en-US" altLang="zh-CN" sz="2800"/>
+                  <a:t>A</a:t>
+                </a:r>
+                <a:r>
+                  <a:rPr lang="zh-CN" altLang="en-US" sz="2800"/>
+                  <a:t>的稳定程度</a:t>
+                </a:r>
+                <a:endParaRPr lang="en-US" altLang="zh-CN" sz="2800"/>
+              </a:p>
+              <a:p>
+                <a:endParaRPr lang="en-US" altLang="zh-CN" sz="2800"/>
+              </a:p>
+              <a:p>
+                <a:r>
+                  <a:rPr lang="zh-CN" altLang="en-US" sz="2800"/>
+                  <a:t>吉洪诺夫正则化确保了</a:t>
+                </a:r>
+                <a:r>
+                  <a:rPr lang="en-US" altLang="zh-CN" sz="2800"/>
+                  <a:t>Det(A)</a:t>
+                </a:r>
+                <a:r>
+                  <a:rPr lang="zh-CN" altLang="en-US" sz="2800"/>
+                  <a:t>不为零</a:t>
+                </a:r>
+              </a:p>
+            </p:txBody>
+          </p:sp>
+        </mc:Choice>
+        <mc:Fallback>
+          <p:sp>
+            <p:nvSpPr>
+              <p:cNvPr id="3" name="内容占位符 2">
+                <a:extLst>
+                  <a:ext uri="{FF2B5EF4-FFF2-40B4-BE49-F238E27FC236}">
+                    <a16:creationId xmlns:a16="http://schemas.microsoft.com/office/drawing/2014/main" id="{6AFA1706-88FD-4ADB-84BB-438E4292C4FC}"/>
+                  </a:ext>
+                </a:extLst>
+              </p:cNvPr>
+              <p:cNvSpPr>
+                <a:spLocks noGrp="1" noRot="1" noChangeAspect="1" noMove="1" noResize="1" noEditPoints="1" noAdjustHandles="1" noChangeArrowheads="1" noChangeShapeType="1" noTextEdit="1"/>
+              </p:cNvSpPr>
+              <p:nvPr>
+                <p:ph idx="1"/>
+              </p:nvPr>
+            </p:nvSpPr>
+            <p:spPr>
+              <a:blipFill>
+                <a:blip r:embed="rId2"/>
+                <a:stretch>
+                  <a:fillRect l="-851"/>
+                </a:stretch>
+              </a:blipFill>
+            </p:spPr>
+            <p:txBody>
+              <a:bodyPr/>
+              <a:lstStyle/>
+              <a:p>
+                <a:r>
+                  <a:rPr lang="zh-CN" altLang="en-US">
+                    <a:noFill/>
+                  </a:rPr>
+                  <a:t> </a:t>
+                </a:r>
+              </a:p>
+            </p:txBody>
+          </p:sp>
+        </mc:Fallback>
+      </mc:AlternateContent>
+    </p:spTree>
+    <p:extLst>
+      <p:ext uri="{BB962C8B-B14F-4D97-AF65-F5344CB8AC3E}">
+        <p14:creationId xmlns:p14="http://schemas.microsoft.com/office/powerpoint/2010/main" val="654899948"/>
+      </p:ext>
+    </p:extLst>
+  </p:cSld>
+  <p:clrMapOvr>
+    <a:masterClrMapping/>
+  </p:clrMapOvr>
+</p:sld>
+</file>
+
+<file path=ppt/slides/slide27.xml><?xml version="1.0" encoding="utf-8"?>
+<p:sld xmlns:a="http://schemas.openxmlformats.org/drawingml/2006/main" xmlns:r="http://schemas.openxmlformats.org/officeDocument/2006/relationships" xmlns:p="http://schemas.openxmlformats.org/presentationml/2006/main">
+  <p:cSld>
+    <p:spTree>
+      <p:nvGrpSpPr>
+        <p:cNvPr id="1" name=""/>
+        <p:cNvGrpSpPr/>
+        <p:nvPr/>
+      </p:nvGrpSpPr>
+      <p:grpSpPr>
+        <a:xfrm>
+          <a:off x="0" y="0"/>
+          <a:ext cx="0" cy="0"/>
+          <a:chOff x="0" y="0"/>
+          <a:chExt cx="0" cy="0"/>
+        </a:xfrm>
+      </p:grpSpPr>
+      <p:sp>
+        <p:nvSpPr>
+          <p:cNvPr id="2" name="标题 1">
+            <a:extLst>
+              <a:ext uri="{FF2B5EF4-FFF2-40B4-BE49-F238E27FC236}">
+                <a16:creationId xmlns:a16="http://schemas.microsoft.com/office/drawing/2014/main" id="{93577A9D-5BAE-43B9-A202-32EB31C0B823}"/>
+              </a:ext>
+            </a:extLst>
+          </p:cNvPr>
+          <p:cNvSpPr>
+            <a:spLocks noGrp="1"/>
+          </p:cNvSpPr>
+          <p:nvPr>
+            <p:ph type="title"/>
+          </p:nvPr>
+        </p:nvSpPr>
+        <p:spPr/>
+        <p:txBody>
+          <a:bodyPr/>
+          <a:lstStyle/>
+          <a:p>
+            <a:r>
+              <a:rPr lang="zh-CN" altLang="en-US"/>
+              <a:t>谢谢！</a:t>
+            </a:r>
+          </a:p>
+        </p:txBody>
+      </p:sp>
+      <p:sp>
+        <p:nvSpPr>
+          <p:cNvPr id="3" name="内容占位符 2">
+            <a:extLst>
+              <a:ext uri="{FF2B5EF4-FFF2-40B4-BE49-F238E27FC236}">
+                <a16:creationId xmlns:a16="http://schemas.microsoft.com/office/drawing/2014/main" id="{680617C6-46BB-4358-938C-D993D8325845}"/>
+              </a:ext>
+            </a:extLst>
+          </p:cNvPr>
+          <p:cNvSpPr>
+            <a:spLocks noGrp="1"/>
+          </p:cNvSpPr>
+          <p:nvPr>
+            <p:ph idx="1"/>
+          </p:nvPr>
+        </p:nvSpPr>
+        <p:spPr/>
+        <p:txBody>
+          <a:bodyPr>
+            <a:normAutofit/>
+          </a:bodyPr>
+          <a:lstStyle/>
+          <a:p>
+            <a:r>
+              <a:rPr lang="zh-CN" altLang="en-US" sz="4800"/>
+              <a:t>提问！</a:t>
+            </a:r>
+          </a:p>
+        </p:txBody>
+      </p:sp>
+    </p:spTree>
+    <p:extLst>
+      <p:ext uri="{BB962C8B-B14F-4D97-AF65-F5344CB8AC3E}">
+        <p14:creationId xmlns:p14="http://schemas.microsoft.com/office/powerpoint/2010/main" val="1534373295"/>
       </p:ext>
     </p:extLst>
   </p:cSld>
@@ -6368,6 +11275,99 @@
           <p:cNvPr id="2" name="标题 1">
             <a:extLst>
               <a:ext uri="{FF2B5EF4-FFF2-40B4-BE49-F238E27FC236}">
+                <a16:creationId xmlns:a16="http://schemas.microsoft.com/office/drawing/2014/main" id="{521B2B18-BB3D-4861-9C32-EE0C0FAF3D41}"/>
+              </a:ext>
+            </a:extLst>
+          </p:cNvPr>
+          <p:cNvSpPr>
+            <a:spLocks noGrp="1"/>
+          </p:cNvSpPr>
+          <p:nvPr>
+            <p:ph type="title"/>
+          </p:nvPr>
+        </p:nvSpPr>
+        <p:spPr/>
+        <p:txBody>
+          <a:bodyPr/>
+          <a:lstStyle/>
+          <a:p>
+            <a:r>
+              <a:rPr lang="zh-CN" altLang="en-US"/>
+              <a:t>图也是矩阵</a:t>
+            </a:r>
+          </a:p>
+        </p:txBody>
+      </p:sp>
+      <p:pic>
+        <p:nvPicPr>
+          <p:cNvPr id="5" name="内容占位符 4">
+            <a:extLst>
+              <a:ext uri="{FF2B5EF4-FFF2-40B4-BE49-F238E27FC236}">
+                <a16:creationId xmlns:a16="http://schemas.microsoft.com/office/drawing/2014/main" id="{6A70B4D2-EC20-4BB4-A349-2E816C4F4F5F}"/>
+              </a:ext>
+            </a:extLst>
+          </p:cNvPr>
+          <p:cNvPicPr>
+            <a:picLocks noGrp="1" noChangeAspect="1"/>
+          </p:cNvPicPr>
+          <p:nvPr>
+            <p:ph idx="1"/>
+          </p:nvPr>
+        </p:nvPicPr>
+        <p:blipFill>
+          <a:blip r:embed="rId2">
+            <a:extLst>
+              <a:ext uri="{28A0092B-C50C-407E-A947-70E740481C1C}">
+                <a14:useLocalDpi xmlns:a14="http://schemas.microsoft.com/office/drawing/2010/main" val="0"/>
+              </a:ext>
+            </a:extLst>
+          </a:blip>
+          <a:stretch>
+            <a:fillRect/>
+          </a:stretch>
+        </p:blipFill>
+        <p:spPr>
+          <a:xfrm>
+            <a:off x="296198" y="1908527"/>
+            <a:ext cx="11233191" cy="4567087"/>
+          </a:xfrm>
+        </p:spPr>
+      </p:pic>
+    </p:spTree>
+    <p:extLst>
+      <p:ext uri="{BB962C8B-B14F-4D97-AF65-F5344CB8AC3E}">
+        <p14:creationId xmlns:p14="http://schemas.microsoft.com/office/powerpoint/2010/main" val="3852605955"/>
+      </p:ext>
+    </p:extLst>
+  </p:cSld>
+  <p:clrMapOvr>
+    <a:masterClrMapping/>
+  </p:clrMapOvr>
+</p:sld>
+</file>
+
+<file path=ppt/slides/slide6.xml><?xml version="1.0" encoding="utf-8"?>
+<p:sld xmlns:a="http://schemas.openxmlformats.org/drawingml/2006/main" xmlns:r="http://schemas.openxmlformats.org/officeDocument/2006/relationships" xmlns:p="http://schemas.openxmlformats.org/presentationml/2006/main">
+  <p:cSld>
+    <p:spTree>
+      <p:nvGrpSpPr>
+        <p:cNvPr id="1" name=""/>
+        <p:cNvGrpSpPr/>
+        <p:nvPr/>
+      </p:nvGrpSpPr>
+      <p:grpSpPr>
+        <a:xfrm>
+          <a:off x="0" y="0"/>
+          <a:ext cx="0" cy="0"/>
+          <a:chOff x="0" y="0"/>
+          <a:chExt cx="0" cy="0"/>
+        </a:xfrm>
+      </p:grpSpPr>
+      <p:sp>
+        <p:nvSpPr>
+          <p:cNvPr id="2" name="标题 1">
+            <a:extLst>
+              <a:ext uri="{FF2B5EF4-FFF2-40B4-BE49-F238E27FC236}">
                 <a16:creationId xmlns:a16="http://schemas.microsoft.com/office/drawing/2014/main" id="{4F4340A4-94A7-4598-BFD6-7A9FDEC684C4}"/>
               </a:ext>
             </a:extLst>
@@ -6525,7 +11525,7 @@
 </p:sld>
 </file>
 
-<file path=ppt/slides/slide6.xml><?xml version="1.0" encoding="utf-8"?>
+<file path=ppt/slides/slide7.xml><?xml version="1.0" encoding="utf-8"?>
 <p:sld xmlns:a="http://schemas.openxmlformats.org/drawingml/2006/main" xmlns:r="http://schemas.openxmlformats.org/officeDocument/2006/relationships" xmlns:p="http://schemas.openxmlformats.org/presentationml/2006/main">
   <p:cSld>
     <p:spTree>
@@ -6547,7 +11547,7 @@
           <p:cNvPr id="2" name="标题 1">
             <a:extLst>
               <a:ext uri="{FF2B5EF4-FFF2-40B4-BE49-F238E27FC236}">
-                <a16:creationId xmlns:a16="http://schemas.microsoft.com/office/drawing/2014/main" id="{521B2B18-BB3D-4861-9C32-EE0C0FAF3D41}"/>
+                <a16:creationId xmlns:a16="http://schemas.microsoft.com/office/drawing/2014/main" id="{A5FAA8E8-3309-4696-A8F2-722F3512795A}"/>
               </a:ext>
             </a:extLst>
           </p:cNvPr>
@@ -6565,50 +11565,807 @@
           <a:p>
             <a:r>
               <a:rPr lang="zh-CN" altLang="en-US"/>
-              <a:t>图也是矩阵</a:t>
+              <a:t>数据科学的基础就是脑子里能想象一张表</a:t>
             </a:r>
           </a:p>
         </p:txBody>
       </p:sp>
-      <p:pic>
-        <p:nvPicPr>
-          <p:cNvPr id="5" name="内容占位符 4">
+      <p:sp>
+        <p:nvSpPr>
+          <p:cNvPr id="3" name="内容占位符 2">
             <a:extLst>
               <a:ext uri="{FF2B5EF4-FFF2-40B4-BE49-F238E27FC236}">
-                <a16:creationId xmlns:a16="http://schemas.microsoft.com/office/drawing/2014/main" id="{6A70B4D2-EC20-4BB4-A349-2E816C4F4F5F}"/>
+                <a16:creationId xmlns:a16="http://schemas.microsoft.com/office/drawing/2014/main" id="{F319D833-65CB-4930-B367-6B8AD1463EA4}"/>
               </a:ext>
             </a:extLst>
           </p:cNvPr>
-          <p:cNvPicPr>
-            <a:picLocks noGrp="1" noChangeAspect="1"/>
-          </p:cNvPicPr>
+          <p:cNvSpPr>
+            <a:spLocks noGrp="1"/>
+          </p:cNvSpPr>
           <p:nvPr>
             <p:ph idx="1"/>
           </p:nvPr>
-        </p:nvPicPr>
-        <p:blipFill>
-          <a:blip r:embed="rId2">
+        </p:nvSpPr>
+        <p:spPr/>
+        <p:txBody>
+          <a:bodyPr>
+            <a:normAutofit/>
+          </a:bodyPr>
+          <a:lstStyle/>
+          <a:p>
+            <a:r>
+              <a:rPr lang="zh-CN" altLang="en-US" sz="2400"/>
+              <a:t>每一行是一个实体</a:t>
+            </a:r>
+            <a:endParaRPr lang="en-US" altLang="zh-CN" sz="2400"/>
+          </a:p>
+          <a:p>
+            <a:endParaRPr lang="en-US" altLang="zh-CN" sz="2400"/>
+          </a:p>
+          <a:p>
+            <a:r>
+              <a:rPr lang="zh-CN" altLang="en-US" sz="2400"/>
+              <a:t>每一列是一个属性</a:t>
+            </a:r>
+            <a:endParaRPr lang="en-US" altLang="zh-CN" sz="2400"/>
+          </a:p>
+          <a:p>
+            <a:endParaRPr lang="en-US" altLang="zh-CN" sz="2400"/>
+          </a:p>
+          <a:p>
+            <a:endParaRPr lang="zh-CN" altLang="en-US" sz="2400"/>
+          </a:p>
+        </p:txBody>
+      </p:sp>
+      <p:graphicFrame>
+        <p:nvGraphicFramePr>
+          <p:cNvPr id="4" name="表格 3">
             <a:extLst>
-              <a:ext uri="{28A0092B-C50C-407E-A947-70E740481C1C}">
-                <a14:useLocalDpi xmlns:a14="http://schemas.microsoft.com/office/drawing/2010/main" val="0"/>
+              <a:ext uri="{FF2B5EF4-FFF2-40B4-BE49-F238E27FC236}">
+                <a16:creationId xmlns:a16="http://schemas.microsoft.com/office/drawing/2014/main" id="{743A9B73-2E12-482F-ADCC-A67EF419922D}"/>
               </a:ext>
             </a:extLst>
-          </a:blip>
-          <a:stretch>
-            <a:fillRect/>
-          </a:stretch>
-        </p:blipFill>
+          </p:cNvPr>
+          <p:cNvGraphicFramePr>
+            <a:graphicFrameLocks noGrp="1"/>
+          </p:cNvGraphicFramePr>
+          <p:nvPr>
+            <p:extLst>
+              <p:ext uri="{D42A27DB-BD31-4B8C-83A1-F6EECF244321}">
+                <p14:modId xmlns:p14="http://schemas.microsoft.com/office/powerpoint/2010/main" val="3402593048"/>
+              </p:ext>
+            </p:extLst>
+          </p:nvPr>
+        </p:nvGraphicFramePr>
+        <p:xfrm>
+          <a:off x="779227" y="4036943"/>
+          <a:ext cx="4349363" cy="1902435"/>
+        </p:xfrm>
+        <a:graphic>
+          <a:graphicData uri="http://schemas.openxmlformats.org/drawingml/2006/table">
+            <a:tbl>
+              <a:tblPr>
+                <a:tableStyleId>{5C22544A-7EE6-4342-B048-85BDC9FD1C3A}</a:tableStyleId>
+              </a:tblPr>
+              <a:tblGrid>
+                <a:gridCol w="977782">
+                  <a:extLst>
+                    <a:ext uri="{9D8B030D-6E8A-4147-A177-3AD203B41FA5}">
+                      <a16:colId xmlns:a16="http://schemas.microsoft.com/office/drawing/2014/main" val="550438623"/>
+                    </a:ext>
+                  </a:extLst>
+                </a:gridCol>
+                <a:gridCol w="684813">
+                  <a:extLst>
+                    <a:ext uri="{9D8B030D-6E8A-4147-A177-3AD203B41FA5}">
+                      <a16:colId xmlns:a16="http://schemas.microsoft.com/office/drawing/2014/main" val="3560520730"/>
+                    </a:ext>
+                  </a:extLst>
+                </a:gridCol>
+                <a:gridCol w="684813">
+                  <a:extLst>
+                    <a:ext uri="{9D8B030D-6E8A-4147-A177-3AD203B41FA5}">
+                      <a16:colId xmlns:a16="http://schemas.microsoft.com/office/drawing/2014/main" val="3017517785"/>
+                    </a:ext>
+                  </a:extLst>
+                </a:gridCol>
+                <a:gridCol w="684813">
+                  <a:extLst>
+                    <a:ext uri="{9D8B030D-6E8A-4147-A177-3AD203B41FA5}">
+                      <a16:colId xmlns:a16="http://schemas.microsoft.com/office/drawing/2014/main" val="340348876"/>
+                    </a:ext>
+                  </a:extLst>
+                </a:gridCol>
+                <a:gridCol w="1317142">
+                  <a:extLst>
+                    <a:ext uri="{9D8B030D-6E8A-4147-A177-3AD203B41FA5}">
+                      <a16:colId xmlns:a16="http://schemas.microsoft.com/office/drawing/2014/main" val="2636546198"/>
+                    </a:ext>
+                  </a:extLst>
+                </a:gridCol>
+              </a:tblGrid>
+              <a:tr h="385225">
+                <a:tc>
+                  <a:txBody>
+                    <a:bodyPr/>
+                    <a:lstStyle/>
+                    <a:p>
+                      <a:pPr algn="ctr" fontAlgn="ctr"/>
+                      <a:r>
+                        <a:rPr lang="zh-CN" altLang="en-US" sz="2400" u="none" strike="noStrike">
+                          <a:effectLst/>
+                        </a:rPr>
+                        <a:t>职业</a:t>
+                      </a:r>
+                      <a:endParaRPr lang="zh-CN" altLang="en-US" sz="2400" b="0" i="0" u="none" strike="noStrike">
+                        <a:solidFill>
+                          <a:srgbClr val="000000"/>
+                        </a:solidFill>
+                        <a:effectLst/>
+                        <a:latin typeface="等线" panose="02010600030101010101" pitchFamily="2" charset="-122"/>
+                        <a:ea typeface="等线" panose="02010600030101010101" pitchFamily="2" charset="-122"/>
+                      </a:endParaRPr>
+                    </a:p>
+                  </a:txBody>
+                  <a:tcPr marL="7620" marR="7620" marT="7620" marB="0" anchor="ctr"/>
+                </a:tc>
+                <a:tc>
+                  <a:txBody>
+                    <a:bodyPr/>
+                    <a:lstStyle/>
+                    <a:p>
+                      <a:pPr algn="ctr" fontAlgn="ctr"/>
+                      <a:r>
+                        <a:rPr lang="zh-CN" altLang="en-US" sz="2400" u="none" strike="noStrike">
+                          <a:effectLst/>
+                        </a:rPr>
+                        <a:t>力量</a:t>
+                      </a:r>
+                      <a:endParaRPr lang="zh-CN" altLang="en-US" sz="2400" b="0" i="0" u="none" strike="noStrike">
+                        <a:solidFill>
+                          <a:srgbClr val="000000"/>
+                        </a:solidFill>
+                        <a:effectLst/>
+                        <a:latin typeface="等线" panose="02010600030101010101" pitchFamily="2" charset="-122"/>
+                        <a:ea typeface="等线" panose="02010600030101010101" pitchFamily="2" charset="-122"/>
+                      </a:endParaRPr>
+                    </a:p>
+                  </a:txBody>
+                  <a:tcPr marL="7620" marR="7620" marT="7620" marB="0" anchor="ctr"/>
+                </a:tc>
+                <a:tc>
+                  <a:txBody>
+                    <a:bodyPr/>
+                    <a:lstStyle/>
+                    <a:p>
+                      <a:pPr algn="ctr" fontAlgn="ctr"/>
+                      <a:r>
+                        <a:rPr lang="zh-CN" altLang="en-US" sz="2400" u="none" strike="noStrike">
+                          <a:effectLst/>
+                        </a:rPr>
+                        <a:t>魔法</a:t>
+                      </a:r>
+                      <a:endParaRPr lang="zh-CN" altLang="en-US" sz="2400" b="0" i="0" u="none" strike="noStrike">
+                        <a:solidFill>
+                          <a:srgbClr val="000000"/>
+                        </a:solidFill>
+                        <a:effectLst/>
+                        <a:latin typeface="等线" panose="02010600030101010101" pitchFamily="2" charset="-122"/>
+                        <a:ea typeface="等线" panose="02010600030101010101" pitchFamily="2" charset="-122"/>
+                      </a:endParaRPr>
+                    </a:p>
+                  </a:txBody>
+                  <a:tcPr marL="7620" marR="7620" marT="7620" marB="0" anchor="ctr"/>
+                </a:tc>
+                <a:tc>
+                  <a:txBody>
+                    <a:bodyPr/>
+                    <a:lstStyle/>
+                    <a:p>
+                      <a:pPr algn="ctr" fontAlgn="ctr"/>
+                      <a:r>
+                        <a:rPr lang="zh-CN" altLang="en-US" sz="2400" u="none" strike="noStrike">
+                          <a:effectLst/>
+                        </a:rPr>
+                        <a:t>血槽</a:t>
+                      </a:r>
+                      <a:endParaRPr lang="zh-CN" altLang="en-US" sz="2400" b="0" i="0" u="none" strike="noStrike">
+                        <a:solidFill>
+                          <a:srgbClr val="000000"/>
+                        </a:solidFill>
+                        <a:effectLst/>
+                        <a:latin typeface="等线" panose="02010600030101010101" pitchFamily="2" charset="-122"/>
+                        <a:ea typeface="等线" panose="02010600030101010101" pitchFamily="2" charset="-122"/>
+                      </a:endParaRPr>
+                    </a:p>
+                  </a:txBody>
+                  <a:tcPr marL="7620" marR="7620" marT="7620" marB="0" anchor="ctr"/>
+                </a:tc>
+                <a:tc>
+                  <a:txBody>
+                    <a:bodyPr/>
+                    <a:lstStyle/>
+                    <a:p>
+                      <a:pPr algn="ctr" fontAlgn="ctr"/>
+                      <a:r>
+                        <a:rPr lang="zh-CN" altLang="en-US" sz="2400" u="none" strike="noStrike">
+                          <a:effectLst/>
+                        </a:rPr>
+                        <a:t>敏捷</a:t>
+                      </a:r>
+                      <a:endParaRPr lang="zh-CN" altLang="en-US" sz="2400" b="0" i="0" u="none" strike="noStrike">
+                        <a:solidFill>
+                          <a:srgbClr val="000000"/>
+                        </a:solidFill>
+                        <a:effectLst/>
+                        <a:latin typeface="等线" panose="02010600030101010101" pitchFamily="2" charset="-122"/>
+                        <a:ea typeface="等线" panose="02010600030101010101" pitchFamily="2" charset="-122"/>
+                      </a:endParaRPr>
+                    </a:p>
+                  </a:txBody>
+                  <a:tcPr marL="7620" marR="7620" marT="7620" marB="0" anchor="ctr"/>
+                </a:tc>
+                <a:extLst>
+                  <a:ext uri="{0D108BD9-81ED-4DB2-BD59-A6C34878D82A}">
+                    <a16:rowId xmlns:a16="http://schemas.microsoft.com/office/drawing/2014/main" val="2416650654"/>
+                  </a:ext>
+                </a:extLst>
+              </a:tr>
+              <a:tr h="194598">
+                <a:tc>
+                  <a:txBody>
+                    <a:bodyPr/>
+                    <a:lstStyle/>
+                    <a:p>
+                      <a:pPr algn="ctr" fontAlgn="ctr"/>
+                      <a:r>
+                        <a:rPr lang="zh-CN" altLang="en-US" sz="2400" u="none" strike="noStrike">
+                          <a:effectLst/>
+                        </a:rPr>
+                        <a:t>骑士</a:t>
+                      </a:r>
+                      <a:endParaRPr lang="zh-CN" altLang="en-US" sz="2400" b="0" i="0" u="none" strike="noStrike">
+                        <a:solidFill>
+                          <a:srgbClr val="000000"/>
+                        </a:solidFill>
+                        <a:effectLst/>
+                        <a:latin typeface="等线" panose="02010600030101010101" pitchFamily="2" charset="-122"/>
+                        <a:ea typeface="等线" panose="02010600030101010101" pitchFamily="2" charset="-122"/>
+                      </a:endParaRPr>
+                    </a:p>
+                  </a:txBody>
+                  <a:tcPr marL="7620" marR="7620" marT="7620" marB="0" anchor="ctr"/>
+                </a:tc>
+                <a:tc>
+                  <a:txBody>
+                    <a:bodyPr/>
+                    <a:lstStyle/>
+                    <a:p>
+                      <a:pPr algn="ctr" fontAlgn="ctr"/>
+                      <a:r>
+                        <a:rPr lang="en-US" altLang="zh-CN" sz="2400" u="none" strike="noStrike">
+                          <a:effectLst/>
+                        </a:rPr>
+                        <a:t>90</a:t>
+                      </a:r>
+                      <a:endParaRPr lang="en-US" altLang="zh-CN" sz="2400" b="0" i="0" u="none" strike="noStrike">
+                        <a:solidFill>
+                          <a:srgbClr val="000000"/>
+                        </a:solidFill>
+                        <a:effectLst/>
+                        <a:latin typeface="等线" panose="02010600030101010101" pitchFamily="2" charset="-122"/>
+                        <a:ea typeface="等线" panose="02010600030101010101" pitchFamily="2" charset="-122"/>
+                      </a:endParaRPr>
+                    </a:p>
+                  </a:txBody>
+                  <a:tcPr marL="7620" marR="7620" marT="7620" marB="0" anchor="ctr"/>
+                </a:tc>
+                <a:tc>
+                  <a:txBody>
+                    <a:bodyPr/>
+                    <a:lstStyle/>
+                    <a:p>
+                      <a:pPr algn="ctr" fontAlgn="ctr"/>
+                      <a:r>
+                        <a:rPr lang="en-US" altLang="zh-CN" sz="2400" u="none" strike="noStrike">
+                          <a:effectLst/>
+                        </a:rPr>
+                        <a:t>30</a:t>
+                      </a:r>
+                      <a:endParaRPr lang="en-US" altLang="zh-CN" sz="2400" b="0" i="0" u="none" strike="noStrike">
+                        <a:solidFill>
+                          <a:srgbClr val="000000"/>
+                        </a:solidFill>
+                        <a:effectLst/>
+                        <a:latin typeface="等线" panose="02010600030101010101" pitchFamily="2" charset="-122"/>
+                        <a:ea typeface="等线" panose="02010600030101010101" pitchFamily="2" charset="-122"/>
+                      </a:endParaRPr>
+                    </a:p>
+                  </a:txBody>
+                  <a:tcPr marL="7620" marR="7620" marT="7620" marB="0" anchor="ctr"/>
+                </a:tc>
+                <a:tc>
+                  <a:txBody>
+                    <a:bodyPr/>
+                    <a:lstStyle/>
+                    <a:p>
+                      <a:pPr algn="ctr" fontAlgn="ctr"/>
+                      <a:r>
+                        <a:rPr lang="en-US" altLang="zh-CN" sz="2400" u="none" strike="noStrike">
+                          <a:effectLst/>
+                        </a:rPr>
+                        <a:t>100</a:t>
+                      </a:r>
+                      <a:endParaRPr lang="en-US" altLang="zh-CN" sz="2400" b="0" i="0" u="none" strike="noStrike">
+                        <a:solidFill>
+                          <a:srgbClr val="000000"/>
+                        </a:solidFill>
+                        <a:effectLst/>
+                        <a:latin typeface="等线" panose="02010600030101010101" pitchFamily="2" charset="-122"/>
+                        <a:ea typeface="等线" panose="02010600030101010101" pitchFamily="2" charset="-122"/>
+                      </a:endParaRPr>
+                    </a:p>
+                  </a:txBody>
+                  <a:tcPr marL="7620" marR="7620" marT="7620" marB="0" anchor="ctr"/>
+                </a:tc>
+                <a:tc>
+                  <a:txBody>
+                    <a:bodyPr/>
+                    <a:lstStyle/>
+                    <a:p>
+                      <a:pPr algn="ctr" fontAlgn="ctr"/>
+                      <a:r>
+                        <a:rPr lang="en-US" altLang="zh-CN" sz="2400" u="none" strike="noStrike">
+                          <a:effectLst/>
+                        </a:rPr>
+                        <a:t>60</a:t>
+                      </a:r>
+                      <a:endParaRPr lang="en-US" altLang="zh-CN" sz="2400" b="0" i="0" u="none" strike="noStrike">
+                        <a:solidFill>
+                          <a:srgbClr val="000000"/>
+                        </a:solidFill>
+                        <a:effectLst/>
+                        <a:latin typeface="等线" panose="02010600030101010101" pitchFamily="2" charset="-122"/>
+                        <a:ea typeface="等线" panose="02010600030101010101" pitchFamily="2" charset="-122"/>
+                      </a:endParaRPr>
+                    </a:p>
+                  </a:txBody>
+                  <a:tcPr marL="7620" marR="7620" marT="7620" marB="0" anchor="ctr"/>
+                </a:tc>
+                <a:extLst>
+                  <a:ext uri="{0D108BD9-81ED-4DB2-BD59-A6C34878D82A}">
+                    <a16:rowId xmlns:a16="http://schemas.microsoft.com/office/drawing/2014/main" val="2535390638"/>
+                  </a:ext>
+                </a:extLst>
+              </a:tr>
+              <a:tr h="385225">
+                <a:tc>
+                  <a:txBody>
+                    <a:bodyPr/>
+                    <a:lstStyle/>
+                    <a:p>
+                      <a:pPr algn="ctr" fontAlgn="ctr"/>
+                      <a:r>
+                        <a:rPr lang="zh-CN" altLang="en-US" sz="2400" u="none" strike="noStrike">
+                          <a:effectLst/>
+                        </a:rPr>
+                        <a:t>魔法师</a:t>
+                      </a:r>
+                      <a:endParaRPr lang="zh-CN" altLang="en-US" sz="2400" b="0" i="0" u="none" strike="noStrike">
+                        <a:solidFill>
+                          <a:srgbClr val="000000"/>
+                        </a:solidFill>
+                        <a:effectLst/>
+                        <a:latin typeface="等线" panose="02010600030101010101" pitchFamily="2" charset="-122"/>
+                        <a:ea typeface="等线" panose="02010600030101010101" pitchFamily="2" charset="-122"/>
+                      </a:endParaRPr>
+                    </a:p>
+                  </a:txBody>
+                  <a:tcPr marL="7620" marR="7620" marT="7620" marB="0" anchor="ctr"/>
+                </a:tc>
+                <a:tc>
+                  <a:txBody>
+                    <a:bodyPr/>
+                    <a:lstStyle/>
+                    <a:p>
+                      <a:pPr algn="ctr" fontAlgn="ctr"/>
+                      <a:r>
+                        <a:rPr lang="en-US" altLang="zh-CN" sz="2400" u="none" strike="noStrike">
+                          <a:effectLst/>
+                        </a:rPr>
+                        <a:t>30</a:t>
+                      </a:r>
+                      <a:endParaRPr lang="en-US" altLang="zh-CN" sz="2400" b="0" i="0" u="none" strike="noStrike">
+                        <a:solidFill>
+                          <a:srgbClr val="000000"/>
+                        </a:solidFill>
+                        <a:effectLst/>
+                        <a:latin typeface="等线" panose="02010600030101010101" pitchFamily="2" charset="-122"/>
+                        <a:ea typeface="等线" panose="02010600030101010101" pitchFamily="2" charset="-122"/>
+                      </a:endParaRPr>
+                    </a:p>
+                  </a:txBody>
+                  <a:tcPr marL="7620" marR="7620" marT="7620" marB="0" anchor="ctr"/>
+                </a:tc>
+                <a:tc>
+                  <a:txBody>
+                    <a:bodyPr/>
+                    <a:lstStyle/>
+                    <a:p>
+                      <a:pPr algn="ctr" fontAlgn="ctr"/>
+                      <a:r>
+                        <a:rPr lang="en-US" altLang="zh-CN" sz="2400" u="none" strike="noStrike">
+                          <a:effectLst/>
+                        </a:rPr>
+                        <a:t>100</a:t>
+                      </a:r>
+                      <a:endParaRPr lang="en-US" altLang="zh-CN" sz="2400" b="0" i="0" u="none" strike="noStrike">
+                        <a:solidFill>
+                          <a:srgbClr val="000000"/>
+                        </a:solidFill>
+                        <a:effectLst/>
+                        <a:latin typeface="等线" panose="02010600030101010101" pitchFamily="2" charset="-122"/>
+                        <a:ea typeface="等线" panose="02010600030101010101" pitchFamily="2" charset="-122"/>
+                      </a:endParaRPr>
+                    </a:p>
+                  </a:txBody>
+                  <a:tcPr marL="7620" marR="7620" marT="7620" marB="0" anchor="ctr"/>
+                </a:tc>
+                <a:tc>
+                  <a:txBody>
+                    <a:bodyPr/>
+                    <a:lstStyle/>
+                    <a:p>
+                      <a:pPr algn="ctr" fontAlgn="ctr"/>
+                      <a:r>
+                        <a:rPr lang="en-US" altLang="zh-CN" sz="2400" u="none" strike="noStrike">
+                          <a:effectLst/>
+                        </a:rPr>
+                        <a:t>30</a:t>
+                      </a:r>
+                      <a:endParaRPr lang="en-US" altLang="zh-CN" sz="2400" b="0" i="0" u="none" strike="noStrike">
+                        <a:solidFill>
+                          <a:srgbClr val="000000"/>
+                        </a:solidFill>
+                        <a:effectLst/>
+                        <a:latin typeface="等线" panose="02010600030101010101" pitchFamily="2" charset="-122"/>
+                        <a:ea typeface="等线" panose="02010600030101010101" pitchFamily="2" charset="-122"/>
+                      </a:endParaRPr>
+                    </a:p>
+                  </a:txBody>
+                  <a:tcPr marL="7620" marR="7620" marT="7620" marB="0" anchor="ctr"/>
+                </a:tc>
+                <a:tc>
+                  <a:txBody>
+                    <a:bodyPr/>
+                    <a:lstStyle/>
+                    <a:p>
+                      <a:pPr algn="ctr" fontAlgn="ctr"/>
+                      <a:r>
+                        <a:rPr lang="en-US" altLang="zh-CN" sz="2400" u="none" strike="noStrike">
+                          <a:effectLst/>
+                        </a:rPr>
+                        <a:t>80</a:t>
+                      </a:r>
+                      <a:endParaRPr lang="en-US" altLang="zh-CN" sz="2400" b="0" i="0" u="none" strike="noStrike">
+                        <a:solidFill>
+                          <a:srgbClr val="000000"/>
+                        </a:solidFill>
+                        <a:effectLst/>
+                        <a:latin typeface="等线" panose="02010600030101010101" pitchFamily="2" charset="-122"/>
+                        <a:ea typeface="等线" panose="02010600030101010101" pitchFamily="2" charset="-122"/>
+                      </a:endParaRPr>
+                    </a:p>
+                  </a:txBody>
+                  <a:tcPr marL="7620" marR="7620" marT="7620" marB="0" anchor="ctr"/>
+                </a:tc>
+                <a:extLst>
+                  <a:ext uri="{0D108BD9-81ED-4DB2-BD59-A6C34878D82A}">
+                    <a16:rowId xmlns:a16="http://schemas.microsoft.com/office/drawing/2014/main" val="654852498"/>
+                  </a:ext>
+                </a:extLst>
+              </a:tr>
+              <a:tr h="194598">
+                <a:tc>
+                  <a:txBody>
+                    <a:bodyPr/>
+                    <a:lstStyle/>
+                    <a:p>
+                      <a:pPr algn="ctr" fontAlgn="ctr"/>
+                      <a:r>
+                        <a:rPr lang="zh-CN" altLang="en-US" sz="2400" u="none" strike="noStrike">
+                          <a:effectLst/>
+                        </a:rPr>
+                        <a:t>剑士</a:t>
+                      </a:r>
+                      <a:endParaRPr lang="zh-CN" altLang="en-US" sz="2400" b="0" i="0" u="none" strike="noStrike">
+                        <a:solidFill>
+                          <a:srgbClr val="000000"/>
+                        </a:solidFill>
+                        <a:effectLst/>
+                        <a:latin typeface="等线" panose="02010600030101010101" pitchFamily="2" charset="-122"/>
+                        <a:ea typeface="等线" panose="02010600030101010101" pitchFamily="2" charset="-122"/>
+                      </a:endParaRPr>
+                    </a:p>
+                  </a:txBody>
+                  <a:tcPr marL="7620" marR="7620" marT="7620" marB="0" anchor="ctr"/>
+                </a:tc>
+                <a:tc>
+                  <a:txBody>
+                    <a:bodyPr/>
+                    <a:lstStyle/>
+                    <a:p>
+                      <a:pPr algn="ctr" fontAlgn="ctr"/>
+                      <a:r>
+                        <a:rPr lang="en-US" altLang="zh-CN" sz="2400" u="none" strike="noStrike">
+                          <a:effectLst/>
+                        </a:rPr>
+                        <a:t>100</a:t>
+                      </a:r>
+                      <a:endParaRPr lang="en-US" altLang="zh-CN" sz="2400" b="0" i="0" u="none" strike="noStrike">
+                        <a:solidFill>
+                          <a:srgbClr val="000000"/>
+                        </a:solidFill>
+                        <a:effectLst/>
+                        <a:latin typeface="等线" panose="02010600030101010101" pitchFamily="2" charset="-122"/>
+                        <a:ea typeface="等线" panose="02010600030101010101" pitchFamily="2" charset="-122"/>
+                      </a:endParaRPr>
+                    </a:p>
+                  </a:txBody>
+                  <a:tcPr marL="7620" marR="7620" marT="7620" marB="0" anchor="ctr"/>
+                </a:tc>
+                <a:tc>
+                  <a:txBody>
+                    <a:bodyPr/>
+                    <a:lstStyle/>
+                    <a:p>
+                      <a:pPr algn="ctr" fontAlgn="ctr"/>
+                      <a:r>
+                        <a:rPr lang="en-US" altLang="zh-CN" sz="2400" u="none" strike="noStrike">
+                          <a:effectLst/>
+                        </a:rPr>
+                        <a:t>30</a:t>
+                      </a:r>
+                      <a:endParaRPr lang="en-US" altLang="zh-CN" sz="2400" b="0" i="0" u="none" strike="noStrike">
+                        <a:solidFill>
+                          <a:srgbClr val="000000"/>
+                        </a:solidFill>
+                        <a:effectLst/>
+                        <a:latin typeface="等线" panose="02010600030101010101" pitchFamily="2" charset="-122"/>
+                        <a:ea typeface="等线" panose="02010600030101010101" pitchFamily="2" charset="-122"/>
+                      </a:endParaRPr>
+                    </a:p>
+                  </a:txBody>
+                  <a:tcPr marL="7620" marR="7620" marT="7620" marB="0" anchor="ctr"/>
+                </a:tc>
+                <a:tc>
+                  <a:txBody>
+                    <a:bodyPr/>
+                    <a:lstStyle/>
+                    <a:p>
+                      <a:pPr algn="ctr" fontAlgn="ctr"/>
+                      <a:r>
+                        <a:rPr lang="en-US" altLang="zh-CN" sz="2400" u="none" strike="noStrike">
+                          <a:effectLst/>
+                        </a:rPr>
+                        <a:t>90</a:t>
+                      </a:r>
+                      <a:endParaRPr lang="en-US" altLang="zh-CN" sz="2400" b="0" i="0" u="none" strike="noStrike">
+                        <a:solidFill>
+                          <a:srgbClr val="000000"/>
+                        </a:solidFill>
+                        <a:effectLst/>
+                        <a:latin typeface="等线" panose="02010600030101010101" pitchFamily="2" charset="-122"/>
+                        <a:ea typeface="等线" panose="02010600030101010101" pitchFamily="2" charset="-122"/>
+                      </a:endParaRPr>
+                    </a:p>
+                  </a:txBody>
+                  <a:tcPr marL="7620" marR="7620" marT="7620" marB="0" anchor="ctr"/>
+                </a:tc>
+                <a:tc>
+                  <a:txBody>
+                    <a:bodyPr/>
+                    <a:lstStyle/>
+                    <a:p>
+                      <a:pPr algn="ctr" fontAlgn="ctr"/>
+                      <a:r>
+                        <a:rPr lang="en-US" altLang="zh-CN" sz="2400" u="none" strike="noStrike">
+                          <a:effectLst/>
+                        </a:rPr>
+                        <a:t>90</a:t>
+                      </a:r>
+                      <a:endParaRPr lang="en-US" altLang="zh-CN" sz="2400" b="0" i="0" u="none" strike="noStrike">
+                        <a:solidFill>
+                          <a:srgbClr val="000000"/>
+                        </a:solidFill>
+                        <a:effectLst/>
+                        <a:latin typeface="等线" panose="02010600030101010101" pitchFamily="2" charset="-122"/>
+                        <a:ea typeface="等线" panose="02010600030101010101" pitchFamily="2" charset="-122"/>
+                      </a:endParaRPr>
+                    </a:p>
+                  </a:txBody>
+                  <a:tcPr marL="7620" marR="7620" marT="7620" marB="0" anchor="ctr"/>
+                </a:tc>
+                <a:extLst>
+                  <a:ext uri="{0D108BD9-81ED-4DB2-BD59-A6C34878D82A}">
+                    <a16:rowId xmlns:a16="http://schemas.microsoft.com/office/drawing/2014/main" val="2748458684"/>
+                  </a:ext>
+                </a:extLst>
+              </a:tr>
+              <a:tr h="385225">
+                <a:tc>
+                  <a:txBody>
+                    <a:bodyPr/>
+                    <a:lstStyle/>
+                    <a:p>
+                      <a:pPr algn="ctr" fontAlgn="ctr"/>
+                      <a:r>
+                        <a:rPr lang="zh-CN" altLang="en-US" sz="2400" u="none" strike="noStrike">
+                          <a:effectLst/>
+                        </a:rPr>
+                        <a:t>弓箭手</a:t>
+                      </a:r>
+                      <a:endParaRPr lang="zh-CN" altLang="en-US" sz="2400" b="0" i="0" u="none" strike="noStrike">
+                        <a:solidFill>
+                          <a:srgbClr val="000000"/>
+                        </a:solidFill>
+                        <a:effectLst/>
+                        <a:latin typeface="等线" panose="02010600030101010101" pitchFamily="2" charset="-122"/>
+                        <a:ea typeface="等线" panose="02010600030101010101" pitchFamily="2" charset="-122"/>
+                      </a:endParaRPr>
+                    </a:p>
+                  </a:txBody>
+                  <a:tcPr marL="7620" marR="7620" marT="7620" marB="0" anchor="ctr"/>
+                </a:tc>
+                <a:tc>
+                  <a:txBody>
+                    <a:bodyPr/>
+                    <a:lstStyle/>
+                    <a:p>
+                      <a:pPr algn="ctr" fontAlgn="ctr"/>
+                      <a:r>
+                        <a:rPr lang="en-US" altLang="zh-CN" sz="2400" u="none" strike="noStrike">
+                          <a:effectLst/>
+                        </a:rPr>
+                        <a:t>80</a:t>
+                      </a:r>
+                      <a:endParaRPr lang="en-US" altLang="zh-CN" sz="2400" b="0" i="0" u="none" strike="noStrike">
+                        <a:solidFill>
+                          <a:srgbClr val="000000"/>
+                        </a:solidFill>
+                        <a:effectLst/>
+                        <a:latin typeface="等线" panose="02010600030101010101" pitchFamily="2" charset="-122"/>
+                        <a:ea typeface="等线" panose="02010600030101010101" pitchFamily="2" charset="-122"/>
+                      </a:endParaRPr>
+                    </a:p>
+                  </a:txBody>
+                  <a:tcPr marL="7620" marR="7620" marT="7620" marB="0" anchor="ctr"/>
+                </a:tc>
+                <a:tc>
+                  <a:txBody>
+                    <a:bodyPr/>
+                    <a:lstStyle/>
+                    <a:p>
+                      <a:pPr algn="ctr" fontAlgn="ctr"/>
+                      <a:r>
+                        <a:rPr lang="en-US" altLang="zh-CN" sz="2400" u="none" strike="noStrike">
+                          <a:effectLst/>
+                        </a:rPr>
+                        <a:t>40</a:t>
+                      </a:r>
+                      <a:endParaRPr lang="en-US" altLang="zh-CN" sz="2400" b="0" i="0" u="none" strike="noStrike">
+                        <a:solidFill>
+                          <a:srgbClr val="000000"/>
+                        </a:solidFill>
+                        <a:effectLst/>
+                        <a:latin typeface="等线" panose="02010600030101010101" pitchFamily="2" charset="-122"/>
+                        <a:ea typeface="等线" panose="02010600030101010101" pitchFamily="2" charset="-122"/>
+                      </a:endParaRPr>
+                    </a:p>
+                  </a:txBody>
+                  <a:tcPr marL="7620" marR="7620" marT="7620" marB="0" anchor="ctr"/>
+                </a:tc>
+                <a:tc>
+                  <a:txBody>
+                    <a:bodyPr/>
+                    <a:lstStyle/>
+                    <a:p>
+                      <a:pPr algn="ctr" fontAlgn="ctr"/>
+                      <a:r>
+                        <a:rPr lang="en-US" altLang="zh-CN" sz="2400" u="none" strike="noStrike">
+                          <a:effectLst/>
+                        </a:rPr>
+                        <a:t>60</a:t>
+                      </a:r>
+                      <a:endParaRPr lang="en-US" altLang="zh-CN" sz="2400" b="0" i="0" u="none" strike="noStrike">
+                        <a:solidFill>
+                          <a:srgbClr val="000000"/>
+                        </a:solidFill>
+                        <a:effectLst/>
+                        <a:latin typeface="等线" panose="02010600030101010101" pitchFamily="2" charset="-122"/>
+                        <a:ea typeface="等线" panose="02010600030101010101" pitchFamily="2" charset="-122"/>
+                      </a:endParaRPr>
+                    </a:p>
+                  </a:txBody>
+                  <a:tcPr marL="7620" marR="7620" marT="7620" marB="0" anchor="ctr"/>
+                </a:tc>
+                <a:tc>
+                  <a:txBody>
+                    <a:bodyPr/>
+                    <a:lstStyle/>
+                    <a:p>
+                      <a:pPr algn="ctr" fontAlgn="ctr"/>
+                      <a:r>
+                        <a:rPr lang="en-US" altLang="zh-CN" sz="2400" u="none" strike="noStrike">
+                          <a:effectLst/>
+                        </a:rPr>
+                        <a:t>100</a:t>
+                      </a:r>
+                      <a:endParaRPr lang="en-US" altLang="zh-CN" sz="2400" b="0" i="0" u="none" strike="noStrike">
+                        <a:solidFill>
+                          <a:srgbClr val="000000"/>
+                        </a:solidFill>
+                        <a:effectLst/>
+                        <a:latin typeface="等线" panose="02010600030101010101" pitchFamily="2" charset="-122"/>
+                        <a:ea typeface="等线" panose="02010600030101010101" pitchFamily="2" charset="-122"/>
+                      </a:endParaRPr>
+                    </a:p>
+                  </a:txBody>
+                  <a:tcPr marL="7620" marR="7620" marT="7620" marB="0" anchor="ctr"/>
+                </a:tc>
+                <a:extLst>
+                  <a:ext uri="{0D108BD9-81ED-4DB2-BD59-A6C34878D82A}">
+                    <a16:rowId xmlns:a16="http://schemas.microsoft.com/office/drawing/2014/main" val="950453381"/>
+                  </a:ext>
+                </a:extLst>
+              </a:tr>
+            </a:tbl>
+          </a:graphicData>
+        </a:graphic>
+      </p:graphicFrame>
+      <p:sp>
+        <p:nvSpPr>
+          <p:cNvPr id="5" name="文本框 4">
+            <a:extLst>
+              <a:ext uri="{FF2B5EF4-FFF2-40B4-BE49-F238E27FC236}">
+                <a16:creationId xmlns:a16="http://schemas.microsoft.com/office/drawing/2014/main" id="{8917BAD4-50D9-4AF8-AAC1-437AE10297E8}"/>
+              </a:ext>
+            </a:extLst>
+          </p:cNvPr>
+          <p:cNvSpPr txBox="1"/>
+          <p:nvPr/>
+        </p:nvSpPr>
         <p:spPr>
           <a:xfrm>
-            <a:off x="296198" y="1908527"/>
-            <a:ext cx="11233191" cy="4567087"/>
+            <a:off x="5542057" y="4778734"/>
+            <a:ext cx="4071068" cy="584775"/>
           </a:xfrm>
+          <a:prstGeom prst="rect">
+            <a:avLst/>
+          </a:prstGeom>
+          <a:noFill/>
         </p:spPr>
-      </p:pic>
+        <p:txBody>
+          <a:bodyPr wrap="square" rtlCol="0">
+            <a:spAutoFit/>
+          </a:bodyPr>
+          <a:lstStyle/>
+          <a:p>
+            <a:r>
+              <a:rPr lang="zh-CN" altLang="en-US" sz="3200">
+                <a:solidFill>
+                  <a:srgbClr val="FF0000"/>
+                </a:solidFill>
+              </a:rPr>
+              <a:t>数据之妙，心中有表</a:t>
+            </a:r>
+          </a:p>
+        </p:txBody>
+      </p:sp>
     </p:spTree>
     <p:extLst>
       <p:ext uri="{BB962C8B-B14F-4D97-AF65-F5344CB8AC3E}">
-        <p14:creationId xmlns:p14="http://schemas.microsoft.com/office/powerpoint/2010/main" val="3852605955"/>
+        <p14:creationId xmlns:p14="http://schemas.microsoft.com/office/powerpoint/2010/main" val="2620936182"/>
       </p:ext>
     </p:extLst>
   </p:cSld>
@@ -6618,7 +12375,2574 @@
 </p:sld>
 </file>
 
-<file path=ppt/slides/slide7.xml><?xml version="1.0" encoding="utf-8"?>
+<file path=ppt/slides/slide8.xml><?xml version="1.0" encoding="utf-8"?>
+<p:sld xmlns:a="http://schemas.openxmlformats.org/drawingml/2006/main" xmlns:r="http://schemas.openxmlformats.org/officeDocument/2006/relationships" xmlns:p="http://schemas.openxmlformats.org/presentationml/2006/main">
+  <p:cSld>
+    <p:spTree>
+      <p:nvGrpSpPr>
+        <p:cNvPr id="1" name=""/>
+        <p:cNvGrpSpPr/>
+        <p:nvPr/>
+      </p:nvGrpSpPr>
+      <p:grpSpPr>
+        <a:xfrm>
+          <a:off x="0" y="0"/>
+          <a:ext cx="0" cy="0"/>
+          <a:chOff x="0" y="0"/>
+          <a:chExt cx="0" cy="0"/>
+        </a:xfrm>
+      </p:grpSpPr>
+      <p:sp>
+        <p:nvSpPr>
+          <p:cNvPr id="2" name="标题 1">
+            <a:extLst>
+              <a:ext uri="{FF2B5EF4-FFF2-40B4-BE49-F238E27FC236}">
+                <a16:creationId xmlns:a16="http://schemas.microsoft.com/office/drawing/2014/main" id="{0DFE9F45-4B5D-4C14-88C0-0DC72C2577A5}"/>
+              </a:ext>
+            </a:extLst>
+          </p:cNvPr>
+          <p:cNvSpPr>
+            <a:spLocks noGrp="1"/>
+          </p:cNvSpPr>
+          <p:nvPr>
+            <p:ph type="title"/>
+          </p:nvPr>
+        </p:nvSpPr>
+        <p:spPr/>
+        <p:txBody>
+          <a:bodyPr>
+            <a:normAutofit/>
+          </a:bodyPr>
+          <a:lstStyle/>
+          <a:p>
+            <a:r>
+              <a:rPr lang="zh-CN" altLang="en-US"/>
+              <a:t>线性运动是运动的基本形式</a:t>
+            </a:r>
+          </a:p>
+        </p:txBody>
+      </p:sp>
+      <p:sp>
+        <p:nvSpPr>
+          <p:cNvPr id="3" name="内容占位符 2">
+            <a:extLst>
+              <a:ext uri="{FF2B5EF4-FFF2-40B4-BE49-F238E27FC236}">
+                <a16:creationId xmlns:a16="http://schemas.microsoft.com/office/drawing/2014/main" id="{92774566-C26E-4F7E-B9A4-E85791998B97}"/>
+              </a:ext>
+            </a:extLst>
+          </p:cNvPr>
+          <p:cNvSpPr>
+            <a:spLocks noGrp="1"/>
+          </p:cNvSpPr>
+          <p:nvPr>
+            <p:ph idx="1"/>
+          </p:nvPr>
+        </p:nvSpPr>
+        <p:spPr/>
+        <p:txBody>
+          <a:bodyPr>
+            <a:normAutofit/>
+          </a:bodyPr>
+          <a:lstStyle/>
+          <a:p>
+            <a:r>
+              <a:rPr lang="zh-CN" altLang="en-US" sz="2400"/>
+              <a:t>辩证唯物主义：运动是绝对的，静止是相对的</a:t>
+            </a:r>
+            <a:endParaRPr lang="en-US" altLang="zh-CN" sz="2400"/>
+          </a:p>
+          <a:p>
+            <a:r>
+              <a:rPr lang="zh-CN" altLang="en-US" sz="2400"/>
+              <a:t>任何复杂的运动，在一瞬间，都可以近似成线性运动</a:t>
+            </a:r>
+            <a:br>
+              <a:rPr lang="en-US" altLang="zh-CN" sz="2400"/>
+            </a:br>
+            <a:endParaRPr lang="zh-CN" altLang="en-US" sz="2400"/>
+          </a:p>
+        </p:txBody>
+      </p:sp>
+      <p:graphicFrame>
+        <p:nvGraphicFramePr>
+          <p:cNvPr id="4" name="表格 3">
+            <a:extLst>
+              <a:ext uri="{FF2B5EF4-FFF2-40B4-BE49-F238E27FC236}">
+                <a16:creationId xmlns:a16="http://schemas.microsoft.com/office/drawing/2014/main" id="{0E409227-DA4C-41A3-A22D-66D6A46F818E}"/>
+              </a:ext>
+            </a:extLst>
+          </p:cNvPr>
+          <p:cNvGraphicFramePr>
+            <a:graphicFrameLocks noGrp="1"/>
+          </p:cNvGraphicFramePr>
+          <p:nvPr>
+            <p:extLst>
+              <p:ext uri="{D42A27DB-BD31-4B8C-83A1-F6EECF244321}">
+                <p14:modId xmlns:p14="http://schemas.microsoft.com/office/powerpoint/2010/main" val="3486871672"/>
+              </p:ext>
+            </p:extLst>
+          </p:nvPr>
+        </p:nvGraphicFramePr>
+        <p:xfrm>
+          <a:off x="79509" y="3579246"/>
+          <a:ext cx="3427016" cy="1409700"/>
+        </p:xfrm>
+        <a:graphic>
+          <a:graphicData uri="http://schemas.openxmlformats.org/drawingml/2006/table">
+            <a:tbl>
+              <a:tblPr>
+                <a:tableStyleId>{5C22544A-7EE6-4342-B048-85BDC9FD1C3A}</a:tableStyleId>
+              </a:tblPr>
+              <a:tblGrid>
+                <a:gridCol w="850745">
+                  <a:extLst>
+                    <a:ext uri="{9D8B030D-6E8A-4147-A177-3AD203B41FA5}">
+                      <a16:colId xmlns:a16="http://schemas.microsoft.com/office/drawing/2014/main" val="550438623"/>
+                    </a:ext>
+                  </a:extLst>
+                </a:gridCol>
+                <a:gridCol w="595839">
+                  <a:extLst>
+                    <a:ext uri="{9D8B030D-6E8A-4147-A177-3AD203B41FA5}">
+                      <a16:colId xmlns:a16="http://schemas.microsoft.com/office/drawing/2014/main" val="3560520730"/>
+                    </a:ext>
+                  </a:extLst>
+                </a:gridCol>
+                <a:gridCol w="595839">
+                  <a:extLst>
+                    <a:ext uri="{9D8B030D-6E8A-4147-A177-3AD203B41FA5}">
+                      <a16:colId xmlns:a16="http://schemas.microsoft.com/office/drawing/2014/main" val="3017517785"/>
+                    </a:ext>
+                  </a:extLst>
+                </a:gridCol>
+                <a:gridCol w="639744">
+                  <a:extLst>
+                    <a:ext uri="{9D8B030D-6E8A-4147-A177-3AD203B41FA5}">
+                      <a16:colId xmlns:a16="http://schemas.microsoft.com/office/drawing/2014/main" val="340348876"/>
+                    </a:ext>
+                  </a:extLst>
+                </a:gridCol>
+                <a:gridCol w="744849">
+                  <a:extLst>
+                    <a:ext uri="{9D8B030D-6E8A-4147-A177-3AD203B41FA5}">
+                      <a16:colId xmlns:a16="http://schemas.microsoft.com/office/drawing/2014/main" val="2636546198"/>
+                    </a:ext>
+                  </a:extLst>
+                </a:gridCol>
+              </a:tblGrid>
+              <a:tr h="148672">
+                <a:tc>
+                  <a:txBody>
+                    <a:bodyPr/>
+                    <a:lstStyle/>
+                    <a:p>
+                      <a:pPr algn="ctr" fontAlgn="ctr"/>
+                      <a:r>
+                        <a:rPr lang="zh-CN" altLang="en-US" sz="1800" u="none" strike="noStrike">
+                          <a:effectLst/>
+                        </a:rPr>
+                        <a:t>职业</a:t>
+                      </a:r>
+                      <a:endParaRPr lang="zh-CN" altLang="en-US" sz="1800" b="0" i="0" u="none" strike="noStrike">
+                        <a:solidFill>
+                          <a:srgbClr val="000000"/>
+                        </a:solidFill>
+                        <a:effectLst/>
+                        <a:latin typeface="等线" panose="02010600030101010101" pitchFamily="2" charset="-122"/>
+                        <a:ea typeface="等线" panose="02010600030101010101" pitchFamily="2" charset="-122"/>
+                      </a:endParaRPr>
+                    </a:p>
+                  </a:txBody>
+                  <a:tcPr marL="7620" marR="7620" marT="7620" marB="0" anchor="ctr"/>
+                </a:tc>
+                <a:tc>
+                  <a:txBody>
+                    <a:bodyPr/>
+                    <a:lstStyle/>
+                    <a:p>
+                      <a:pPr algn="ctr" fontAlgn="ctr"/>
+                      <a:r>
+                        <a:rPr lang="zh-CN" altLang="en-US" sz="1800" u="none" strike="noStrike">
+                          <a:effectLst/>
+                        </a:rPr>
+                        <a:t>力量</a:t>
+                      </a:r>
+                      <a:endParaRPr lang="zh-CN" altLang="en-US" sz="1800" b="0" i="0" u="none" strike="noStrike">
+                        <a:solidFill>
+                          <a:srgbClr val="000000"/>
+                        </a:solidFill>
+                        <a:effectLst/>
+                        <a:latin typeface="等线" panose="02010600030101010101" pitchFamily="2" charset="-122"/>
+                        <a:ea typeface="等线" panose="02010600030101010101" pitchFamily="2" charset="-122"/>
+                      </a:endParaRPr>
+                    </a:p>
+                  </a:txBody>
+                  <a:tcPr marL="7620" marR="7620" marT="7620" marB="0" anchor="ctr"/>
+                </a:tc>
+                <a:tc>
+                  <a:txBody>
+                    <a:bodyPr/>
+                    <a:lstStyle/>
+                    <a:p>
+                      <a:pPr algn="ctr" fontAlgn="ctr"/>
+                      <a:r>
+                        <a:rPr lang="zh-CN" altLang="en-US" sz="1800" u="none" strike="noStrike">
+                          <a:effectLst/>
+                        </a:rPr>
+                        <a:t>魔法</a:t>
+                      </a:r>
+                      <a:endParaRPr lang="zh-CN" altLang="en-US" sz="1800" b="0" i="0" u="none" strike="noStrike">
+                        <a:solidFill>
+                          <a:srgbClr val="000000"/>
+                        </a:solidFill>
+                        <a:effectLst/>
+                        <a:latin typeface="等线" panose="02010600030101010101" pitchFamily="2" charset="-122"/>
+                        <a:ea typeface="等线" panose="02010600030101010101" pitchFamily="2" charset="-122"/>
+                      </a:endParaRPr>
+                    </a:p>
+                  </a:txBody>
+                  <a:tcPr marL="7620" marR="7620" marT="7620" marB="0" anchor="ctr"/>
+                </a:tc>
+                <a:tc>
+                  <a:txBody>
+                    <a:bodyPr/>
+                    <a:lstStyle/>
+                    <a:p>
+                      <a:pPr algn="ctr" fontAlgn="ctr"/>
+                      <a:r>
+                        <a:rPr lang="zh-CN" altLang="en-US" sz="1800" u="none" strike="noStrike">
+                          <a:effectLst/>
+                        </a:rPr>
+                        <a:t>血槽</a:t>
+                      </a:r>
+                      <a:endParaRPr lang="zh-CN" altLang="en-US" sz="1800" b="0" i="0" u="none" strike="noStrike">
+                        <a:solidFill>
+                          <a:srgbClr val="000000"/>
+                        </a:solidFill>
+                        <a:effectLst/>
+                        <a:latin typeface="等线" panose="02010600030101010101" pitchFamily="2" charset="-122"/>
+                        <a:ea typeface="等线" panose="02010600030101010101" pitchFamily="2" charset="-122"/>
+                      </a:endParaRPr>
+                    </a:p>
+                  </a:txBody>
+                  <a:tcPr marL="7620" marR="7620" marT="7620" marB="0" anchor="ctr"/>
+                </a:tc>
+                <a:tc>
+                  <a:txBody>
+                    <a:bodyPr/>
+                    <a:lstStyle/>
+                    <a:p>
+                      <a:pPr algn="ctr" fontAlgn="ctr"/>
+                      <a:r>
+                        <a:rPr lang="zh-CN" altLang="en-US" sz="1800" u="none" strike="noStrike">
+                          <a:effectLst/>
+                        </a:rPr>
+                        <a:t>敏捷</a:t>
+                      </a:r>
+                      <a:endParaRPr lang="zh-CN" altLang="en-US" sz="1800" b="0" i="0" u="none" strike="noStrike">
+                        <a:solidFill>
+                          <a:srgbClr val="000000"/>
+                        </a:solidFill>
+                        <a:effectLst/>
+                        <a:latin typeface="等线" panose="02010600030101010101" pitchFamily="2" charset="-122"/>
+                        <a:ea typeface="等线" panose="02010600030101010101" pitchFamily="2" charset="-122"/>
+                      </a:endParaRPr>
+                    </a:p>
+                  </a:txBody>
+                  <a:tcPr marL="7620" marR="7620" marT="7620" marB="0" anchor="ctr"/>
+                </a:tc>
+                <a:extLst>
+                  <a:ext uri="{0D108BD9-81ED-4DB2-BD59-A6C34878D82A}">
+                    <a16:rowId xmlns:a16="http://schemas.microsoft.com/office/drawing/2014/main" val="2416650654"/>
+                  </a:ext>
+                </a:extLst>
+              </a:tr>
+              <a:tr h="148672">
+                <a:tc>
+                  <a:txBody>
+                    <a:bodyPr/>
+                    <a:lstStyle/>
+                    <a:p>
+                      <a:pPr algn="ctr" fontAlgn="ctr"/>
+                      <a:r>
+                        <a:rPr lang="zh-CN" altLang="en-US" sz="1800" u="none" strike="noStrike">
+                          <a:effectLst/>
+                        </a:rPr>
+                        <a:t>骑士</a:t>
+                      </a:r>
+                      <a:endParaRPr lang="zh-CN" altLang="en-US" sz="1800" b="0" i="0" u="none" strike="noStrike">
+                        <a:solidFill>
+                          <a:srgbClr val="000000"/>
+                        </a:solidFill>
+                        <a:effectLst/>
+                        <a:latin typeface="等线" panose="02010600030101010101" pitchFamily="2" charset="-122"/>
+                        <a:ea typeface="等线" panose="02010600030101010101" pitchFamily="2" charset="-122"/>
+                      </a:endParaRPr>
+                    </a:p>
+                  </a:txBody>
+                  <a:tcPr marL="7620" marR="7620" marT="7620" marB="0" anchor="ctr"/>
+                </a:tc>
+                <a:tc>
+                  <a:txBody>
+                    <a:bodyPr/>
+                    <a:lstStyle/>
+                    <a:p>
+                      <a:pPr algn="ctr" fontAlgn="ctr"/>
+                      <a:r>
+                        <a:rPr lang="en-US" altLang="zh-CN" sz="1800" u="none" strike="noStrike">
+                          <a:effectLst/>
+                        </a:rPr>
+                        <a:t>90</a:t>
+                      </a:r>
+                      <a:endParaRPr lang="en-US" altLang="zh-CN" sz="1800" b="0" i="0" u="none" strike="noStrike">
+                        <a:solidFill>
+                          <a:srgbClr val="000000"/>
+                        </a:solidFill>
+                        <a:effectLst/>
+                        <a:latin typeface="等线" panose="02010600030101010101" pitchFamily="2" charset="-122"/>
+                        <a:ea typeface="等线" panose="02010600030101010101" pitchFamily="2" charset="-122"/>
+                      </a:endParaRPr>
+                    </a:p>
+                  </a:txBody>
+                  <a:tcPr marL="7620" marR="7620" marT="7620" marB="0" anchor="ctr"/>
+                </a:tc>
+                <a:tc>
+                  <a:txBody>
+                    <a:bodyPr/>
+                    <a:lstStyle/>
+                    <a:p>
+                      <a:pPr algn="ctr" fontAlgn="ctr"/>
+                      <a:r>
+                        <a:rPr lang="en-US" altLang="zh-CN" sz="1800" u="none" strike="noStrike">
+                          <a:effectLst/>
+                        </a:rPr>
+                        <a:t>30</a:t>
+                      </a:r>
+                      <a:endParaRPr lang="en-US" altLang="zh-CN" sz="1800" b="0" i="0" u="none" strike="noStrike">
+                        <a:solidFill>
+                          <a:srgbClr val="000000"/>
+                        </a:solidFill>
+                        <a:effectLst/>
+                        <a:latin typeface="等线" panose="02010600030101010101" pitchFamily="2" charset="-122"/>
+                        <a:ea typeface="等线" panose="02010600030101010101" pitchFamily="2" charset="-122"/>
+                      </a:endParaRPr>
+                    </a:p>
+                  </a:txBody>
+                  <a:tcPr marL="7620" marR="7620" marT="7620" marB="0" anchor="ctr"/>
+                </a:tc>
+                <a:tc>
+                  <a:txBody>
+                    <a:bodyPr/>
+                    <a:lstStyle/>
+                    <a:p>
+                      <a:pPr algn="ctr" fontAlgn="ctr"/>
+                      <a:r>
+                        <a:rPr lang="en-US" altLang="zh-CN" sz="1800" u="none" strike="noStrike">
+                          <a:effectLst/>
+                        </a:rPr>
+                        <a:t>100</a:t>
+                      </a:r>
+                      <a:endParaRPr lang="en-US" altLang="zh-CN" sz="1800" b="0" i="0" u="none" strike="noStrike">
+                        <a:solidFill>
+                          <a:srgbClr val="000000"/>
+                        </a:solidFill>
+                        <a:effectLst/>
+                        <a:latin typeface="等线" panose="02010600030101010101" pitchFamily="2" charset="-122"/>
+                        <a:ea typeface="等线" panose="02010600030101010101" pitchFamily="2" charset="-122"/>
+                      </a:endParaRPr>
+                    </a:p>
+                  </a:txBody>
+                  <a:tcPr marL="7620" marR="7620" marT="7620" marB="0" anchor="ctr"/>
+                </a:tc>
+                <a:tc>
+                  <a:txBody>
+                    <a:bodyPr/>
+                    <a:lstStyle/>
+                    <a:p>
+                      <a:pPr algn="ctr" fontAlgn="ctr"/>
+                      <a:r>
+                        <a:rPr lang="en-US" altLang="zh-CN" sz="1800" u="none" strike="noStrike">
+                          <a:effectLst/>
+                        </a:rPr>
+                        <a:t>60</a:t>
+                      </a:r>
+                      <a:endParaRPr lang="en-US" altLang="zh-CN" sz="1800" b="0" i="0" u="none" strike="noStrike">
+                        <a:solidFill>
+                          <a:srgbClr val="000000"/>
+                        </a:solidFill>
+                        <a:effectLst/>
+                        <a:latin typeface="等线" panose="02010600030101010101" pitchFamily="2" charset="-122"/>
+                        <a:ea typeface="等线" panose="02010600030101010101" pitchFamily="2" charset="-122"/>
+                      </a:endParaRPr>
+                    </a:p>
+                  </a:txBody>
+                  <a:tcPr marL="7620" marR="7620" marT="7620" marB="0" anchor="ctr"/>
+                </a:tc>
+                <a:extLst>
+                  <a:ext uri="{0D108BD9-81ED-4DB2-BD59-A6C34878D82A}">
+                    <a16:rowId xmlns:a16="http://schemas.microsoft.com/office/drawing/2014/main" val="2535390638"/>
+                  </a:ext>
+                </a:extLst>
+              </a:tr>
+              <a:tr h="197833">
+                <a:tc>
+                  <a:txBody>
+                    <a:bodyPr/>
+                    <a:lstStyle/>
+                    <a:p>
+                      <a:pPr algn="ctr" fontAlgn="ctr"/>
+                      <a:r>
+                        <a:rPr lang="zh-CN" altLang="en-US" sz="1800" u="none" strike="noStrike">
+                          <a:effectLst/>
+                        </a:rPr>
+                        <a:t>魔法师</a:t>
+                      </a:r>
+                      <a:endParaRPr lang="zh-CN" altLang="en-US" sz="1800" b="0" i="0" u="none" strike="noStrike">
+                        <a:solidFill>
+                          <a:srgbClr val="000000"/>
+                        </a:solidFill>
+                        <a:effectLst/>
+                        <a:latin typeface="等线" panose="02010600030101010101" pitchFamily="2" charset="-122"/>
+                        <a:ea typeface="等线" panose="02010600030101010101" pitchFamily="2" charset="-122"/>
+                      </a:endParaRPr>
+                    </a:p>
+                  </a:txBody>
+                  <a:tcPr marL="7620" marR="7620" marT="7620" marB="0" anchor="ctr"/>
+                </a:tc>
+                <a:tc>
+                  <a:txBody>
+                    <a:bodyPr/>
+                    <a:lstStyle/>
+                    <a:p>
+                      <a:pPr algn="ctr" fontAlgn="ctr"/>
+                      <a:r>
+                        <a:rPr lang="en-US" altLang="zh-CN" sz="1800" u="none" strike="noStrike">
+                          <a:effectLst/>
+                          <a:highlight>
+                            <a:srgbClr val="FFFF00"/>
+                          </a:highlight>
+                        </a:rPr>
+                        <a:t>30</a:t>
+                      </a:r>
+                      <a:endParaRPr lang="en-US" altLang="zh-CN" sz="1800" b="0" i="0" u="none" strike="noStrike">
+                        <a:solidFill>
+                          <a:srgbClr val="000000"/>
+                        </a:solidFill>
+                        <a:effectLst/>
+                        <a:highlight>
+                          <a:srgbClr val="FFFF00"/>
+                        </a:highlight>
+                        <a:latin typeface="等线" panose="02010600030101010101" pitchFamily="2" charset="-122"/>
+                        <a:ea typeface="等线" panose="02010600030101010101" pitchFamily="2" charset="-122"/>
+                      </a:endParaRPr>
+                    </a:p>
+                  </a:txBody>
+                  <a:tcPr marL="7620" marR="7620" marT="7620" marB="0" anchor="ctr"/>
+                </a:tc>
+                <a:tc>
+                  <a:txBody>
+                    <a:bodyPr/>
+                    <a:lstStyle/>
+                    <a:p>
+                      <a:pPr algn="ctr" fontAlgn="ctr"/>
+                      <a:r>
+                        <a:rPr lang="en-US" altLang="zh-CN" sz="1800" u="none" strike="noStrike">
+                          <a:effectLst/>
+                          <a:highlight>
+                            <a:srgbClr val="FFFF00"/>
+                          </a:highlight>
+                        </a:rPr>
+                        <a:t>100</a:t>
+                      </a:r>
+                      <a:endParaRPr lang="en-US" altLang="zh-CN" sz="1800" b="0" i="0" u="none" strike="noStrike">
+                        <a:solidFill>
+                          <a:srgbClr val="000000"/>
+                        </a:solidFill>
+                        <a:effectLst/>
+                        <a:highlight>
+                          <a:srgbClr val="FFFF00"/>
+                        </a:highlight>
+                        <a:latin typeface="等线" panose="02010600030101010101" pitchFamily="2" charset="-122"/>
+                        <a:ea typeface="等线" panose="02010600030101010101" pitchFamily="2" charset="-122"/>
+                      </a:endParaRPr>
+                    </a:p>
+                  </a:txBody>
+                  <a:tcPr marL="7620" marR="7620" marT="7620" marB="0" anchor="ctr"/>
+                </a:tc>
+                <a:tc>
+                  <a:txBody>
+                    <a:bodyPr/>
+                    <a:lstStyle/>
+                    <a:p>
+                      <a:pPr algn="ctr" fontAlgn="ctr"/>
+                      <a:r>
+                        <a:rPr lang="en-US" altLang="zh-CN" sz="1800" u="none" strike="noStrike">
+                          <a:effectLst/>
+                          <a:highlight>
+                            <a:srgbClr val="FFFF00"/>
+                          </a:highlight>
+                        </a:rPr>
+                        <a:t>30</a:t>
+                      </a:r>
+                      <a:endParaRPr lang="en-US" altLang="zh-CN" sz="1800" b="0" i="0" u="none" strike="noStrike">
+                        <a:solidFill>
+                          <a:srgbClr val="000000"/>
+                        </a:solidFill>
+                        <a:effectLst/>
+                        <a:highlight>
+                          <a:srgbClr val="FFFF00"/>
+                        </a:highlight>
+                        <a:latin typeface="等线" panose="02010600030101010101" pitchFamily="2" charset="-122"/>
+                        <a:ea typeface="等线" panose="02010600030101010101" pitchFamily="2" charset="-122"/>
+                      </a:endParaRPr>
+                    </a:p>
+                  </a:txBody>
+                  <a:tcPr marL="7620" marR="7620" marT="7620" marB="0" anchor="ctr"/>
+                </a:tc>
+                <a:tc>
+                  <a:txBody>
+                    <a:bodyPr/>
+                    <a:lstStyle/>
+                    <a:p>
+                      <a:pPr algn="ctr" fontAlgn="ctr"/>
+                      <a:r>
+                        <a:rPr lang="en-US" altLang="zh-CN" sz="1800" u="none" strike="noStrike">
+                          <a:effectLst/>
+                          <a:highlight>
+                            <a:srgbClr val="FFFF00"/>
+                          </a:highlight>
+                        </a:rPr>
+                        <a:t>80</a:t>
+                      </a:r>
+                      <a:endParaRPr lang="en-US" altLang="zh-CN" sz="1800" b="0" i="0" u="none" strike="noStrike">
+                        <a:solidFill>
+                          <a:srgbClr val="000000"/>
+                        </a:solidFill>
+                        <a:effectLst/>
+                        <a:highlight>
+                          <a:srgbClr val="FFFF00"/>
+                        </a:highlight>
+                        <a:latin typeface="等线" panose="02010600030101010101" pitchFamily="2" charset="-122"/>
+                        <a:ea typeface="等线" panose="02010600030101010101" pitchFamily="2" charset="-122"/>
+                      </a:endParaRPr>
+                    </a:p>
+                  </a:txBody>
+                  <a:tcPr marL="7620" marR="7620" marT="7620" marB="0" anchor="ctr"/>
+                </a:tc>
+                <a:extLst>
+                  <a:ext uri="{0D108BD9-81ED-4DB2-BD59-A6C34878D82A}">
+                    <a16:rowId xmlns:a16="http://schemas.microsoft.com/office/drawing/2014/main" val="654852498"/>
+                  </a:ext>
+                </a:extLst>
+              </a:tr>
+              <a:tr h="148672">
+                <a:tc>
+                  <a:txBody>
+                    <a:bodyPr/>
+                    <a:lstStyle/>
+                    <a:p>
+                      <a:pPr algn="ctr" fontAlgn="ctr"/>
+                      <a:r>
+                        <a:rPr lang="zh-CN" altLang="en-US" sz="1800" u="none" strike="noStrike">
+                          <a:effectLst/>
+                        </a:rPr>
+                        <a:t>剑士</a:t>
+                      </a:r>
+                      <a:endParaRPr lang="zh-CN" altLang="en-US" sz="1800" b="0" i="0" u="none" strike="noStrike">
+                        <a:solidFill>
+                          <a:srgbClr val="000000"/>
+                        </a:solidFill>
+                        <a:effectLst/>
+                        <a:latin typeface="等线" panose="02010600030101010101" pitchFamily="2" charset="-122"/>
+                        <a:ea typeface="等线" panose="02010600030101010101" pitchFamily="2" charset="-122"/>
+                      </a:endParaRPr>
+                    </a:p>
+                  </a:txBody>
+                  <a:tcPr marL="7620" marR="7620" marT="7620" marB="0" anchor="ctr"/>
+                </a:tc>
+                <a:tc>
+                  <a:txBody>
+                    <a:bodyPr/>
+                    <a:lstStyle/>
+                    <a:p>
+                      <a:pPr algn="ctr" fontAlgn="ctr"/>
+                      <a:r>
+                        <a:rPr lang="en-US" altLang="zh-CN" sz="1800" u="none" strike="noStrike">
+                          <a:effectLst/>
+                        </a:rPr>
+                        <a:t>100</a:t>
+                      </a:r>
+                      <a:endParaRPr lang="en-US" altLang="zh-CN" sz="1800" b="0" i="0" u="none" strike="noStrike">
+                        <a:solidFill>
+                          <a:srgbClr val="000000"/>
+                        </a:solidFill>
+                        <a:effectLst/>
+                        <a:latin typeface="等线" panose="02010600030101010101" pitchFamily="2" charset="-122"/>
+                        <a:ea typeface="等线" panose="02010600030101010101" pitchFamily="2" charset="-122"/>
+                      </a:endParaRPr>
+                    </a:p>
+                  </a:txBody>
+                  <a:tcPr marL="7620" marR="7620" marT="7620" marB="0" anchor="ctr"/>
+                </a:tc>
+                <a:tc>
+                  <a:txBody>
+                    <a:bodyPr/>
+                    <a:lstStyle/>
+                    <a:p>
+                      <a:pPr algn="ctr" fontAlgn="ctr"/>
+                      <a:r>
+                        <a:rPr lang="en-US" altLang="zh-CN" sz="1800" u="none" strike="noStrike">
+                          <a:effectLst/>
+                        </a:rPr>
+                        <a:t>30</a:t>
+                      </a:r>
+                      <a:endParaRPr lang="en-US" altLang="zh-CN" sz="1800" b="0" i="0" u="none" strike="noStrike">
+                        <a:solidFill>
+                          <a:srgbClr val="000000"/>
+                        </a:solidFill>
+                        <a:effectLst/>
+                        <a:latin typeface="等线" panose="02010600030101010101" pitchFamily="2" charset="-122"/>
+                        <a:ea typeface="等线" panose="02010600030101010101" pitchFamily="2" charset="-122"/>
+                      </a:endParaRPr>
+                    </a:p>
+                  </a:txBody>
+                  <a:tcPr marL="7620" marR="7620" marT="7620" marB="0" anchor="ctr"/>
+                </a:tc>
+                <a:tc>
+                  <a:txBody>
+                    <a:bodyPr/>
+                    <a:lstStyle/>
+                    <a:p>
+                      <a:pPr algn="ctr" fontAlgn="ctr"/>
+                      <a:r>
+                        <a:rPr lang="en-US" altLang="zh-CN" sz="1800" u="none" strike="noStrike">
+                          <a:effectLst/>
+                        </a:rPr>
+                        <a:t>90</a:t>
+                      </a:r>
+                      <a:endParaRPr lang="en-US" altLang="zh-CN" sz="1800" b="0" i="0" u="none" strike="noStrike">
+                        <a:solidFill>
+                          <a:srgbClr val="000000"/>
+                        </a:solidFill>
+                        <a:effectLst/>
+                        <a:latin typeface="等线" panose="02010600030101010101" pitchFamily="2" charset="-122"/>
+                        <a:ea typeface="等线" panose="02010600030101010101" pitchFamily="2" charset="-122"/>
+                      </a:endParaRPr>
+                    </a:p>
+                  </a:txBody>
+                  <a:tcPr marL="7620" marR="7620" marT="7620" marB="0" anchor="ctr"/>
+                </a:tc>
+                <a:tc>
+                  <a:txBody>
+                    <a:bodyPr/>
+                    <a:lstStyle/>
+                    <a:p>
+                      <a:pPr algn="ctr" fontAlgn="ctr"/>
+                      <a:r>
+                        <a:rPr lang="en-US" altLang="zh-CN" sz="1800" u="none" strike="noStrike">
+                          <a:effectLst/>
+                        </a:rPr>
+                        <a:t>90</a:t>
+                      </a:r>
+                      <a:endParaRPr lang="en-US" altLang="zh-CN" sz="1800" b="0" i="0" u="none" strike="noStrike">
+                        <a:solidFill>
+                          <a:srgbClr val="000000"/>
+                        </a:solidFill>
+                        <a:effectLst/>
+                        <a:latin typeface="等线" panose="02010600030101010101" pitchFamily="2" charset="-122"/>
+                        <a:ea typeface="等线" panose="02010600030101010101" pitchFamily="2" charset="-122"/>
+                      </a:endParaRPr>
+                    </a:p>
+                  </a:txBody>
+                  <a:tcPr marL="7620" marR="7620" marT="7620" marB="0" anchor="ctr"/>
+                </a:tc>
+                <a:extLst>
+                  <a:ext uri="{0D108BD9-81ED-4DB2-BD59-A6C34878D82A}">
+                    <a16:rowId xmlns:a16="http://schemas.microsoft.com/office/drawing/2014/main" val="2748458684"/>
+                  </a:ext>
+                </a:extLst>
+              </a:tr>
+              <a:tr h="197833">
+                <a:tc>
+                  <a:txBody>
+                    <a:bodyPr/>
+                    <a:lstStyle/>
+                    <a:p>
+                      <a:pPr algn="ctr" fontAlgn="ctr"/>
+                      <a:r>
+                        <a:rPr lang="zh-CN" altLang="en-US" sz="1800" u="none" strike="noStrike">
+                          <a:effectLst/>
+                        </a:rPr>
+                        <a:t>弓箭手</a:t>
+                      </a:r>
+                      <a:endParaRPr lang="zh-CN" altLang="en-US" sz="1800" b="0" i="0" u="none" strike="noStrike">
+                        <a:solidFill>
+                          <a:srgbClr val="000000"/>
+                        </a:solidFill>
+                        <a:effectLst/>
+                        <a:latin typeface="等线" panose="02010600030101010101" pitchFamily="2" charset="-122"/>
+                        <a:ea typeface="等线" panose="02010600030101010101" pitchFamily="2" charset="-122"/>
+                      </a:endParaRPr>
+                    </a:p>
+                  </a:txBody>
+                  <a:tcPr marL="7620" marR="7620" marT="7620" marB="0" anchor="ctr"/>
+                </a:tc>
+                <a:tc>
+                  <a:txBody>
+                    <a:bodyPr/>
+                    <a:lstStyle/>
+                    <a:p>
+                      <a:pPr algn="ctr" fontAlgn="ctr"/>
+                      <a:r>
+                        <a:rPr lang="en-US" altLang="zh-CN" sz="1800" u="none" strike="noStrike">
+                          <a:effectLst/>
+                        </a:rPr>
+                        <a:t>80</a:t>
+                      </a:r>
+                      <a:endParaRPr lang="en-US" altLang="zh-CN" sz="1800" b="0" i="0" u="none" strike="noStrike">
+                        <a:solidFill>
+                          <a:srgbClr val="000000"/>
+                        </a:solidFill>
+                        <a:effectLst/>
+                        <a:latin typeface="等线" panose="02010600030101010101" pitchFamily="2" charset="-122"/>
+                        <a:ea typeface="等线" panose="02010600030101010101" pitchFamily="2" charset="-122"/>
+                      </a:endParaRPr>
+                    </a:p>
+                  </a:txBody>
+                  <a:tcPr marL="7620" marR="7620" marT="7620" marB="0" anchor="ctr"/>
+                </a:tc>
+                <a:tc>
+                  <a:txBody>
+                    <a:bodyPr/>
+                    <a:lstStyle/>
+                    <a:p>
+                      <a:pPr algn="ctr" fontAlgn="ctr"/>
+                      <a:r>
+                        <a:rPr lang="en-US" altLang="zh-CN" sz="1800" u="none" strike="noStrike">
+                          <a:effectLst/>
+                        </a:rPr>
+                        <a:t>40</a:t>
+                      </a:r>
+                      <a:endParaRPr lang="en-US" altLang="zh-CN" sz="1800" b="0" i="0" u="none" strike="noStrike">
+                        <a:solidFill>
+                          <a:srgbClr val="000000"/>
+                        </a:solidFill>
+                        <a:effectLst/>
+                        <a:latin typeface="等线" panose="02010600030101010101" pitchFamily="2" charset="-122"/>
+                        <a:ea typeface="等线" panose="02010600030101010101" pitchFamily="2" charset="-122"/>
+                      </a:endParaRPr>
+                    </a:p>
+                  </a:txBody>
+                  <a:tcPr marL="7620" marR="7620" marT="7620" marB="0" anchor="ctr"/>
+                </a:tc>
+                <a:tc>
+                  <a:txBody>
+                    <a:bodyPr/>
+                    <a:lstStyle/>
+                    <a:p>
+                      <a:pPr algn="ctr" fontAlgn="ctr"/>
+                      <a:r>
+                        <a:rPr lang="en-US" altLang="zh-CN" sz="1800" u="none" strike="noStrike">
+                          <a:effectLst/>
+                        </a:rPr>
+                        <a:t>60</a:t>
+                      </a:r>
+                      <a:endParaRPr lang="en-US" altLang="zh-CN" sz="1800" b="0" i="0" u="none" strike="noStrike">
+                        <a:solidFill>
+                          <a:srgbClr val="000000"/>
+                        </a:solidFill>
+                        <a:effectLst/>
+                        <a:latin typeface="等线" panose="02010600030101010101" pitchFamily="2" charset="-122"/>
+                        <a:ea typeface="等线" panose="02010600030101010101" pitchFamily="2" charset="-122"/>
+                      </a:endParaRPr>
+                    </a:p>
+                  </a:txBody>
+                  <a:tcPr marL="7620" marR="7620" marT="7620" marB="0" anchor="ctr"/>
+                </a:tc>
+                <a:tc>
+                  <a:txBody>
+                    <a:bodyPr/>
+                    <a:lstStyle/>
+                    <a:p>
+                      <a:pPr algn="ctr" fontAlgn="ctr"/>
+                      <a:r>
+                        <a:rPr lang="en-US" altLang="zh-CN" sz="1800" u="none" strike="noStrike">
+                          <a:effectLst/>
+                        </a:rPr>
+                        <a:t>100</a:t>
+                      </a:r>
+                      <a:endParaRPr lang="en-US" altLang="zh-CN" sz="1800" b="0" i="0" u="none" strike="noStrike">
+                        <a:solidFill>
+                          <a:srgbClr val="000000"/>
+                        </a:solidFill>
+                        <a:effectLst/>
+                        <a:latin typeface="等线" panose="02010600030101010101" pitchFamily="2" charset="-122"/>
+                        <a:ea typeface="等线" panose="02010600030101010101" pitchFamily="2" charset="-122"/>
+                      </a:endParaRPr>
+                    </a:p>
+                  </a:txBody>
+                  <a:tcPr marL="7620" marR="7620" marT="7620" marB="0" anchor="ctr"/>
+                </a:tc>
+                <a:extLst>
+                  <a:ext uri="{0D108BD9-81ED-4DB2-BD59-A6C34878D82A}">
+                    <a16:rowId xmlns:a16="http://schemas.microsoft.com/office/drawing/2014/main" val="950453381"/>
+                  </a:ext>
+                </a:extLst>
+              </a:tr>
+            </a:tbl>
+          </a:graphicData>
+        </a:graphic>
+      </p:graphicFrame>
+      <p:graphicFrame>
+        <p:nvGraphicFramePr>
+          <p:cNvPr id="5" name="表格 4">
+            <a:extLst>
+              <a:ext uri="{FF2B5EF4-FFF2-40B4-BE49-F238E27FC236}">
+                <a16:creationId xmlns:a16="http://schemas.microsoft.com/office/drawing/2014/main" id="{822383B2-38F8-4AAA-BB26-0E25A49BE477}"/>
+              </a:ext>
+            </a:extLst>
+          </p:cNvPr>
+          <p:cNvGraphicFramePr>
+            <a:graphicFrameLocks noGrp="1"/>
+          </p:cNvGraphicFramePr>
+          <p:nvPr>
+            <p:extLst>
+              <p:ext uri="{D42A27DB-BD31-4B8C-83A1-F6EECF244321}">
+                <p14:modId xmlns:p14="http://schemas.microsoft.com/office/powerpoint/2010/main" val="1295036481"/>
+              </p:ext>
+            </p:extLst>
+          </p:nvPr>
+        </p:nvGraphicFramePr>
+        <p:xfrm>
+          <a:off x="4094918" y="3579250"/>
+          <a:ext cx="3855864" cy="1409700"/>
+        </p:xfrm>
+        <a:graphic>
+          <a:graphicData uri="http://schemas.openxmlformats.org/drawingml/2006/table">
+            <a:tbl>
+              <a:tblPr>
+                <a:tableStyleId>{5C22544A-7EE6-4342-B048-85BDC9FD1C3A}</a:tableStyleId>
+              </a:tblPr>
+              <a:tblGrid>
+                <a:gridCol w="534353">
+                  <a:extLst>
+                    <a:ext uri="{9D8B030D-6E8A-4147-A177-3AD203B41FA5}">
+                      <a16:colId xmlns:a16="http://schemas.microsoft.com/office/drawing/2014/main" val="3309846034"/>
+                    </a:ext>
+                  </a:extLst>
+                </a:gridCol>
+                <a:gridCol w="723584">
+                  <a:extLst>
+                    <a:ext uri="{9D8B030D-6E8A-4147-A177-3AD203B41FA5}">
+                      <a16:colId xmlns:a16="http://schemas.microsoft.com/office/drawing/2014/main" val="708297101"/>
+                    </a:ext>
+                  </a:extLst>
+                </a:gridCol>
+                <a:gridCol w="723584">
+                  <a:extLst>
+                    <a:ext uri="{9D8B030D-6E8A-4147-A177-3AD203B41FA5}">
+                      <a16:colId xmlns:a16="http://schemas.microsoft.com/office/drawing/2014/main" val="1527653480"/>
+                    </a:ext>
+                  </a:extLst>
+                </a:gridCol>
+                <a:gridCol w="723584">
+                  <a:extLst>
+                    <a:ext uri="{9D8B030D-6E8A-4147-A177-3AD203B41FA5}">
+                      <a16:colId xmlns:a16="http://schemas.microsoft.com/office/drawing/2014/main" val="2568840404"/>
+                    </a:ext>
+                  </a:extLst>
+                </a:gridCol>
+                <a:gridCol w="1150759">
+                  <a:extLst>
+                    <a:ext uri="{9D8B030D-6E8A-4147-A177-3AD203B41FA5}">
+                      <a16:colId xmlns:a16="http://schemas.microsoft.com/office/drawing/2014/main" val="2993822540"/>
+                    </a:ext>
+                  </a:extLst>
+                </a:gridCol>
+              </a:tblGrid>
+              <a:tr h="254578">
+                <a:tc>
+                  <a:txBody>
+                    <a:bodyPr/>
+                    <a:lstStyle/>
+                    <a:p>
+                      <a:pPr algn="l" fontAlgn="ctr"/>
+                      <a:r>
+                        <a:rPr lang="zh-CN" altLang="en-US" sz="1800" u="none" strike="noStrike">
+                          <a:solidFill>
+                            <a:srgbClr val="0070C0"/>
+                          </a:solidFill>
+                          <a:effectLst/>
+                        </a:rPr>
+                        <a:t>升级</a:t>
+                      </a:r>
+                      <a:endParaRPr lang="zh-CN" altLang="en-US" sz="1800" b="0" i="0" u="none" strike="noStrike">
+                        <a:solidFill>
+                          <a:srgbClr val="0070C0"/>
+                        </a:solidFill>
+                        <a:effectLst/>
+                        <a:latin typeface="等线" panose="02010600030101010101" pitchFamily="2" charset="-122"/>
+                        <a:ea typeface="等线" panose="02010600030101010101" pitchFamily="2" charset="-122"/>
+                      </a:endParaRPr>
+                    </a:p>
+                  </a:txBody>
+                  <a:tcPr marL="7620" marR="7620" marT="7620" marB="0" anchor="ctr"/>
+                </a:tc>
+                <a:tc>
+                  <a:txBody>
+                    <a:bodyPr/>
+                    <a:lstStyle/>
+                    <a:p>
+                      <a:pPr algn="ctr" fontAlgn="ctr"/>
+                      <a:r>
+                        <a:rPr lang="zh-CN" altLang="en-US" sz="1800" u="none" strike="noStrike">
+                          <a:effectLst/>
+                        </a:rPr>
+                        <a:t>力量</a:t>
+                      </a:r>
+                      <a:r>
+                        <a:rPr lang="en-US" altLang="zh-CN" sz="1800" u="none" strike="noStrike">
+                          <a:effectLst/>
+                        </a:rPr>
+                        <a:t>’</a:t>
+                      </a:r>
+                      <a:endParaRPr lang="zh-CN" altLang="en-US" sz="1800" b="0" i="0" u="none" strike="noStrike">
+                        <a:solidFill>
+                          <a:srgbClr val="000000"/>
+                        </a:solidFill>
+                        <a:effectLst/>
+                        <a:latin typeface="等线" panose="02010600030101010101" pitchFamily="2" charset="-122"/>
+                        <a:ea typeface="等线" panose="02010600030101010101" pitchFamily="2" charset="-122"/>
+                      </a:endParaRPr>
+                    </a:p>
+                  </a:txBody>
+                  <a:tcPr marL="7620" marR="7620" marT="7620" marB="0" anchor="ctr"/>
+                </a:tc>
+                <a:tc>
+                  <a:txBody>
+                    <a:bodyPr/>
+                    <a:lstStyle/>
+                    <a:p>
+                      <a:pPr algn="ctr" fontAlgn="ctr"/>
+                      <a:r>
+                        <a:rPr lang="zh-CN" altLang="en-US" sz="1800" u="none" strike="noStrike">
+                          <a:effectLst/>
+                        </a:rPr>
+                        <a:t>魔法</a:t>
+                      </a:r>
+                      <a:r>
+                        <a:rPr lang="en-US" altLang="zh-CN" sz="1800" u="none" strike="noStrike">
+                          <a:effectLst/>
+                        </a:rPr>
+                        <a:t>’</a:t>
+                      </a:r>
+                      <a:endParaRPr lang="zh-CN" altLang="en-US" sz="1800" b="0" i="0" u="none" strike="noStrike">
+                        <a:solidFill>
+                          <a:srgbClr val="000000"/>
+                        </a:solidFill>
+                        <a:effectLst/>
+                        <a:latin typeface="等线" panose="02010600030101010101" pitchFamily="2" charset="-122"/>
+                        <a:ea typeface="等线" panose="02010600030101010101" pitchFamily="2" charset="-122"/>
+                      </a:endParaRPr>
+                    </a:p>
+                  </a:txBody>
+                  <a:tcPr marL="7620" marR="7620" marT="7620" marB="0" anchor="ctr"/>
+                </a:tc>
+                <a:tc>
+                  <a:txBody>
+                    <a:bodyPr/>
+                    <a:lstStyle/>
+                    <a:p>
+                      <a:pPr algn="ctr" fontAlgn="ctr"/>
+                      <a:r>
+                        <a:rPr lang="zh-CN" altLang="en-US" sz="1800" u="none" strike="noStrike">
+                          <a:effectLst/>
+                        </a:rPr>
+                        <a:t>血槽</a:t>
+                      </a:r>
+                      <a:r>
+                        <a:rPr lang="en-US" altLang="zh-CN" sz="1800" u="none" strike="noStrike">
+                          <a:effectLst/>
+                        </a:rPr>
+                        <a:t>’</a:t>
+                      </a:r>
+                      <a:endParaRPr lang="zh-CN" altLang="en-US" sz="1800" b="0" i="0" u="none" strike="noStrike">
+                        <a:solidFill>
+                          <a:srgbClr val="000000"/>
+                        </a:solidFill>
+                        <a:effectLst/>
+                        <a:latin typeface="等线" panose="02010600030101010101" pitchFamily="2" charset="-122"/>
+                        <a:ea typeface="等线" panose="02010600030101010101" pitchFamily="2" charset="-122"/>
+                      </a:endParaRPr>
+                    </a:p>
+                  </a:txBody>
+                  <a:tcPr marL="7620" marR="7620" marT="7620" marB="0" anchor="ctr"/>
+                </a:tc>
+                <a:tc>
+                  <a:txBody>
+                    <a:bodyPr/>
+                    <a:lstStyle/>
+                    <a:p>
+                      <a:pPr algn="ctr" fontAlgn="ctr"/>
+                      <a:r>
+                        <a:rPr lang="zh-CN" altLang="en-US" sz="1800" u="none" strike="noStrike">
+                          <a:effectLst/>
+                        </a:rPr>
+                        <a:t>敏捷</a:t>
+                      </a:r>
+                      <a:r>
+                        <a:rPr lang="en-US" altLang="zh-CN" sz="1800" u="none" strike="noStrike">
+                          <a:effectLst/>
+                        </a:rPr>
+                        <a:t>’</a:t>
+                      </a:r>
+                      <a:endParaRPr lang="zh-CN" altLang="en-US" sz="1800" b="0" i="0" u="none" strike="noStrike">
+                        <a:solidFill>
+                          <a:srgbClr val="000000"/>
+                        </a:solidFill>
+                        <a:effectLst/>
+                        <a:latin typeface="等线" panose="02010600030101010101" pitchFamily="2" charset="-122"/>
+                        <a:ea typeface="等线" panose="02010600030101010101" pitchFamily="2" charset="-122"/>
+                      </a:endParaRPr>
+                    </a:p>
+                  </a:txBody>
+                  <a:tcPr marL="7620" marR="7620" marT="7620" marB="0" anchor="ctr"/>
+                </a:tc>
+                <a:extLst>
+                  <a:ext uri="{0D108BD9-81ED-4DB2-BD59-A6C34878D82A}">
+                    <a16:rowId xmlns:a16="http://schemas.microsoft.com/office/drawing/2014/main" val="3189618992"/>
+                  </a:ext>
+                </a:extLst>
+              </a:tr>
+              <a:tr h="138824">
+                <a:tc>
+                  <a:txBody>
+                    <a:bodyPr/>
+                    <a:lstStyle/>
+                    <a:p>
+                      <a:pPr algn="ctr" fontAlgn="ctr"/>
+                      <a:r>
+                        <a:rPr lang="zh-CN" altLang="en-US" sz="1800" u="none" strike="noStrike">
+                          <a:effectLst/>
+                        </a:rPr>
+                        <a:t>力量</a:t>
+                      </a:r>
+                      <a:endParaRPr lang="zh-CN" altLang="en-US" sz="1800" b="0" i="0" u="none" strike="noStrike">
+                        <a:solidFill>
+                          <a:srgbClr val="000000"/>
+                        </a:solidFill>
+                        <a:effectLst/>
+                        <a:latin typeface="等线" panose="02010600030101010101" pitchFamily="2" charset="-122"/>
+                        <a:ea typeface="等线" panose="02010600030101010101" pitchFamily="2" charset="-122"/>
+                      </a:endParaRPr>
+                    </a:p>
+                  </a:txBody>
+                  <a:tcPr marL="7620" marR="7620" marT="7620" marB="0" anchor="ctr"/>
+                </a:tc>
+                <a:tc>
+                  <a:txBody>
+                    <a:bodyPr/>
+                    <a:lstStyle/>
+                    <a:p>
+                      <a:pPr algn="ctr" fontAlgn="ctr"/>
+                      <a:r>
+                        <a:rPr lang="en-US" altLang="zh-CN" sz="1800" u="none" strike="noStrike">
+                          <a:effectLst/>
+                        </a:rPr>
+                        <a:t>1.1</a:t>
+                      </a:r>
+                      <a:endParaRPr lang="en-US" altLang="zh-CN" sz="1800" b="0" i="0" u="none" strike="noStrike">
+                        <a:solidFill>
+                          <a:srgbClr val="000000"/>
+                        </a:solidFill>
+                        <a:effectLst/>
+                        <a:latin typeface="等线" panose="02010600030101010101" pitchFamily="2" charset="-122"/>
+                        <a:ea typeface="等线" panose="02010600030101010101" pitchFamily="2" charset="-122"/>
+                      </a:endParaRPr>
+                    </a:p>
+                  </a:txBody>
+                  <a:tcPr marL="7620" marR="7620" marT="7620" marB="0" anchor="ctr"/>
+                </a:tc>
+                <a:tc>
+                  <a:txBody>
+                    <a:bodyPr/>
+                    <a:lstStyle/>
+                    <a:p>
+                      <a:pPr algn="ctr" fontAlgn="ctr"/>
+                      <a:r>
+                        <a:rPr lang="en-US" altLang="zh-CN" sz="1800" u="none" strike="noStrike">
+                          <a:effectLst/>
+                          <a:highlight>
+                            <a:srgbClr val="FFFF00"/>
+                          </a:highlight>
+                        </a:rPr>
+                        <a:t>0</a:t>
+                      </a:r>
+                      <a:endParaRPr lang="en-US" altLang="zh-CN" sz="1800" b="0" i="0" u="none" strike="noStrike">
+                        <a:solidFill>
+                          <a:srgbClr val="000000"/>
+                        </a:solidFill>
+                        <a:effectLst/>
+                        <a:highlight>
+                          <a:srgbClr val="FFFF00"/>
+                        </a:highlight>
+                        <a:latin typeface="等线" panose="02010600030101010101" pitchFamily="2" charset="-122"/>
+                        <a:ea typeface="等线" panose="02010600030101010101" pitchFamily="2" charset="-122"/>
+                      </a:endParaRPr>
+                    </a:p>
+                  </a:txBody>
+                  <a:tcPr marL="7620" marR="7620" marT="7620" marB="0" anchor="ctr"/>
+                </a:tc>
+                <a:tc>
+                  <a:txBody>
+                    <a:bodyPr/>
+                    <a:lstStyle/>
+                    <a:p>
+                      <a:pPr algn="ctr" fontAlgn="ctr"/>
+                      <a:r>
+                        <a:rPr lang="en-US" altLang="zh-CN" sz="1800" u="none" strike="noStrike">
+                          <a:effectLst/>
+                        </a:rPr>
+                        <a:t>0</a:t>
+                      </a:r>
+                      <a:endParaRPr lang="en-US" altLang="zh-CN" sz="1800" b="0" i="0" u="none" strike="noStrike">
+                        <a:solidFill>
+                          <a:srgbClr val="000000"/>
+                        </a:solidFill>
+                        <a:effectLst/>
+                        <a:latin typeface="等线" panose="02010600030101010101" pitchFamily="2" charset="-122"/>
+                        <a:ea typeface="等线" panose="02010600030101010101" pitchFamily="2" charset="-122"/>
+                      </a:endParaRPr>
+                    </a:p>
+                  </a:txBody>
+                  <a:tcPr marL="7620" marR="7620" marT="7620" marB="0" anchor="ctr"/>
+                </a:tc>
+                <a:tc>
+                  <a:txBody>
+                    <a:bodyPr/>
+                    <a:lstStyle/>
+                    <a:p>
+                      <a:pPr algn="ctr" fontAlgn="ctr"/>
+                      <a:r>
+                        <a:rPr lang="en-US" altLang="zh-CN" sz="1800" u="none" strike="noStrike">
+                          <a:effectLst/>
+                        </a:rPr>
+                        <a:t>0</a:t>
+                      </a:r>
+                      <a:endParaRPr lang="en-US" altLang="zh-CN" sz="1800" b="0" i="0" u="none" strike="noStrike">
+                        <a:solidFill>
+                          <a:srgbClr val="000000"/>
+                        </a:solidFill>
+                        <a:effectLst/>
+                        <a:latin typeface="等线" panose="02010600030101010101" pitchFamily="2" charset="-122"/>
+                        <a:ea typeface="等线" panose="02010600030101010101" pitchFamily="2" charset="-122"/>
+                      </a:endParaRPr>
+                    </a:p>
+                  </a:txBody>
+                  <a:tcPr marL="7620" marR="7620" marT="7620" marB="0" anchor="ctr"/>
+                </a:tc>
+                <a:extLst>
+                  <a:ext uri="{0D108BD9-81ED-4DB2-BD59-A6C34878D82A}">
+                    <a16:rowId xmlns:a16="http://schemas.microsoft.com/office/drawing/2014/main" val="1967204582"/>
+                  </a:ext>
+                </a:extLst>
+              </a:tr>
+              <a:tr h="138824">
+                <a:tc>
+                  <a:txBody>
+                    <a:bodyPr/>
+                    <a:lstStyle/>
+                    <a:p>
+                      <a:pPr algn="ctr" fontAlgn="ctr"/>
+                      <a:r>
+                        <a:rPr lang="zh-CN" altLang="en-US" sz="1800" u="none" strike="noStrike">
+                          <a:effectLst/>
+                        </a:rPr>
+                        <a:t>魔法</a:t>
+                      </a:r>
+                      <a:endParaRPr lang="zh-CN" altLang="en-US" sz="1800" b="0" i="0" u="none" strike="noStrike">
+                        <a:solidFill>
+                          <a:srgbClr val="000000"/>
+                        </a:solidFill>
+                        <a:effectLst/>
+                        <a:latin typeface="等线" panose="02010600030101010101" pitchFamily="2" charset="-122"/>
+                        <a:ea typeface="等线" panose="02010600030101010101" pitchFamily="2" charset="-122"/>
+                      </a:endParaRPr>
+                    </a:p>
+                  </a:txBody>
+                  <a:tcPr marL="7620" marR="7620" marT="7620" marB="0" anchor="ctr"/>
+                </a:tc>
+                <a:tc>
+                  <a:txBody>
+                    <a:bodyPr/>
+                    <a:lstStyle/>
+                    <a:p>
+                      <a:pPr algn="ctr" fontAlgn="ctr"/>
+                      <a:r>
+                        <a:rPr lang="en-US" altLang="zh-CN" sz="1800" u="none" strike="noStrike">
+                          <a:effectLst/>
+                        </a:rPr>
+                        <a:t>0</a:t>
+                      </a:r>
+                      <a:endParaRPr lang="en-US" altLang="zh-CN" sz="1800" b="0" i="0" u="none" strike="noStrike">
+                        <a:solidFill>
+                          <a:srgbClr val="000000"/>
+                        </a:solidFill>
+                        <a:effectLst/>
+                        <a:latin typeface="等线" panose="02010600030101010101" pitchFamily="2" charset="-122"/>
+                        <a:ea typeface="等线" panose="02010600030101010101" pitchFamily="2" charset="-122"/>
+                      </a:endParaRPr>
+                    </a:p>
+                  </a:txBody>
+                  <a:tcPr marL="7620" marR="7620" marT="7620" marB="0" anchor="ctr"/>
+                </a:tc>
+                <a:tc>
+                  <a:txBody>
+                    <a:bodyPr/>
+                    <a:lstStyle/>
+                    <a:p>
+                      <a:pPr algn="ctr" fontAlgn="ctr"/>
+                      <a:r>
+                        <a:rPr lang="en-US" altLang="zh-CN" sz="1800" u="none" strike="noStrike">
+                          <a:effectLst/>
+                          <a:highlight>
+                            <a:srgbClr val="FFFF00"/>
+                          </a:highlight>
+                        </a:rPr>
+                        <a:t>1.1</a:t>
+                      </a:r>
+                      <a:endParaRPr lang="en-US" altLang="zh-CN" sz="1800" b="0" i="0" u="none" strike="noStrike">
+                        <a:solidFill>
+                          <a:srgbClr val="000000"/>
+                        </a:solidFill>
+                        <a:effectLst/>
+                        <a:highlight>
+                          <a:srgbClr val="FFFF00"/>
+                        </a:highlight>
+                        <a:latin typeface="等线" panose="02010600030101010101" pitchFamily="2" charset="-122"/>
+                        <a:ea typeface="等线" panose="02010600030101010101" pitchFamily="2" charset="-122"/>
+                      </a:endParaRPr>
+                    </a:p>
+                  </a:txBody>
+                  <a:tcPr marL="7620" marR="7620" marT="7620" marB="0" anchor="ctr"/>
+                </a:tc>
+                <a:tc>
+                  <a:txBody>
+                    <a:bodyPr/>
+                    <a:lstStyle/>
+                    <a:p>
+                      <a:pPr algn="ctr" fontAlgn="ctr"/>
+                      <a:r>
+                        <a:rPr lang="en-US" altLang="zh-CN" sz="1800" u="none" strike="noStrike">
+                          <a:effectLst/>
+                        </a:rPr>
+                        <a:t>0</a:t>
+                      </a:r>
+                      <a:endParaRPr lang="en-US" altLang="zh-CN" sz="1800" b="0" i="0" u="none" strike="noStrike">
+                        <a:solidFill>
+                          <a:srgbClr val="000000"/>
+                        </a:solidFill>
+                        <a:effectLst/>
+                        <a:latin typeface="等线" panose="02010600030101010101" pitchFamily="2" charset="-122"/>
+                        <a:ea typeface="等线" panose="02010600030101010101" pitchFamily="2" charset="-122"/>
+                      </a:endParaRPr>
+                    </a:p>
+                  </a:txBody>
+                  <a:tcPr marL="7620" marR="7620" marT="7620" marB="0" anchor="ctr"/>
+                </a:tc>
+                <a:tc>
+                  <a:txBody>
+                    <a:bodyPr/>
+                    <a:lstStyle/>
+                    <a:p>
+                      <a:pPr algn="ctr" fontAlgn="ctr"/>
+                      <a:r>
+                        <a:rPr lang="en-US" altLang="zh-CN" sz="1800" u="none" strike="noStrike">
+                          <a:effectLst/>
+                        </a:rPr>
+                        <a:t>0</a:t>
+                      </a:r>
+                      <a:endParaRPr lang="en-US" altLang="zh-CN" sz="1800" b="0" i="0" u="none" strike="noStrike">
+                        <a:solidFill>
+                          <a:srgbClr val="000000"/>
+                        </a:solidFill>
+                        <a:effectLst/>
+                        <a:latin typeface="等线" panose="02010600030101010101" pitchFamily="2" charset="-122"/>
+                        <a:ea typeface="等线" panose="02010600030101010101" pitchFamily="2" charset="-122"/>
+                      </a:endParaRPr>
+                    </a:p>
+                  </a:txBody>
+                  <a:tcPr marL="7620" marR="7620" marT="7620" marB="0" anchor="ctr"/>
+                </a:tc>
+                <a:extLst>
+                  <a:ext uri="{0D108BD9-81ED-4DB2-BD59-A6C34878D82A}">
+                    <a16:rowId xmlns:a16="http://schemas.microsoft.com/office/drawing/2014/main" val="3844745025"/>
+                  </a:ext>
+                </a:extLst>
+              </a:tr>
+              <a:tr h="138824">
+                <a:tc>
+                  <a:txBody>
+                    <a:bodyPr/>
+                    <a:lstStyle/>
+                    <a:p>
+                      <a:pPr algn="ctr" fontAlgn="ctr"/>
+                      <a:r>
+                        <a:rPr lang="zh-CN" altLang="en-US" sz="1800" u="none" strike="noStrike">
+                          <a:effectLst/>
+                        </a:rPr>
+                        <a:t>血槽</a:t>
+                      </a:r>
+                      <a:endParaRPr lang="zh-CN" altLang="en-US" sz="1800" b="0" i="0" u="none" strike="noStrike">
+                        <a:solidFill>
+                          <a:srgbClr val="000000"/>
+                        </a:solidFill>
+                        <a:effectLst/>
+                        <a:latin typeface="等线" panose="02010600030101010101" pitchFamily="2" charset="-122"/>
+                        <a:ea typeface="等线" panose="02010600030101010101" pitchFamily="2" charset="-122"/>
+                      </a:endParaRPr>
+                    </a:p>
+                  </a:txBody>
+                  <a:tcPr marL="7620" marR="7620" marT="7620" marB="0" anchor="ctr"/>
+                </a:tc>
+                <a:tc>
+                  <a:txBody>
+                    <a:bodyPr/>
+                    <a:lstStyle/>
+                    <a:p>
+                      <a:pPr algn="ctr" fontAlgn="ctr"/>
+                      <a:r>
+                        <a:rPr lang="en-US" altLang="zh-CN" sz="1800" u="none" strike="noStrike">
+                          <a:effectLst/>
+                        </a:rPr>
+                        <a:t>0</a:t>
+                      </a:r>
+                      <a:endParaRPr lang="en-US" altLang="zh-CN" sz="1800" b="0" i="0" u="none" strike="noStrike">
+                        <a:solidFill>
+                          <a:srgbClr val="000000"/>
+                        </a:solidFill>
+                        <a:effectLst/>
+                        <a:latin typeface="等线" panose="02010600030101010101" pitchFamily="2" charset="-122"/>
+                        <a:ea typeface="等线" panose="02010600030101010101" pitchFamily="2" charset="-122"/>
+                      </a:endParaRPr>
+                    </a:p>
+                  </a:txBody>
+                  <a:tcPr marL="7620" marR="7620" marT="7620" marB="0" anchor="ctr"/>
+                </a:tc>
+                <a:tc>
+                  <a:txBody>
+                    <a:bodyPr/>
+                    <a:lstStyle/>
+                    <a:p>
+                      <a:pPr algn="ctr" fontAlgn="ctr"/>
+                      <a:r>
+                        <a:rPr lang="en-US" altLang="zh-CN" sz="1800" u="none" strike="noStrike">
+                          <a:effectLst/>
+                          <a:highlight>
+                            <a:srgbClr val="FFFF00"/>
+                          </a:highlight>
+                        </a:rPr>
+                        <a:t>0</a:t>
+                      </a:r>
+                      <a:endParaRPr lang="en-US" altLang="zh-CN" sz="1800" b="0" i="0" u="none" strike="noStrike">
+                        <a:solidFill>
+                          <a:srgbClr val="000000"/>
+                        </a:solidFill>
+                        <a:effectLst/>
+                        <a:highlight>
+                          <a:srgbClr val="FFFF00"/>
+                        </a:highlight>
+                        <a:latin typeface="等线" panose="02010600030101010101" pitchFamily="2" charset="-122"/>
+                        <a:ea typeface="等线" panose="02010600030101010101" pitchFamily="2" charset="-122"/>
+                      </a:endParaRPr>
+                    </a:p>
+                  </a:txBody>
+                  <a:tcPr marL="7620" marR="7620" marT="7620" marB="0" anchor="ctr"/>
+                </a:tc>
+                <a:tc>
+                  <a:txBody>
+                    <a:bodyPr/>
+                    <a:lstStyle/>
+                    <a:p>
+                      <a:pPr algn="ctr" fontAlgn="ctr"/>
+                      <a:r>
+                        <a:rPr lang="en-US" altLang="zh-CN" sz="1800" u="none" strike="noStrike">
+                          <a:effectLst/>
+                        </a:rPr>
+                        <a:t>1.1</a:t>
+                      </a:r>
+                      <a:endParaRPr lang="en-US" altLang="zh-CN" sz="1800" b="0" i="0" u="none" strike="noStrike">
+                        <a:solidFill>
+                          <a:srgbClr val="000000"/>
+                        </a:solidFill>
+                        <a:effectLst/>
+                        <a:latin typeface="等线" panose="02010600030101010101" pitchFamily="2" charset="-122"/>
+                        <a:ea typeface="等线" panose="02010600030101010101" pitchFamily="2" charset="-122"/>
+                      </a:endParaRPr>
+                    </a:p>
+                  </a:txBody>
+                  <a:tcPr marL="7620" marR="7620" marT="7620" marB="0" anchor="ctr"/>
+                </a:tc>
+                <a:tc>
+                  <a:txBody>
+                    <a:bodyPr/>
+                    <a:lstStyle/>
+                    <a:p>
+                      <a:pPr algn="ctr" fontAlgn="ctr"/>
+                      <a:r>
+                        <a:rPr lang="en-US" altLang="zh-CN" sz="1800" u="none" strike="noStrike">
+                          <a:effectLst/>
+                        </a:rPr>
+                        <a:t>0</a:t>
+                      </a:r>
+                      <a:endParaRPr lang="en-US" altLang="zh-CN" sz="1800" b="0" i="0" u="none" strike="noStrike">
+                        <a:solidFill>
+                          <a:srgbClr val="000000"/>
+                        </a:solidFill>
+                        <a:effectLst/>
+                        <a:latin typeface="等线" panose="02010600030101010101" pitchFamily="2" charset="-122"/>
+                        <a:ea typeface="等线" panose="02010600030101010101" pitchFamily="2" charset="-122"/>
+                      </a:endParaRPr>
+                    </a:p>
+                  </a:txBody>
+                  <a:tcPr marL="7620" marR="7620" marT="7620" marB="0" anchor="ctr"/>
+                </a:tc>
+                <a:extLst>
+                  <a:ext uri="{0D108BD9-81ED-4DB2-BD59-A6C34878D82A}">
+                    <a16:rowId xmlns:a16="http://schemas.microsoft.com/office/drawing/2014/main" val="3898410333"/>
+                  </a:ext>
+                </a:extLst>
+              </a:tr>
+              <a:tr h="138824">
+                <a:tc>
+                  <a:txBody>
+                    <a:bodyPr/>
+                    <a:lstStyle/>
+                    <a:p>
+                      <a:pPr algn="ctr" fontAlgn="ctr"/>
+                      <a:r>
+                        <a:rPr lang="zh-CN" altLang="en-US" sz="1800" u="none" strike="noStrike">
+                          <a:effectLst/>
+                        </a:rPr>
+                        <a:t>敏捷</a:t>
+                      </a:r>
+                      <a:endParaRPr lang="zh-CN" altLang="en-US" sz="1800" b="0" i="0" u="none" strike="noStrike">
+                        <a:solidFill>
+                          <a:srgbClr val="000000"/>
+                        </a:solidFill>
+                        <a:effectLst/>
+                        <a:latin typeface="等线" panose="02010600030101010101" pitchFamily="2" charset="-122"/>
+                        <a:ea typeface="等线" panose="02010600030101010101" pitchFamily="2" charset="-122"/>
+                      </a:endParaRPr>
+                    </a:p>
+                  </a:txBody>
+                  <a:tcPr marL="7620" marR="7620" marT="7620" marB="0" anchor="ctr"/>
+                </a:tc>
+                <a:tc>
+                  <a:txBody>
+                    <a:bodyPr/>
+                    <a:lstStyle/>
+                    <a:p>
+                      <a:pPr algn="ctr" fontAlgn="ctr"/>
+                      <a:r>
+                        <a:rPr lang="en-US" altLang="zh-CN" sz="1800" u="none" strike="noStrike">
+                          <a:effectLst/>
+                        </a:rPr>
+                        <a:t>0</a:t>
+                      </a:r>
+                      <a:endParaRPr lang="en-US" altLang="zh-CN" sz="1800" b="0" i="0" u="none" strike="noStrike">
+                        <a:solidFill>
+                          <a:srgbClr val="000000"/>
+                        </a:solidFill>
+                        <a:effectLst/>
+                        <a:latin typeface="等线" panose="02010600030101010101" pitchFamily="2" charset="-122"/>
+                        <a:ea typeface="等线" panose="02010600030101010101" pitchFamily="2" charset="-122"/>
+                      </a:endParaRPr>
+                    </a:p>
+                  </a:txBody>
+                  <a:tcPr marL="7620" marR="7620" marT="7620" marB="0" anchor="ctr"/>
+                </a:tc>
+                <a:tc>
+                  <a:txBody>
+                    <a:bodyPr/>
+                    <a:lstStyle/>
+                    <a:p>
+                      <a:pPr algn="ctr" fontAlgn="ctr"/>
+                      <a:r>
+                        <a:rPr lang="en-US" altLang="zh-CN" sz="1800" u="none" strike="noStrike">
+                          <a:effectLst/>
+                          <a:highlight>
+                            <a:srgbClr val="FFFF00"/>
+                          </a:highlight>
+                        </a:rPr>
+                        <a:t>0</a:t>
+                      </a:r>
+                      <a:endParaRPr lang="en-US" altLang="zh-CN" sz="1800" b="0" i="0" u="none" strike="noStrike">
+                        <a:solidFill>
+                          <a:srgbClr val="000000"/>
+                        </a:solidFill>
+                        <a:effectLst/>
+                        <a:highlight>
+                          <a:srgbClr val="FFFF00"/>
+                        </a:highlight>
+                        <a:latin typeface="等线" panose="02010600030101010101" pitchFamily="2" charset="-122"/>
+                        <a:ea typeface="等线" panose="02010600030101010101" pitchFamily="2" charset="-122"/>
+                      </a:endParaRPr>
+                    </a:p>
+                  </a:txBody>
+                  <a:tcPr marL="7620" marR="7620" marT="7620" marB="0" anchor="ctr"/>
+                </a:tc>
+                <a:tc>
+                  <a:txBody>
+                    <a:bodyPr/>
+                    <a:lstStyle/>
+                    <a:p>
+                      <a:pPr algn="ctr" fontAlgn="ctr"/>
+                      <a:r>
+                        <a:rPr lang="en-US" altLang="zh-CN" sz="1800" u="none" strike="noStrike">
+                          <a:effectLst/>
+                        </a:rPr>
+                        <a:t>0</a:t>
+                      </a:r>
+                      <a:endParaRPr lang="en-US" altLang="zh-CN" sz="1800" b="0" i="0" u="none" strike="noStrike">
+                        <a:solidFill>
+                          <a:srgbClr val="000000"/>
+                        </a:solidFill>
+                        <a:effectLst/>
+                        <a:latin typeface="等线" panose="02010600030101010101" pitchFamily="2" charset="-122"/>
+                        <a:ea typeface="等线" panose="02010600030101010101" pitchFamily="2" charset="-122"/>
+                      </a:endParaRPr>
+                    </a:p>
+                  </a:txBody>
+                  <a:tcPr marL="7620" marR="7620" marT="7620" marB="0" anchor="ctr"/>
+                </a:tc>
+                <a:tc>
+                  <a:txBody>
+                    <a:bodyPr/>
+                    <a:lstStyle/>
+                    <a:p>
+                      <a:pPr algn="ctr" fontAlgn="ctr"/>
+                      <a:r>
+                        <a:rPr lang="en-US" altLang="zh-CN" sz="1800" u="none" strike="noStrike">
+                          <a:effectLst/>
+                        </a:rPr>
+                        <a:t>1.1</a:t>
+                      </a:r>
+                      <a:endParaRPr lang="en-US" altLang="zh-CN" sz="1800" b="0" i="0" u="none" strike="noStrike">
+                        <a:solidFill>
+                          <a:srgbClr val="000000"/>
+                        </a:solidFill>
+                        <a:effectLst/>
+                        <a:latin typeface="等线" panose="02010600030101010101" pitchFamily="2" charset="-122"/>
+                        <a:ea typeface="等线" panose="02010600030101010101" pitchFamily="2" charset="-122"/>
+                      </a:endParaRPr>
+                    </a:p>
+                  </a:txBody>
+                  <a:tcPr marL="7620" marR="7620" marT="7620" marB="0" anchor="ctr"/>
+                </a:tc>
+                <a:extLst>
+                  <a:ext uri="{0D108BD9-81ED-4DB2-BD59-A6C34878D82A}">
+                    <a16:rowId xmlns:a16="http://schemas.microsoft.com/office/drawing/2014/main" val="3343883962"/>
+                  </a:ext>
+                </a:extLst>
+              </a:tr>
+            </a:tbl>
+          </a:graphicData>
+        </a:graphic>
+      </p:graphicFrame>
+      <p:graphicFrame>
+        <p:nvGraphicFramePr>
+          <p:cNvPr id="6" name="表格 5">
+            <a:extLst>
+              <a:ext uri="{FF2B5EF4-FFF2-40B4-BE49-F238E27FC236}">
+                <a16:creationId xmlns:a16="http://schemas.microsoft.com/office/drawing/2014/main" id="{13008A49-4579-41C2-B31A-84A35D9C974F}"/>
+              </a:ext>
+            </a:extLst>
+          </p:cNvPr>
+          <p:cNvGraphicFramePr>
+            <a:graphicFrameLocks noGrp="1"/>
+          </p:cNvGraphicFramePr>
+          <p:nvPr>
+            <p:extLst>
+              <p:ext uri="{D42A27DB-BD31-4B8C-83A1-F6EECF244321}">
+                <p14:modId xmlns:p14="http://schemas.microsoft.com/office/powerpoint/2010/main" val="465078431"/>
+              </p:ext>
+            </p:extLst>
+          </p:nvPr>
+        </p:nvGraphicFramePr>
+        <p:xfrm>
+          <a:off x="8541067" y="3584802"/>
+          <a:ext cx="3266806" cy="1409700"/>
+        </p:xfrm>
+        <a:graphic>
+          <a:graphicData uri="http://schemas.openxmlformats.org/drawingml/2006/table">
+            <a:tbl>
+              <a:tblPr>
+                <a:tableStyleId>{5C22544A-7EE6-4342-B048-85BDC9FD1C3A}</a:tableStyleId>
+              </a:tblPr>
+              <a:tblGrid>
+                <a:gridCol w="830015">
+                  <a:extLst>
+                    <a:ext uri="{9D8B030D-6E8A-4147-A177-3AD203B41FA5}">
+                      <a16:colId xmlns:a16="http://schemas.microsoft.com/office/drawing/2014/main" val="158711113"/>
+                    </a:ext>
+                  </a:extLst>
+                </a:gridCol>
+                <a:gridCol w="618490">
+                  <a:extLst>
+                    <a:ext uri="{9D8B030D-6E8A-4147-A177-3AD203B41FA5}">
+                      <a16:colId xmlns:a16="http://schemas.microsoft.com/office/drawing/2014/main" val="2099122983"/>
+                    </a:ext>
+                  </a:extLst>
+                </a:gridCol>
+                <a:gridCol w="618490">
+                  <a:extLst>
+                    <a:ext uri="{9D8B030D-6E8A-4147-A177-3AD203B41FA5}">
+                      <a16:colId xmlns:a16="http://schemas.microsoft.com/office/drawing/2014/main" val="1430684046"/>
+                    </a:ext>
+                  </a:extLst>
+                </a:gridCol>
+                <a:gridCol w="618490">
+                  <a:extLst>
+                    <a:ext uri="{9D8B030D-6E8A-4147-A177-3AD203B41FA5}">
+                      <a16:colId xmlns:a16="http://schemas.microsoft.com/office/drawing/2014/main" val="663354439"/>
+                    </a:ext>
+                  </a:extLst>
+                </a:gridCol>
+                <a:gridCol w="581321">
+                  <a:extLst>
+                    <a:ext uri="{9D8B030D-6E8A-4147-A177-3AD203B41FA5}">
+                      <a16:colId xmlns:a16="http://schemas.microsoft.com/office/drawing/2014/main" val="2575840826"/>
+                    </a:ext>
+                  </a:extLst>
+                </a:gridCol>
+              </a:tblGrid>
+              <a:tr h="149407">
+                <a:tc>
+                  <a:txBody>
+                    <a:bodyPr/>
+                    <a:lstStyle/>
+                    <a:p>
+                      <a:pPr algn="ctr" fontAlgn="ctr"/>
+                      <a:r>
+                        <a:rPr lang="zh-CN" altLang="en-US" sz="1800" u="none" strike="noStrike">
+                          <a:effectLst/>
+                        </a:rPr>
+                        <a:t>职业</a:t>
+                      </a:r>
+                      <a:endParaRPr lang="zh-CN" altLang="en-US" sz="1800" b="0" i="0" u="none" strike="noStrike">
+                        <a:solidFill>
+                          <a:srgbClr val="000000"/>
+                        </a:solidFill>
+                        <a:effectLst/>
+                        <a:latin typeface="等线" panose="02010600030101010101" pitchFamily="2" charset="-122"/>
+                        <a:ea typeface="等线" panose="02010600030101010101" pitchFamily="2" charset="-122"/>
+                      </a:endParaRPr>
+                    </a:p>
+                  </a:txBody>
+                  <a:tcPr marL="7620" marR="7620" marT="7620" marB="0" anchor="ctr"/>
+                </a:tc>
+                <a:tc>
+                  <a:txBody>
+                    <a:bodyPr/>
+                    <a:lstStyle/>
+                    <a:p>
+                      <a:pPr algn="ctr" fontAlgn="ctr"/>
+                      <a:r>
+                        <a:rPr lang="zh-CN" altLang="en-US" sz="1800" u="none" strike="noStrike">
+                          <a:effectLst/>
+                        </a:rPr>
+                        <a:t>力量</a:t>
+                      </a:r>
+                      <a:r>
+                        <a:rPr lang="en-US" altLang="zh-CN" sz="1800" u="none" strike="noStrike">
+                          <a:effectLst/>
+                        </a:rPr>
+                        <a:t>’</a:t>
+                      </a:r>
+                      <a:endParaRPr lang="zh-CN" altLang="en-US" sz="1800" b="0" i="0" u="none" strike="noStrike">
+                        <a:solidFill>
+                          <a:srgbClr val="000000"/>
+                        </a:solidFill>
+                        <a:effectLst/>
+                        <a:latin typeface="等线" panose="02010600030101010101" pitchFamily="2" charset="-122"/>
+                        <a:ea typeface="等线" panose="02010600030101010101" pitchFamily="2" charset="-122"/>
+                      </a:endParaRPr>
+                    </a:p>
+                  </a:txBody>
+                  <a:tcPr marL="7620" marR="7620" marT="7620" marB="0" anchor="ctr"/>
+                </a:tc>
+                <a:tc>
+                  <a:txBody>
+                    <a:bodyPr/>
+                    <a:lstStyle/>
+                    <a:p>
+                      <a:pPr algn="ctr" fontAlgn="ctr"/>
+                      <a:r>
+                        <a:rPr lang="zh-CN" altLang="en-US" sz="1800" u="none" strike="noStrike">
+                          <a:effectLst/>
+                        </a:rPr>
+                        <a:t>魔法</a:t>
+                      </a:r>
+                      <a:r>
+                        <a:rPr lang="en-US" altLang="zh-CN" sz="1800" u="none" strike="noStrike">
+                          <a:effectLst/>
+                        </a:rPr>
+                        <a:t>’</a:t>
+                      </a:r>
+                      <a:endParaRPr lang="zh-CN" altLang="en-US" sz="1800" b="0" i="0" u="none" strike="noStrike">
+                        <a:solidFill>
+                          <a:srgbClr val="000000"/>
+                        </a:solidFill>
+                        <a:effectLst/>
+                        <a:latin typeface="等线" panose="02010600030101010101" pitchFamily="2" charset="-122"/>
+                        <a:ea typeface="等线" panose="02010600030101010101" pitchFamily="2" charset="-122"/>
+                      </a:endParaRPr>
+                    </a:p>
+                  </a:txBody>
+                  <a:tcPr marL="7620" marR="7620" marT="7620" marB="0" anchor="ctr"/>
+                </a:tc>
+                <a:tc>
+                  <a:txBody>
+                    <a:bodyPr/>
+                    <a:lstStyle/>
+                    <a:p>
+                      <a:pPr algn="ctr" fontAlgn="ctr"/>
+                      <a:r>
+                        <a:rPr lang="zh-CN" altLang="en-US" sz="1800" u="none" strike="noStrike">
+                          <a:effectLst/>
+                        </a:rPr>
+                        <a:t>血槽</a:t>
+                      </a:r>
+                      <a:r>
+                        <a:rPr lang="en-US" altLang="zh-CN" sz="1800" u="none" strike="noStrike">
+                          <a:effectLst/>
+                        </a:rPr>
+                        <a:t>’</a:t>
+                      </a:r>
+                      <a:endParaRPr lang="zh-CN" altLang="en-US" sz="1800" b="0" i="0" u="none" strike="noStrike">
+                        <a:solidFill>
+                          <a:srgbClr val="000000"/>
+                        </a:solidFill>
+                        <a:effectLst/>
+                        <a:latin typeface="等线" panose="02010600030101010101" pitchFamily="2" charset="-122"/>
+                        <a:ea typeface="等线" panose="02010600030101010101" pitchFamily="2" charset="-122"/>
+                      </a:endParaRPr>
+                    </a:p>
+                  </a:txBody>
+                  <a:tcPr marL="7620" marR="7620" marT="7620" marB="0" anchor="ctr"/>
+                </a:tc>
+                <a:tc>
+                  <a:txBody>
+                    <a:bodyPr/>
+                    <a:lstStyle/>
+                    <a:p>
+                      <a:pPr algn="ctr" fontAlgn="ctr"/>
+                      <a:r>
+                        <a:rPr lang="zh-CN" altLang="en-US" sz="1800" u="none" strike="noStrike">
+                          <a:effectLst/>
+                        </a:rPr>
+                        <a:t>敏捷</a:t>
+                      </a:r>
+                      <a:r>
+                        <a:rPr lang="en-US" altLang="zh-CN" sz="1800" u="none" strike="noStrike">
+                          <a:effectLst/>
+                        </a:rPr>
+                        <a:t>’</a:t>
+                      </a:r>
+                      <a:endParaRPr lang="zh-CN" altLang="en-US" sz="1800" b="0" i="0" u="none" strike="noStrike">
+                        <a:solidFill>
+                          <a:srgbClr val="000000"/>
+                        </a:solidFill>
+                        <a:effectLst/>
+                        <a:latin typeface="等线" panose="02010600030101010101" pitchFamily="2" charset="-122"/>
+                        <a:ea typeface="等线" panose="02010600030101010101" pitchFamily="2" charset="-122"/>
+                      </a:endParaRPr>
+                    </a:p>
+                  </a:txBody>
+                  <a:tcPr marL="7620" marR="7620" marT="7620" marB="0" anchor="ctr"/>
+                </a:tc>
+                <a:extLst>
+                  <a:ext uri="{0D108BD9-81ED-4DB2-BD59-A6C34878D82A}">
+                    <a16:rowId xmlns:a16="http://schemas.microsoft.com/office/drawing/2014/main" val="3846965316"/>
+                  </a:ext>
+                </a:extLst>
+              </a:tr>
+              <a:tr h="149407">
+                <a:tc>
+                  <a:txBody>
+                    <a:bodyPr/>
+                    <a:lstStyle/>
+                    <a:p>
+                      <a:pPr algn="ctr" fontAlgn="ctr"/>
+                      <a:r>
+                        <a:rPr lang="zh-CN" altLang="en-US" sz="1800" u="none" strike="noStrike">
+                          <a:effectLst/>
+                        </a:rPr>
+                        <a:t>骑士</a:t>
+                      </a:r>
+                      <a:endParaRPr lang="zh-CN" altLang="en-US" sz="1800" b="0" i="0" u="none" strike="noStrike">
+                        <a:solidFill>
+                          <a:srgbClr val="000000"/>
+                        </a:solidFill>
+                        <a:effectLst/>
+                        <a:latin typeface="等线" panose="02010600030101010101" pitchFamily="2" charset="-122"/>
+                        <a:ea typeface="等线" panose="02010600030101010101" pitchFamily="2" charset="-122"/>
+                      </a:endParaRPr>
+                    </a:p>
+                  </a:txBody>
+                  <a:tcPr marL="7620" marR="7620" marT="7620" marB="0" anchor="ctr"/>
+                </a:tc>
+                <a:tc>
+                  <a:txBody>
+                    <a:bodyPr/>
+                    <a:lstStyle/>
+                    <a:p>
+                      <a:pPr algn="ctr" fontAlgn="ctr"/>
+                      <a:r>
+                        <a:rPr lang="en-US" altLang="zh-CN" sz="1800" u="none" strike="noStrike">
+                          <a:effectLst/>
+                        </a:rPr>
+                        <a:t>99</a:t>
+                      </a:r>
+                      <a:endParaRPr lang="en-US" altLang="zh-CN" sz="1800" b="0" i="0" u="none" strike="noStrike">
+                        <a:solidFill>
+                          <a:srgbClr val="000000"/>
+                        </a:solidFill>
+                        <a:effectLst/>
+                        <a:latin typeface="等线" panose="02010600030101010101" pitchFamily="2" charset="-122"/>
+                        <a:ea typeface="等线" panose="02010600030101010101" pitchFamily="2" charset="-122"/>
+                      </a:endParaRPr>
+                    </a:p>
+                  </a:txBody>
+                  <a:tcPr marL="7620" marR="7620" marT="7620" marB="0" anchor="ctr"/>
+                </a:tc>
+                <a:tc>
+                  <a:txBody>
+                    <a:bodyPr/>
+                    <a:lstStyle/>
+                    <a:p>
+                      <a:pPr algn="ctr" fontAlgn="ctr"/>
+                      <a:r>
+                        <a:rPr lang="en-US" altLang="zh-CN" sz="1800" u="none" strike="noStrike">
+                          <a:effectLst/>
+                        </a:rPr>
+                        <a:t>33</a:t>
+                      </a:r>
+                      <a:endParaRPr lang="en-US" altLang="zh-CN" sz="1800" b="0" i="0" u="none" strike="noStrike">
+                        <a:solidFill>
+                          <a:srgbClr val="000000"/>
+                        </a:solidFill>
+                        <a:effectLst/>
+                        <a:latin typeface="等线" panose="02010600030101010101" pitchFamily="2" charset="-122"/>
+                        <a:ea typeface="等线" panose="02010600030101010101" pitchFamily="2" charset="-122"/>
+                      </a:endParaRPr>
+                    </a:p>
+                  </a:txBody>
+                  <a:tcPr marL="7620" marR="7620" marT="7620" marB="0" anchor="ctr"/>
+                </a:tc>
+                <a:tc>
+                  <a:txBody>
+                    <a:bodyPr/>
+                    <a:lstStyle/>
+                    <a:p>
+                      <a:pPr algn="ctr" fontAlgn="ctr"/>
+                      <a:r>
+                        <a:rPr lang="en-US" altLang="zh-CN" sz="1800" u="none" strike="noStrike">
+                          <a:effectLst/>
+                        </a:rPr>
+                        <a:t>110</a:t>
+                      </a:r>
+                      <a:endParaRPr lang="en-US" altLang="zh-CN" sz="1800" b="0" i="0" u="none" strike="noStrike">
+                        <a:solidFill>
+                          <a:srgbClr val="000000"/>
+                        </a:solidFill>
+                        <a:effectLst/>
+                        <a:latin typeface="等线" panose="02010600030101010101" pitchFamily="2" charset="-122"/>
+                        <a:ea typeface="等线" panose="02010600030101010101" pitchFamily="2" charset="-122"/>
+                      </a:endParaRPr>
+                    </a:p>
+                  </a:txBody>
+                  <a:tcPr marL="7620" marR="7620" marT="7620" marB="0" anchor="ctr"/>
+                </a:tc>
+                <a:tc>
+                  <a:txBody>
+                    <a:bodyPr/>
+                    <a:lstStyle/>
+                    <a:p>
+                      <a:pPr algn="ctr" fontAlgn="ctr"/>
+                      <a:r>
+                        <a:rPr lang="en-US" altLang="zh-CN" sz="1800" u="none" strike="noStrike">
+                          <a:effectLst/>
+                        </a:rPr>
+                        <a:t>66</a:t>
+                      </a:r>
+                      <a:endParaRPr lang="en-US" altLang="zh-CN" sz="1800" b="0" i="0" u="none" strike="noStrike">
+                        <a:solidFill>
+                          <a:srgbClr val="000000"/>
+                        </a:solidFill>
+                        <a:effectLst/>
+                        <a:latin typeface="等线" panose="02010600030101010101" pitchFamily="2" charset="-122"/>
+                        <a:ea typeface="等线" panose="02010600030101010101" pitchFamily="2" charset="-122"/>
+                      </a:endParaRPr>
+                    </a:p>
+                  </a:txBody>
+                  <a:tcPr marL="7620" marR="7620" marT="7620" marB="0" anchor="ctr"/>
+                </a:tc>
+                <a:extLst>
+                  <a:ext uri="{0D108BD9-81ED-4DB2-BD59-A6C34878D82A}">
+                    <a16:rowId xmlns:a16="http://schemas.microsoft.com/office/drawing/2014/main" val="2206210615"/>
+                  </a:ext>
+                </a:extLst>
+              </a:tr>
+              <a:tr h="194531">
+                <a:tc>
+                  <a:txBody>
+                    <a:bodyPr/>
+                    <a:lstStyle/>
+                    <a:p>
+                      <a:pPr algn="ctr" fontAlgn="ctr"/>
+                      <a:r>
+                        <a:rPr lang="zh-CN" altLang="en-US" sz="1800" u="none" strike="noStrike">
+                          <a:effectLst/>
+                        </a:rPr>
+                        <a:t>魔法师</a:t>
+                      </a:r>
+                      <a:endParaRPr lang="zh-CN" altLang="en-US" sz="1800" b="0" i="0" u="none" strike="noStrike">
+                        <a:solidFill>
+                          <a:srgbClr val="000000"/>
+                        </a:solidFill>
+                        <a:effectLst/>
+                        <a:latin typeface="等线" panose="02010600030101010101" pitchFamily="2" charset="-122"/>
+                        <a:ea typeface="等线" panose="02010600030101010101" pitchFamily="2" charset="-122"/>
+                      </a:endParaRPr>
+                    </a:p>
+                  </a:txBody>
+                  <a:tcPr marL="7620" marR="7620" marT="7620" marB="0" anchor="ctr"/>
+                </a:tc>
+                <a:tc>
+                  <a:txBody>
+                    <a:bodyPr/>
+                    <a:lstStyle/>
+                    <a:p>
+                      <a:pPr algn="ctr" fontAlgn="ctr"/>
+                      <a:r>
+                        <a:rPr lang="en-US" altLang="zh-CN" sz="1800" u="none" strike="noStrike">
+                          <a:effectLst/>
+                        </a:rPr>
+                        <a:t>33</a:t>
+                      </a:r>
+                      <a:endParaRPr lang="en-US" altLang="zh-CN" sz="1800" b="0" i="0" u="none" strike="noStrike">
+                        <a:solidFill>
+                          <a:srgbClr val="000000"/>
+                        </a:solidFill>
+                        <a:effectLst/>
+                        <a:latin typeface="等线" panose="02010600030101010101" pitchFamily="2" charset="-122"/>
+                        <a:ea typeface="等线" panose="02010600030101010101" pitchFamily="2" charset="-122"/>
+                      </a:endParaRPr>
+                    </a:p>
+                  </a:txBody>
+                  <a:tcPr marL="7620" marR="7620" marT="7620" marB="0" anchor="ctr"/>
+                </a:tc>
+                <a:tc>
+                  <a:txBody>
+                    <a:bodyPr/>
+                    <a:lstStyle/>
+                    <a:p>
+                      <a:pPr algn="ctr" fontAlgn="ctr"/>
+                      <a:r>
+                        <a:rPr lang="en-US" altLang="zh-CN" sz="1800" u="none" strike="noStrike">
+                          <a:effectLst/>
+                          <a:highlight>
+                            <a:srgbClr val="FFFF00"/>
+                          </a:highlight>
+                        </a:rPr>
+                        <a:t>110</a:t>
+                      </a:r>
+                      <a:endParaRPr lang="en-US" altLang="zh-CN" sz="1800" b="0" i="0" u="none" strike="noStrike">
+                        <a:solidFill>
+                          <a:srgbClr val="000000"/>
+                        </a:solidFill>
+                        <a:effectLst/>
+                        <a:highlight>
+                          <a:srgbClr val="FFFF00"/>
+                        </a:highlight>
+                        <a:latin typeface="等线" panose="02010600030101010101" pitchFamily="2" charset="-122"/>
+                        <a:ea typeface="等线" panose="02010600030101010101" pitchFamily="2" charset="-122"/>
+                      </a:endParaRPr>
+                    </a:p>
+                  </a:txBody>
+                  <a:tcPr marL="7620" marR="7620" marT="7620" marB="0" anchor="ctr"/>
+                </a:tc>
+                <a:tc>
+                  <a:txBody>
+                    <a:bodyPr/>
+                    <a:lstStyle/>
+                    <a:p>
+                      <a:pPr algn="ctr" fontAlgn="ctr"/>
+                      <a:r>
+                        <a:rPr lang="en-US" altLang="zh-CN" sz="1800" u="none" strike="noStrike">
+                          <a:effectLst/>
+                        </a:rPr>
+                        <a:t>33</a:t>
+                      </a:r>
+                      <a:endParaRPr lang="en-US" altLang="zh-CN" sz="1800" b="0" i="0" u="none" strike="noStrike">
+                        <a:solidFill>
+                          <a:srgbClr val="000000"/>
+                        </a:solidFill>
+                        <a:effectLst/>
+                        <a:latin typeface="等线" panose="02010600030101010101" pitchFamily="2" charset="-122"/>
+                        <a:ea typeface="等线" panose="02010600030101010101" pitchFamily="2" charset="-122"/>
+                      </a:endParaRPr>
+                    </a:p>
+                  </a:txBody>
+                  <a:tcPr marL="7620" marR="7620" marT="7620" marB="0" anchor="ctr"/>
+                </a:tc>
+                <a:tc>
+                  <a:txBody>
+                    <a:bodyPr/>
+                    <a:lstStyle/>
+                    <a:p>
+                      <a:pPr algn="ctr" fontAlgn="ctr"/>
+                      <a:r>
+                        <a:rPr lang="en-US" altLang="zh-CN" sz="1800" u="none" strike="noStrike">
+                          <a:effectLst/>
+                        </a:rPr>
+                        <a:t>88</a:t>
+                      </a:r>
+                      <a:endParaRPr lang="en-US" altLang="zh-CN" sz="1800" b="0" i="0" u="none" strike="noStrike">
+                        <a:solidFill>
+                          <a:srgbClr val="000000"/>
+                        </a:solidFill>
+                        <a:effectLst/>
+                        <a:latin typeface="等线" panose="02010600030101010101" pitchFamily="2" charset="-122"/>
+                        <a:ea typeface="等线" panose="02010600030101010101" pitchFamily="2" charset="-122"/>
+                      </a:endParaRPr>
+                    </a:p>
+                  </a:txBody>
+                  <a:tcPr marL="7620" marR="7620" marT="7620" marB="0" anchor="ctr"/>
+                </a:tc>
+                <a:extLst>
+                  <a:ext uri="{0D108BD9-81ED-4DB2-BD59-A6C34878D82A}">
+                    <a16:rowId xmlns:a16="http://schemas.microsoft.com/office/drawing/2014/main" val="4088318347"/>
+                  </a:ext>
+                </a:extLst>
+              </a:tr>
+              <a:tr h="149407">
+                <a:tc>
+                  <a:txBody>
+                    <a:bodyPr/>
+                    <a:lstStyle/>
+                    <a:p>
+                      <a:pPr algn="ctr" fontAlgn="ctr"/>
+                      <a:r>
+                        <a:rPr lang="zh-CN" altLang="en-US" sz="1800" u="none" strike="noStrike">
+                          <a:effectLst/>
+                        </a:rPr>
+                        <a:t>剑士</a:t>
+                      </a:r>
+                      <a:endParaRPr lang="zh-CN" altLang="en-US" sz="1800" b="0" i="0" u="none" strike="noStrike">
+                        <a:solidFill>
+                          <a:srgbClr val="000000"/>
+                        </a:solidFill>
+                        <a:effectLst/>
+                        <a:latin typeface="等线" panose="02010600030101010101" pitchFamily="2" charset="-122"/>
+                        <a:ea typeface="等线" panose="02010600030101010101" pitchFamily="2" charset="-122"/>
+                      </a:endParaRPr>
+                    </a:p>
+                  </a:txBody>
+                  <a:tcPr marL="7620" marR="7620" marT="7620" marB="0" anchor="ctr"/>
+                </a:tc>
+                <a:tc>
+                  <a:txBody>
+                    <a:bodyPr/>
+                    <a:lstStyle/>
+                    <a:p>
+                      <a:pPr algn="ctr" fontAlgn="ctr"/>
+                      <a:r>
+                        <a:rPr lang="en-US" altLang="zh-CN" sz="1800" u="none" strike="noStrike">
+                          <a:effectLst/>
+                        </a:rPr>
+                        <a:t>110</a:t>
+                      </a:r>
+                      <a:endParaRPr lang="en-US" altLang="zh-CN" sz="1800" b="0" i="0" u="none" strike="noStrike">
+                        <a:solidFill>
+                          <a:srgbClr val="000000"/>
+                        </a:solidFill>
+                        <a:effectLst/>
+                        <a:latin typeface="等线" panose="02010600030101010101" pitchFamily="2" charset="-122"/>
+                        <a:ea typeface="等线" panose="02010600030101010101" pitchFamily="2" charset="-122"/>
+                      </a:endParaRPr>
+                    </a:p>
+                  </a:txBody>
+                  <a:tcPr marL="7620" marR="7620" marT="7620" marB="0" anchor="ctr"/>
+                </a:tc>
+                <a:tc>
+                  <a:txBody>
+                    <a:bodyPr/>
+                    <a:lstStyle/>
+                    <a:p>
+                      <a:pPr algn="ctr" fontAlgn="ctr"/>
+                      <a:r>
+                        <a:rPr lang="en-US" altLang="zh-CN" sz="1800" u="none" strike="noStrike">
+                          <a:effectLst/>
+                        </a:rPr>
+                        <a:t>33</a:t>
+                      </a:r>
+                      <a:endParaRPr lang="en-US" altLang="zh-CN" sz="1800" b="0" i="0" u="none" strike="noStrike">
+                        <a:solidFill>
+                          <a:srgbClr val="000000"/>
+                        </a:solidFill>
+                        <a:effectLst/>
+                        <a:latin typeface="等线" panose="02010600030101010101" pitchFamily="2" charset="-122"/>
+                        <a:ea typeface="等线" panose="02010600030101010101" pitchFamily="2" charset="-122"/>
+                      </a:endParaRPr>
+                    </a:p>
+                  </a:txBody>
+                  <a:tcPr marL="7620" marR="7620" marT="7620" marB="0" anchor="ctr"/>
+                </a:tc>
+                <a:tc>
+                  <a:txBody>
+                    <a:bodyPr/>
+                    <a:lstStyle/>
+                    <a:p>
+                      <a:pPr algn="ctr" fontAlgn="ctr"/>
+                      <a:r>
+                        <a:rPr lang="en-US" altLang="zh-CN" sz="1800" u="none" strike="noStrike">
+                          <a:effectLst/>
+                        </a:rPr>
+                        <a:t>99</a:t>
+                      </a:r>
+                      <a:endParaRPr lang="en-US" altLang="zh-CN" sz="1800" b="0" i="0" u="none" strike="noStrike">
+                        <a:solidFill>
+                          <a:srgbClr val="000000"/>
+                        </a:solidFill>
+                        <a:effectLst/>
+                        <a:latin typeface="等线" panose="02010600030101010101" pitchFamily="2" charset="-122"/>
+                        <a:ea typeface="等线" panose="02010600030101010101" pitchFamily="2" charset="-122"/>
+                      </a:endParaRPr>
+                    </a:p>
+                  </a:txBody>
+                  <a:tcPr marL="7620" marR="7620" marT="7620" marB="0" anchor="ctr"/>
+                </a:tc>
+                <a:tc>
+                  <a:txBody>
+                    <a:bodyPr/>
+                    <a:lstStyle/>
+                    <a:p>
+                      <a:pPr algn="ctr" fontAlgn="ctr"/>
+                      <a:r>
+                        <a:rPr lang="en-US" altLang="zh-CN" sz="1800" u="none" strike="noStrike">
+                          <a:effectLst/>
+                        </a:rPr>
+                        <a:t>99</a:t>
+                      </a:r>
+                      <a:endParaRPr lang="en-US" altLang="zh-CN" sz="1800" b="0" i="0" u="none" strike="noStrike">
+                        <a:solidFill>
+                          <a:srgbClr val="000000"/>
+                        </a:solidFill>
+                        <a:effectLst/>
+                        <a:latin typeface="等线" panose="02010600030101010101" pitchFamily="2" charset="-122"/>
+                        <a:ea typeface="等线" panose="02010600030101010101" pitchFamily="2" charset="-122"/>
+                      </a:endParaRPr>
+                    </a:p>
+                  </a:txBody>
+                  <a:tcPr marL="7620" marR="7620" marT="7620" marB="0" anchor="ctr"/>
+                </a:tc>
+                <a:extLst>
+                  <a:ext uri="{0D108BD9-81ED-4DB2-BD59-A6C34878D82A}">
+                    <a16:rowId xmlns:a16="http://schemas.microsoft.com/office/drawing/2014/main" val="811957570"/>
+                  </a:ext>
+                </a:extLst>
+              </a:tr>
+              <a:tr h="194531">
+                <a:tc>
+                  <a:txBody>
+                    <a:bodyPr/>
+                    <a:lstStyle/>
+                    <a:p>
+                      <a:pPr algn="ctr" fontAlgn="ctr"/>
+                      <a:r>
+                        <a:rPr lang="zh-CN" altLang="en-US" sz="1800" u="none" strike="noStrike">
+                          <a:effectLst/>
+                        </a:rPr>
+                        <a:t>弓箭手</a:t>
+                      </a:r>
+                      <a:endParaRPr lang="zh-CN" altLang="en-US" sz="1800" b="0" i="0" u="none" strike="noStrike">
+                        <a:solidFill>
+                          <a:srgbClr val="000000"/>
+                        </a:solidFill>
+                        <a:effectLst/>
+                        <a:latin typeface="等线" panose="02010600030101010101" pitchFamily="2" charset="-122"/>
+                        <a:ea typeface="等线" panose="02010600030101010101" pitchFamily="2" charset="-122"/>
+                      </a:endParaRPr>
+                    </a:p>
+                  </a:txBody>
+                  <a:tcPr marL="7620" marR="7620" marT="7620" marB="0" anchor="ctr"/>
+                </a:tc>
+                <a:tc>
+                  <a:txBody>
+                    <a:bodyPr/>
+                    <a:lstStyle/>
+                    <a:p>
+                      <a:pPr algn="ctr" fontAlgn="ctr"/>
+                      <a:r>
+                        <a:rPr lang="en-US" altLang="zh-CN" sz="1800" u="none" strike="noStrike">
+                          <a:effectLst/>
+                        </a:rPr>
+                        <a:t>88</a:t>
+                      </a:r>
+                      <a:endParaRPr lang="en-US" altLang="zh-CN" sz="1800" b="0" i="0" u="none" strike="noStrike">
+                        <a:solidFill>
+                          <a:srgbClr val="000000"/>
+                        </a:solidFill>
+                        <a:effectLst/>
+                        <a:latin typeface="等线" panose="02010600030101010101" pitchFamily="2" charset="-122"/>
+                        <a:ea typeface="等线" panose="02010600030101010101" pitchFamily="2" charset="-122"/>
+                      </a:endParaRPr>
+                    </a:p>
+                  </a:txBody>
+                  <a:tcPr marL="7620" marR="7620" marT="7620" marB="0" anchor="ctr"/>
+                </a:tc>
+                <a:tc>
+                  <a:txBody>
+                    <a:bodyPr/>
+                    <a:lstStyle/>
+                    <a:p>
+                      <a:pPr algn="ctr" fontAlgn="ctr"/>
+                      <a:r>
+                        <a:rPr lang="en-US" altLang="zh-CN" sz="1800" u="none" strike="noStrike">
+                          <a:effectLst/>
+                        </a:rPr>
+                        <a:t>44</a:t>
+                      </a:r>
+                      <a:endParaRPr lang="en-US" altLang="zh-CN" sz="1800" b="0" i="0" u="none" strike="noStrike">
+                        <a:solidFill>
+                          <a:srgbClr val="000000"/>
+                        </a:solidFill>
+                        <a:effectLst/>
+                        <a:latin typeface="等线" panose="02010600030101010101" pitchFamily="2" charset="-122"/>
+                        <a:ea typeface="等线" panose="02010600030101010101" pitchFamily="2" charset="-122"/>
+                      </a:endParaRPr>
+                    </a:p>
+                  </a:txBody>
+                  <a:tcPr marL="7620" marR="7620" marT="7620" marB="0" anchor="ctr"/>
+                </a:tc>
+                <a:tc>
+                  <a:txBody>
+                    <a:bodyPr/>
+                    <a:lstStyle/>
+                    <a:p>
+                      <a:pPr algn="ctr" fontAlgn="ctr"/>
+                      <a:r>
+                        <a:rPr lang="en-US" altLang="zh-CN" sz="1800" u="none" strike="noStrike">
+                          <a:effectLst/>
+                        </a:rPr>
+                        <a:t>66</a:t>
+                      </a:r>
+                      <a:endParaRPr lang="en-US" altLang="zh-CN" sz="1800" b="0" i="0" u="none" strike="noStrike">
+                        <a:solidFill>
+                          <a:srgbClr val="000000"/>
+                        </a:solidFill>
+                        <a:effectLst/>
+                        <a:latin typeface="等线" panose="02010600030101010101" pitchFamily="2" charset="-122"/>
+                        <a:ea typeface="等线" panose="02010600030101010101" pitchFamily="2" charset="-122"/>
+                      </a:endParaRPr>
+                    </a:p>
+                  </a:txBody>
+                  <a:tcPr marL="7620" marR="7620" marT="7620" marB="0" anchor="ctr"/>
+                </a:tc>
+                <a:tc>
+                  <a:txBody>
+                    <a:bodyPr/>
+                    <a:lstStyle/>
+                    <a:p>
+                      <a:pPr algn="ctr" fontAlgn="ctr"/>
+                      <a:r>
+                        <a:rPr lang="en-US" altLang="zh-CN" sz="1800" u="none" strike="noStrike">
+                          <a:effectLst/>
+                        </a:rPr>
+                        <a:t>110</a:t>
+                      </a:r>
+                      <a:endParaRPr lang="en-US" altLang="zh-CN" sz="1800" b="0" i="0" u="none" strike="noStrike">
+                        <a:solidFill>
+                          <a:srgbClr val="000000"/>
+                        </a:solidFill>
+                        <a:effectLst/>
+                        <a:latin typeface="等线" panose="02010600030101010101" pitchFamily="2" charset="-122"/>
+                        <a:ea typeface="等线" panose="02010600030101010101" pitchFamily="2" charset="-122"/>
+                      </a:endParaRPr>
+                    </a:p>
+                  </a:txBody>
+                  <a:tcPr marL="7620" marR="7620" marT="7620" marB="0" anchor="ctr"/>
+                </a:tc>
+                <a:extLst>
+                  <a:ext uri="{0D108BD9-81ED-4DB2-BD59-A6C34878D82A}">
+                    <a16:rowId xmlns:a16="http://schemas.microsoft.com/office/drawing/2014/main" val="1102342801"/>
+                  </a:ext>
+                </a:extLst>
+              </a:tr>
+            </a:tbl>
+          </a:graphicData>
+        </a:graphic>
+      </p:graphicFrame>
+      <p:sp>
+        <p:nvSpPr>
+          <p:cNvPr id="7" name="乘号 6">
+            <a:extLst>
+              <a:ext uri="{FF2B5EF4-FFF2-40B4-BE49-F238E27FC236}">
+                <a16:creationId xmlns:a16="http://schemas.microsoft.com/office/drawing/2014/main" id="{C598F437-49C0-4DAE-9E57-1F1098BEFDD1}"/>
+              </a:ext>
+            </a:extLst>
+          </p:cNvPr>
+          <p:cNvSpPr/>
+          <p:nvPr/>
+        </p:nvSpPr>
+        <p:spPr>
+          <a:xfrm>
+            <a:off x="3523714" y="3959753"/>
+            <a:ext cx="499648" cy="691764"/>
+          </a:xfrm>
+          <a:prstGeom prst="mathMultiply">
+            <a:avLst/>
+          </a:prstGeom>
+        </p:spPr>
+        <p:style>
+          <a:lnRef idx="2">
+            <a:schemeClr val="accent1">
+              <a:shade val="50000"/>
+            </a:schemeClr>
+          </a:lnRef>
+          <a:fillRef idx="1">
+            <a:schemeClr val="accent1"/>
+          </a:fillRef>
+          <a:effectRef idx="0">
+            <a:schemeClr val="accent1"/>
+          </a:effectRef>
+          <a:fontRef idx="minor">
+            <a:schemeClr val="lt1"/>
+          </a:fontRef>
+        </p:style>
+        <p:txBody>
+          <a:bodyPr rtlCol="0" anchor="ctr"/>
+          <a:lstStyle/>
+          <a:p>
+            <a:pPr algn="ctr"/>
+            <a:endParaRPr lang="zh-CN" altLang="en-US"/>
+          </a:p>
+        </p:txBody>
+      </p:sp>
+      <p:sp>
+        <p:nvSpPr>
+          <p:cNvPr id="8" name="等号 7">
+            <a:extLst>
+              <a:ext uri="{FF2B5EF4-FFF2-40B4-BE49-F238E27FC236}">
+                <a16:creationId xmlns:a16="http://schemas.microsoft.com/office/drawing/2014/main" id="{834B7F6A-6B92-412C-BE4B-C38C72B6ABEA}"/>
+              </a:ext>
+            </a:extLst>
+          </p:cNvPr>
+          <p:cNvSpPr/>
+          <p:nvPr/>
+        </p:nvSpPr>
+        <p:spPr>
+          <a:xfrm>
+            <a:off x="7958728" y="4110828"/>
+            <a:ext cx="526269" cy="381663"/>
+          </a:xfrm>
+          <a:prstGeom prst="mathEqual">
+            <a:avLst/>
+          </a:prstGeom>
+        </p:spPr>
+        <p:style>
+          <a:lnRef idx="2">
+            <a:schemeClr val="accent1">
+              <a:shade val="50000"/>
+            </a:schemeClr>
+          </a:lnRef>
+          <a:fillRef idx="1">
+            <a:schemeClr val="accent1"/>
+          </a:fillRef>
+          <a:effectRef idx="0">
+            <a:schemeClr val="accent1"/>
+          </a:effectRef>
+          <a:fontRef idx="minor">
+            <a:schemeClr val="lt1"/>
+          </a:fontRef>
+        </p:style>
+        <p:txBody>
+          <a:bodyPr rtlCol="0" anchor="ctr"/>
+          <a:lstStyle/>
+          <a:p>
+            <a:pPr algn="ctr"/>
+            <a:endParaRPr lang="zh-CN" altLang="en-US">
+              <a:solidFill>
+                <a:schemeClr val="tx1"/>
+              </a:solidFill>
+            </a:endParaRPr>
+          </a:p>
+        </p:txBody>
+      </p:sp>
+      <p:sp>
+        <p:nvSpPr>
+          <p:cNvPr id="12" name="文本框 11">
+            <a:extLst>
+              <a:ext uri="{FF2B5EF4-FFF2-40B4-BE49-F238E27FC236}">
+                <a16:creationId xmlns:a16="http://schemas.microsoft.com/office/drawing/2014/main" id="{54CF2430-E2AA-4BAE-914C-D8F526FE22D0}"/>
+              </a:ext>
+            </a:extLst>
+          </p:cNvPr>
+          <p:cNvSpPr txBox="1"/>
+          <p:nvPr/>
+        </p:nvSpPr>
+        <p:spPr>
+          <a:xfrm>
+            <a:off x="3943848" y="5057036"/>
+            <a:ext cx="906448" cy="523220"/>
+          </a:xfrm>
+          <a:prstGeom prst="rect">
+            <a:avLst/>
+          </a:prstGeom>
+          <a:noFill/>
+        </p:spPr>
+        <p:txBody>
+          <a:bodyPr wrap="square" rtlCol="0">
+            <a:spAutoFit/>
+          </a:bodyPr>
+          <a:lstStyle/>
+          <a:p>
+            <a:r>
+              <a:rPr lang="zh-CN" altLang="en-US" sz="2800">
+                <a:solidFill>
+                  <a:srgbClr val="C00000"/>
+                </a:solidFill>
+              </a:rPr>
+              <a:t>输入</a:t>
+            </a:r>
+          </a:p>
+        </p:txBody>
+      </p:sp>
+      <p:sp>
+        <p:nvSpPr>
+          <p:cNvPr id="13" name="文本框 12">
+            <a:extLst>
+              <a:ext uri="{FF2B5EF4-FFF2-40B4-BE49-F238E27FC236}">
+                <a16:creationId xmlns:a16="http://schemas.microsoft.com/office/drawing/2014/main" id="{BAAE851D-AF16-4CCE-BFFC-460B91C3AB12}"/>
+              </a:ext>
+            </a:extLst>
+          </p:cNvPr>
+          <p:cNvSpPr txBox="1"/>
+          <p:nvPr/>
+        </p:nvSpPr>
+        <p:spPr>
+          <a:xfrm>
+            <a:off x="5328701" y="3082695"/>
+            <a:ext cx="905122" cy="523220"/>
+          </a:xfrm>
+          <a:prstGeom prst="rect">
+            <a:avLst/>
+          </a:prstGeom>
+          <a:noFill/>
+        </p:spPr>
+        <p:txBody>
+          <a:bodyPr wrap="square" rtlCol="0">
+            <a:spAutoFit/>
+          </a:bodyPr>
+          <a:lstStyle/>
+          <a:p>
+            <a:r>
+              <a:rPr lang="zh-CN" altLang="en-US" sz="2800">
+                <a:solidFill>
+                  <a:srgbClr val="C00000"/>
+                </a:solidFill>
+              </a:rPr>
+              <a:t>输出</a:t>
+            </a:r>
+          </a:p>
+        </p:txBody>
+      </p:sp>
+      <p:sp>
+        <p:nvSpPr>
+          <p:cNvPr id="14" name="文本框 13">
+            <a:extLst>
+              <a:ext uri="{FF2B5EF4-FFF2-40B4-BE49-F238E27FC236}">
+                <a16:creationId xmlns:a16="http://schemas.microsoft.com/office/drawing/2014/main" id="{9E33CC5A-D640-4F00-AFEA-731BE83DBE75}"/>
+              </a:ext>
+            </a:extLst>
+          </p:cNvPr>
+          <p:cNvSpPr txBox="1"/>
+          <p:nvPr/>
+        </p:nvSpPr>
+        <p:spPr>
+          <a:xfrm>
+            <a:off x="2782956" y="5535302"/>
+            <a:ext cx="6567778" cy="1200329"/>
+          </a:xfrm>
+          <a:prstGeom prst="rect">
+            <a:avLst/>
+          </a:prstGeom>
+          <a:noFill/>
+        </p:spPr>
+        <p:txBody>
+          <a:bodyPr wrap="square" rtlCol="0">
+            <a:spAutoFit/>
+          </a:bodyPr>
+          <a:lstStyle/>
+          <a:p>
+            <a:r>
+              <a:rPr lang="zh-CN" altLang="en-US" sz="2400">
+                <a:solidFill>
+                  <a:srgbClr val="FF0000"/>
+                </a:solidFill>
+              </a:rPr>
+              <a:t>矩阵是一种特殊的函数，行是输入，列是输出。</a:t>
+            </a:r>
+            <a:endParaRPr lang="en-US" altLang="zh-CN" sz="2400">
+              <a:solidFill>
+                <a:srgbClr val="FF0000"/>
+              </a:solidFill>
+            </a:endParaRPr>
+          </a:p>
+          <a:p>
+            <a:r>
+              <a:rPr lang="zh-CN" altLang="en-US" sz="2400">
+                <a:solidFill>
+                  <a:srgbClr val="FF0000"/>
+                </a:solidFill>
+              </a:rPr>
+              <a:t>矩阵作为函数，把输入转化为输出。</a:t>
+            </a:r>
+            <a:endParaRPr lang="en-US" altLang="zh-CN" sz="2400">
+              <a:solidFill>
+                <a:srgbClr val="FF0000"/>
+              </a:solidFill>
+            </a:endParaRPr>
+          </a:p>
+          <a:p>
+            <a:r>
+              <a:rPr lang="zh-CN" altLang="en-US" sz="2400">
+                <a:solidFill>
+                  <a:srgbClr val="FF0000"/>
+                </a:solidFill>
+              </a:rPr>
+              <a:t>矩阵相乘其实是线性的函数嵌套。</a:t>
+            </a:r>
+          </a:p>
+        </p:txBody>
+      </p:sp>
+    </p:spTree>
+    <p:extLst>
+      <p:ext uri="{BB962C8B-B14F-4D97-AF65-F5344CB8AC3E}">
+        <p14:creationId xmlns:p14="http://schemas.microsoft.com/office/powerpoint/2010/main" val="1662723134"/>
+      </p:ext>
+    </p:extLst>
+  </p:cSld>
+  <p:clrMapOvr>
+    <a:masterClrMapping/>
+  </p:clrMapOvr>
+</p:sld>
+</file>
+
+<file path=ppt/slides/slide9.xml><?xml version="1.0" encoding="utf-8"?>
 <p:sld xmlns:a="http://schemas.openxmlformats.org/drawingml/2006/main" xmlns:r="http://schemas.openxmlformats.org/officeDocument/2006/relationships" xmlns:p="http://schemas.openxmlformats.org/presentationml/2006/main">
   <p:cSld>
     <p:spTree>

--- a/1_linear_algebra.pptx
+++ b/1_linear_algebra.pptx
@@ -6,32 +6,41 @@
   </p:sldMasterIdLst>
   <p:sldIdLst>
     <p:sldId id="256" r:id="rId2"/>
-    <p:sldId id="257" r:id="rId3"/>
-    <p:sldId id="260" r:id="rId4"/>
-    <p:sldId id="261" r:id="rId5"/>
+    <p:sldId id="260" r:id="rId3"/>
+    <p:sldId id="261" r:id="rId4"/>
+    <p:sldId id="284" r:id="rId5"/>
     <p:sldId id="263" r:id="rId6"/>
-    <p:sldId id="262" r:id="rId7"/>
-    <p:sldId id="265" r:id="rId8"/>
-    <p:sldId id="264" r:id="rId9"/>
-    <p:sldId id="259" r:id="rId10"/>
-    <p:sldId id="266" r:id="rId11"/>
-    <p:sldId id="267" r:id="rId12"/>
-    <p:sldId id="268" r:id="rId13"/>
-    <p:sldId id="270" r:id="rId14"/>
-    <p:sldId id="269" r:id="rId15"/>
-    <p:sldId id="271" r:id="rId16"/>
-    <p:sldId id="272" r:id="rId17"/>
-    <p:sldId id="273" r:id="rId18"/>
-    <p:sldId id="278" r:id="rId19"/>
-    <p:sldId id="274" r:id="rId20"/>
-    <p:sldId id="275" r:id="rId21"/>
-    <p:sldId id="276" r:id="rId22"/>
-    <p:sldId id="277" r:id="rId23"/>
-    <p:sldId id="279" r:id="rId24"/>
-    <p:sldId id="280" r:id="rId25"/>
-    <p:sldId id="281" r:id="rId26"/>
-    <p:sldId id="282" r:id="rId27"/>
-    <p:sldId id="283" r:id="rId28"/>
+    <p:sldId id="265" r:id="rId7"/>
+    <p:sldId id="264" r:id="rId8"/>
+    <p:sldId id="285" r:id="rId9"/>
+    <p:sldId id="270" r:id="rId10"/>
+    <p:sldId id="286" r:id="rId11"/>
+    <p:sldId id="262" r:id="rId12"/>
+    <p:sldId id="257" r:id="rId13"/>
+    <p:sldId id="259" r:id="rId14"/>
+    <p:sldId id="266" r:id="rId15"/>
+    <p:sldId id="267" r:id="rId16"/>
+    <p:sldId id="268" r:id="rId17"/>
+    <p:sldId id="287" r:id="rId18"/>
+    <p:sldId id="288" r:id="rId19"/>
+    <p:sldId id="289" r:id="rId20"/>
+    <p:sldId id="269" r:id="rId21"/>
+    <p:sldId id="271" r:id="rId22"/>
+    <p:sldId id="272" r:id="rId23"/>
+    <p:sldId id="273" r:id="rId24"/>
+    <p:sldId id="278" r:id="rId25"/>
+    <p:sldId id="274" r:id="rId26"/>
+    <p:sldId id="275" r:id="rId27"/>
+    <p:sldId id="276" r:id="rId28"/>
+    <p:sldId id="277" r:id="rId29"/>
+    <p:sldId id="279" r:id="rId30"/>
+    <p:sldId id="290" r:id="rId31"/>
+    <p:sldId id="292" r:id="rId32"/>
+    <p:sldId id="291" r:id="rId33"/>
+    <p:sldId id="280" r:id="rId34"/>
+    <p:sldId id="281" r:id="rId35"/>
+    <p:sldId id="282" r:id="rId36"/>
+    <p:sldId id="283" r:id="rId37"/>
   </p:sldIdLst>
   <p:sldSz cx="12192000" cy="6858000"/>
   <p:notesSz cx="6858000" cy="9144000"/>
@@ -860,7 +869,7 @@
           <a:p>
             <a:fld id="{6D0035E6-BDE3-4943-AFED-FF77561E17AE}" type="datetimeFigureOut">
               <a:rPr lang="zh-CN" altLang="en-US" smtClean="0"/>
-              <a:t>2019/9/3</a:t>
+              <a:t>2019/9/17</a:t>
             </a:fld>
             <a:endParaRPr lang="zh-CN" altLang="en-US"/>
           </a:p>
@@ -1111,7 +1120,7 @@
           <a:p>
             <a:fld id="{6D0035E6-BDE3-4943-AFED-FF77561E17AE}" type="datetimeFigureOut">
               <a:rPr lang="zh-CN" altLang="en-US" smtClean="0"/>
-              <a:t>2019/9/3</a:t>
+              <a:t>2019/9/17</a:t>
             </a:fld>
             <a:endParaRPr lang="zh-CN" altLang="en-US"/>
           </a:p>
@@ -1425,7 +1434,7 @@
           <a:p>
             <a:fld id="{6D0035E6-BDE3-4943-AFED-FF77561E17AE}" type="datetimeFigureOut">
               <a:rPr lang="zh-CN" altLang="en-US" smtClean="0"/>
-              <a:t>2019/9/3</a:t>
+              <a:t>2019/9/17</a:t>
             </a:fld>
             <a:endParaRPr lang="zh-CN" altLang="en-US"/>
           </a:p>
@@ -1766,7 +1775,7 @@
           <a:p>
             <a:fld id="{6D0035E6-BDE3-4943-AFED-FF77561E17AE}" type="datetimeFigureOut">
               <a:rPr lang="zh-CN" altLang="en-US" smtClean="0"/>
-              <a:t>2019/9/3</a:t>
+              <a:t>2019/9/17</a:t>
             </a:fld>
             <a:endParaRPr lang="zh-CN" altLang="en-US"/>
           </a:p>
@@ -2080,7 +2089,7 @@
           <a:p>
             <a:fld id="{6D0035E6-BDE3-4943-AFED-FF77561E17AE}" type="datetimeFigureOut">
               <a:rPr lang="zh-CN" altLang="en-US" smtClean="0"/>
-              <a:t>2019/9/3</a:t>
+              <a:t>2019/9/17</a:t>
             </a:fld>
             <a:endParaRPr lang="zh-CN" altLang="en-US"/>
           </a:p>
@@ -2473,7 +2482,7 @@
           <a:p>
             <a:fld id="{6D0035E6-BDE3-4943-AFED-FF77561E17AE}" type="datetimeFigureOut">
               <a:rPr lang="zh-CN" altLang="en-US" smtClean="0"/>
-              <a:t>2019/9/3</a:t>
+              <a:t>2019/9/17</a:t>
             </a:fld>
             <a:endParaRPr lang="zh-CN" altLang="en-US"/>
           </a:p>
@@ -2643,7 +2652,7 @@
           <a:p>
             <a:fld id="{6D0035E6-BDE3-4943-AFED-FF77561E17AE}" type="datetimeFigureOut">
               <a:rPr lang="zh-CN" altLang="en-US" smtClean="0"/>
-              <a:t>2019/9/3</a:t>
+              <a:t>2019/9/17</a:t>
             </a:fld>
             <a:endParaRPr lang="zh-CN" altLang="en-US"/>
           </a:p>
@@ -2823,7 +2832,7 @@
           <a:p>
             <a:fld id="{6D0035E6-BDE3-4943-AFED-FF77561E17AE}" type="datetimeFigureOut">
               <a:rPr lang="zh-CN" altLang="en-US" smtClean="0"/>
-              <a:t>2019/9/3</a:t>
+              <a:t>2019/9/17</a:t>
             </a:fld>
             <a:endParaRPr lang="zh-CN" altLang="en-US"/>
           </a:p>
@@ -2999,7 +3008,7 @@
           <a:p>
             <a:fld id="{6D0035E6-BDE3-4943-AFED-FF77561E17AE}" type="datetimeFigureOut">
               <a:rPr lang="zh-CN" altLang="en-US" smtClean="0"/>
-              <a:t>2019/9/3</a:t>
+              <a:t>2019/9/17</a:t>
             </a:fld>
             <a:endParaRPr lang="zh-CN" altLang="en-US"/>
           </a:p>
@@ -3246,7 +3255,7 @@
           <a:p>
             <a:fld id="{6D0035E6-BDE3-4943-AFED-FF77561E17AE}" type="datetimeFigureOut">
               <a:rPr lang="zh-CN" altLang="en-US" smtClean="0"/>
-              <a:t>2019/9/3</a:t>
+              <a:t>2019/9/17</a:t>
             </a:fld>
             <a:endParaRPr lang="zh-CN" altLang="en-US"/>
           </a:p>
@@ -3478,7 +3487,7 @@
           <a:p>
             <a:fld id="{6D0035E6-BDE3-4943-AFED-FF77561E17AE}" type="datetimeFigureOut">
               <a:rPr lang="zh-CN" altLang="en-US" smtClean="0"/>
-              <a:t>2019/9/3</a:t>
+              <a:t>2019/9/17</a:t>
             </a:fld>
             <a:endParaRPr lang="zh-CN" altLang="en-US"/>
           </a:p>
@@ -3852,7 +3861,7 @@
           <a:p>
             <a:fld id="{6D0035E6-BDE3-4943-AFED-FF77561E17AE}" type="datetimeFigureOut">
               <a:rPr lang="zh-CN" altLang="en-US" smtClean="0"/>
-              <a:t>2019/9/3</a:t>
+              <a:t>2019/9/17</a:t>
             </a:fld>
             <a:endParaRPr lang="zh-CN" altLang="en-US"/>
           </a:p>
@@ -3975,7 +3984,7 @@
           <a:p>
             <a:fld id="{6D0035E6-BDE3-4943-AFED-FF77561E17AE}" type="datetimeFigureOut">
               <a:rPr lang="zh-CN" altLang="en-US" smtClean="0"/>
-              <a:t>2019/9/3</a:t>
+              <a:t>2019/9/17</a:t>
             </a:fld>
             <a:endParaRPr lang="zh-CN" altLang="en-US"/>
           </a:p>
@@ -4070,7 +4079,7 @@
           <a:p>
             <a:fld id="{6D0035E6-BDE3-4943-AFED-FF77561E17AE}" type="datetimeFigureOut">
               <a:rPr lang="zh-CN" altLang="en-US" smtClean="0"/>
-              <a:t>2019/9/3</a:t>
+              <a:t>2019/9/17</a:t>
             </a:fld>
             <a:endParaRPr lang="zh-CN" altLang="en-US"/>
           </a:p>
@@ -4325,7 +4334,7 @@
           <a:p>
             <a:fld id="{6D0035E6-BDE3-4943-AFED-FF77561E17AE}" type="datetimeFigureOut">
               <a:rPr lang="zh-CN" altLang="en-US" smtClean="0"/>
-              <a:t>2019/9/3</a:t>
+              <a:t>2019/9/17</a:t>
             </a:fld>
             <a:endParaRPr lang="zh-CN" altLang="en-US"/>
           </a:p>
@@ -4588,7 +4597,7 @@
           <a:p>
             <a:fld id="{6D0035E6-BDE3-4943-AFED-FF77561E17AE}" type="datetimeFigureOut">
               <a:rPr lang="zh-CN" altLang="en-US" smtClean="0"/>
-              <a:t>2019/9/3</a:t>
+              <a:t>2019/9/17</a:t>
             </a:fld>
             <a:endParaRPr lang="zh-CN" altLang="en-US"/>
           </a:p>
@@ -5331,7 +5340,7 @@
           <a:p>
             <a:fld id="{6D0035E6-BDE3-4943-AFED-FF77561E17AE}" type="datetimeFigureOut">
               <a:rPr lang="zh-CN" altLang="en-US" smtClean="0"/>
-              <a:t>2019/9/3</a:t>
+              <a:t>2019/9/17</a:t>
             </a:fld>
             <a:endParaRPr lang="zh-CN" altLang="en-US"/>
           </a:p>
@@ -5959,6 +5968,624 @@
           <p:cNvPr id="2" name="标题 1">
             <a:extLst>
               <a:ext uri="{FF2B5EF4-FFF2-40B4-BE49-F238E27FC236}">
+                <a16:creationId xmlns:a16="http://schemas.microsoft.com/office/drawing/2014/main" id="{A8ABC7CF-506D-4E3F-9163-CE146CD37EF1}"/>
+              </a:ext>
+            </a:extLst>
+          </p:cNvPr>
+          <p:cNvSpPr>
+            <a:spLocks noGrp="1"/>
+          </p:cNvSpPr>
+          <p:nvPr>
+            <p:ph type="title"/>
+          </p:nvPr>
+        </p:nvSpPr>
+        <p:spPr/>
+        <p:txBody>
+          <a:bodyPr/>
+          <a:lstStyle/>
+          <a:p>
+            <a:r>
+              <a:rPr lang="zh-CN" altLang="en-US"/>
+              <a:t>作为矩阵和表象的世界？</a:t>
+            </a:r>
+          </a:p>
+        </p:txBody>
+      </p:sp>
+      <p:pic>
+        <p:nvPicPr>
+          <p:cNvPr id="4" name="内容占位符 4">
+            <a:extLst>
+              <a:ext uri="{FF2B5EF4-FFF2-40B4-BE49-F238E27FC236}">
+                <a16:creationId xmlns:a16="http://schemas.microsoft.com/office/drawing/2014/main" id="{212C5839-D8C8-4FC8-97AF-8E7D7BD623DB}"/>
+              </a:ext>
+            </a:extLst>
+          </p:cNvPr>
+          <p:cNvPicPr>
+            <a:picLocks noChangeAspect="1"/>
+          </p:cNvPicPr>
+          <p:nvPr/>
+        </p:nvPicPr>
+        <p:blipFill>
+          <a:blip r:embed="rId2">
+            <a:extLst>
+              <a:ext uri="{28A0092B-C50C-407E-A947-70E740481C1C}">
+                <a14:useLocalDpi xmlns:a14="http://schemas.microsoft.com/office/drawing/2010/main" val="0"/>
+              </a:ext>
+            </a:extLst>
+          </a:blip>
+          <a:stretch>
+            <a:fillRect/>
+          </a:stretch>
+        </p:blipFill>
+        <p:spPr>
+          <a:xfrm>
+            <a:off x="2253980" y="1566406"/>
+            <a:ext cx="5108927" cy="5108927"/>
+          </a:xfrm>
+          <a:prstGeom prst="rect">
+            <a:avLst/>
+          </a:prstGeom>
+        </p:spPr>
+      </p:pic>
+    </p:spTree>
+    <p:extLst>
+      <p:ext uri="{BB962C8B-B14F-4D97-AF65-F5344CB8AC3E}">
+        <p14:creationId xmlns:p14="http://schemas.microsoft.com/office/powerpoint/2010/main" val="682606059"/>
+      </p:ext>
+    </p:extLst>
+  </p:cSld>
+  <p:clrMapOvr>
+    <a:masterClrMapping/>
+  </p:clrMapOvr>
+</p:sld>
+</file>
+
+<file path=ppt/slides/slide11.xml><?xml version="1.0" encoding="utf-8"?>
+<p:sld xmlns:a="http://schemas.openxmlformats.org/drawingml/2006/main" xmlns:r="http://schemas.openxmlformats.org/officeDocument/2006/relationships" xmlns:p="http://schemas.openxmlformats.org/presentationml/2006/main">
+  <p:cSld>
+    <p:spTree>
+      <p:nvGrpSpPr>
+        <p:cNvPr id="1" name=""/>
+        <p:cNvGrpSpPr/>
+        <p:nvPr/>
+      </p:nvGrpSpPr>
+      <p:grpSpPr>
+        <a:xfrm>
+          <a:off x="0" y="0"/>
+          <a:ext cx="0" cy="0"/>
+          <a:chOff x="0" y="0"/>
+          <a:chExt cx="0" cy="0"/>
+        </a:xfrm>
+      </p:grpSpPr>
+      <p:sp>
+        <p:nvSpPr>
+          <p:cNvPr id="2" name="标题 1">
+            <a:extLst>
+              <a:ext uri="{FF2B5EF4-FFF2-40B4-BE49-F238E27FC236}">
+                <a16:creationId xmlns:a16="http://schemas.microsoft.com/office/drawing/2014/main" id="{4F4340A4-94A7-4598-BFD6-7A9FDEC684C4}"/>
+              </a:ext>
+            </a:extLst>
+          </p:cNvPr>
+          <p:cNvSpPr>
+            <a:spLocks noGrp="1"/>
+          </p:cNvSpPr>
+          <p:nvPr>
+            <p:ph type="title"/>
+          </p:nvPr>
+        </p:nvSpPr>
+        <p:spPr/>
+        <p:txBody>
+          <a:bodyPr/>
+          <a:lstStyle/>
+          <a:p>
+            <a:r>
+              <a:rPr lang="zh-CN" altLang="en-US"/>
+              <a:t>为什么我不热衷旅游？</a:t>
+            </a:r>
+            <a:br>
+              <a:rPr lang="en-US" altLang="zh-CN"/>
+            </a:br>
+            <a:r>
+              <a:rPr lang="zh-CN" altLang="en-US"/>
+              <a:t>旅游只是改变你在矩阵里的</a:t>
+            </a:r>
+            <a:r>
+              <a:rPr lang="en-US" altLang="zh-CN"/>
+              <a:t>X,Y</a:t>
+            </a:r>
+            <a:r>
+              <a:rPr lang="zh-CN" altLang="en-US"/>
+              <a:t>坐标</a:t>
+            </a:r>
+          </a:p>
+        </p:txBody>
+      </p:sp>
+      <p:pic>
+        <p:nvPicPr>
+          <p:cNvPr id="9" name="内容占位符 8">
+            <a:extLst>
+              <a:ext uri="{FF2B5EF4-FFF2-40B4-BE49-F238E27FC236}">
+                <a16:creationId xmlns:a16="http://schemas.microsoft.com/office/drawing/2014/main" id="{3E1A06CE-D445-4D05-AC79-2E2CED1E6B6C}"/>
+              </a:ext>
+            </a:extLst>
+          </p:cNvPr>
+          <p:cNvPicPr>
+            <a:picLocks noGrp="1" noChangeAspect="1"/>
+          </p:cNvPicPr>
+          <p:nvPr>
+            <p:ph idx="1"/>
+          </p:nvPr>
+        </p:nvPicPr>
+        <p:blipFill>
+          <a:blip r:embed="rId2">
+            <a:extLst>
+              <a:ext uri="{28A0092B-C50C-407E-A947-70E740481C1C}">
+                <a14:useLocalDpi xmlns:a14="http://schemas.microsoft.com/office/drawing/2010/main" val="0"/>
+              </a:ext>
+            </a:extLst>
+          </a:blip>
+          <a:stretch>
+            <a:fillRect/>
+          </a:stretch>
+        </p:blipFill>
+        <p:spPr>
+          <a:xfrm>
+            <a:off x="79411" y="2956776"/>
+            <a:ext cx="5819944" cy="3839984"/>
+          </a:xfrm>
+        </p:spPr>
+      </p:pic>
+      <p:pic>
+        <p:nvPicPr>
+          <p:cNvPr id="11" name="图片 10">
+            <a:extLst>
+              <a:ext uri="{FF2B5EF4-FFF2-40B4-BE49-F238E27FC236}">
+                <a16:creationId xmlns:a16="http://schemas.microsoft.com/office/drawing/2014/main" id="{E2B6B3A8-ABB8-4C94-AF5D-581D36CD6FA9}"/>
+              </a:ext>
+            </a:extLst>
+          </p:cNvPr>
+          <p:cNvPicPr>
+            <a:picLocks noChangeAspect="1"/>
+          </p:cNvPicPr>
+          <p:nvPr/>
+        </p:nvPicPr>
+        <p:blipFill>
+          <a:blip r:embed="rId3">
+            <a:extLst>
+              <a:ext uri="{28A0092B-C50C-407E-A947-70E740481C1C}">
+                <a14:useLocalDpi xmlns:a14="http://schemas.microsoft.com/office/drawing/2010/main" val="0"/>
+              </a:ext>
+            </a:extLst>
+          </a:blip>
+          <a:stretch>
+            <a:fillRect/>
+          </a:stretch>
+        </p:blipFill>
+        <p:spPr>
+          <a:xfrm>
+            <a:off x="5934980" y="2155296"/>
+            <a:ext cx="6217265" cy="4662949"/>
+          </a:xfrm>
+          <a:prstGeom prst="rect">
+            <a:avLst/>
+          </a:prstGeom>
+        </p:spPr>
+      </p:pic>
+      <p:sp>
+        <p:nvSpPr>
+          <p:cNvPr id="12" name="文本框 11">
+            <a:extLst>
+              <a:ext uri="{FF2B5EF4-FFF2-40B4-BE49-F238E27FC236}">
+                <a16:creationId xmlns:a16="http://schemas.microsoft.com/office/drawing/2014/main" id="{FACB7302-660A-45CF-AA03-8FA415C55715}"/>
+              </a:ext>
+            </a:extLst>
+          </p:cNvPr>
+          <p:cNvSpPr txBox="1"/>
+          <p:nvPr/>
+        </p:nvSpPr>
+        <p:spPr>
+          <a:xfrm>
+            <a:off x="993058" y="2414199"/>
+            <a:ext cx="3896994" cy="461665"/>
+          </a:xfrm>
+          <a:prstGeom prst="rect">
+            <a:avLst/>
+          </a:prstGeom>
+          <a:noFill/>
+        </p:spPr>
+        <p:txBody>
+          <a:bodyPr wrap="square" rtlCol="0">
+            <a:spAutoFit/>
+          </a:bodyPr>
+          <a:lstStyle/>
+          <a:p>
+            <a:r>
+              <a:rPr lang="zh-CN" altLang="en-US" sz="2400"/>
+              <a:t>现代化都市都一个样。。。</a:t>
+            </a:r>
+          </a:p>
+        </p:txBody>
+      </p:sp>
+    </p:spTree>
+    <p:extLst>
+      <p:ext uri="{BB962C8B-B14F-4D97-AF65-F5344CB8AC3E}">
+        <p14:creationId xmlns:p14="http://schemas.microsoft.com/office/powerpoint/2010/main" val="2938294069"/>
+      </p:ext>
+    </p:extLst>
+  </p:cSld>
+  <p:clrMapOvr>
+    <a:masterClrMapping/>
+  </p:clrMapOvr>
+</p:sld>
+</file>
+
+<file path=ppt/slides/slide12.xml><?xml version="1.0" encoding="utf-8"?>
+<p:sld xmlns:a="http://schemas.openxmlformats.org/drawingml/2006/main" xmlns:r="http://schemas.openxmlformats.org/officeDocument/2006/relationships" xmlns:p="http://schemas.openxmlformats.org/presentationml/2006/main">
+  <p:cSld>
+    <p:spTree>
+      <p:nvGrpSpPr>
+        <p:cNvPr id="1" name=""/>
+        <p:cNvGrpSpPr/>
+        <p:nvPr/>
+      </p:nvGrpSpPr>
+      <p:grpSpPr>
+        <a:xfrm>
+          <a:off x="0" y="0"/>
+          <a:ext cx="0" cy="0"/>
+          <a:chOff x="0" y="0"/>
+          <a:chExt cx="0" cy="0"/>
+        </a:xfrm>
+      </p:grpSpPr>
+      <p:sp>
+        <p:nvSpPr>
+          <p:cNvPr id="2" name="标题 1">
+            <a:extLst>
+              <a:ext uri="{FF2B5EF4-FFF2-40B4-BE49-F238E27FC236}">
+                <a16:creationId xmlns:a16="http://schemas.microsoft.com/office/drawing/2014/main" id="{C8F91420-1A0F-4CC2-846D-72A5F48A9210}"/>
+              </a:ext>
+            </a:extLst>
+          </p:cNvPr>
+          <p:cNvSpPr>
+            <a:spLocks noGrp="1"/>
+          </p:cNvSpPr>
+          <p:nvPr>
+            <p:ph type="title"/>
+          </p:nvPr>
+        </p:nvSpPr>
+        <p:spPr/>
+        <p:txBody>
+          <a:bodyPr/>
+          <a:lstStyle/>
+          <a:p>
+            <a:r>
+              <a:rPr lang="zh-CN" altLang="en-US"/>
+              <a:t>数据科学的两大数学基础</a:t>
+            </a:r>
+          </a:p>
+        </p:txBody>
+      </p:sp>
+      <p:sp>
+        <p:nvSpPr>
+          <p:cNvPr id="3" name="内容占位符 2">
+            <a:extLst>
+              <a:ext uri="{FF2B5EF4-FFF2-40B4-BE49-F238E27FC236}">
+                <a16:creationId xmlns:a16="http://schemas.microsoft.com/office/drawing/2014/main" id="{F38A7118-9A24-4AFD-A2B0-1AFDBC2FE0DE}"/>
+              </a:ext>
+            </a:extLst>
+          </p:cNvPr>
+          <p:cNvSpPr>
+            <a:spLocks noGrp="1"/>
+          </p:cNvSpPr>
+          <p:nvPr>
+            <p:ph idx="1"/>
+          </p:nvPr>
+        </p:nvSpPr>
+        <p:spPr/>
+        <p:txBody>
+          <a:bodyPr>
+            <a:normAutofit fontScale="92500" lnSpcReduction="10000"/>
+          </a:bodyPr>
+          <a:lstStyle/>
+          <a:p>
+            <a:r>
+              <a:rPr lang="zh-CN" altLang="en-US" sz="2800"/>
+              <a:t>线性代数</a:t>
+            </a:r>
+            <a:endParaRPr lang="en-US" altLang="zh-CN" sz="2800"/>
+          </a:p>
+          <a:p>
+            <a:pPr lvl="1"/>
+            <a:r>
+              <a:rPr lang="zh-CN" altLang="en-US" sz="2600"/>
+              <a:t>多变量运算的必备数学基础</a:t>
+            </a:r>
+            <a:endParaRPr lang="en-US" altLang="zh-CN" sz="2600"/>
+          </a:p>
+          <a:p>
+            <a:endParaRPr lang="en-US" altLang="zh-CN" sz="2800"/>
+          </a:p>
+          <a:p>
+            <a:r>
+              <a:rPr lang="zh-CN" altLang="en-US" sz="2800"/>
+              <a:t>概率统计</a:t>
+            </a:r>
+            <a:endParaRPr lang="en-US" altLang="zh-CN" sz="2800"/>
+          </a:p>
+          <a:p>
+            <a:pPr lvl="1"/>
+            <a:r>
+              <a:rPr lang="zh-CN" altLang="en-US" sz="2600"/>
+              <a:t>真实世界问题的数学基础</a:t>
+            </a:r>
+            <a:endParaRPr lang="en-US" altLang="zh-CN" sz="2600"/>
+          </a:p>
+          <a:p>
+            <a:endParaRPr lang="en-US" altLang="zh-CN" sz="2800"/>
+          </a:p>
+          <a:p>
+            <a:r>
+              <a:rPr lang="zh-CN" altLang="en-US" sz="2800">
+                <a:solidFill>
+                  <a:srgbClr val="FF0000"/>
+                </a:solidFill>
+              </a:rPr>
+              <a:t>所有让你累的事都在帮你</a:t>
+            </a:r>
+            <a:endParaRPr lang="en-US" altLang="zh-CN" sz="2800">
+              <a:solidFill>
+                <a:srgbClr val="FF0000"/>
+              </a:solidFill>
+            </a:endParaRPr>
+          </a:p>
+          <a:p>
+            <a:r>
+              <a:rPr lang="zh-CN" altLang="en-US" sz="2800">
+                <a:solidFill>
+                  <a:srgbClr val="FF0000"/>
+                </a:solidFill>
+              </a:rPr>
+              <a:t>所有让你爽的事都在害你</a:t>
+            </a:r>
+            <a:endParaRPr lang="en-US" altLang="zh-CN" sz="2800">
+              <a:solidFill>
+                <a:srgbClr val="FF0000"/>
+              </a:solidFill>
+            </a:endParaRPr>
+          </a:p>
+          <a:p>
+            <a:endParaRPr lang="zh-CN" altLang="en-US"/>
+          </a:p>
+        </p:txBody>
+      </p:sp>
+      <p:pic>
+        <p:nvPicPr>
+          <p:cNvPr id="5" name="图片 4">
+            <a:extLst>
+              <a:ext uri="{FF2B5EF4-FFF2-40B4-BE49-F238E27FC236}">
+                <a16:creationId xmlns:a16="http://schemas.microsoft.com/office/drawing/2014/main" id="{1B5B16A7-C492-464A-AFC7-DF87EC08E9E8}"/>
+              </a:ext>
+            </a:extLst>
+          </p:cNvPr>
+          <p:cNvPicPr>
+            <a:picLocks noChangeAspect="1"/>
+          </p:cNvPicPr>
+          <p:nvPr/>
+        </p:nvPicPr>
+        <p:blipFill>
+          <a:blip r:embed="rId2">
+            <a:extLst>
+              <a:ext uri="{28A0092B-C50C-407E-A947-70E740481C1C}">
+                <a14:useLocalDpi xmlns:a14="http://schemas.microsoft.com/office/drawing/2010/main" val="0"/>
+              </a:ext>
+            </a:extLst>
+          </a:blip>
+          <a:stretch>
+            <a:fillRect/>
+          </a:stretch>
+        </p:blipFill>
+        <p:spPr>
+          <a:xfrm>
+            <a:off x="6770115" y="736822"/>
+            <a:ext cx="2692400" cy="5245100"/>
+          </a:xfrm>
+          <a:prstGeom prst="rect">
+            <a:avLst/>
+          </a:prstGeom>
+        </p:spPr>
+      </p:pic>
+    </p:spTree>
+    <p:extLst>
+      <p:ext uri="{BB962C8B-B14F-4D97-AF65-F5344CB8AC3E}">
+        <p14:creationId xmlns:p14="http://schemas.microsoft.com/office/powerpoint/2010/main" val="3473912082"/>
+      </p:ext>
+    </p:extLst>
+  </p:cSld>
+  <p:clrMapOvr>
+    <a:masterClrMapping/>
+  </p:clrMapOvr>
+</p:sld>
+</file>
+
+<file path=ppt/slides/slide13.xml><?xml version="1.0" encoding="utf-8"?>
+<p:sld xmlns:a="http://schemas.openxmlformats.org/drawingml/2006/main" xmlns:r="http://schemas.openxmlformats.org/officeDocument/2006/relationships" xmlns:p="http://schemas.openxmlformats.org/presentationml/2006/main">
+  <p:cSld>
+    <p:spTree>
+      <p:nvGrpSpPr>
+        <p:cNvPr id="1" name=""/>
+        <p:cNvGrpSpPr/>
+        <p:nvPr/>
+      </p:nvGrpSpPr>
+      <p:grpSpPr>
+        <a:xfrm>
+          <a:off x="0" y="0"/>
+          <a:ext cx="0" cy="0"/>
+          <a:chOff x="0" y="0"/>
+          <a:chExt cx="0" cy="0"/>
+        </a:xfrm>
+      </p:grpSpPr>
+      <p:sp>
+        <p:nvSpPr>
+          <p:cNvPr id="2" name="标题 1">
+            <a:extLst>
+              <a:ext uri="{FF2B5EF4-FFF2-40B4-BE49-F238E27FC236}">
+                <a16:creationId xmlns:a16="http://schemas.microsoft.com/office/drawing/2014/main" id="{C8F91420-1A0F-4CC2-846D-72A5F48A9210}"/>
+              </a:ext>
+            </a:extLst>
+          </p:cNvPr>
+          <p:cNvSpPr>
+            <a:spLocks noGrp="1"/>
+          </p:cNvSpPr>
+          <p:nvPr>
+            <p:ph type="title"/>
+          </p:nvPr>
+        </p:nvSpPr>
+        <p:spPr/>
+        <p:txBody>
+          <a:bodyPr/>
+          <a:lstStyle/>
+          <a:p>
+            <a:r>
+              <a:rPr lang="zh-CN" altLang="en-US"/>
+              <a:t>线性代数</a:t>
+            </a:r>
+            <a:endParaRPr lang="en-US" altLang="zh-CN"/>
+          </a:p>
+        </p:txBody>
+      </p:sp>
+      <p:sp>
+        <p:nvSpPr>
+          <p:cNvPr id="3" name="内容占位符 2">
+            <a:extLst>
+              <a:ext uri="{FF2B5EF4-FFF2-40B4-BE49-F238E27FC236}">
+                <a16:creationId xmlns:a16="http://schemas.microsoft.com/office/drawing/2014/main" id="{F38A7118-9A24-4AFD-A2B0-1AFDBC2FE0DE}"/>
+              </a:ext>
+            </a:extLst>
+          </p:cNvPr>
+          <p:cNvSpPr>
+            <a:spLocks noGrp="1"/>
+          </p:cNvSpPr>
+          <p:nvPr>
+            <p:ph idx="1"/>
+          </p:nvPr>
+        </p:nvSpPr>
+        <p:spPr>
+          <a:xfrm>
+            <a:off x="677334" y="1478943"/>
+            <a:ext cx="8596668" cy="5057029"/>
+          </a:xfrm>
+        </p:spPr>
+        <p:txBody>
+          <a:bodyPr>
+            <a:normAutofit fontScale="92500" lnSpcReduction="10000"/>
+          </a:bodyPr>
+          <a:lstStyle/>
+          <a:p>
+            <a:r>
+              <a:rPr lang="zh-CN" altLang="en-US" sz="2800"/>
+              <a:t>标量，向量，矩阵</a:t>
+            </a:r>
+            <a:endParaRPr lang="en-US" altLang="zh-CN" sz="2800"/>
+          </a:p>
+          <a:p>
+            <a:r>
+              <a:rPr lang="zh-CN" altLang="en-US" sz="2800"/>
+              <a:t>矩阵和向量运算</a:t>
+            </a:r>
+            <a:endParaRPr lang="en-US" altLang="zh-CN" sz="2800"/>
+          </a:p>
+          <a:p>
+            <a:r>
+              <a:rPr lang="zh-CN" altLang="en-US" sz="2800"/>
+              <a:t>单位阵和矩阵逆</a:t>
+            </a:r>
+            <a:endParaRPr lang="en-US" altLang="zh-CN" sz="2800"/>
+          </a:p>
+          <a:p>
+            <a:r>
+              <a:rPr lang="zh-CN" altLang="en-US" sz="2800"/>
+              <a:t>范数</a:t>
+            </a:r>
+            <a:endParaRPr lang="en-US" altLang="zh-CN" sz="2800"/>
+          </a:p>
+          <a:p>
+            <a:r>
+              <a:rPr lang="zh-CN" altLang="en-US" sz="2800"/>
+              <a:t>特殊矩阵</a:t>
+            </a:r>
+            <a:endParaRPr lang="en-US" altLang="zh-CN" sz="2800"/>
+          </a:p>
+          <a:p>
+            <a:r>
+              <a:rPr lang="zh-CN" altLang="en-US" sz="2800"/>
+              <a:t>特征值分解</a:t>
+            </a:r>
+            <a:endParaRPr lang="en-US" altLang="zh-CN" sz="2800"/>
+          </a:p>
+          <a:p>
+            <a:r>
+              <a:rPr lang="zh-CN" altLang="en-US" sz="2800"/>
+              <a:t>奇异值分解</a:t>
+            </a:r>
+            <a:endParaRPr lang="en-US" altLang="zh-CN" sz="2800"/>
+          </a:p>
+          <a:p>
+            <a:r>
+              <a:rPr lang="zh-CN" altLang="en-US" sz="2800"/>
+              <a:t>广义逆</a:t>
+            </a:r>
+            <a:endParaRPr lang="en-US" altLang="zh-CN" sz="2800"/>
+          </a:p>
+          <a:p>
+            <a:r>
+              <a:rPr lang="zh-CN" altLang="en-US" sz="2800"/>
+              <a:t>迹算子</a:t>
+            </a:r>
+            <a:endParaRPr lang="en-US" altLang="zh-CN" sz="2800"/>
+          </a:p>
+          <a:p>
+            <a:r>
+              <a:rPr lang="zh-CN" altLang="en-US" sz="2800"/>
+              <a:t>行列式</a:t>
+            </a:r>
+            <a:endParaRPr lang="en-US" altLang="zh-CN" sz="2800"/>
+          </a:p>
+        </p:txBody>
+      </p:sp>
+    </p:spTree>
+    <p:extLst>
+      <p:ext uri="{BB962C8B-B14F-4D97-AF65-F5344CB8AC3E}">
+        <p14:creationId xmlns:p14="http://schemas.microsoft.com/office/powerpoint/2010/main" val="4109712820"/>
+      </p:ext>
+    </p:extLst>
+  </p:cSld>
+  <p:clrMapOvr>
+    <a:masterClrMapping/>
+  </p:clrMapOvr>
+</p:sld>
+</file>
+
+<file path=ppt/slides/slide14.xml><?xml version="1.0" encoding="utf-8"?>
+<p:sld xmlns:a="http://schemas.openxmlformats.org/drawingml/2006/main" xmlns:r="http://schemas.openxmlformats.org/officeDocument/2006/relationships" xmlns:p="http://schemas.openxmlformats.org/presentationml/2006/main">
+  <p:cSld>
+    <p:spTree>
+      <p:nvGrpSpPr>
+        <p:cNvPr id="1" name=""/>
+        <p:cNvGrpSpPr/>
+        <p:nvPr/>
+      </p:nvGrpSpPr>
+      <p:grpSpPr>
+        <a:xfrm>
+          <a:off x="0" y="0"/>
+          <a:ext cx="0" cy="0"/>
+          <a:chOff x="0" y="0"/>
+          <a:chExt cx="0" cy="0"/>
+        </a:xfrm>
+      </p:grpSpPr>
+      <p:sp>
+        <p:nvSpPr>
+          <p:cNvPr id="2" name="标题 1">
+            <a:extLst>
+              <a:ext uri="{FF2B5EF4-FFF2-40B4-BE49-F238E27FC236}">
                 <a16:creationId xmlns:a16="http://schemas.microsoft.com/office/drawing/2014/main" id="{67E4A2EF-3509-4435-8338-69409852A3A3}"/>
               </a:ext>
             </a:extLst>
@@ -6060,7 +6687,7 @@
 </p:sld>
 </file>
 
-<file path=ppt/slides/slide11.xml><?xml version="1.0" encoding="utf-8"?>
+<file path=ppt/slides/slide15.xml><?xml version="1.0" encoding="utf-8"?>
 <p:sld xmlns:a="http://schemas.openxmlformats.org/drawingml/2006/main" xmlns:r="http://schemas.openxmlformats.org/officeDocument/2006/relationships" xmlns:p="http://schemas.openxmlformats.org/presentationml/2006/main">
   <p:cSld>
     <p:spTree>
@@ -6229,7 +6856,7 @@
 </p:sld>
 </file>
 
-<file path=ppt/slides/slide12.xml><?xml version="1.0" encoding="utf-8"?>
+<file path=ppt/slides/slide16.xml><?xml version="1.0" encoding="utf-8"?>
 <p:sld xmlns:a="http://schemas.openxmlformats.org/drawingml/2006/main" xmlns:r="http://schemas.openxmlformats.org/officeDocument/2006/relationships" xmlns:p="http://schemas.openxmlformats.org/presentationml/2006/main">
   <p:cSld>
     <p:spTree>
@@ -6307,13 +6934,9 @@
             <a:endParaRPr lang="en-US" altLang="zh-CN" sz="2400"/>
           </a:p>
           <a:p>
-            <a:endParaRPr lang="en-US" altLang="zh-CN" sz="2400"/>
-          </a:p>
-          <a:p>
-            <a:r>
-              <a:rPr lang="zh-CN" altLang="en-US" sz="2400"/>
-              <a:t>行存储，列存储？</a:t>
-            </a:r>
+            <a:pPr marL="0" indent="0">
+              <a:buNone/>
+            </a:pPr>
             <a:endParaRPr lang="en-US" altLang="zh-CN" sz="2400"/>
           </a:p>
           <a:p>
@@ -6364,7 +6987,7 @@
 </p:sld>
 </file>
 
-<file path=ppt/slides/slide13.xml><?xml version="1.0" encoding="utf-8"?>
+<file path=ppt/slides/slide17.xml><?xml version="1.0" encoding="utf-8"?>
 <p:sld xmlns:a="http://schemas.openxmlformats.org/drawingml/2006/main" xmlns:r="http://schemas.openxmlformats.org/officeDocument/2006/relationships" xmlns:p="http://schemas.openxmlformats.org/presentationml/2006/main">
   <p:cSld>
     <p:spTree>
@@ -6386,7 +7009,7 @@
           <p:cNvPr id="2" name="标题 1">
             <a:extLst>
               <a:ext uri="{FF2B5EF4-FFF2-40B4-BE49-F238E27FC236}">
-                <a16:creationId xmlns:a16="http://schemas.microsoft.com/office/drawing/2014/main" id="{0E1EA3C4-9299-488E-AFEB-669199C7198F}"/>
+                <a16:creationId xmlns:a16="http://schemas.microsoft.com/office/drawing/2014/main" id="{386A2FA8-C642-452D-B3C1-E54D78403872}"/>
               </a:ext>
             </a:extLst>
           </p:cNvPr>
@@ -6404,1458 +7027,238 @@
           <a:p>
             <a:r>
               <a:rPr lang="zh-CN" altLang="en-US"/>
-              <a:t>矩阵即是数据，也是函数（运动）</a:t>
+              <a:t>行存储，列存储</a:t>
             </a:r>
           </a:p>
         </p:txBody>
       </p:sp>
-      <p:graphicFrame>
-        <p:nvGraphicFramePr>
+      <p:pic>
+        <p:nvPicPr>
           <p:cNvPr id="5" name="内容占位符 4">
             <a:extLst>
               <a:ext uri="{FF2B5EF4-FFF2-40B4-BE49-F238E27FC236}">
-                <a16:creationId xmlns:a16="http://schemas.microsoft.com/office/drawing/2014/main" id="{DF21155C-9288-4140-A8EF-B809B4798E35}"/>
+                <a16:creationId xmlns:a16="http://schemas.microsoft.com/office/drawing/2014/main" id="{03108FE2-D872-4979-AF49-305BC397FD0C}"/>
               </a:ext>
             </a:extLst>
           </p:cNvPr>
-          <p:cNvGraphicFramePr>
-            <a:graphicFrameLocks noGrp="1"/>
-          </p:cNvGraphicFramePr>
+          <p:cNvPicPr>
+            <a:picLocks noGrp="1" noChangeAspect="1"/>
+          </p:cNvPicPr>
           <p:nvPr>
             <p:ph idx="1"/>
-            <p:extLst>
-              <p:ext uri="{D42A27DB-BD31-4B8C-83A1-F6EECF244321}">
-                <p14:modId xmlns:p14="http://schemas.microsoft.com/office/powerpoint/2010/main" val="2382227570"/>
-              </p:ext>
-            </p:extLst>
-          </p:nvPr>
-        </p:nvGraphicFramePr>
-        <p:xfrm>
-          <a:off x="166978" y="3554233"/>
-          <a:ext cx="3767301" cy="683812"/>
-        </p:xfrm>
-        <a:graphic>
-          <a:graphicData uri="http://schemas.openxmlformats.org/drawingml/2006/table">
-            <a:tbl>
-              <a:tblPr>
-                <a:tableStyleId>{5C22544A-7EE6-4342-B048-85BDC9FD1C3A}</a:tableStyleId>
-              </a:tblPr>
-              <a:tblGrid>
-                <a:gridCol w="762952">
-                  <a:extLst>
-                    <a:ext uri="{9D8B030D-6E8A-4147-A177-3AD203B41FA5}">
-                      <a16:colId xmlns:a16="http://schemas.microsoft.com/office/drawing/2014/main" val="4010539326"/>
-                    </a:ext>
-                  </a:extLst>
-                </a:gridCol>
-                <a:gridCol w="509512">
-                  <a:extLst>
-                    <a:ext uri="{9D8B030D-6E8A-4147-A177-3AD203B41FA5}">
-                      <a16:colId xmlns:a16="http://schemas.microsoft.com/office/drawing/2014/main" val="3600574052"/>
-                    </a:ext>
-                  </a:extLst>
-                </a:gridCol>
-                <a:gridCol w="764540">
-                  <a:extLst>
-                    <a:ext uri="{9D8B030D-6E8A-4147-A177-3AD203B41FA5}">
-                      <a16:colId xmlns:a16="http://schemas.microsoft.com/office/drawing/2014/main" val="1290845955"/>
-                    </a:ext>
-                  </a:extLst>
-                </a:gridCol>
-                <a:gridCol w="535940">
-                  <a:extLst>
-                    <a:ext uri="{9D8B030D-6E8A-4147-A177-3AD203B41FA5}">
-                      <a16:colId xmlns:a16="http://schemas.microsoft.com/office/drawing/2014/main" val="3311088961"/>
-                    </a:ext>
-                  </a:extLst>
-                </a:gridCol>
-                <a:gridCol w="1194357">
-                  <a:extLst>
-                    <a:ext uri="{9D8B030D-6E8A-4147-A177-3AD203B41FA5}">
-                      <a16:colId xmlns:a16="http://schemas.microsoft.com/office/drawing/2014/main" val="2621557079"/>
-                    </a:ext>
-                  </a:extLst>
-                </a:gridCol>
-              </a:tblGrid>
-              <a:tr h="341906">
-                <a:tc>
-                  <a:txBody>
-                    <a:bodyPr/>
-                    <a:lstStyle/>
-                    <a:p>
-                      <a:pPr algn="ctr" fontAlgn="ctr"/>
-                      <a:r>
-                        <a:rPr lang="zh-CN" altLang="en-US" sz="1800" u="none" strike="noStrike">
-                          <a:effectLst/>
-                        </a:rPr>
-                        <a:t>职业</a:t>
-                      </a:r>
-                      <a:endParaRPr lang="zh-CN" altLang="en-US" sz="1800" b="0" i="0" u="none" strike="noStrike">
-                        <a:solidFill>
-                          <a:srgbClr val="000000"/>
-                        </a:solidFill>
-                        <a:effectLst/>
-                        <a:latin typeface="等线" panose="02010600030101010101" pitchFamily="2" charset="-122"/>
-                        <a:ea typeface="等线" panose="02010600030101010101" pitchFamily="2" charset="-122"/>
-                      </a:endParaRPr>
-                    </a:p>
-                  </a:txBody>
-                  <a:tcPr marL="7620" marR="7620" marT="7620" marB="0" anchor="ctr"/>
-                </a:tc>
-                <a:tc>
-                  <a:txBody>
-                    <a:bodyPr/>
-                    <a:lstStyle/>
-                    <a:p>
-                      <a:pPr algn="ctr" rtl="0" fontAlgn="ctr"/>
-                      <a:r>
-                        <a:rPr lang="zh-CN" altLang="en-US" sz="1800" u="none" strike="noStrike">
-                          <a:effectLst/>
-                        </a:rPr>
-                        <a:t>骑士</a:t>
-                      </a:r>
-                      <a:endParaRPr lang="zh-CN" altLang="en-US" sz="1800" b="0" i="0" u="none" strike="noStrike">
-                        <a:solidFill>
-                          <a:srgbClr val="000000"/>
-                        </a:solidFill>
-                        <a:effectLst/>
-                        <a:latin typeface="Arial" panose="020B0604020202020204" pitchFamily="34" charset="0"/>
-                        <a:ea typeface="等线" panose="02010600030101010101" pitchFamily="2" charset="-122"/>
-                      </a:endParaRPr>
-                    </a:p>
-                  </a:txBody>
-                  <a:tcPr marL="7620" marR="7620" marT="7620" marB="0" anchor="ctr"/>
-                </a:tc>
-                <a:tc>
-                  <a:txBody>
-                    <a:bodyPr/>
-                    <a:lstStyle/>
-                    <a:p>
-                      <a:pPr algn="ctr" rtl="0" fontAlgn="ctr"/>
-                      <a:r>
-                        <a:rPr lang="zh-CN" altLang="en-US" sz="1800" u="none" strike="noStrike">
-                          <a:effectLst/>
-                        </a:rPr>
-                        <a:t>魔法师</a:t>
-                      </a:r>
-                      <a:endParaRPr lang="zh-CN" altLang="en-US" sz="1800" b="0" i="0" u="none" strike="noStrike">
-                        <a:solidFill>
-                          <a:srgbClr val="000000"/>
-                        </a:solidFill>
-                        <a:effectLst/>
-                        <a:latin typeface="Arial" panose="020B0604020202020204" pitchFamily="34" charset="0"/>
-                        <a:ea typeface="等线" panose="02010600030101010101" pitchFamily="2" charset="-122"/>
-                      </a:endParaRPr>
-                    </a:p>
-                  </a:txBody>
-                  <a:tcPr marL="7620" marR="7620" marT="7620" marB="0" anchor="ctr"/>
-                </a:tc>
-                <a:tc>
-                  <a:txBody>
-                    <a:bodyPr/>
-                    <a:lstStyle/>
-                    <a:p>
-                      <a:pPr algn="ctr" rtl="0" fontAlgn="ctr"/>
-                      <a:r>
-                        <a:rPr lang="zh-CN" altLang="en-US" sz="1800" u="none" strike="noStrike">
-                          <a:effectLst/>
-                        </a:rPr>
-                        <a:t>剑士</a:t>
-                      </a:r>
-                      <a:endParaRPr lang="zh-CN" altLang="en-US" sz="1800" b="0" i="0" u="none" strike="noStrike">
-                        <a:solidFill>
-                          <a:srgbClr val="000000"/>
-                        </a:solidFill>
-                        <a:effectLst/>
-                        <a:latin typeface="Arial" panose="020B0604020202020204" pitchFamily="34" charset="0"/>
-                        <a:ea typeface="等线" panose="02010600030101010101" pitchFamily="2" charset="-122"/>
-                      </a:endParaRPr>
-                    </a:p>
-                  </a:txBody>
-                  <a:tcPr marL="7620" marR="7620" marT="7620" marB="0" anchor="ctr"/>
-                </a:tc>
-                <a:tc>
-                  <a:txBody>
-                    <a:bodyPr/>
-                    <a:lstStyle/>
-                    <a:p>
-                      <a:pPr algn="ctr" rtl="0" fontAlgn="ctr"/>
-                      <a:r>
-                        <a:rPr lang="zh-CN" altLang="en-US" sz="1800" u="none" strike="noStrike">
-                          <a:effectLst/>
-                        </a:rPr>
-                        <a:t>弓箭手</a:t>
-                      </a:r>
-                      <a:endParaRPr lang="zh-CN" altLang="en-US" sz="1800" b="0" i="0" u="none" strike="noStrike">
-                        <a:solidFill>
-                          <a:srgbClr val="000000"/>
-                        </a:solidFill>
-                        <a:effectLst/>
-                        <a:latin typeface="Arial" panose="020B0604020202020204" pitchFamily="34" charset="0"/>
-                        <a:ea typeface="等线" panose="02010600030101010101" pitchFamily="2" charset="-122"/>
-                      </a:endParaRPr>
-                    </a:p>
-                  </a:txBody>
-                  <a:tcPr marL="7620" marR="7620" marT="7620" marB="0" anchor="ctr"/>
-                </a:tc>
-                <a:extLst>
-                  <a:ext uri="{0D108BD9-81ED-4DB2-BD59-A6C34878D82A}">
-                    <a16:rowId xmlns:a16="http://schemas.microsoft.com/office/drawing/2014/main" val="2985755971"/>
-                  </a:ext>
-                </a:extLst>
-              </a:tr>
-              <a:tr h="341906">
-                <a:tc>
-                  <a:txBody>
-                    <a:bodyPr/>
-                    <a:lstStyle/>
-                    <a:p>
-                      <a:pPr algn="ctr" fontAlgn="ctr"/>
-                      <a:r>
-                        <a:rPr lang="zh-CN" altLang="en-US" sz="1800" b="0" i="0" u="none" strike="noStrike">
-                          <a:solidFill>
-                            <a:srgbClr val="000000"/>
-                          </a:solidFill>
-                          <a:effectLst/>
-                          <a:latin typeface="华文新魏" panose="02010800040101010101" pitchFamily="2" charset="-122"/>
-                          <a:ea typeface="华文新魏" panose="02010800040101010101" pitchFamily="2" charset="-122"/>
-                        </a:rPr>
-                        <a:t>骑法师</a:t>
-                      </a:r>
-                    </a:p>
-                  </a:txBody>
-                  <a:tcPr marL="7620" marR="7620" marT="7620" marB="0" anchor="ctr"/>
-                </a:tc>
-                <a:tc>
-                  <a:txBody>
-                    <a:bodyPr/>
-                    <a:lstStyle/>
-                    <a:p>
-                      <a:pPr algn="ctr" fontAlgn="ctr"/>
-                      <a:r>
-                        <a:rPr lang="en-US" altLang="zh-CN" sz="1800" u="none" strike="noStrike">
-                          <a:effectLst/>
-                        </a:rPr>
-                        <a:t>0.5</a:t>
-                      </a:r>
-                      <a:endParaRPr lang="en-US" altLang="zh-CN" sz="1800" b="0" i="0" u="none" strike="noStrike">
-                        <a:solidFill>
-                          <a:srgbClr val="000000"/>
-                        </a:solidFill>
-                        <a:effectLst/>
-                        <a:latin typeface="等线" panose="02010600030101010101" pitchFamily="2" charset="-122"/>
-                        <a:ea typeface="等线" panose="02010600030101010101" pitchFamily="2" charset="-122"/>
-                      </a:endParaRPr>
-                    </a:p>
-                  </a:txBody>
-                  <a:tcPr marL="7620" marR="7620" marT="7620" marB="0" anchor="ctr"/>
-                </a:tc>
-                <a:tc>
-                  <a:txBody>
-                    <a:bodyPr/>
-                    <a:lstStyle/>
-                    <a:p>
-                      <a:pPr algn="ctr" fontAlgn="ctr"/>
-                      <a:r>
-                        <a:rPr lang="en-US" altLang="zh-CN" sz="1800" u="none" strike="noStrike">
-                          <a:effectLst/>
-                        </a:rPr>
-                        <a:t>0.5</a:t>
-                      </a:r>
-                      <a:endParaRPr lang="en-US" altLang="zh-CN" sz="1800" b="0" i="0" u="none" strike="noStrike">
-                        <a:solidFill>
-                          <a:srgbClr val="000000"/>
-                        </a:solidFill>
-                        <a:effectLst/>
-                        <a:latin typeface="等线" panose="02010600030101010101" pitchFamily="2" charset="-122"/>
-                        <a:ea typeface="等线" panose="02010600030101010101" pitchFamily="2" charset="-122"/>
-                      </a:endParaRPr>
-                    </a:p>
-                  </a:txBody>
-                  <a:tcPr marL="7620" marR="7620" marT="7620" marB="0" anchor="ctr"/>
-                </a:tc>
-                <a:tc>
-                  <a:txBody>
-                    <a:bodyPr/>
-                    <a:lstStyle/>
-                    <a:p>
-                      <a:pPr algn="ctr" fontAlgn="ctr"/>
-                      <a:r>
-                        <a:rPr lang="en-US" altLang="zh-CN" sz="1800" u="none" strike="noStrike">
-                          <a:effectLst/>
-                        </a:rPr>
-                        <a:t>0</a:t>
-                      </a:r>
-                      <a:endParaRPr lang="en-US" altLang="zh-CN" sz="1800" b="0" i="0" u="none" strike="noStrike">
-                        <a:solidFill>
-                          <a:srgbClr val="000000"/>
-                        </a:solidFill>
-                        <a:effectLst/>
-                        <a:latin typeface="等线" panose="02010600030101010101" pitchFamily="2" charset="-122"/>
-                        <a:ea typeface="等线" panose="02010600030101010101" pitchFamily="2" charset="-122"/>
-                      </a:endParaRPr>
-                    </a:p>
-                  </a:txBody>
-                  <a:tcPr marL="7620" marR="7620" marT="7620" marB="0" anchor="ctr"/>
-                </a:tc>
-                <a:tc>
-                  <a:txBody>
-                    <a:bodyPr/>
-                    <a:lstStyle/>
-                    <a:p>
-                      <a:pPr algn="ctr" fontAlgn="ctr"/>
-                      <a:r>
-                        <a:rPr lang="en-US" altLang="zh-CN" sz="1800" u="none" strike="noStrike">
-                          <a:effectLst/>
-                        </a:rPr>
-                        <a:t>0</a:t>
-                      </a:r>
-                      <a:endParaRPr lang="en-US" altLang="zh-CN" sz="1800" b="0" i="0" u="none" strike="noStrike">
-                        <a:solidFill>
-                          <a:srgbClr val="000000"/>
-                        </a:solidFill>
-                        <a:effectLst/>
-                        <a:latin typeface="等线" panose="02010600030101010101" pitchFamily="2" charset="-122"/>
-                        <a:ea typeface="等线" panose="02010600030101010101" pitchFamily="2" charset="-122"/>
-                      </a:endParaRPr>
-                    </a:p>
-                  </a:txBody>
-                  <a:tcPr marL="7620" marR="7620" marT="7620" marB="0" anchor="ctr"/>
-                </a:tc>
-                <a:extLst>
-                  <a:ext uri="{0D108BD9-81ED-4DB2-BD59-A6C34878D82A}">
-                    <a16:rowId xmlns:a16="http://schemas.microsoft.com/office/drawing/2014/main" val="3870316877"/>
-                  </a:ext>
-                </a:extLst>
-              </a:tr>
-            </a:tbl>
-          </a:graphicData>
-        </a:graphic>
-      </p:graphicFrame>
-      <p:graphicFrame>
-        <p:nvGraphicFramePr>
-          <p:cNvPr id="4" name="表格 3">
+          </p:nvPr>
+        </p:nvPicPr>
+        <p:blipFill>
+          <a:blip r:embed="rId2">
+            <a:extLst>
+              <a:ext uri="{28A0092B-C50C-407E-A947-70E740481C1C}">
+                <a14:useLocalDpi xmlns:a14="http://schemas.microsoft.com/office/drawing/2010/main" val="0"/>
+              </a:ext>
+            </a:extLst>
+          </a:blip>
+          <a:stretch>
+            <a:fillRect/>
+          </a:stretch>
+        </p:blipFill>
+        <p:spPr>
+          <a:xfrm>
+            <a:off x="2838616" y="1512434"/>
+            <a:ext cx="3904090" cy="5205454"/>
+          </a:xfrm>
+        </p:spPr>
+      </p:pic>
+    </p:spTree>
+    <p:extLst>
+      <p:ext uri="{BB962C8B-B14F-4D97-AF65-F5344CB8AC3E}">
+        <p14:creationId xmlns:p14="http://schemas.microsoft.com/office/powerpoint/2010/main" val="1910149389"/>
+      </p:ext>
+    </p:extLst>
+  </p:cSld>
+  <p:clrMapOvr>
+    <a:masterClrMapping/>
+  </p:clrMapOvr>
+</p:sld>
+</file>
+
+<file path=ppt/slides/slide18.xml><?xml version="1.0" encoding="utf-8"?>
+<p:sld xmlns:a="http://schemas.openxmlformats.org/drawingml/2006/main" xmlns:r="http://schemas.openxmlformats.org/officeDocument/2006/relationships" xmlns:p="http://schemas.openxmlformats.org/presentationml/2006/main">
+  <p:cSld>
+    <p:spTree>
+      <p:nvGrpSpPr>
+        <p:cNvPr id="1" name=""/>
+        <p:cNvGrpSpPr/>
+        <p:nvPr/>
+      </p:nvGrpSpPr>
+      <p:grpSpPr>
+        <a:xfrm>
+          <a:off x="0" y="0"/>
+          <a:ext cx="0" cy="0"/>
+          <a:chOff x="0" y="0"/>
+          <a:chExt cx="0" cy="0"/>
+        </a:xfrm>
+      </p:grpSpPr>
+      <p:sp>
+        <p:nvSpPr>
+          <p:cNvPr id="2" name="标题 1">
             <a:extLst>
               <a:ext uri="{FF2B5EF4-FFF2-40B4-BE49-F238E27FC236}">
-                <a16:creationId xmlns:a16="http://schemas.microsoft.com/office/drawing/2014/main" id="{F48FA23E-A9DF-4E9B-BE7D-DA10A2678EC4}"/>
+                <a16:creationId xmlns:a16="http://schemas.microsoft.com/office/drawing/2014/main" id="{477677DB-EE33-4D12-AA2E-48D94CFECE73}"/>
               </a:ext>
             </a:extLst>
           </p:cNvPr>
-          <p:cNvGraphicFramePr>
-            <a:graphicFrameLocks noGrp="1"/>
-          </p:cNvGraphicFramePr>
-          <p:nvPr>
-            <p:extLst>
-              <p:ext uri="{D42A27DB-BD31-4B8C-83A1-F6EECF244321}">
-                <p14:modId xmlns:p14="http://schemas.microsoft.com/office/powerpoint/2010/main" val="1661465069"/>
-              </p:ext>
-            </p:extLst>
-          </p:nvPr>
-        </p:nvGraphicFramePr>
-        <p:xfrm>
-          <a:off x="4444777" y="3285044"/>
-          <a:ext cx="3371358" cy="1409700"/>
-        </p:xfrm>
-        <a:graphic>
-          <a:graphicData uri="http://schemas.openxmlformats.org/drawingml/2006/table">
-            <a:tbl>
-              <a:tblPr>
-                <a:tableStyleId>{5C22544A-7EE6-4342-B048-85BDC9FD1C3A}</a:tableStyleId>
-              </a:tblPr>
-              <a:tblGrid>
-                <a:gridCol w="836928">
-                  <a:extLst>
-                    <a:ext uri="{9D8B030D-6E8A-4147-A177-3AD203B41FA5}">
-                      <a16:colId xmlns:a16="http://schemas.microsoft.com/office/drawing/2014/main" val="550438623"/>
-                    </a:ext>
-                  </a:extLst>
-                </a:gridCol>
-                <a:gridCol w="586162">
-                  <a:extLst>
-                    <a:ext uri="{9D8B030D-6E8A-4147-A177-3AD203B41FA5}">
-                      <a16:colId xmlns:a16="http://schemas.microsoft.com/office/drawing/2014/main" val="3560520730"/>
-                    </a:ext>
-                  </a:extLst>
-                </a:gridCol>
-                <a:gridCol w="586162">
-                  <a:extLst>
-                    <a:ext uri="{9D8B030D-6E8A-4147-A177-3AD203B41FA5}">
-                      <a16:colId xmlns:a16="http://schemas.microsoft.com/office/drawing/2014/main" val="3017517785"/>
-                    </a:ext>
-                  </a:extLst>
-                </a:gridCol>
-                <a:gridCol w="629354">
-                  <a:extLst>
-                    <a:ext uri="{9D8B030D-6E8A-4147-A177-3AD203B41FA5}">
-                      <a16:colId xmlns:a16="http://schemas.microsoft.com/office/drawing/2014/main" val="340348876"/>
-                    </a:ext>
-                  </a:extLst>
-                </a:gridCol>
-                <a:gridCol w="732752">
-                  <a:extLst>
-                    <a:ext uri="{9D8B030D-6E8A-4147-A177-3AD203B41FA5}">
-                      <a16:colId xmlns:a16="http://schemas.microsoft.com/office/drawing/2014/main" val="2636546198"/>
-                    </a:ext>
-                  </a:extLst>
-                </a:gridCol>
-              </a:tblGrid>
-              <a:tr h="281245">
-                <a:tc>
-                  <a:txBody>
-                    <a:bodyPr/>
-                    <a:lstStyle/>
-                    <a:p>
-                      <a:pPr algn="ctr" fontAlgn="ctr"/>
-                      <a:r>
-                        <a:rPr lang="zh-CN" altLang="en-US" sz="1800" u="none" strike="noStrike">
-                          <a:effectLst/>
-                        </a:rPr>
-                        <a:t>职业</a:t>
-                      </a:r>
-                      <a:endParaRPr lang="zh-CN" altLang="en-US" sz="1800" b="0" i="0" u="none" strike="noStrike">
-                        <a:solidFill>
-                          <a:srgbClr val="000000"/>
-                        </a:solidFill>
-                        <a:effectLst/>
-                        <a:latin typeface="等线" panose="02010600030101010101" pitchFamily="2" charset="-122"/>
-                        <a:ea typeface="等线" panose="02010600030101010101" pitchFamily="2" charset="-122"/>
-                      </a:endParaRPr>
-                    </a:p>
-                  </a:txBody>
-                  <a:tcPr marL="7620" marR="7620" marT="7620" marB="0" anchor="ctr"/>
-                </a:tc>
-                <a:tc>
-                  <a:txBody>
-                    <a:bodyPr/>
-                    <a:lstStyle/>
-                    <a:p>
-                      <a:pPr algn="ctr" fontAlgn="ctr"/>
-                      <a:r>
-                        <a:rPr lang="zh-CN" altLang="en-US" sz="1800" u="none" strike="noStrike">
-                          <a:effectLst/>
-                        </a:rPr>
-                        <a:t>力量</a:t>
-                      </a:r>
-                      <a:endParaRPr lang="zh-CN" altLang="en-US" sz="1800" b="0" i="0" u="none" strike="noStrike">
-                        <a:solidFill>
-                          <a:srgbClr val="000000"/>
-                        </a:solidFill>
-                        <a:effectLst/>
-                        <a:latin typeface="等线" panose="02010600030101010101" pitchFamily="2" charset="-122"/>
-                        <a:ea typeface="等线" panose="02010600030101010101" pitchFamily="2" charset="-122"/>
-                      </a:endParaRPr>
-                    </a:p>
-                  </a:txBody>
-                  <a:tcPr marL="7620" marR="7620" marT="7620" marB="0" anchor="ctr"/>
-                </a:tc>
-                <a:tc>
-                  <a:txBody>
-                    <a:bodyPr/>
-                    <a:lstStyle/>
-                    <a:p>
-                      <a:pPr algn="ctr" fontAlgn="ctr"/>
-                      <a:r>
-                        <a:rPr lang="zh-CN" altLang="en-US" sz="1800" u="none" strike="noStrike">
-                          <a:effectLst/>
-                        </a:rPr>
-                        <a:t>魔法</a:t>
-                      </a:r>
-                      <a:endParaRPr lang="zh-CN" altLang="en-US" sz="1800" b="0" i="0" u="none" strike="noStrike">
-                        <a:solidFill>
-                          <a:srgbClr val="000000"/>
-                        </a:solidFill>
-                        <a:effectLst/>
-                        <a:latin typeface="等线" panose="02010600030101010101" pitchFamily="2" charset="-122"/>
-                        <a:ea typeface="等线" panose="02010600030101010101" pitchFamily="2" charset="-122"/>
-                      </a:endParaRPr>
-                    </a:p>
-                  </a:txBody>
-                  <a:tcPr marL="7620" marR="7620" marT="7620" marB="0" anchor="ctr"/>
-                </a:tc>
-                <a:tc>
-                  <a:txBody>
-                    <a:bodyPr/>
-                    <a:lstStyle/>
-                    <a:p>
-                      <a:pPr algn="ctr" fontAlgn="ctr"/>
-                      <a:r>
-                        <a:rPr lang="zh-CN" altLang="en-US" sz="1800" u="none" strike="noStrike">
-                          <a:effectLst/>
-                        </a:rPr>
-                        <a:t>血槽</a:t>
-                      </a:r>
-                      <a:endParaRPr lang="zh-CN" altLang="en-US" sz="1800" b="0" i="0" u="none" strike="noStrike">
-                        <a:solidFill>
-                          <a:srgbClr val="000000"/>
-                        </a:solidFill>
-                        <a:effectLst/>
-                        <a:latin typeface="等线" panose="02010600030101010101" pitchFamily="2" charset="-122"/>
-                        <a:ea typeface="等线" panose="02010600030101010101" pitchFamily="2" charset="-122"/>
-                      </a:endParaRPr>
-                    </a:p>
-                  </a:txBody>
-                  <a:tcPr marL="7620" marR="7620" marT="7620" marB="0" anchor="ctr"/>
-                </a:tc>
-                <a:tc>
-                  <a:txBody>
-                    <a:bodyPr/>
-                    <a:lstStyle/>
-                    <a:p>
-                      <a:pPr algn="ctr" fontAlgn="ctr"/>
-                      <a:r>
-                        <a:rPr lang="zh-CN" altLang="en-US" sz="1800" u="none" strike="noStrike">
-                          <a:effectLst/>
-                        </a:rPr>
-                        <a:t>敏捷</a:t>
-                      </a:r>
-                      <a:endParaRPr lang="zh-CN" altLang="en-US" sz="1800" b="0" i="0" u="none" strike="noStrike">
-                        <a:solidFill>
-                          <a:srgbClr val="000000"/>
-                        </a:solidFill>
-                        <a:effectLst/>
-                        <a:latin typeface="等线" panose="02010600030101010101" pitchFamily="2" charset="-122"/>
-                        <a:ea typeface="等线" panose="02010600030101010101" pitchFamily="2" charset="-122"/>
-                      </a:endParaRPr>
-                    </a:p>
-                  </a:txBody>
-                  <a:tcPr marL="7620" marR="7620" marT="7620" marB="0" anchor="ctr"/>
-                </a:tc>
-                <a:extLst>
-                  <a:ext uri="{0D108BD9-81ED-4DB2-BD59-A6C34878D82A}">
-                    <a16:rowId xmlns:a16="http://schemas.microsoft.com/office/drawing/2014/main" val="2416650654"/>
-                  </a:ext>
-                </a:extLst>
-              </a:tr>
-              <a:tr h="281245">
-                <a:tc>
-                  <a:txBody>
-                    <a:bodyPr/>
-                    <a:lstStyle/>
-                    <a:p>
-                      <a:pPr algn="ctr" fontAlgn="ctr"/>
-                      <a:r>
-                        <a:rPr lang="zh-CN" altLang="en-US" sz="1800" u="none" strike="noStrike">
-                          <a:effectLst/>
-                        </a:rPr>
-                        <a:t>骑士</a:t>
-                      </a:r>
-                      <a:endParaRPr lang="zh-CN" altLang="en-US" sz="1800" b="0" i="0" u="none" strike="noStrike">
-                        <a:solidFill>
-                          <a:srgbClr val="000000"/>
-                        </a:solidFill>
-                        <a:effectLst/>
-                        <a:latin typeface="等线" panose="02010600030101010101" pitchFamily="2" charset="-122"/>
-                        <a:ea typeface="等线" panose="02010600030101010101" pitchFamily="2" charset="-122"/>
-                      </a:endParaRPr>
-                    </a:p>
-                  </a:txBody>
-                  <a:tcPr marL="7620" marR="7620" marT="7620" marB="0" anchor="ctr"/>
-                </a:tc>
-                <a:tc>
-                  <a:txBody>
-                    <a:bodyPr/>
-                    <a:lstStyle/>
-                    <a:p>
-                      <a:pPr algn="ctr" fontAlgn="ctr"/>
-                      <a:r>
-                        <a:rPr lang="en-US" altLang="zh-CN" sz="1800" u="none" strike="noStrike">
-                          <a:effectLst/>
-                        </a:rPr>
-                        <a:t>90</a:t>
-                      </a:r>
-                      <a:endParaRPr lang="en-US" altLang="zh-CN" sz="1800" b="0" i="0" u="none" strike="noStrike">
-                        <a:solidFill>
-                          <a:srgbClr val="000000"/>
-                        </a:solidFill>
-                        <a:effectLst/>
-                        <a:latin typeface="等线" panose="02010600030101010101" pitchFamily="2" charset="-122"/>
-                        <a:ea typeface="等线" panose="02010600030101010101" pitchFamily="2" charset="-122"/>
-                      </a:endParaRPr>
-                    </a:p>
-                  </a:txBody>
-                  <a:tcPr marL="7620" marR="7620" marT="7620" marB="0" anchor="ctr"/>
-                </a:tc>
-                <a:tc>
-                  <a:txBody>
-                    <a:bodyPr/>
-                    <a:lstStyle/>
-                    <a:p>
-                      <a:pPr algn="ctr" fontAlgn="ctr"/>
-                      <a:r>
-                        <a:rPr lang="en-US" altLang="zh-CN" sz="1800" u="none" strike="noStrike">
-                          <a:effectLst/>
-                        </a:rPr>
-                        <a:t>30</a:t>
-                      </a:r>
-                      <a:endParaRPr lang="en-US" altLang="zh-CN" sz="1800" b="0" i="0" u="none" strike="noStrike">
-                        <a:solidFill>
-                          <a:srgbClr val="000000"/>
-                        </a:solidFill>
-                        <a:effectLst/>
-                        <a:latin typeface="等线" panose="02010600030101010101" pitchFamily="2" charset="-122"/>
-                        <a:ea typeface="等线" panose="02010600030101010101" pitchFamily="2" charset="-122"/>
-                      </a:endParaRPr>
-                    </a:p>
-                  </a:txBody>
-                  <a:tcPr marL="7620" marR="7620" marT="7620" marB="0" anchor="ctr"/>
-                </a:tc>
-                <a:tc>
-                  <a:txBody>
-                    <a:bodyPr/>
-                    <a:lstStyle/>
-                    <a:p>
-                      <a:pPr algn="ctr" fontAlgn="ctr"/>
-                      <a:r>
-                        <a:rPr lang="en-US" altLang="zh-CN" sz="1800" u="none" strike="noStrike">
-                          <a:effectLst/>
-                        </a:rPr>
-                        <a:t>100</a:t>
-                      </a:r>
-                      <a:endParaRPr lang="en-US" altLang="zh-CN" sz="1800" b="0" i="0" u="none" strike="noStrike">
-                        <a:solidFill>
-                          <a:srgbClr val="000000"/>
-                        </a:solidFill>
-                        <a:effectLst/>
-                        <a:latin typeface="等线" panose="02010600030101010101" pitchFamily="2" charset="-122"/>
-                        <a:ea typeface="等线" panose="02010600030101010101" pitchFamily="2" charset="-122"/>
-                      </a:endParaRPr>
-                    </a:p>
-                  </a:txBody>
-                  <a:tcPr marL="7620" marR="7620" marT="7620" marB="0" anchor="ctr"/>
-                </a:tc>
-                <a:tc>
-                  <a:txBody>
-                    <a:bodyPr/>
-                    <a:lstStyle/>
-                    <a:p>
-                      <a:pPr algn="ctr" fontAlgn="ctr"/>
-                      <a:r>
-                        <a:rPr lang="en-US" altLang="zh-CN" sz="1800" u="none" strike="noStrike">
-                          <a:effectLst/>
-                        </a:rPr>
-                        <a:t>60</a:t>
-                      </a:r>
-                      <a:endParaRPr lang="en-US" altLang="zh-CN" sz="1800" b="0" i="0" u="none" strike="noStrike">
-                        <a:solidFill>
-                          <a:srgbClr val="000000"/>
-                        </a:solidFill>
-                        <a:effectLst/>
-                        <a:latin typeface="等线" panose="02010600030101010101" pitchFamily="2" charset="-122"/>
-                        <a:ea typeface="等线" panose="02010600030101010101" pitchFamily="2" charset="-122"/>
-                      </a:endParaRPr>
-                    </a:p>
-                  </a:txBody>
-                  <a:tcPr marL="7620" marR="7620" marT="7620" marB="0" anchor="ctr"/>
-                </a:tc>
-                <a:extLst>
-                  <a:ext uri="{0D108BD9-81ED-4DB2-BD59-A6C34878D82A}">
-                    <a16:rowId xmlns:a16="http://schemas.microsoft.com/office/drawing/2014/main" val="2535390638"/>
-                  </a:ext>
-                </a:extLst>
-              </a:tr>
-              <a:tr h="281245">
-                <a:tc>
-                  <a:txBody>
-                    <a:bodyPr/>
-                    <a:lstStyle/>
-                    <a:p>
-                      <a:pPr algn="ctr" fontAlgn="ctr"/>
-                      <a:r>
-                        <a:rPr lang="zh-CN" altLang="en-US" sz="1800" u="none" strike="noStrike">
-                          <a:effectLst/>
-                        </a:rPr>
-                        <a:t>魔法师</a:t>
-                      </a:r>
-                      <a:endParaRPr lang="zh-CN" altLang="en-US" sz="1800" b="0" i="0" u="none" strike="noStrike">
-                        <a:solidFill>
-                          <a:srgbClr val="000000"/>
-                        </a:solidFill>
-                        <a:effectLst/>
-                        <a:latin typeface="等线" panose="02010600030101010101" pitchFamily="2" charset="-122"/>
-                        <a:ea typeface="等线" panose="02010600030101010101" pitchFamily="2" charset="-122"/>
-                      </a:endParaRPr>
-                    </a:p>
-                  </a:txBody>
-                  <a:tcPr marL="7620" marR="7620" marT="7620" marB="0" anchor="ctr"/>
-                </a:tc>
-                <a:tc>
-                  <a:txBody>
-                    <a:bodyPr/>
-                    <a:lstStyle/>
-                    <a:p>
-                      <a:pPr algn="ctr" fontAlgn="ctr"/>
-                      <a:r>
-                        <a:rPr lang="en-US" altLang="zh-CN" sz="1800" u="none" strike="noStrike">
-                          <a:effectLst/>
-                        </a:rPr>
-                        <a:t>30</a:t>
-                      </a:r>
-                      <a:endParaRPr lang="en-US" altLang="zh-CN" sz="1800" b="0" i="0" u="none" strike="noStrike">
-                        <a:solidFill>
-                          <a:srgbClr val="000000"/>
-                        </a:solidFill>
-                        <a:effectLst/>
-                        <a:latin typeface="等线" panose="02010600030101010101" pitchFamily="2" charset="-122"/>
-                        <a:ea typeface="等线" panose="02010600030101010101" pitchFamily="2" charset="-122"/>
-                      </a:endParaRPr>
-                    </a:p>
-                  </a:txBody>
-                  <a:tcPr marL="7620" marR="7620" marT="7620" marB="0" anchor="ctr"/>
-                </a:tc>
-                <a:tc>
-                  <a:txBody>
-                    <a:bodyPr/>
-                    <a:lstStyle/>
-                    <a:p>
-                      <a:pPr algn="ctr" fontAlgn="ctr"/>
-                      <a:r>
-                        <a:rPr lang="en-US" altLang="zh-CN" sz="1800" u="none" strike="noStrike">
-                          <a:effectLst/>
-                        </a:rPr>
-                        <a:t>100</a:t>
-                      </a:r>
-                      <a:endParaRPr lang="en-US" altLang="zh-CN" sz="1800" b="0" i="0" u="none" strike="noStrike">
-                        <a:solidFill>
-                          <a:srgbClr val="000000"/>
-                        </a:solidFill>
-                        <a:effectLst/>
-                        <a:latin typeface="等线" panose="02010600030101010101" pitchFamily="2" charset="-122"/>
-                        <a:ea typeface="等线" panose="02010600030101010101" pitchFamily="2" charset="-122"/>
-                      </a:endParaRPr>
-                    </a:p>
-                  </a:txBody>
-                  <a:tcPr marL="7620" marR="7620" marT="7620" marB="0" anchor="ctr"/>
-                </a:tc>
-                <a:tc>
-                  <a:txBody>
-                    <a:bodyPr/>
-                    <a:lstStyle/>
-                    <a:p>
-                      <a:pPr algn="ctr" fontAlgn="ctr"/>
-                      <a:r>
-                        <a:rPr lang="en-US" altLang="zh-CN" sz="1800" u="none" strike="noStrike">
-                          <a:effectLst/>
-                        </a:rPr>
-                        <a:t>30</a:t>
-                      </a:r>
-                      <a:endParaRPr lang="en-US" altLang="zh-CN" sz="1800" b="0" i="0" u="none" strike="noStrike">
-                        <a:solidFill>
-                          <a:srgbClr val="000000"/>
-                        </a:solidFill>
-                        <a:effectLst/>
-                        <a:latin typeface="等线" panose="02010600030101010101" pitchFamily="2" charset="-122"/>
-                        <a:ea typeface="等线" panose="02010600030101010101" pitchFamily="2" charset="-122"/>
-                      </a:endParaRPr>
-                    </a:p>
-                  </a:txBody>
-                  <a:tcPr marL="7620" marR="7620" marT="7620" marB="0" anchor="ctr"/>
-                </a:tc>
-                <a:tc>
-                  <a:txBody>
-                    <a:bodyPr/>
-                    <a:lstStyle/>
-                    <a:p>
-                      <a:pPr algn="ctr" fontAlgn="ctr"/>
-                      <a:r>
-                        <a:rPr lang="en-US" altLang="zh-CN" sz="1800" u="none" strike="noStrike">
-                          <a:effectLst/>
-                        </a:rPr>
-                        <a:t>80</a:t>
-                      </a:r>
-                      <a:endParaRPr lang="en-US" altLang="zh-CN" sz="1800" b="0" i="0" u="none" strike="noStrike">
-                        <a:solidFill>
-                          <a:srgbClr val="000000"/>
-                        </a:solidFill>
-                        <a:effectLst/>
-                        <a:latin typeface="等线" panose="02010600030101010101" pitchFamily="2" charset="-122"/>
-                        <a:ea typeface="等线" panose="02010600030101010101" pitchFamily="2" charset="-122"/>
-                      </a:endParaRPr>
-                    </a:p>
-                  </a:txBody>
-                  <a:tcPr marL="7620" marR="7620" marT="7620" marB="0" anchor="ctr"/>
-                </a:tc>
-                <a:extLst>
-                  <a:ext uri="{0D108BD9-81ED-4DB2-BD59-A6C34878D82A}">
-                    <a16:rowId xmlns:a16="http://schemas.microsoft.com/office/drawing/2014/main" val="654852498"/>
-                  </a:ext>
-                </a:extLst>
-              </a:tr>
-              <a:tr h="281245">
-                <a:tc>
-                  <a:txBody>
-                    <a:bodyPr/>
-                    <a:lstStyle/>
-                    <a:p>
-                      <a:pPr algn="ctr" fontAlgn="ctr"/>
-                      <a:r>
-                        <a:rPr lang="zh-CN" altLang="en-US" sz="1800" u="none" strike="noStrike">
-                          <a:effectLst/>
-                        </a:rPr>
-                        <a:t>剑士</a:t>
-                      </a:r>
-                      <a:endParaRPr lang="zh-CN" altLang="en-US" sz="1800" b="0" i="0" u="none" strike="noStrike">
-                        <a:solidFill>
-                          <a:srgbClr val="000000"/>
-                        </a:solidFill>
-                        <a:effectLst/>
-                        <a:latin typeface="等线" panose="02010600030101010101" pitchFamily="2" charset="-122"/>
-                        <a:ea typeface="等线" panose="02010600030101010101" pitchFamily="2" charset="-122"/>
-                      </a:endParaRPr>
-                    </a:p>
-                  </a:txBody>
-                  <a:tcPr marL="7620" marR="7620" marT="7620" marB="0" anchor="ctr"/>
-                </a:tc>
-                <a:tc>
-                  <a:txBody>
-                    <a:bodyPr/>
-                    <a:lstStyle/>
-                    <a:p>
-                      <a:pPr algn="ctr" fontAlgn="ctr"/>
-                      <a:r>
-                        <a:rPr lang="en-US" altLang="zh-CN" sz="1800" u="none" strike="noStrike">
-                          <a:effectLst/>
-                        </a:rPr>
-                        <a:t>100</a:t>
-                      </a:r>
-                      <a:endParaRPr lang="en-US" altLang="zh-CN" sz="1800" b="0" i="0" u="none" strike="noStrike">
-                        <a:solidFill>
-                          <a:srgbClr val="000000"/>
-                        </a:solidFill>
-                        <a:effectLst/>
-                        <a:latin typeface="等线" panose="02010600030101010101" pitchFamily="2" charset="-122"/>
-                        <a:ea typeface="等线" panose="02010600030101010101" pitchFamily="2" charset="-122"/>
-                      </a:endParaRPr>
-                    </a:p>
-                  </a:txBody>
-                  <a:tcPr marL="7620" marR="7620" marT="7620" marB="0" anchor="ctr"/>
-                </a:tc>
-                <a:tc>
-                  <a:txBody>
-                    <a:bodyPr/>
-                    <a:lstStyle/>
-                    <a:p>
-                      <a:pPr algn="ctr" fontAlgn="ctr"/>
-                      <a:r>
-                        <a:rPr lang="en-US" altLang="zh-CN" sz="1800" u="none" strike="noStrike">
-                          <a:effectLst/>
-                        </a:rPr>
-                        <a:t>30</a:t>
-                      </a:r>
-                      <a:endParaRPr lang="en-US" altLang="zh-CN" sz="1800" b="0" i="0" u="none" strike="noStrike">
-                        <a:solidFill>
-                          <a:srgbClr val="000000"/>
-                        </a:solidFill>
-                        <a:effectLst/>
-                        <a:latin typeface="等线" panose="02010600030101010101" pitchFamily="2" charset="-122"/>
-                        <a:ea typeface="等线" panose="02010600030101010101" pitchFamily="2" charset="-122"/>
-                      </a:endParaRPr>
-                    </a:p>
-                  </a:txBody>
-                  <a:tcPr marL="7620" marR="7620" marT="7620" marB="0" anchor="ctr"/>
-                </a:tc>
-                <a:tc>
-                  <a:txBody>
-                    <a:bodyPr/>
-                    <a:lstStyle/>
-                    <a:p>
-                      <a:pPr algn="ctr" fontAlgn="ctr"/>
-                      <a:r>
-                        <a:rPr lang="en-US" altLang="zh-CN" sz="1800" u="none" strike="noStrike">
-                          <a:effectLst/>
-                        </a:rPr>
-                        <a:t>90</a:t>
-                      </a:r>
-                      <a:endParaRPr lang="en-US" altLang="zh-CN" sz="1800" b="0" i="0" u="none" strike="noStrike">
-                        <a:solidFill>
-                          <a:srgbClr val="000000"/>
-                        </a:solidFill>
-                        <a:effectLst/>
-                        <a:latin typeface="等线" panose="02010600030101010101" pitchFamily="2" charset="-122"/>
-                        <a:ea typeface="等线" panose="02010600030101010101" pitchFamily="2" charset="-122"/>
-                      </a:endParaRPr>
-                    </a:p>
-                  </a:txBody>
-                  <a:tcPr marL="7620" marR="7620" marT="7620" marB="0" anchor="ctr"/>
-                </a:tc>
-                <a:tc>
-                  <a:txBody>
-                    <a:bodyPr/>
-                    <a:lstStyle/>
-                    <a:p>
-                      <a:pPr algn="ctr" fontAlgn="ctr"/>
-                      <a:r>
-                        <a:rPr lang="en-US" altLang="zh-CN" sz="1800" u="none" strike="noStrike">
-                          <a:effectLst/>
-                        </a:rPr>
-                        <a:t>90</a:t>
-                      </a:r>
-                      <a:endParaRPr lang="en-US" altLang="zh-CN" sz="1800" b="0" i="0" u="none" strike="noStrike">
-                        <a:solidFill>
-                          <a:srgbClr val="000000"/>
-                        </a:solidFill>
-                        <a:effectLst/>
-                        <a:latin typeface="等线" panose="02010600030101010101" pitchFamily="2" charset="-122"/>
-                        <a:ea typeface="等线" panose="02010600030101010101" pitchFamily="2" charset="-122"/>
-                      </a:endParaRPr>
-                    </a:p>
-                  </a:txBody>
-                  <a:tcPr marL="7620" marR="7620" marT="7620" marB="0" anchor="ctr"/>
-                </a:tc>
-                <a:extLst>
-                  <a:ext uri="{0D108BD9-81ED-4DB2-BD59-A6C34878D82A}">
-                    <a16:rowId xmlns:a16="http://schemas.microsoft.com/office/drawing/2014/main" val="2748458684"/>
-                  </a:ext>
-                </a:extLst>
-              </a:tr>
-              <a:tr h="281245">
-                <a:tc>
-                  <a:txBody>
-                    <a:bodyPr/>
-                    <a:lstStyle/>
-                    <a:p>
-                      <a:pPr algn="ctr" fontAlgn="ctr"/>
-                      <a:r>
-                        <a:rPr lang="zh-CN" altLang="en-US" sz="1800" u="none" strike="noStrike">
-                          <a:effectLst/>
-                        </a:rPr>
-                        <a:t>弓箭手</a:t>
-                      </a:r>
-                      <a:endParaRPr lang="zh-CN" altLang="en-US" sz="1800" b="0" i="0" u="none" strike="noStrike">
-                        <a:solidFill>
-                          <a:srgbClr val="000000"/>
-                        </a:solidFill>
-                        <a:effectLst/>
-                        <a:latin typeface="等线" panose="02010600030101010101" pitchFamily="2" charset="-122"/>
-                        <a:ea typeface="等线" panose="02010600030101010101" pitchFamily="2" charset="-122"/>
-                      </a:endParaRPr>
-                    </a:p>
-                  </a:txBody>
-                  <a:tcPr marL="7620" marR="7620" marT="7620" marB="0" anchor="ctr"/>
-                </a:tc>
-                <a:tc>
-                  <a:txBody>
-                    <a:bodyPr/>
-                    <a:lstStyle/>
-                    <a:p>
-                      <a:pPr algn="ctr" fontAlgn="ctr"/>
-                      <a:r>
-                        <a:rPr lang="en-US" altLang="zh-CN" sz="1800" u="none" strike="noStrike">
-                          <a:effectLst/>
-                        </a:rPr>
-                        <a:t>80</a:t>
-                      </a:r>
-                      <a:endParaRPr lang="en-US" altLang="zh-CN" sz="1800" b="0" i="0" u="none" strike="noStrike">
-                        <a:solidFill>
-                          <a:srgbClr val="000000"/>
-                        </a:solidFill>
-                        <a:effectLst/>
-                        <a:latin typeface="等线" panose="02010600030101010101" pitchFamily="2" charset="-122"/>
-                        <a:ea typeface="等线" panose="02010600030101010101" pitchFamily="2" charset="-122"/>
-                      </a:endParaRPr>
-                    </a:p>
-                  </a:txBody>
-                  <a:tcPr marL="7620" marR="7620" marT="7620" marB="0" anchor="ctr"/>
-                </a:tc>
-                <a:tc>
-                  <a:txBody>
-                    <a:bodyPr/>
-                    <a:lstStyle/>
-                    <a:p>
-                      <a:pPr algn="ctr" fontAlgn="ctr"/>
-                      <a:r>
-                        <a:rPr lang="en-US" altLang="zh-CN" sz="1800" u="none" strike="noStrike">
-                          <a:effectLst/>
-                        </a:rPr>
-                        <a:t>40</a:t>
-                      </a:r>
-                      <a:endParaRPr lang="en-US" altLang="zh-CN" sz="1800" b="0" i="0" u="none" strike="noStrike">
-                        <a:solidFill>
-                          <a:srgbClr val="000000"/>
-                        </a:solidFill>
-                        <a:effectLst/>
-                        <a:latin typeface="等线" panose="02010600030101010101" pitchFamily="2" charset="-122"/>
-                        <a:ea typeface="等线" panose="02010600030101010101" pitchFamily="2" charset="-122"/>
-                      </a:endParaRPr>
-                    </a:p>
-                  </a:txBody>
-                  <a:tcPr marL="7620" marR="7620" marT="7620" marB="0" anchor="ctr"/>
-                </a:tc>
-                <a:tc>
-                  <a:txBody>
-                    <a:bodyPr/>
-                    <a:lstStyle/>
-                    <a:p>
-                      <a:pPr algn="ctr" fontAlgn="ctr"/>
-                      <a:r>
-                        <a:rPr lang="en-US" altLang="zh-CN" sz="1800" u="none" strike="noStrike">
-                          <a:effectLst/>
-                        </a:rPr>
-                        <a:t>60</a:t>
-                      </a:r>
-                      <a:endParaRPr lang="en-US" altLang="zh-CN" sz="1800" b="0" i="0" u="none" strike="noStrike">
-                        <a:solidFill>
-                          <a:srgbClr val="000000"/>
-                        </a:solidFill>
-                        <a:effectLst/>
-                        <a:latin typeface="等线" panose="02010600030101010101" pitchFamily="2" charset="-122"/>
-                        <a:ea typeface="等线" panose="02010600030101010101" pitchFamily="2" charset="-122"/>
-                      </a:endParaRPr>
-                    </a:p>
-                  </a:txBody>
-                  <a:tcPr marL="7620" marR="7620" marT="7620" marB="0" anchor="ctr"/>
-                </a:tc>
-                <a:tc>
-                  <a:txBody>
-                    <a:bodyPr/>
-                    <a:lstStyle/>
-                    <a:p>
-                      <a:pPr algn="ctr" fontAlgn="ctr"/>
-                      <a:r>
-                        <a:rPr lang="en-US" altLang="zh-CN" sz="1800" u="none" strike="noStrike">
-                          <a:effectLst/>
-                        </a:rPr>
-                        <a:t>100</a:t>
-                      </a:r>
-                      <a:endParaRPr lang="en-US" altLang="zh-CN" sz="1800" b="0" i="0" u="none" strike="noStrike">
-                        <a:solidFill>
-                          <a:srgbClr val="000000"/>
-                        </a:solidFill>
-                        <a:effectLst/>
-                        <a:latin typeface="等线" panose="02010600030101010101" pitchFamily="2" charset="-122"/>
-                        <a:ea typeface="等线" panose="02010600030101010101" pitchFamily="2" charset="-122"/>
-                      </a:endParaRPr>
-                    </a:p>
-                  </a:txBody>
-                  <a:tcPr marL="7620" marR="7620" marT="7620" marB="0" anchor="ctr"/>
-                </a:tc>
-                <a:extLst>
-                  <a:ext uri="{0D108BD9-81ED-4DB2-BD59-A6C34878D82A}">
-                    <a16:rowId xmlns:a16="http://schemas.microsoft.com/office/drawing/2014/main" val="950453381"/>
-                  </a:ext>
-                </a:extLst>
-              </a:tr>
-            </a:tbl>
-          </a:graphicData>
-        </a:graphic>
-      </p:graphicFrame>
-      <p:sp>
-        <p:nvSpPr>
-          <p:cNvPr id="6" name="乘号 5">
+          <p:cNvSpPr>
+            <a:spLocks noGrp="1"/>
+          </p:cNvSpPr>
+          <p:nvPr>
+            <p:ph type="title"/>
+          </p:nvPr>
+        </p:nvSpPr>
+        <p:spPr/>
+        <p:txBody>
+          <a:bodyPr/>
+          <a:lstStyle/>
+          <a:p>
+            <a:r>
+              <a:rPr lang="zh-CN" altLang="en-US"/>
+              <a:t>稀疏矩阵</a:t>
+            </a:r>
+          </a:p>
+        </p:txBody>
+      </p:sp>
+      <p:pic>
+        <p:nvPicPr>
+          <p:cNvPr id="9" name="内容占位符 8">
             <a:extLst>
               <a:ext uri="{FF2B5EF4-FFF2-40B4-BE49-F238E27FC236}">
-                <a16:creationId xmlns:a16="http://schemas.microsoft.com/office/drawing/2014/main" id="{3D828139-7C95-43F2-BF19-8930B7F6E590}"/>
+                <a16:creationId xmlns:a16="http://schemas.microsoft.com/office/drawing/2014/main" id="{B5A2D85B-9B6A-47FA-AE3A-041C2D8099BC}"/>
               </a:ext>
             </a:extLst>
           </p:cNvPr>
-          <p:cNvSpPr/>
-          <p:nvPr/>
-        </p:nvSpPr>
+          <p:cNvPicPr>
+            <a:picLocks noGrp="1" noChangeAspect="1"/>
+          </p:cNvPicPr>
+          <p:nvPr>
+            <p:ph idx="1"/>
+          </p:nvPr>
+        </p:nvPicPr>
+        <p:blipFill>
+          <a:blip r:embed="rId2">
+            <a:extLst>
+              <a:ext uri="{28A0092B-C50C-407E-A947-70E740481C1C}">
+                <a14:useLocalDpi xmlns:a14="http://schemas.microsoft.com/office/drawing/2010/main" val="0"/>
+              </a:ext>
+            </a:extLst>
+          </a:blip>
+          <a:stretch>
+            <a:fillRect/>
+          </a:stretch>
+        </p:blipFill>
         <p:spPr>
           <a:xfrm>
-            <a:off x="3913327" y="3578085"/>
-            <a:ext cx="499648" cy="691764"/>
+            <a:off x="556831" y="1503262"/>
+            <a:ext cx="10726070" cy="5144693"/>
           </a:xfrm>
-          <a:prstGeom prst="mathMultiply">
-            <a:avLst/>
-          </a:prstGeom>
         </p:spPr>
-        <p:style>
-          <a:lnRef idx="2">
-            <a:schemeClr val="accent1">
-              <a:shade val="50000"/>
-            </a:schemeClr>
-          </a:lnRef>
-          <a:fillRef idx="1">
-            <a:schemeClr val="accent1"/>
-          </a:fillRef>
-          <a:effectRef idx="0">
-            <a:schemeClr val="accent1"/>
-          </a:effectRef>
-          <a:fontRef idx="minor">
-            <a:schemeClr val="lt1"/>
-          </a:fontRef>
-        </p:style>
-        <p:txBody>
-          <a:bodyPr rtlCol="0" anchor="ctr"/>
-          <a:lstStyle/>
-          <a:p>
-            <a:pPr algn="ctr"/>
-            <a:endParaRPr lang="zh-CN" altLang="en-US"/>
-          </a:p>
-        </p:txBody>
-      </p:sp>
-      <p:graphicFrame>
-        <p:nvGraphicFramePr>
-          <p:cNvPr id="7" name="表格 6">
+      </p:pic>
+    </p:spTree>
+    <p:extLst>
+      <p:ext uri="{BB962C8B-B14F-4D97-AF65-F5344CB8AC3E}">
+        <p14:creationId xmlns:p14="http://schemas.microsoft.com/office/powerpoint/2010/main" val="4051428488"/>
+      </p:ext>
+    </p:extLst>
+  </p:cSld>
+  <p:clrMapOvr>
+    <a:masterClrMapping/>
+  </p:clrMapOvr>
+</p:sld>
+</file>
+
+<file path=ppt/slides/slide19.xml><?xml version="1.0" encoding="utf-8"?>
+<p:sld xmlns:a="http://schemas.openxmlformats.org/drawingml/2006/main" xmlns:r="http://schemas.openxmlformats.org/officeDocument/2006/relationships" xmlns:p="http://schemas.openxmlformats.org/presentationml/2006/main">
+  <p:cSld>
+    <p:spTree>
+      <p:nvGrpSpPr>
+        <p:cNvPr id="1" name=""/>
+        <p:cNvGrpSpPr/>
+        <p:nvPr/>
+      </p:nvGrpSpPr>
+      <p:grpSpPr>
+        <a:xfrm>
+          <a:off x="0" y="0"/>
+          <a:ext cx="0" cy="0"/>
+          <a:chOff x="0" y="0"/>
+          <a:chExt cx="0" cy="0"/>
+        </a:xfrm>
+      </p:grpSpPr>
+      <p:sp>
+        <p:nvSpPr>
+          <p:cNvPr id="2" name="标题 1">
             <a:extLst>
               <a:ext uri="{FF2B5EF4-FFF2-40B4-BE49-F238E27FC236}">
-                <a16:creationId xmlns:a16="http://schemas.microsoft.com/office/drawing/2014/main" id="{B2E32021-B069-490A-A113-5581B55A685A}"/>
+                <a16:creationId xmlns:a16="http://schemas.microsoft.com/office/drawing/2014/main" id="{CA9AF65F-9B35-4D40-8EA8-EBC6A6CC1ADA}"/>
               </a:ext>
             </a:extLst>
           </p:cNvPr>
-          <p:cNvGraphicFramePr>
-            <a:graphicFrameLocks noGrp="1"/>
-          </p:cNvGraphicFramePr>
-          <p:nvPr>
-            <p:extLst>
-              <p:ext uri="{D42A27DB-BD31-4B8C-83A1-F6EECF244321}">
-                <p14:modId xmlns:p14="http://schemas.microsoft.com/office/powerpoint/2010/main" val="2176899127"/>
-              </p:ext>
-            </p:extLst>
-          </p:nvPr>
-        </p:nvGraphicFramePr>
-        <p:xfrm>
-          <a:off x="8452235" y="3694984"/>
-          <a:ext cx="3085329" cy="563880"/>
-        </p:xfrm>
-        <a:graphic>
-          <a:graphicData uri="http://schemas.openxmlformats.org/drawingml/2006/table">
-            <a:tbl>
-              <a:tblPr>
-                <a:tableStyleId>{5C22544A-7EE6-4342-B048-85BDC9FD1C3A}</a:tableStyleId>
-              </a:tblPr>
-              <a:tblGrid>
-                <a:gridCol w="762952">
-                  <a:extLst>
-                    <a:ext uri="{9D8B030D-6E8A-4147-A177-3AD203B41FA5}">
-                      <a16:colId xmlns:a16="http://schemas.microsoft.com/office/drawing/2014/main" val="522575774"/>
-                    </a:ext>
-                  </a:extLst>
-                </a:gridCol>
-                <a:gridCol w="535940">
-                  <a:extLst>
-                    <a:ext uri="{9D8B030D-6E8A-4147-A177-3AD203B41FA5}">
-                      <a16:colId xmlns:a16="http://schemas.microsoft.com/office/drawing/2014/main" val="907697836"/>
-                    </a:ext>
-                  </a:extLst>
-                </a:gridCol>
-                <a:gridCol w="535940">
-                  <a:extLst>
-                    <a:ext uri="{9D8B030D-6E8A-4147-A177-3AD203B41FA5}">
-                      <a16:colId xmlns:a16="http://schemas.microsoft.com/office/drawing/2014/main" val="566173974"/>
-                    </a:ext>
-                  </a:extLst>
-                </a:gridCol>
-                <a:gridCol w="535940">
-                  <a:extLst>
-                    <a:ext uri="{9D8B030D-6E8A-4147-A177-3AD203B41FA5}">
-                      <a16:colId xmlns:a16="http://schemas.microsoft.com/office/drawing/2014/main" val="4188794394"/>
-                    </a:ext>
-                  </a:extLst>
-                </a:gridCol>
-                <a:gridCol w="714557">
-                  <a:extLst>
-                    <a:ext uri="{9D8B030D-6E8A-4147-A177-3AD203B41FA5}">
-                      <a16:colId xmlns:a16="http://schemas.microsoft.com/office/drawing/2014/main" val="3671607614"/>
-                    </a:ext>
-                  </a:extLst>
-                </a:gridCol>
-              </a:tblGrid>
-              <a:tr h="121152">
-                <a:tc>
-                  <a:txBody>
-                    <a:bodyPr/>
-                    <a:lstStyle/>
-                    <a:p>
-                      <a:pPr algn="l" fontAlgn="ctr"/>
-                      <a:endParaRPr lang="zh-CN" altLang="en-US" sz="1800" b="0" i="0" u="none" strike="noStrike">
-                        <a:solidFill>
-                          <a:srgbClr val="000000"/>
-                        </a:solidFill>
-                        <a:effectLst/>
-                        <a:latin typeface="等线" panose="02010600030101010101" pitchFamily="2" charset="-122"/>
-                        <a:ea typeface="等线" panose="02010600030101010101" pitchFamily="2" charset="-122"/>
-                      </a:endParaRPr>
-                    </a:p>
-                  </a:txBody>
-                  <a:tcPr marL="7620" marR="7620" marT="7620" marB="0" anchor="ctr"/>
-                </a:tc>
-                <a:tc>
-                  <a:txBody>
-                    <a:bodyPr/>
-                    <a:lstStyle/>
-                    <a:p>
-                      <a:pPr algn="ctr" rtl="0" fontAlgn="ctr"/>
-                      <a:r>
-                        <a:rPr lang="zh-CN" altLang="en-US" sz="1800" u="none" strike="noStrike">
-                          <a:effectLst/>
-                        </a:rPr>
-                        <a:t>力量</a:t>
-                      </a:r>
-                      <a:endParaRPr lang="zh-CN" altLang="en-US" sz="1800" b="0" i="0" u="none" strike="noStrike">
-                        <a:solidFill>
-                          <a:srgbClr val="000000"/>
-                        </a:solidFill>
-                        <a:effectLst/>
-                        <a:latin typeface="Arial" panose="020B0604020202020204" pitchFamily="34" charset="0"/>
-                        <a:ea typeface="等线" panose="02010600030101010101" pitchFamily="2" charset="-122"/>
-                      </a:endParaRPr>
-                    </a:p>
-                  </a:txBody>
-                  <a:tcPr marL="7620" marR="7620" marT="7620" marB="0" anchor="ctr"/>
-                </a:tc>
-                <a:tc>
-                  <a:txBody>
-                    <a:bodyPr/>
-                    <a:lstStyle/>
-                    <a:p>
-                      <a:pPr algn="ctr" rtl="0" fontAlgn="ctr"/>
-                      <a:r>
-                        <a:rPr lang="zh-CN" altLang="en-US" sz="1800" u="none" strike="noStrike">
-                          <a:effectLst/>
-                        </a:rPr>
-                        <a:t>魔法</a:t>
-                      </a:r>
-                      <a:endParaRPr lang="zh-CN" altLang="en-US" sz="1800" b="0" i="0" u="none" strike="noStrike">
-                        <a:solidFill>
-                          <a:srgbClr val="000000"/>
-                        </a:solidFill>
-                        <a:effectLst/>
-                        <a:latin typeface="Arial" panose="020B0604020202020204" pitchFamily="34" charset="0"/>
-                        <a:ea typeface="等线" panose="02010600030101010101" pitchFamily="2" charset="-122"/>
-                      </a:endParaRPr>
-                    </a:p>
-                  </a:txBody>
-                  <a:tcPr marL="7620" marR="7620" marT="7620" marB="0" anchor="ctr"/>
-                </a:tc>
-                <a:tc>
-                  <a:txBody>
-                    <a:bodyPr/>
-                    <a:lstStyle/>
-                    <a:p>
-                      <a:pPr algn="ctr" rtl="0" fontAlgn="ctr"/>
-                      <a:r>
-                        <a:rPr lang="zh-CN" altLang="en-US" sz="1800" u="none" strike="noStrike">
-                          <a:effectLst/>
-                        </a:rPr>
-                        <a:t>血槽</a:t>
-                      </a:r>
-                      <a:endParaRPr lang="zh-CN" altLang="en-US" sz="1800" b="0" i="0" u="none" strike="noStrike">
-                        <a:solidFill>
-                          <a:srgbClr val="000000"/>
-                        </a:solidFill>
-                        <a:effectLst/>
-                        <a:latin typeface="Arial" panose="020B0604020202020204" pitchFamily="34" charset="0"/>
-                        <a:ea typeface="等线" panose="02010600030101010101" pitchFamily="2" charset="-122"/>
-                      </a:endParaRPr>
-                    </a:p>
-                  </a:txBody>
-                  <a:tcPr marL="7620" marR="7620" marT="7620" marB="0" anchor="ctr"/>
-                </a:tc>
-                <a:tc>
-                  <a:txBody>
-                    <a:bodyPr/>
-                    <a:lstStyle/>
-                    <a:p>
-                      <a:pPr algn="ctr" rtl="0" fontAlgn="ctr"/>
-                      <a:r>
-                        <a:rPr lang="zh-CN" altLang="en-US" sz="1800" u="none" strike="noStrike">
-                          <a:effectLst/>
-                        </a:rPr>
-                        <a:t>敏捷</a:t>
-                      </a:r>
-                      <a:endParaRPr lang="zh-CN" altLang="en-US" sz="1800" b="0" i="0" u="none" strike="noStrike">
-                        <a:solidFill>
-                          <a:srgbClr val="000000"/>
-                        </a:solidFill>
-                        <a:effectLst/>
-                        <a:latin typeface="Arial" panose="020B0604020202020204" pitchFamily="34" charset="0"/>
-                        <a:ea typeface="等线" panose="02010600030101010101" pitchFamily="2" charset="-122"/>
-                      </a:endParaRPr>
-                    </a:p>
-                  </a:txBody>
-                  <a:tcPr marL="7620" marR="7620" marT="7620" marB="0" anchor="ctr"/>
-                </a:tc>
-                <a:extLst>
-                  <a:ext uri="{0D108BD9-81ED-4DB2-BD59-A6C34878D82A}">
-                    <a16:rowId xmlns:a16="http://schemas.microsoft.com/office/drawing/2014/main" val="3429710312"/>
-                  </a:ext>
-                </a:extLst>
-              </a:tr>
-              <a:tr h="239029">
-                <a:tc>
-                  <a:txBody>
-                    <a:bodyPr/>
-                    <a:lstStyle/>
-                    <a:p>
-                      <a:pPr algn="ctr" fontAlgn="ctr"/>
-                      <a:r>
-                        <a:rPr lang="zh-CN" altLang="en-US" sz="1800" b="0" i="0" u="none" strike="noStrike">
-                          <a:solidFill>
-                            <a:srgbClr val="000000"/>
-                          </a:solidFill>
-                          <a:effectLst/>
-                          <a:latin typeface="华文新魏" panose="02010800040101010101" pitchFamily="2" charset="-122"/>
-                          <a:ea typeface="+mn-ea"/>
-                        </a:rPr>
-                        <a:t>骑法师</a:t>
-                      </a:r>
-                    </a:p>
-                  </a:txBody>
-                  <a:tcPr marL="7620" marR="7620" marT="7620" marB="0" anchor="ctr"/>
-                </a:tc>
-                <a:tc>
-                  <a:txBody>
-                    <a:bodyPr/>
-                    <a:lstStyle/>
-                    <a:p>
-                      <a:pPr algn="ctr" fontAlgn="ctr"/>
-                      <a:r>
-                        <a:rPr lang="en-US" altLang="zh-CN" sz="1800" u="none" strike="noStrike">
-                          <a:effectLst/>
-                        </a:rPr>
-                        <a:t>65</a:t>
-                      </a:r>
-                      <a:endParaRPr lang="en-US" altLang="zh-CN" sz="1800" b="0" i="0" u="none" strike="noStrike">
-                        <a:solidFill>
-                          <a:srgbClr val="000000"/>
-                        </a:solidFill>
-                        <a:effectLst/>
-                        <a:latin typeface="等线" panose="02010600030101010101" pitchFamily="2" charset="-122"/>
-                        <a:ea typeface="等线" panose="02010600030101010101" pitchFamily="2" charset="-122"/>
-                      </a:endParaRPr>
-                    </a:p>
-                  </a:txBody>
-                  <a:tcPr marL="7620" marR="7620" marT="7620" marB="0" anchor="ctr"/>
-                </a:tc>
-                <a:tc>
-                  <a:txBody>
-                    <a:bodyPr/>
-                    <a:lstStyle/>
-                    <a:p>
-                      <a:pPr algn="ctr" fontAlgn="ctr"/>
-                      <a:r>
-                        <a:rPr lang="en-US" altLang="zh-CN" sz="1800" u="none" strike="noStrike">
-                          <a:effectLst/>
-                        </a:rPr>
-                        <a:t>65</a:t>
-                      </a:r>
-                      <a:endParaRPr lang="en-US" altLang="zh-CN" sz="1800" b="0" i="0" u="none" strike="noStrike">
-                        <a:solidFill>
-                          <a:srgbClr val="000000"/>
-                        </a:solidFill>
-                        <a:effectLst/>
-                        <a:latin typeface="等线" panose="02010600030101010101" pitchFamily="2" charset="-122"/>
-                        <a:ea typeface="等线" panose="02010600030101010101" pitchFamily="2" charset="-122"/>
-                      </a:endParaRPr>
-                    </a:p>
-                  </a:txBody>
-                  <a:tcPr marL="7620" marR="7620" marT="7620" marB="0" anchor="ctr"/>
-                </a:tc>
-                <a:tc>
-                  <a:txBody>
-                    <a:bodyPr/>
-                    <a:lstStyle/>
-                    <a:p>
-                      <a:pPr algn="ctr" fontAlgn="ctr"/>
-                      <a:r>
-                        <a:rPr lang="en-US" altLang="zh-CN" sz="1800" u="none" strike="noStrike">
-                          <a:effectLst/>
-                        </a:rPr>
-                        <a:t>65</a:t>
-                      </a:r>
-                      <a:endParaRPr lang="en-US" altLang="zh-CN" sz="1800" b="0" i="0" u="none" strike="noStrike">
-                        <a:solidFill>
-                          <a:srgbClr val="000000"/>
-                        </a:solidFill>
-                        <a:effectLst/>
-                        <a:latin typeface="等线" panose="02010600030101010101" pitchFamily="2" charset="-122"/>
-                        <a:ea typeface="等线" panose="02010600030101010101" pitchFamily="2" charset="-122"/>
-                      </a:endParaRPr>
-                    </a:p>
-                  </a:txBody>
-                  <a:tcPr marL="7620" marR="7620" marT="7620" marB="0" anchor="ctr"/>
-                </a:tc>
-                <a:tc>
-                  <a:txBody>
-                    <a:bodyPr/>
-                    <a:lstStyle/>
-                    <a:p>
-                      <a:pPr algn="ctr" fontAlgn="ctr"/>
-                      <a:r>
-                        <a:rPr lang="en-US" altLang="zh-CN" sz="1800" u="none" strike="noStrike">
-                          <a:effectLst/>
-                        </a:rPr>
-                        <a:t>70</a:t>
-                      </a:r>
-                      <a:endParaRPr lang="en-US" altLang="zh-CN" sz="1800" b="0" i="0" u="none" strike="noStrike">
-                        <a:solidFill>
-                          <a:srgbClr val="000000"/>
-                        </a:solidFill>
-                        <a:effectLst/>
-                        <a:latin typeface="等线" panose="02010600030101010101" pitchFamily="2" charset="-122"/>
-                        <a:ea typeface="等线" panose="02010600030101010101" pitchFamily="2" charset="-122"/>
-                      </a:endParaRPr>
-                    </a:p>
-                  </a:txBody>
-                  <a:tcPr marL="7620" marR="7620" marT="7620" marB="0" anchor="ctr"/>
-                </a:tc>
-                <a:extLst>
-                  <a:ext uri="{0D108BD9-81ED-4DB2-BD59-A6C34878D82A}">
-                    <a16:rowId xmlns:a16="http://schemas.microsoft.com/office/drawing/2014/main" val="2061058679"/>
-                  </a:ext>
-                </a:extLst>
-              </a:tr>
-            </a:tbl>
-          </a:graphicData>
-        </a:graphic>
-      </p:graphicFrame>
-      <p:sp>
-        <p:nvSpPr>
-          <p:cNvPr id="8" name="等号 7">
+          <p:cNvSpPr>
+            <a:spLocks noGrp="1"/>
+          </p:cNvSpPr>
+          <p:nvPr>
+            <p:ph type="title"/>
+          </p:nvPr>
+        </p:nvSpPr>
+        <p:spPr/>
+        <p:txBody>
+          <a:bodyPr/>
+          <a:lstStyle/>
+          <a:p>
+            <a:r>
+              <a:rPr lang="zh-CN" altLang="en-US"/>
+              <a:t>蛋白质互作网络是一个稀疏矩阵</a:t>
+            </a:r>
+          </a:p>
+        </p:txBody>
+      </p:sp>
+      <p:pic>
+        <p:nvPicPr>
+          <p:cNvPr id="5" name="内容占位符 4">
             <a:extLst>
               <a:ext uri="{FF2B5EF4-FFF2-40B4-BE49-F238E27FC236}">
-                <a16:creationId xmlns:a16="http://schemas.microsoft.com/office/drawing/2014/main" id="{8B9E1F72-1CE3-4EFA-8988-DCB920D03CBF}"/>
+                <a16:creationId xmlns:a16="http://schemas.microsoft.com/office/drawing/2014/main" id="{D7808EA2-09C4-4E9F-9F11-76E4225042BB}"/>
               </a:ext>
             </a:extLst>
           </p:cNvPr>
-          <p:cNvSpPr/>
-          <p:nvPr/>
-        </p:nvSpPr>
+          <p:cNvPicPr>
+            <a:picLocks noGrp="1" noChangeAspect="1"/>
+          </p:cNvPicPr>
+          <p:nvPr>
+            <p:ph idx="1"/>
+          </p:nvPr>
+        </p:nvPicPr>
+        <p:blipFill>
+          <a:blip r:embed="rId2">
+            <a:extLst>
+              <a:ext uri="{28A0092B-C50C-407E-A947-70E740481C1C}">
+                <a14:useLocalDpi xmlns:a14="http://schemas.microsoft.com/office/drawing/2010/main" val="0"/>
+              </a:ext>
+            </a:extLst>
+          </a:blip>
+          <a:stretch>
+            <a:fillRect/>
+          </a:stretch>
+        </p:blipFill>
         <p:spPr>
           <a:xfrm>
-            <a:off x="7839458" y="3792771"/>
-            <a:ext cx="526269" cy="381663"/>
+            <a:off x="6828289" y="1953861"/>
+            <a:ext cx="5171767" cy="4732167"/>
           </a:xfrm>
-          <a:prstGeom prst="mathEqual">
-            <a:avLst/>
-          </a:prstGeom>
         </p:spPr>
-        <p:style>
-          <a:lnRef idx="2">
-            <a:schemeClr val="accent1">
-              <a:shade val="50000"/>
-            </a:schemeClr>
-          </a:lnRef>
-          <a:fillRef idx="1">
-            <a:schemeClr val="accent1"/>
-          </a:fillRef>
-          <a:effectRef idx="0">
-            <a:schemeClr val="accent1"/>
-          </a:effectRef>
-          <a:fontRef idx="minor">
-            <a:schemeClr val="lt1"/>
-          </a:fontRef>
-        </p:style>
-        <p:txBody>
-          <a:bodyPr rtlCol="0" anchor="ctr"/>
-          <a:lstStyle/>
-          <a:p>
-            <a:pPr algn="ctr"/>
-            <a:endParaRPr lang="zh-CN" altLang="en-US">
-              <a:solidFill>
-                <a:schemeClr val="tx1"/>
-              </a:solidFill>
-            </a:endParaRPr>
-          </a:p>
-        </p:txBody>
-      </p:sp>
+      </p:pic>
       <p:sp>
         <p:nvSpPr>
-          <p:cNvPr id="11" name="文本框 10">
+          <p:cNvPr id="6" name="文本框 5">
             <a:extLst>
               <a:ext uri="{FF2B5EF4-FFF2-40B4-BE49-F238E27FC236}">
-                <a16:creationId xmlns:a16="http://schemas.microsoft.com/office/drawing/2014/main" id="{3DA6DF54-6BCD-400A-A545-FC03AEBCCAFD}"/>
+                <a16:creationId xmlns:a16="http://schemas.microsoft.com/office/drawing/2014/main" id="{34AFA258-3306-460F-9372-20C240628DC8}"/>
               </a:ext>
             </a:extLst>
           </p:cNvPr>
@@ -7864,8 +7267,8 @@
         </p:nvSpPr>
         <p:spPr>
           <a:xfrm>
-            <a:off x="4405025" y="4715134"/>
-            <a:ext cx="906448" cy="523220"/>
+            <a:off x="462717" y="1661820"/>
+            <a:ext cx="4968024" cy="4893647"/>
           </a:xfrm>
           <a:prstGeom prst="rect">
             <a:avLst/>
@@ -7879,59 +7282,61 @@
           <a:lstStyle/>
           <a:p>
             <a:r>
-              <a:rPr lang="zh-CN" altLang="en-US" sz="2800">
-                <a:solidFill>
-                  <a:srgbClr val="C00000"/>
-                </a:solidFill>
-              </a:rPr>
-              <a:t>输入</a:t>
-            </a:r>
-          </a:p>
-        </p:txBody>
-      </p:sp>
-      <p:sp>
-        <p:nvSpPr>
-          <p:cNvPr id="12" name="文本框 11">
-            <a:extLst>
-              <a:ext uri="{FF2B5EF4-FFF2-40B4-BE49-F238E27FC236}">
-                <a16:creationId xmlns:a16="http://schemas.microsoft.com/office/drawing/2014/main" id="{D74896A9-D9EF-4D97-9072-B469B77AF90D}"/>
-              </a:ext>
-            </a:extLst>
-          </p:cNvPr>
-          <p:cNvSpPr txBox="1"/>
-          <p:nvPr/>
-        </p:nvSpPr>
-        <p:spPr>
-          <a:xfrm>
-            <a:off x="5702413" y="2780546"/>
-            <a:ext cx="905122" cy="523220"/>
-          </a:xfrm>
-          <a:prstGeom prst="rect">
-            <a:avLst/>
-          </a:prstGeom>
-          <a:noFill/>
-        </p:spPr>
-        <p:txBody>
-          <a:bodyPr wrap="square" rtlCol="0">
-            <a:spAutoFit/>
-          </a:bodyPr>
-          <a:lstStyle/>
-          <a:p>
-            <a:r>
-              <a:rPr lang="zh-CN" altLang="en-US" sz="2800">
-                <a:solidFill>
-                  <a:srgbClr val="C00000"/>
-                </a:solidFill>
-              </a:rPr>
-              <a:t>输出</a:t>
-            </a:r>
+              <a:rPr lang="zh-CN" altLang="en-US" sz="2400"/>
+              <a:t>蜘蛛和蜜蜂结婚了。</a:t>
+            </a:r>
+            <a:endParaRPr lang="en-US" altLang="zh-CN" sz="2400"/>
+          </a:p>
+          <a:p>
+            <a:br>
+              <a:rPr lang="zh-CN" altLang="en-US" sz="2400"/>
+            </a:br>
+            <a:r>
+              <a:rPr lang="zh-CN" altLang="en-US" sz="2400"/>
+              <a:t>蜘蛛感到很难过，就问他的妈妈说：「你为何一定要我娶蜜蜂？」</a:t>
+            </a:r>
+            <a:endParaRPr lang="en-US" altLang="zh-CN" sz="2400"/>
+          </a:p>
+          <a:p>
+            <a:br>
+              <a:rPr lang="zh-CN" altLang="en-US" sz="2400"/>
+            </a:br>
+            <a:r>
+              <a:rPr lang="zh-CN" altLang="en-US" sz="2400"/>
+              <a:t>蜘蛛的妈妈说：「蜜蜂是吵了点，但人家好歹也是个空姐。」</a:t>
+            </a:r>
+            <a:endParaRPr lang="en-US" altLang="zh-CN" sz="2400"/>
+          </a:p>
+          <a:p>
+            <a:br>
+              <a:rPr lang="zh-CN" altLang="en-US" sz="2400"/>
+            </a:br>
+            <a:r>
+              <a:rPr lang="zh-CN" altLang="en-US" sz="2400"/>
+              <a:t>蜜蜂也感到很难过，也问她的妈妈：「为什么要让我嫁给蜘蛛呢？」</a:t>
+            </a:r>
+            <a:endParaRPr lang="en-US" altLang="zh-CN" sz="2400"/>
+          </a:p>
+          <a:p>
+            <a:br>
+              <a:rPr lang="zh-CN" altLang="en-US" sz="2400"/>
+            </a:br>
+            <a:r>
+              <a:rPr lang="zh-CN" altLang="en-US" sz="2400"/>
+              <a:t>蜜蜂的妈妈说：「蜘蛛是丑了一点，但人家好歹也是搞网络的</a:t>
+            </a:r>
+            <a:r>
+              <a:rPr lang="en-US" altLang="zh-CN" sz="2400"/>
+              <a:t>...</a:t>
+            </a:r>
+            <a:endParaRPr lang="zh-CN" altLang="en-US" sz="2400"/>
           </a:p>
         </p:txBody>
       </p:sp>
     </p:spTree>
     <p:extLst>
       <p:ext uri="{BB962C8B-B14F-4D97-AF65-F5344CB8AC3E}">
-        <p14:creationId xmlns:p14="http://schemas.microsoft.com/office/powerpoint/2010/main" val="513233000"/>
+        <p14:creationId xmlns:p14="http://schemas.microsoft.com/office/powerpoint/2010/main" val="1806102885"/>
       </p:ext>
     </p:extLst>
   </p:cSld>
@@ -7941,7 +7346,188 @@
 </p:sld>
 </file>
 
-<file path=ppt/slides/slide14.xml><?xml version="1.0" encoding="utf-8"?>
+<file path=ppt/slides/slide2.xml><?xml version="1.0" encoding="utf-8"?>
+<p:sld xmlns:a="http://schemas.openxmlformats.org/drawingml/2006/main" xmlns:r="http://schemas.openxmlformats.org/officeDocument/2006/relationships" xmlns:p="http://schemas.openxmlformats.org/presentationml/2006/main">
+  <p:cSld>
+    <p:spTree>
+      <p:nvGrpSpPr>
+        <p:cNvPr id="1" name=""/>
+        <p:cNvGrpSpPr/>
+        <p:nvPr/>
+      </p:nvGrpSpPr>
+      <p:grpSpPr>
+        <a:xfrm>
+          <a:off x="0" y="0"/>
+          <a:ext cx="0" cy="0"/>
+          <a:chOff x="0" y="0"/>
+          <a:chExt cx="0" cy="0"/>
+        </a:xfrm>
+      </p:grpSpPr>
+      <p:sp>
+        <p:nvSpPr>
+          <p:cNvPr id="2" name="标题 1">
+            <a:extLst>
+              <a:ext uri="{FF2B5EF4-FFF2-40B4-BE49-F238E27FC236}">
+                <a16:creationId xmlns:a16="http://schemas.microsoft.com/office/drawing/2014/main" id="{4EEE9B70-6709-41AB-A86F-5663E63834E5}"/>
+              </a:ext>
+            </a:extLst>
+          </p:cNvPr>
+          <p:cNvSpPr>
+            <a:spLocks noGrp="1"/>
+          </p:cNvSpPr>
+          <p:nvPr>
+            <p:ph type="title"/>
+          </p:nvPr>
+        </p:nvSpPr>
+        <p:spPr>
+          <a:xfrm>
+            <a:off x="677334" y="100711"/>
+            <a:ext cx="8596668" cy="1320800"/>
+          </a:xfrm>
+        </p:spPr>
+        <p:txBody>
+          <a:bodyPr/>
+          <a:lstStyle/>
+          <a:p>
+            <a:r>
+              <a:rPr lang="zh-CN" altLang="en-US"/>
+              <a:t>曾经有三部电影叫</a:t>
+            </a:r>
+            <a:r>
+              <a:rPr lang="en-US" altLang="zh-CN"/>
+              <a:t>《The Matrix》</a:t>
+            </a:r>
+            <a:br>
+              <a:rPr lang="en-US" altLang="zh-CN"/>
+            </a:br>
+            <a:r>
+              <a:rPr lang="zh-CN" altLang="en-US"/>
+              <a:t>讲的是线性代数的故事。。。</a:t>
+            </a:r>
+          </a:p>
+        </p:txBody>
+      </p:sp>
+      <p:pic>
+        <p:nvPicPr>
+          <p:cNvPr id="5" name="内容占位符 4">
+            <a:extLst>
+              <a:ext uri="{FF2B5EF4-FFF2-40B4-BE49-F238E27FC236}">
+                <a16:creationId xmlns:a16="http://schemas.microsoft.com/office/drawing/2014/main" id="{3FFAEF9D-2BB6-4A10-A79B-11261350C78A}"/>
+              </a:ext>
+            </a:extLst>
+          </p:cNvPr>
+          <p:cNvPicPr>
+            <a:picLocks noGrp="1" noChangeAspect="1"/>
+          </p:cNvPicPr>
+          <p:nvPr>
+            <p:ph idx="1"/>
+          </p:nvPr>
+        </p:nvPicPr>
+        <p:blipFill>
+          <a:blip r:embed="rId2">
+            <a:extLst>
+              <a:ext uri="{28A0092B-C50C-407E-A947-70E740481C1C}">
+                <a14:useLocalDpi xmlns:a14="http://schemas.microsoft.com/office/drawing/2010/main" val="0"/>
+              </a:ext>
+            </a:extLst>
+          </a:blip>
+          <a:stretch>
+            <a:fillRect/>
+          </a:stretch>
+        </p:blipFill>
+        <p:spPr>
+          <a:xfrm>
+            <a:off x="43916" y="1385137"/>
+            <a:ext cx="3438756" cy="4871573"/>
+          </a:xfrm>
+        </p:spPr>
+      </p:pic>
+      <p:pic>
+        <p:nvPicPr>
+          <p:cNvPr id="7" name="图片 6">
+            <a:extLst>
+              <a:ext uri="{FF2B5EF4-FFF2-40B4-BE49-F238E27FC236}">
+                <a16:creationId xmlns:a16="http://schemas.microsoft.com/office/drawing/2014/main" id="{E0BE7451-2C83-4E5A-8CCF-EA374A069128}"/>
+              </a:ext>
+            </a:extLst>
+          </p:cNvPr>
+          <p:cNvPicPr>
+            <a:picLocks noChangeAspect="1"/>
+          </p:cNvPicPr>
+          <p:nvPr/>
+        </p:nvPicPr>
+        <p:blipFill>
+          <a:blip r:embed="rId3">
+            <a:extLst>
+              <a:ext uri="{28A0092B-C50C-407E-A947-70E740481C1C}">
+                <a14:useLocalDpi xmlns:a14="http://schemas.microsoft.com/office/drawing/2010/main" val="0"/>
+              </a:ext>
+            </a:extLst>
+          </a:blip>
+          <a:stretch>
+            <a:fillRect/>
+          </a:stretch>
+        </p:blipFill>
+        <p:spPr>
+          <a:xfrm>
+            <a:off x="3491736" y="1391481"/>
+            <a:ext cx="5120639" cy="3840479"/>
+          </a:xfrm>
+          <a:prstGeom prst="rect">
+            <a:avLst/>
+          </a:prstGeom>
+        </p:spPr>
+      </p:pic>
+      <p:pic>
+        <p:nvPicPr>
+          <p:cNvPr id="9" name="图片 8">
+            <a:extLst>
+              <a:ext uri="{FF2B5EF4-FFF2-40B4-BE49-F238E27FC236}">
+                <a16:creationId xmlns:a16="http://schemas.microsoft.com/office/drawing/2014/main" id="{5057FACD-0A36-4291-923C-17EB183818AB}"/>
+              </a:ext>
+            </a:extLst>
+          </p:cNvPr>
+          <p:cNvPicPr>
+            <a:picLocks noChangeAspect="1"/>
+          </p:cNvPicPr>
+          <p:nvPr/>
+        </p:nvPicPr>
+        <p:blipFill>
+          <a:blip r:embed="rId4">
+            <a:extLst>
+              <a:ext uri="{28A0092B-C50C-407E-A947-70E740481C1C}">
+                <a14:useLocalDpi xmlns:a14="http://schemas.microsoft.com/office/drawing/2010/main" val="0"/>
+              </a:ext>
+            </a:extLst>
+          </a:blip>
+          <a:stretch>
+            <a:fillRect/>
+          </a:stretch>
+        </p:blipFill>
+        <p:spPr>
+          <a:xfrm>
+            <a:off x="8607324" y="1379587"/>
+            <a:ext cx="3540760" cy="5027833"/>
+          </a:xfrm>
+          <a:prstGeom prst="rect">
+            <a:avLst/>
+          </a:prstGeom>
+        </p:spPr>
+      </p:pic>
+    </p:spTree>
+    <p:extLst>
+      <p:ext uri="{BB962C8B-B14F-4D97-AF65-F5344CB8AC3E}">
+        <p14:creationId xmlns:p14="http://schemas.microsoft.com/office/powerpoint/2010/main" val="91771652"/>
+      </p:ext>
+    </p:extLst>
+  </p:cSld>
+  <p:clrMapOvr>
+    <a:masterClrMapping/>
+  </p:clrMapOvr>
+</p:sld>
+</file>
+
+<file path=ppt/slides/slide20.xml><?xml version="1.0" encoding="utf-8"?>
 <p:sld xmlns:a="http://schemas.openxmlformats.org/drawingml/2006/main" xmlns:r="http://schemas.openxmlformats.org/officeDocument/2006/relationships" xmlns:p="http://schemas.openxmlformats.org/presentationml/2006/main">
   <p:cSld>
     <p:spTree>
@@ -8107,7 +7693,7 @@
 </p:sld>
 </file>
 
-<file path=ppt/slides/slide15.xml><?xml version="1.0" encoding="utf-8"?>
+<file path=ppt/slides/slide21.xml><?xml version="1.0" encoding="utf-8"?>
 <p:sld xmlns:a="http://schemas.openxmlformats.org/drawingml/2006/main" xmlns:r="http://schemas.openxmlformats.org/officeDocument/2006/relationships" xmlns:p="http://schemas.openxmlformats.org/presentationml/2006/main">
   <p:cSld>
     <p:spTree>
@@ -8295,7 +7881,7 @@
 </p:sld>
 </file>
 
-<file path=ppt/slides/slide16.xml><?xml version="1.0" encoding="utf-8"?>
+<file path=ppt/slides/slide22.xml><?xml version="1.0" encoding="utf-8"?>
 <p:sld xmlns:a="http://schemas.openxmlformats.org/drawingml/2006/main" xmlns:r="http://schemas.openxmlformats.org/officeDocument/2006/relationships" xmlns:p="http://schemas.openxmlformats.org/presentationml/2006/main">
   <p:cSld>
     <p:spTree>
@@ -8442,7 +8028,7 @@
 </p:sld>
 </file>
 
-<file path=ppt/slides/slide17.xml><?xml version="1.0" encoding="utf-8"?>
+<file path=ppt/slides/slide23.xml><?xml version="1.0" encoding="utf-8"?>
 <p:sld xmlns:a="http://schemas.openxmlformats.org/drawingml/2006/main" xmlns:r="http://schemas.openxmlformats.org/officeDocument/2006/relationships" xmlns:p="http://schemas.openxmlformats.org/presentationml/2006/main">
   <p:cSld>
     <p:spTree>
@@ -8666,7 +8252,7 @@
 </p:sld>
 </file>
 
-<file path=ppt/slides/slide18.xml><?xml version="1.0" encoding="utf-8"?>
+<file path=ppt/slides/slide24.xml><?xml version="1.0" encoding="utf-8"?>
 <p:sld xmlns:a="http://schemas.openxmlformats.org/drawingml/2006/main" xmlns:r="http://schemas.openxmlformats.org/officeDocument/2006/relationships" xmlns:p="http://schemas.openxmlformats.org/presentationml/2006/main">
   <p:cSld>
     <p:spTree>
@@ -8854,7 +8440,7 @@
 </p:sld>
 </file>
 
-<file path=ppt/slides/slide19.xml><?xml version="1.0" encoding="utf-8"?>
+<file path=ppt/slides/slide25.xml><?xml version="1.0" encoding="utf-8"?>
 <p:sld xmlns:a="http://schemas.openxmlformats.org/drawingml/2006/main" xmlns:r="http://schemas.openxmlformats.org/officeDocument/2006/relationships" xmlns:p="http://schemas.openxmlformats.org/presentationml/2006/main">
   <p:cSld>
     <p:spTree>
@@ -8997,178 +8583,7 @@
 </p:sld>
 </file>
 
-<file path=ppt/slides/slide2.xml><?xml version="1.0" encoding="utf-8"?>
-<p:sld xmlns:a="http://schemas.openxmlformats.org/drawingml/2006/main" xmlns:r="http://schemas.openxmlformats.org/officeDocument/2006/relationships" xmlns:p="http://schemas.openxmlformats.org/presentationml/2006/main">
-  <p:cSld>
-    <p:spTree>
-      <p:nvGrpSpPr>
-        <p:cNvPr id="1" name=""/>
-        <p:cNvGrpSpPr/>
-        <p:nvPr/>
-      </p:nvGrpSpPr>
-      <p:grpSpPr>
-        <a:xfrm>
-          <a:off x="0" y="0"/>
-          <a:ext cx="0" cy="0"/>
-          <a:chOff x="0" y="0"/>
-          <a:chExt cx="0" cy="0"/>
-        </a:xfrm>
-      </p:grpSpPr>
-      <p:sp>
-        <p:nvSpPr>
-          <p:cNvPr id="2" name="标题 1">
-            <a:extLst>
-              <a:ext uri="{FF2B5EF4-FFF2-40B4-BE49-F238E27FC236}">
-                <a16:creationId xmlns:a16="http://schemas.microsoft.com/office/drawing/2014/main" id="{C8F91420-1A0F-4CC2-846D-72A5F48A9210}"/>
-              </a:ext>
-            </a:extLst>
-          </p:cNvPr>
-          <p:cNvSpPr>
-            <a:spLocks noGrp="1"/>
-          </p:cNvSpPr>
-          <p:nvPr>
-            <p:ph type="title"/>
-          </p:nvPr>
-        </p:nvSpPr>
-        <p:spPr/>
-        <p:txBody>
-          <a:bodyPr/>
-          <a:lstStyle/>
-          <a:p>
-            <a:r>
-              <a:rPr lang="zh-CN" altLang="en-US"/>
-              <a:t>数据科学的两大数学基础</a:t>
-            </a:r>
-          </a:p>
-        </p:txBody>
-      </p:sp>
-      <p:sp>
-        <p:nvSpPr>
-          <p:cNvPr id="3" name="内容占位符 2">
-            <a:extLst>
-              <a:ext uri="{FF2B5EF4-FFF2-40B4-BE49-F238E27FC236}">
-                <a16:creationId xmlns:a16="http://schemas.microsoft.com/office/drawing/2014/main" id="{F38A7118-9A24-4AFD-A2B0-1AFDBC2FE0DE}"/>
-              </a:ext>
-            </a:extLst>
-          </p:cNvPr>
-          <p:cNvSpPr>
-            <a:spLocks noGrp="1"/>
-          </p:cNvSpPr>
-          <p:nvPr>
-            <p:ph idx="1"/>
-          </p:nvPr>
-        </p:nvSpPr>
-        <p:spPr/>
-        <p:txBody>
-          <a:bodyPr>
-            <a:normAutofit fontScale="92500" lnSpcReduction="10000"/>
-          </a:bodyPr>
-          <a:lstStyle/>
-          <a:p>
-            <a:r>
-              <a:rPr lang="zh-CN" altLang="en-US" sz="2800"/>
-              <a:t>线性代数</a:t>
-            </a:r>
-            <a:endParaRPr lang="en-US" altLang="zh-CN" sz="2800"/>
-          </a:p>
-          <a:p>
-            <a:pPr lvl="1"/>
-            <a:r>
-              <a:rPr lang="zh-CN" altLang="en-US" sz="2600"/>
-              <a:t>多变量运算的必备数学基础</a:t>
-            </a:r>
-            <a:endParaRPr lang="en-US" altLang="zh-CN" sz="2600"/>
-          </a:p>
-          <a:p>
-            <a:endParaRPr lang="en-US" altLang="zh-CN" sz="2800"/>
-          </a:p>
-          <a:p>
-            <a:r>
-              <a:rPr lang="zh-CN" altLang="en-US" sz="2800"/>
-              <a:t>概率统计</a:t>
-            </a:r>
-            <a:endParaRPr lang="en-US" altLang="zh-CN" sz="2800"/>
-          </a:p>
-          <a:p>
-            <a:pPr lvl="1"/>
-            <a:r>
-              <a:rPr lang="zh-CN" altLang="en-US" sz="2600"/>
-              <a:t>真实世界问题的数学基础</a:t>
-            </a:r>
-            <a:endParaRPr lang="en-US" altLang="zh-CN" sz="2600"/>
-          </a:p>
-          <a:p>
-            <a:endParaRPr lang="en-US" altLang="zh-CN" sz="2800"/>
-          </a:p>
-          <a:p>
-            <a:r>
-              <a:rPr lang="zh-CN" altLang="en-US" sz="2800"/>
-              <a:t>所有让你累的事都在帮你</a:t>
-            </a:r>
-            <a:endParaRPr lang="en-US" altLang="zh-CN" sz="2800"/>
-          </a:p>
-          <a:p>
-            <a:r>
-              <a:rPr lang="zh-CN" altLang="en-US" sz="2800"/>
-              <a:t>所有让你爽的事都在害你</a:t>
-            </a:r>
-            <a:endParaRPr lang="en-US" altLang="zh-CN" sz="2800"/>
-          </a:p>
-          <a:p>
-            <a:endParaRPr lang="zh-CN" altLang="en-US"/>
-          </a:p>
-        </p:txBody>
-      </p:sp>
-      <p:pic>
-        <p:nvPicPr>
-          <p:cNvPr id="5" name="图片 4">
-            <a:extLst>
-              <a:ext uri="{FF2B5EF4-FFF2-40B4-BE49-F238E27FC236}">
-                <a16:creationId xmlns:a16="http://schemas.microsoft.com/office/drawing/2014/main" id="{1B5B16A7-C492-464A-AFC7-DF87EC08E9E8}"/>
-              </a:ext>
-            </a:extLst>
-          </p:cNvPr>
-          <p:cNvPicPr>
-            <a:picLocks noChangeAspect="1"/>
-          </p:cNvPicPr>
-          <p:nvPr/>
-        </p:nvPicPr>
-        <p:blipFill>
-          <a:blip r:embed="rId2">
-            <a:extLst>
-              <a:ext uri="{28A0092B-C50C-407E-A947-70E740481C1C}">
-                <a14:useLocalDpi xmlns:a14="http://schemas.microsoft.com/office/drawing/2010/main" val="0"/>
-              </a:ext>
-            </a:extLst>
-          </a:blip>
-          <a:stretch>
-            <a:fillRect/>
-          </a:stretch>
-        </p:blipFill>
-        <p:spPr>
-          <a:xfrm>
-            <a:off x="6770115" y="736822"/>
-            <a:ext cx="2692400" cy="5245100"/>
-          </a:xfrm>
-          <a:prstGeom prst="rect">
-            <a:avLst/>
-          </a:prstGeom>
-        </p:spPr>
-      </p:pic>
-    </p:spTree>
-    <p:extLst>
-      <p:ext uri="{BB962C8B-B14F-4D97-AF65-F5344CB8AC3E}">
-        <p14:creationId xmlns:p14="http://schemas.microsoft.com/office/powerpoint/2010/main" val="1582883215"/>
-      </p:ext>
-    </p:extLst>
-  </p:cSld>
-  <p:clrMapOvr>
-    <a:masterClrMapping/>
-  </p:clrMapOvr>
-</p:sld>
-</file>
-
-<file path=ppt/slides/slide20.xml><?xml version="1.0" encoding="utf-8"?>
+<file path=ppt/slides/slide26.xml><?xml version="1.0" encoding="utf-8"?>
 <p:sld xmlns:a="http://schemas.openxmlformats.org/drawingml/2006/main" xmlns:r="http://schemas.openxmlformats.org/officeDocument/2006/relationships" xmlns:p="http://schemas.openxmlformats.org/presentationml/2006/main">
   <p:cSld>
     <p:spTree>
@@ -9236,7 +8651,12 @@
                 <p:ph idx="1"/>
               </p:nvPr>
             </p:nvSpPr>
-            <p:spPr/>
+            <p:spPr>
+              <a:xfrm>
+                <a:off x="677334" y="2200346"/>
+                <a:ext cx="8596668" cy="3880773"/>
+              </a:xfrm>
+            </p:spPr>
             <p:txBody>
               <a:bodyPr/>
               <a:lstStyle/>
@@ -9400,10 +8820,14 @@
               </p:nvPr>
             </p:nvSpPr>
             <p:spPr>
+              <a:xfrm>
+                <a:off x="677334" y="2200346"/>
+                <a:ext cx="8596668" cy="3880773"/>
+              </a:xfrm>
               <a:blipFill>
                 <a:blip r:embed="rId2"/>
                 <a:stretch>
-                  <a:fillRect l="-142" t="-628"/>
+                  <a:fillRect l="-142" t="-785"/>
                 </a:stretch>
               </a:blipFill>
             </p:spPr>
@@ -9444,7 +8868,7 @@
         </p:blipFill>
         <p:spPr>
           <a:xfrm>
-            <a:off x="1131529" y="2539903"/>
+            <a:off x="3652090" y="2539903"/>
             <a:ext cx="2014538" cy="833438"/>
           </a:xfrm>
           <a:prstGeom prst="rect">
@@ -9482,6 +8906,36 @@
           </a:prstGeom>
         </p:spPr>
       </p:pic>
+      <p:pic>
+        <p:nvPicPr>
+          <p:cNvPr id="6" name="图片 5">
+            <a:extLst>
+              <a:ext uri="{FF2B5EF4-FFF2-40B4-BE49-F238E27FC236}">
+                <a16:creationId xmlns:a16="http://schemas.microsoft.com/office/drawing/2014/main" id="{AFE69282-F882-430D-9C8A-DE02007943B7}"/>
+              </a:ext>
+            </a:extLst>
+          </p:cNvPr>
+          <p:cNvPicPr>
+            <a:picLocks noChangeAspect="1"/>
+          </p:cNvPicPr>
+          <p:nvPr/>
+        </p:nvPicPr>
+        <p:blipFill>
+          <a:blip r:embed="rId5"/>
+          <a:stretch>
+            <a:fillRect/>
+          </a:stretch>
+        </p:blipFill>
+        <p:spPr>
+          <a:xfrm>
+            <a:off x="6926759" y="0"/>
+            <a:ext cx="5228072" cy="6858000"/>
+          </a:xfrm>
+          <a:prstGeom prst="rect">
+            <a:avLst/>
+          </a:prstGeom>
+        </p:spPr>
+      </p:pic>
     </p:spTree>
     <p:extLst>
       <p:ext uri="{BB962C8B-B14F-4D97-AF65-F5344CB8AC3E}">
@@ -9495,7 +8949,7 @@
 </p:sld>
 </file>
 
-<file path=ppt/slides/slide21.xml><?xml version="1.0" encoding="utf-8"?>
+<file path=ppt/slides/slide27.xml><?xml version="1.0" encoding="utf-8"?>
 <p:sld xmlns:a="http://schemas.openxmlformats.org/drawingml/2006/main" xmlns:r="http://schemas.openxmlformats.org/officeDocument/2006/relationships" xmlns:p="http://schemas.openxmlformats.org/presentationml/2006/main">
   <p:cSld>
     <p:spTree>
@@ -9558,7 +9012,9 @@
         </p:nvSpPr>
         <p:spPr/>
         <p:txBody>
-          <a:bodyPr/>
+          <a:bodyPr>
+            <a:normAutofit/>
+          </a:bodyPr>
           <a:lstStyle/>
           <a:p>
             <a:r>
@@ -9574,6 +9030,12 @@
             <a:endParaRPr lang="en-US" altLang="zh-CN" sz="2400"/>
           </a:p>
           <a:p>
+            <a:endParaRPr lang="en-US" altLang="zh-CN" sz="2400"/>
+          </a:p>
+          <a:p>
+            <a:endParaRPr lang="en-US" altLang="zh-CN" sz="2400"/>
+          </a:p>
+          <a:p>
             <a:r>
               <a:rPr lang="zh-CN" altLang="en-US" sz="2400"/>
               <a:t>对称阵</a:t>
@@ -9582,9 +9044,6 @@
               <a:rPr lang="en-US" altLang="zh-CN" sz="2400"/>
               <a:t>(Symmetric Matrix)</a:t>
             </a:r>
-          </a:p>
-          <a:p>
-            <a:endParaRPr lang="en-US" altLang="zh-CN" sz="2400"/>
           </a:p>
           <a:p>
             <a:endParaRPr lang="en-US" altLang="zh-CN" sz="2400"/>
@@ -9626,8 +9085,8 @@
         </p:blipFill>
         <p:spPr>
           <a:xfrm>
-            <a:off x="1095642" y="3731151"/>
-            <a:ext cx="1438275" cy="609600"/>
+            <a:off x="1095642" y="4717115"/>
+            <a:ext cx="719138" cy="304800"/>
           </a:xfrm>
           <a:prstGeom prst="rect">
             <a:avLst/>
@@ -9656,8 +9115,44 @@
         </p:blipFill>
         <p:spPr>
           <a:xfrm>
-            <a:off x="1040784" y="5271081"/>
-            <a:ext cx="1857375" cy="571500"/>
+            <a:off x="1040784" y="5779966"/>
+            <a:ext cx="928688" cy="285750"/>
+          </a:xfrm>
+          <a:prstGeom prst="rect">
+            <a:avLst/>
+          </a:prstGeom>
+        </p:spPr>
+      </p:pic>
+      <p:pic>
+        <p:nvPicPr>
+          <p:cNvPr id="7" name="图片 6">
+            <a:extLst>
+              <a:ext uri="{FF2B5EF4-FFF2-40B4-BE49-F238E27FC236}">
+                <a16:creationId xmlns:a16="http://schemas.microsoft.com/office/drawing/2014/main" id="{D656CB3A-6EA7-4D3D-A12A-04BAB252D3AE}"/>
+              </a:ext>
+            </a:extLst>
+          </p:cNvPr>
+          <p:cNvPicPr>
+            <a:picLocks noChangeAspect="1"/>
+          </p:cNvPicPr>
+          <p:nvPr/>
+        </p:nvPicPr>
+        <p:blipFill>
+          <a:blip r:embed="rId4">
+            <a:extLst>
+              <a:ext uri="{28A0092B-C50C-407E-A947-70E740481C1C}">
+                <a14:useLocalDpi xmlns:a14="http://schemas.microsoft.com/office/drawing/2010/main" val="0"/>
+              </a:ext>
+            </a:extLst>
+          </a:blip>
+          <a:stretch>
+            <a:fillRect/>
+          </a:stretch>
+        </p:blipFill>
+        <p:spPr>
+          <a:xfrm>
+            <a:off x="1119229" y="2701291"/>
+            <a:ext cx="2257425" cy="1276350"/>
           </a:xfrm>
           <a:prstGeom prst="rect">
             <a:avLst/>
@@ -9677,7 +9172,7 @@
 </p:sld>
 </file>
 
-<file path=ppt/slides/slide22.xml><?xml version="1.0" encoding="utf-8"?>
+<file path=ppt/slides/slide28.xml><?xml version="1.0" encoding="utf-8"?>
 <p:sld xmlns:a="http://schemas.openxmlformats.org/drawingml/2006/main" xmlns:r="http://schemas.openxmlformats.org/officeDocument/2006/relationships" xmlns:p="http://schemas.openxmlformats.org/presentationml/2006/main">
   <p:cSld>
     <p:spTree>
@@ -9849,7 +9344,7 @@
 </p:sld>
 </file>
 
-<file path=ppt/slides/slide23.xml><?xml version="1.0" encoding="utf-8"?>
+<file path=ppt/slides/slide29.xml><?xml version="1.0" encoding="utf-8"?>
 <p:sld xmlns:a="http://schemas.openxmlformats.org/drawingml/2006/main" xmlns:r="http://schemas.openxmlformats.org/officeDocument/2006/relationships" xmlns:p="http://schemas.openxmlformats.org/presentationml/2006/main">
   <p:cSld>
     <p:spTree>
@@ -9923,7 +9418,7 @@
         </p:blipFill>
         <p:spPr>
           <a:xfrm>
-            <a:off x="1188300" y="2241158"/>
+            <a:off x="1188300" y="2917020"/>
             <a:ext cx="2152650" cy="523875"/>
           </a:xfrm>
           <a:prstGeom prst="rect">
@@ -9981,7 +9476,7 @@
         </p:nvSpPr>
         <p:spPr>
           <a:xfrm>
-            <a:off x="677334" y="3373341"/>
+            <a:off x="550113" y="5035164"/>
             <a:ext cx="4281499" cy="584775"/>
           </a:xfrm>
           <a:prstGeom prst="rect">
@@ -10006,14 +9501,466 @@
           </a:p>
         </p:txBody>
       </p:sp>
-      <mc:AlternateContent xmlns:mc="http://schemas.openxmlformats.org/markup-compatibility/2006">
-        <mc:Choice xmlns:a14="http://schemas.microsoft.com/office/drawing/2010/main" Requires="a14">
+    </p:spTree>
+    <p:extLst>
+      <p:ext uri="{BB962C8B-B14F-4D97-AF65-F5344CB8AC3E}">
+        <p14:creationId xmlns:p14="http://schemas.microsoft.com/office/powerpoint/2010/main" val="1619562959"/>
+      </p:ext>
+    </p:extLst>
+  </p:cSld>
+  <p:clrMapOvr>
+    <a:masterClrMapping/>
+  </p:clrMapOvr>
+</p:sld>
+</file>
+
+<file path=ppt/slides/slide3.xml><?xml version="1.0" encoding="utf-8"?>
+<p:sld xmlns:a="http://schemas.openxmlformats.org/drawingml/2006/main" xmlns:r="http://schemas.openxmlformats.org/officeDocument/2006/relationships" xmlns:p="http://schemas.openxmlformats.org/presentationml/2006/main">
+  <p:cSld>
+    <p:spTree>
+      <p:nvGrpSpPr>
+        <p:cNvPr id="1" name=""/>
+        <p:cNvGrpSpPr/>
+        <p:nvPr/>
+      </p:nvGrpSpPr>
+      <p:grpSpPr>
+        <a:xfrm>
+          <a:off x="0" y="0"/>
+          <a:ext cx="0" cy="0"/>
+          <a:chOff x="0" y="0"/>
+          <a:chExt cx="0" cy="0"/>
+        </a:xfrm>
+      </p:grpSpPr>
+      <p:sp>
+        <p:nvSpPr>
+          <p:cNvPr id="2" name="标题 1">
+            <a:extLst>
+              <a:ext uri="{FF2B5EF4-FFF2-40B4-BE49-F238E27FC236}">
+                <a16:creationId xmlns:a16="http://schemas.microsoft.com/office/drawing/2014/main" id="{D6F1C6F6-2302-4965-A8E8-84D460321606}"/>
+              </a:ext>
+            </a:extLst>
+          </p:cNvPr>
+          <p:cNvSpPr>
+            <a:spLocks noGrp="1"/>
+          </p:cNvSpPr>
+          <p:nvPr>
+            <p:ph type="title"/>
+          </p:nvPr>
+        </p:nvSpPr>
+        <p:spPr/>
+        <p:txBody>
+          <a:bodyPr/>
+          <a:lstStyle/>
+          <a:p>
+            <a:r>
+              <a:rPr lang="zh-CN" altLang="en-US"/>
+              <a:t>世界背后是一张张表格（矩阵）</a:t>
+            </a:r>
+          </a:p>
+        </p:txBody>
+      </p:sp>
+      <p:pic>
+        <p:nvPicPr>
+          <p:cNvPr id="5" name="内容占位符 4">
+            <a:extLst>
+              <a:ext uri="{FF2B5EF4-FFF2-40B4-BE49-F238E27FC236}">
+                <a16:creationId xmlns:a16="http://schemas.microsoft.com/office/drawing/2014/main" id="{9D7DC02C-C0F8-4F37-B845-31827CD17316}"/>
+              </a:ext>
+            </a:extLst>
+          </p:cNvPr>
+          <p:cNvPicPr>
+            <a:picLocks noGrp="1" noChangeAspect="1"/>
+          </p:cNvPicPr>
+          <p:nvPr>
+            <p:ph idx="1"/>
+          </p:nvPr>
+        </p:nvPicPr>
+        <p:blipFill>
+          <a:blip r:embed="rId2">
+            <a:extLst>
+              <a:ext uri="{28A0092B-C50C-407E-A947-70E740481C1C}">
+                <a14:useLocalDpi xmlns:a14="http://schemas.microsoft.com/office/drawing/2010/main" val="0"/>
+              </a:ext>
+            </a:extLst>
+          </a:blip>
+          <a:stretch>
+            <a:fillRect/>
+          </a:stretch>
+        </p:blipFill>
+        <p:spPr>
+          <a:xfrm>
+            <a:off x="407520" y="2028335"/>
+            <a:ext cx="10115593" cy="4261147"/>
+          </a:xfrm>
+        </p:spPr>
+      </p:pic>
+    </p:spTree>
+    <p:extLst>
+      <p:ext uri="{BB962C8B-B14F-4D97-AF65-F5344CB8AC3E}">
+        <p14:creationId xmlns:p14="http://schemas.microsoft.com/office/powerpoint/2010/main" val="98106338"/>
+      </p:ext>
+    </p:extLst>
+  </p:cSld>
+  <p:clrMapOvr>
+    <a:masterClrMapping/>
+  </p:clrMapOvr>
+</p:sld>
+</file>
+
+<file path=ppt/slides/slide30.xml><?xml version="1.0" encoding="utf-8"?>
+<p:sld xmlns:a="http://schemas.openxmlformats.org/drawingml/2006/main" xmlns:r="http://schemas.openxmlformats.org/officeDocument/2006/relationships" xmlns:p="http://schemas.openxmlformats.org/presentationml/2006/main">
+  <p:cSld>
+    <p:spTree>
+      <p:nvGrpSpPr>
+        <p:cNvPr id="1" name=""/>
+        <p:cNvGrpSpPr/>
+        <p:nvPr/>
+      </p:nvGrpSpPr>
+      <p:grpSpPr>
+        <a:xfrm>
+          <a:off x="0" y="0"/>
+          <a:ext cx="0" cy="0"/>
+          <a:chOff x="0" y="0"/>
+          <a:chExt cx="0" cy="0"/>
+        </a:xfrm>
+      </p:grpSpPr>
+      <p:sp>
+        <p:nvSpPr>
+          <p:cNvPr id="2" name="标题 1">
+            <a:extLst>
+              <a:ext uri="{FF2B5EF4-FFF2-40B4-BE49-F238E27FC236}">
+                <a16:creationId xmlns:a16="http://schemas.microsoft.com/office/drawing/2014/main" id="{1DDF39EE-75D3-4A13-AF97-4106579AB728}"/>
+              </a:ext>
+            </a:extLst>
+          </p:cNvPr>
+          <p:cNvSpPr>
+            <a:spLocks noGrp="1"/>
+          </p:cNvSpPr>
+          <p:nvPr>
+            <p:ph type="title"/>
+          </p:nvPr>
+        </p:nvSpPr>
+        <p:spPr/>
+        <p:txBody>
+          <a:bodyPr/>
+          <a:lstStyle/>
+          <a:p>
+            <a:r>
+              <a:rPr lang="en-US" altLang="zh-CN"/>
+              <a:t>M-</a:t>
+            </a:r>
+            <a:r>
+              <a:rPr lang="zh-CN" altLang="en-US"/>
+              <a:t>均值</a:t>
+            </a:r>
+            <a:r>
+              <a:rPr lang="en-US" altLang="zh-CN"/>
+              <a:t>+SVD=PCA</a:t>
+            </a:r>
+            <a:endParaRPr lang="zh-CN" altLang="en-US"/>
+          </a:p>
+        </p:txBody>
+      </p:sp>
+      <p:pic>
+        <p:nvPicPr>
+          <p:cNvPr id="5" name="内容占位符 4">
+            <a:extLst>
+              <a:ext uri="{FF2B5EF4-FFF2-40B4-BE49-F238E27FC236}">
+                <a16:creationId xmlns:a16="http://schemas.microsoft.com/office/drawing/2014/main" id="{63D5520C-55D0-40D3-9564-3A4AC9474B02}"/>
+              </a:ext>
+            </a:extLst>
+          </p:cNvPr>
+          <p:cNvPicPr>
+            <a:picLocks noGrp="1" noChangeAspect="1"/>
+          </p:cNvPicPr>
+          <p:nvPr>
+            <p:ph idx="1"/>
+          </p:nvPr>
+        </p:nvPicPr>
+        <p:blipFill>
+          <a:blip r:embed="rId2">
+            <a:extLst>
+              <a:ext uri="{28A0092B-C50C-407E-A947-70E740481C1C}">
+                <a14:useLocalDpi xmlns:a14="http://schemas.microsoft.com/office/drawing/2010/main" val="0"/>
+              </a:ext>
+            </a:extLst>
+          </a:blip>
+          <a:stretch>
+            <a:fillRect/>
+          </a:stretch>
+        </p:blipFill>
+        <p:spPr>
+          <a:xfrm>
+            <a:off x="711447" y="1826631"/>
+            <a:ext cx="8455341" cy="4697412"/>
+          </a:xfrm>
+        </p:spPr>
+      </p:pic>
+    </p:spTree>
+    <p:extLst>
+      <p:ext uri="{BB962C8B-B14F-4D97-AF65-F5344CB8AC3E}">
+        <p14:creationId xmlns:p14="http://schemas.microsoft.com/office/powerpoint/2010/main" val="3882466410"/>
+      </p:ext>
+    </p:extLst>
+  </p:cSld>
+  <p:clrMapOvr>
+    <a:masterClrMapping/>
+  </p:clrMapOvr>
+</p:sld>
+</file>
+
+<file path=ppt/slides/slide31.xml><?xml version="1.0" encoding="utf-8"?>
+<p:sld xmlns:a="http://schemas.openxmlformats.org/drawingml/2006/main" xmlns:r="http://schemas.openxmlformats.org/officeDocument/2006/relationships" xmlns:p="http://schemas.openxmlformats.org/presentationml/2006/main">
+  <p:cSld>
+    <p:spTree>
+      <p:nvGrpSpPr>
+        <p:cNvPr id="1" name=""/>
+        <p:cNvGrpSpPr/>
+        <p:nvPr/>
+      </p:nvGrpSpPr>
+      <p:grpSpPr>
+        <a:xfrm>
+          <a:off x="0" y="0"/>
+          <a:ext cx="0" cy="0"/>
+          <a:chOff x="0" y="0"/>
+          <a:chExt cx="0" cy="0"/>
+        </a:xfrm>
+      </p:grpSpPr>
+      <p:sp>
+        <p:nvSpPr>
+          <p:cNvPr id="2" name="标题 1">
+            <a:extLst>
+              <a:ext uri="{FF2B5EF4-FFF2-40B4-BE49-F238E27FC236}">
+                <a16:creationId xmlns:a16="http://schemas.microsoft.com/office/drawing/2014/main" id="{DEC87452-F074-4CA0-8558-ABE3976954DA}"/>
+              </a:ext>
+            </a:extLst>
+          </p:cNvPr>
+          <p:cNvSpPr>
+            <a:spLocks noGrp="1"/>
+          </p:cNvSpPr>
+          <p:nvPr>
+            <p:ph type="title"/>
+          </p:nvPr>
+        </p:nvSpPr>
+        <p:spPr/>
+        <p:txBody>
+          <a:bodyPr/>
+          <a:lstStyle/>
+          <a:p>
+            <a:r>
+              <a:rPr lang="en-US" altLang="zh-CN"/>
+              <a:t>PCA</a:t>
+            </a:r>
+            <a:r>
+              <a:rPr lang="zh-CN" altLang="en-US"/>
+              <a:t>可以展示高维数据的主要情况</a:t>
+            </a:r>
+          </a:p>
+        </p:txBody>
+      </p:sp>
+      <p:pic>
+        <p:nvPicPr>
+          <p:cNvPr id="5" name="内容占位符 4">
+            <a:extLst>
+              <a:ext uri="{FF2B5EF4-FFF2-40B4-BE49-F238E27FC236}">
+                <a16:creationId xmlns:a16="http://schemas.microsoft.com/office/drawing/2014/main" id="{2A96C954-4312-4094-8A80-FF7BC2A1D418}"/>
+              </a:ext>
+            </a:extLst>
+          </p:cNvPr>
+          <p:cNvPicPr>
+            <a:picLocks noGrp="1" noChangeAspect="1"/>
+          </p:cNvPicPr>
+          <p:nvPr>
+            <p:ph idx="1"/>
+          </p:nvPr>
+        </p:nvPicPr>
+        <p:blipFill>
+          <a:blip r:embed="rId2">
+            <a:extLst>
+              <a:ext uri="{28A0092B-C50C-407E-A947-70E740481C1C}">
+                <a14:useLocalDpi xmlns:a14="http://schemas.microsoft.com/office/drawing/2010/main" val="0"/>
+              </a:ext>
+            </a:extLst>
+          </a:blip>
+          <a:stretch>
+            <a:fillRect/>
+          </a:stretch>
+        </p:blipFill>
+        <p:spPr>
+          <a:xfrm>
+            <a:off x="3013543" y="1340358"/>
+            <a:ext cx="4086971" cy="5311338"/>
+          </a:xfrm>
+        </p:spPr>
+      </p:pic>
+    </p:spTree>
+    <p:extLst>
+      <p:ext uri="{BB962C8B-B14F-4D97-AF65-F5344CB8AC3E}">
+        <p14:creationId xmlns:p14="http://schemas.microsoft.com/office/powerpoint/2010/main" val="3328974395"/>
+      </p:ext>
+    </p:extLst>
+  </p:cSld>
+  <p:clrMapOvr>
+    <a:masterClrMapping/>
+  </p:clrMapOvr>
+</p:sld>
+</file>
+
+<file path=ppt/slides/slide32.xml><?xml version="1.0" encoding="utf-8"?>
+<p:sld xmlns:a="http://schemas.openxmlformats.org/drawingml/2006/main" xmlns:r="http://schemas.openxmlformats.org/officeDocument/2006/relationships" xmlns:p="http://schemas.openxmlformats.org/presentationml/2006/main">
+  <p:cSld>
+    <p:spTree>
+      <p:nvGrpSpPr>
+        <p:cNvPr id="1" name=""/>
+        <p:cNvGrpSpPr/>
+        <p:nvPr/>
+      </p:nvGrpSpPr>
+      <p:grpSpPr>
+        <a:xfrm>
+          <a:off x="0" y="0"/>
+          <a:ext cx="0" cy="0"/>
+          <a:chOff x="0" y="0"/>
+          <a:chExt cx="0" cy="0"/>
+        </a:xfrm>
+      </p:grpSpPr>
+      <p:sp>
+        <p:nvSpPr>
+          <p:cNvPr id="2" name="标题 1">
+            <a:extLst>
+              <a:ext uri="{FF2B5EF4-FFF2-40B4-BE49-F238E27FC236}">
+                <a16:creationId xmlns:a16="http://schemas.microsoft.com/office/drawing/2014/main" id="{0577567A-2726-41B1-A941-9D2F155EE4D0}"/>
+              </a:ext>
+            </a:extLst>
+          </p:cNvPr>
+          <p:cNvSpPr>
+            <a:spLocks noGrp="1"/>
+          </p:cNvSpPr>
+          <p:nvPr>
+            <p:ph type="title"/>
+          </p:nvPr>
+        </p:nvSpPr>
+        <p:spPr/>
+        <p:txBody>
+          <a:bodyPr/>
+          <a:lstStyle/>
+          <a:p>
+            <a:r>
+              <a:rPr lang="en-US" altLang="zh-CN"/>
+              <a:t>SVD</a:t>
+            </a:r>
+            <a:r>
+              <a:rPr lang="zh-CN" altLang="en-US"/>
+              <a:t>可以逼近矩阵</a:t>
+            </a:r>
+          </a:p>
+        </p:txBody>
+      </p:sp>
+      <p:pic>
+        <p:nvPicPr>
+          <p:cNvPr id="5" name="内容占位符 4">
+            <a:extLst>
+              <a:ext uri="{FF2B5EF4-FFF2-40B4-BE49-F238E27FC236}">
+                <a16:creationId xmlns:a16="http://schemas.microsoft.com/office/drawing/2014/main" id="{6DF64672-1129-4692-843E-AC11AB53A764}"/>
+              </a:ext>
+            </a:extLst>
+          </p:cNvPr>
+          <p:cNvPicPr>
+            <a:picLocks noGrp="1" noChangeAspect="1"/>
+          </p:cNvPicPr>
+          <p:nvPr>
+            <p:ph idx="1"/>
+          </p:nvPr>
+        </p:nvPicPr>
+        <p:blipFill>
+          <a:blip r:embed="rId2">
+            <a:extLst>
+              <a:ext uri="{28A0092B-C50C-407E-A947-70E740481C1C}">
+                <a14:useLocalDpi xmlns:a14="http://schemas.microsoft.com/office/drawing/2010/main" val="0"/>
+              </a:ext>
+            </a:extLst>
+          </a:blip>
+          <a:stretch>
+            <a:fillRect/>
+          </a:stretch>
+        </p:blipFill>
+        <p:spPr>
+          <a:xfrm>
+            <a:off x="1370398" y="1535163"/>
+            <a:ext cx="7010277" cy="5263202"/>
+          </a:xfrm>
+        </p:spPr>
+      </p:pic>
+    </p:spTree>
+    <p:extLst>
+      <p:ext uri="{BB962C8B-B14F-4D97-AF65-F5344CB8AC3E}">
+        <p14:creationId xmlns:p14="http://schemas.microsoft.com/office/powerpoint/2010/main" val="743818006"/>
+      </p:ext>
+    </p:extLst>
+  </p:cSld>
+  <p:clrMapOvr>
+    <a:masterClrMapping/>
+  </p:clrMapOvr>
+</p:sld>
+</file>
+
+<file path=ppt/slides/slide33.xml><?xml version="1.0" encoding="utf-8"?>
+<p:sld xmlns:a="http://schemas.openxmlformats.org/drawingml/2006/main" xmlns:r="http://schemas.openxmlformats.org/officeDocument/2006/relationships" xmlns:p="http://schemas.openxmlformats.org/presentationml/2006/main">
+  <p:cSld>
+    <p:spTree>
+      <p:nvGrpSpPr>
+        <p:cNvPr id="1" name=""/>
+        <p:cNvGrpSpPr/>
+        <p:nvPr/>
+      </p:nvGrpSpPr>
+      <p:grpSpPr>
+        <a:xfrm>
+          <a:off x="0" y="0"/>
+          <a:ext cx="0" cy="0"/>
+          <a:chOff x="0" y="0"/>
+          <a:chExt cx="0" cy="0"/>
+        </a:xfrm>
+      </p:grpSpPr>
+      <p:sp>
+        <p:nvSpPr>
+          <p:cNvPr id="2" name="标题 1">
+            <a:extLst>
+              <a:ext uri="{FF2B5EF4-FFF2-40B4-BE49-F238E27FC236}">
+                <a16:creationId xmlns:a16="http://schemas.microsoft.com/office/drawing/2014/main" id="{46734982-9295-4638-90E2-25DA7A4FD052}"/>
+              </a:ext>
+            </a:extLst>
+          </p:cNvPr>
+          <p:cNvSpPr>
+            <a:spLocks noGrp="1"/>
+          </p:cNvSpPr>
+          <p:nvPr>
+            <p:ph type="title"/>
+          </p:nvPr>
+        </p:nvSpPr>
+        <p:spPr/>
+        <p:txBody>
+          <a:bodyPr/>
+          <a:lstStyle/>
+          <a:p>
+            <a:r>
+              <a:rPr lang="zh-CN" altLang="en-US"/>
+              <a:t>广义逆</a:t>
+            </a:r>
+            <a:r>
+              <a:rPr lang="en-US" altLang="zh-CN"/>
+              <a:t>(Moore-Penrose Pseudoinverse)</a:t>
+            </a:r>
+            <a:endParaRPr lang="zh-CN" altLang="en-US"/>
+          </a:p>
+        </p:txBody>
+      </p:sp>
+      <mc:AlternateContent xmlns:mc="http://schemas.openxmlformats.org/markup-compatibility/2006" xmlns:a14="http://schemas.microsoft.com/office/drawing/2010/main">
+        <mc:Choice Requires="a14">
           <p:sp>
             <p:nvSpPr>
-              <p:cNvPr id="8" name="文本框 7">
+              <p:cNvPr id="4" name="文本框 3">
                 <a:extLst>
                   <a:ext uri="{FF2B5EF4-FFF2-40B4-BE49-F238E27FC236}">
-                    <a16:creationId xmlns:a16="http://schemas.microsoft.com/office/drawing/2014/main" id="{927CAE4B-234B-4592-A367-6DF32C260C1C}"/>
+                    <a16:creationId xmlns:a16="http://schemas.microsoft.com/office/drawing/2014/main" id="{AB3C9AF5-3614-4B02-BA61-A94CF348E640}"/>
                   </a:ext>
                 </a:extLst>
               </p:cNvPr>
@@ -10022,8 +9969,8 @@
             </p:nvSpPr>
             <p:spPr>
               <a:xfrm>
-                <a:off x="874643" y="4738980"/>
-                <a:ext cx="2756794" cy="461665"/>
+                <a:off x="1046095" y="2814764"/>
+                <a:ext cx="2466071" cy="461665"/>
               </a:xfrm>
               <a:prstGeom prst="rect">
                 <a:avLst/>
@@ -10036,6 +9983,7 @@
               </a:bodyPr>
               <a:lstStyle/>
               <a:p>
+                <a:pPr/>
                 <a14:m>
                   <m:oMathPara xmlns:m="http://schemas.openxmlformats.org/officeDocument/2006/math">
                     <m:oMathParaPr>
@@ -10137,246 +10085,7 @@
             </p:txBody>
           </p:sp>
         </mc:Choice>
-        <mc:Fallback>
-          <p:sp>
-            <p:nvSpPr>
-              <p:cNvPr id="8" name="文本框 7">
-                <a:extLst>
-                  <a:ext uri="{FF2B5EF4-FFF2-40B4-BE49-F238E27FC236}">
-                    <a16:creationId xmlns:a16="http://schemas.microsoft.com/office/drawing/2014/main" id="{927CAE4B-234B-4592-A367-6DF32C260C1C}"/>
-                  </a:ext>
-                </a:extLst>
-              </p:cNvPr>
-              <p:cNvSpPr txBox="1">
-                <a:spLocks noRot="1" noChangeAspect="1" noMove="1" noResize="1" noEditPoints="1" noAdjustHandles="1" noChangeArrowheads="1" noChangeShapeType="1" noTextEdit="1"/>
-              </p:cNvSpPr>
-              <p:nvPr/>
-            </p:nvSpPr>
-            <p:spPr>
-              <a:xfrm>
-                <a:off x="874643" y="4738980"/>
-                <a:ext cx="2756794" cy="461665"/>
-              </a:xfrm>
-              <a:prstGeom prst="rect">
-                <a:avLst/>
-              </a:prstGeom>
-              <a:blipFill>
-                <a:blip r:embed="rId4"/>
-                <a:stretch>
-                  <a:fillRect/>
-                </a:stretch>
-              </a:blipFill>
-            </p:spPr>
-            <p:txBody>
-              <a:bodyPr/>
-              <a:lstStyle/>
-              <a:p>
-                <a:r>
-                  <a:rPr lang="zh-CN" altLang="en-US">
-                    <a:noFill/>
-                  </a:rPr>
-                  <a:t> </a:t>
-                </a:r>
-              </a:p>
-            </p:txBody>
-          </p:sp>
-        </mc:Fallback>
-      </mc:AlternateContent>
-    </p:spTree>
-    <p:extLst>
-      <p:ext uri="{BB962C8B-B14F-4D97-AF65-F5344CB8AC3E}">
-        <p14:creationId xmlns:p14="http://schemas.microsoft.com/office/powerpoint/2010/main" val="1619562959"/>
-      </p:ext>
-    </p:extLst>
-  </p:cSld>
-  <p:clrMapOvr>
-    <a:masterClrMapping/>
-  </p:clrMapOvr>
-</p:sld>
-</file>
-
-<file path=ppt/slides/slide24.xml><?xml version="1.0" encoding="utf-8"?>
-<p:sld xmlns:a="http://schemas.openxmlformats.org/drawingml/2006/main" xmlns:r="http://schemas.openxmlformats.org/officeDocument/2006/relationships" xmlns:p="http://schemas.openxmlformats.org/presentationml/2006/main">
-  <p:cSld>
-    <p:spTree>
-      <p:nvGrpSpPr>
-        <p:cNvPr id="1" name=""/>
-        <p:cNvGrpSpPr/>
-        <p:nvPr/>
-      </p:nvGrpSpPr>
-      <p:grpSpPr>
-        <a:xfrm>
-          <a:off x="0" y="0"/>
-          <a:ext cx="0" cy="0"/>
-          <a:chOff x="0" y="0"/>
-          <a:chExt cx="0" cy="0"/>
-        </a:xfrm>
-      </p:grpSpPr>
-      <p:sp>
-        <p:nvSpPr>
-          <p:cNvPr id="2" name="标题 1">
-            <a:extLst>
-              <a:ext uri="{FF2B5EF4-FFF2-40B4-BE49-F238E27FC236}">
-                <a16:creationId xmlns:a16="http://schemas.microsoft.com/office/drawing/2014/main" id="{46734982-9295-4638-90E2-25DA7A4FD052}"/>
-              </a:ext>
-            </a:extLst>
-          </p:cNvPr>
-          <p:cNvSpPr>
-            <a:spLocks noGrp="1"/>
-          </p:cNvSpPr>
-          <p:nvPr>
-            <p:ph type="title"/>
-          </p:nvPr>
-        </p:nvSpPr>
-        <p:spPr/>
-        <p:txBody>
-          <a:bodyPr/>
-          <a:lstStyle/>
-          <a:p>
-            <a:r>
-              <a:rPr lang="zh-CN" altLang="en-US"/>
-              <a:t>广义逆</a:t>
-            </a:r>
-            <a:r>
-              <a:rPr lang="en-US" altLang="zh-CN"/>
-              <a:t>(Moore-Penrose Pseudoinverse)</a:t>
-            </a:r>
-            <a:endParaRPr lang="zh-CN" altLang="en-US"/>
-          </a:p>
-        </p:txBody>
-      </p:sp>
-      <mc:AlternateContent xmlns:mc="http://schemas.openxmlformats.org/markup-compatibility/2006">
-        <mc:Choice xmlns:a14="http://schemas.microsoft.com/office/drawing/2010/main" Requires="a14">
-          <p:sp>
-            <p:nvSpPr>
-              <p:cNvPr id="4" name="文本框 3">
-                <a:extLst>
-                  <a:ext uri="{FF2B5EF4-FFF2-40B4-BE49-F238E27FC236}">
-                    <a16:creationId xmlns:a16="http://schemas.microsoft.com/office/drawing/2014/main" id="{AB3C9AF5-3614-4B02-BA61-A94CF348E640}"/>
-                  </a:ext>
-                </a:extLst>
-              </p:cNvPr>
-              <p:cNvSpPr txBox="1"/>
-              <p:nvPr/>
-            </p:nvSpPr>
-            <p:spPr>
-              <a:xfrm>
-                <a:off x="1046095" y="2814764"/>
-                <a:ext cx="2466071" cy="461665"/>
-              </a:xfrm>
-              <a:prstGeom prst="rect">
-                <a:avLst/>
-              </a:prstGeom>
-              <a:noFill/>
-            </p:spPr>
-            <p:txBody>
-              <a:bodyPr wrap="square" rtlCol="0">
-                <a:spAutoFit/>
-              </a:bodyPr>
-              <a:lstStyle/>
-              <a:p>
-                <a14:m>
-                  <m:oMathPara xmlns:m="http://schemas.openxmlformats.org/officeDocument/2006/math">
-                    <m:oMathParaPr>
-                      <m:jc m:val="centerGroup"/>
-                    </m:oMathParaPr>
-                    <m:oMath xmlns:m="http://schemas.openxmlformats.org/officeDocument/2006/math">
-                      <m:sSup>
-                        <m:sSupPr>
-                          <m:ctrlPr>
-                            <a:rPr lang="en-US" altLang="zh-CN" sz="2400" i="1" smtClean="0">
-                              <a:latin typeface="Cambria Math" panose="02040503050406030204" pitchFamily="18" charset="0"/>
-                            </a:rPr>
-                          </m:ctrlPr>
-                        </m:sSupPr>
-                        <m:e>
-                          <m:r>
-                            <a:rPr lang="en-US" altLang="zh-CN" sz="2400" b="0" i="1" smtClean="0">
-                              <a:latin typeface="Cambria Math" panose="02040503050406030204" pitchFamily="18" charset="0"/>
-                            </a:rPr>
-                            <m:t>𝐴</m:t>
-                          </m:r>
-                        </m:e>
-                        <m:sup>
-                          <m:r>
-                            <a:rPr lang="en-US" altLang="zh-CN" sz="2400" b="0" i="1" smtClean="0">
-                              <a:latin typeface="Cambria Math" panose="02040503050406030204" pitchFamily="18" charset="0"/>
-                            </a:rPr>
-                            <m:t>−1</m:t>
-                          </m:r>
-                        </m:sup>
-                      </m:sSup>
-                      <m:r>
-                        <a:rPr lang="en-US" altLang="zh-CN" sz="2400" b="0" i="1" smtClean="0">
-                          <a:latin typeface="Cambria Math" panose="02040503050406030204" pitchFamily="18" charset="0"/>
-                        </a:rPr>
-                        <m:t>=</m:t>
-                      </m:r>
-                      <m:r>
-                        <a:rPr lang="en-US" altLang="zh-CN" sz="2400" b="0" i="1" smtClean="0">
-                          <a:latin typeface="Cambria Math" panose="02040503050406030204" pitchFamily="18" charset="0"/>
-                        </a:rPr>
-                        <m:t>𝑉</m:t>
-                      </m:r>
-                      <m:sSup>
-                        <m:sSupPr>
-                          <m:ctrlPr>
-                            <a:rPr lang="en-US" altLang="zh-CN" sz="2400" b="0" i="1" smtClean="0">
-                              <a:latin typeface="Cambria Math" panose="02040503050406030204" pitchFamily="18" charset="0"/>
-                            </a:rPr>
-                          </m:ctrlPr>
-                        </m:sSupPr>
-                        <m:e>
-                          <m:r>
-                            <a:rPr lang="en-US" altLang="zh-CN" sz="2400" b="0" i="1" smtClean="0">
-                              <a:latin typeface="Cambria Math" panose="02040503050406030204" pitchFamily="18" charset="0"/>
-                            </a:rPr>
-                            <m:t>𝐷</m:t>
-                          </m:r>
-                        </m:e>
-                        <m:sup>
-                          <m:r>
-                            <a:rPr lang="en-US" altLang="zh-CN" sz="2400" b="0" i="1" smtClean="0">
-                              <a:latin typeface="Cambria Math" panose="02040503050406030204" pitchFamily="18" charset="0"/>
-                            </a:rPr>
-                            <m:t>−1</m:t>
-                          </m:r>
-                        </m:sup>
-                      </m:sSup>
-                      <m:sSup>
-                        <m:sSupPr>
-                          <m:ctrlPr>
-                            <a:rPr lang="en-US" altLang="zh-CN" sz="2400" b="0" i="1" smtClean="0">
-                              <a:latin typeface="Cambria Math" panose="02040503050406030204" pitchFamily="18" charset="0"/>
-                            </a:rPr>
-                          </m:ctrlPr>
-                        </m:sSupPr>
-                        <m:e>
-                          <m:r>
-                            <a:rPr lang="en-US" altLang="zh-CN" sz="2400" b="0" i="1" smtClean="0">
-                              <a:latin typeface="Cambria Math" panose="02040503050406030204" pitchFamily="18" charset="0"/>
-                            </a:rPr>
-                            <m:t>𝑈</m:t>
-                          </m:r>
-                        </m:e>
-                        <m:sup>
-                          <m:r>
-                            <a:rPr lang="en-US" altLang="zh-CN" sz="2400" b="0" i="1" smtClean="0">
-                              <a:latin typeface="Cambria Math" panose="02040503050406030204" pitchFamily="18" charset="0"/>
-                            </a:rPr>
-                            <m:t>𝑇</m:t>
-                          </m:r>
-                        </m:sup>
-                      </m:sSup>
-                    </m:oMath>
-                  </m:oMathPara>
-                </a14:m>
-                <a:endParaRPr lang="zh-CN" altLang="en-US" sz="2400"/>
-              </a:p>
-            </p:txBody>
-          </p:sp>
-        </mc:Choice>
-        <mc:Fallback>
+        <mc:Fallback xmlns="">
           <p:sp>
             <p:nvSpPr>
               <p:cNvPr id="4" name="文本框 3">
@@ -10507,7 +10216,7 @@
 </p:sld>
 </file>
 
-<file path=ppt/slides/slide25.xml><?xml version="1.0" encoding="utf-8"?>
+<file path=ppt/slides/slide34.xml><?xml version="1.0" encoding="utf-8"?>
 <p:sld xmlns:a="http://schemas.openxmlformats.org/drawingml/2006/main" xmlns:r="http://schemas.openxmlformats.org/officeDocument/2006/relationships" xmlns:p="http://schemas.openxmlformats.org/presentationml/2006/main">
   <p:cSld>
     <p:spTree>
@@ -10630,7 +10339,7 @@
 </p:sld>
 </file>
 
-<file path=ppt/slides/slide26.xml><?xml version="1.0" encoding="utf-8"?>
+<file path=ppt/slides/slide35.xml><?xml version="1.0" encoding="utf-8"?>
 <p:sld xmlns:a="http://schemas.openxmlformats.org/drawingml/2006/main" xmlns:r="http://schemas.openxmlformats.org/officeDocument/2006/relationships" xmlns:p="http://schemas.openxmlformats.org/presentationml/2006/main">
   <p:cSld>
     <p:spTree>
@@ -10680,8 +10389,8 @@
           </a:p>
         </p:txBody>
       </p:sp>
-      <mc:AlternateContent xmlns:mc="http://schemas.openxmlformats.org/markup-compatibility/2006">
-        <mc:Choice xmlns:a14="http://schemas.microsoft.com/office/drawing/2010/main" Requires="a14">
+      <mc:AlternateContent xmlns:mc="http://schemas.openxmlformats.org/markup-compatibility/2006" xmlns:a14="http://schemas.microsoft.com/office/drawing/2010/main">
+        <mc:Choice Requires="a14">
           <p:sp>
             <p:nvSpPr>
               <p:cNvPr id="3" name="内容占位符 2">
@@ -10838,7 +10547,7 @@
             </p:txBody>
           </p:sp>
         </mc:Choice>
-        <mc:Fallback>
+        <mc:Fallback xmlns="">
           <p:sp>
             <p:nvSpPr>
               <p:cNvPr id="3" name="内容占位符 2">
@@ -10891,7 +10600,7 @@
 </p:sld>
 </file>
 
-<file path=ppt/slides/slide27.xml><?xml version="1.0" encoding="utf-8"?>
+<file path=ppt/slides/slide36.xml><?xml version="1.0" encoding="utf-8"?>
 <p:sld xmlns:a="http://schemas.openxmlformats.org/drawingml/2006/main" xmlns:r="http://schemas.openxmlformats.org/officeDocument/2006/relationships" xmlns:p="http://schemas.openxmlformats.org/presentationml/2006/main">
   <p:cSld>
     <p:spTree>
@@ -10970,187 +10679,6 @@
     <p:extLst>
       <p:ext uri="{BB962C8B-B14F-4D97-AF65-F5344CB8AC3E}">
         <p14:creationId xmlns:p14="http://schemas.microsoft.com/office/powerpoint/2010/main" val="1534373295"/>
-      </p:ext>
-    </p:extLst>
-  </p:cSld>
-  <p:clrMapOvr>
-    <a:masterClrMapping/>
-  </p:clrMapOvr>
-</p:sld>
-</file>
-
-<file path=ppt/slides/slide3.xml><?xml version="1.0" encoding="utf-8"?>
-<p:sld xmlns:a="http://schemas.openxmlformats.org/drawingml/2006/main" xmlns:r="http://schemas.openxmlformats.org/officeDocument/2006/relationships" xmlns:p="http://schemas.openxmlformats.org/presentationml/2006/main">
-  <p:cSld>
-    <p:spTree>
-      <p:nvGrpSpPr>
-        <p:cNvPr id="1" name=""/>
-        <p:cNvGrpSpPr/>
-        <p:nvPr/>
-      </p:nvGrpSpPr>
-      <p:grpSpPr>
-        <a:xfrm>
-          <a:off x="0" y="0"/>
-          <a:ext cx="0" cy="0"/>
-          <a:chOff x="0" y="0"/>
-          <a:chExt cx="0" cy="0"/>
-        </a:xfrm>
-      </p:grpSpPr>
-      <p:sp>
-        <p:nvSpPr>
-          <p:cNvPr id="2" name="标题 1">
-            <a:extLst>
-              <a:ext uri="{FF2B5EF4-FFF2-40B4-BE49-F238E27FC236}">
-                <a16:creationId xmlns:a16="http://schemas.microsoft.com/office/drawing/2014/main" id="{4EEE9B70-6709-41AB-A86F-5663E63834E5}"/>
-              </a:ext>
-            </a:extLst>
-          </p:cNvPr>
-          <p:cNvSpPr>
-            <a:spLocks noGrp="1"/>
-          </p:cNvSpPr>
-          <p:nvPr>
-            <p:ph type="title"/>
-          </p:nvPr>
-        </p:nvSpPr>
-        <p:spPr>
-          <a:xfrm>
-            <a:off x="677334" y="100711"/>
-            <a:ext cx="8596668" cy="1320800"/>
-          </a:xfrm>
-        </p:spPr>
-        <p:txBody>
-          <a:bodyPr/>
-          <a:lstStyle/>
-          <a:p>
-            <a:r>
-              <a:rPr lang="zh-CN" altLang="en-US"/>
-              <a:t>曾经有三部电影叫</a:t>
-            </a:r>
-            <a:r>
-              <a:rPr lang="en-US" altLang="zh-CN"/>
-              <a:t>《The Matrix》</a:t>
-            </a:r>
-            <a:br>
-              <a:rPr lang="en-US" altLang="zh-CN"/>
-            </a:br>
-            <a:r>
-              <a:rPr lang="zh-CN" altLang="en-US"/>
-              <a:t>讲的是线性代数的故事。。。</a:t>
-            </a:r>
-          </a:p>
-        </p:txBody>
-      </p:sp>
-      <p:pic>
-        <p:nvPicPr>
-          <p:cNvPr id="5" name="内容占位符 4">
-            <a:extLst>
-              <a:ext uri="{FF2B5EF4-FFF2-40B4-BE49-F238E27FC236}">
-                <a16:creationId xmlns:a16="http://schemas.microsoft.com/office/drawing/2014/main" id="{3FFAEF9D-2BB6-4A10-A79B-11261350C78A}"/>
-              </a:ext>
-            </a:extLst>
-          </p:cNvPr>
-          <p:cNvPicPr>
-            <a:picLocks noGrp="1" noChangeAspect="1"/>
-          </p:cNvPicPr>
-          <p:nvPr>
-            <p:ph idx="1"/>
-          </p:nvPr>
-        </p:nvPicPr>
-        <p:blipFill>
-          <a:blip r:embed="rId2">
-            <a:extLst>
-              <a:ext uri="{28A0092B-C50C-407E-A947-70E740481C1C}">
-                <a14:useLocalDpi xmlns:a14="http://schemas.microsoft.com/office/drawing/2010/main" val="0"/>
-              </a:ext>
-            </a:extLst>
-          </a:blip>
-          <a:stretch>
-            <a:fillRect/>
-          </a:stretch>
-        </p:blipFill>
-        <p:spPr>
-          <a:xfrm>
-            <a:off x="43916" y="1385137"/>
-            <a:ext cx="3438756" cy="4871573"/>
-          </a:xfrm>
-        </p:spPr>
-      </p:pic>
-      <p:pic>
-        <p:nvPicPr>
-          <p:cNvPr id="7" name="图片 6">
-            <a:extLst>
-              <a:ext uri="{FF2B5EF4-FFF2-40B4-BE49-F238E27FC236}">
-                <a16:creationId xmlns:a16="http://schemas.microsoft.com/office/drawing/2014/main" id="{E0BE7451-2C83-4E5A-8CCF-EA374A069128}"/>
-              </a:ext>
-            </a:extLst>
-          </p:cNvPr>
-          <p:cNvPicPr>
-            <a:picLocks noChangeAspect="1"/>
-          </p:cNvPicPr>
-          <p:nvPr/>
-        </p:nvPicPr>
-        <p:blipFill>
-          <a:blip r:embed="rId3">
-            <a:extLst>
-              <a:ext uri="{28A0092B-C50C-407E-A947-70E740481C1C}">
-                <a14:useLocalDpi xmlns:a14="http://schemas.microsoft.com/office/drawing/2010/main" val="0"/>
-              </a:ext>
-            </a:extLst>
-          </a:blip>
-          <a:stretch>
-            <a:fillRect/>
-          </a:stretch>
-        </p:blipFill>
-        <p:spPr>
-          <a:xfrm>
-            <a:off x="3491736" y="1391481"/>
-            <a:ext cx="5120639" cy="3840479"/>
-          </a:xfrm>
-          <a:prstGeom prst="rect">
-            <a:avLst/>
-          </a:prstGeom>
-        </p:spPr>
-      </p:pic>
-      <p:pic>
-        <p:nvPicPr>
-          <p:cNvPr id="9" name="图片 8">
-            <a:extLst>
-              <a:ext uri="{FF2B5EF4-FFF2-40B4-BE49-F238E27FC236}">
-                <a16:creationId xmlns:a16="http://schemas.microsoft.com/office/drawing/2014/main" id="{5057FACD-0A36-4291-923C-17EB183818AB}"/>
-              </a:ext>
-            </a:extLst>
-          </p:cNvPr>
-          <p:cNvPicPr>
-            <a:picLocks noChangeAspect="1"/>
-          </p:cNvPicPr>
-          <p:nvPr/>
-        </p:nvPicPr>
-        <p:blipFill>
-          <a:blip r:embed="rId4">
-            <a:extLst>
-              <a:ext uri="{28A0092B-C50C-407E-A947-70E740481C1C}">
-                <a14:useLocalDpi xmlns:a14="http://schemas.microsoft.com/office/drawing/2010/main" val="0"/>
-              </a:ext>
-            </a:extLst>
-          </a:blip>
-          <a:stretch>
-            <a:fillRect/>
-          </a:stretch>
-        </p:blipFill>
-        <p:spPr>
-          <a:xfrm>
-            <a:off x="8607324" y="1379587"/>
-            <a:ext cx="3540760" cy="5027833"/>
-          </a:xfrm>
-          <a:prstGeom prst="rect">
-            <a:avLst/>
-          </a:prstGeom>
-        </p:spPr>
-      </p:pic>
-    </p:spTree>
-    <p:extLst>
-      <p:ext uri="{BB962C8B-B14F-4D97-AF65-F5344CB8AC3E}">
-        <p14:creationId xmlns:p14="http://schemas.microsoft.com/office/powerpoint/2010/main" val="91771652"/>
       </p:ext>
     </p:extLst>
   </p:cSld>
@@ -11182,7 +10710,7 @@
           <p:cNvPr id="2" name="标题 1">
             <a:extLst>
               <a:ext uri="{FF2B5EF4-FFF2-40B4-BE49-F238E27FC236}">
-                <a16:creationId xmlns:a16="http://schemas.microsoft.com/office/drawing/2014/main" id="{D6F1C6F6-2302-4965-A8E8-84D460321606}"/>
+                <a16:creationId xmlns:a16="http://schemas.microsoft.com/office/drawing/2014/main" id="{7C6E661F-1AA1-481B-BB69-365A64BC88E1}"/>
               </a:ext>
             </a:extLst>
           </p:cNvPr>
@@ -11200,7 +10728,7 @@
           <a:p>
             <a:r>
               <a:rPr lang="zh-CN" altLang="en-US"/>
-              <a:t>世界背后是一张张表（矩阵）</a:t>
+              <a:t>数据库是有很多表格组成的</a:t>
             </a:r>
           </a:p>
         </p:txBody>
@@ -11210,7 +10738,7 @@
           <p:cNvPr id="5" name="内容占位符 4">
             <a:extLst>
               <a:ext uri="{FF2B5EF4-FFF2-40B4-BE49-F238E27FC236}">
-                <a16:creationId xmlns:a16="http://schemas.microsoft.com/office/drawing/2014/main" id="{9D7DC02C-C0F8-4F37-B845-31827CD17316}"/>
+                <a16:creationId xmlns:a16="http://schemas.microsoft.com/office/drawing/2014/main" id="{24C13C5E-19C2-4BA8-8CF8-6CEA807EF586}"/>
               </a:ext>
             </a:extLst>
           </p:cNvPr>
@@ -11235,15 +10763,15 @@
         </p:blipFill>
         <p:spPr>
           <a:xfrm>
-            <a:off x="407520" y="2028335"/>
-            <a:ext cx="10115593" cy="4261147"/>
+            <a:off x="1908313" y="1591556"/>
+            <a:ext cx="6202017" cy="5181432"/>
           </a:xfrm>
         </p:spPr>
       </p:pic>
     </p:spTree>
     <p:extLst>
       <p:ext uri="{BB962C8B-B14F-4D97-AF65-F5344CB8AC3E}">
-        <p14:creationId xmlns:p14="http://schemas.microsoft.com/office/powerpoint/2010/main" val="98106338"/>
+        <p14:creationId xmlns:p14="http://schemas.microsoft.com/office/powerpoint/2010/main" val="1049789777"/>
       </p:ext>
     </p:extLst>
   </p:cSld>
@@ -11347,185 +10875,6 @@
 </file>
 
 <file path=ppt/slides/slide6.xml><?xml version="1.0" encoding="utf-8"?>
-<p:sld xmlns:a="http://schemas.openxmlformats.org/drawingml/2006/main" xmlns:r="http://schemas.openxmlformats.org/officeDocument/2006/relationships" xmlns:p="http://schemas.openxmlformats.org/presentationml/2006/main">
-  <p:cSld>
-    <p:spTree>
-      <p:nvGrpSpPr>
-        <p:cNvPr id="1" name=""/>
-        <p:cNvGrpSpPr/>
-        <p:nvPr/>
-      </p:nvGrpSpPr>
-      <p:grpSpPr>
-        <a:xfrm>
-          <a:off x="0" y="0"/>
-          <a:ext cx="0" cy="0"/>
-          <a:chOff x="0" y="0"/>
-          <a:chExt cx="0" cy="0"/>
-        </a:xfrm>
-      </p:grpSpPr>
-      <p:sp>
-        <p:nvSpPr>
-          <p:cNvPr id="2" name="标题 1">
-            <a:extLst>
-              <a:ext uri="{FF2B5EF4-FFF2-40B4-BE49-F238E27FC236}">
-                <a16:creationId xmlns:a16="http://schemas.microsoft.com/office/drawing/2014/main" id="{4F4340A4-94A7-4598-BFD6-7A9FDEC684C4}"/>
-              </a:ext>
-            </a:extLst>
-          </p:cNvPr>
-          <p:cNvSpPr>
-            <a:spLocks noGrp="1"/>
-          </p:cNvSpPr>
-          <p:nvPr>
-            <p:ph type="title"/>
-          </p:nvPr>
-        </p:nvSpPr>
-        <p:spPr/>
-        <p:txBody>
-          <a:bodyPr/>
-          <a:lstStyle/>
-          <a:p>
-            <a:r>
-              <a:rPr lang="zh-CN" altLang="en-US"/>
-              <a:t>为什么我不热衷旅游？</a:t>
-            </a:r>
-            <a:br>
-              <a:rPr lang="en-US" altLang="zh-CN"/>
-            </a:br>
-            <a:r>
-              <a:rPr lang="zh-CN" altLang="en-US"/>
-              <a:t>旅游只是改变你在矩阵里的</a:t>
-            </a:r>
-            <a:r>
-              <a:rPr lang="en-US" altLang="zh-CN"/>
-              <a:t>X,Y</a:t>
-            </a:r>
-            <a:r>
-              <a:rPr lang="zh-CN" altLang="en-US"/>
-              <a:t>坐标</a:t>
-            </a:r>
-          </a:p>
-        </p:txBody>
-      </p:sp>
-      <p:pic>
-        <p:nvPicPr>
-          <p:cNvPr id="9" name="内容占位符 8">
-            <a:extLst>
-              <a:ext uri="{FF2B5EF4-FFF2-40B4-BE49-F238E27FC236}">
-                <a16:creationId xmlns:a16="http://schemas.microsoft.com/office/drawing/2014/main" id="{3E1A06CE-D445-4D05-AC79-2E2CED1E6B6C}"/>
-              </a:ext>
-            </a:extLst>
-          </p:cNvPr>
-          <p:cNvPicPr>
-            <a:picLocks noGrp="1" noChangeAspect="1"/>
-          </p:cNvPicPr>
-          <p:nvPr>
-            <p:ph idx="1"/>
-          </p:nvPr>
-        </p:nvPicPr>
-        <p:blipFill>
-          <a:blip r:embed="rId2">
-            <a:extLst>
-              <a:ext uri="{28A0092B-C50C-407E-A947-70E740481C1C}">
-                <a14:useLocalDpi xmlns:a14="http://schemas.microsoft.com/office/drawing/2010/main" val="0"/>
-              </a:ext>
-            </a:extLst>
-          </a:blip>
-          <a:stretch>
-            <a:fillRect/>
-          </a:stretch>
-        </p:blipFill>
-        <p:spPr>
-          <a:xfrm>
-            <a:off x="79411" y="2956776"/>
-            <a:ext cx="5819944" cy="3839984"/>
-          </a:xfrm>
-        </p:spPr>
-      </p:pic>
-      <p:pic>
-        <p:nvPicPr>
-          <p:cNvPr id="11" name="图片 10">
-            <a:extLst>
-              <a:ext uri="{FF2B5EF4-FFF2-40B4-BE49-F238E27FC236}">
-                <a16:creationId xmlns:a16="http://schemas.microsoft.com/office/drawing/2014/main" id="{E2B6B3A8-ABB8-4C94-AF5D-581D36CD6FA9}"/>
-              </a:ext>
-            </a:extLst>
-          </p:cNvPr>
-          <p:cNvPicPr>
-            <a:picLocks noChangeAspect="1"/>
-          </p:cNvPicPr>
-          <p:nvPr/>
-        </p:nvPicPr>
-        <p:blipFill>
-          <a:blip r:embed="rId3">
-            <a:extLst>
-              <a:ext uri="{28A0092B-C50C-407E-A947-70E740481C1C}">
-                <a14:useLocalDpi xmlns:a14="http://schemas.microsoft.com/office/drawing/2010/main" val="0"/>
-              </a:ext>
-            </a:extLst>
-          </a:blip>
-          <a:stretch>
-            <a:fillRect/>
-          </a:stretch>
-        </p:blipFill>
-        <p:spPr>
-          <a:xfrm>
-            <a:off x="5934980" y="2155296"/>
-            <a:ext cx="6217265" cy="4662949"/>
-          </a:xfrm>
-          <a:prstGeom prst="rect">
-            <a:avLst/>
-          </a:prstGeom>
-        </p:spPr>
-      </p:pic>
-      <p:sp>
-        <p:nvSpPr>
-          <p:cNvPr id="12" name="文本框 11">
-            <a:extLst>
-              <a:ext uri="{FF2B5EF4-FFF2-40B4-BE49-F238E27FC236}">
-                <a16:creationId xmlns:a16="http://schemas.microsoft.com/office/drawing/2014/main" id="{FACB7302-660A-45CF-AA03-8FA415C55715}"/>
-              </a:ext>
-            </a:extLst>
-          </p:cNvPr>
-          <p:cNvSpPr txBox="1"/>
-          <p:nvPr/>
-        </p:nvSpPr>
-        <p:spPr>
-          <a:xfrm>
-            <a:off x="993058" y="2414199"/>
-            <a:ext cx="3896994" cy="461665"/>
-          </a:xfrm>
-          <a:prstGeom prst="rect">
-            <a:avLst/>
-          </a:prstGeom>
-          <a:noFill/>
-        </p:spPr>
-        <p:txBody>
-          <a:bodyPr wrap="square" rtlCol="0">
-            <a:spAutoFit/>
-          </a:bodyPr>
-          <a:lstStyle/>
-          <a:p>
-            <a:r>
-              <a:rPr lang="zh-CN" altLang="en-US" sz="2400"/>
-              <a:t>现代化都市都一个样。。。</a:t>
-            </a:r>
-          </a:p>
-        </p:txBody>
-      </p:sp>
-    </p:spTree>
-    <p:extLst>
-      <p:ext uri="{BB962C8B-B14F-4D97-AF65-F5344CB8AC3E}">
-        <p14:creationId xmlns:p14="http://schemas.microsoft.com/office/powerpoint/2010/main" val="3911951627"/>
-      </p:ext>
-    </p:extLst>
-  </p:cSld>
-  <p:clrMapOvr>
-    <a:masterClrMapping/>
-  </p:clrMapOvr>
-</p:sld>
-</file>
-
-<file path=ppt/slides/slide7.xml><?xml version="1.0" encoding="utf-8"?>
 <p:sld xmlns:a="http://schemas.openxmlformats.org/drawingml/2006/main" xmlns:r="http://schemas.openxmlformats.org/officeDocument/2006/relationships" xmlns:p="http://schemas.openxmlformats.org/presentationml/2006/main">
   <p:cSld>
     <p:spTree>
@@ -12375,7 +11724,7 @@
 </p:sld>
 </file>
 
-<file path=ppt/slides/slide8.xml><?xml version="1.0" encoding="utf-8"?>
+<file path=ppt/slides/slide7.xml><?xml version="1.0" encoding="utf-8"?>
 <p:sld xmlns:a="http://schemas.openxmlformats.org/drawingml/2006/main" xmlns:r="http://schemas.openxmlformats.org/officeDocument/2006/relationships" xmlns:p="http://schemas.openxmlformats.org/presentationml/2006/main">
   <p:cSld>
     <p:spTree>
@@ -14874,8 +14223,8 @@
         </p:nvSpPr>
         <p:spPr>
           <a:xfrm>
-            <a:off x="2782956" y="5535302"/>
-            <a:ext cx="6567778" cy="1200329"/>
+            <a:off x="2536463" y="5535302"/>
+            <a:ext cx="6567778" cy="830997"/>
           </a:xfrm>
           <a:prstGeom prst="rect">
             <a:avLst/>
@@ -14909,21 +14258,6 @@
                   <a:srgbClr val="FF0000"/>
                 </a:solidFill>
               </a:rPr>
-              <a:t>矩阵作为函数，把输入转化为输出。</a:t>
-            </a:r>
-            <a:endParaRPr lang="en-US" altLang="zh-CN" sz="2400">
-              <a:solidFill>
-                <a:srgbClr val="FF0000"/>
-              </a:solidFill>
-            </a:endParaRPr>
-          </a:p>
-          <a:p>
-            <a:r>
-              <a:rPr lang="zh-CN" altLang="en-US" sz="2400">
-                <a:solidFill>
-                  <a:srgbClr val="FF0000"/>
-                </a:solidFill>
-              </a:rPr>
               <a:t>矩阵相乘其实是线性的函数嵌套。</a:t>
             </a:r>
           </a:p>
@@ -14933,6 +14267,103 @@
     <p:extLst>
       <p:ext uri="{BB962C8B-B14F-4D97-AF65-F5344CB8AC3E}">
         <p14:creationId xmlns:p14="http://schemas.microsoft.com/office/powerpoint/2010/main" val="1662723134"/>
+      </p:ext>
+    </p:extLst>
+  </p:cSld>
+  <p:clrMapOvr>
+    <a:masterClrMapping/>
+  </p:clrMapOvr>
+</p:sld>
+</file>
+
+<file path=ppt/slides/slide8.xml><?xml version="1.0" encoding="utf-8"?>
+<p:sld xmlns:a="http://schemas.openxmlformats.org/drawingml/2006/main" xmlns:r="http://schemas.openxmlformats.org/officeDocument/2006/relationships" xmlns:p="http://schemas.openxmlformats.org/presentationml/2006/main">
+  <p:cSld>
+    <p:spTree>
+      <p:nvGrpSpPr>
+        <p:cNvPr id="1" name=""/>
+        <p:cNvGrpSpPr/>
+        <p:nvPr/>
+      </p:nvGrpSpPr>
+      <p:grpSpPr>
+        <a:xfrm>
+          <a:off x="0" y="0"/>
+          <a:ext cx="0" cy="0"/>
+          <a:chOff x="0" y="0"/>
+          <a:chExt cx="0" cy="0"/>
+        </a:xfrm>
+      </p:grpSpPr>
+      <p:sp>
+        <p:nvSpPr>
+          <p:cNvPr id="2" name="标题 1">
+            <a:extLst>
+              <a:ext uri="{FF2B5EF4-FFF2-40B4-BE49-F238E27FC236}">
+                <a16:creationId xmlns:a16="http://schemas.microsoft.com/office/drawing/2014/main" id="{78E3CA6F-074F-4F4B-AA94-2E925A17F53B}"/>
+              </a:ext>
+            </a:extLst>
+          </p:cNvPr>
+          <p:cNvSpPr>
+            <a:spLocks noGrp="1"/>
+          </p:cNvSpPr>
+          <p:nvPr>
+            <p:ph type="title"/>
+          </p:nvPr>
+        </p:nvSpPr>
+        <p:spPr/>
+        <p:txBody>
+          <a:bodyPr/>
+          <a:lstStyle/>
+          <a:p>
+            <a:r>
+              <a:rPr lang="en-US" altLang="zh-CN"/>
+              <a:t>2</a:t>
+            </a:r>
+            <a:r>
+              <a:rPr lang="zh-CN" altLang="en-US"/>
+              <a:t>维变换矩阵</a:t>
+            </a:r>
+          </a:p>
+        </p:txBody>
+      </p:sp>
+      <p:pic>
+        <p:nvPicPr>
+          <p:cNvPr id="5" name="内容占位符 4">
+            <a:extLst>
+              <a:ext uri="{FF2B5EF4-FFF2-40B4-BE49-F238E27FC236}">
+                <a16:creationId xmlns:a16="http://schemas.microsoft.com/office/drawing/2014/main" id="{F938C350-66EC-4E15-BE3C-D77E3B9847B6}"/>
+              </a:ext>
+            </a:extLst>
+          </p:cNvPr>
+          <p:cNvPicPr>
+            <a:picLocks noGrp="1" noChangeAspect="1"/>
+          </p:cNvPicPr>
+          <p:nvPr>
+            <p:ph idx="1"/>
+          </p:nvPr>
+        </p:nvPicPr>
+        <p:blipFill>
+          <a:blip r:embed="rId2">
+            <a:extLst>
+              <a:ext uri="{28A0092B-C50C-407E-A947-70E740481C1C}">
+                <a14:useLocalDpi xmlns:a14="http://schemas.microsoft.com/office/drawing/2010/main" val="0"/>
+              </a:ext>
+            </a:extLst>
+          </a:blip>
+          <a:stretch>
+            <a:fillRect/>
+          </a:stretch>
+        </p:blipFill>
+        <p:spPr>
+          <a:xfrm>
+            <a:off x="2925950" y="1445314"/>
+            <a:ext cx="3999636" cy="5336182"/>
+          </a:xfrm>
+        </p:spPr>
+      </p:pic>
+    </p:spTree>
+    <p:extLst>
+      <p:ext uri="{BB962C8B-B14F-4D97-AF65-F5344CB8AC3E}">
+        <p14:creationId xmlns:p14="http://schemas.microsoft.com/office/powerpoint/2010/main" val="417493041"/>
       </p:ext>
     </p:extLst>
   </p:cSld>
@@ -14964,7 +14395,7 @@
           <p:cNvPr id="2" name="标题 1">
             <a:extLst>
               <a:ext uri="{FF2B5EF4-FFF2-40B4-BE49-F238E27FC236}">
-                <a16:creationId xmlns:a16="http://schemas.microsoft.com/office/drawing/2014/main" id="{C8F91420-1A0F-4CC2-846D-72A5F48A9210}"/>
+                <a16:creationId xmlns:a16="http://schemas.microsoft.com/office/drawing/2014/main" id="{0E1EA3C4-9299-488E-AFEB-669199C7198F}"/>
               </a:ext>
             </a:extLst>
           </p:cNvPr>
@@ -14982,115 +14413,1534 @@
           <a:p>
             <a:r>
               <a:rPr lang="zh-CN" altLang="en-US"/>
-              <a:t>线性代数</a:t>
-            </a:r>
-            <a:endParaRPr lang="en-US" altLang="zh-CN"/>
+              <a:t>矩阵即是数据，也是函数（运动）</a:t>
+            </a:r>
+          </a:p>
+        </p:txBody>
+      </p:sp>
+      <p:graphicFrame>
+        <p:nvGraphicFramePr>
+          <p:cNvPr id="5" name="内容占位符 4">
+            <a:extLst>
+              <a:ext uri="{FF2B5EF4-FFF2-40B4-BE49-F238E27FC236}">
+                <a16:creationId xmlns:a16="http://schemas.microsoft.com/office/drawing/2014/main" id="{DF21155C-9288-4140-A8EF-B809B4798E35}"/>
+              </a:ext>
+            </a:extLst>
+          </p:cNvPr>
+          <p:cNvGraphicFramePr>
+            <a:graphicFrameLocks noGrp="1"/>
+          </p:cNvGraphicFramePr>
+          <p:nvPr>
+            <p:ph idx="1"/>
+            <p:extLst>
+              <p:ext uri="{D42A27DB-BD31-4B8C-83A1-F6EECF244321}">
+                <p14:modId xmlns:p14="http://schemas.microsoft.com/office/powerpoint/2010/main" val="840341758"/>
+              </p:ext>
+            </p:extLst>
+          </p:nvPr>
+        </p:nvGraphicFramePr>
+        <p:xfrm>
+          <a:off x="174929" y="3411109"/>
+          <a:ext cx="3767301" cy="683812"/>
+        </p:xfrm>
+        <a:graphic>
+          <a:graphicData uri="http://schemas.openxmlformats.org/drawingml/2006/table">
+            <a:tbl>
+              <a:tblPr>
+                <a:tableStyleId>{5C22544A-7EE6-4342-B048-85BDC9FD1C3A}</a:tableStyleId>
+              </a:tblPr>
+              <a:tblGrid>
+                <a:gridCol w="762952">
+                  <a:extLst>
+                    <a:ext uri="{9D8B030D-6E8A-4147-A177-3AD203B41FA5}">
+                      <a16:colId xmlns:a16="http://schemas.microsoft.com/office/drawing/2014/main" val="4010539326"/>
+                    </a:ext>
+                  </a:extLst>
+                </a:gridCol>
+                <a:gridCol w="509512">
+                  <a:extLst>
+                    <a:ext uri="{9D8B030D-6E8A-4147-A177-3AD203B41FA5}">
+                      <a16:colId xmlns:a16="http://schemas.microsoft.com/office/drawing/2014/main" val="3600574052"/>
+                    </a:ext>
+                  </a:extLst>
+                </a:gridCol>
+                <a:gridCol w="764540">
+                  <a:extLst>
+                    <a:ext uri="{9D8B030D-6E8A-4147-A177-3AD203B41FA5}">
+                      <a16:colId xmlns:a16="http://schemas.microsoft.com/office/drawing/2014/main" val="1290845955"/>
+                    </a:ext>
+                  </a:extLst>
+                </a:gridCol>
+                <a:gridCol w="535940">
+                  <a:extLst>
+                    <a:ext uri="{9D8B030D-6E8A-4147-A177-3AD203B41FA5}">
+                      <a16:colId xmlns:a16="http://schemas.microsoft.com/office/drawing/2014/main" val="3311088961"/>
+                    </a:ext>
+                  </a:extLst>
+                </a:gridCol>
+                <a:gridCol w="1194357">
+                  <a:extLst>
+                    <a:ext uri="{9D8B030D-6E8A-4147-A177-3AD203B41FA5}">
+                      <a16:colId xmlns:a16="http://schemas.microsoft.com/office/drawing/2014/main" val="2621557079"/>
+                    </a:ext>
+                  </a:extLst>
+                </a:gridCol>
+              </a:tblGrid>
+              <a:tr h="341906">
+                <a:tc>
+                  <a:txBody>
+                    <a:bodyPr/>
+                    <a:lstStyle/>
+                    <a:p>
+                      <a:pPr algn="ctr" fontAlgn="ctr"/>
+                      <a:r>
+                        <a:rPr lang="zh-CN" altLang="en-US" sz="1800" u="none" strike="noStrike">
+                          <a:effectLst/>
+                        </a:rPr>
+                        <a:t>职业</a:t>
+                      </a:r>
+                      <a:endParaRPr lang="zh-CN" altLang="en-US" sz="1800" b="0" i="0" u="none" strike="noStrike">
+                        <a:solidFill>
+                          <a:srgbClr val="000000"/>
+                        </a:solidFill>
+                        <a:effectLst/>
+                        <a:latin typeface="等线" panose="02010600030101010101" pitchFamily="2" charset="-122"/>
+                        <a:ea typeface="等线" panose="02010600030101010101" pitchFamily="2" charset="-122"/>
+                      </a:endParaRPr>
+                    </a:p>
+                  </a:txBody>
+                  <a:tcPr marL="7620" marR="7620" marT="7620" marB="0" anchor="ctr"/>
+                </a:tc>
+                <a:tc>
+                  <a:txBody>
+                    <a:bodyPr/>
+                    <a:lstStyle/>
+                    <a:p>
+                      <a:pPr algn="ctr" rtl="0" fontAlgn="ctr"/>
+                      <a:r>
+                        <a:rPr lang="zh-CN" altLang="en-US" sz="1800" u="none" strike="noStrike">
+                          <a:effectLst/>
+                        </a:rPr>
+                        <a:t>骑士</a:t>
+                      </a:r>
+                      <a:endParaRPr lang="zh-CN" altLang="en-US" sz="1800" b="0" i="0" u="none" strike="noStrike">
+                        <a:solidFill>
+                          <a:srgbClr val="000000"/>
+                        </a:solidFill>
+                        <a:effectLst/>
+                        <a:latin typeface="Arial" panose="020B0604020202020204" pitchFamily="34" charset="0"/>
+                        <a:ea typeface="等线" panose="02010600030101010101" pitchFamily="2" charset="-122"/>
+                      </a:endParaRPr>
+                    </a:p>
+                  </a:txBody>
+                  <a:tcPr marL="7620" marR="7620" marT="7620" marB="0" anchor="ctr"/>
+                </a:tc>
+                <a:tc>
+                  <a:txBody>
+                    <a:bodyPr/>
+                    <a:lstStyle/>
+                    <a:p>
+                      <a:pPr algn="ctr" rtl="0" fontAlgn="ctr"/>
+                      <a:r>
+                        <a:rPr lang="zh-CN" altLang="en-US" sz="1800" u="none" strike="noStrike">
+                          <a:effectLst/>
+                        </a:rPr>
+                        <a:t>魔法师</a:t>
+                      </a:r>
+                      <a:endParaRPr lang="zh-CN" altLang="en-US" sz="1800" b="0" i="0" u="none" strike="noStrike">
+                        <a:solidFill>
+                          <a:srgbClr val="000000"/>
+                        </a:solidFill>
+                        <a:effectLst/>
+                        <a:latin typeface="Arial" panose="020B0604020202020204" pitchFamily="34" charset="0"/>
+                        <a:ea typeface="等线" panose="02010600030101010101" pitchFamily="2" charset="-122"/>
+                      </a:endParaRPr>
+                    </a:p>
+                  </a:txBody>
+                  <a:tcPr marL="7620" marR="7620" marT="7620" marB="0" anchor="ctr"/>
+                </a:tc>
+                <a:tc>
+                  <a:txBody>
+                    <a:bodyPr/>
+                    <a:lstStyle/>
+                    <a:p>
+                      <a:pPr algn="ctr" rtl="0" fontAlgn="ctr"/>
+                      <a:r>
+                        <a:rPr lang="zh-CN" altLang="en-US" sz="1800" u="none" strike="noStrike">
+                          <a:effectLst/>
+                        </a:rPr>
+                        <a:t>剑士</a:t>
+                      </a:r>
+                      <a:endParaRPr lang="zh-CN" altLang="en-US" sz="1800" b="0" i="0" u="none" strike="noStrike">
+                        <a:solidFill>
+                          <a:srgbClr val="000000"/>
+                        </a:solidFill>
+                        <a:effectLst/>
+                        <a:latin typeface="Arial" panose="020B0604020202020204" pitchFamily="34" charset="0"/>
+                        <a:ea typeface="等线" panose="02010600030101010101" pitchFamily="2" charset="-122"/>
+                      </a:endParaRPr>
+                    </a:p>
+                  </a:txBody>
+                  <a:tcPr marL="7620" marR="7620" marT="7620" marB="0" anchor="ctr"/>
+                </a:tc>
+                <a:tc>
+                  <a:txBody>
+                    <a:bodyPr/>
+                    <a:lstStyle/>
+                    <a:p>
+                      <a:pPr algn="ctr" rtl="0" fontAlgn="ctr"/>
+                      <a:r>
+                        <a:rPr lang="zh-CN" altLang="en-US" sz="1800" u="none" strike="noStrike">
+                          <a:effectLst/>
+                        </a:rPr>
+                        <a:t>弓箭手</a:t>
+                      </a:r>
+                      <a:endParaRPr lang="zh-CN" altLang="en-US" sz="1800" b="0" i="0" u="none" strike="noStrike">
+                        <a:solidFill>
+                          <a:srgbClr val="000000"/>
+                        </a:solidFill>
+                        <a:effectLst/>
+                        <a:latin typeface="Arial" panose="020B0604020202020204" pitchFamily="34" charset="0"/>
+                        <a:ea typeface="等线" panose="02010600030101010101" pitchFamily="2" charset="-122"/>
+                      </a:endParaRPr>
+                    </a:p>
+                  </a:txBody>
+                  <a:tcPr marL="7620" marR="7620" marT="7620" marB="0" anchor="ctr"/>
+                </a:tc>
+                <a:extLst>
+                  <a:ext uri="{0D108BD9-81ED-4DB2-BD59-A6C34878D82A}">
+                    <a16:rowId xmlns:a16="http://schemas.microsoft.com/office/drawing/2014/main" val="2985755971"/>
+                  </a:ext>
+                </a:extLst>
+              </a:tr>
+              <a:tr h="341906">
+                <a:tc>
+                  <a:txBody>
+                    <a:bodyPr/>
+                    <a:lstStyle/>
+                    <a:p>
+                      <a:pPr algn="ctr" fontAlgn="ctr"/>
+                      <a:r>
+                        <a:rPr lang="zh-CN" altLang="en-US" sz="1800" b="0" i="0" u="none" strike="noStrike">
+                          <a:solidFill>
+                            <a:srgbClr val="000000"/>
+                          </a:solidFill>
+                          <a:effectLst/>
+                          <a:latin typeface="华文新魏" panose="02010800040101010101" pitchFamily="2" charset="-122"/>
+                          <a:ea typeface="华文新魏" panose="02010800040101010101" pitchFamily="2" charset="-122"/>
+                        </a:rPr>
+                        <a:t>骑法师</a:t>
+                      </a:r>
+                    </a:p>
+                  </a:txBody>
+                  <a:tcPr marL="7620" marR="7620" marT="7620" marB="0" anchor="ctr"/>
+                </a:tc>
+                <a:tc>
+                  <a:txBody>
+                    <a:bodyPr/>
+                    <a:lstStyle/>
+                    <a:p>
+                      <a:pPr algn="ctr" fontAlgn="ctr"/>
+                      <a:r>
+                        <a:rPr lang="en-US" altLang="zh-CN" sz="1800" u="none" strike="noStrike">
+                          <a:effectLst/>
+                        </a:rPr>
+                        <a:t>0.5</a:t>
+                      </a:r>
+                      <a:endParaRPr lang="en-US" altLang="zh-CN" sz="1800" b="0" i="0" u="none" strike="noStrike">
+                        <a:solidFill>
+                          <a:srgbClr val="000000"/>
+                        </a:solidFill>
+                        <a:effectLst/>
+                        <a:latin typeface="等线" panose="02010600030101010101" pitchFamily="2" charset="-122"/>
+                        <a:ea typeface="等线" panose="02010600030101010101" pitchFamily="2" charset="-122"/>
+                      </a:endParaRPr>
+                    </a:p>
+                  </a:txBody>
+                  <a:tcPr marL="7620" marR="7620" marT="7620" marB="0" anchor="ctr"/>
+                </a:tc>
+                <a:tc>
+                  <a:txBody>
+                    <a:bodyPr/>
+                    <a:lstStyle/>
+                    <a:p>
+                      <a:pPr algn="ctr" fontAlgn="ctr"/>
+                      <a:r>
+                        <a:rPr lang="en-US" altLang="zh-CN" sz="1800" u="none" strike="noStrike">
+                          <a:effectLst/>
+                        </a:rPr>
+                        <a:t>0.5</a:t>
+                      </a:r>
+                      <a:endParaRPr lang="en-US" altLang="zh-CN" sz="1800" b="0" i="0" u="none" strike="noStrike">
+                        <a:solidFill>
+                          <a:srgbClr val="000000"/>
+                        </a:solidFill>
+                        <a:effectLst/>
+                        <a:latin typeface="等线" panose="02010600030101010101" pitchFamily="2" charset="-122"/>
+                        <a:ea typeface="等线" panose="02010600030101010101" pitchFamily="2" charset="-122"/>
+                      </a:endParaRPr>
+                    </a:p>
+                  </a:txBody>
+                  <a:tcPr marL="7620" marR="7620" marT="7620" marB="0" anchor="ctr"/>
+                </a:tc>
+                <a:tc>
+                  <a:txBody>
+                    <a:bodyPr/>
+                    <a:lstStyle/>
+                    <a:p>
+                      <a:pPr algn="ctr" fontAlgn="ctr"/>
+                      <a:r>
+                        <a:rPr lang="en-US" altLang="zh-CN" sz="1800" u="none" strike="noStrike">
+                          <a:effectLst/>
+                        </a:rPr>
+                        <a:t>0</a:t>
+                      </a:r>
+                      <a:endParaRPr lang="en-US" altLang="zh-CN" sz="1800" b="0" i="0" u="none" strike="noStrike">
+                        <a:solidFill>
+                          <a:srgbClr val="000000"/>
+                        </a:solidFill>
+                        <a:effectLst/>
+                        <a:latin typeface="等线" panose="02010600030101010101" pitchFamily="2" charset="-122"/>
+                        <a:ea typeface="等线" panose="02010600030101010101" pitchFamily="2" charset="-122"/>
+                      </a:endParaRPr>
+                    </a:p>
+                  </a:txBody>
+                  <a:tcPr marL="7620" marR="7620" marT="7620" marB="0" anchor="ctr"/>
+                </a:tc>
+                <a:tc>
+                  <a:txBody>
+                    <a:bodyPr/>
+                    <a:lstStyle/>
+                    <a:p>
+                      <a:pPr algn="ctr" fontAlgn="ctr"/>
+                      <a:r>
+                        <a:rPr lang="en-US" altLang="zh-CN" sz="1800" u="none" strike="noStrike">
+                          <a:effectLst/>
+                        </a:rPr>
+                        <a:t>0</a:t>
+                      </a:r>
+                      <a:endParaRPr lang="en-US" altLang="zh-CN" sz="1800" b="0" i="0" u="none" strike="noStrike">
+                        <a:solidFill>
+                          <a:srgbClr val="000000"/>
+                        </a:solidFill>
+                        <a:effectLst/>
+                        <a:latin typeface="等线" panose="02010600030101010101" pitchFamily="2" charset="-122"/>
+                        <a:ea typeface="等线" panose="02010600030101010101" pitchFamily="2" charset="-122"/>
+                      </a:endParaRPr>
+                    </a:p>
+                  </a:txBody>
+                  <a:tcPr marL="7620" marR="7620" marT="7620" marB="0" anchor="ctr"/>
+                </a:tc>
+                <a:extLst>
+                  <a:ext uri="{0D108BD9-81ED-4DB2-BD59-A6C34878D82A}">
+                    <a16:rowId xmlns:a16="http://schemas.microsoft.com/office/drawing/2014/main" val="3870316877"/>
+                  </a:ext>
+                </a:extLst>
+              </a:tr>
+            </a:tbl>
+          </a:graphicData>
+        </a:graphic>
+      </p:graphicFrame>
+      <p:graphicFrame>
+        <p:nvGraphicFramePr>
+          <p:cNvPr id="4" name="表格 3">
+            <a:extLst>
+              <a:ext uri="{FF2B5EF4-FFF2-40B4-BE49-F238E27FC236}">
+                <a16:creationId xmlns:a16="http://schemas.microsoft.com/office/drawing/2014/main" id="{F48FA23E-A9DF-4E9B-BE7D-DA10A2678EC4}"/>
+              </a:ext>
+            </a:extLst>
+          </p:cNvPr>
+          <p:cNvGraphicFramePr>
+            <a:graphicFrameLocks noGrp="1"/>
+          </p:cNvGraphicFramePr>
+          <p:nvPr>
+            <p:extLst>
+              <p:ext uri="{D42A27DB-BD31-4B8C-83A1-F6EECF244321}">
+                <p14:modId xmlns:p14="http://schemas.microsoft.com/office/powerpoint/2010/main" val="423912509"/>
+              </p:ext>
+            </p:extLst>
+          </p:nvPr>
+        </p:nvGraphicFramePr>
+        <p:xfrm>
+          <a:off x="4452728" y="3141920"/>
+          <a:ext cx="3371358" cy="1409700"/>
+        </p:xfrm>
+        <a:graphic>
+          <a:graphicData uri="http://schemas.openxmlformats.org/drawingml/2006/table">
+            <a:tbl>
+              <a:tblPr>
+                <a:tableStyleId>{5C22544A-7EE6-4342-B048-85BDC9FD1C3A}</a:tableStyleId>
+              </a:tblPr>
+              <a:tblGrid>
+                <a:gridCol w="836928">
+                  <a:extLst>
+                    <a:ext uri="{9D8B030D-6E8A-4147-A177-3AD203B41FA5}">
+                      <a16:colId xmlns:a16="http://schemas.microsoft.com/office/drawing/2014/main" val="550438623"/>
+                    </a:ext>
+                  </a:extLst>
+                </a:gridCol>
+                <a:gridCol w="586162">
+                  <a:extLst>
+                    <a:ext uri="{9D8B030D-6E8A-4147-A177-3AD203B41FA5}">
+                      <a16:colId xmlns:a16="http://schemas.microsoft.com/office/drawing/2014/main" val="3560520730"/>
+                    </a:ext>
+                  </a:extLst>
+                </a:gridCol>
+                <a:gridCol w="586162">
+                  <a:extLst>
+                    <a:ext uri="{9D8B030D-6E8A-4147-A177-3AD203B41FA5}">
+                      <a16:colId xmlns:a16="http://schemas.microsoft.com/office/drawing/2014/main" val="3017517785"/>
+                    </a:ext>
+                  </a:extLst>
+                </a:gridCol>
+                <a:gridCol w="629354">
+                  <a:extLst>
+                    <a:ext uri="{9D8B030D-6E8A-4147-A177-3AD203B41FA5}">
+                      <a16:colId xmlns:a16="http://schemas.microsoft.com/office/drawing/2014/main" val="340348876"/>
+                    </a:ext>
+                  </a:extLst>
+                </a:gridCol>
+                <a:gridCol w="732752">
+                  <a:extLst>
+                    <a:ext uri="{9D8B030D-6E8A-4147-A177-3AD203B41FA5}">
+                      <a16:colId xmlns:a16="http://schemas.microsoft.com/office/drawing/2014/main" val="2636546198"/>
+                    </a:ext>
+                  </a:extLst>
+                </a:gridCol>
+              </a:tblGrid>
+              <a:tr h="281245">
+                <a:tc>
+                  <a:txBody>
+                    <a:bodyPr/>
+                    <a:lstStyle/>
+                    <a:p>
+                      <a:pPr algn="ctr" fontAlgn="ctr"/>
+                      <a:r>
+                        <a:rPr lang="zh-CN" altLang="en-US" sz="1800" u="none" strike="noStrike">
+                          <a:effectLst/>
+                        </a:rPr>
+                        <a:t>职业</a:t>
+                      </a:r>
+                      <a:endParaRPr lang="zh-CN" altLang="en-US" sz="1800" b="0" i="0" u="none" strike="noStrike">
+                        <a:solidFill>
+                          <a:srgbClr val="000000"/>
+                        </a:solidFill>
+                        <a:effectLst/>
+                        <a:latin typeface="等线" panose="02010600030101010101" pitchFamily="2" charset="-122"/>
+                        <a:ea typeface="等线" panose="02010600030101010101" pitchFamily="2" charset="-122"/>
+                      </a:endParaRPr>
+                    </a:p>
+                  </a:txBody>
+                  <a:tcPr marL="7620" marR="7620" marT="7620" marB="0" anchor="ctr"/>
+                </a:tc>
+                <a:tc>
+                  <a:txBody>
+                    <a:bodyPr/>
+                    <a:lstStyle/>
+                    <a:p>
+                      <a:pPr algn="ctr" fontAlgn="ctr"/>
+                      <a:r>
+                        <a:rPr lang="zh-CN" altLang="en-US" sz="1800" u="none" strike="noStrike">
+                          <a:effectLst/>
+                        </a:rPr>
+                        <a:t>力量</a:t>
+                      </a:r>
+                      <a:endParaRPr lang="zh-CN" altLang="en-US" sz="1800" b="0" i="0" u="none" strike="noStrike">
+                        <a:solidFill>
+                          <a:srgbClr val="000000"/>
+                        </a:solidFill>
+                        <a:effectLst/>
+                        <a:latin typeface="等线" panose="02010600030101010101" pitchFamily="2" charset="-122"/>
+                        <a:ea typeface="等线" panose="02010600030101010101" pitchFamily="2" charset="-122"/>
+                      </a:endParaRPr>
+                    </a:p>
+                  </a:txBody>
+                  <a:tcPr marL="7620" marR="7620" marT="7620" marB="0" anchor="ctr"/>
+                </a:tc>
+                <a:tc>
+                  <a:txBody>
+                    <a:bodyPr/>
+                    <a:lstStyle/>
+                    <a:p>
+                      <a:pPr algn="ctr" fontAlgn="ctr"/>
+                      <a:r>
+                        <a:rPr lang="zh-CN" altLang="en-US" sz="1800" u="none" strike="noStrike">
+                          <a:effectLst/>
+                        </a:rPr>
+                        <a:t>魔法</a:t>
+                      </a:r>
+                      <a:endParaRPr lang="zh-CN" altLang="en-US" sz="1800" b="0" i="0" u="none" strike="noStrike">
+                        <a:solidFill>
+                          <a:srgbClr val="000000"/>
+                        </a:solidFill>
+                        <a:effectLst/>
+                        <a:latin typeface="等线" panose="02010600030101010101" pitchFamily="2" charset="-122"/>
+                        <a:ea typeface="等线" panose="02010600030101010101" pitchFamily="2" charset="-122"/>
+                      </a:endParaRPr>
+                    </a:p>
+                  </a:txBody>
+                  <a:tcPr marL="7620" marR="7620" marT="7620" marB="0" anchor="ctr"/>
+                </a:tc>
+                <a:tc>
+                  <a:txBody>
+                    <a:bodyPr/>
+                    <a:lstStyle/>
+                    <a:p>
+                      <a:pPr algn="ctr" fontAlgn="ctr"/>
+                      <a:r>
+                        <a:rPr lang="zh-CN" altLang="en-US" sz="1800" u="none" strike="noStrike">
+                          <a:effectLst/>
+                        </a:rPr>
+                        <a:t>血槽</a:t>
+                      </a:r>
+                      <a:endParaRPr lang="zh-CN" altLang="en-US" sz="1800" b="0" i="0" u="none" strike="noStrike">
+                        <a:solidFill>
+                          <a:srgbClr val="000000"/>
+                        </a:solidFill>
+                        <a:effectLst/>
+                        <a:latin typeface="等线" panose="02010600030101010101" pitchFamily="2" charset="-122"/>
+                        <a:ea typeface="等线" panose="02010600030101010101" pitchFamily="2" charset="-122"/>
+                      </a:endParaRPr>
+                    </a:p>
+                  </a:txBody>
+                  <a:tcPr marL="7620" marR="7620" marT="7620" marB="0" anchor="ctr"/>
+                </a:tc>
+                <a:tc>
+                  <a:txBody>
+                    <a:bodyPr/>
+                    <a:lstStyle/>
+                    <a:p>
+                      <a:pPr algn="ctr" fontAlgn="ctr"/>
+                      <a:r>
+                        <a:rPr lang="zh-CN" altLang="en-US" sz="1800" u="none" strike="noStrike">
+                          <a:effectLst/>
+                        </a:rPr>
+                        <a:t>敏捷</a:t>
+                      </a:r>
+                      <a:endParaRPr lang="zh-CN" altLang="en-US" sz="1800" b="0" i="0" u="none" strike="noStrike">
+                        <a:solidFill>
+                          <a:srgbClr val="000000"/>
+                        </a:solidFill>
+                        <a:effectLst/>
+                        <a:latin typeface="等线" panose="02010600030101010101" pitchFamily="2" charset="-122"/>
+                        <a:ea typeface="等线" panose="02010600030101010101" pitchFamily="2" charset="-122"/>
+                      </a:endParaRPr>
+                    </a:p>
+                  </a:txBody>
+                  <a:tcPr marL="7620" marR="7620" marT="7620" marB="0" anchor="ctr"/>
+                </a:tc>
+                <a:extLst>
+                  <a:ext uri="{0D108BD9-81ED-4DB2-BD59-A6C34878D82A}">
+                    <a16:rowId xmlns:a16="http://schemas.microsoft.com/office/drawing/2014/main" val="2416650654"/>
+                  </a:ext>
+                </a:extLst>
+              </a:tr>
+              <a:tr h="281245">
+                <a:tc>
+                  <a:txBody>
+                    <a:bodyPr/>
+                    <a:lstStyle/>
+                    <a:p>
+                      <a:pPr algn="ctr" fontAlgn="ctr"/>
+                      <a:r>
+                        <a:rPr lang="zh-CN" altLang="en-US" sz="1800" u="none" strike="noStrike">
+                          <a:effectLst/>
+                        </a:rPr>
+                        <a:t>骑士</a:t>
+                      </a:r>
+                      <a:endParaRPr lang="zh-CN" altLang="en-US" sz="1800" b="0" i="0" u="none" strike="noStrike">
+                        <a:solidFill>
+                          <a:srgbClr val="000000"/>
+                        </a:solidFill>
+                        <a:effectLst/>
+                        <a:latin typeface="等线" panose="02010600030101010101" pitchFamily="2" charset="-122"/>
+                        <a:ea typeface="等线" panose="02010600030101010101" pitchFamily="2" charset="-122"/>
+                      </a:endParaRPr>
+                    </a:p>
+                  </a:txBody>
+                  <a:tcPr marL="7620" marR="7620" marT="7620" marB="0" anchor="ctr"/>
+                </a:tc>
+                <a:tc>
+                  <a:txBody>
+                    <a:bodyPr/>
+                    <a:lstStyle/>
+                    <a:p>
+                      <a:pPr algn="ctr" fontAlgn="ctr"/>
+                      <a:r>
+                        <a:rPr lang="en-US" altLang="zh-CN" sz="1800" u="none" strike="noStrike">
+                          <a:effectLst/>
+                        </a:rPr>
+                        <a:t>90</a:t>
+                      </a:r>
+                      <a:endParaRPr lang="en-US" altLang="zh-CN" sz="1800" b="0" i="0" u="none" strike="noStrike">
+                        <a:solidFill>
+                          <a:srgbClr val="000000"/>
+                        </a:solidFill>
+                        <a:effectLst/>
+                        <a:latin typeface="等线" panose="02010600030101010101" pitchFamily="2" charset="-122"/>
+                        <a:ea typeface="等线" panose="02010600030101010101" pitchFamily="2" charset="-122"/>
+                      </a:endParaRPr>
+                    </a:p>
+                  </a:txBody>
+                  <a:tcPr marL="7620" marR="7620" marT="7620" marB="0" anchor="ctr"/>
+                </a:tc>
+                <a:tc>
+                  <a:txBody>
+                    <a:bodyPr/>
+                    <a:lstStyle/>
+                    <a:p>
+                      <a:pPr algn="ctr" fontAlgn="ctr"/>
+                      <a:r>
+                        <a:rPr lang="en-US" altLang="zh-CN" sz="1800" u="none" strike="noStrike">
+                          <a:effectLst/>
+                        </a:rPr>
+                        <a:t>30</a:t>
+                      </a:r>
+                      <a:endParaRPr lang="en-US" altLang="zh-CN" sz="1800" b="0" i="0" u="none" strike="noStrike">
+                        <a:solidFill>
+                          <a:srgbClr val="000000"/>
+                        </a:solidFill>
+                        <a:effectLst/>
+                        <a:latin typeface="等线" panose="02010600030101010101" pitchFamily="2" charset="-122"/>
+                        <a:ea typeface="等线" panose="02010600030101010101" pitchFamily="2" charset="-122"/>
+                      </a:endParaRPr>
+                    </a:p>
+                  </a:txBody>
+                  <a:tcPr marL="7620" marR="7620" marT="7620" marB="0" anchor="ctr"/>
+                </a:tc>
+                <a:tc>
+                  <a:txBody>
+                    <a:bodyPr/>
+                    <a:lstStyle/>
+                    <a:p>
+                      <a:pPr algn="ctr" fontAlgn="ctr"/>
+                      <a:r>
+                        <a:rPr lang="en-US" altLang="zh-CN" sz="1800" u="none" strike="noStrike">
+                          <a:effectLst/>
+                        </a:rPr>
+                        <a:t>100</a:t>
+                      </a:r>
+                      <a:endParaRPr lang="en-US" altLang="zh-CN" sz="1800" b="0" i="0" u="none" strike="noStrike">
+                        <a:solidFill>
+                          <a:srgbClr val="000000"/>
+                        </a:solidFill>
+                        <a:effectLst/>
+                        <a:latin typeface="等线" panose="02010600030101010101" pitchFamily="2" charset="-122"/>
+                        <a:ea typeface="等线" panose="02010600030101010101" pitchFamily="2" charset="-122"/>
+                      </a:endParaRPr>
+                    </a:p>
+                  </a:txBody>
+                  <a:tcPr marL="7620" marR="7620" marT="7620" marB="0" anchor="ctr"/>
+                </a:tc>
+                <a:tc>
+                  <a:txBody>
+                    <a:bodyPr/>
+                    <a:lstStyle/>
+                    <a:p>
+                      <a:pPr algn="ctr" fontAlgn="ctr"/>
+                      <a:r>
+                        <a:rPr lang="en-US" altLang="zh-CN" sz="1800" u="none" strike="noStrike">
+                          <a:effectLst/>
+                        </a:rPr>
+                        <a:t>60</a:t>
+                      </a:r>
+                      <a:endParaRPr lang="en-US" altLang="zh-CN" sz="1800" b="0" i="0" u="none" strike="noStrike">
+                        <a:solidFill>
+                          <a:srgbClr val="000000"/>
+                        </a:solidFill>
+                        <a:effectLst/>
+                        <a:latin typeface="等线" panose="02010600030101010101" pitchFamily="2" charset="-122"/>
+                        <a:ea typeface="等线" panose="02010600030101010101" pitchFamily="2" charset="-122"/>
+                      </a:endParaRPr>
+                    </a:p>
+                  </a:txBody>
+                  <a:tcPr marL="7620" marR="7620" marT="7620" marB="0" anchor="ctr"/>
+                </a:tc>
+                <a:extLst>
+                  <a:ext uri="{0D108BD9-81ED-4DB2-BD59-A6C34878D82A}">
+                    <a16:rowId xmlns:a16="http://schemas.microsoft.com/office/drawing/2014/main" val="2535390638"/>
+                  </a:ext>
+                </a:extLst>
+              </a:tr>
+              <a:tr h="281245">
+                <a:tc>
+                  <a:txBody>
+                    <a:bodyPr/>
+                    <a:lstStyle/>
+                    <a:p>
+                      <a:pPr algn="ctr" fontAlgn="ctr"/>
+                      <a:r>
+                        <a:rPr lang="zh-CN" altLang="en-US" sz="1800" u="none" strike="noStrike">
+                          <a:effectLst/>
+                        </a:rPr>
+                        <a:t>魔法师</a:t>
+                      </a:r>
+                      <a:endParaRPr lang="zh-CN" altLang="en-US" sz="1800" b="0" i="0" u="none" strike="noStrike">
+                        <a:solidFill>
+                          <a:srgbClr val="000000"/>
+                        </a:solidFill>
+                        <a:effectLst/>
+                        <a:latin typeface="等线" panose="02010600030101010101" pitchFamily="2" charset="-122"/>
+                        <a:ea typeface="等线" panose="02010600030101010101" pitchFamily="2" charset="-122"/>
+                      </a:endParaRPr>
+                    </a:p>
+                  </a:txBody>
+                  <a:tcPr marL="7620" marR="7620" marT="7620" marB="0" anchor="ctr"/>
+                </a:tc>
+                <a:tc>
+                  <a:txBody>
+                    <a:bodyPr/>
+                    <a:lstStyle/>
+                    <a:p>
+                      <a:pPr algn="ctr" fontAlgn="ctr"/>
+                      <a:r>
+                        <a:rPr lang="en-US" altLang="zh-CN" sz="1800" u="none" strike="noStrike">
+                          <a:effectLst/>
+                        </a:rPr>
+                        <a:t>30</a:t>
+                      </a:r>
+                      <a:endParaRPr lang="en-US" altLang="zh-CN" sz="1800" b="0" i="0" u="none" strike="noStrike">
+                        <a:solidFill>
+                          <a:srgbClr val="000000"/>
+                        </a:solidFill>
+                        <a:effectLst/>
+                        <a:latin typeface="等线" panose="02010600030101010101" pitchFamily="2" charset="-122"/>
+                        <a:ea typeface="等线" panose="02010600030101010101" pitchFamily="2" charset="-122"/>
+                      </a:endParaRPr>
+                    </a:p>
+                  </a:txBody>
+                  <a:tcPr marL="7620" marR="7620" marT="7620" marB="0" anchor="ctr"/>
+                </a:tc>
+                <a:tc>
+                  <a:txBody>
+                    <a:bodyPr/>
+                    <a:lstStyle/>
+                    <a:p>
+                      <a:pPr algn="ctr" fontAlgn="ctr"/>
+                      <a:r>
+                        <a:rPr lang="en-US" altLang="zh-CN" sz="1800" u="none" strike="noStrike">
+                          <a:effectLst/>
+                        </a:rPr>
+                        <a:t>100</a:t>
+                      </a:r>
+                      <a:endParaRPr lang="en-US" altLang="zh-CN" sz="1800" b="0" i="0" u="none" strike="noStrike">
+                        <a:solidFill>
+                          <a:srgbClr val="000000"/>
+                        </a:solidFill>
+                        <a:effectLst/>
+                        <a:latin typeface="等线" panose="02010600030101010101" pitchFamily="2" charset="-122"/>
+                        <a:ea typeface="等线" panose="02010600030101010101" pitchFamily="2" charset="-122"/>
+                      </a:endParaRPr>
+                    </a:p>
+                  </a:txBody>
+                  <a:tcPr marL="7620" marR="7620" marT="7620" marB="0" anchor="ctr"/>
+                </a:tc>
+                <a:tc>
+                  <a:txBody>
+                    <a:bodyPr/>
+                    <a:lstStyle/>
+                    <a:p>
+                      <a:pPr algn="ctr" fontAlgn="ctr"/>
+                      <a:r>
+                        <a:rPr lang="en-US" altLang="zh-CN" sz="1800" u="none" strike="noStrike">
+                          <a:effectLst/>
+                        </a:rPr>
+                        <a:t>30</a:t>
+                      </a:r>
+                      <a:endParaRPr lang="en-US" altLang="zh-CN" sz="1800" b="0" i="0" u="none" strike="noStrike">
+                        <a:solidFill>
+                          <a:srgbClr val="000000"/>
+                        </a:solidFill>
+                        <a:effectLst/>
+                        <a:latin typeface="等线" panose="02010600030101010101" pitchFamily="2" charset="-122"/>
+                        <a:ea typeface="等线" panose="02010600030101010101" pitchFamily="2" charset="-122"/>
+                      </a:endParaRPr>
+                    </a:p>
+                  </a:txBody>
+                  <a:tcPr marL="7620" marR="7620" marT="7620" marB="0" anchor="ctr"/>
+                </a:tc>
+                <a:tc>
+                  <a:txBody>
+                    <a:bodyPr/>
+                    <a:lstStyle/>
+                    <a:p>
+                      <a:pPr algn="ctr" fontAlgn="ctr"/>
+                      <a:r>
+                        <a:rPr lang="en-US" altLang="zh-CN" sz="1800" u="none" strike="noStrike">
+                          <a:effectLst/>
+                        </a:rPr>
+                        <a:t>80</a:t>
+                      </a:r>
+                      <a:endParaRPr lang="en-US" altLang="zh-CN" sz="1800" b="0" i="0" u="none" strike="noStrike">
+                        <a:solidFill>
+                          <a:srgbClr val="000000"/>
+                        </a:solidFill>
+                        <a:effectLst/>
+                        <a:latin typeface="等线" panose="02010600030101010101" pitchFamily="2" charset="-122"/>
+                        <a:ea typeface="等线" panose="02010600030101010101" pitchFamily="2" charset="-122"/>
+                      </a:endParaRPr>
+                    </a:p>
+                  </a:txBody>
+                  <a:tcPr marL="7620" marR="7620" marT="7620" marB="0" anchor="ctr"/>
+                </a:tc>
+                <a:extLst>
+                  <a:ext uri="{0D108BD9-81ED-4DB2-BD59-A6C34878D82A}">
+                    <a16:rowId xmlns:a16="http://schemas.microsoft.com/office/drawing/2014/main" val="654852498"/>
+                  </a:ext>
+                </a:extLst>
+              </a:tr>
+              <a:tr h="281245">
+                <a:tc>
+                  <a:txBody>
+                    <a:bodyPr/>
+                    <a:lstStyle/>
+                    <a:p>
+                      <a:pPr algn="ctr" fontAlgn="ctr"/>
+                      <a:r>
+                        <a:rPr lang="zh-CN" altLang="en-US" sz="1800" u="none" strike="noStrike">
+                          <a:effectLst/>
+                        </a:rPr>
+                        <a:t>剑士</a:t>
+                      </a:r>
+                      <a:endParaRPr lang="zh-CN" altLang="en-US" sz="1800" b="0" i="0" u="none" strike="noStrike">
+                        <a:solidFill>
+                          <a:srgbClr val="000000"/>
+                        </a:solidFill>
+                        <a:effectLst/>
+                        <a:latin typeface="等线" panose="02010600030101010101" pitchFamily="2" charset="-122"/>
+                        <a:ea typeface="等线" panose="02010600030101010101" pitchFamily="2" charset="-122"/>
+                      </a:endParaRPr>
+                    </a:p>
+                  </a:txBody>
+                  <a:tcPr marL="7620" marR="7620" marT="7620" marB="0" anchor="ctr"/>
+                </a:tc>
+                <a:tc>
+                  <a:txBody>
+                    <a:bodyPr/>
+                    <a:lstStyle/>
+                    <a:p>
+                      <a:pPr algn="ctr" fontAlgn="ctr"/>
+                      <a:r>
+                        <a:rPr lang="en-US" altLang="zh-CN" sz="1800" u="none" strike="noStrike">
+                          <a:effectLst/>
+                        </a:rPr>
+                        <a:t>100</a:t>
+                      </a:r>
+                      <a:endParaRPr lang="en-US" altLang="zh-CN" sz="1800" b="0" i="0" u="none" strike="noStrike">
+                        <a:solidFill>
+                          <a:srgbClr val="000000"/>
+                        </a:solidFill>
+                        <a:effectLst/>
+                        <a:latin typeface="等线" panose="02010600030101010101" pitchFamily="2" charset="-122"/>
+                        <a:ea typeface="等线" panose="02010600030101010101" pitchFamily="2" charset="-122"/>
+                      </a:endParaRPr>
+                    </a:p>
+                  </a:txBody>
+                  <a:tcPr marL="7620" marR="7620" marT="7620" marB="0" anchor="ctr"/>
+                </a:tc>
+                <a:tc>
+                  <a:txBody>
+                    <a:bodyPr/>
+                    <a:lstStyle/>
+                    <a:p>
+                      <a:pPr algn="ctr" fontAlgn="ctr"/>
+                      <a:r>
+                        <a:rPr lang="en-US" altLang="zh-CN" sz="1800" u="none" strike="noStrike">
+                          <a:effectLst/>
+                        </a:rPr>
+                        <a:t>30</a:t>
+                      </a:r>
+                      <a:endParaRPr lang="en-US" altLang="zh-CN" sz="1800" b="0" i="0" u="none" strike="noStrike">
+                        <a:solidFill>
+                          <a:srgbClr val="000000"/>
+                        </a:solidFill>
+                        <a:effectLst/>
+                        <a:latin typeface="等线" panose="02010600030101010101" pitchFamily="2" charset="-122"/>
+                        <a:ea typeface="等线" panose="02010600030101010101" pitchFamily="2" charset="-122"/>
+                      </a:endParaRPr>
+                    </a:p>
+                  </a:txBody>
+                  <a:tcPr marL="7620" marR="7620" marT="7620" marB="0" anchor="ctr"/>
+                </a:tc>
+                <a:tc>
+                  <a:txBody>
+                    <a:bodyPr/>
+                    <a:lstStyle/>
+                    <a:p>
+                      <a:pPr algn="ctr" fontAlgn="ctr"/>
+                      <a:r>
+                        <a:rPr lang="en-US" altLang="zh-CN" sz="1800" u="none" strike="noStrike">
+                          <a:effectLst/>
+                        </a:rPr>
+                        <a:t>90</a:t>
+                      </a:r>
+                      <a:endParaRPr lang="en-US" altLang="zh-CN" sz="1800" b="0" i="0" u="none" strike="noStrike">
+                        <a:solidFill>
+                          <a:srgbClr val="000000"/>
+                        </a:solidFill>
+                        <a:effectLst/>
+                        <a:latin typeface="等线" panose="02010600030101010101" pitchFamily="2" charset="-122"/>
+                        <a:ea typeface="等线" panose="02010600030101010101" pitchFamily="2" charset="-122"/>
+                      </a:endParaRPr>
+                    </a:p>
+                  </a:txBody>
+                  <a:tcPr marL="7620" marR="7620" marT="7620" marB="0" anchor="ctr"/>
+                </a:tc>
+                <a:tc>
+                  <a:txBody>
+                    <a:bodyPr/>
+                    <a:lstStyle/>
+                    <a:p>
+                      <a:pPr algn="ctr" fontAlgn="ctr"/>
+                      <a:r>
+                        <a:rPr lang="en-US" altLang="zh-CN" sz="1800" u="none" strike="noStrike">
+                          <a:effectLst/>
+                        </a:rPr>
+                        <a:t>90</a:t>
+                      </a:r>
+                      <a:endParaRPr lang="en-US" altLang="zh-CN" sz="1800" b="0" i="0" u="none" strike="noStrike">
+                        <a:solidFill>
+                          <a:srgbClr val="000000"/>
+                        </a:solidFill>
+                        <a:effectLst/>
+                        <a:latin typeface="等线" panose="02010600030101010101" pitchFamily="2" charset="-122"/>
+                        <a:ea typeface="等线" panose="02010600030101010101" pitchFamily="2" charset="-122"/>
+                      </a:endParaRPr>
+                    </a:p>
+                  </a:txBody>
+                  <a:tcPr marL="7620" marR="7620" marT="7620" marB="0" anchor="ctr"/>
+                </a:tc>
+                <a:extLst>
+                  <a:ext uri="{0D108BD9-81ED-4DB2-BD59-A6C34878D82A}">
+                    <a16:rowId xmlns:a16="http://schemas.microsoft.com/office/drawing/2014/main" val="2748458684"/>
+                  </a:ext>
+                </a:extLst>
+              </a:tr>
+              <a:tr h="281245">
+                <a:tc>
+                  <a:txBody>
+                    <a:bodyPr/>
+                    <a:lstStyle/>
+                    <a:p>
+                      <a:pPr algn="ctr" fontAlgn="ctr"/>
+                      <a:r>
+                        <a:rPr lang="zh-CN" altLang="en-US" sz="1800" u="none" strike="noStrike">
+                          <a:effectLst/>
+                        </a:rPr>
+                        <a:t>弓箭手</a:t>
+                      </a:r>
+                      <a:endParaRPr lang="zh-CN" altLang="en-US" sz="1800" b="0" i="0" u="none" strike="noStrike">
+                        <a:solidFill>
+                          <a:srgbClr val="000000"/>
+                        </a:solidFill>
+                        <a:effectLst/>
+                        <a:latin typeface="等线" panose="02010600030101010101" pitchFamily="2" charset="-122"/>
+                        <a:ea typeface="等线" panose="02010600030101010101" pitchFamily="2" charset="-122"/>
+                      </a:endParaRPr>
+                    </a:p>
+                  </a:txBody>
+                  <a:tcPr marL="7620" marR="7620" marT="7620" marB="0" anchor="ctr"/>
+                </a:tc>
+                <a:tc>
+                  <a:txBody>
+                    <a:bodyPr/>
+                    <a:lstStyle/>
+                    <a:p>
+                      <a:pPr algn="ctr" fontAlgn="ctr"/>
+                      <a:r>
+                        <a:rPr lang="en-US" altLang="zh-CN" sz="1800" u="none" strike="noStrike">
+                          <a:effectLst/>
+                        </a:rPr>
+                        <a:t>80</a:t>
+                      </a:r>
+                      <a:endParaRPr lang="en-US" altLang="zh-CN" sz="1800" b="0" i="0" u="none" strike="noStrike">
+                        <a:solidFill>
+                          <a:srgbClr val="000000"/>
+                        </a:solidFill>
+                        <a:effectLst/>
+                        <a:latin typeface="等线" panose="02010600030101010101" pitchFamily="2" charset="-122"/>
+                        <a:ea typeface="等线" panose="02010600030101010101" pitchFamily="2" charset="-122"/>
+                      </a:endParaRPr>
+                    </a:p>
+                  </a:txBody>
+                  <a:tcPr marL="7620" marR="7620" marT="7620" marB="0" anchor="ctr"/>
+                </a:tc>
+                <a:tc>
+                  <a:txBody>
+                    <a:bodyPr/>
+                    <a:lstStyle/>
+                    <a:p>
+                      <a:pPr algn="ctr" fontAlgn="ctr"/>
+                      <a:r>
+                        <a:rPr lang="en-US" altLang="zh-CN" sz="1800" u="none" strike="noStrike">
+                          <a:effectLst/>
+                        </a:rPr>
+                        <a:t>40</a:t>
+                      </a:r>
+                      <a:endParaRPr lang="en-US" altLang="zh-CN" sz="1800" b="0" i="0" u="none" strike="noStrike">
+                        <a:solidFill>
+                          <a:srgbClr val="000000"/>
+                        </a:solidFill>
+                        <a:effectLst/>
+                        <a:latin typeface="等线" panose="02010600030101010101" pitchFamily="2" charset="-122"/>
+                        <a:ea typeface="等线" panose="02010600030101010101" pitchFamily="2" charset="-122"/>
+                      </a:endParaRPr>
+                    </a:p>
+                  </a:txBody>
+                  <a:tcPr marL="7620" marR="7620" marT="7620" marB="0" anchor="ctr"/>
+                </a:tc>
+                <a:tc>
+                  <a:txBody>
+                    <a:bodyPr/>
+                    <a:lstStyle/>
+                    <a:p>
+                      <a:pPr algn="ctr" fontAlgn="ctr"/>
+                      <a:r>
+                        <a:rPr lang="en-US" altLang="zh-CN" sz="1800" u="none" strike="noStrike">
+                          <a:effectLst/>
+                        </a:rPr>
+                        <a:t>60</a:t>
+                      </a:r>
+                      <a:endParaRPr lang="en-US" altLang="zh-CN" sz="1800" b="0" i="0" u="none" strike="noStrike">
+                        <a:solidFill>
+                          <a:srgbClr val="000000"/>
+                        </a:solidFill>
+                        <a:effectLst/>
+                        <a:latin typeface="等线" panose="02010600030101010101" pitchFamily="2" charset="-122"/>
+                        <a:ea typeface="等线" panose="02010600030101010101" pitchFamily="2" charset="-122"/>
+                      </a:endParaRPr>
+                    </a:p>
+                  </a:txBody>
+                  <a:tcPr marL="7620" marR="7620" marT="7620" marB="0" anchor="ctr"/>
+                </a:tc>
+                <a:tc>
+                  <a:txBody>
+                    <a:bodyPr/>
+                    <a:lstStyle/>
+                    <a:p>
+                      <a:pPr algn="ctr" fontAlgn="ctr"/>
+                      <a:r>
+                        <a:rPr lang="en-US" altLang="zh-CN" sz="1800" u="none" strike="noStrike">
+                          <a:effectLst/>
+                        </a:rPr>
+                        <a:t>100</a:t>
+                      </a:r>
+                      <a:endParaRPr lang="en-US" altLang="zh-CN" sz="1800" b="0" i="0" u="none" strike="noStrike">
+                        <a:solidFill>
+                          <a:srgbClr val="000000"/>
+                        </a:solidFill>
+                        <a:effectLst/>
+                        <a:latin typeface="等线" panose="02010600030101010101" pitchFamily="2" charset="-122"/>
+                        <a:ea typeface="等线" panose="02010600030101010101" pitchFamily="2" charset="-122"/>
+                      </a:endParaRPr>
+                    </a:p>
+                  </a:txBody>
+                  <a:tcPr marL="7620" marR="7620" marT="7620" marB="0" anchor="ctr"/>
+                </a:tc>
+                <a:extLst>
+                  <a:ext uri="{0D108BD9-81ED-4DB2-BD59-A6C34878D82A}">
+                    <a16:rowId xmlns:a16="http://schemas.microsoft.com/office/drawing/2014/main" val="950453381"/>
+                  </a:ext>
+                </a:extLst>
+              </a:tr>
+            </a:tbl>
+          </a:graphicData>
+        </a:graphic>
+      </p:graphicFrame>
+      <p:sp>
+        <p:nvSpPr>
+          <p:cNvPr id="6" name="乘号 5">
+            <a:extLst>
+              <a:ext uri="{FF2B5EF4-FFF2-40B4-BE49-F238E27FC236}">
+                <a16:creationId xmlns:a16="http://schemas.microsoft.com/office/drawing/2014/main" id="{3D828139-7C95-43F2-BF19-8930B7F6E590}"/>
+              </a:ext>
+            </a:extLst>
+          </p:cNvPr>
+          <p:cNvSpPr/>
+          <p:nvPr/>
+        </p:nvSpPr>
+        <p:spPr>
+          <a:xfrm>
+            <a:off x="3921278" y="3434961"/>
+            <a:ext cx="499648" cy="691764"/>
+          </a:xfrm>
+          <a:prstGeom prst="mathMultiply">
+            <a:avLst/>
+          </a:prstGeom>
+        </p:spPr>
+        <p:style>
+          <a:lnRef idx="2">
+            <a:schemeClr val="accent1">
+              <a:shade val="50000"/>
+            </a:schemeClr>
+          </a:lnRef>
+          <a:fillRef idx="1">
+            <a:schemeClr val="accent1"/>
+          </a:fillRef>
+          <a:effectRef idx="0">
+            <a:schemeClr val="accent1"/>
+          </a:effectRef>
+          <a:fontRef idx="minor">
+            <a:schemeClr val="lt1"/>
+          </a:fontRef>
+        </p:style>
+        <p:txBody>
+          <a:bodyPr rtlCol="0" anchor="ctr"/>
+          <a:lstStyle/>
+          <a:p>
+            <a:pPr algn="ctr"/>
+            <a:endParaRPr lang="zh-CN" altLang="en-US"/>
+          </a:p>
+        </p:txBody>
+      </p:sp>
+      <p:graphicFrame>
+        <p:nvGraphicFramePr>
+          <p:cNvPr id="7" name="表格 6">
+            <a:extLst>
+              <a:ext uri="{FF2B5EF4-FFF2-40B4-BE49-F238E27FC236}">
+                <a16:creationId xmlns:a16="http://schemas.microsoft.com/office/drawing/2014/main" id="{B2E32021-B069-490A-A113-5581B55A685A}"/>
+              </a:ext>
+            </a:extLst>
+          </p:cNvPr>
+          <p:cNvGraphicFramePr>
+            <a:graphicFrameLocks noGrp="1"/>
+          </p:cNvGraphicFramePr>
+          <p:nvPr>
+            <p:extLst>
+              <p:ext uri="{D42A27DB-BD31-4B8C-83A1-F6EECF244321}">
+                <p14:modId xmlns:p14="http://schemas.microsoft.com/office/powerpoint/2010/main" val="3292096330"/>
+              </p:ext>
+            </p:extLst>
+          </p:nvPr>
+        </p:nvGraphicFramePr>
+        <p:xfrm>
+          <a:off x="8460186" y="3551860"/>
+          <a:ext cx="3085329" cy="563880"/>
+        </p:xfrm>
+        <a:graphic>
+          <a:graphicData uri="http://schemas.openxmlformats.org/drawingml/2006/table">
+            <a:tbl>
+              <a:tblPr>
+                <a:tableStyleId>{5C22544A-7EE6-4342-B048-85BDC9FD1C3A}</a:tableStyleId>
+              </a:tblPr>
+              <a:tblGrid>
+                <a:gridCol w="762952">
+                  <a:extLst>
+                    <a:ext uri="{9D8B030D-6E8A-4147-A177-3AD203B41FA5}">
+                      <a16:colId xmlns:a16="http://schemas.microsoft.com/office/drawing/2014/main" val="522575774"/>
+                    </a:ext>
+                  </a:extLst>
+                </a:gridCol>
+                <a:gridCol w="535940">
+                  <a:extLst>
+                    <a:ext uri="{9D8B030D-6E8A-4147-A177-3AD203B41FA5}">
+                      <a16:colId xmlns:a16="http://schemas.microsoft.com/office/drawing/2014/main" val="907697836"/>
+                    </a:ext>
+                  </a:extLst>
+                </a:gridCol>
+                <a:gridCol w="535940">
+                  <a:extLst>
+                    <a:ext uri="{9D8B030D-6E8A-4147-A177-3AD203B41FA5}">
+                      <a16:colId xmlns:a16="http://schemas.microsoft.com/office/drawing/2014/main" val="566173974"/>
+                    </a:ext>
+                  </a:extLst>
+                </a:gridCol>
+                <a:gridCol w="535940">
+                  <a:extLst>
+                    <a:ext uri="{9D8B030D-6E8A-4147-A177-3AD203B41FA5}">
+                      <a16:colId xmlns:a16="http://schemas.microsoft.com/office/drawing/2014/main" val="4188794394"/>
+                    </a:ext>
+                  </a:extLst>
+                </a:gridCol>
+                <a:gridCol w="714557">
+                  <a:extLst>
+                    <a:ext uri="{9D8B030D-6E8A-4147-A177-3AD203B41FA5}">
+                      <a16:colId xmlns:a16="http://schemas.microsoft.com/office/drawing/2014/main" val="3671607614"/>
+                    </a:ext>
+                  </a:extLst>
+                </a:gridCol>
+              </a:tblGrid>
+              <a:tr h="121152">
+                <a:tc>
+                  <a:txBody>
+                    <a:bodyPr/>
+                    <a:lstStyle/>
+                    <a:p>
+                      <a:pPr algn="l" fontAlgn="ctr"/>
+                      <a:endParaRPr lang="zh-CN" altLang="en-US" sz="1800" b="0" i="0" u="none" strike="noStrike">
+                        <a:solidFill>
+                          <a:srgbClr val="000000"/>
+                        </a:solidFill>
+                        <a:effectLst/>
+                        <a:latin typeface="等线" panose="02010600030101010101" pitchFamily="2" charset="-122"/>
+                        <a:ea typeface="等线" panose="02010600030101010101" pitchFamily="2" charset="-122"/>
+                      </a:endParaRPr>
+                    </a:p>
+                  </a:txBody>
+                  <a:tcPr marL="7620" marR="7620" marT="7620" marB="0" anchor="ctr"/>
+                </a:tc>
+                <a:tc>
+                  <a:txBody>
+                    <a:bodyPr/>
+                    <a:lstStyle/>
+                    <a:p>
+                      <a:pPr algn="ctr" rtl="0" fontAlgn="ctr"/>
+                      <a:r>
+                        <a:rPr lang="zh-CN" altLang="en-US" sz="1800" u="none" strike="noStrike">
+                          <a:effectLst/>
+                        </a:rPr>
+                        <a:t>力量</a:t>
+                      </a:r>
+                      <a:endParaRPr lang="zh-CN" altLang="en-US" sz="1800" b="0" i="0" u="none" strike="noStrike">
+                        <a:solidFill>
+                          <a:srgbClr val="000000"/>
+                        </a:solidFill>
+                        <a:effectLst/>
+                        <a:latin typeface="Arial" panose="020B0604020202020204" pitchFamily="34" charset="0"/>
+                        <a:ea typeface="等线" panose="02010600030101010101" pitchFamily="2" charset="-122"/>
+                      </a:endParaRPr>
+                    </a:p>
+                  </a:txBody>
+                  <a:tcPr marL="7620" marR="7620" marT="7620" marB="0" anchor="ctr"/>
+                </a:tc>
+                <a:tc>
+                  <a:txBody>
+                    <a:bodyPr/>
+                    <a:lstStyle/>
+                    <a:p>
+                      <a:pPr algn="ctr" rtl="0" fontAlgn="ctr"/>
+                      <a:r>
+                        <a:rPr lang="zh-CN" altLang="en-US" sz="1800" u="none" strike="noStrike">
+                          <a:effectLst/>
+                        </a:rPr>
+                        <a:t>魔法</a:t>
+                      </a:r>
+                      <a:endParaRPr lang="zh-CN" altLang="en-US" sz="1800" b="0" i="0" u="none" strike="noStrike">
+                        <a:solidFill>
+                          <a:srgbClr val="000000"/>
+                        </a:solidFill>
+                        <a:effectLst/>
+                        <a:latin typeface="Arial" panose="020B0604020202020204" pitchFamily="34" charset="0"/>
+                        <a:ea typeface="等线" panose="02010600030101010101" pitchFamily="2" charset="-122"/>
+                      </a:endParaRPr>
+                    </a:p>
+                  </a:txBody>
+                  <a:tcPr marL="7620" marR="7620" marT="7620" marB="0" anchor="ctr"/>
+                </a:tc>
+                <a:tc>
+                  <a:txBody>
+                    <a:bodyPr/>
+                    <a:lstStyle/>
+                    <a:p>
+                      <a:pPr algn="ctr" rtl="0" fontAlgn="ctr"/>
+                      <a:r>
+                        <a:rPr lang="zh-CN" altLang="en-US" sz="1800" u="none" strike="noStrike">
+                          <a:effectLst/>
+                        </a:rPr>
+                        <a:t>血槽</a:t>
+                      </a:r>
+                      <a:endParaRPr lang="zh-CN" altLang="en-US" sz="1800" b="0" i="0" u="none" strike="noStrike">
+                        <a:solidFill>
+                          <a:srgbClr val="000000"/>
+                        </a:solidFill>
+                        <a:effectLst/>
+                        <a:latin typeface="Arial" panose="020B0604020202020204" pitchFamily="34" charset="0"/>
+                        <a:ea typeface="等线" panose="02010600030101010101" pitchFamily="2" charset="-122"/>
+                      </a:endParaRPr>
+                    </a:p>
+                  </a:txBody>
+                  <a:tcPr marL="7620" marR="7620" marT="7620" marB="0" anchor="ctr"/>
+                </a:tc>
+                <a:tc>
+                  <a:txBody>
+                    <a:bodyPr/>
+                    <a:lstStyle/>
+                    <a:p>
+                      <a:pPr algn="ctr" rtl="0" fontAlgn="ctr"/>
+                      <a:r>
+                        <a:rPr lang="zh-CN" altLang="en-US" sz="1800" u="none" strike="noStrike">
+                          <a:effectLst/>
+                        </a:rPr>
+                        <a:t>敏捷</a:t>
+                      </a:r>
+                      <a:endParaRPr lang="zh-CN" altLang="en-US" sz="1800" b="0" i="0" u="none" strike="noStrike">
+                        <a:solidFill>
+                          <a:srgbClr val="000000"/>
+                        </a:solidFill>
+                        <a:effectLst/>
+                        <a:latin typeface="Arial" panose="020B0604020202020204" pitchFamily="34" charset="0"/>
+                        <a:ea typeface="等线" panose="02010600030101010101" pitchFamily="2" charset="-122"/>
+                      </a:endParaRPr>
+                    </a:p>
+                  </a:txBody>
+                  <a:tcPr marL="7620" marR="7620" marT="7620" marB="0" anchor="ctr"/>
+                </a:tc>
+                <a:extLst>
+                  <a:ext uri="{0D108BD9-81ED-4DB2-BD59-A6C34878D82A}">
+                    <a16:rowId xmlns:a16="http://schemas.microsoft.com/office/drawing/2014/main" val="3429710312"/>
+                  </a:ext>
+                </a:extLst>
+              </a:tr>
+              <a:tr h="239029">
+                <a:tc>
+                  <a:txBody>
+                    <a:bodyPr/>
+                    <a:lstStyle/>
+                    <a:p>
+                      <a:pPr algn="ctr" fontAlgn="ctr"/>
+                      <a:r>
+                        <a:rPr lang="zh-CN" altLang="en-US" sz="1800" b="0" i="0" u="none" strike="noStrike">
+                          <a:solidFill>
+                            <a:srgbClr val="000000"/>
+                          </a:solidFill>
+                          <a:effectLst/>
+                          <a:latin typeface="华文新魏" panose="02010800040101010101" pitchFamily="2" charset="-122"/>
+                          <a:ea typeface="+mn-ea"/>
+                        </a:rPr>
+                        <a:t>骑法师</a:t>
+                      </a:r>
+                    </a:p>
+                  </a:txBody>
+                  <a:tcPr marL="7620" marR="7620" marT="7620" marB="0" anchor="ctr"/>
+                </a:tc>
+                <a:tc>
+                  <a:txBody>
+                    <a:bodyPr/>
+                    <a:lstStyle/>
+                    <a:p>
+                      <a:pPr algn="ctr" fontAlgn="ctr"/>
+                      <a:r>
+                        <a:rPr lang="en-US" altLang="zh-CN" sz="1800" u="none" strike="noStrike">
+                          <a:effectLst/>
+                        </a:rPr>
+                        <a:t>65</a:t>
+                      </a:r>
+                      <a:endParaRPr lang="en-US" altLang="zh-CN" sz="1800" b="0" i="0" u="none" strike="noStrike">
+                        <a:solidFill>
+                          <a:srgbClr val="000000"/>
+                        </a:solidFill>
+                        <a:effectLst/>
+                        <a:latin typeface="等线" panose="02010600030101010101" pitchFamily="2" charset="-122"/>
+                        <a:ea typeface="等线" panose="02010600030101010101" pitchFamily="2" charset="-122"/>
+                      </a:endParaRPr>
+                    </a:p>
+                  </a:txBody>
+                  <a:tcPr marL="7620" marR="7620" marT="7620" marB="0" anchor="ctr"/>
+                </a:tc>
+                <a:tc>
+                  <a:txBody>
+                    <a:bodyPr/>
+                    <a:lstStyle/>
+                    <a:p>
+                      <a:pPr algn="ctr" fontAlgn="ctr"/>
+                      <a:r>
+                        <a:rPr lang="en-US" altLang="zh-CN" sz="1800" u="none" strike="noStrike">
+                          <a:effectLst/>
+                        </a:rPr>
+                        <a:t>65</a:t>
+                      </a:r>
+                      <a:endParaRPr lang="en-US" altLang="zh-CN" sz="1800" b="0" i="0" u="none" strike="noStrike">
+                        <a:solidFill>
+                          <a:srgbClr val="000000"/>
+                        </a:solidFill>
+                        <a:effectLst/>
+                        <a:latin typeface="等线" panose="02010600030101010101" pitchFamily="2" charset="-122"/>
+                        <a:ea typeface="等线" panose="02010600030101010101" pitchFamily="2" charset="-122"/>
+                      </a:endParaRPr>
+                    </a:p>
+                  </a:txBody>
+                  <a:tcPr marL="7620" marR="7620" marT="7620" marB="0" anchor="ctr"/>
+                </a:tc>
+                <a:tc>
+                  <a:txBody>
+                    <a:bodyPr/>
+                    <a:lstStyle/>
+                    <a:p>
+                      <a:pPr algn="ctr" fontAlgn="ctr"/>
+                      <a:r>
+                        <a:rPr lang="en-US" altLang="zh-CN" sz="1800" u="none" strike="noStrike">
+                          <a:effectLst/>
+                        </a:rPr>
+                        <a:t>65</a:t>
+                      </a:r>
+                      <a:endParaRPr lang="en-US" altLang="zh-CN" sz="1800" b="0" i="0" u="none" strike="noStrike">
+                        <a:solidFill>
+                          <a:srgbClr val="000000"/>
+                        </a:solidFill>
+                        <a:effectLst/>
+                        <a:latin typeface="等线" panose="02010600030101010101" pitchFamily="2" charset="-122"/>
+                        <a:ea typeface="等线" panose="02010600030101010101" pitchFamily="2" charset="-122"/>
+                      </a:endParaRPr>
+                    </a:p>
+                  </a:txBody>
+                  <a:tcPr marL="7620" marR="7620" marT="7620" marB="0" anchor="ctr"/>
+                </a:tc>
+                <a:tc>
+                  <a:txBody>
+                    <a:bodyPr/>
+                    <a:lstStyle/>
+                    <a:p>
+                      <a:pPr algn="ctr" fontAlgn="ctr"/>
+                      <a:r>
+                        <a:rPr lang="en-US" altLang="zh-CN" sz="1800" u="none" strike="noStrike">
+                          <a:effectLst/>
+                        </a:rPr>
+                        <a:t>70</a:t>
+                      </a:r>
+                      <a:endParaRPr lang="en-US" altLang="zh-CN" sz="1800" b="0" i="0" u="none" strike="noStrike">
+                        <a:solidFill>
+                          <a:srgbClr val="000000"/>
+                        </a:solidFill>
+                        <a:effectLst/>
+                        <a:latin typeface="等线" panose="02010600030101010101" pitchFamily="2" charset="-122"/>
+                        <a:ea typeface="等线" panose="02010600030101010101" pitchFamily="2" charset="-122"/>
+                      </a:endParaRPr>
+                    </a:p>
+                  </a:txBody>
+                  <a:tcPr marL="7620" marR="7620" marT="7620" marB="0" anchor="ctr"/>
+                </a:tc>
+                <a:extLst>
+                  <a:ext uri="{0D108BD9-81ED-4DB2-BD59-A6C34878D82A}">
+                    <a16:rowId xmlns:a16="http://schemas.microsoft.com/office/drawing/2014/main" val="2061058679"/>
+                  </a:ext>
+                </a:extLst>
+              </a:tr>
+            </a:tbl>
+          </a:graphicData>
+        </a:graphic>
+      </p:graphicFrame>
+      <p:sp>
+        <p:nvSpPr>
+          <p:cNvPr id="8" name="等号 7">
+            <a:extLst>
+              <a:ext uri="{FF2B5EF4-FFF2-40B4-BE49-F238E27FC236}">
+                <a16:creationId xmlns:a16="http://schemas.microsoft.com/office/drawing/2014/main" id="{8B9E1F72-1CE3-4EFA-8988-DCB920D03CBF}"/>
+              </a:ext>
+            </a:extLst>
+          </p:cNvPr>
+          <p:cNvSpPr/>
+          <p:nvPr/>
+        </p:nvSpPr>
+        <p:spPr>
+          <a:xfrm>
+            <a:off x="7847409" y="3649647"/>
+            <a:ext cx="526269" cy="381663"/>
+          </a:xfrm>
+          <a:prstGeom prst="mathEqual">
+            <a:avLst/>
+          </a:prstGeom>
+        </p:spPr>
+        <p:style>
+          <a:lnRef idx="2">
+            <a:schemeClr val="accent1">
+              <a:shade val="50000"/>
+            </a:schemeClr>
+          </a:lnRef>
+          <a:fillRef idx="1">
+            <a:schemeClr val="accent1"/>
+          </a:fillRef>
+          <a:effectRef idx="0">
+            <a:schemeClr val="accent1"/>
+          </a:effectRef>
+          <a:fontRef idx="minor">
+            <a:schemeClr val="lt1"/>
+          </a:fontRef>
+        </p:style>
+        <p:txBody>
+          <a:bodyPr rtlCol="0" anchor="ctr"/>
+          <a:lstStyle/>
+          <a:p>
+            <a:pPr algn="ctr"/>
+            <a:endParaRPr lang="zh-CN" altLang="en-US">
+              <a:solidFill>
+                <a:schemeClr val="tx1"/>
+              </a:solidFill>
+            </a:endParaRPr>
           </a:p>
         </p:txBody>
       </p:sp>
       <p:sp>
         <p:nvSpPr>
-          <p:cNvPr id="3" name="内容占位符 2">
+          <p:cNvPr id="11" name="文本框 10">
             <a:extLst>
               <a:ext uri="{FF2B5EF4-FFF2-40B4-BE49-F238E27FC236}">
-                <a16:creationId xmlns:a16="http://schemas.microsoft.com/office/drawing/2014/main" id="{F38A7118-9A24-4AFD-A2B0-1AFDBC2FE0DE}"/>
+                <a16:creationId xmlns:a16="http://schemas.microsoft.com/office/drawing/2014/main" id="{3DA6DF54-6BCD-400A-A545-FC03AEBCCAFD}"/>
               </a:ext>
             </a:extLst>
           </p:cNvPr>
-          <p:cNvSpPr>
-            <a:spLocks noGrp="1"/>
-          </p:cNvSpPr>
-          <p:nvPr>
-            <p:ph idx="1"/>
-          </p:nvPr>
+          <p:cNvSpPr txBox="1"/>
+          <p:nvPr/>
         </p:nvSpPr>
         <p:spPr>
           <a:xfrm>
-            <a:off x="677334" y="1478943"/>
-            <a:ext cx="8596668" cy="5057029"/>
+            <a:off x="4412976" y="4572010"/>
+            <a:ext cx="906448" cy="523220"/>
           </a:xfrm>
+          <a:prstGeom prst="rect">
+            <a:avLst/>
+          </a:prstGeom>
+          <a:noFill/>
         </p:spPr>
         <p:txBody>
-          <a:bodyPr>
-            <a:normAutofit fontScale="92500" lnSpcReduction="10000"/>
+          <a:bodyPr wrap="square" rtlCol="0">
+            <a:spAutoFit/>
           </a:bodyPr>
           <a:lstStyle/>
           <a:p>
             <a:r>
-              <a:rPr lang="zh-CN" altLang="en-US" sz="2800"/>
-              <a:t>标量，向量，矩阵</a:t>
-            </a:r>
-            <a:endParaRPr lang="en-US" altLang="zh-CN" sz="2800"/>
-          </a:p>
-          <a:p>
-            <a:r>
-              <a:rPr lang="zh-CN" altLang="en-US" sz="2800"/>
-              <a:t>矩阵和向量运算</a:t>
-            </a:r>
-            <a:endParaRPr lang="en-US" altLang="zh-CN" sz="2800"/>
-          </a:p>
-          <a:p>
-            <a:r>
-              <a:rPr lang="zh-CN" altLang="en-US" sz="2800"/>
-              <a:t>单位阵和矩阵逆</a:t>
-            </a:r>
-            <a:endParaRPr lang="en-US" altLang="zh-CN" sz="2800"/>
-          </a:p>
-          <a:p>
-            <a:r>
-              <a:rPr lang="zh-CN" altLang="en-US" sz="2800"/>
-              <a:t>范数</a:t>
-            </a:r>
-            <a:endParaRPr lang="en-US" altLang="zh-CN" sz="2800"/>
-          </a:p>
-          <a:p>
-            <a:r>
-              <a:rPr lang="zh-CN" altLang="en-US" sz="2800"/>
-              <a:t>特殊矩阵</a:t>
-            </a:r>
-            <a:endParaRPr lang="en-US" altLang="zh-CN" sz="2800"/>
-          </a:p>
-          <a:p>
-            <a:r>
-              <a:rPr lang="zh-CN" altLang="en-US" sz="2800"/>
-              <a:t>特征值分解</a:t>
-            </a:r>
-            <a:endParaRPr lang="en-US" altLang="zh-CN" sz="2800"/>
-          </a:p>
-          <a:p>
-            <a:r>
-              <a:rPr lang="zh-CN" altLang="en-US" sz="2800"/>
-              <a:t>奇异值分解</a:t>
-            </a:r>
-            <a:endParaRPr lang="en-US" altLang="zh-CN" sz="2800"/>
-          </a:p>
-          <a:p>
-            <a:r>
-              <a:rPr lang="zh-CN" altLang="en-US" sz="2800"/>
-              <a:t>广义逆</a:t>
-            </a:r>
-            <a:endParaRPr lang="en-US" altLang="zh-CN" sz="2800"/>
-          </a:p>
-          <a:p>
-            <a:r>
-              <a:rPr lang="zh-CN" altLang="en-US" sz="2800"/>
-              <a:t>迹算子</a:t>
-            </a:r>
-            <a:endParaRPr lang="en-US" altLang="zh-CN" sz="2800"/>
-          </a:p>
-          <a:p>
-            <a:r>
-              <a:rPr lang="zh-CN" altLang="en-US" sz="2800"/>
-              <a:t>行列式</a:t>
-            </a:r>
-            <a:endParaRPr lang="en-US" altLang="zh-CN" sz="2800"/>
+              <a:rPr lang="zh-CN" altLang="en-US" sz="2800">
+                <a:solidFill>
+                  <a:srgbClr val="C00000"/>
+                </a:solidFill>
+              </a:rPr>
+              <a:t>输入</a:t>
+            </a:r>
+          </a:p>
+        </p:txBody>
+      </p:sp>
+      <p:sp>
+        <p:nvSpPr>
+          <p:cNvPr id="12" name="文本框 11">
+            <a:extLst>
+              <a:ext uri="{FF2B5EF4-FFF2-40B4-BE49-F238E27FC236}">
+                <a16:creationId xmlns:a16="http://schemas.microsoft.com/office/drawing/2014/main" id="{D74896A9-D9EF-4D97-9072-B469B77AF90D}"/>
+              </a:ext>
+            </a:extLst>
+          </p:cNvPr>
+          <p:cNvSpPr txBox="1"/>
+          <p:nvPr/>
+        </p:nvSpPr>
+        <p:spPr>
+          <a:xfrm>
+            <a:off x="5710364" y="2637422"/>
+            <a:ext cx="905122" cy="523220"/>
+          </a:xfrm>
+          <a:prstGeom prst="rect">
+            <a:avLst/>
+          </a:prstGeom>
+          <a:noFill/>
+        </p:spPr>
+        <p:txBody>
+          <a:bodyPr wrap="square" rtlCol="0">
+            <a:spAutoFit/>
+          </a:bodyPr>
+          <a:lstStyle/>
+          <a:p>
+            <a:r>
+              <a:rPr lang="zh-CN" altLang="en-US" sz="2800">
+                <a:solidFill>
+                  <a:srgbClr val="C00000"/>
+                </a:solidFill>
+              </a:rPr>
+              <a:t>输出</a:t>
+            </a:r>
           </a:p>
         </p:txBody>
       </p:sp>
     </p:spTree>
     <p:extLst>
       <p:ext uri="{BB962C8B-B14F-4D97-AF65-F5344CB8AC3E}">
-        <p14:creationId xmlns:p14="http://schemas.microsoft.com/office/powerpoint/2010/main" val="4109712820"/>
+        <p14:creationId xmlns:p14="http://schemas.microsoft.com/office/powerpoint/2010/main" val="1037827869"/>
       </p:ext>
     </p:extLst>
   </p:cSld>

--- a/1_linear_algebra.pptx
+++ b/1_linear_algebra.pptx
@@ -31,14 +31,14 @@
     <p:sldId id="278" r:id="rId25"/>
     <p:sldId id="274" r:id="rId26"/>
     <p:sldId id="275" r:id="rId27"/>
-    <p:sldId id="276" r:id="rId28"/>
-    <p:sldId id="277" r:id="rId29"/>
-    <p:sldId id="279" r:id="rId30"/>
-    <p:sldId id="290" r:id="rId31"/>
-    <p:sldId id="292" r:id="rId32"/>
+    <p:sldId id="281" r:id="rId28"/>
+    <p:sldId id="276" r:id="rId29"/>
+    <p:sldId id="277" r:id="rId30"/>
+    <p:sldId id="279" r:id="rId31"/>
+    <p:sldId id="290" r:id="rId32"/>
     <p:sldId id="291" r:id="rId33"/>
-    <p:sldId id="280" r:id="rId34"/>
-    <p:sldId id="281" r:id="rId35"/>
+    <p:sldId id="292" r:id="rId34"/>
+    <p:sldId id="280" r:id="rId35"/>
     <p:sldId id="282" r:id="rId36"/>
     <p:sldId id="283" r:id="rId37"/>
   </p:sldIdLst>
@@ -869,7 +869,7 @@
           <a:p>
             <a:fld id="{6D0035E6-BDE3-4943-AFED-FF77561E17AE}" type="datetimeFigureOut">
               <a:rPr lang="zh-CN" altLang="en-US" smtClean="0"/>
-              <a:t>2019/9/17</a:t>
+              <a:t>2019/9/18</a:t>
             </a:fld>
             <a:endParaRPr lang="zh-CN" altLang="en-US"/>
           </a:p>
@@ -1120,7 +1120,7 @@
           <a:p>
             <a:fld id="{6D0035E6-BDE3-4943-AFED-FF77561E17AE}" type="datetimeFigureOut">
               <a:rPr lang="zh-CN" altLang="en-US" smtClean="0"/>
-              <a:t>2019/9/17</a:t>
+              <a:t>2019/9/18</a:t>
             </a:fld>
             <a:endParaRPr lang="zh-CN" altLang="en-US"/>
           </a:p>
@@ -1434,7 +1434,7 @@
           <a:p>
             <a:fld id="{6D0035E6-BDE3-4943-AFED-FF77561E17AE}" type="datetimeFigureOut">
               <a:rPr lang="zh-CN" altLang="en-US" smtClean="0"/>
-              <a:t>2019/9/17</a:t>
+              <a:t>2019/9/18</a:t>
             </a:fld>
             <a:endParaRPr lang="zh-CN" altLang="en-US"/>
           </a:p>
@@ -1775,7 +1775,7 @@
           <a:p>
             <a:fld id="{6D0035E6-BDE3-4943-AFED-FF77561E17AE}" type="datetimeFigureOut">
               <a:rPr lang="zh-CN" altLang="en-US" smtClean="0"/>
-              <a:t>2019/9/17</a:t>
+              <a:t>2019/9/18</a:t>
             </a:fld>
             <a:endParaRPr lang="zh-CN" altLang="en-US"/>
           </a:p>
@@ -2089,7 +2089,7 @@
           <a:p>
             <a:fld id="{6D0035E6-BDE3-4943-AFED-FF77561E17AE}" type="datetimeFigureOut">
               <a:rPr lang="zh-CN" altLang="en-US" smtClean="0"/>
-              <a:t>2019/9/17</a:t>
+              <a:t>2019/9/18</a:t>
             </a:fld>
             <a:endParaRPr lang="zh-CN" altLang="en-US"/>
           </a:p>
@@ -2482,7 +2482,7 @@
           <a:p>
             <a:fld id="{6D0035E6-BDE3-4943-AFED-FF77561E17AE}" type="datetimeFigureOut">
               <a:rPr lang="zh-CN" altLang="en-US" smtClean="0"/>
-              <a:t>2019/9/17</a:t>
+              <a:t>2019/9/18</a:t>
             </a:fld>
             <a:endParaRPr lang="zh-CN" altLang="en-US"/>
           </a:p>
@@ -2652,7 +2652,7 @@
           <a:p>
             <a:fld id="{6D0035E6-BDE3-4943-AFED-FF77561E17AE}" type="datetimeFigureOut">
               <a:rPr lang="zh-CN" altLang="en-US" smtClean="0"/>
-              <a:t>2019/9/17</a:t>
+              <a:t>2019/9/18</a:t>
             </a:fld>
             <a:endParaRPr lang="zh-CN" altLang="en-US"/>
           </a:p>
@@ -2832,7 +2832,7 @@
           <a:p>
             <a:fld id="{6D0035E6-BDE3-4943-AFED-FF77561E17AE}" type="datetimeFigureOut">
               <a:rPr lang="zh-CN" altLang="en-US" smtClean="0"/>
-              <a:t>2019/9/17</a:t>
+              <a:t>2019/9/18</a:t>
             </a:fld>
             <a:endParaRPr lang="zh-CN" altLang="en-US"/>
           </a:p>
@@ -3008,7 +3008,7 @@
           <a:p>
             <a:fld id="{6D0035E6-BDE3-4943-AFED-FF77561E17AE}" type="datetimeFigureOut">
               <a:rPr lang="zh-CN" altLang="en-US" smtClean="0"/>
-              <a:t>2019/9/17</a:t>
+              <a:t>2019/9/18</a:t>
             </a:fld>
             <a:endParaRPr lang="zh-CN" altLang="en-US"/>
           </a:p>
@@ -3255,7 +3255,7 @@
           <a:p>
             <a:fld id="{6D0035E6-BDE3-4943-AFED-FF77561E17AE}" type="datetimeFigureOut">
               <a:rPr lang="zh-CN" altLang="en-US" smtClean="0"/>
-              <a:t>2019/9/17</a:t>
+              <a:t>2019/9/18</a:t>
             </a:fld>
             <a:endParaRPr lang="zh-CN" altLang="en-US"/>
           </a:p>
@@ -3487,7 +3487,7 @@
           <a:p>
             <a:fld id="{6D0035E6-BDE3-4943-AFED-FF77561E17AE}" type="datetimeFigureOut">
               <a:rPr lang="zh-CN" altLang="en-US" smtClean="0"/>
-              <a:t>2019/9/17</a:t>
+              <a:t>2019/9/18</a:t>
             </a:fld>
             <a:endParaRPr lang="zh-CN" altLang="en-US"/>
           </a:p>
@@ -3861,7 +3861,7 @@
           <a:p>
             <a:fld id="{6D0035E6-BDE3-4943-AFED-FF77561E17AE}" type="datetimeFigureOut">
               <a:rPr lang="zh-CN" altLang="en-US" smtClean="0"/>
-              <a:t>2019/9/17</a:t>
+              <a:t>2019/9/18</a:t>
             </a:fld>
             <a:endParaRPr lang="zh-CN" altLang="en-US"/>
           </a:p>
@@ -3984,7 +3984,7 @@
           <a:p>
             <a:fld id="{6D0035E6-BDE3-4943-AFED-FF77561E17AE}" type="datetimeFigureOut">
               <a:rPr lang="zh-CN" altLang="en-US" smtClean="0"/>
-              <a:t>2019/9/17</a:t>
+              <a:t>2019/9/18</a:t>
             </a:fld>
             <a:endParaRPr lang="zh-CN" altLang="en-US"/>
           </a:p>
@@ -4079,7 +4079,7 @@
           <a:p>
             <a:fld id="{6D0035E6-BDE3-4943-AFED-FF77561E17AE}" type="datetimeFigureOut">
               <a:rPr lang="zh-CN" altLang="en-US" smtClean="0"/>
-              <a:t>2019/9/17</a:t>
+              <a:t>2019/9/18</a:t>
             </a:fld>
             <a:endParaRPr lang="zh-CN" altLang="en-US"/>
           </a:p>
@@ -4334,7 +4334,7 @@
           <a:p>
             <a:fld id="{6D0035E6-BDE3-4943-AFED-FF77561E17AE}" type="datetimeFigureOut">
               <a:rPr lang="zh-CN" altLang="en-US" smtClean="0"/>
-              <a:t>2019/9/17</a:t>
+              <a:t>2019/9/18</a:t>
             </a:fld>
             <a:endParaRPr lang="zh-CN" altLang="en-US"/>
           </a:p>
@@ -4597,7 +4597,7 @@
           <a:p>
             <a:fld id="{6D0035E6-BDE3-4943-AFED-FF77561E17AE}" type="datetimeFigureOut">
               <a:rPr lang="zh-CN" altLang="en-US" smtClean="0"/>
-              <a:t>2019/9/17</a:t>
+              <a:t>2019/9/18</a:t>
             </a:fld>
             <a:endParaRPr lang="zh-CN" altLang="en-US"/>
           </a:p>
@@ -5340,7 +5340,7 @@
           <a:p>
             <a:fld id="{6D0035E6-BDE3-4943-AFED-FF77561E17AE}" type="datetimeFigureOut">
               <a:rPr lang="zh-CN" altLang="en-US" smtClean="0"/>
-              <a:t>2019/9/17</a:t>
+              <a:t>2019/9/18</a:t>
             </a:fld>
             <a:endParaRPr lang="zh-CN" altLang="en-US"/>
           </a:p>
@@ -6288,50 +6288,50 @@
           <a:lstStyle/>
           <a:p>
             <a:r>
-              <a:rPr lang="zh-CN" altLang="en-US" sz="2800"/>
+              <a:rPr lang="zh-CN" altLang="en-US" sz="2800" dirty="0"/>
               <a:t>线性代数</a:t>
             </a:r>
-            <a:endParaRPr lang="en-US" altLang="zh-CN" sz="2800"/>
+            <a:endParaRPr lang="en-US" altLang="zh-CN" sz="2800" dirty="0"/>
           </a:p>
           <a:p>
             <a:pPr lvl="1"/>
             <a:r>
-              <a:rPr lang="zh-CN" altLang="en-US" sz="2600"/>
+              <a:rPr lang="zh-CN" altLang="en-US" sz="2600" dirty="0"/>
               <a:t>多变量运算的必备数学基础</a:t>
             </a:r>
-            <a:endParaRPr lang="en-US" altLang="zh-CN" sz="2600"/>
-          </a:p>
-          <a:p>
-            <a:endParaRPr lang="en-US" altLang="zh-CN" sz="2800"/>
-          </a:p>
-          <a:p>
-            <a:r>
-              <a:rPr lang="zh-CN" altLang="en-US" sz="2800"/>
+            <a:endParaRPr lang="en-US" altLang="zh-CN" sz="2600" dirty="0"/>
+          </a:p>
+          <a:p>
+            <a:endParaRPr lang="en-US" altLang="zh-CN" sz="2800" dirty="0"/>
+          </a:p>
+          <a:p>
+            <a:r>
+              <a:rPr lang="zh-CN" altLang="en-US" sz="2800" dirty="0"/>
               <a:t>概率统计</a:t>
             </a:r>
-            <a:endParaRPr lang="en-US" altLang="zh-CN" sz="2800"/>
+            <a:endParaRPr lang="en-US" altLang="zh-CN" sz="2800" dirty="0"/>
           </a:p>
           <a:p>
             <a:pPr lvl="1"/>
             <a:r>
-              <a:rPr lang="zh-CN" altLang="en-US" sz="2600"/>
+              <a:rPr lang="zh-CN" altLang="en-US" sz="2600" dirty="0"/>
               <a:t>真实世界问题的数学基础</a:t>
             </a:r>
-            <a:endParaRPr lang="en-US" altLang="zh-CN" sz="2600"/>
-          </a:p>
-          <a:p>
-            <a:endParaRPr lang="en-US" altLang="zh-CN" sz="2800"/>
-          </a:p>
-          <a:p>
-            <a:r>
-              <a:rPr lang="zh-CN" altLang="en-US" sz="2800">
+            <a:endParaRPr lang="en-US" altLang="zh-CN" sz="2600" dirty="0"/>
+          </a:p>
+          <a:p>
+            <a:endParaRPr lang="en-US" altLang="zh-CN" sz="2800" dirty="0"/>
+          </a:p>
+          <a:p>
+            <a:r>
+              <a:rPr lang="zh-CN" altLang="en-US" sz="2800" dirty="0">
                 <a:solidFill>
                   <a:srgbClr val="FF0000"/>
                 </a:solidFill>
               </a:rPr>
               <a:t>所有让你累的事都在帮你</a:t>
             </a:r>
-            <a:endParaRPr lang="en-US" altLang="zh-CN" sz="2800">
+            <a:endParaRPr lang="en-US" altLang="zh-CN" sz="2800" dirty="0">
               <a:solidFill>
                 <a:srgbClr val="FF0000"/>
               </a:solidFill>
@@ -6339,21 +6339,21 @@
           </a:p>
           <a:p>
             <a:r>
-              <a:rPr lang="zh-CN" altLang="en-US" sz="2800">
+              <a:rPr lang="zh-CN" altLang="en-US" sz="2800" dirty="0">
                 <a:solidFill>
                   <a:srgbClr val="FF0000"/>
                 </a:solidFill>
               </a:rPr>
               <a:t>所有让你爽的事都在害你</a:t>
             </a:r>
-            <a:endParaRPr lang="en-US" altLang="zh-CN" sz="2800">
+            <a:endParaRPr lang="en-US" altLang="zh-CN" sz="2800" dirty="0">
               <a:solidFill>
                 <a:srgbClr val="FF0000"/>
               </a:solidFill>
             </a:endParaRPr>
           </a:p>
           <a:p>
-            <a:endParaRPr lang="zh-CN" altLang="en-US"/>
+            <a:endParaRPr lang="zh-CN" altLang="en-US" dirty="0"/>
           </a:p>
         </p:txBody>
       </p:sp>
@@ -8633,8 +8633,8 @@
           </a:p>
         </p:txBody>
       </p:sp>
-      <mc:AlternateContent xmlns:mc="http://schemas.openxmlformats.org/markup-compatibility/2006">
-        <mc:Choice xmlns:a14="http://schemas.microsoft.com/office/drawing/2010/main" Requires="a14">
+      <mc:AlternateContent xmlns:mc="http://schemas.openxmlformats.org/markup-compatibility/2006" xmlns:a14="http://schemas.microsoft.com/office/drawing/2010/main">
+        <mc:Choice Requires="a14">
           <p:sp>
             <p:nvSpPr>
               <p:cNvPr id="3" name="内容占位符 2">
@@ -8662,29 +8662,29 @@
               <a:lstStyle/>
               <a:p>
                 <a:r>
-                  <a:rPr lang="zh-CN" altLang="en-US"/>
+                  <a:rPr lang="zh-CN" altLang="en-US" dirty="0"/>
                   <a:t>范数是用来衡量大小的，是绝对值的推广。</a:t>
                 </a:r>
-                <a:endParaRPr lang="en-US" altLang="zh-CN"/>
+                <a:endParaRPr lang="en-US" altLang="zh-CN" dirty="0"/>
               </a:p>
               <a:p>
-                <a:endParaRPr lang="en-US" altLang="zh-CN"/>
+                <a:endParaRPr lang="en-US" altLang="zh-CN" dirty="0"/>
               </a:p>
               <a:p>
-                <a:endParaRPr lang="en-US" altLang="zh-CN"/>
+                <a:endParaRPr lang="en-US" altLang="zh-CN" dirty="0"/>
               </a:p>
               <a:p>
-                <a:endParaRPr lang="en-US" altLang="zh-CN"/>
+                <a:endParaRPr lang="en-US" altLang="zh-CN" dirty="0"/>
               </a:p>
               <a:p>
-                <a:endParaRPr lang="en-US" altLang="zh-CN"/>
+                <a:endParaRPr lang="en-US" altLang="zh-CN" dirty="0"/>
               </a:p>
               <a:p>
-                <a:endParaRPr lang="en-US" altLang="zh-CN"/>
+                <a:endParaRPr lang="en-US" altLang="zh-CN" dirty="0"/>
               </a:p>
               <a:p>
                 <a:r>
-                  <a:rPr lang="en-US" altLang="zh-CN"/>
+                  <a:rPr lang="en-US" altLang="zh-CN" dirty="0"/>
                   <a:t>Nuclear Norm:</a:t>
                 </a:r>
               </a:p>
@@ -8797,12 +8797,12 @@
                     </m:oMath>
                   </m:oMathPara>
                 </a14:m>
-                <a:endParaRPr lang="zh-CN" altLang="en-US"/>
+                <a:endParaRPr lang="zh-CN" altLang="en-US" dirty="0"/>
               </a:p>
             </p:txBody>
           </p:sp>
         </mc:Choice>
-        <mc:Fallback>
+        <mc:Fallback xmlns="">
           <p:sp>
             <p:nvSpPr>
               <p:cNvPr id="3" name="内容占位符 2">
@@ -8936,6 +8936,44 @@
           </a:prstGeom>
         </p:spPr>
       </p:pic>
+      <p:sp>
+        <p:nvSpPr>
+          <p:cNvPr id="7" name="矩形 6">
+            <a:extLst>
+              <a:ext uri="{FF2B5EF4-FFF2-40B4-BE49-F238E27FC236}">
+                <a16:creationId xmlns:a16="http://schemas.microsoft.com/office/drawing/2014/main" id="{E43DE8EE-BF5D-4B94-A2CA-2A1FA7B1414D}"/>
+              </a:ext>
+            </a:extLst>
+          </p:cNvPr>
+          <p:cNvSpPr/>
+          <p:nvPr/>
+        </p:nvSpPr>
+        <p:spPr>
+          <a:xfrm>
+            <a:off x="1103738" y="3956066"/>
+            <a:ext cx="1569660" cy="369332"/>
+          </a:xfrm>
+          <a:prstGeom prst="rect">
+            <a:avLst/>
+          </a:prstGeom>
+        </p:spPr>
+        <p:txBody>
+          <a:bodyPr wrap="none">
+            <a:spAutoFit/>
+          </a:bodyPr>
+          <a:lstStyle/>
+          <a:p>
+            <a:r>
+              <a:rPr lang="zh-CN" altLang="en-US" i="1" dirty="0"/>
+              <a:t>弗罗伯尼</a:t>
+            </a:r>
+            <a:r>
+              <a:rPr lang="zh-CN" altLang="en-US" dirty="0"/>
+              <a:t>范数</a:t>
+            </a:r>
+          </a:p>
+        </p:txBody>
+      </p:sp>
     </p:spTree>
     <p:extLst>
       <p:ext uri="{BB962C8B-B14F-4D97-AF65-F5344CB8AC3E}">
@@ -8950,6 +8988,99 @@
 </file>
 
 <file path=ppt/slides/slide27.xml><?xml version="1.0" encoding="utf-8"?>
+<p:sld xmlns:a="http://schemas.openxmlformats.org/drawingml/2006/main" xmlns:r="http://schemas.openxmlformats.org/officeDocument/2006/relationships" xmlns:p="http://schemas.openxmlformats.org/presentationml/2006/main">
+  <p:cSld>
+    <p:spTree>
+      <p:nvGrpSpPr>
+        <p:cNvPr id="1" name=""/>
+        <p:cNvGrpSpPr/>
+        <p:nvPr/>
+      </p:nvGrpSpPr>
+      <p:grpSpPr>
+        <a:xfrm>
+          <a:off x="0" y="0"/>
+          <a:ext cx="0" cy="0"/>
+          <a:chOff x="0" y="0"/>
+          <a:chExt cx="0" cy="0"/>
+        </a:xfrm>
+      </p:grpSpPr>
+      <p:sp>
+        <p:nvSpPr>
+          <p:cNvPr id="2" name="标题 1">
+            <a:extLst>
+              <a:ext uri="{FF2B5EF4-FFF2-40B4-BE49-F238E27FC236}">
+                <a16:creationId xmlns:a16="http://schemas.microsoft.com/office/drawing/2014/main" id="{46CD768A-2190-4F6F-9140-5FDF05F734AE}"/>
+              </a:ext>
+            </a:extLst>
+          </p:cNvPr>
+          <p:cNvSpPr>
+            <a:spLocks noGrp="1"/>
+          </p:cNvSpPr>
+          <p:nvPr>
+            <p:ph type="title"/>
+          </p:nvPr>
+        </p:nvSpPr>
+        <p:spPr/>
+        <p:txBody>
+          <a:bodyPr/>
+          <a:lstStyle/>
+          <a:p>
+            <a:r>
+              <a:rPr lang="zh-CN" altLang="en-US"/>
+              <a:t>矩阵的迹</a:t>
+            </a:r>
+            <a:r>
+              <a:rPr lang="en-US" altLang="zh-CN"/>
+              <a:t>(Trace)</a:t>
+            </a:r>
+            <a:endParaRPr lang="zh-CN" altLang="en-US"/>
+          </a:p>
+        </p:txBody>
+      </p:sp>
+      <p:pic>
+        <p:nvPicPr>
+          <p:cNvPr id="4" name="图片 3">
+            <a:extLst>
+              <a:ext uri="{FF2B5EF4-FFF2-40B4-BE49-F238E27FC236}">
+                <a16:creationId xmlns:a16="http://schemas.microsoft.com/office/drawing/2014/main" id="{21432BE3-1B6E-4A6E-880E-3A56BE783994}"/>
+              </a:ext>
+            </a:extLst>
+          </p:cNvPr>
+          <p:cNvPicPr>
+            <a:picLocks noChangeAspect="1"/>
+          </p:cNvPicPr>
+          <p:nvPr/>
+        </p:nvPicPr>
+        <p:blipFill>
+          <a:blip r:embed="rId2"/>
+          <a:stretch>
+            <a:fillRect/>
+          </a:stretch>
+        </p:blipFill>
+        <p:spPr>
+          <a:xfrm>
+            <a:off x="796604" y="2186361"/>
+            <a:ext cx="2952750" cy="1085850"/>
+          </a:xfrm>
+          <a:prstGeom prst="rect">
+            <a:avLst/>
+          </a:prstGeom>
+        </p:spPr>
+      </p:pic>
+    </p:spTree>
+    <p:extLst>
+      <p:ext uri="{BB962C8B-B14F-4D97-AF65-F5344CB8AC3E}">
+        <p14:creationId xmlns:p14="http://schemas.microsoft.com/office/powerpoint/2010/main" val="2300940095"/>
+      </p:ext>
+    </p:extLst>
+  </p:cSld>
+  <p:clrMapOvr>
+    <a:masterClrMapping/>
+  </p:clrMapOvr>
+</p:sld>
+</file>
+
+<file path=ppt/slides/slide28.xml><?xml version="1.0" encoding="utf-8"?>
 <p:sld xmlns:a="http://schemas.openxmlformats.org/drawingml/2006/main" xmlns:r="http://schemas.openxmlformats.org/officeDocument/2006/relationships" xmlns:p="http://schemas.openxmlformats.org/presentationml/2006/main">
   <p:cSld>
     <p:spTree>
@@ -9172,7 +9303,7 @@
 </p:sld>
 </file>
 
-<file path=ppt/slides/slide28.xml><?xml version="1.0" encoding="utf-8"?>
+<file path=ppt/slides/slide29.xml><?xml version="1.0" encoding="utf-8"?>
 <p:sld xmlns:a="http://schemas.openxmlformats.org/drawingml/2006/main" xmlns:r="http://schemas.openxmlformats.org/officeDocument/2006/relationships" xmlns:p="http://schemas.openxmlformats.org/presentationml/2006/main">
   <p:cSld>
     <p:spTree>
@@ -9344,7 +9475,100 @@
 </p:sld>
 </file>
 
-<file path=ppt/slides/slide29.xml><?xml version="1.0" encoding="utf-8"?>
+<file path=ppt/slides/slide3.xml><?xml version="1.0" encoding="utf-8"?>
+<p:sld xmlns:a="http://schemas.openxmlformats.org/drawingml/2006/main" xmlns:r="http://schemas.openxmlformats.org/officeDocument/2006/relationships" xmlns:p="http://schemas.openxmlformats.org/presentationml/2006/main">
+  <p:cSld>
+    <p:spTree>
+      <p:nvGrpSpPr>
+        <p:cNvPr id="1" name=""/>
+        <p:cNvGrpSpPr/>
+        <p:nvPr/>
+      </p:nvGrpSpPr>
+      <p:grpSpPr>
+        <a:xfrm>
+          <a:off x="0" y="0"/>
+          <a:ext cx="0" cy="0"/>
+          <a:chOff x="0" y="0"/>
+          <a:chExt cx="0" cy="0"/>
+        </a:xfrm>
+      </p:grpSpPr>
+      <p:sp>
+        <p:nvSpPr>
+          <p:cNvPr id="2" name="标题 1">
+            <a:extLst>
+              <a:ext uri="{FF2B5EF4-FFF2-40B4-BE49-F238E27FC236}">
+                <a16:creationId xmlns:a16="http://schemas.microsoft.com/office/drawing/2014/main" id="{D6F1C6F6-2302-4965-A8E8-84D460321606}"/>
+              </a:ext>
+            </a:extLst>
+          </p:cNvPr>
+          <p:cNvSpPr>
+            <a:spLocks noGrp="1"/>
+          </p:cNvSpPr>
+          <p:nvPr>
+            <p:ph type="title"/>
+          </p:nvPr>
+        </p:nvSpPr>
+        <p:spPr/>
+        <p:txBody>
+          <a:bodyPr/>
+          <a:lstStyle/>
+          <a:p>
+            <a:r>
+              <a:rPr lang="zh-CN" altLang="en-US"/>
+              <a:t>世界背后是一张张表格（矩阵）</a:t>
+            </a:r>
+          </a:p>
+        </p:txBody>
+      </p:sp>
+      <p:pic>
+        <p:nvPicPr>
+          <p:cNvPr id="5" name="内容占位符 4">
+            <a:extLst>
+              <a:ext uri="{FF2B5EF4-FFF2-40B4-BE49-F238E27FC236}">
+                <a16:creationId xmlns:a16="http://schemas.microsoft.com/office/drawing/2014/main" id="{9D7DC02C-C0F8-4F37-B845-31827CD17316}"/>
+              </a:ext>
+            </a:extLst>
+          </p:cNvPr>
+          <p:cNvPicPr>
+            <a:picLocks noGrp="1" noChangeAspect="1"/>
+          </p:cNvPicPr>
+          <p:nvPr>
+            <p:ph idx="1"/>
+          </p:nvPr>
+        </p:nvPicPr>
+        <p:blipFill>
+          <a:blip r:embed="rId2">
+            <a:extLst>
+              <a:ext uri="{28A0092B-C50C-407E-A947-70E740481C1C}">
+                <a14:useLocalDpi xmlns:a14="http://schemas.microsoft.com/office/drawing/2010/main" val="0"/>
+              </a:ext>
+            </a:extLst>
+          </a:blip>
+          <a:stretch>
+            <a:fillRect/>
+          </a:stretch>
+        </p:blipFill>
+        <p:spPr>
+          <a:xfrm>
+            <a:off x="407520" y="2028335"/>
+            <a:ext cx="10115593" cy="4261147"/>
+          </a:xfrm>
+        </p:spPr>
+      </p:pic>
+    </p:spTree>
+    <p:extLst>
+      <p:ext uri="{BB962C8B-B14F-4D97-AF65-F5344CB8AC3E}">
+        <p14:creationId xmlns:p14="http://schemas.microsoft.com/office/powerpoint/2010/main" val="98106338"/>
+      </p:ext>
+    </p:extLst>
+  </p:cSld>
+  <p:clrMapOvr>
+    <a:masterClrMapping/>
+  </p:clrMapOvr>
+</p:sld>
+</file>
+
+<file path=ppt/slides/slide30.xml><?xml version="1.0" encoding="utf-8"?>
 <p:sld xmlns:a="http://schemas.openxmlformats.org/drawingml/2006/main" xmlns:r="http://schemas.openxmlformats.org/officeDocument/2006/relationships" xmlns:p="http://schemas.openxmlformats.org/presentationml/2006/main">
   <p:cSld>
     <p:spTree>
@@ -9514,100 +9738,7 @@
 </p:sld>
 </file>
 
-<file path=ppt/slides/slide3.xml><?xml version="1.0" encoding="utf-8"?>
-<p:sld xmlns:a="http://schemas.openxmlformats.org/drawingml/2006/main" xmlns:r="http://schemas.openxmlformats.org/officeDocument/2006/relationships" xmlns:p="http://schemas.openxmlformats.org/presentationml/2006/main">
-  <p:cSld>
-    <p:spTree>
-      <p:nvGrpSpPr>
-        <p:cNvPr id="1" name=""/>
-        <p:cNvGrpSpPr/>
-        <p:nvPr/>
-      </p:nvGrpSpPr>
-      <p:grpSpPr>
-        <a:xfrm>
-          <a:off x="0" y="0"/>
-          <a:ext cx="0" cy="0"/>
-          <a:chOff x="0" y="0"/>
-          <a:chExt cx="0" cy="0"/>
-        </a:xfrm>
-      </p:grpSpPr>
-      <p:sp>
-        <p:nvSpPr>
-          <p:cNvPr id="2" name="标题 1">
-            <a:extLst>
-              <a:ext uri="{FF2B5EF4-FFF2-40B4-BE49-F238E27FC236}">
-                <a16:creationId xmlns:a16="http://schemas.microsoft.com/office/drawing/2014/main" id="{D6F1C6F6-2302-4965-A8E8-84D460321606}"/>
-              </a:ext>
-            </a:extLst>
-          </p:cNvPr>
-          <p:cNvSpPr>
-            <a:spLocks noGrp="1"/>
-          </p:cNvSpPr>
-          <p:nvPr>
-            <p:ph type="title"/>
-          </p:nvPr>
-        </p:nvSpPr>
-        <p:spPr/>
-        <p:txBody>
-          <a:bodyPr/>
-          <a:lstStyle/>
-          <a:p>
-            <a:r>
-              <a:rPr lang="zh-CN" altLang="en-US"/>
-              <a:t>世界背后是一张张表格（矩阵）</a:t>
-            </a:r>
-          </a:p>
-        </p:txBody>
-      </p:sp>
-      <p:pic>
-        <p:nvPicPr>
-          <p:cNvPr id="5" name="内容占位符 4">
-            <a:extLst>
-              <a:ext uri="{FF2B5EF4-FFF2-40B4-BE49-F238E27FC236}">
-                <a16:creationId xmlns:a16="http://schemas.microsoft.com/office/drawing/2014/main" id="{9D7DC02C-C0F8-4F37-B845-31827CD17316}"/>
-              </a:ext>
-            </a:extLst>
-          </p:cNvPr>
-          <p:cNvPicPr>
-            <a:picLocks noGrp="1" noChangeAspect="1"/>
-          </p:cNvPicPr>
-          <p:nvPr>
-            <p:ph idx="1"/>
-          </p:nvPr>
-        </p:nvPicPr>
-        <p:blipFill>
-          <a:blip r:embed="rId2">
-            <a:extLst>
-              <a:ext uri="{28A0092B-C50C-407E-A947-70E740481C1C}">
-                <a14:useLocalDpi xmlns:a14="http://schemas.microsoft.com/office/drawing/2010/main" val="0"/>
-              </a:ext>
-            </a:extLst>
-          </a:blip>
-          <a:stretch>
-            <a:fillRect/>
-          </a:stretch>
-        </p:blipFill>
-        <p:spPr>
-          <a:xfrm>
-            <a:off x="407520" y="2028335"/>
-            <a:ext cx="10115593" cy="4261147"/>
-          </a:xfrm>
-        </p:spPr>
-      </p:pic>
-    </p:spTree>
-    <p:extLst>
-      <p:ext uri="{BB962C8B-B14F-4D97-AF65-F5344CB8AC3E}">
-        <p14:creationId xmlns:p14="http://schemas.microsoft.com/office/powerpoint/2010/main" val="98106338"/>
-      </p:ext>
-    </p:extLst>
-  </p:cSld>
-  <p:clrMapOvr>
-    <a:masterClrMapping/>
-  </p:clrMapOvr>
-</p:sld>
-</file>
-
-<file path=ppt/slides/slide30.xml><?xml version="1.0" encoding="utf-8"?>
+<file path=ppt/slides/slide31.xml><?xml version="1.0" encoding="utf-8"?>
 <p:sld xmlns:a="http://schemas.openxmlformats.org/drawingml/2006/main" xmlns:r="http://schemas.openxmlformats.org/officeDocument/2006/relationships" xmlns:p="http://schemas.openxmlformats.org/presentationml/2006/main">
   <p:cSld>
     <p:spTree>
@@ -9700,103 +9831,6 @@
     <p:extLst>
       <p:ext uri="{BB962C8B-B14F-4D97-AF65-F5344CB8AC3E}">
         <p14:creationId xmlns:p14="http://schemas.microsoft.com/office/powerpoint/2010/main" val="3882466410"/>
-      </p:ext>
-    </p:extLst>
-  </p:cSld>
-  <p:clrMapOvr>
-    <a:masterClrMapping/>
-  </p:clrMapOvr>
-</p:sld>
-</file>
-
-<file path=ppt/slides/slide31.xml><?xml version="1.0" encoding="utf-8"?>
-<p:sld xmlns:a="http://schemas.openxmlformats.org/drawingml/2006/main" xmlns:r="http://schemas.openxmlformats.org/officeDocument/2006/relationships" xmlns:p="http://schemas.openxmlformats.org/presentationml/2006/main">
-  <p:cSld>
-    <p:spTree>
-      <p:nvGrpSpPr>
-        <p:cNvPr id="1" name=""/>
-        <p:cNvGrpSpPr/>
-        <p:nvPr/>
-      </p:nvGrpSpPr>
-      <p:grpSpPr>
-        <a:xfrm>
-          <a:off x="0" y="0"/>
-          <a:ext cx="0" cy="0"/>
-          <a:chOff x="0" y="0"/>
-          <a:chExt cx="0" cy="0"/>
-        </a:xfrm>
-      </p:grpSpPr>
-      <p:sp>
-        <p:nvSpPr>
-          <p:cNvPr id="2" name="标题 1">
-            <a:extLst>
-              <a:ext uri="{FF2B5EF4-FFF2-40B4-BE49-F238E27FC236}">
-                <a16:creationId xmlns:a16="http://schemas.microsoft.com/office/drawing/2014/main" id="{DEC87452-F074-4CA0-8558-ABE3976954DA}"/>
-              </a:ext>
-            </a:extLst>
-          </p:cNvPr>
-          <p:cNvSpPr>
-            <a:spLocks noGrp="1"/>
-          </p:cNvSpPr>
-          <p:nvPr>
-            <p:ph type="title"/>
-          </p:nvPr>
-        </p:nvSpPr>
-        <p:spPr/>
-        <p:txBody>
-          <a:bodyPr/>
-          <a:lstStyle/>
-          <a:p>
-            <a:r>
-              <a:rPr lang="en-US" altLang="zh-CN"/>
-              <a:t>PCA</a:t>
-            </a:r>
-            <a:r>
-              <a:rPr lang="zh-CN" altLang="en-US"/>
-              <a:t>可以展示高维数据的主要情况</a:t>
-            </a:r>
-          </a:p>
-        </p:txBody>
-      </p:sp>
-      <p:pic>
-        <p:nvPicPr>
-          <p:cNvPr id="5" name="内容占位符 4">
-            <a:extLst>
-              <a:ext uri="{FF2B5EF4-FFF2-40B4-BE49-F238E27FC236}">
-                <a16:creationId xmlns:a16="http://schemas.microsoft.com/office/drawing/2014/main" id="{2A96C954-4312-4094-8A80-FF7BC2A1D418}"/>
-              </a:ext>
-            </a:extLst>
-          </p:cNvPr>
-          <p:cNvPicPr>
-            <a:picLocks noGrp="1" noChangeAspect="1"/>
-          </p:cNvPicPr>
-          <p:nvPr>
-            <p:ph idx="1"/>
-          </p:nvPr>
-        </p:nvPicPr>
-        <p:blipFill>
-          <a:blip r:embed="rId2">
-            <a:extLst>
-              <a:ext uri="{28A0092B-C50C-407E-A947-70E740481C1C}">
-                <a14:useLocalDpi xmlns:a14="http://schemas.microsoft.com/office/drawing/2010/main" val="0"/>
-              </a:ext>
-            </a:extLst>
-          </a:blip>
-          <a:stretch>
-            <a:fillRect/>
-          </a:stretch>
-        </p:blipFill>
-        <p:spPr>
-          <a:xfrm>
-            <a:off x="3013543" y="1340358"/>
-            <a:ext cx="4086971" cy="5311338"/>
-          </a:xfrm>
-        </p:spPr>
-      </p:pic>
-    </p:spTree>
-    <p:extLst>
-      <p:ext uri="{BB962C8B-B14F-4D97-AF65-F5344CB8AC3E}">
-        <p14:creationId xmlns:p14="http://schemas.microsoft.com/office/powerpoint/2010/main" val="3328974395"/>
       </p:ext>
     </p:extLst>
   </p:cSld>
@@ -9904,6 +9938,103 @@
 </file>
 
 <file path=ppt/slides/slide33.xml><?xml version="1.0" encoding="utf-8"?>
+<p:sld xmlns:a="http://schemas.openxmlformats.org/drawingml/2006/main" xmlns:r="http://schemas.openxmlformats.org/officeDocument/2006/relationships" xmlns:p="http://schemas.openxmlformats.org/presentationml/2006/main">
+  <p:cSld>
+    <p:spTree>
+      <p:nvGrpSpPr>
+        <p:cNvPr id="1" name=""/>
+        <p:cNvGrpSpPr/>
+        <p:nvPr/>
+      </p:nvGrpSpPr>
+      <p:grpSpPr>
+        <a:xfrm>
+          <a:off x="0" y="0"/>
+          <a:ext cx="0" cy="0"/>
+          <a:chOff x="0" y="0"/>
+          <a:chExt cx="0" cy="0"/>
+        </a:xfrm>
+      </p:grpSpPr>
+      <p:sp>
+        <p:nvSpPr>
+          <p:cNvPr id="2" name="标题 1">
+            <a:extLst>
+              <a:ext uri="{FF2B5EF4-FFF2-40B4-BE49-F238E27FC236}">
+                <a16:creationId xmlns:a16="http://schemas.microsoft.com/office/drawing/2014/main" id="{DEC87452-F074-4CA0-8558-ABE3976954DA}"/>
+              </a:ext>
+            </a:extLst>
+          </p:cNvPr>
+          <p:cNvSpPr>
+            <a:spLocks noGrp="1"/>
+          </p:cNvSpPr>
+          <p:nvPr>
+            <p:ph type="title"/>
+          </p:nvPr>
+        </p:nvSpPr>
+        <p:spPr/>
+        <p:txBody>
+          <a:bodyPr/>
+          <a:lstStyle/>
+          <a:p>
+            <a:r>
+              <a:rPr lang="en-US" altLang="zh-CN"/>
+              <a:t>PCA</a:t>
+            </a:r>
+            <a:r>
+              <a:rPr lang="zh-CN" altLang="en-US"/>
+              <a:t>可以展示高维数据的主要情况</a:t>
+            </a:r>
+          </a:p>
+        </p:txBody>
+      </p:sp>
+      <p:pic>
+        <p:nvPicPr>
+          <p:cNvPr id="5" name="内容占位符 4">
+            <a:extLst>
+              <a:ext uri="{FF2B5EF4-FFF2-40B4-BE49-F238E27FC236}">
+                <a16:creationId xmlns:a16="http://schemas.microsoft.com/office/drawing/2014/main" id="{2A96C954-4312-4094-8A80-FF7BC2A1D418}"/>
+              </a:ext>
+            </a:extLst>
+          </p:cNvPr>
+          <p:cNvPicPr>
+            <a:picLocks noGrp="1" noChangeAspect="1"/>
+          </p:cNvPicPr>
+          <p:nvPr>
+            <p:ph idx="1"/>
+          </p:nvPr>
+        </p:nvPicPr>
+        <p:blipFill>
+          <a:blip r:embed="rId2">
+            <a:extLst>
+              <a:ext uri="{28A0092B-C50C-407E-A947-70E740481C1C}">
+                <a14:useLocalDpi xmlns:a14="http://schemas.microsoft.com/office/drawing/2010/main" val="0"/>
+              </a:ext>
+            </a:extLst>
+          </a:blip>
+          <a:stretch>
+            <a:fillRect/>
+          </a:stretch>
+        </p:blipFill>
+        <p:spPr>
+          <a:xfrm>
+            <a:off x="3013543" y="1340358"/>
+            <a:ext cx="4086971" cy="5311338"/>
+          </a:xfrm>
+        </p:spPr>
+      </p:pic>
+    </p:spTree>
+    <p:extLst>
+      <p:ext uri="{BB962C8B-B14F-4D97-AF65-F5344CB8AC3E}">
+        <p14:creationId xmlns:p14="http://schemas.microsoft.com/office/powerpoint/2010/main" val="3328974395"/>
+      </p:ext>
+    </p:extLst>
+  </p:cSld>
+  <p:clrMapOvr>
+    <a:masterClrMapping/>
+  </p:clrMapOvr>
+</p:sld>
+</file>
+
+<file path=ppt/slides/slide34.xml><?xml version="1.0" encoding="utf-8"?>
 <p:sld xmlns:a="http://schemas.openxmlformats.org/drawingml/2006/main" xmlns:r="http://schemas.openxmlformats.org/officeDocument/2006/relationships" xmlns:p="http://schemas.openxmlformats.org/presentationml/2006/main">
   <p:cSld>
     <p:spTree>
@@ -10207,129 +10338,6 @@
     <p:extLst>
       <p:ext uri="{BB962C8B-B14F-4D97-AF65-F5344CB8AC3E}">
         <p14:creationId xmlns:p14="http://schemas.microsoft.com/office/powerpoint/2010/main" val="1446051261"/>
-      </p:ext>
-    </p:extLst>
-  </p:cSld>
-  <p:clrMapOvr>
-    <a:masterClrMapping/>
-  </p:clrMapOvr>
-</p:sld>
-</file>
-
-<file path=ppt/slides/slide34.xml><?xml version="1.0" encoding="utf-8"?>
-<p:sld xmlns:a="http://schemas.openxmlformats.org/drawingml/2006/main" xmlns:r="http://schemas.openxmlformats.org/officeDocument/2006/relationships" xmlns:p="http://schemas.openxmlformats.org/presentationml/2006/main">
-  <p:cSld>
-    <p:spTree>
-      <p:nvGrpSpPr>
-        <p:cNvPr id="1" name=""/>
-        <p:cNvGrpSpPr/>
-        <p:nvPr/>
-      </p:nvGrpSpPr>
-      <p:grpSpPr>
-        <a:xfrm>
-          <a:off x="0" y="0"/>
-          <a:ext cx="0" cy="0"/>
-          <a:chOff x="0" y="0"/>
-          <a:chExt cx="0" cy="0"/>
-        </a:xfrm>
-      </p:grpSpPr>
-      <p:sp>
-        <p:nvSpPr>
-          <p:cNvPr id="2" name="标题 1">
-            <a:extLst>
-              <a:ext uri="{FF2B5EF4-FFF2-40B4-BE49-F238E27FC236}">
-                <a16:creationId xmlns:a16="http://schemas.microsoft.com/office/drawing/2014/main" id="{46CD768A-2190-4F6F-9140-5FDF05F734AE}"/>
-              </a:ext>
-            </a:extLst>
-          </p:cNvPr>
-          <p:cNvSpPr>
-            <a:spLocks noGrp="1"/>
-          </p:cNvSpPr>
-          <p:nvPr>
-            <p:ph type="title"/>
-          </p:nvPr>
-        </p:nvSpPr>
-        <p:spPr/>
-        <p:txBody>
-          <a:bodyPr/>
-          <a:lstStyle/>
-          <a:p>
-            <a:r>
-              <a:rPr lang="zh-CN" altLang="en-US"/>
-              <a:t>矩阵的迹</a:t>
-            </a:r>
-            <a:r>
-              <a:rPr lang="en-US" altLang="zh-CN"/>
-              <a:t>(Trace)</a:t>
-            </a:r>
-            <a:endParaRPr lang="zh-CN" altLang="en-US"/>
-          </a:p>
-        </p:txBody>
-      </p:sp>
-      <p:pic>
-        <p:nvPicPr>
-          <p:cNvPr id="4" name="图片 3">
-            <a:extLst>
-              <a:ext uri="{FF2B5EF4-FFF2-40B4-BE49-F238E27FC236}">
-                <a16:creationId xmlns:a16="http://schemas.microsoft.com/office/drawing/2014/main" id="{21432BE3-1B6E-4A6E-880E-3A56BE783994}"/>
-              </a:ext>
-            </a:extLst>
-          </p:cNvPr>
-          <p:cNvPicPr>
-            <a:picLocks noChangeAspect="1"/>
-          </p:cNvPicPr>
-          <p:nvPr/>
-        </p:nvPicPr>
-        <p:blipFill>
-          <a:blip r:embed="rId2"/>
-          <a:stretch>
-            <a:fillRect/>
-          </a:stretch>
-        </p:blipFill>
-        <p:spPr>
-          <a:xfrm>
-            <a:off x="796604" y="2186361"/>
-            <a:ext cx="2952750" cy="1085850"/>
-          </a:xfrm>
-          <a:prstGeom prst="rect">
-            <a:avLst/>
-          </a:prstGeom>
-        </p:spPr>
-      </p:pic>
-      <p:pic>
-        <p:nvPicPr>
-          <p:cNvPr id="5" name="图片 4">
-            <a:extLst>
-              <a:ext uri="{FF2B5EF4-FFF2-40B4-BE49-F238E27FC236}">
-                <a16:creationId xmlns:a16="http://schemas.microsoft.com/office/drawing/2014/main" id="{079F84AD-39D4-486C-828A-C6C7AF50B84F}"/>
-              </a:ext>
-            </a:extLst>
-          </p:cNvPr>
-          <p:cNvPicPr>
-            <a:picLocks noChangeAspect="1"/>
-          </p:cNvPicPr>
-          <p:nvPr/>
-        </p:nvPicPr>
-        <p:blipFill>
-          <a:blip r:embed="rId3"/>
-          <a:stretch>
-            <a:fillRect/>
-          </a:stretch>
-        </p:blipFill>
-        <p:spPr>
-          <a:xfrm>
-            <a:off x="734673" y="4533445"/>
-            <a:ext cx="3686175" cy="923925"/>
-          </a:xfrm>
-          <a:prstGeom prst="rect">
-            <a:avLst/>
-          </a:prstGeom>
-        </p:spPr>
-      </p:pic>
-    </p:spTree>
-    <p:extLst>
-      <p:ext uri="{BB962C8B-B14F-4D97-AF65-F5344CB8AC3E}">
-        <p14:creationId xmlns:p14="http://schemas.microsoft.com/office/powerpoint/2010/main" val="2203492243"/>
       </p:ext>
     </p:extLst>
   </p:cSld>

--- a/1_linear_algebra.pptx
+++ b/1_linear_algebra.pptx
@@ -10,37 +10,40 @@
     <p:sldId id="261" r:id="rId4"/>
     <p:sldId id="284" r:id="rId5"/>
     <p:sldId id="263" r:id="rId6"/>
-    <p:sldId id="265" r:id="rId7"/>
-    <p:sldId id="264" r:id="rId8"/>
-    <p:sldId id="285" r:id="rId9"/>
-    <p:sldId id="270" r:id="rId10"/>
-    <p:sldId id="286" r:id="rId11"/>
-    <p:sldId id="262" r:id="rId12"/>
-    <p:sldId id="257" r:id="rId13"/>
-    <p:sldId id="259" r:id="rId14"/>
-    <p:sldId id="266" r:id="rId15"/>
-    <p:sldId id="267" r:id="rId16"/>
-    <p:sldId id="268" r:id="rId17"/>
-    <p:sldId id="287" r:id="rId18"/>
-    <p:sldId id="288" r:id="rId19"/>
-    <p:sldId id="289" r:id="rId20"/>
-    <p:sldId id="269" r:id="rId21"/>
-    <p:sldId id="271" r:id="rId22"/>
-    <p:sldId id="272" r:id="rId23"/>
-    <p:sldId id="273" r:id="rId24"/>
-    <p:sldId id="278" r:id="rId25"/>
-    <p:sldId id="274" r:id="rId26"/>
-    <p:sldId id="275" r:id="rId27"/>
-    <p:sldId id="281" r:id="rId28"/>
-    <p:sldId id="276" r:id="rId29"/>
-    <p:sldId id="277" r:id="rId30"/>
-    <p:sldId id="279" r:id="rId31"/>
-    <p:sldId id="290" r:id="rId32"/>
-    <p:sldId id="291" r:id="rId33"/>
-    <p:sldId id="292" r:id="rId34"/>
-    <p:sldId id="280" r:id="rId35"/>
-    <p:sldId id="282" r:id="rId36"/>
-    <p:sldId id="283" r:id="rId37"/>
+    <p:sldId id="293" r:id="rId7"/>
+    <p:sldId id="294" r:id="rId8"/>
+    <p:sldId id="265" r:id="rId9"/>
+    <p:sldId id="264" r:id="rId10"/>
+    <p:sldId id="285" r:id="rId11"/>
+    <p:sldId id="270" r:id="rId12"/>
+    <p:sldId id="286" r:id="rId13"/>
+    <p:sldId id="262" r:id="rId14"/>
+    <p:sldId id="257" r:id="rId15"/>
+    <p:sldId id="259" r:id="rId16"/>
+    <p:sldId id="266" r:id="rId17"/>
+    <p:sldId id="267" r:id="rId18"/>
+    <p:sldId id="268" r:id="rId19"/>
+    <p:sldId id="287" r:id="rId20"/>
+    <p:sldId id="288" r:id="rId21"/>
+    <p:sldId id="289" r:id="rId22"/>
+    <p:sldId id="269" r:id="rId23"/>
+    <p:sldId id="271" r:id="rId24"/>
+    <p:sldId id="272" r:id="rId25"/>
+    <p:sldId id="273" r:id="rId26"/>
+    <p:sldId id="278" r:id="rId27"/>
+    <p:sldId id="274" r:id="rId28"/>
+    <p:sldId id="275" r:id="rId29"/>
+    <p:sldId id="281" r:id="rId30"/>
+    <p:sldId id="276" r:id="rId31"/>
+    <p:sldId id="277" r:id="rId32"/>
+    <p:sldId id="279" r:id="rId33"/>
+    <p:sldId id="290" r:id="rId34"/>
+    <p:sldId id="291" r:id="rId35"/>
+    <p:sldId id="292" r:id="rId36"/>
+    <p:sldId id="295" r:id="rId37"/>
+    <p:sldId id="280" r:id="rId38"/>
+    <p:sldId id="282" r:id="rId39"/>
+    <p:sldId id="283" r:id="rId40"/>
   </p:sldIdLst>
   <p:sldSz cx="12192000" cy="6858000"/>
   <p:notesSz cx="6858000" cy="9144000"/>
@@ -5968,6 +5971,1680 @@
           <p:cNvPr id="2" name="标题 1">
             <a:extLst>
               <a:ext uri="{FF2B5EF4-FFF2-40B4-BE49-F238E27FC236}">
+                <a16:creationId xmlns:a16="http://schemas.microsoft.com/office/drawing/2014/main" id="{78E3CA6F-074F-4F4B-AA94-2E925A17F53B}"/>
+              </a:ext>
+            </a:extLst>
+          </p:cNvPr>
+          <p:cNvSpPr>
+            <a:spLocks noGrp="1"/>
+          </p:cNvSpPr>
+          <p:nvPr>
+            <p:ph type="title"/>
+          </p:nvPr>
+        </p:nvSpPr>
+        <p:spPr/>
+        <p:txBody>
+          <a:bodyPr/>
+          <a:lstStyle/>
+          <a:p>
+            <a:r>
+              <a:rPr lang="en-US" altLang="zh-CN"/>
+              <a:t>2</a:t>
+            </a:r>
+            <a:r>
+              <a:rPr lang="zh-CN" altLang="en-US"/>
+              <a:t>维变换矩阵</a:t>
+            </a:r>
+          </a:p>
+        </p:txBody>
+      </p:sp>
+      <p:pic>
+        <p:nvPicPr>
+          <p:cNvPr id="5" name="内容占位符 4">
+            <a:extLst>
+              <a:ext uri="{FF2B5EF4-FFF2-40B4-BE49-F238E27FC236}">
+                <a16:creationId xmlns:a16="http://schemas.microsoft.com/office/drawing/2014/main" id="{F938C350-66EC-4E15-BE3C-D77E3B9847B6}"/>
+              </a:ext>
+            </a:extLst>
+          </p:cNvPr>
+          <p:cNvPicPr>
+            <a:picLocks noGrp="1" noChangeAspect="1"/>
+          </p:cNvPicPr>
+          <p:nvPr>
+            <p:ph idx="1"/>
+          </p:nvPr>
+        </p:nvPicPr>
+        <p:blipFill>
+          <a:blip r:embed="rId2">
+            <a:extLst>
+              <a:ext uri="{28A0092B-C50C-407E-A947-70E740481C1C}">
+                <a14:useLocalDpi xmlns:a14="http://schemas.microsoft.com/office/drawing/2010/main" val="0"/>
+              </a:ext>
+            </a:extLst>
+          </a:blip>
+          <a:stretch>
+            <a:fillRect/>
+          </a:stretch>
+        </p:blipFill>
+        <p:spPr>
+          <a:xfrm>
+            <a:off x="2925950" y="1445314"/>
+            <a:ext cx="3999636" cy="5336182"/>
+          </a:xfrm>
+        </p:spPr>
+      </p:pic>
+    </p:spTree>
+    <p:extLst>
+      <p:ext uri="{BB962C8B-B14F-4D97-AF65-F5344CB8AC3E}">
+        <p14:creationId xmlns:p14="http://schemas.microsoft.com/office/powerpoint/2010/main" val="417493041"/>
+      </p:ext>
+    </p:extLst>
+  </p:cSld>
+  <p:clrMapOvr>
+    <a:masterClrMapping/>
+  </p:clrMapOvr>
+</p:sld>
+</file>
+
+<file path=ppt/slides/slide11.xml><?xml version="1.0" encoding="utf-8"?>
+<p:sld xmlns:a="http://schemas.openxmlformats.org/drawingml/2006/main" xmlns:r="http://schemas.openxmlformats.org/officeDocument/2006/relationships" xmlns:p="http://schemas.openxmlformats.org/presentationml/2006/main">
+  <p:cSld>
+    <p:spTree>
+      <p:nvGrpSpPr>
+        <p:cNvPr id="1" name=""/>
+        <p:cNvGrpSpPr/>
+        <p:nvPr/>
+      </p:nvGrpSpPr>
+      <p:grpSpPr>
+        <a:xfrm>
+          <a:off x="0" y="0"/>
+          <a:ext cx="0" cy="0"/>
+          <a:chOff x="0" y="0"/>
+          <a:chExt cx="0" cy="0"/>
+        </a:xfrm>
+      </p:grpSpPr>
+      <p:sp>
+        <p:nvSpPr>
+          <p:cNvPr id="2" name="标题 1">
+            <a:extLst>
+              <a:ext uri="{FF2B5EF4-FFF2-40B4-BE49-F238E27FC236}">
+                <a16:creationId xmlns:a16="http://schemas.microsoft.com/office/drawing/2014/main" id="{0E1EA3C4-9299-488E-AFEB-669199C7198F}"/>
+              </a:ext>
+            </a:extLst>
+          </p:cNvPr>
+          <p:cNvSpPr>
+            <a:spLocks noGrp="1"/>
+          </p:cNvSpPr>
+          <p:nvPr>
+            <p:ph type="title"/>
+          </p:nvPr>
+        </p:nvSpPr>
+        <p:spPr/>
+        <p:txBody>
+          <a:bodyPr/>
+          <a:lstStyle/>
+          <a:p>
+            <a:r>
+              <a:rPr lang="zh-CN" altLang="en-US"/>
+              <a:t>矩阵即是数据，也是函数（运动）</a:t>
+            </a:r>
+          </a:p>
+        </p:txBody>
+      </p:sp>
+      <p:graphicFrame>
+        <p:nvGraphicFramePr>
+          <p:cNvPr id="5" name="内容占位符 4">
+            <a:extLst>
+              <a:ext uri="{FF2B5EF4-FFF2-40B4-BE49-F238E27FC236}">
+                <a16:creationId xmlns:a16="http://schemas.microsoft.com/office/drawing/2014/main" id="{DF21155C-9288-4140-A8EF-B809B4798E35}"/>
+              </a:ext>
+            </a:extLst>
+          </p:cNvPr>
+          <p:cNvGraphicFramePr>
+            <a:graphicFrameLocks noGrp="1"/>
+          </p:cNvGraphicFramePr>
+          <p:nvPr>
+            <p:ph idx="1"/>
+            <p:extLst>
+              <p:ext uri="{D42A27DB-BD31-4B8C-83A1-F6EECF244321}">
+                <p14:modId xmlns:p14="http://schemas.microsoft.com/office/powerpoint/2010/main" val="840341758"/>
+              </p:ext>
+            </p:extLst>
+          </p:nvPr>
+        </p:nvGraphicFramePr>
+        <p:xfrm>
+          <a:off x="174929" y="3411109"/>
+          <a:ext cx="3767301" cy="683812"/>
+        </p:xfrm>
+        <a:graphic>
+          <a:graphicData uri="http://schemas.openxmlformats.org/drawingml/2006/table">
+            <a:tbl>
+              <a:tblPr>
+                <a:tableStyleId>{5C22544A-7EE6-4342-B048-85BDC9FD1C3A}</a:tableStyleId>
+              </a:tblPr>
+              <a:tblGrid>
+                <a:gridCol w="762952">
+                  <a:extLst>
+                    <a:ext uri="{9D8B030D-6E8A-4147-A177-3AD203B41FA5}">
+                      <a16:colId xmlns:a16="http://schemas.microsoft.com/office/drawing/2014/main" val="4010539326"/>
+                    </a:ext>
+                  </a:extLst>
+                </a:gridCol>
+                <a:gridCol w="509512">
+                  <a:extLst>
+                    <a:ext uri="{9D8B030D-6E8A-4147-A177-3AD203B41FA5}">
+                      <a16:colId xmlns:a16="http://schemas.microsoft.com/office/drawing/2014/main" val="3600574052"/>
+                    </a:ext>
+                  </a:extLst>
+                </a:gridCol>
+                <a:gridCol w="764540">
+                  <a:extLst>
+                    <a:ext uri="{9D8B030D-6E8A-4147-A177-3AD203B41FA5}">
+                      <a16:colId xmlns:a16="http://schemas.microsoft.com/office/drawing/2014/main" val="1290845955"/>
+                    </a:ext>
+                  </a:extLst>
+                </a:gridCol>
+                <a:gridCol w="535940">
+                  <a:extLst>
+                    <a:ext uri="{9D8B030D-6E8A-4147-A177-3AD203B41FA5}">
+                      <a16:colId xmlns:a16="http://schemas.microsoft.com/office/drawing/2014/main" val="3311088961"/>
+                    </a:ext>
+                  </a:extLst>
+                </a:gridCol>
+                <a:gridCol w="1194357">
+                  <a:extLst>
+                    <a:ext uri="{9D8B030D-6E8A-4147-A177-3AD203B41FA5}">
+                      <a16:colId xmlns:a16="http://schemas.microsoft.com/office/drawing/2014/main" val="2621557079"/>
+                    </a:ext>
+                  </a:extLst>
+                </a:gridCol>
+              </a:tblGrid>
+              <a:tr h="341906">
+                <a:tc>
+                  <a:txBody>
+                    <a:bodyPr/>
+                    <a:lstStyle/>
+                    <a:p>
+                      <a:pPr algn="ctr" fontAlgn="ctr"/>
+                      <a:r>
+                        <a:rPr lang="zh-CN" altLang="en-US" sz="1800" u="none" strike="noStrike">
+                          <a:effectLst/>
+                        </a:rPr>
+                        <a:t>职业</a:t>
+                      </a:r>
+                      <a:endParaRPr lang="zh-CN" altLang="en-US" sz="1800" b="0" i="0" u="none" strike="noStrike">
+                        <a:solidFill>
+                          <a:srgbClr val="000000"/>
+                        </a:solidFill>
+                        <a:effectLst/>
+                        <a:latin typeface="等线" panose="02010600030101010101" pitchFamily="2" charset="-122"/>
+                        <a:ea typeface="等线" panose="02010600030101010101" pitchFamily="2" charset="-122"/>
+                      </a:endParaRPr>
+                    </a:p>
+                  </a:txBody>
+                  <a:tcPr marL="7620" marR="7620" marT="7620" marB="0" anchor="ctr"/>
+                </a:tc>
+                <a:tc>
+                  <a:txBody>
+                    <a:bodyPr/>
+                    <a:lstStyle/>
+                    <a:p>
+                      <a:pPr algn="ctr" rtl="0" fontAlgn="ctr"/>
+                      <a:r>
+                        <a:rPr lang="zh-CN" altLang="en-US" sz="1800" u="none" strike="noStrike">
+                          <a:effectLst/>
+                        </a:rPr>
+                        <a:t>骑士</a:t>
+                      </a:r>
+                      <a:endParaRPr lang="zh-CN" altLang="en-US" sz="1800" b="0" i="0" u="none" strike="noStrike">
+                        <a:solidFill>
+                          <a:srgbClr val="000000"/>
+                        </a:solidFill>
+                        <a:effectLst/>
+                        <a:latin typeface="Arial" panose="020B0604020202020204" pitchFamily="34" charset="0"/>
+                        <a:ea typeface="等线" panose="02010600030101010101" pitchFamily="2" charset="-122"/>
+                      </a:endParaRPr>
+                    </a:p>
+                  </a:txBody>
+                  <a:tcPr marL="7620" marR="7620" marT="7620" marB="0" anchor="ctr"/>
+                </a:tc>
+                <a:tc>
+                  <a:txBody>
+                    <a:bodyPr/>
+                    <a:lstStyle/>
+                    <a:p>
+                      <a:pPr algn="ctr" rtl="0" fontAlgn="ctr"/>
+                      <a:r>
+                        <a:rPr lang="zh-CN" altLang="en-US" sz="1800" u="none" strike="noStrike">
+                          <a:effectLst/>
+                        </a:rPr>
+                        <a:t>魔法师</a:t>
+                      </a:r>
+                      <a:endParaRPr lang="zh-CN" altLang="en-US" sz="1800" b="0" i="0" u="none" strike="noStrike">
+                        <a:solidFill>
+                          <a:srgbClr val="000000"/>
+                        </a:solidFill>
+                        <a:effectLst/>
+                        <a:latin typeface="Arial" panose="020B0604020202020204" pitchFamily="34" charset="0"/>
+                        <a:ea typeface="等线" panose="02010600030101010101" pitchFamily="2" charset="-122"/>
+                      </a:endParaRPr>
+                    </a:p>
+                  </a:txBody>
+                  <a:tcPr marL="7620" marR="7620" marT="7620" marB="0" anchor="ctr"/>
+                </a:tc>
+                <a:tc>
+                  <a:txBody>
+                    <a:bodyPr/>
+                    <a:lstStyle/>
+                    <a:p>
+                      <a:pPr algn="ctr" rtl="0" fontAlgn="ctr"/>
+                      <a:r>
+                        <a:rPr lang="zh-CN" altLang="en-US" sz="1800" u="none" strike="noStrike">
+                          <a:effectLst/>
+                        </a:rPr>
+                        <a:t>剑士</a:t>
+                      </a:r>
+                      <a:endParaRPr lang="zh-CN" altLang="en-US" sz="1800" b="0" i="0" u="none" strike="noStrike">
+                        <a:solidFill>
+                          <a:srgbClr val="000000"/>
+                        </a:solidFill>
+                        <a:effectLst/>
+                        <a:latin typeface="Arial" panose="020B0604020202020204" pitchFamily="34" charset="0"/>
+                        <a:ea typeface="等线" panose="02010600030101010101" pitchFamily="2" charset="-122"/>
+                      </a:endParaRPr>
+                    </a:p>
+                  </a:txBody>
+                  <a:tcPr marL="7620" marR="7620" marT="7620" marB="0" anchor="ctr"/>
+                </a:tc>
+                <a:tc>
+                  <a:txBody>
+                    <a:bodyPr/>
+                    <a:lstStyle/>
+                    <a:p>
+                      <a:pPr algn="ctr" rtl="0" fontAlgn="ctr"/>
+                      <a:r>
+                        <a:rPr lang="zh-CN" altLang="en-US" sz="1800" u="none" strike="noStrike">
+                          <a:effectLst/>
+                        </a:rPr>
+                        <a:t>弓箭手</a:t>
+                      </a:r>
+                      <a:endParaRPr lang="zh-CN" altLang="en-US" sz="1800" b="0" i="0" u="none" strike="noStrike">
+                        <a:solidFill>
+                          <a:srgbClr val="000000"/>
+                        </a:solidFill>
+                        <a:effectLst/>
+                        <a:latin typeface="Arial" panose="020B0604020202020204" pitchFamily="34" charset="0"/>
+                        <a:ea typeface="等线" panose="02010600030101010101" pitchFamily="2" charset="-122"/>
+                      </a:endParaRPr>
+                    </a:p>
+                  </a:txBody>
+                  <a:tcPr marL="7620" marR="7620" marT="7620" marB="0" anchor="ctr"/>
+                </a:tc>
+                <a:extLst>
+                  <a:ext uri="{0D108BD9-81ED-4DB2-BD59-A6C34878D82A}">
+                    <a16:rowId xmlns:a16="http://schemas.microsoft.com/office/drawing/2014/main" val="2985755971"/>
+                  </a:ext>
+                </a:extLst>
+              </a:tr>
+              <a:tr h="341906">
+                <a:tc>
+                  <a:txBody>
+                    <a:bodyPr/>
+                    <a:lstStyle/>
+                    <a:p>
+                      <a:pPr algn="ctr" fontAlgn="ctr"/>
+                      <a:r>
+                        <a:rPr lang="zh-CN" altLang="en-US" sz="1800" b="0" i="0" u="none" strike="noStrike">
+                          <a:solidFill>
+                            <a:srgbClr val="000000"/>
+                          </a:solidFill>
+                          <a:effectLst/>
+                          <a:latin typeface="华文新魏" panose="02010800040101010101" pitchFamily="2" charset="-122"/>
+                          <a:ea typeface="华文新魏" panose="02010800040101010101" pitchFamily="2" charset="-122"/>
+                        </a:rPr>
+                        <a:t>骑法师</a:t>
+                      </a:r>
+                    </a:p>
+                  </a:txBody>
+                  <a:tcPr marL="7620" marR="7620" marT="7620" marB="0" anchor="ctr"/>
+                </a:tc>
+                <a:tc>
+                  <a:txBody>
+                    <a:bodyPr/>
+                    <a:lstStyle/>
+                    <a:p>
+                      <a:pPr algn="ctr" fontAlgn="ctr"/>
+                      <a:r>
+                        <a:rPr lang="en-US" altLang="zh-CN" sz="1800" u="none" strike="noStrike">
+                          <a:effectLst/>
+                        </a:rPr>
+                        <a:t>0.5</a:t>
+                      </a:r>
+                      <a:endParaRPr lang="en-US" altLang="zh-CN" sz="1800" b="0" i="0" u="none" strike="noStrike">
+                        <a:solidFill>
+                          <a:srgbClr val="000000"/>
+                        </a:solidFill>
+                        <a:effectLst/>
+                        <a:latin typeface="等线" panose="02010600030101010101" pitchFamily="2" charset="-122"/>
+                        <a:ea typeface="等线" panose="02010600030101010101" pitchFamily="2" charset="-122"/>
+                      </a:endParaRPr>
+                    </a:p>
+                  </a:txBody>
+                  <a:tcPr marL="7620" marR="7620" marT="7620" marB="0" anchor="ctr"/>
+                </a:tc>
+                <a:tc>
+                  <a:txBody>
+                    <a:bodyPr/>
+                    <a:lstStyle/>
+                    <a:p>
+                      <a:pPr algn="ctr" fontAlgn="ctr"/>
+                      <a:r>
+                        <a:rPr lang="en-US" altLang="zh-CN" sz="1800" u="none" strike="noStrike">
+                          <a:effectLst/>
+                        </a:rPr>
+                        <a:t>0.5</a:t>
+                      </a:r>
+                      <a:endParaRPr lang="en-US" altLang="zh-CN" sz="1800" b="0" i="0" u="none" strike="noStrike">
+                        <a:solidFill>
+                          <a:srgbClr val="000000"/>
+                        </a:solidFill>
+                        <a:effectLst/>
+                        <a:latin typeface="等线" panose="02010600030101010101" pitchFamily="2" charset="-122"/>
+                        <a:ea typeface="等线" panose="02010600030101010101" pitchFamily="2" charset="-122"/>
+                      </a:endParaRPr>
+                    </a:p>
+                  </a:txBody>
+                  <a:tcPr marL="7620" marR="7620" marT="7620" marB="0" anchor="ctr"/>
+                </a:tc>
+                <a:tc>
+                  <a:txBody>
+                    <a:bodyPr/>
+                    <a:lstStyle/>
+                    <a:p>
+                      <a:pPr algn="ctr" fontAlgn="ctr"/>
+                      <a:r>
+                        <a:rPr lang="en-US" altLang="zh-CN" sz="1800" u="none" strike="noStrike">
+                          <a:effectLst/>
+                        </a:rPr>
+                        <a:t>0</a:t>
+                      </a:r>
+                      <a:endParaRPr lang="en-US" altLang="zh-CN" sz="1800" b="0" i="0" u="none" strike="noStrike">
+                        <a:solidFill>
+                          <a:srgbClr val="000000"/>
+                        </a:solidFill>
+                        <a:effectLst/>
+                        <a:latin typeface="等线" panose="02010600030101010101" pitchFamily="2" charset="-122"/>
+                        <a:ea typeface="等线" panose="02010600030101010101" pitchFamily="2" charset="-122"/>
+                      </a:endParaRPr>
+                    </a:p>
+                  </a:txBody>
+                  <a:tcPr marL="7620" marR="7620" marT="7620" marB="0" anchor="ctr"/>
+                </a:tc>
+                <a:tc>
+                  <a:txBody>
+                    <a:bodyPr/>
+                    <a:lstStyle/>
+                    <a:p>
+                      <a:pPr algn="ctr" fontAlgn="ctr"/>
+                      <a:r>
+                        <a:rPr lang="en-US" altLang="zh-CN" sz="1800" u="none" strike="noStrike">
+                          <a:effectLst/>
+                        </a:rPr>
+                        <a:t>0</a:t>
+                      </a:r>
+                      <a:endParaRPr lang="en-US" altLang="zh-CN" sz="1800" b="0" i="0" u="none" strike="noStrike">
+                        <a:solidFill>
+                          <a:srgbClr val="000000"/>
+                        </a:solidFill>
+                        <a:effectLst/>
+                        <a:latin typeface="等线" panose="02010600030101010101" pitchFamily="2" charset="-122"/>
+                        <a:ea typeface="等线" panose="02010600030101010101" pitchFamily="2" charset="-122"/>
+                      </a:endParaRPr>
+                    </a:p>
+                  </a:txBody>
+                  <a:tcPr marL="7620" marR="7620" marT="7620" marB="0" anchor="ctr"/>
+                </a:tc>
+                <a:extLst>
+                  <a:ext uri="{0D108BD9-81ED-4DB2-BD59-A6C34878D82A}">
+                    <a16:rowId xmlns:a16="http://schemas.microsoft.com/office/drawing/2014/main" val="3870316877"/>
+                  </a:ext>
+                </a:extLst>
+              </a:tr>
+            </a:tbl>
+          </a:graphicData>
+        </a:graphic>
+      </p:graphicFrame>
+      <p:graphicFrame>
+        <p:nvGraphicFramePr>
+          <p:cNvPr id="4" name="表格 3">
+            <a:extLst>
+              <a:ext uri="{FF2B5EF4-FFF2-40B4-BE49-F238E27FC236}">
+                <a16:creationId xmlns:a16="http://schemas.microsoft.com/office/drawing/2014/main" id="{F48FA23E-A9DF-4E9B-BE7D-DA10A2678EC4}"/>
+              </a:ext>
+            </a:extLst>
+          </p:cNvPr>
+          <p:cNvGraphicFramePr>
+            <a:graphicFrameLocks noGrp="1"/>
+          </p:cNvGraphicFramePr>
+          <p:nvPr>
+            <p:extLst>
+              <p:ext uri="{D42A27DB-BD31-4B8C-83A1-F6EECF244321}">
+                <p14:modId xmlns:p14="http://schemas.microsoft.com/office/powerpoint/2010/main" val="423912509"/>
+              </p:ext>
+            </p:extLst>
+          </p:nvPr>
+        </p:nvGraphicFramePr>
+        <p:xfrm>
+          <a:off x="4452728" y="3141920"/>
+          <a:ext cx="3371358" cy="1409700"/>
+        </p:xfrm>
+        <a:graphic>
+          <a:graphicData uri="http://schemas.openxmlformats.org/drawingml/2006/table">
+            <a:tbl>
+              <a:tblPr>
+                <a:tableStyleId>{5C22544A-7EE6-4342-B048-85BDC9FD1C3A}</a:tableStyleId>
+              </a:tblPr>
+              <a:tblGrid>
+                <a:gridCol w="836928">
+                  <a:extLst>
+                    <a:ext uri="{9D8B030D-6E8A-4147-A177-3AD203B41FA5}">
+                      <a16:colId xmlns:a16="http://schemas.microsoft.com/office/drawing/2014/main" val="550438623"/>
+                    </a:ext>
+                  </a:extLst>
+                </a:gridCol>
+                <a:gridCol w="586162">
+                  <a:extLst>
+                    <a:ext uri="{9D8B030D-6E8A-4147-A177-3AD203B41FA5}">
+                      <a16:colId xmlns:a16="http://schemas.microsoft.com/office/drawing/2014/main" val="3560520730"/>
+                    </a:ext>
+                  </a:extLst>
+                </a:gridCol>
+                <a:gridCol w="586162">
+                  <a:extLst>
+                    <a:ext uri="{9D8B030D-6E8A-4147-A177-3AD203B41FA5}">
+                      <a16:colId xmlns:a16="http://schemas.microsoft.com/office/drawing/2014/main" val="3017517785"/>
+                    </a:ext>
+                  </a:extLst>
+                </a:gridCol>
+                <a:gridCol w="629354">
+                  <a:extLst>
+                    <a:ext uri="{9D8B030D-6E8A-4147-A177-3AD203B41FA5}">
+                      <a16:colId xmlns:a16="http://schemas.microsoft.com/office/drawing/2014/main" val="340348876"/>
+                    </a:ext>
+                  </a:extLst>
+                </a:gridCol>
+                <a:gridCol w="732752">
+                  <a:extLst>
+                    <a:ext uri="{9D8B030D-6E8A-4147-A177-3AD203B41FA5}">
+                      <a16:colId xmlns:a16="http://schemas.microsoft.com/office/drawing/2014/main" val="2636546198"/>
+                    </a:ext>
+                  </a:extLst>
+                </a:gridCol>
+              </a:tblGrid>
+              <a:tr h="281245">
+                <a:tc>
+                  <a:txBody>
+                    <a:bodyPr/>
+                    <a:lstStyle/>
+                    <a:p>
+                      <a:pPr algn="ctr" fontAlgn="ctr"/>
+                      <a:r>
+                        <a:rPr lang="zh-CN" altLang="en-US" sz="1800" u="none" strike="noStrike">
+                          <a:effectLst/>
+                        </a:rPr>
+                        <a:t>职业</a:t>
+                      </a:r>
+                      <a:endParaRPr lang="zh-CN" altLang="en-US" sz="1800" b="0" i="0" u="none" strike="noStrike">
+                        <a:solidFill>
+                          <a:srgbClr val="000000"/>
+                        </a:solidFill>
+                        <a:effectLst/>
+                        <a:latin typeface="等线" panose="02010600030101010101" pitchFamily="2" charset="-122"/>
+                        <a:ea typeface="等线" panose="02010600030101010101" pitchFamily="2" charset="-122"/>
+                      </a:endParaRPr>
+                    </a:p>
+                  </a:txBody>
+                  <a:tcPr marL="7620" marR="7620" marT="7620" marB="0" anchor="ctr"/>
+                </a:tc>
+                <a:tc>
+                  <a:txBody>
+                    <a:bodyPr/>
+                    <a:lstStyle/>
+                    <a:p>
+                      <a:pPr algn="ctr" fontAlgn="ctr"/>
+                      <a:r>
+                        <a:rPr lang="zh-CN" altLang="en-US" sz="1800" u="none" strike="noStrike">
+                          <a:effectLst/>
+                        </a:rPr>
+                        <a:t>力量</a:t>
+                      </a:r>
+                      <a:endParaRPr lang="zh-CN" altLang="en-US" sz="1800" b="0" i="0" u="none" strike="noStrike">
+                        <a:solidFill>
+                          <a:srgbClr val="000000"/>
+                        </a:solidFill>
+                        <a:effectLst/>
+                        <a:latin typeface="等线" panose="02010600030101010101" pitchFamily="2" charset="-122"/>
+                        <a:ea typeface="等线" panose="02010600030101010101" pitchFamily="2" charset="-122"/>
+                      </a:endParaRPr>
+                    </a:p>
+                  </a:txBody>
+                  <a:tcPr marL="7620" marR="7620" marT="7620" marB="0" anchor="ctr"/>
+                </a:tc>
+                <a:tc>
+                  <a:txBody>
+                    <a:bodyPr/>
+                    <a:lstStyle/>
+                    <a:p>
+                      <a:pPr algn="ctr" fontAlgn="ctr"/>
+                      <a:r>
+                        <a:rPr lang="zh-CN" altLang="en-US" sz="1800" u="none" strike="noStrike">
+                          <a:effectLst/>
+                        </a:rPr>
+                        <a:t>魔法</a:t>
+                      </a:r>
+                      <a:endParaRPr lang="zh-CN" altLang="en-US" sz="1800" b="0" i="0" u="none" strike="noStrike">
+                        <a:solidFill>
+                          <a:srgbClr val="000000"/>
+                        </a:solidFill>
+                        <a:effectLst/>
+                        <a:latin typeface="等线" panose="02010600030101010101" pitchFamily="2" charset="-122"/>
+                        <a:ea typeface="等线" panose="02010600030101010101" pitchFamily="2" charset="-122"/>
+                      </a:endParaRPr>
+                    </a:p>
+                  </a:txBody>
+                  <a:tcPr marL="7620" marR="7620" marT="7620" marB="0" anchor="ctr"/>
+                </a:tc>
+                <a:tc>
+                  <a:txBody>
+                    <a:bodyPr/>
+                    <a:lstStyle/>
+                    <a:p>
+                      <a:pPr algn="ctr" fontAlgn="ctr"/>
+                      <a:r>
+                        <a:rPr lang="zh-CN" altLang="en-US" sz="1800" u="none" strike="noStrike">
+                          <a:effectLst/>
+                        </a:rPr>
+                        <a:t>血槽</a:t>
+                      </a:r>
+                      <a:endParaRPr lang="zh-CN" altLang="en-US" sz="1800" b="0" i="0" u="none" strike="noStrike">
+                        <a:solidFill>
+                          <a:srgbClr val="000000"/>
+                        </a:solidFill>
+                        <a:effectLst/>
+                        <a:latin typeface="等线" panose="02010600030101010101" pitchFamily="2" charset="-122"/>
+                        <a:ea typeface="等线" panose="02010600030101010101" pitchFamily="2" charset="-122"/>
+                      </a:endParaRPr>
+                    </a:p>
+                  </a:txBody>
+                  <a:tcPr marL="7620" marR="7620" marT="7620" marB="0" anchor="ctr"/>
+                </a:tc>
+                <a:tc>
+                  <a:txBody>
+                    <a:bodyPr/>
+                    <a:lstStyle/>
+                    <a:p>
+                      <a:pPr algn="ctr" fontAlgn="ctr"/>
+                      <a:r>
+                        <a:rPr lang="zh-CN" altLang="en-US" sz="1800" u="none" strike="noStrike">
+                          <a:effectLst/>
+                        </a:rPr>
+                        <a:t>敏捷</a:t>
+                      </a:r>
+                      <a:endParaRPr lang="zh-CN" altLang="en-US" sz="1800" b="0" i="0" u="none" strike="noStrike">
+                        <a:solidFill>
+                          <a:srgbClr val="000000"/>
+                        </a:solidFill>
+                        <a:effectLst/>
+                        <a:latin typeface="等线" panose="02010600030101010101" pitchFamily="2" charset="-122"/>
+                        <a:ea typeface="等线" panose="02010600030101010101" pitchFamily="2" charset="-122"/>
+                      </a:endParaRPr>
+                    </a:p>
+                  </a:txBody>
+                  <a:tcPr marL="7620" marR="7620" marT="7620" marB="0" anchor="ctr"/>
+                </a:tc>
+                <a:extLst>
+                  <a:ext uri="{0D108BD9-81ED-4DB2-BD59-A6C34878D82A}">
+                    <a16:rowId xmlns:a16="http://schemas.microsoft.com/office/drawing/2014/main" val="2416650654"/>
+                  </a:ext>
+                </a:extLst>
+              </a:tr>
+              <a:tr h="281245">
+                <a:tc>
+                  <a:txBody>
+                    <a:bodyPr/>
+                    <a:lstStyle/>
+                    <a:p>
+                      <a:pPr algn="ctr" fontAlgn="ctr"/>
+                      <a:r>
+                        <a:rPr lang="zh-CN" altLang="en-US" sz="1800" u="none" strike="noStrike">
+                          <a:effectLst/>
+                        </a:rPr>
+                        <a:t>骑士</a:t>
+                      </a:r>
+                      <a:endParaRPr lang="zh-CN" altLang="en-US" sz="1800" b="0" i="0" u="none" strike="noStrike">
+                        <a:solidFill>
+                          <a:srgbClr val="000000"/>
+                        </a:solidFill>
+                        <a:effectLst/>
+                        <a:latin typeface="等线" panose="02010600030101010101" pitchFamily="2" charset="-122"/>
+                        <a:ea typeface="等线" panose="02010600030101010101" pitchFamily="2" charset="-122"/>
+                      </a:endParaRPr>
+                    </a:p>
+                  </a:txBody>
+                  <a:tcPr marL="7620" marR="7620" marT="7620" marB="0" anchor="ctr"/>
+                </a:tc>
+                <a:tc>
+                  <a:txBody>
+                    <a:bodyPr/>
+                    <a:lstStyle/>
+                    <a:p>
+                      <a:pPr algn="ctr" fontAlgn="ctr"/>
+                      <a:r>
+                        <a:rPr lang="en-US" altLang="zh-CN" sz="1800" u="none" strike="noStrike">
+                          <a:effectLst/>
+                        </a:rPr>
+                        <a:t>90</a:t>
+                      </a:r>
+                      <a:endParaRPr lang="en-US" altLang="zh-CN" sz="1800" b="0" i="0" u="none" strike="noStrike">
+                        <a:solidFill>
+                          <a:srgbClr val="000000"/>
+                        </a:solidFill>
+                        <a:effectLst/>
+                        <a:latin typeface="等线" panose="02010600030101010101" pitchFamily="2" charset="-122"/>
+                        <a:ea typeface="等线" panose="02010600030101010101" pitchFamily="2" charset="-122"/>
+                      </a:endParaRPr>
+                    </a:p>
+                  </a:txBody>
+                  <a:tcPr marL="7620" marR="7620" marT="7620" marB="0" anchor="ctr"/>
+                </a:tc>
+                <a:tc>
+                  <a:txBody>
+                    <a:bodyPr/>
+                    <a:lstStyle/>
+                    <a:p>
+                      <a:pPr algn="ctr" fontAlgn="ctr"/>
+                      <a:r>
+                        <a:rPr lang="en-US" altLang="zh-CN" sz="1800" u="none" strike="noStrike">
+                          <a:effectLst/>
+                        </a:rPr>
+                        <a:t>30</a:t>
+                      </a:r>
+                      <a:endParaRPr lang="en-US" altLang="zh-CN" sz="1800" b="0" i="0" u="none" strike="noStrike">
+                        <a:solidFill>
+                          <a:srgbClr val="000000"/>
+                        </a:solidFill>
+                        <a:effectLst/>
+                        <a:latin typeface="等线" panose="02010600030101010101" pitchFamily="2" charset="-122"/>
+                        <a:ea typeface="等线" panose="02010600030101010101" pitchFamily="2" charset="-122"/>
+                      </a:endParaRPr>
+                    </a:p>
+                  </a:txBody>
+                  <a:tcPr marL="7620" marR="7620" marT="7620" marB="0" anchor="ctr"/>
+                </a:tc>
+                <a:tc>
+                  <a:txBody>
+                    <a:bodyPr/>
+                    <a:lstStyle/>
+                    <a:p>
+                      <a:pPr algn="ctr" fontAlgn="ctr"/>
+                      <a:r>
+                        <a:rPr lang="en-US" altLang="zh-CN" sz="1800" u="none" strike="noStrike">
+                          <a:effectLst/>
+                        </a:rPr>
+                        <a:t>100</a:t>
+                      </a:r>
+                      <a:endParaRPr lang="en-US" altLang="zh-CN" sz="1800" b="0" i="0" u="none" strike="noStrike">
+                        <a:solidFill>
+                          <a:srgbClr val="000000"/>
+                        </a:solidFill>
+                        <a:effectLst/>
+                        <a:latin typeface="等线" panose="02010600030101010101" pitchFamily="2" charset="-122"/>
+                        <a:ea typeface="等线" panose="02010600030101010101" pitchFamily="2" charset="-122"/>
+                      </a:endParaRPr>
+                    </a:p>
+                  </a:txBody>
+                  <a:tcPr marL="7620" marR="7620" marT="7620" marB="0" anchor="ctr"/>
+                </a:tc>
+                <a:tc>
+                  <a:txBody>
+                    <a:bodyPr/>
+                    <a:lstStyle/>
+                    <a:p>
+                      <a:pPr algn="ctr" fontAlgn="ctr"/>
+                      <a:r>
+                        <a:rPr lang="en-US" altLang="zh-CN" sz="1800" u="none" strike="noStrike">
+                          <a:effectLst/>
+                        </a:rPr>
+                        <a:t>60</a:t>
+                      </a:r>
+                      <a:endParaRPr lang="en-US" altLang="zh-CN" sz="1800" b="0" i="0" u="none" strike="noStrike">
+                        <a:solidFill>
+                          <a:srgbClr val="000000"/>
+                        </a:solidFill>
+                        <a:effectLst/>
+                        <a:latin typeface="等线" panose="02010600030101010101" pitchFamily="2" charset="-122"/>
+                        <a:ea typeface="等线" panose="02010600030101010101" pitchFamily="2" charset="-122"/>
+                      </a:endParaRPr>
+                    </a:p>
+                  </a:txBody>
+                  <a:tcPr marL="7620" marR="7620" marT="7620" marB="0" anchor="ctr"/>
+                </a:tc>
+                <a:extLst>
+                  <a:ext uri="{0D108BD9-81ED-4DB2-BD59-A6C34878D82A}">
+                    <a16:rowId xmlns:a16="http://schemas.microsoft.com/office/drawing/2014/main" val="2535390638"/>
+                  </a:ext>
+                </a:extLst>
+              </a:tr>
+              <a:tr h="281245">
+                <a:tc>
+                  <a:txBody>
+                    <a:bodyPr/>
+                    <a:lstStyle/>
+                    <a:p>
+                      <a:pPr algn="ctr" fontAlgn="ctr"/>
+                      <a:r>
+                        <a:rPr lang="zh-CN" altLang="en-US" sz="1800" u="none" strike="noStrike">
+                          <a:effectLst/>
+                        </a:rPr>
+                        <a:t>魔法师</a:t>
+                      </a:r>
+                      <a:endParaRPr lang="zh-CN" altLang="en-US" sz="1800" b="0" i="0" u="none" strike="noStrike">
+                        <a:solidFill>
+                          <a:srgbClr val="000000"/>
+                        </a:solidFill>
+                        <a:effectLst/>
+                        <a:latin typeface="等线" panose="02010600030101010101" pitchFamily="2" charset="-122"/>
+                        <a:ea typeface="等线" panose="02010600030101010101" pitchFamily="2" charset="-122"/>
+                      </a:endParaRPr>
+                    </a:p>
+                  </a:txBody>
+                  <a:tcPr marL="7620" marR="7620" marT="7620" marB="0" anchor="ctr"/>
+                </a:tc>
+                <a:tc>
+                  <a:txBody>
+                    <a:bodyPr/>
+                    <a:lstStyle/>
+                    <a:p>
+                      <a:pPr algn="ctr" fontAlgn="ctr"/>
+                      <a:r>
+                        <a:rPr lang="en-US" altLang="zh-CN" sz="1800" u="none" strike="noStrike">
+                          <a:effectLst/>
+                        </a:rPr>
+                        <a:t>30</a:t>
+                      </a:r>
+                      <a:endParaRPr lang="en-US" altLang="zh-CN" sz="1800" b="0" i="0" u="none" strike="noStrike">
+                        <a:solidFill>
+                          <a:srgbClr val="000000"/>
+                        </a:solidFill>
+                        <a:effectLst/>
+                        <a:latin typeface="等线" panose="02010600030101010101" pitchFamily="2" charset="-122"/>
+                        <a:ea typeface="等线" panose="02010600030101010101" pitchFamily="2" charset="-122"/>
+                      </a:endParaRPr>
+                    </a:p>
+                  </a:txBody>
+                  <a:tcPr marL="7620" marR="7620" marT="7620" marB="0" anchor="ctr"/>
+                </a:tc>
+                <a:tc>
+                  <a:txBody>
+                    <a:bodyPr/>
+                    <a:lstStyle/>
+                    <a:p>
+                      <a:pPr algn="ctr" fontAlgn="ctr"/>
+                      <a:r>
+                        <a:rPr lang="en-US" altLang="zh-CN" sz="1800" u="none" strike="noStrike">
+                          <a:effectLst/>
+                        </a:rPr>
+                        <a:t>100</a:t>
+                      </a:r>
+                      <a:endParaRPr lang="en-US" altLang="zh-CN" sz="1800" b="0" i="0" u="none" strike="noStrike">
+                        <a:solidFill>
+                          <a:srgbClr val="000000"/>
+                        </a:solidFill>
+                        <a:effectLst/>
+                        <a:latin typeface="等线" panose="02010600030101010101" pitchFamily="2" charset="-122"/>
+                        <a:ea typeface="等线" panose="02010600030101010101" pitchFamily="2" charset="-122"/>
+                      </a:endParaRPr>
+                    </a:p>
+                  </a:txBody>
+                  <a:tcPr marL="7620" marR="7620" marT="7620" marB="0" anchor="ctr"/>
+                </a:tc>
+                <a:tc>
+                  <a:txBody>
+                    <a:bodyPr/>
+                    <a:lstStyle/>
+                    <a:p>
+                      <a:pPr algn="ctr" fontAlgn="ctr"/>
+                      <a:r>
+                        <a:rPr lang="en-US" altLang="zh-CN" sz="1800" u="none" strike="noStrike">
+                          <a:effectLst/>
+                        </a:rPr>
+                        <a:t>30</a:t>
+                      </a:r>
+                      <a:endParaRPr lang="en-US" altLang="zh-CN" sz="1800" b="0" i="0" u="none" strike="noStrike">
+                        <a:solidFill>
+                          <a:srgbClr val="000000"/>
+                        </a:solidFill>
+                        <a:effectLst/>
+                        <a:latin typeface="等线" panose="02010600030101010101" pitchFamily="2" charset="-122"/>
+                        <a:ea typeface="等线" panose="02010600030101010101" pitchFamily="2" charset="-122"/>
+                      </a:endParaRPr>
+                    </a:p>
+                  </a:txBody>
+                  <a:tcPr marL="7620" marR="7620" marT="7620" marB="0" anchor="ctr"/>
+                </a:tc>
+                <a:tc>
+                  <a:txBody>
+                    <a:bodyPr/>
+                    <a:lstStyle/>
+                    <a:p>
+                      <a:pPr algn="ctr" fontAlgn="ctr"/>
+                      <a:r>
+                        <a:rPr lang="en-US" altLang="zh-CN" sz="1800" u="none" strike="noStrike">
+                          <a:effectLst/>
+                        </a:rPr>
+                        <a:t>80</a:t>
+                      </a:r>
+                      <a:endParaRPr lang="en-US" altLang="zh-CN" sz="1800" b="0" i="0" u="none" strike="noStrike">
+                        <a:solidFill>
+                          <a:srgbClr val="000000"/>
+                        </a:solidFill>
+                        <a:effectLst/>
+                        <a:latin typeface="等线" panose="02010600030101010101" pitchFamily="2" charset="-122"/>
+                        <a:ea typeface="等线" panose="02010600030101010101" pitchFamily="2" charset="-122"/>
+                      </a:endParaRPr>
+                    </a:p>
+                  </a:txBody>
+                  <a:tcPr marL="7620" marR="7620" marT="7620" marB="0" anchor="ctr"/>
+                </a:tc>
+                <a:extLst>
+                  <a:ext uri="{0D108BD9-81ED-4DB2-BD59-A6C34878D82A}">
+                    <a16:rowId xmlns:a16="http://schemas.microsoft.com/office/drawing/2014/main" val="654852498"/>
+                  </a:ext>
+                </a:extLst>
+              </a:tr>
+              <a:tr h="281245">
+                <a:tc>
+                  <a:txBody>
+                    <a:bodyPr/>
+                    <a:lstStyle/>
+                    <a:p>
+                      <a:pPr algn="ctr" fontAlgn="ctr"/>
+                      <a:r>
+                        <a:rPr lang="zh-CN" altLang="en-US" sz="1800" u="none" strike="noStrike">
+                          <a:effectLst/>
+                        </a:rPr>
+                        <a:t>剑士</a:t>
+                      </a:r>
+                      <a:endParaRPr lang="zh-CN" altLang="en-US" sz="1800" b="0" i="0" u="none" strike="noStrike">
+                        <a:solidFill>
+                          <a:srgbClr val="000000"/>
+                        </a:solidFill>
+                        <a:effectLst/>
+                        <a:latin typeface="等线" panose="02010600030101010101" pitchFamily="2" charset="-122"/>
+                        <a:ea typeface="等线" panose="02010600030101010101" pitchFamily="2" charset="-122"/>
+                      </a:endParaRPr>
+                    </a:p>
+                  </a:txBody>
+                  <a:tcPr marL="7620" marR="7620" marT="7620" marB="0" anchor="ctr"/>
+                </a:tc>
+                <a:tc>
+                  <a:txBody>
+                    <a:bodyPr/>
+                    <a:lstStyle/>
+                    <a:p>
+                      <a:pPr algn="ctr" fontAlgn="ctr"/>
+                      <a:r>
+                        <a:rPr lang="en-US" altLang="zh-CN" sz="1800" u="none" strike="noStrike">
+                          <a:effectLst/>
+                        </a:rPr>
+                        <a:t>100</a:t>
+                      </a:r>
+                      <a:endParaRPr lang="en-US" altLang="zh-CN" sz="1800" b="0" i="0" u="none" strike="noStrike">
+                        <a:solidFill>
+                          <a:srgbClr val="000000"/>
+                        </a:solidFill>
+                        <a:effectLst/>
+                        <a:latin typeface="等线" panose="02010600030101010101" pitchFamily="2" charset="-122"/>
+                        <a:ea typeface="等线" panose="02010600030101010101" pitchFamily="2" charset="-122"/>
+                      </a:endParaRPr>
+                    </a:p>
+                  </a:txBody>
+                  <a:tcPr marL="7620" marR="7620" marT="7620" marB="0" anchor="ctr"/>
+                </a:tc>
+                <a:tc>
+                  <a:txBody>
+                    <a:bodyPr/>
+                    <a:lstStyle/>
+                    <a:p>
+                      <a:pPr algn="ctr" fontAlgn="ctr"/>
+                      <a:r>
+                        <a:rPr lang="en-US" altLang="zh-CN" sz="1800" u="none" strike="noStrike">
+                          <a:effectLst/>
+                        </a:rPr>
+                        <a:t>30</a:t>
+                      </a:r>
+                      <a:endParaRPr lang="en-US" altLang="zh-CN" sz="1800" b="0" i="0" u="none" strike="noStrike">
+                        <a:solidFill>
+                          <a:srgbClr val="000000"/>
+                        </a:solidFill>
+                        <a:effectLst/>
+                        <a:latin typeface="等线" panose="02010600030101010101" pitchFamily="2" charset="-122"/>
+                        <a:ea typeface="等线" panose="02010600030101010101" pitchFamily="2" charset="-122"/>
+                      </a:endParaRPr>
+                    </a:p>
+                  </a:txBody>
+                  <a:tcPr marL="7620" marR="7620" marT="7620" marB="0" anchor="ctr"/>
+                </a:tc>
+                <a:tc>
+                  <a:txBody>
+                    <a:bodyPr/>
+                    <a:lstStyle/>
+                    <a:p>
+                      <a:pPr algn="ctr" fontAlgn="ctr"/>
+                      <a:r>
+                        <a:rPr lang="en-US" altLang="zh-CN" sz="1800" u="none" strike="noStrike">
+                          <a:effectLst/>
+                        </a:rPr>
+                        <a:t>90</a:t>
+                      </a:r>
+                      <a:endParaRPr lang="en-US" altLang="zh-CN" sz="1800" b="0" i="0" u="none" strike="noStrike">
+                        <a:solidFill>
+                          <a:srgbClr val="000000"/>
+                        </a:solidFill>
+                        <a:effectLst/>
+                        <a:latin typeface="等线" panose="02010600030101010101" pitchFamily="2" charset="-122"/>
+                        <a:ea typeface="等线" panose="02010600030101010101" pitchFamily="2" charset="-122"/>
+                      </a:endParaRPr>
+                    </a:p>
+                  </a:txBody>
+                  <a:tcPr marL="7620" marR="7620" marT="7620" marB="0" anchor="ctr"/>
+                </a:tc>
+                <a:tc>
+                  <a:txBody>
+                    <a:bodyPr/>
+                    <a:lstStyle/>
+                    <a:p>
+                      <a:pPr algn="ctr" fontAlgn="ctr"/>
+                      <a:r>
+                        <a:rPr lang="en-US" altLang="zh-CN" sz="1800" u="none" strike="noStrike">
+                          <a:effectLst/>
+                        </a:rPr>
+                        <a:t>90</a:t>
+                      </a:r>
+                      <a:endParaRPr lang="en-US" altLang="zh-CN" sz="1800" b="0" i="0" u="none" strike="noStrike">
+                        <a:solidFill>
+                          <a:srgbClr val="000000"/>
+                        </a:solidFill>
+                        <a:effectLst/>
+                        <a:latin typeface="等线" panose="02010600030101010101" pitchFamily="2" charset="-122"/>
+                        <a:ea typeface="等线" panose="02010600030101010101" pitchFamily="2" charset="-122"/>
+                      </a:endParaRPr>
+                    </a:p>
+                  </a:txBody>
+                  <a:tcPr marL="7620" marR="7620" marT="7620" marB="0" anchor="ctr"/>
+                </a:tc>
+                <a:extLst>
+                  <a:ext uri="{0D108BD9-81ED-4DB2-BD59-A6C34878D82A}">
+                    <a16:rowId xmlns:a16="http://schemas.microsoft.com/office/drawing/2014/main" val="2748458684"/>
+                  </a:ext>
+                </a:extLst>
+              </a:tr>
+              <a:tr h="281245">
+                <a:tc>
+                  <a:txBody>
+                    <a:bodyPr/>
+                    <a:lstStyle/>
+                    <a:p>
+                      <a:pPr algn="ctr" fontAlgn="ctr"/>
+                      <a:r>
+                        <a:rPr lang="zh-CN" altLang="en-US" sz="1800" u="none" strike="noStrike">
+                          <a:effectLst/>
+                        </a:rPr>
+                        <a:t>弓箭手</a:t>
+                      </a:r>
+                      <a:endParaRPr lang="zh-CN" altLang="en-US" sz="1800" b="0" i="0" u="none" strike="noStrike">
+                        <a:solidFill>
+                          <a:srgbClr val="000000"/>
+                        </a:solidFill>
+                        <a:effectLst/>
+                        <a:latin typeface="等线" panose="02010600030101010101" pitchFamily="2" charset="-122"/>
+                        <a:ea typeface="等线" panose="02010600030101010101" pitchFamily="2" charset="-122"/>
+                      </a:endParaRPr>
+                    </a:p>
+                  </a:txBody>
+                  <a:tcPr marL="7620" marR="7620" marT="7620" marB="0" anchor="ctr"/>
+                </a:tc>
+                <a:tc>
+                  <a:txBody>
+                    <a:bodyPr/>
+                    <a:lstStyle/>
+                    <a:p>
+                      <a:pPr algn="ctr" fontAlgn="ctr"/>
+                      <a:r>
+                        <a:rPr lang="en-US" altLang="zh-CN" sz="1800" u="none" strike="noStrike">
+                          <a:effectLst/>
+                        </a:rPr>
+                        <a:t>80</a:t>
+                      </a:r>
+                      <a:endParaRPr lang="en-US" altLang="zh-CN" sz="1800" b="0" i="0" u="none" strike="noStrike">
+                        <a:solidFill>
+                          <a:srgbClr val="000000"/>
+                        </a:solidFill>
+                        <a:effectLst/>
+                        <a:latin typeface="等线" panose="02010600030101010101" pitchFamily="2" charset="-122"/>
+                        <a:ea typeface="等线" panose="02010600030101010101" pitchFamily="2" charset="-122"/>
+                      </a:endParaRPr>
+                    </a:p>
+                  </a:txBody>
+                  <a:tcPr marL="7620" marR="7620" marT="7620" marB="0" anchor="ctr"/>
+                </a:tc>
+                <a:tc>
+                  <a:txBody>
+                    <a:bodyPr/>
+                    <a:lstStyle/>
+                    <a:p>
+                      <a:pPr algn="ctr" fontAlgn="ctr"/>
+                      <a:r>
+                        <a:rPr lang="en-US" altLang="zh-CN" sz="1800" u="none" strike="noStrike">
+                          <a:effectLst/>
+                        </a:rPr>
+                        <a:t>40</a:t>
+                      </a:r>
+                      <a:endParaRPr lang="en-US" altLang="zh-CN" sz="1800" b="0" i="0" u="none" strike="noStrike">
+                        <a:solidFill>
+                          <a:srgbClr val="000000"/>
+                        </a:solidFill>
+                        <a:effectLst/>
+                        <a:latin typeface="等线" panose="02010600030101010101" pitchFamily="2" charset="-122"/>
+                        <a:ea typeface="等线" panose="02010600030101010101" pitchFamily="2" charset="-122"/>
+                      </a:endParaRPr>
+                    </a:p>
+                  </a:txBody>
+                  <a:tcPr marL="7620" marR="7620" marT="7620" marB="0" anchor="ctr"/>
+                </a:tc>
+                <a:tc>
+                  <a:txBody>
+                    <a:bodyPr/>
+                    <a:lstStyle/>
+                    <a:p>
+                      <a:pPr algn="ctr" fontAlgn="ctr"/>
+                      <a:r>
+                        <a:rPr lang="en-US" altLang="zh-CN" sz="1800" u="none" strike="noStrike">
+                          <a:effectLst/>
+                        </a:rPr>
+                        <a:t>60</a:t>
+                      </a:r>
+                      <a:endParaRPr lang="en-US" altLang="zh-CN" sz="1800" b="0" i="0" u="none" strike="noStrike">
+                        <a:solidFill>
+                          <a:srgbClr val="000000"/>
+                        </a:solidFill>
+                        <a:effectLst/>
+                        <a:latin typeface="等线" panose="02010600030101010101" pitchFamily="2" charset="-122"/>
+                        <a:ea typeface="等线" panose="02010600030101010101" pitchFamily="2" charset="-122"/>
+                      </a:endParaRPr>
+                    </a:p>
+                  </a:txBody>
+                  <a:tcPr marL="7620" marR="7620" marT="7620" marB="0" anchor="ctr"/>
+                </a:tc>
+                <a:tc>
+                  <a:txBody>
+                    <a:bodyPr/>
+                    <a:lstStyle/>
+                    <a:p>
+                      <a:pPr algn="ctr" fontAlgn="ctr"/>
+                      <a:r>
+                        <a:rPr lang="en-US" altLang="zh-CN" sz="1800" u="none" strike="noStrike">
+                          <a:effectLst/>
+                        </a:rPr>
+                        <a:t>100</a:t>
+                      </a:r>
+                      <a:endParaRPr lang="en-US" altLang="zh-CN" sz="1800" b="0" i="0" u="none" strike="noStrike">
+                        <a:solidFill>
+                          <a:srgbClr val="000000"/>
+                        </a:solidFill>
+                        <a:effectLst/>
+                        <a:latin typeface="等线" panose="02010600030101010101" pitchFamily="2" charset="-122"/>
+                        <a:ea typeface="等线" panose="02010600030101010101" pitchFamily="2" charset="-122"/>
+                      </a:endParaRPr>
+                    </a:p>
+                  </a:txBody>
+                  <a:tcPr marL="7620" marR="7620" marT="7620" marB="0" anchor="ctr"/>
+                </a:tc>
+                <a:extLst>
+                  <a:ext uri="{0D108BD9-81ED-4DB2-BD59-A6C34878D82A}">
+                    <a16:rowId xmlns:a16="http://schemas.microsoft.com/office/drawing/2014/main" val="950453381"/>
+                  </a:ext>
+                </a:extLst>
+              </a:tr>
+            </a:tbl>
+          </a:graphicData>
+        </a:graphic>
+      </p:graphicFrame>
+      <p:sp>
+        <p:nvSpPr>
+          <p:cNvPr id="6" name="乘号 5">
+            <a:extLst>
+              <a:ext uri="{FF2B5EF4-FFF2-40B4-BE49-F238E27FC236}">
+                <a16:creationId xmlns:a16="http://schemas.microsoft.com/office/drawing/2014/main" id="{3D828139-7C95-43F2-BF19-8930B7F6E590}"/>
+              </a:ext>
+            </a:extLst>
+          </p:cNvPr>
+          <p:cNvSpPr/>
+          <p:nvPr/>
+        </p:nvSpPr>
+        <p:spPr>
+          <a:xfrm>
+            <a:off x="3921278" y="3434961"/>
+            <a:ext cx="499648" cy="691764"/>
+          </a:xfrm>
+          <a:prstGeom prst="mathMultiply">
+            <a:avLst/>
+          </a:prstGeom>
+        </p:spPr>
+        <p:style>
+          <a:lnRef idx="2">
+            <a:schemeClr val="accent1">
+              <a:shade val="50000"/>
+            </a:schemeClr>
+          </a:lnRef>
+          <a:fillRef idx="1">
+            <a:schemeClr val="accent1"/>
+          </a:fillRef>
+          <a:effectRef idx="0">
+            <a:schemeClr val="accent1"/>
+          </a:effectRef>
+          <a:fontRef idx="minor">
+            <a:schemeClr val="lt1"/>
+          </a:fontRef>
+        </p:style>
+        <p:txBody>
+          <a:bodyPr rtlCol="0" anchor="ctr"/>
+          <a:lstStyle/>
+          <a:p>
+            <a:pPr algn="ctr"/>
+            <a:endParaRPr lang="zh-CN" altLang="en-US"/>
+          </a:p>
+        </p:txBody>
+      </p:sp>
+      <p:graphicFrame>
+        <p:nvGraphicFramePr>
+          <p:cNvPr id="7" name="表格 6">
+            <a:extLst>
+              <a:ext uri="{FF2B5EF4-FFF2-40B4-BE49-F238E27FC236}">
+                <a16:creationId xmlns:a16="http://schemas.microsoft.com/office/drawing/2014/main" id="{B2E32021-B069-490A-A113-5581B55A685A}"/>
+              </a:ext>
+            </a:extLst>
+          </p:cNvPr>
+          <p:cNvGraphicFramePr>
+            <a:graphicFrameLocks noGrp="1"/>
+          </p:cNvGraphicFramePr>
+          <p:nvPr>
+            <p:extLst>
+              <p:ext uri="{D42A27DB-BD31-4B8C-83A1-F6EECF244321}">
+                <p14:modId xmlns:p14="http://schemas.microsoft.com/office/powerpoint/2010/main" val="3292096330"/>
+              </p:ext>
+            </p:extLst>
+          </p:nvPr>
+        </p:nvGraphicFramePr>
+        <p:xfrm>
+          <a:off x="8460186" y="3551860"/>
+          <a:ext cx="3085329" cy="563880"/>
+        </p:xfrm>
+        <a:graphic>
+          <a:graphicData uri="http://schemas.openxmlformats.org/drawingml/2006/table">
+            <a:tbl>
+              <a:tblPr>
+                <a:tableStyleId>{5C22544A-7EE6-4342-B048-85BDC9FD1C3A}</a:tableStyleId>
+              </a:tblPr>
+              <a:tblGrid>
+                <a:gridCol w="762952">
+                  <a:extLst>
+                    <a:ext uri="{9D8B030D-6E8A-4147-A177-3AD203B41FA5}">
+                      <a16:colId xmlns:a16="http://schemas.microsoft.com/office/drawing/2014/main" val="522575774"/>
+                    </a:ext>
+                  </a:extLst>
+                </a:gridCol>
+                <a:gridCol w="535940">
+                  <a:extLst>
+                    <a:ext uri="{9D8B030D-6E8A-4147-A177-3AD203B41FA5}">
+                      <a16:colId xmlns:a16="http://schemas.microsoft.com/office/drawing/2014/main" val="907697836"/>
+                    </a:ext>
+                  </a:extLst>
+                </a:gridCol>
+                <a:gridCol w="535940">
+                  <a:extLst>
+                    <a:ext uri="{9D8B030D-6E8A-4147-A177-3AD203B41FA5}">
+                      <a16:colId xmlns:a16="http://schemas.microsoft.com/office/drawing/2014/main" val="566173974"/>
+                    </a:ext>
+                  </a:extLst>
+                </a:gridCol>
+                <a:gridCol w="535940">
+                  <a:extLst>
+                    <a:ext uri="{9D8B030D-6E8A-4147-A177-3AD203B41FA5}">
+                      <a16:colId xmlns:a16="http://schemas.microsoft.com/office/drawing/2014/main" val="4188794394"/>
+                    </a:ext>
+                  </a:extLst>
+                </a:gridCol>
+                <a:gridCol w="714557">
+                  <a:extLst>
+                    <a:ext uri="{9D8B030D-6E8A-4147-A177-3AD203B41FA5}">
+                      <a16:colId xmlns:a16="http://schemas.microsoft.com/office/drawing/2014/main" val="3671607614"/>
+                    </a:ext>
+                  </a:extLst>
+                </a:gridCol>
+              </a:tblGrid>
+              <a:tr h="121152">
+                <a:tc>
+                  <a:txBody>
+                    <a:bodyPr/>
+                    <a:lstStyle/>
+                    <a:p>
+                      <a:pPr algn="l" fontAlgn="ctr"/>
+                      <a:endParaRPr lang="zh-CN" altLang="en-US" sz="1800" b="0" i="0" u="none" strike="noStrike">
+                        <a:solidFill>
+                          <a:srgbClr val="000000"/>
+                        </a:solidFill>
+                        <a:effectLst/>
+                        <a:latin typeface="等线" panose="02010600030101010101" pitchFamily="2" charset="-122"/>
+                        <a:ea typeface="等线" panose="02010600030101010101" pitchFamily="2" charset="-122"/>
+                      </a:endParaRPr>
+                    </a:p>
+                  </a:txBody>
+                  <a:tcPr marL="7620" marR="7620" marT="7620" marB="0" anchor="ctr"/>
+                </a:tc>
+                <a:tc>
+                  <a:txBody>
+                    <a:bodyPr/>
+                    <a:lstStyle/>
+                    <a:p>
+                      <a:pPr algn="ctr" rtl="0" fontAlgn="ctr"/>
+                      <a:r>
+                        <a:rPr lang="zh-CN" altLang="en-US" sz="1800" u="none" strike="noStrike">
+                          <a:effectLst/>
+                        </a:rPr>
+                        <a:t>力量</a:t>
+                      </a:r>
+                      <a:endParaRPr lang="zh-CN" altLang="en-US" sz="1800" b="0" i="0" u="none" strike="noStrike">
+                        <a:solidFill>
+                          <a:srgbClr val="000000"/>
+                        </a:solidFill>
+                        <a:effectLst/>
+                        <a:latin typeface="Arial" panose="020B0604020202020204" pitchFamily="34" charset="0"/>
+                        <a:ea typeface="等线" panose="02010600030101010101" pitchFamily="2" charset="-122"/>
+                      </a:endParaRPr>
+                    </a:p>
+                  </a:txBody>
+                  <a:tcPr marL="7620" marR="7620" marT="7620" marB="0" anchor="ctr"/>
+                </a:tc>
+                <a:tc>
+                  <a:txBody>
+                    <a:bodyPr/>
+                    <a:lstStyle/>
+                    <a:p>
+                      <a:pPr algn="ctr" rtl="0" fontAlgn="ctr"/>
+                      <a:r>
+                        <a:rPr lang="zh-CN" altLang="en-US" sz="1800" u="none" strike="noStrike">
+                          <a:effectLst/>
+                        </a:rPr>
+                        <a:t>魔法</a:t>
+                      </a:r>
+                      <a:endParaRPr lang="zh-CN" altLang="en-US" sz="1800" b="0" i="0" u="none" strike="noStrike">
+                        <a:solidFill>
+                          <a:srgbClr val="000000"/>
+                        </a:solidFill>
+                        <a:effectLst/>
+                        <a:latin typeface="Arial" panose="020B0604020202020204" pitchFamily="34" charset="0"/>
+                        <a:ea typeface="等线" panose="02010600030101010101" pitchFamily="2" charset="-122"/>
+                      </a:endParaRPr>
+                    </a:p>
+                  </a:txBody>
+                  <a:tcPr marL="7620" marR="7620" marT="7620" marB="0" anchor="ctr"/>
+                </a:tc>
+                <a:tc>
+                  <a:txBody>
+                    <a:bodyPr/>
+                    <a:lstStyle/>
+                    <a:p>
+                      <a:pPr algn="ctr" rtl="0" fontAlgn="ctr"/>
+                      <a:r>
+                        <a:rPr lang="zh-CN" altLang="en-US" sz="1800" u="none" strike="noStrike">
+                          <a:effectLst/>
+                        </a:rPr>
+                        <a:t>血槽</a:t>
+                      </a:r>
+                      <a:endParaRPr lang="zh-CN" altLang="en-US" sz="1800" b="0" i="0" u="none" strike="noStrike">
+                        <a:solidFill>
+                          <a:srgbClr val="000000"/>
+                        </a:solidFill>
+                        <a:effectLst/>
+                        <a:latin typeface="Arial" panose="020B0604020202020204" pitchFamily="34" charset="0"/>
+                        <a:ea typeface="等线" panose="02010600030101010101" pitchFamily="2" charset="-122"/>
+                      </a:endParaRPr>
+                    </a:p>
+                  </a:txBody>
+                  <a:tcPr marL="7620" marR="7620" marT="7620" marB="0" anchor="ctr"/>
+                </a:tc>
+                <a:tc>
+                  <a:txBody>
+                    <a:bodyPr/>
+                    <a:lstStyle/>
+                    <a:p>
+                      <a:pPr algn="ctr" rtl="0" fontAlgn="ctr"/>
+                      <a:r>
+                        <a:rPr lang="zh-CN" altLang="en-US" sz="1800" u="none" strike="noStrike">
+                          <a:effectLst/>
+                        </a:rPr>
+                        <a:t>敏捷</a:t>
+                      </a:r>
+                      <a:endParaRPr lang="zh-CN" altLang="en-US" sz="1800" b="0" i="0" u="none" strike="noStrike">
+                        <a:solidFill>
+                          <a:srgbClr val="000000"/>
+                        </a:solidFill>
+                        <a:effectLst/>
+                        <a:latin typeface="Arial" panose="020B0604020202020204" pitchFamily="34" charset="0"/>
+                        <a:ea typeface="等线" panose="02010600030101010101" pitchFamily="2" charset="-122"/>
+                      </a:endParaRPr>
+                    </a:p>
+                  </a:txBody>
+                  <a:tcPr marL="7620" marR="7620" marT="7620" marB="0" anchor="ctr"/>
+                </a:tc>
+                <a:extLst>
+                  <a:ext uri="{0D108BD9-81ED-4DB2-BD59-A6C34878D82A}">
+                    <a16:rowId xmlns:a16="http://schemas.microsoft.com/office/drawing/2014/main" val="3429710312"/>
+                  </a:ext>
+                </a:extLst>
+              </a:tr>
+              <a:tr h="239029">
+                <a:tc>
+                  <a:txBody>
+                    <a:bodyPr/>
+                    <a:lstStyle/>
+                    <a:p>
+                      <a:pPr algn="ctr" fontAlgn="ctr"/>
+                      <a:r>
+                        <a:rPr lang="zh-CN" altLang="en-US" sz="1800" b="0" i="0" u="none" strike="noStrike">
+                          <a:solidFill>
+                            <a:srgbClr val="000000"/>
+                          </a:solidFill>
+                          <a:effectLst/>
+                          <a:latin typeface="华文新魏" panose="02010800040101010101" pitchFamily="2" charset="-122"/>
+                          <a:ea typeface="+mn-ea"/>
+                        </a:rPr>
+                        <a:t>骑法师</a:t>
+                      </a:r>
+                    </a:p>
+                  </a:txBody>
+                  <a:tcPr marL="7620" marR="7620" marT="7620" marB="0" anchor="ctr"/>
+                </a:tc>
+                <a:tc>
+                  <a:txBody>
+                    <a:bodyPr/>
+                    <a:lstStyle/>
+                    <a:p>
+                      <a:pPr algn="ctr" fontAlgn="ctr"/>
+                      <a:r>
+                        <a:rPr lang="en-US" altLang="zh-CN" sz="1800" u="none" strike="noStrike">
+                          <a:effectLst/>
+                        </a:rPr>
+                        <a:t>65</a:t>
+                      </a:r>
+                      <a:endParaRPr lang="en-US" altLang="zh-CN" sz="1800" b="0" i="0" u="none" strike="noStrike">
+                        <a:solidFill>
+                          <a:srgbClr val="000000"/>
+                        </a:solidFill>
+                        <a:effectLst/>
+                        <a:latin typeface="等线" panose="02010600030101010101" pitchFamily="2" charset="-122"/>
+                        <a:ea typeface="等线" panose="02010600030101010101" pitchFamily="2" charset="-122"/>
+                      </a:endParaRPr>
+                    </a:p>
+                  </a:txBody>
+                  <a:tcPr marL="7620" marR="7620" marT="7620" marB="0" anchor="ctr"/>
+                </a:tc>
+                <a:tc>
+                  <a:txBody>
+                    <a:bodyPr/>
+                    <a:lstStyle/>
+                    <a:p>
+                      <a:pPr algn="ctr" fontAlgn="ctr"/>
+                      <a:r>
+                        <a:rPr lang="en-US" altLang="zh-CN" sz="1800" u="none" strike="noStrike">
+                          <a:effectLst/>
+                        </a:rPr>
+                        <a:t>65</a:t>
+                      </a:r>
+                      <a:endParaRPr lang="en-US" altLang="zh-CN" sz="1800" b="0" i="0" u="none" strike="noStrike">
+                        <a:solidFill>
+                          <a:srgbClr val="000000"/>
+                        </a:solidFill>
+                        <a:effectLst/>
+                        <a:latin typeface="等线" panose="02010600030101010101" pitchFamily="2" charset="-122"/>
+                        <a:ea typeface="等线" panose="02010600030101010101" pitchFamily="2" charset="-122"/>
+                      </a:endParaRPr>
+                    </a:p>
+                  </a:txBody>
+                  <a:tcPr marL="7620" marR="7620" marT="7620" marB="0" anchor="ctr"/>
+                </a:tc>
+                <a:tc>
+                  <a:txBody>
+                    <a:bodyPr/>
+                    <a:lstStyle/>
+                    <a:p>
+                      <a:pPr algn="ctr" fontAlgn="ctr"/>
+                      <a:r>
+                        <a:rPr lang="en-US" altLang="zh-CN" sz="1800" u="none" strike="noStrike">
+                          <a:effectLst/>
+                        </a:rPr>
+                        <a:t>65</a:t>
+                      </a:r>
+                      <a:endParaRPr lang="en-US" altLang="zh-CN" sz="1800" b="0" i="0" u="none" strike="noStrike">
+                        <a:solidFill>
+                          <a:srgbClr val="000000"/>
+                        </a:solidFill>
+                        <a:effectLst/>
+                        <a:latin typeface="等线" panose="02010600030101010101" pitchFamily="2" charset="-122"/>
+                        <a:ea typeface="等线" panose="02010600030101010101" pitchFamily="2" charset="-122"/>
+                      </a:endParaRPr>
+                    </a:p>
+                  </a:txBody>
+                  <a:tcPr marL="7620" marR="7620" marT="7620" marB="0" anchor="ctr"/>
+                </a:tc>
+                <a:tc>
+                  <a:txBody>
+                    <a:bodyPr/>
+                    <a:lstStyle/>
+                    <a:p>
+                      <a:pPr algn="ctr" fontAlgn="ctr"/>
+                      <a:r>
+                        <a:rPr lang="en-US" altLang="zh-CN" sz="1800" u="none" strike="noStrike">
+                          <a:effectLst/>
+                        </a:rPr>
+                        <a:t>70</a:t>
+                      </a:r>
+                      <a:endParaRPr lang="en-US" altLang="zh-CN" sz="1800" b="0" i="0" u="none" strike="noStrike">
+                        <a:solidFill>
+                          <a:srgbClr val="000000"/>
+                        </a:solidFill>
+                        <a:effectLst/>
+                        <a:latin typeface="等线" panose="02010600030101010101" pitchFamily="2" charset="-122"/>
+                        <a:ea typeface="等线" panose="02010600030101010101" pitchFamily="2" charset="-122"/>
+                      </a:endParaRPr>
+                    </a:p>
+                  </a:txBody>
+                  <a:tcPr marL="7620" marR="7620" marT="7620" marB="0" anchor="ctr"/>
+                </a:tc>
+                <a:extLst>
+                  <a:ext uri="{0D108BD9-81ED-4DB2-BD59-A6C34878D82A}">
+                    <a16:rowId xmlns:a16="http://schemas.microsoft.com/office/drawing/2014/main" val="2061058679"/>
+                  </a:ext>
+                </a:extLst>
+              </a:tr>
+            </a:tbl>
+          </a:graphicData>
+        </a:graphic>
+      </p:graphicFrame>
+      <p:sp>
+        <p:nvSpPr>
+          <p:cNvPr id="8" name="等号 7">
+            <a:extLst>
+              <a:ext uri="{FF2B5EF4-FFF2-40B4-BE49-F238E27FC236}">
+                <a16:creationId xmlns:a16="http://schemas.microsoft.com/office/drawing/2014/main" id="{8B9E1F72-1CE3-4EFA-8988-DCB920D03CBF}"/>
+              </a:ext>
+            </a:extLst>
+          </p:cNvPr>
+          <p:cNvSpPr/>
+          <p:nvPr/>
+        </p:nvSpPr>
+        <p:spPr>
+          <a:xfrm>
+            <a:off x="7847409" y="3649647"/>
+            <a:ext cx="526269" cy="381663"/>
+          </a:xfrm>
+          <a:prstGeom prst="mathEqual">
+            <a:avLst/>
+          </a:prstGeom>
+        </p:spPr>
+        <p:style>
+          <a:lnRef idx="2">
+            <a:schemeClr val="accent1">
+              <a:shade val="50000"/>
+            </a:schemeClr>
+          </a:lnRef>
+          <a:fillRef idx="1">
+            <a:schemeClr val="accent1"/>
+          </a:fillRef>
+          <a:effectRef idx="0">
+            <a:schemeClr val="accent1"/>
+          </a:effectRef>
+          <a:fontRef idx="minor">
+            <a:schemeClr val="lt1"/>
+          </a:fontRef>
+        </p:style>
+        <p:txBody>
+          <a:bodyPr rtlCol="0" anchor="ctr"/>
+          <a:lstStyle/>
+          <a:p>
+            <a:pPr algn="ctr"/>
+            <a:endParaRPr lang="zh-CN" altLang="en-US">
+              <a:solidFill>
+                <a:schemeClr val="tx1"/>
+              </a:solidFill>
+            </a:endParaRPr>
+          </a:p>
+        </p:txBody>
+      </p:sp>
+      <p:sp>
+        <p:nvSpPr>
+          <p:cNvPr id="11" name="文本框 10">
+            <a:extLst>
+              <a:ext uri="{FF2B5EF4-FFF2-40B4-BE49-F238E27FC236}">
+                <a16:creationId xmlns:a16="http://schemas.microsoft.com/office/drawing/2014/main" id="{3DA6DF54-6BCD-400A-A545-FC03AEBCCAFD}"/>
+              </a:ext>
+            </a:extLst>
+          </p:cNvPr>
+          <p:cNvSpPr txBox="1"/>
+          <p:nvPr/>
+        </p:nvSpPr>
+        <p:spPr>
+          <a:xfrm>
+            <a:off x="4412976" y="4572010"/>
+            <a:ext cx="906448" cy="523220"/>
+          </a:xfrm>
+          <a:prstGeom prst="rect">
+            <a:avLst/>
+          </a:prstGeom>
+          <a:noFill/>
+        </p:spPr>
+        <p:txBody>
+          <a:bodyPr wrap="square" rtlCol="0">
+            <a:spAutoFit/>
+          </a:bodyPr>
+          <a:lstStyle/>
+          <a:p>
+            <a:r>
+              <a:rPr lang="zh-CN" altLang="en-US" sz="2800">
+                <a:solidFill>
+                  <a:srgbClr val="C00000"/>
+                </a:solidFill>
+              </a:rPr>
+              <a:t>输入</a:t>
+            </a:r>
+          </a:p>
+        </p:txBody>
+      </p:sp>
+      <p:sp>
+        <p:nvSpPr>
+          <p:cNvPr id="12" name="文本框 11">
+            <a:extLst>
+              <a:ext uri="{FF2B5EF4-FFF2-40B4-BE49-F238E27FC236}">
+                <a16:creationId xmlns:a16="http://schemas.microsoft.com/office/drawing/2014/main" id="{D74896A9-D9EF-4D97-9072-B469B77AF90D}"/>
+              </a:ext>
+            </a:extLst>
+          </p:cNvPr>
+          <p:cNvSpPr txBox="1"/>
+          <p:nvPr/>
+        </p:nvSpPr>
+        <p:spPr>
+          <a:xfrm>
+            <a:off x="5710364" y="2637422"/>
+            <a:ext cx="905122" cy="523220"/>
+          </a:xfrm>
+          <a:prstGeom prst="rect">
+            <a:avLst/>
+          </a:prstGeom>
+          <a:noFill/>
+        </p:spPr>
+        <p:txBody>
+          <a:bodyPr wrap="square" rtlCol="0">
+            <a:spAutoFit/>
+          </a:bodyPr>
+          <a:lstStyle/>
+          <a:p>
+            <a:r>
+              <a:rPr lang="zh-CN" altLang="en-US" sz="2800">
+                <a:solidFill>
+                  <a:srgbClr val="C00000"/>
+                </a:solidFill>
+              </a:rPr>
+              <a:t>输出</a:t>
+            </a:r>
+          </a:p>
+        </p:txBody>
+      </p:sp>
+    </p:spTree>
+    <p:extLst>
+      <p:ext uri="{BB962C8B-B14F-4D97-AF65-F5344CB8AC3E}">
+        <p14:creationId xmlns:p14="http://schemas.microsoft.com/office/powerpoint/2010/main" val="1037827869"/>
+      </p:ext>
+    </p:extLst>
+  </p:cSld>
+  <p:clrMapOvr>
+    <a:masterClrMapping/>
+  </p:clrMapOvr>
+</p:sld>
+</file>
+
+<file path=ppt/slides/slide12.xml><?xml version="1.0" encoding="utf-8"?>
+<p:sld xmlns:a="http://schemas.openxmlformats.org/drawingml/2006/main" xmlns:r="http://schemas.openxmlformats.org/officeDocument/2006/relationships" xmlns:p="http://schemas.openxmlformats.org/presentationml/2006/main">
+  <p:cSld>
+    <p:spTree>
+      <p:nvGrpSpPr>
+        <p:cNvPr id="1" name=""/>
+        <p:cNvGrpSpPr/>
+        <p:nvPr/>
+      </p:nvGrpSpPr>
+      <p:grpSpPr>
+        <a:xfrm>
+          <a:off x="0" y="0"/>
+          <a:ext cx="0" cy="0"/>
+          <a:chOff x="0" y="0"/>
+          <a:chExt cx="0" cy="0"/>
+        </a:xfrm>
+      </p:grpSpPr>
+      <p:sp>
+        <p:nvSpPr>
+          <p:cNvPr id="2" name="标题 1">
+            <a:extLst>
+              <a:ext uri="{FF2B5EF4-FFF2-40B4-BE49-F238E27FC236}">
                 <a16:creationId xmlns:a16="http://schemas.microsoft.com/office/drawing/2014/main" id="{A8ABC7CF-506D-4E3F-9163-CE146CD37EF1}"/>
               </a:ext>
             </a:extLst>
@@ -6040,7 +7717,7 @@
 </p:sld>
 </file>
 
-<file path=ppt/slides/slide11.xml><?xml version="1.0" encoding="utf-8"?>
+<file path=ppt/slides/slide13.xml><?xml version="1.0" encoding="utf-8"?>
 <p:sld xmlns:a="http://schemas.openxmlformats.org/drawingml/2006/main" xmlns:r="http://schemas.openxmlformats.org/officeDocument/2006/relationships" xmlns:p="http://schemas.openxmlformats.org/presentationml/2006/main">
   <p:cSld>
     <p:spTree>
@@ -6219,7 +7896,7 @@
 </p:sld>
 </file>
 
-<file path=ppt/slides/slide12.xml><?xml version="1.0" encoding="utf-8"?>
+<file path=ppt/slides/slide14.xml><?xml version="1.0" encoding="utf-8"?>
 <p:sld xmlns:a="http://schemas.openxmlformats.org/drawingml/2006/main" xmlns:r="http://schemas.openxmlformats.org/officeDocument/2006/relationships" xmlns:p="http://schemas.openxmlformats.org/presentationml/2006/main">
   <p:cSld>
     <p:spTree>
@@ -6406,7 +8083,7 @@
 </p:sld>
 </file>
 
-<file path=ppt/slides/slide13.xml><?xml version="1.0" encoding="utf-8"?>
+<file path=ppt/slides/slide15.xml><?xml version="1.0" encoding="utf-8"?>
 <p:sld xmlns:a="http://schemas.openxmlformats.org/drawingml/2006/main" xmlns:r="http://schemas.openxmlformats.org/officeDocument/2006/relationships" xmlns:p="http://schemas.openxmlformats.org/presentationml/2006/main">
   <p:cSld>
     <p:spTree>
@@ -6564,7 +8241,7 @@
 </p:sld>
 </file>
 
-<file path=ppt/slides/slide14.xml><?xml version="1.0" encoding="utf-8"?>
+<file path=ppt/slides/slide16.xml><?xml version="1.0" encoding="utf-8"?>
 <p:sld xmlns:a="http://schemas.openxmlformats.org/drawingml/2006/main" xmlns:r="http://schemas.openxmlformats.org/officeDocument/2006/relationships" xmlns:p="http://schemas.openxmlformats.org/presentationml/2006/main">
   <p:cSld>
     <p:spTree>
@@ -6687,7 +8364,7 @@
 </p:sld>
 </file>
 
-<file path=ppt/slides/slide15.xml><?xml version="1.0" encoding="utf-8"?>
+<file path=ppt/slides/slide17.xml><?xml version="1.0" encoding="utf-8"?>
 <p:sld xmlns:a="http://schemas.openxmlformats.org/drawingml/2006/main" xmlns:r="http://schemas.openxmlformats.org/officeDocument/2006/relationships" xmlns:p="http://schemas.openxmlformats.org/presentationml/2006/main">
   <p:cSld>
     <p:spTree>
@@ -6856,7 +8533,7 @@
 </p:sld>
 </file>
 
-<file path=ppt/slides/slide16.xml><?xml version="1.0" encoding="utf-8"?>
+<file path=ppt/slides/slide18.xml><?xml version="1.0" encoding="utf-8"?>
 <p:sld xmlns:a="http://schemas.openxmlformats.org/drawingml/2006/main" xmlns:r="http://schemas.openxmlformats.org/officeDocument/2006/relationships" xmlns:p="http://schemas.openxmlformats.org/presentationml/2006/main">
   <p:cSld>
     <p:spTree>
@@ -6987,7 +8664,7 @@
 </p:sld>
 </file>
 
-<file path=ppt/slides/slide17.xml><?xml version="1.0" encoding="utf-8"?>
+<file path=ppt/slides/slide19.xml><?xml version="1.0" encoding="utf-8"?>
 <p:sld xmlns:a="http://schemas.openxmlformats.org/drawingml/2006/main" xmlns:r="http://schemas.openxmlformats.org/officeDocument/2006/relationships" xmlns:p="http://schemas.openxmlformats.org/presentationml/2006/main">
   <p:cSld>
     <p:spTree>
@@ -7071,272 +8748,6 @@
     <p:extLst>
       <p:ext uri="{BB962C8B-B14F-4D97-AF65-F5344CB8AC3E}">
         <p14:creationId xmlns:p14="http://schemas.microsoft.com/office/powerpoint/2010/main" val="1910149389"/>
-      </p:ext>
-    </p:extLst>
-  </p:cSld>
-  <p:clrMapOvr>
-    <a:masterClrMapping/>
-  </p:clrMapOvr>
-</p:sld>
-</file>
-
-<file path=ppt/slides/slide18.xml><?xml version="1.0" encoding="utf-8"?>
-<p:sld xmlns:a="http://schemas.openxmlformats.org/drawingml/2006/main" xmlns:r="http://schemas.openxmlformats.org/officeDocument/2006/relationships" xmlns:p="http://schemas.openxmlformats.org/presentationml/2006/main">
-  <p:cSld>
-    <p:spTree>
-      <p:nvGrpSpPr>
-        <p:cNvPr id="1" name=""/>
-        <p:cNvGrpSpPr/>
-        <p:nvPr/>
-      </p:nvGrpSpPr>
-      <p:grpSpPr>
-        <a:xfrm>
-          <a:off x="0" y="0"/>
-          <a:ext cx="0" cy="0"/>
-          <a:chOff x="0" y="0"/>
-          <a:chExt cx="0" cy="0"/>
-        </a:xfrm>
-      </p:grpSpPr>
-      <p:sp>
-        <p:nvSpPr>
-          <p:cNvPr id="2" name="标题 1">
-            <a:extLst>
-              <a:ext uri="{FF2B5EF4-FFF2-40B4-BE49-F238E27FC236}">
-                <a16:creationId xmlns:a16="http://schemas.microsoft.com/office/drawing/2014/main" id="{477677DB-EE33-4D12-AA2E-48D94CFECE73}"/>
-              </a:ext>
-            </a:extLst>
-          </p:cNvPr>
-          <p:cNvSpPr>
-            <a:spLocks noGrp="1"/>
-          </p:cNvSpPr>
-          <p:nvPr>
-            <p:ph type="title"/>
-          </p:nvPr>
-        </p:nvSpPr>
-        <p:spPr/>
-        <p:txBody>
-          <a:bodyPr/>
-          <a:lstStyle/>
-          <a:p>
-            <a:r>
-              <a:rPr lang="zh-CN" altLang="en-US"/>
-              <a:t>稀疏矩阵</a:t>
-            </a:r>
-          </a:p>
-        </p:txBody>
-      </p:sp>
-      <p:pic>
-        <p:nvPicPr>
-          <p:cNvPr id="9" name="内容占位符 8">
-            <a:extLst>
-              <a:ext uri="{FF2B5EF4-FFF2-40B4-BE49-F238E27FC236}">
-                <a16:creationId xmlns:a16="http://schemas.microsoft.com/office/drawing/2014/main" id="{B5A2D85B-9B6A-47FA-AE3A-041C2D8099BC}"/>
-              </a:ext>
-            </a:extLst>
-          </p:cNvPr>
-          <p:cNvPicPr>
-            <a:picLocks noGrp="1" noChangeAspect="1"/>
-          </p:cNvPicPr>
-          <p:nvPr>
-            <p:ph idx="1"/>
-          </p:nvPr>
-        </p:nvPicPr>
-        <p:blipFill>
-          <a:blip r:embed="rId2">
-            <a:extLst>
-              <a:ext uri="{28A0092B-C50C-407E-A947-70E740481C1C}">
-                <a14:useLocalDpi xmlns:a14="http://schemas.microsoft.com/office/drawing/2010/main" val="0"/>
-              </a:ext>
-            </a:extLst>
-          </a:blip>
-          <a:stretch>
-            <a:fillRect/>
-          </a:stretch>
-        </p:blipFill>
-        <p:spPr>
-          <a:xfrm>
-            <a:off x="556831" y="1503262"/>
-            <a:ext cx="10726070" cy="5144693"/>
-          </a:xfrm>
-        </p:spPr>
-      </p:pic>
-    </p:spTree>
-    <p:extLst>
-      <p:ext uri="{BB962C8B-B14F-4D97-AF65-F5344CB8AC3E}">
-        <p14:creationId xmlns:p14="http://schemas.microsoft.com/office/powerpoint/2010/main" val="4051428488"/>
-      </p:ext>
-    </p:extLst>
-  </p:cSld>
-  <p:clrMapOvr>
-    <a:masterClrMapping/>
-  </p:clrMapOvr>
-</p:sld>
-</file>
-
-<file path=ppt/slides/slide19.xml><?xml version="1.0" encoding="utf-8"?>
-<p:sld xmlns:a="http://schemas.openxmlformats.org/drawingml/2006/main" xmlns:r="http://schemas.openxmlformats.org/officeDocument/2006/relationships" xmlns:p="http://schemas.openxmlformats.org/presentationml/2006/main">
-  <p:cSld>
-    <p:spTree>
-      <p:nvGrpSpPr>
-        <p:cNvPr id="1" name=""/>
-        <p:cNvGrpSpPr/>
-        <p:nvPr/>
-      </p:nvGrpSpPr>
-      <p:grpSpPr>
-        <a:xfrm>
-          <a:off x="0" y="0"/>
-          <a:ext cx="0" cy="0"/>
-          <a:chOff x="0" y="0"/>
-          <a:chExt cx="0" cy="0"/>
-        </a:xfrm>
-      </p:grpSpPr>
-      <p:sp>
-        <p:nvSpPr>
-          <p:cNvPr id="2" name="标题 1">
-            <a:extLst>
-              <a:ext uri="{FF2B5EF4-FFF2-40B4-BE49-F238E27FC236}">
-                <a16:creationId xmlns:a16="http://schemas.microsoft.com/office/drawing/2014/main" id="{CA9AF65F-9B35-4D40-8EA8-EBC6A6CC1ADA}"/>
-              </a:ext>
-            </a:extLst>
-          </p:cNvPr>
-          <p:cNvSpPr>
-            <a:spLocks noGrp="1"/>
-          </p:cNvSpPr>
-          <p:nvPr>
-            <p:ph type="title"/>
-          </p:nvPr>
-        </p:nvSpPr>
-        <p:spPr/>
-        <p:txBody>
-          <a:bodyPr/>
-          <a:lstStyle/>
-          <a:p>
-            <a:r>
-              <a:rPr lang="zh-CN" altLang="en-US"/>
-              <a:t>蛋白质互作网络是一个稀疏矩阵</a:t>
-            </a:r>
-          </a:p>
-        </p:txBody>
-      </p:sp>
-      <p:pic>
-        <p:nvPicPr>
-          <p:cNvPr id="5" name="内容占位符 4">
-            <a:extLst>
-              <a:ext uri="{FF2B5EF4-FFF2-40B4-BE49-F238E27FC236}">
-                <a16:creationId xmlns:a16="http://schemas.microsoft.com/office/drawing/2014/main" id="{D7808EA2-09C4-4E9F-9F11-76E4225042BB}"/>
-              </a:ext>
-            </a:extLst>
-          </p:cNvPr>
-          <p:cNvPicPr>
-            <a:picLocks noGrp="1" noChangeAspect="1"/>
-          </p:cNvPicPr>
-          <p:nvPr>
-            <p:ph idx="1"/>
-          </p:nvPr>
-        </p:nvPicPr>
-        <p:blipFill>
-          <a:blip r:embed="rId2">
-            <a:extLst>
-              <a:ext uri="{28A0092B-C50C-407E-A947-70E740481C1C}">
-                <a14:useLocalDpi xmlns:a14="http://schemas.microsoft.com/office/drawing/2010/main" val="0"/>
-              </a:ext>
-            </a:extLst>
-          </a:blip>
-          <a:stretch>
-            <a:fillRect/>
-          </a:stretch>
-        </p:blipFill>
-        <p:spPr>
-          <a:xfrm>
-            <a:off x="6828289" y="1953861"/>
-            <a:ext cx="5171767" cy="4732167"/>
-          </a:xfrm>
-        </p:spPr>
-      </p:pic>
-      <p:sp>
-        <p:nvSpPr>
-          <p:cNvPr id="6" name="文本框 5">
-            <a:extLst>
-              <a:ext uri="{FF2B5EF4-FFF2-40B4-BE49-F238E27FC236}">
-                <a16:creationId xmlns:a16="http://schemas.microsoft.com/office/drawing/2014/main" id="{34AFA258-3306-460F-9372-20C240628DC8}"/>
-              </a:ext>
-            </a:extLst>
-          </p:cNvPr>
-          <p:cNvSpPr txBox="1"/>
-          <p:nvPr/>
-        </p:nvSpPr>
-        <p:spPr>
-          <a:xfrm>
-            <a:off x="462717" y="1661820"/>
-            <a:ext cx="4968024" cy="4893647"/>
-          </a:xfrm>
-          <a:prstGeom prst="rect">
-            <a:avLst/>
-          </a:prstGeom>
-          <a:noFill/>
-        </p:spPr>
-        <p:txBody>
-          <a:bodyPr wrap="square" rtlCol="0">
-            <a:spAutoFit/>
-          </a:bodyPr>
-          <a:lstStyle/>
-          <a:p>
-            <a:r>
-              <a:rPr lang="zh-CN" altLang="en-US" sz="2400"/>
-              <a:t>蜘蛛和蜜蜂结婚了。</a:t>
-            </a:r>
-            <a:endParaRPr lang="en-US" altLang="zh-CN" sz="2400"/>
-          </a:p>
-          <a:p>
-            <a:br>
-              <a:rPr lang="zh-CN" altLang="en-US" sz="2400"/>
-            </a:br>
-            <a:r>
-              <a:rPr lang="zh-CN" altLang="en-US" sz="2400"/>
-              <a:t>蜘蛛感到很难过，就问他的妈妈说：「你为何一定要我娶蜜蜂？」</a:t>
-            </a:r>
-            <a:endParaRPr lang="en-US" altLang="zh-CN" sz="2400"/>
-          </a:p>
-          <a:p>
-            <a:br>
-              <a:rPr lang="zh-CN" altLang="en-US" sz="2400"/>
-            </a:br>
-            <a:r>
-              <a:rPr lang="zh-CN" altLang="en-US" sz="2400"/>
-              <a:t>蜘蛛的妈妈说：「蜜蜂是吵了点，但人家好歹也是个空姐。」</a:t>
-            </a:r>
-            <a:endParaRPr lang="en-US" altLang="zh-CN" sz="2400"/>
-          </a:p>
-          <a:p>
-            <a:br>
-              <a:rPr lang="zh-CN" altLang="en-US" sz="2400"/>
-            </a:br>
-            <a:r>
-              <a:rPr lang="zh-CN" altLang="en-US" sz="2400"/>
-              <a:t>蜜蜂也感到很难过，也问她的妈妈：「为什么要让我嫁给蜘蛛呢？」</a:t>
-            </a:r>
-            <a:endParaRPr lang="en-US" altLang="zh-CN" sz="2400"/>
-          </a:p>
-          <a:p>
-            <a:br>
-              <a:rPr lang="zh-CN" altLang="en-US" sz="2400"/>
-            </a:br>
-            <a:r>
-              <a:rPr lang="zh-CN" altLang="en-US" sz="2400"/>
-              <a:t>蜜蜂的妈妈说：「蜘蛛是丑了一点，但人家好歹也是搞网络的</a:t>
-            </a:r>
-            <a:r>
-              <a:rPr lang="en-US" altLang="zh-CN" sz="2400"/>
-              <a:t>...</a:t>
-            </a:r>
-            <a:endParaRPr lang="zh-CN" altLang="en-US" sz="2400"/>
-          </a:p>
-        </p:txBody>
-      </p:sp>
-    </p:spTree>
-    <p:extLst>
-      <p:ext uri="{BB962C8B-B14F-4D97-AF65-F5344CB8AC3E}">
-        <p14:creationId xmlns:p14="http://schemas.microsoft.com/office/powerpoint/2010/main" val="1806102885"/>
       </p:ext>
     </p:extLst>
   </p:cSld>
@@ -7549,6 +8960,272 @@
           <p:cNvPr id="2" name="标题 1">
             <a:extLst>
               <a:ext uri="{FF2B5EF4-FFF2-40B4-BE49-F238E27FC236}">
+                <a16:creationId xmlns:a16="http://schemas.microsoft.com/office/drawing/2014/main" id="{477677DB-EE33-4D12-AA2E-48D94CFECE73}"/>
+              </a:ext>
+            </a:extLst>
+          </p:cNvPr>
+          <p:cNvSpPr>
+            <a:spLocks noGrp="1"/>
+          </p:cNvSpPr>
+          <p:nvPr>
+            <p:ph type="title"/>
+          </p:nvPr>
+        </p:nvSpPr>
+        <p:spPr/>
+        <p:txBody>
+          <a:bodyPr/>
+          <a:lstStyle/>
+          <a:p>
+            <a:r>
+              <a:rPr lang="zh-CN" altLang="en-US"/>
+              <a:t>稀疏矩阵</a:t>
+            </a:r>
+          </a:p>
+        </p:txBody>
+      </p:sp>
+      <p:pic>
+        <p:nvPicPr>
+          <p:cNvPr id="9" name="内容占位符 8">
+            <a:extLst>
+              <a:ext uri="{FF2B5EF4-FFF2-40B4-BE49-F238E27FC236}">
+                <a16:creationId xmlns:a16="http://schemas.microsoft.com/office/drawing/2014/main" id="{B5A2D85B-9B6A-47FA-AE3A-041C2D8099BC}"/>
+              </a:ext>
+            </a:extLst>
+          </p:cNvPr>
+          <p:cNvPicPr>
+            <a:picLocks noGrp="1" noChangeAspect="1"/>
+          </p:cNvPicPr>
+          <p:nvPr>
+            <p:ph idx="1"/>
+          </p:nvPr>
+        </p:nvPicPr>
+        <p:blipFill>
+          <a:blip r:embed="rId2">
+            <a:extLst>
+              <a:ext uri="{28A0092B-C50C-407E-A947-70E740481C1C}">
+                <a14:useLocalDpi xmlns:a14="http://schemas.microsoft.com/office/drawing/2010/main" val="0"/>
+              </a:ext>
+            </a:extLst>
+          </a:blip>
+          <a:stretch>
+            <a:fillRect/>
+          </a:stretch>
+        </p:blipFill>
+        <p:spPr>
+          <a:xfrm>
+            <a:off x="556831" y="1503262"/>
+            <a:ext cx="10726070" cy="5144693"/>
+          </a:xfrm>
+        </p:spPr>
+      </p:pic>
+    </p:spTree>
+    <p:extLst>
+      <p:ext uri="{BB962C8B-B14F-4D97-AF65-F5344CB8AC3E}">
+        <p14:creationId xmlns:p14="http://schemas.microsoft.com/office/powerpoint/2010/main" val="4051428488"/>
+      </p:ext>
+    </p:extLst>
+  </p:cSld>
+  <p:clrMapOvr>
+    <a:masterClrMapping/>
+  </p:clrMapOvr>
+</p:sld>
+</file>
+
+<file path=ppt/slides/slide21.xml><?xml version="1.0" encoding="utf-8"?>
+<p:sld xmlns:a="http://schemas.openxmlformats.org/drawingml/2006/main" xmlns:r="http://schemas.openxmlformats.org/officeDocument/2006/relationships" xmlns:p="http://schemas.openxmlformats.org/presentationml/2006/main">
+  <p:cSld>
+    <p:spTree>
+      <p:nvGrpSpPr>
+        <p:cNvPr id="1" name=""/>
+        <p:cNvGrpSpPr/>
+        <p:nvPr/>
+      </p:nvGrpSpPr>
+      <p:grpSpPr>
+        <a:xfrm>
+          <a:off x="0" y="0"/>
+          <a:ext cx="0" cy="0"/>
+          <a:chOff x="0" y="0"/>
+          <a:chExt cx="0" cy="0"/>
+        </a:xfrm>
+      </p:grpSpPr>
+      <p:sp>
+        <p:nvSpPr>
+          <p:cNvPr id="2" name="标题 1">
+            <a:extLst>
+              <a:ext uri="{FF2B5EF4-FFF2-40B4-BE49-F238E27FC236}">
+                <a16:creationId xmlns:a16="http://schemas.microsoft.com/office/drawing/2014/main" id="{CA9AF65F-9B35-4D40-8EA8-EBC6A6CC1ADA}"/>
+              </a:ext>
+            </a:extLst>
+          </p:cNvPr>
+          <p:cNvSpPr>
+            <a:spLocks noGrp="1"/>
+          </p:cNvSpPr>
+          <p:nvPr>
+            <p:ph type="title"/>
+          </p:nvPr>
+        </p:nvSpPr>
+        <p:spPr/>
+        <p:txBody>
+          <a:bodyPr/>
+          <a:lstStyle/>
+          <a:p>
+            <a:r>
+              <a:rPr lang="zh-CN" altLang="en-US"/>
+              <a:t>蛋白质互作网络是一个稀疏矩阵</a:t>
+            </a:r>
+          </a:p>
+        </p:txBody>
+      </p:sp>
+      <p:pic>
+        <p:nvPicPr>
+          <p:cNvPr id="5" name="内容占位符 4">
+            <a:extLst>
+              <a:ext uri="{FF2B5EF4-FFF2-40B4-BE49-F238E27FC236}">
+                <a16:creationId xmlns:a16="http://schemas.microsoft.com/office/drawing/2014/main" id="{D7808EA2-09C4-4E9F-9F11-76E4225042BB}"/>
+              </a:ext>
+            </a:extLst>
+          </p:cNvPr>
+          <p:cNvPicPr>
+            <a:picLocks noGrp="1" noChangeAspect="1"/>
+          </p:cNvPicPr>
+          <p:nvPr>
+            <p:ph idx="1"/>
+          </p:nvPr>
+        </p:nvPicPr>
+        <p:blipFill>
+          <a:blip r:embed="rId2">
+            <a:extLst>
+              <a:ext uri="{28A0092B-C50C-407E-A947-70E740481C1C}">
+                <a14:useLocalDpi xmlns:a14="http://schemas.microsoft.com/office/drawing/2010/main" val="0"/>
+              </a:ext>
+            </a:extLst>
+          </a:blip>
+          <a:stretch>
+            <a:fillRect/>
+          </a:stretch>
+        </p:blipFill>
+        <p:spPr>
+          <a:xfrm>
+            <a:off x="6828289" y="1953861"/>
+            <a:ext cx="5171767" cy="4732167"/>
+          </a:xfrm>
+        </p:spPr>
+      </p:pic>
+      <p:sp>
+        <p:nvSpPr>
+          <p:cNvPr id="6" name="文本框 5">
+            <a:extLst>
+              <a:ext uri="{FF2B5EF4-FFF2-40B4-BE49-F238E27FC236}">
+                <a16:creationId xmlns:a16="http://schemas.microsoft.com/office/drawing/2014/main" id="{34AFA258-3306-460F-9372-20C240628DC8}"/>
+              </a:ext>
+            </a:extLst>
+          </p:cNvPr>
+          <p:cNvSpPr txBox="1"/>
+          <p:nvPr/>
+        </p:nvSpPr>
+        <p:spPr>
+          <a:xfrm>
+            <a:off x="462717" y="1661820"/>
+            <a:ext cx="4968024" cy="4893647"/>
+          </a:xfrm>
+          <a:prstGeom prst="rect">
+            <a:avLst/>
+          </a:prstGeom>
+          <a:noFill/>
+        </p:spPr>
+        <p:txBody>
+          <a:bodyPr wrap="square" rtlCol="0">
+            <a:spAutoFit/>
+          </a:bodyPr>
+          <a:lstStyle/>
+          <a:p>
+            <a:r>
+              <a:rPr lang="zh-CN" altLang="en-US" sz="2400"/>
+              <a:t>蜘蛛和蜜蜂结婚了。</a:t>
+            </a:r>
+            <a:endParaRPr lang="en-US" altLang="zh-CN" sz="2400"/>
+          </a:p>
+          <a:p>
+            <a:br>
+              <a:rPr lang="zh-CN" altLang="en-US" sz="2400"/>
+            </a:br>
+            <a:r>
+              <a:rPr lang="zh-CN" altLang="en-US" sz="2400"/>
+              <a:t>蜘蛛感到很难过，就问他的妈妈说：「你为何一定要我娶蜜蜂？」</a:t>
+            </a:r>
+            <a:endParaRPr lang="en-US" altLang="zh-CN" sz="2400"/>
+          </a:p>
+          <a:p>
+            <a:br>
+              <a:rPr lang="zh-CN" altLang="en-US" sz="2400"/>
+            </a:br>
+            <a:r>
+              <a:rPr lang="zh-CN" altLang="en-US" sz="2400"/>
+              <a:t>蜘蛛的妈妈说：「蜜蜂是吵了点，但人家好歹也是个空姐。」</a:t>
+            </a:r>
+            <a:endParaRPr lang="en-US" altLang="zh-CN" sz="2400"/>
+          </a:p>
+          <a:p>
+            <a:br>
+              <a:rPr lang="zh-CN" altLang="en-US" sz="2400"/>
+            </a:br>
+            <a:r>
+              <a:rPr lang="zh-CN" altLang="en-US" sz="2400"/>
+              <a:t>蜜蜂也感到很难过，也问她的妈妈：「为什么要让我嫁给蜘蛛呢？」</a:t>
+            </a:r>
+            <a:endParaRPr lang="en-US" altLang="zh-CN" sz="2400"/>
+          </a:p>
+          <a:p>
+            <a:br>
+              <a:rPr lang="zh-CN" altLang="en-US" sz="2400"/>
+            </a:br>
+            <a:r>
+              <a:rPr lang="zh-CN" altLang="en-US" sz="2400"/>
+              <a:t>蜜蜂的妈妈说：「蜘蛛是丑了一点，但人家好歹也是搞网络的</a:t>
+            </a:r>
+            <a:r>
+              <a:rPr lang="en-US" altLang="zh-CN" sz="2400"/>
+              <a:t>...</a:t>
+            </a:r>
+            <a:endParaRPr lang="zh-CN" altLang="en-US" sz="2400"/>
+          </a:p>
+        </p:txBody>
+      </p:sp>
+    </p:spTree>
+    <p:extLst>
+      <p:ext uri="{BB962C8B-B14F-4D97-AF65-F5344CB8AC3E}">
+        <p14:creationId xmlns:p14="http://schemas.microsoft.com/office/powerpoint/2010/main" val="1806102885"/>
+      </p:ext>
+    </p:extLst>
+  </p:cSld>
+  <p:clrMapOvr>
+    <a:masterClrMapping/>
+  </p:clrMapOvr>
+</p:sld>
+</file>
+
+<file path=ppt/slides/slide22.xml><?xml version="1.0" encoding="utf-8"?>
+<p:sld xmlns:a="http://schemas.openxmlformats.org/drawingml/2006/main" xmlns:r="http://schemas.openxmlformats.org/officeDocument/2006/relationships" xmlns:p="http://schemas.openxmlformats.org/presentationml/2006/main">
+  <p:cSld>
+    <p:spTree>
+      <p:nvGrpSpPr>
+        <p:cNvPr id="1" name=""/>
+        <p:cNvGrpSpPr/>
+        <p:nvPr/>
+      </p:nvGrpSpPr>
+      <p:grpSpPr>
+        <a:xfrm>
+          <a:off x="0" y="0"/>
+          <a:ext cx="0" cy="0"/>
+          <a:chOff x="0" y="0"/>
+          <a:chExt cx="0" cy="0"/>
+        </a:xfrm>
+      </p:grpSpPr>
+      <p:sp>
+        <p:nvSpPr>
+          <p:cNvPr id="2" name="标题 1">
+            <a:extLst>
+              <a:ext uri="{FF2B5EF4-FFF2-40B4-BE49-F238E27FC236}">
                 <a16:creationId xmlns:a16="http://schemas.microsoft.com/office/drawing/2014/main" id="{E64FECFA-CAB4-4C96-8556-EF2A09C623AC}"/>
               </a:ext>
             </a:extLst>
@@ -7693,7 +9370,7 @@
 </p:sld>
 </file>
 
-<file path=ppt/slides/slide21.xml><?xml version="1.0" encoding="utf-8"?>
+<file path=ppt/slides/slide23.xml><?xml version="1.0" encoding="utf-8"?>
 <p:sld xmlns:a="http://schemas.openxmlformats.org/drawingml/2006/main" xmlns:r="http://schemas.openxmlformats.org/officeDocument/2006/relationships" xmlns:p="http://schemas.openxmlformats.org/presentationml/2006/main">
   <p:cSld>
     <p:spTree>
@@ -7881,7 +9558,7 @@
 </p:sld>
 </file>
 
-<file path=ppt/slides/slide22.xml><?xml version="1.0" encoding="utf-8"?>
+<file path=ppt/slides/slide24.xml><?xml version="1.0" encoding="utf-8"?>
 <p:sld xmlns:a="http://schemas.openxmlformats.org/drawingml/2006/main" xmlns:r="http://schemas.openxmlformats.org/officeDocument/2006/relationships" xmlns:p="http://schemas.openxmlformats.org/presentationml/2006/main">
   <p:cSld>
     <p:spTree>
@@ -8028,7 +9705,7 @@
 </p:sld>
 </file>
 
-<file path=ppt/slides/slide23.xml><?xml version="1.0" encoding="utf-8"?>
+<file path=ppt/slides/slide25.xml><?xml version="1.0" encoding="utf-8"?>
 <p:sld xmlns:a="http://schemas.openxmlformats.org/drawingml/2006/main" xmlns:r="http://schemas.openxmlformats.org/officeDocument/2006/relationships" xmlns:p="http://schemas.openxmlformats.org/presentationml/2006/main">
   <p:cSld>
     <p:spTree>
@@ -8252,7 +9929,7 @@
 </p:sld>
 </file>
 
-<file path=ppt/slides/slide24.xml><?xml version="1.0" encoding="utf-8"?>
+<file path=ppt/slides/slide26.xml><?xml version="1.0" encoding="utf-8"?>
 <p:sld xmlns:a="http://schemas.openxmlformats.org/drawingml/2006/main" xmlns:r="http://schemas.openxmlformats.org/officeDocument/2006/relationships" xmlns:p="http://schemas.openxmlformats.org/presentationml/2006/main">
   <p:cSld>
     <p:spTree>
@@ -8440,7 +10117,7 @@
 </p:sld>
 </file>
 
-<file path=ppt/slides/slide25.xml><?xml version="1.0" encoding="utf-8"?>
+<file path=ppt/slides/slide27.xml><?xml version="1.0" encoding="utf-8"?>
 <p:sld xmlns:a="http://schemas.openxmlformats.org/drawingml/2006/main" xmlns:r="http://schemas.openxmlformats.org/officeDocument/2006/relationships" xmlns:p="http://schemas.openxmlformats.org/presentationml/2006/main">
   <p:cSld>
     <p:spTree>
@@ -8583,7 +10260,7 @@
 </p:sld>
 </file>
 
-<file path=ppt/slides/slide26.xml><?xml version="1.0" encoding="utf-8"?>
+<file path=ppt/slides/slide28.xml><?xml version="1.0" encoding="utf-8"?>
 <p:sld xmlns:a="http://schemas.openxmlformats.org/drawingml/2006/main" xmlns:r="http://schemas.openxmlformats.org/officeDocument/2006/relationships" xmlns:p="http://schemas.openxmlformats.org/presentationml/2006/main">
   <p:cSld>
     <p:spTree>
@@ -8987,7 +10664,7 @@
 </p:sld>
 </file>
 
-<file path=ppt/slides/slide27.xml><?xml version="1.0" encoding="utf-8"?>
+<file path=ppt/slides/slide29.xml><?xml version="1.0" encoding="utf-8"?>
 <p:sld xmlns:a="http://schemas.openxmlformats.org/drawingml/2006/main" xmlns:r="http://schemas.openxmlformats.org/officeDocument/2006/relationships" xmlns:p="http://schemas.openxmlformats.org/presentationml/2006/main">
   <p:cSld>
     <p:spTree>
@@ -9080,7 +10757,100 @@
 </p:sld>
 </file>
 
-<file path=ppt/slides/slide28.xml><?xml version="1.0" encoding="utf-8"?>
+<file path=ppt/slides/slide3.xml><?xml version="1.0" encoding="utf-8"?>
+<p:sld xmlns:a="http://schemas.openxmlformats.org/drawingml/2006/main" xmlns:r="http://schemas.openxmlformats.org/officeDocument/2006/relationships" xmlns:p="http://schemas.openxmlformats.org/presentationml/2006/main">
+  <p:cSld>
+    <p:spTree>
+      <p:nvGrpSpPr>
+        <p:cNvPr id="1" name=""/>
+        <p:cNvGrpSpPr/>
+        <p:nvPr/>
+      </p:nvGrpSpPr>
+      <p:grpSpPr>
+        <a:xfrm>
+          <a:off x="0" y="0"/>
+          <a:ext cx="0" cy="0"/>
+          <a:chOff x="0" y="0"/>
+          <a:chExt cx="0" cy="0"/>
+        </a:xfrm>
+      </p:grpSpPr>
+      <p:sp>
+        <p:nvSpPr>
+          <p:cNvPr id="2" name="标题 1">
+            <a:extLst>
+              <a:ext uri="{FF2B5EF4-FFF2-40B4-BE49-F238E27FC236}">
+                <a16:creationId xmlns:a16="http://schemas.microsoft.com/office/drawing/2014/main" id="{D6F1C6F6-2302-4965-A8E8-84D460321606}"/>
+              </a:ext>
+            </a:extLst>
+          </p:cNvPr>
+          <p:cNvSpPr>
+            <a:spLocks noGrp="1"/>
+          </p:cNvSpPr>
+          <p:nvPr>
+            <p:ph type="title"/>
+          </p:nvPr>
+        </p:nvSpPr>
+        <p:spPr/>
+        <p:txBody>
+          <a:bodyPr/>
+          <a:lstStyle/>
+          <a:p>
+            <a:r>
+              <a:rPr lang="zh-CN" altLang="en-US"/>
+              <a:t>世界背后是一张张表格（矩阵）</a:t>
+            </a:r>
+          </a:p>
+        </p:txBody>
+      </p:sp>
+      <p:pic>
+        <p:nvPicPr>
+          <p:cNvPr id="5" name="内容占位符 4">
+            <a:extLst>
+              <a:ext uri="{FF2B5EF4-FFF2-40B4-BE49-F238E27FC236}">
+                <a16:creationId xmlns:a16="http://schemas.microsoft.com/office/drawing/2014/main" id="{9D7DC02C-C0F8-4F37-B845-31827CD17316}"/>
+              </a:ext>
+            </a:extLst>
+          </p:cNvPr>
+          <p:cNvPicPr>
+            <a:picLocks noGrp="1" noChangeAspect="1"/>
+          </p:cNvPicPr>
+          <p:nvPr>
+            <p:ph idx="1"/>
+          </p:nvPr>
+        </p:nvPicPr>
+        <p:blipFill>
+          <a:blip r:embed="rId2">
+            <a:extLst>
+              <a:ext uri="{28A0092B-C50C-407E-A947-70E740481C1C}">
+                <a14:useLocalDpi xmlns:a14="http://schemas.microsoft.com/office/drawing/2010/main" val="0"/>
+              </a:ext>
+            </a:extLst>
+          </a:blip>
+          <a:stretch>
+            <a:fillRect/>
+          </a:stretch>
+        </p:blipFill>
+        <p:spPr>
+          <a:xfrm>
+            <a:off x="407520" y="2028335"/>
+            <a:ext cx="10115593" cy="4261147"/>
+          </a:xfrm>
+        </p:spPr>
+      </p:pic>
+    </p:spTree>
+    <p:extLst>
+      <p:ext uri="{BB962C8B-B14F-4D97-AF65-F5344CB8AC3E}">
+        <p14:creationId xmlns:p14="http://schemas.microsoft.com/office/powerpoint/2010/main" val="98106338"/>
+      </p:ext>
+    </p:extLst>
+  </p:cSld>
+  <p:clrMapOvr>
+    <a:masterClrMapping/>
+  </p:clrMapOvr>
+</p:sld>
+</file>
+
+<file path=ppt/slides/slide30.xml><?xml version="1.0" encoding="utf-8"?>
 <p:sld xmlns:a="http://schemas.openxmlformats.org/drawingml/2006/main" xmlns:r="http://schemas.openxmlformats.org/officeDocument/2006/relationships" xmlns:p="http://schemas.openxmlformats.org/presentationml/2006/main">
   <p:cSld>
     <p:spTree>
@@ -9303,7 +11073,7 @@
 </p:sld>
 </file>
 
-<file path=ppt/slides/slide29.xml><?xml version="1.0" encoding="utf-8"?>
+<file path=ppt/slides/slide31.xml><?xml version="1.0" encoding="utf-8"?>
 <p:sld xmlns:a="http://schemas.openxmlformats.org/drawingml/2006/main" xmlns:r="http://schemas.openxmlformats.org/officeDocument/2006/relationships" xmlns:p="http://schemas.openxmlformats.org/presentationml/2006/main">
   <p:cSld>
     <p:spTree>
@@ -9475,100 +11245,7 @@
 </p:sld>
 </file>
 
-<file path=ppt/slides/slide3.xml><?xml version="1.0" encoding="utf-8"?>
-<p:sld xmlns:a="http://schemas.openxmlformats.org/drawingml/2006/main" xmlns:r="http://schemas.openxmlformats.org/officeDocument/2006/relationships" xmlns:p="http://schemas.openxmlformats.org/presentationml/2006/main">
-  <p:cSld>
-    <p:spTree>
-      <p:nvGrpSpPr>
-        <p:cNvPr id="1" name=""/>
-        <p:cNvGrpSpPr/>
-        <p:nvPr/>
-      </p:nvGrpSpPr>
-      <p:grpSpPr>
-        <a:xfrm>
-          <a:off x="0" y="0"/>
-          <a:ext cx="0" cy="0"/>
-          <a:chOff x="0" y="0"/>
-          <a:chExt cx="0" cy="0"/>
-        </a:xfrm>
-      </p:grpSpPr>
-      <p:sp>
-        <p:nvSpPr>
-          <p:cNvPr id="2" name="标题 1">
-            <a:extLst>
-              <a:ext uri="{FF2B5EF4-FFF2-40B4-BE49-F238E27FC236}">
-                <a16:creationId xmlns:a16="http://schemas.microsoft.com/office/drawing/2014/main" id="{D6F1C6F6-2302-4965-A8E8-84D460321606}"/>
-              </a:ext>
-            </a:extLst>
-          </p:cNvPr>
-          <p:cNvSpPr>
-            <a:spLocks noGrp="1"/>
-          </p:cNvSpPr>
-          <p:nvPr>
-            <p:ph type="title"/>
-          </p:nvPr>
-        </p:nvSpPr>
-        <p:spPr/>
-        <p:txBody>
-          <a:bodyPr/>
-          <a:lstStyle/>
-          <a:p>
-            <a:r>
-              <a:rPr lang="zh-CN" altLang="en-US"/>
-              <a:t>世界背后是一张张表格（矩阵）</a:t>
-            </a:r>
-          </a:p>
-        </p:txBody>
-      </p:sp>
-      <p:pic>
-        <p:nvPicPr>
-          <p:cNvPr id="5" name="内容占位符 4">
-            <a:extLst>
-              <a:ext uri="{FF2B5EF4-FFF2-40B4-BE49-F238E27FC236}">
-                <a16:creationId xmlns:a16="http://schemas.microsoft.com/office/drawing/2014/main" id="{9D7DC02C-C0F8-4F37-B845-31827CD17316}"/>
-              </a:ext>
-            </a:extLst>
-          </p:cNvPr>
-          <p:cNvPicPr>
-            <a:picLocks noGrp="1" noChangeAspect="1"/>
-          </p:cNvPicPr>
-          <p:nvPr>
-            <p:ph idx="1"/>
-          </p:nvPr>
-        </p:nvPicPr>
-        <p:blipFill>
-          <a:blip r:embed="rId2">
-            <a:extLst>
-              <a:ext uri="{28A0092B-C50C-407E-A947-70E740481C1C}">
-                <a14:useLocalDpi xmlns:a14="http://schemas.microsoft.com/office/drawing/2010/main" val="0"/>
-              </a:ext>
-            </a:extLst>
-          </a:blip>
-          <a:stretch>
-            <a:fillRect/>
-          </a:stretch>
-        </p:blipFill>
-        <p:spPr>
-          <a:xfrm>
-            <a:off x="407520" y="2028335"/>
-            <a:ext cx="10115593" cy="4261147"/>
-          </a:xfrm>
-        </p:spPr>
-      </p:pic>
-    </p:spTree>
-    <p:extLst>
-      <p:ext uri="{BB962C8B-B14F-4D97-AF65-F5344CB8AC3E}">
-        <p14:creationId xmlns:p14="http://schemas.microsoft.com/office/powerpoint/2010/main" val="98106338"/>
-      </p:ext>
-    </p:extLst>
-  </p:cSld>
-  <p:clrMapOvr>
-    <a:masterClrMapping/>
-  </p:clrMapOvr>
-</p:sld>
-</file>
-
-<file path=ppt/slides/slide30.xml><?xml version="1.0" encoding="utf-8"?>
+<file path=ppt/slides/slide32.xml><?xml version="1.0" encoding="utf-8"?>
 <p:sld xmlns:a="http://schemas.openxmlformats.org/drawingml/2006/main" xmlns:r="http://schemas.openxmlformats.org/officeDocument/2006/relationships" xmlns:p="http://schemas.openxmlformats.org/presentationml/2006/main">
   <p:cSld>
     <p:spTree>
@@ -9738,7 +11415,7 @@
 </p:sld>
 </file>
 
-<file path=ppt/slides/slide31.xml><?xml version="1.0" encoding="utf-8"?>
+<file path=ppt/slides/slide33.xml><?xml version="1.0" encoding="utf-8"?>
 <p:sld xmlns:a="http://schemas.openxmlformats.org/drawingml/2006/main" xmlns:r="http://schemas.openxmlformats.org/officeDocument/2006/relationships" xmlns:p="http://schemas.openxmlformats.org/presentationml/2006/main">
   <p:cSld>
     <p:spTree>
@@ -9840,7 +11517,7 @@
 </p:sld>
 </file>
 
-<file path=ppt/slides/slide32.xml><?xml version="1.0" encoding="utf-8"?>
+<file path=ppt/slides/slide34.xml><?xml version="1.0" encoding="utf-8"?>
 <p:sld xmlns:a="http://schemas.openxmlformats.org/drawingml/2006/main" xmlns:r="http://schemas.openxmlformats.org/officeDocument/2006/relationships" xmlns:p="http://schemas.openxmlformats.org/presentationml/2006/main">
   <p:cSld>
     <p:spTree>
@@ -9937,7 +11614,7 @@
 </p:sld>
 </file>
 
-<file path=ppt/slides/slide33.xml><?xml version="1.0" encoding="utf-8"?>
+<file path=ppt/slides/slide35.xml><?xml version="1.0" encoding="utf-8"?>
 <p:sld xmlns:a="http://schemas.openxmlformats.org/drawingml/2006/main" xmlns:r="http://schemas.openxmlformats.org/officeDocument/2006/relationships" xmlns:p="http://schemas.openxmlformats.org/presentationml/2006/main">
   <p:cSld>
     <p:spTree>
@@ -10034,7 +11711,144 @@
 </p:sld>
 </file>
 
-<file path=ppt/slides/slide34.xml><?xml version="1.0" encoding="utf-8"?>
+<file path=ppt/slides/slide36.xml><?xml version="1.0" encoding="utf-8"?>
+<p:sld xmlns:a="http://schemas.openxmlformats.org/drawingml/2006/main" xmlns:r="http://schemas.openxmlformats.org/officeDocument/2006/relationships" xmlns:p="http://schemas.openxmlformats.org/presentationml/2006/main">
+  <p:cSld>
+    <p:spTree>
+      <p:nvGrpSpPr>
+        <p:cNvPr id="1" name=""/>
+        <p:cNvGrpSpPr/>
+        <p:nvPr/>
+      </p:nvGrpSpPr>
+      <p:grpSpPr>
+        <a:xfrm>
+          <a:off x="0" y="0"/>
+          <a:ext cx="0" cy="0"/>
+          <a:chOff x="0" y="0"/>
+          <a:chExt cx="0" cy="0"/>
+        </a:xfrm>
+      </p:grpSpPr>
+      <p:sp>
+        <p:nvSpPr>
+          <p:cNvPr id="2" name="标题 1">
+            <a:extLst>
+              <a:ext uri="{FF2B5EF4-FFF2-40B4-BE49-F238E27FC236}">
+                <a16:creationId xmlns:a16="http://schemas.microsoft.com/office/drawing/2014/main" id="{125E217D-C12C-4DCF-BF7F-1696739A907C}"/>
+              </a:ext>
+            </a:extLst>
+          </p:cNvPr>
+          <p:cNvSpPr>
+            <a:spLocks noGrp="1"/>
+          </p:cNvSpPr>
+          <p:nvPr>
+            <p:ph type="title"/>
+          </p:nvPr>
+        </p:nvSpPr>
+        <p:spPr/>
+        <p:txBody>
+          <a:bodyPr/>
+          <a:lstStyle/>
+          <a:p>
+            <a:r>
+              <a:rPr lang="zh-CN" altLang="en-US"/>
+              <a:t>利用</a:t>
+            </a:r>
+            <a:r>
+              <a:rPr lang="en-US" altLang="zh-CN"/>
+              <a:t>SVD</a:t>
+            </a:r>
+            <a:r>
+              <a:rPr lang="zh-CN" altLang="en-US"/>
+              <a:t>推荐朋友</a:t>
+            </a:r>
+          </a:p>
+        </p:txBody>
+      </p:sp>
+      <p:pic>
+        <p:nvPicPr>
+          <p:cNvPr id="9" name="内容占位符 8">
+            <a:extLst>
+              <a:ext uri="{FF2B5EF4-FFF2-40B4-BE49-F238E27FC236}">
+                <a16:creationId xmlns:a16="http://schemas.microsoft.com/office/drawing/2014/main" id="{96110539-D877-42FA-A3DA-5848EC5250BB}"/>
+              </a:ext>
+            </a:extLst>
+          </p:cNvPr>
+          <p:cNvPicPr>
+            <a:picLocks noGrp="1" noChangeAspect="1"/>
+          </p:cNvPicPr>
+          <p:nvPr>
+            <p:ph idx="1"/>
+          </p:nvPr>
+        </p:nvPicPr>
+        <p:blipFill>
+          <a:blip r:embed="rId2">
+            <a:extLst>
+              <a:ext uri="{28A0092B-C50C-407E-A947-70E740481C1C}">
+                <a14:useLocalDpi xmlns:a14="http://schemas.microsoft.com/office/drawing/2010/main" val="0"/>
+              </a:ext>
+            </a:extLst>
+          </a:blip>
+          <a:stretch>
+            <a:fillRect/>
+          </a:stretch>
+        </p:blipFill>
+        <p:spPr>
+          <a:xfrm>
+            <a:off x="383459" y="2019564"/>
+            <a:ext cx="5606401" cy="3880304"/>
+          </a:xfrm>
+        </p:spPr>
+      </p:pic>
+      <p:pic>
+        <p:nvPicPr>
+          <p:cNvPr id="11" name="图片 10">
+            <a:extLst>
+              <a:ext uri="{FF2B5EF4-FFF2-40B4-BE49-F238E27FC236}">
+                <a16:creationId xmlns:a16="http://schemas.microsoft.com/office/drawing/2014/main" id="{AD03FC0E-3F31-4E15-94AF-AFC6BC3AE046}"/>
+              </a:ext>
+            </a:extLst>
+          </p:cNvPr>
+          <p:cNvPicPr>
+            <a:picLocks noChangeAspect="1"/>
+          </p:cNvPicPr>
+          <p:nvPr/>
+        </p:nvPicPr>
+        <p:blipFill>
+          <a:blip r:embed="rId3">
+            <a:extLst>
+              <a:ext uri="{28A0092B-C50C-407E-A947-70E740481C1C}">
+                <a14:useLocalDpi xmlns:a14="http://schemas.microsoft.com/office/drawing/2010/main" val="0"/>
+              </a:ext>
+            </a:extLst>
+          </a:blip>
+          <a:stretch>
+            <a:fillRect/>
+          </a:stretch>
+        </p:blipFill>
+        <p:spPr>
+          <a:xfrm>
+            <a:off x="6050590" y="1707025"/>
+            <a:ext cx="6097389" cy="4573042"/>
+          </a:xfrm>
+          <a:prstGeom prst="rect">
+            <a:avLst/>
+          </a:prstGeom>
+        </p:spPr>
+      </p:pic>
+    </p:spTree>
+    <p:extLst>
+      <p:ext uri="{BB962C8B-B14F-4D97-AF65-F5344CB8AC3E}">
+        <p14:creationId xmlns:p14="http://schemas.microsoft.com/office/powerpoint/2010/main" val="1006836770"/>
+      </p:ext>
+    </p:extLst>
+  </p:cSld>
+  <p:clrMapOvr>
+    <a:masterClrMapping/>
+  </p:clrMapOvr>
+</p:sld>
+</file>
+
+<file path=ppt/slides/slide37.xml><?xml version="1.0" encoding="utf-8"?>
 <p:sld xmlns:a="http://schemas.openxmlformats.org/drawingml/2006/main" xmlns:r="http://schemas.openxmlformats.org/officeDocument/2006/relationships" xmlns:p="http://schemas.openxmlformats.org/presentationml/2006/main">
   <p:cSld>
     <p:spTree>
@@ -10347,7 +12161,7 @@
 </p:sld>
 </file>
 
-<file path=ppt/slides/slide35.xml><?xml version="1.0" encoding="utf-8"?>
+<file path=ppt/slides/slide38.xml><?xml version="1.0" encoding="utf-8"?>
 <p:sld xmlns:a="http://schemas.openxmlformats.org/drawingml/2006/main" xmlns:r="http://schemas.openxmlformats.org/officeDocument/2006/relationships" xmlns:p="http://schemas.openxmlformats.org/presentationml/2006/main">
   <p:cSld>
     <p:spTree>
@@ -10608,7 +12422,7 @@
 </p:sld>
 </file>
 
-<file path=ppt/slides/slide36.xml><?xml version="1.0" encoding="utf-8"?>
+<file path=ppt/slides/slide39.xml><?xml version="1.0" encoding="utf-8"?>
 <p:sld xmlns:a="http://schemas.openxmlformats.org/drawingml/2006/main" xmlns:r="http://schemas.openxmlformats.org/officeDocument/2006/relationships" xmlns:p="http://schemas.openxmlformats.org/presentationml/2006/main">
   <p:cSld>
     <p:spTree>
@@ -10883,6 +12697,192 @@
 </file>
 
 <file path=ppt/slides/slide6.xml><?xml version="1.0" encoding="utf-8"?>
+<p:sld xmlns:a="http://schemas.openxmlformats.org/drawingml/2006/main" xmlns:r="http://schemas.openxmlformats.org/officeDocument/2006/relationships" xmlns:p="http://schemas.openxmlformats.org/presentationml/2006/main">
+  <p:cSld>
+    <p:spTree>
+      <p:nvGrpSpPr>
+        <p:cNvPr id="1" name=""/>
+        <p:cNvGrpSpPr/>
+        <p:nvPr/>
+      </p:nvGrpSpPr>
+      <p:grpSpPr>
+        <a:xfrm>
+          <a:off x="0" y="0"/>
+          <a:ext cx="0" cy="0"/>
+          <a:chOff x="0" y="0"/>
+          <a:chExt cx="0" cy="0"/>
+        </a:xfrm>
+      </p:grpSpPr>
+      <p:sp>
+        <p:nvSpPr>
+          <p:cNvPr id="2" name="标题 1">
+            <a:extLst>
+              <a:ext uri="{FF2B5EF4-FFF2-40B4-BE49-F238E27FC236}">
+                <a16:creationId xmlns:a16="http://schemas.microsoft.com/office/drawing/2014/main" id="{4FDED0E4-8341-45D9-9F31-79B0B51361F4}"/>
+              </a:ext>
+            </a:extLst>
+          </p:cNvPr>
+          <p:cNvSpPr>
+            <a:spLocks noGrp="1"/>
+          </p:cNvSpPr>
+          <p:nvPr>
+            <p:ph type="title"/>
+          </p:nvPr>
+        </p:nvSpPr>
+        <p:spPr/>
+        <p:txBody>
+          <a:bodyPr/>
+          <a:lstStyle/>
+          <a:p>
+            <a:r>
+              <a:rPr lang="zh-CN" altLang="en-US"/>
+              <a:t>文本也是矩阵</a:t>
+            </a:r>
+          </a:p>
+        </p:txBody>
+      </p:sp>
+      <p:pic>
+        <p:nvPicPr>
+          <p:cNvPr id="5" name="内容占位符 4">
+            <a:extLst>
+              <a:ext uri="{FF2B5EF4-FFF2-40B4-BE49-F238E27FC236}">
+                <a16:creationId xmlns:a16="http://schemas.microsoft.com/office/drawing/2014/main" id="{5CC24D46-007F-4327-89C5-F1B69F0DF8D3}"/>
+              </a:ext>
+            </a:extLst>
+          </p:cNvPr>
+          <p:cNvPicPr>
+            <a:picLocks noGrp="1" noChangeAspect="1"/>
+          </p:cNvPicPr>
+          <p:nvPr>
+            <p:ph idx="1"/>
+          </p:nvPr>
+        </p:nvPicPr>
+        <p:blipFill>
+          <a:blip r:embed="rId2">
+            <a:extLst>
+              <a:ext uri="{28A0092B-C50C-407E-A947-70E740481C1C}">
+                <a14:useLocalDpi xmlns:a14="http://schemas.microsoft.com/office/drawing/2010/main" val="0"/>
+              </a:ext>
+            </a:extLst>
+          </a:blip>
+          <a:stretch>
+            <a:fillRect/>
+          </a:stretch>
+        </p:blipFill>
+        <p:spPr>
+          <a:xfrm>
+            <a:off x="287400" y="1463041"/>
+            <a:ext cx="9540412" cy="5368350"/>
+          </a:xfrm>
+        </p:spPr>
+      </p:pic>
+    </p:spTree>
+    <p:extLst>
+      <p:ext uri="{BB962C8B-B14F-4D97-AF65-F5344CB8AC3E}">
+        <p14:creationId xmlns:p14="http://schemas.microsoft.com/office/powerpoint/2010/main" val="2337595565"/>
+      </p:ext>
+    </p:extLst>
+  </p:cSld>
+  <p:clrMapOvr>
+    <a:masterClrMapping/>
+  </p:clrMapOvr>
+</p:sld>
+</file>
+
+<file path=ppt/slides/slide7.xml><?xml version="1.0" encoding="utf-8"?>
+<p:sld xmlns:a="http://schemas.openxmlformats.org/drawingml/2006/main" xmlns:r="http://schemas.openxmlformats.org/officeDocument/2006/relationships" xmlns:p="http://schemas.openxmlformats.org/presentationml/2006/main">
+  <p:cSld>
+    <p:spTree>
+      <p:nvGrpSpPr>
+        <p:cNvPr id="1" name=""/>
+        <p:cNvGrpSpPr/>
+        <p:nvPr/>
+      </p:nvGrpSpPr>
+      <p:grpSpPr>
+        <a:xfrm>
+          <a:off x="0" y="0"/>
+          <a:ext cx="0" cy="0"/>
+          <a:chOff x="0" y="0"/>
+          <a:chExt cx="0" cy="0"/>
+        </a:xfrm>
+      </p:grpSpPr>
+      <p:sp>
+        <p:nvSpPr>
+          <p:cNvPr id="2" name="标题 1">
+            <a:extLst>
+              <a:ext uri="{FF2B5EF4-FFF2-40B4-BE49-F238E27FC236}">
+                <a16:creationId xmlns:a16="http://schemas.microsoft.com/office/drawing/2014/main" id="{A1B54DCC-4F53-4250-B16C-8D256D7517FE}"/>
+              </a:ext>
+            </a:extLst>
+          </p:cNvPr>
+          <p:cNvSpPr>
+            <a:spLocks noGrp="1"/>
+          </p:cNvSpPr>
+          <p:nvPr>
+            <p:ph type="title"/>
+          </p:nvPr>
+        </p:nvSpPr>
+        <p:spPr/>
+        <p:txBody>
+          <a:bodyPr/>
+          <a:lstStyle/>
+          <a:p>
+            <a:r>
+              <a:rPr lang="zh-CN" altLang="en-US"/>
+              <a:t>图像也是矩阵</a:t>
+            </a:r>
+          </a:p>
+        </p:txBody>
+      </p:sp>
+      <p:pic>
+        <p:nvPicPr>
+          <p:cNvPr id="5" name="内容占位符 4">
+            <a:extLst>
+              <a:ext uri="{FF2B5EF4-FFF2-40B4-BE49-F238E27FC236}">
+                <a16:creationId xmlns:a16="http://schemas.microsoft.com/office/drawing/2014/main" id="{C6DD6770-0587-45EC-9A30-1B9FAA3FAA0F}"/>
+              </a:ext>
+            </a:extLst>
+          </p:cNvPr>
+          <p:cNvPicPr>
+            <a:picLocks noGrp="1" noChangeAspect="1"/>
+          </p:cNvPicPr>
+          <p:nvPr>
+            <p:ph idx="1"/>
+          </p:nvPr>
+        </p:nvPicPr>
+        <p:blipFill>
+          <a:blip r:embed="rId2">
+            <a:extLst>
+              <a:ext uri="{28A0092B-C50C-407E-A947-70E740481C1C}">
+                <a14:useLocalDpi xmlns:a14="http://schemas.microsoft.com/office/drawing/2010/main" val="0"/>
+              </a:ext>
+            </a:extLst>
+          </a:blip>
+          <a:stretch>
+            <a:fillRect/>
+          </a:stretch>
+        </p:blipFill>
+        <p:spPr>
+          <a:xfrm>
+            <a:off x="225857" y="1577095"/>
+            <a:ext cx="11781797" cy="5078361"/>
+          </a:xfrm>
+        </p:spPr>
+      </p:pic>
+    </p:spTree>
+    <p:extLst>
+      <p:ext uri="{BB962C8B-B14F-4D97-AF65-F5344CB8AC3E}">
+        <p14:creationId xmlns:p14="http://schemas.microsoft.com/office/powerpoint/2010/main" val="2114082096"/>
+      </p:ext>
+    </p:extLst>
+  </p:cSld>
+  <p:clrMapOvr>
+    <a:masterClrMapping/>
+  </p:clrMapOvr>
+</p:sld>
+</file>
+
+<file path=ppt/slides/slide8.xml><?xml version="1.0" encoding="utf-8"?>
 <p:sld xmlns:a="http://schemas.openxmlformats.org/drawingml/2006/main" xmlns:r="http://schemas.openxmlformats.org/officeDocument/2006/relationships" xmlns:p="http://schemas.openxmlformats.org/presentationml/2006/main">
   <p:cSld>
     <p:spTree>
@@ -11732,7 +13732,7 @@
 </p:sld>
 </file>
 
-<file path=ppt/slides/slide7.xml><?xml version="1.0" encoding="utf-8"?>
+<file path=ppt/slides/slide9.xml><?xml version="1.0" encoding="utf-8"?>
 <p:sld xmlns:a="http://schemas.openxmlformats.org/drawingml/2006/main" xmlns:r="http://schemas.openxmlformats.org/officeDocument/2006/relationships" xmlns:p="http://schemas.openxmlformats.org/presentationml/2006/main">
   <p:cSld>
     <p:spTree>
@@ -14284,1680 +16284,6 @@
 </p:sld>
 </file>
 
-<file path=ppt/slides/slide8.xml><?xml version="1.0" encoding="utf-8"?>
-<p:sld xmlns:a="http://schemas.openxmlformats.org/drawingml/2006/main" xmlns:r="http://schemas.openxmlformats.org/officeDocument/2006/relationships" xmlns:p="http://schemas.openxmlformats.org/presentationml/2006/main">
-  <p:cSld>
-    <p:spTree>
-      <p:nvGrpSpPr>
-        <p:cNvPr id="1" name=""/>
-        <p:cNvGrpSpPr/>
-        <p:nvPr/>
-      </p:nvGrpSpPr>
-      <p:grpSpPr>
-        <a:xfrm>
-          <a:off x="0" y="0"/>
-          <a:ext cx="0" cy="0"/>
-          <a:chOff x="0" y="0"/>
-          <a:chExt cx="0" cy="0"/>
-        </a:xfrm>
-      </p:grpSpPr>
-      <p:sp>
-        <p:nvSpPr>
-          <p:cNvPr id="2" name="标题 1">
-            <a:extLst>
-              <a:ext uri="{FF2B5EF4-FFF2-40B4-BE49-F238E27FC236}">
-                <a16:creationId xmlns:a16="http://schemas.microsoft.com/office/drawing/2014/main" id="{78E3CA6F-074F-4F4B-AA94-2E925A17F53B}"/>
-              </a:ext>
-            </a:extLst>
-          </p:cNvPr>
-          <p:cNvSpPr>
-            <a:spLocks noGrp="1"/>
-          </p:cNvSpPr>
-          <p:nvPr>
-            <p:ph type="title"/>
-          </p:nvPr>
-        </p:nvSpPr>
-        <p:spPr/>
-        <p:txBody>
-          <a:bodyPr/>
-          <a:lstStyle/>
-          <a:p>
-            <a:r>
-              <a:rPr lang="en-US" altLang="zh-CN"/>
-              <a:t>2</a:t>
-            </a:r>
-            <a:r>
-              <a:rPr lang="zh-CN" altLang="en-US"/>
-              <a:t>维变换矩阵</a:t>
-            </a:r>
-          </a:p>
-        </p:txBody>
-      </p:sp>
-      <p:pic>
-        <p:nvPicPr>
-          <p:cNvPr id="5" name="内容占位符 4">
-            <a:extLst>
-              <a:ext uri="{FF2B5EF4-FFF2-40B4-BE49-F238E27FC236}">
-                <a16:creationId xmlns:a16="http://schemas.microsoft.com/office/drawing/2014/main" id="{F938C350-66EC-4E15-BE3C-D77E3B9847B6}"/>
-              </a:ext>
-            </a:extLst>
-          </p:cNvPr>
-          <p:cNvPicPr>
-            <a:picLocks noGrp="1" noChangeAspect="1"/>
-          </p:cNvPicPr>
-          <p:nvPr>
-            <p:ph idx="1"/>
-          </p:nvPr>
-        </p:nvPicPr>
-        <p:blipFill>
-          <a:blip r:embed="rId2">
-            <a:extLst>
-              <a:ext uri="{28A0092B-C50C-407E-A947-70E740481C1C}">
-                <a14:useLocalDpi xmlns:a14="http://schemas.microsoft.com/office/drawing/2010/main" val="0"/>
-              </a:ext>
-            </a:extLst>
-          </a:blip>
-          <a:stretch>
-            <a:fillRect/>
-          </a:stretch>
-        </p:blipFill>
-        <p:spPr>
-          <a:xfrm>
-            <a:off x="2925950" y="1445314"/>
-            <a:ext cx="3999636" cy="5336182"/>
-          </a:xfrm>
-        </p:spPr>
-      </p:pic>
-    </p:spTree>
-    <p:extLst>
-      <p:ext uri="{BB962C8B-B14F-4D97-AF65-F5344CB8AC3E}">
-        <p14:creationId xmlns:p14="http://schemas.microsoft.com/office/powerpoint/2010/main" val="417493041"/>
-      </p:ext>
-    </p:extLst>
-  </p:cSld>
-  <p:clrMapOvr>
-    <a:masterClrMapping/>
-  </p:clrMapOvr>
-</p:sld>
-</file>
-
-<file path=ppt/slides/slide9.xml><?xml version="1.0" encoding="utf-8"?>
-<p:sld xmlns:a="http://schemas.openxmlformats.org/drawingml/2006/main" xmlns:r="http://schemas.openxmlformats.org/officeDocument/2006/relationships" xmlns:p="http://schemas.openxmlformats.org/presentationml/2006/main">
-  <p:cSld>
-    <p:spTree>
-      <p:nvGrpSpPr>
-        <p:cNvPr id="1" name=""/>
-        <p:cNvGrpSpPr/>
-        <p:nvPr/>
-      </p:nvGrpSpPr>
-      <p:grpSpPr>
-        <a:xfrm>
-          <a:off x="0" y="0"/>
-          <a:ext cx="0" cy="0"/>
-          <a:chOff x="0" y="0"/>
-          <a:chExt cx="0" cy="0"/>
-        </a:xfrm>
-      </p:grpSpPr>
-      <p:sp>
-        <p:nvSpPr>
-          <p:cNvPr id="2" name="标题 1">
-            <a:extLst>
-              <a:ext uri="{FF2B5EF4-FFF2-40B4-BE49-F238E27FC236}">
-                <a16:creationId xmlns:a16="http://schemas.microsoft.com/office/drawing/2014/main" id="{0E1EA3C4-9299-488E-AFEB-669199C7198F}"/>
-              </a:ext>
-            </a:extLst>
-          </p:cNvPr>
-          <p:cNvSpPr>
-            <a:spLocks noGrp="1"/>
-          </p:cNvSpPr>
-          <p:nvPr>
-            <p:ph type="title"/>
-          </p:nvPr>
-        </p:nvSpPr>
-        <p:spPr/>
-        <p:txBody>
-          <a:bodyPr/>
-          <a:lstStyle/>
-          <a:p>
-            <a:r>
-              <a:rPr lang="zh-CN" altLang="en-US"/>
-              <a:t>矩阵即是数据，也是函数（运动）</a:t>
-            </a:r>
-          </a:p>
-        </p:txBody>
-      </p:sp>
-      <p:graphicFrame>
-        <p:nvGraphicFramePr>
-          <p:cNvPr id="5" name="内容占位符 4">
-            <a:extLst>
-              <a:ext uri="{FF2B5EF4-FFF2-40B4-BE49-F238E27FC236}">
-                <a16:creationId xmlns:a16="http://schemas.microsoft.com/office/drawing/2014/main" id="{DF21155C-9288-4140-A8EF-B809B4798E35}"/>
-              </a:ext>
-            </a:extLst>
-          </p:cNvPr>
-          <p:cNvGraphicFramePr>
-            <a:graphicFrameLocks noGrp="1"/>
-          </p:cNvGraphicFramePr>
-          <p:nvPr>
-            <p:ph idx="1"/>
-            <p:extLst>
-              <p:ext uri="{D42A27DB-BD31-4B8C-83A1-F6EECF244321}">
-                <p14:modId xmlns:p14="http://schemas.microsoft.com/office/powerpoint/2010/main" val="840341758"/>
-              </p:ext>
-            </p:extLst>
-          </p:nvPr>
-        </p:nvGraphicFramePr>
-        <p:xfrm>
-          <a:off x="174929" y="3411109"/>
-          <a:ext cx="3767301" cy="683812"/>
-        </p:xfrm>
-        <a:graphic>
-          <a:graphicData uri="http://schemas.openxmlformats.org/drawingml/2006/table">
-            <a:tbl>
-              <a:tblPr>
-                <a:tableStyleId>{5C22544A-7EE6-4342-B048-85BDC9FD1C3A}</a:tableStyleId>
-              </a:tblPr>
-              <a:tblGrid>
-                <a:gridCol w="762952">
-                  <a:extLst>
-                    <a:ext uri="{9D8B030D-6E8A-4147-A177-3AD203B41FA5}">
-                      <a16:colId xmlns:a16="http://schemas.microsoft.com/office/drawing/2014/main" val="4010539326"/>
-                    </a:ext>
-                  </a:extLst>
-                </a:gridCol>
-                <a:gridCol w="509512">
-                  <a:extLst>
-                    <a:ext uri="{9D8B030D-6E8A-4147-A177-3AD203B41FA5}">
-                      <a16:colId xmlns:a16="http://schemas.microsoft.com/office/drawing/2014/main" val="3600574052"/>
-                    </a:ext>
-                  </a:extLst>
-                </a:gridCol>
-                <a:gridCol w="764540">
-                  <a:extLst>
-                    <a:ext uri="{9D8B030D-6E8A-4147-A177-3AD203B41FA5}">
-                      <a16:colId xmlns:a16="http://schemas.microsoft.com/office/drawing/2014/main" val="1290845955"/>
-                    </a:ext>
-                  </a:extLst>
-                </a:gridCol>
-                <a:gridCol w="535940">
-                  <a:extLst>
-                    <a:ext uri="{9D8B030D-6E8A-4147-A177-3AD203B41FA5}">
-                      <a16:colId xmlns:a16="http://schemas.microsoft.com/office/drawing/2014/main" val="3311088961"/>
-                    </a:ext>
-                  </a:extLst>
-                </a:gridCol>
-                <a:gridCol w="1194357">
-                  <a:extLst>
-                    <a:ext uri="{9D8B030D-6E8A-4147-A177-3AD203B41FA5}">
-                      <a16:colId xmlns:a16="http://schemas.microsoft.com/office/drawing/2014/main" val="2621557079"/>
-                    </a:ext>
-                  </a:extLst>
-                </a:gridCol>
-              </a:tblGrid>
-              <a:tr h="341906">
-                <a:tc>
-                  <a:txBody>
-                    <a:bodyPr/>
-                    <a:lstStyle/>
-                    <a:p>
-                      <a:pPr algn="ctr" fontAlgn="ctr"/>
-                      <a:r>
-                        <a:rPr lang="zh-CN" altLang="en-US" sz="1800" u="none" strike="noStrike">
-                          <a:effectLst/>
-                        </a:rPr>
-                        <a:t>职业</a:t>
-                      </a:r>
-                      <a:endParaRPr lang="zh-CN" altLang="en-US" sz="1800" b="0" i="0" u="none" strike="noStrike">
-                        <a:solidFill>
-                          <a:srgbClr val="000000"/>
-                        </a:solidFill>
-                        <a:effectLst/>
-                        <a:latin typeface="等线" panose="02010600030101010101" pitchFamily="2" charset="-122"/>
-                        <a:ea typeface="等线" panose="02010600030101010101" pitchFamily="2" charset="-122"/>
-                      </a:endParaRPr>
-                    </a:p>
-                  </a:txBody>
-                  <a:tcPr marL="7620" marR="7620" marT="7620" marB="0" anchor="ctr"/>
-                </a:tc>
-                <a:tc>
-                  <a:txBody>
-                    <a:bodyPr/>
-                    <a:lstStyle/>
-                    <a:p>
-                      <a:pPr algn="ctr" rtl="0" fontAlgn="ctr"/>
-                      <a:r>
-                        <a:rPr lang="zh-CN" altLang="en-US" sz="1800" u="none" strike="noStrike">
-                          <a:effectLst/>
-                        </a:rPr>
-                        <a:t>骑士</a:t>
-                      </a:r>
-                      <a:endParaRPr lang="zh-CN" altLang="en-US" sz="1800" b="0" i="0" u="none" strike="noStrike">
-                        <a:solidFill>
-                          <a:srgbClr val="000000"/>
-                        </a:solidFill>
-                        <a:effectLst/>
-                        <a:latin typeface="Arial" panose="020B0604020202020204" pitchFamily="34" charset="0"/>
-                        <a:ea typeface="等线" panose="02010600030101010101" pitchFamily="2" charset="-122"/>
-                      </a:endParaRPr>
-                    </a:p>
-                  </a:txBody>
-                  <a:tcPr marL="7620" marR="7620" marT="7620" marB="0" anchor="ctr"/>
-                </a:tc>
-                <a:tc>
-                  <a:txBody>
-                    <a:bodyPr/>
-                    <a:lstStyle/>
-                    <a:p>
-                      <a:pPr algn="ctr" rtl="0" fontAlgn="ctr"/>
-                      <a:r>
-                        <a:rPr lang="zh-CN" altLang="en-US" sz="1800" u="none" strike="noStrike">
-                          <a:effectLst/>
-                        </a:rPr>
-                        <a:t>魔法师</a:t>
-                      </a:r>
-                      <a:endParaRPr lang="zh-CN" altLang="en-US" sz="1800" b="0" i="0" u="none" strike="noStrike">
-                        <a:solidFill>
-                          <a:srgbClr val="000000"/>
-                        </a:solidFill>
-                        <a:effectLst/>
-                        <a:latin typeface="Arial" panose="020B0604020202020204" pitchFamily="34" charset="0"/>
-                        <a:ea typeface="等线" panose="02010600030101010101" pitchFamily="2" charset="-122"/>
-                      </a:endParaRPr>
-                    </a:p>
-                  </a:txBody>
-                  <a:tcPr marL="7620" marR="7620" marT="7620" marB="0" anchor="ctr"/>
-                </a:tc>
-                <a:tc>
-                  <a:txBody>
-                    <a:bodyPr/>
-                    <a:lstStyle/>
-                    <a:p>
-                      <a:pPr algn="ctr" rtl="0" fontAlgn="ctr"/>
-                      <a:r>
-                        <a:rPr lang="zh-CN" altLang="en-US" sz="1800" u="none" strike="noStrike">
-                          <a:effectLst/>
-                        </a:rPr>
-                        <a:t>剑士</a:t>
-                      </a:r>
-                      <a:endParaRPr lang="zh-CN" altLang="en-US" sz="1800" b="0" i="0" u="none" strike="noStrike">
-                        <a:solidFill>
-                          <a:srgbClr val="000000"/>
-                        </a:solidFill>
-                        <a:effectLst/>
-                        <a:latin typeface="Arial" panose="020B0604020202020204" pitchFamily="34" charset="0"/>
-                        <a:ea typeface="等线" panose="02010600030101010101" pitchFamily="2" charset="-122"/>
-                      </a:endParaRPr>
-                    </a:p>
-                  </a:txBody>
-                  <a:tcPr marL="7620" marR="7620" marT="7620" marB="0" anchor="ctr"/>
-                </a:tc>
-                <a:tc>
-                  <a:txBody>
-                    <a:bodyPr/>
-                    <a:lstStyle/>
-                    <a:p>
-                      <a:pPr algn="ctr" rtl="0" fontAlgn="ctr"/>
-                      <a:r>
-                        <a:rPr lang="zh-CN" altLang="en-US" sz="1800" u="none" strike="noStrike">
-                          <a:effectLst/>
-                        </a:rPr>
-                        <a:t>弓箭手</a:t>
-                      </a:r>
-                      <a:endParaRPr lang="zh-CN" altLang="en-US" sz="1800" b="0" i="0" u="none" strike="noStrike">
-                        <a:solidFill>
-                          <a:srgbClr val="000000"/>
-                        </a:solidFill>
-                        <a:effectLst/>
-                        <a:latin typeface="Arial" panose="020B0604020202020204" pitchFamily="34" charset="0"/>
-                        <a:ea typeface="等线" panose="02010600030101010101" pitchFamily="2" charset="-122"/>
-                      </a:endParaRPr>
-                    </a:p>
-                  </a:txBody>
-                  <a:tcPr marL="7620" marR="7620" marT="7620" marB="0" anchor="ctr"/>
-                </a:tc>
-                <a:extLst>
-                  <a:ext uri="{0D108BD9-81ED-4DB2-BD59-A6C34878D82A}">
-                    <a16:rowId xmlns:a16="http://schemas.microsoft.com/office/drawing/2014/main" val="2985755971"/>
-                  </a:ext>
-                </a:extLst>
-              </a:tr>
-              <a:tr h="341906">
-                <a:tc>
-                  <a:txBody>
-                    <a:bodyPr/>
-                    <a:lstStyle/>
-                    <a:p>
-                      <a:pPr algn="ctr" fontAlgn="ctr"/>
-                      <a:r>
-                        <a:rPr lang="zh-CN" altLang="en-US" sz="1800" b="0" i="0" u="none" strike="noStrike">
-                          <a:solidFill>
-                            <a:srgbClr val="000000"/>
-                          </a:solidFill>
-                          <a:effectLst/>
-                          <a:latin typeface="华文新魏" panose="02010800040101010101" pitchFamily="2" charset="-122"/>
-                          <a:ea typeface="华文新魏" panose="02010800040101010101" pitchFamily="2" charset="-122"/>
-                        </a:rPr>
-                        <a:t>骑法师</a:t>
-                      </a:r>
-                    </a:p>
-                  </a:txBody>
-                  <a:tcPr marL="7620" marR="7620" marT="7620" marB="0" anchor="ctr"/>
-                </a:tc>
-                <a:tc>
-                  <a:txBody>
-                    <a:bodyPr/>
-                    <a:lstStyle/>
-                    <a:p>
-                      <a:pPr algn="ctr" fontAlgn="ctr"/>
-                      <a:r>
-                        <a:rPr lang="en-US" altLang="zh-CN" sz="1800" u="none" strike="noStrike">
-                          <a:effectLst/>
-                        </a:rPr>
-                        <a:t>0.5</a:t>
-                      </a:r>
-                      <a:endParaRPr lang="en-US" altLang="zh-CN" sz="1800" b="0" i="0" u="none" strike="noStrike">
-                        <a:solidFill>
-                          <a:srgbClr val="000000"/>
-                        </a:solidFill>
-                        <a:effectLst/>
-                        <a:latin typeface="等线" panose="02010600030101010101" pitchFamily="2" charset="-122"/>
-                        <a:ea typeface="等线" panose="02010600030101010101" pitchFamily="2" charset="-122"/>
-                      </a:endParaRPr>
-                    </a:p>
-                  </a:txBody>
-                  <a:tcPr marL="7620" marR="7620" marT="7620" marB="0" anchor="ctr"/>
-                </a:tc>
-                <a:tc>
-                  <a:txBody>
-                    <a:bodyPr/>
-                    <a:lstStyle/>
-                    <a:p>
-                      <a:pPr algn="ctr" fontAlgn="ctr"/>
-                      <a:r>
-                        <a:rPr lang="en-US" altLang="zh-CN" sz="1800" u="none" strike="noStrike">
-                          <a:effectLst/>
-                        </a:rPr>
-                        <a:t>0.5</a:t>
-                      </a:r>
-                      <a:endParaRPr lang="en-US" altLang="zh-CN" sz="1800" b="0" i="0" u="none" strike="noStrike">
-                        <a:solidFill>
-                          <a:srgbClr val="000000"/>
-                        </a:solidFill>
-                        <a:effectLst/>
-                        <a:latin typeface="等线" panose="02010600030101010101" pitchFamily="2" charset="-122"/>
-                        <a:ea typeface="等线" panose="02010600030101010101" pitchFamily="2" charset="-122"/>
-                      </a:endParaRPr>
-                    </a:p>
-                  </a:txBody>
-                  <a:tcPr marL="7620" marR="7620" marT="7620" marB="0" anchor="ctr"/>
-                </a:tc>
-                <a:tc>
-                  <a:txBody>
-                    <a:bodyPr/>
-                    <a:lstStyle/>
-                    <a:p>
-                      <a:pPr algn="ctr" fontAlgn="ctr"/>
-                      <a:r>
-                        <a:rPr lang="en-US" altLang="zh-CN" sz="1800" u="none" strike="noStrike">
-                          <a:effectLst/>
-                        </a:rPr>
-                        <a:t>0</a:t>
-                      </a:r>
-                      <a:endParaRPr lang="en-US" altLang="zh-CN" sz="1800" b="0" i="0" u="none" strike="noStrike">
-                        <a:solidFill>
-                          <a:srgbClr val="000000"/>
-                        </a:solidFill>
-                        <a:effectLst/>
-                        <a:latin typeface="等线" panose="02010600030101010101" pitchFamily="2" charset="-122"/>
-                        <a:ea typeface="等线" panose="02010600030101010101" pitchFamily="2" charset="-122"/>
-                      </a:endParaRPr>
-                    </a:p>
-                  </a:txBody>
-                  <a:tcPr marL="7620" marR="7620" marT="7620" marB="0" anchor="ctr"/>
-                </a:tc>
-                <a:tc>
-                  <a:txBody>
-                    <a:bodyPr/>
-                    <a:lstStyle/>
-                    <a:p>
-                      <a:pPr algn="ctr" fontAlgn="ctr"/>
-                      <a:r>
-                        <a:rPr lang="en-US" altLang="zh-CN" sz="1800" u="none" strike="noStrike">
-                          <a:effectLst/>
-                        </a:rPr>
-                        <a:t>0</a:t>
-                      </a:r>
-                      <a:endParaRPr lang="en-US" altLang="zh-CN" sz="1800" b="0" i="0" u="none" strike="noStrike">
-                        <a:solidFill>
-                          <a:srgbClr val="000000"/>
-                        </a:solidFill>
-                        <a:effectLst/>
-                        <a:latin typeface="等线" panose="02010600030101010101" pitchFamily="2" charset="-122"/>
-                        <a:ea typeface="等线" panose="02010600030101010101" pitchFamily="2" charset="-122"/>
-                      </a:endParaRPr>
-                    </a:p>
-                  </a:txBody>
-                  <a:tcPr marL="7620" marR="7620" marT="7620" marB="0" anchor="ctr"/>
-                </a:tc>
-                <a:extLst>
-                  <a:ext uri="{0D108BD9-81ED-4DB2-BD59-A6C34878D82A}">
-                    <a16:rowId xmlns:a16="http://schemas.microsoft.com/office/drawing/2014/main" val="3870316877"/>
-                  </a:ext>
-                </a:extLst>
-              </a:tr>
-            </a:tbl>
-          </a:graphicData>
-        </a:graphic>
-      </p:graphicFrame>
-      <p:graphicFrame>
-        <p:nvGraphicFramePr>
-          <p:cNvPr id="4" name="表格 3">
-            <a:extLst>
-              <a:ext uri="{FF2B5EF4-FFF2-40B4-BE49-F238E27FC236}">
-                <a16:creationId xmlns:a16="http://schemas.microsoft.com/office/drawing/2014/main" id="{F48FA23E-A9DF-4E9B-BE7D-DA10A2678EC4}"/>
-              </a:ext>
-            </a:extLst>
-          </p:cNvPr>
-          <p:cNvGraphicFramePr>
-            <a:graphicFrameLocks noGrp="1"/>
-          </p:cNvGraphicFramePr>
-          <p:nvPr>
-            <p:extLst>
-              <p:ext uri="{D42A27DB-BD31-4B8C-83A1-F6EECF244321}">
-                <p14:modId xmlns:p14="http://schemas.microsoft.com/office/powerpoint/2010/main" val="423912509"/>
-              </p:ext>
-            </p:extLst>
-          </p:nvPr>
-        </p:nvGraphicFramePr>
-        <p:xfrm>
-          <a:off x="4452728" y="3141920"/>
-          <a:ext cx="3371358" cy="1409700"/>
-        </p:xfrm>
-        <a:graphic>
-          <a:graphicData uri="http://schemas.openxmlformats.org/drawingml/2006/table">
-            <a:tbl>
-              <a:tblPr>
-                <a:tableStyleId>{5C22544A-7EE6-4342-B048-85BDC9FD1C3A}</a:tableStyleId>
-              </a:tblPr>
-              <a:tblGrid>
-                <a:gridCol w="836928">
-                  <a:extLst>
-                    <a:ext uri="{9D8B030D-6E8A-4147-A177-3AD203B41FA5}">
-                      <a16:colId xmlns:a16="http://schemas.microsoft.com/office/drawing/2014/main" val="550438623"/>
-                    </a:ext>
-                  </a:extLst>
-                </a:gridCol>
-                <a:gridCol w="586162">
-                  <a:extLst>
-                    <a:ext uri="{9D8B030D-6E8A-4147-A177-3AD203B41FA5}">
-                      <a16:colId xmlns:a16="http://schemas.microsoft.com/office/drawing/2014/main" val="3560520730"/>
-                    </a:ext>
-                  </a:extLst>
-                </a:gridCol>
-                <a:gridCol w="586162">
-                  <a:extLst>
-                    <a:ext uri="{9D8B030D-6E8A-4147-A177-3AD203B41FA5}">
-                      <a16:colId xmlns:a16="http://schemas.microsoft.com/office/drawing/2014/main" val="3017517785"/>
-                    </a:ext>
-                  </a:extLst>
-                </a:gridCol>
-                <a:gridCol w="629354">
-                  <a:extLst>
-                    <a:ext uri="{9D8B030D-6E8A-4147-A177-3AD203B41FA5}">
-                      <a16:colId xmlns:a16="http://schemas.microsoft.com/office/drawing/2014/main" val="340348876"/>
-                    </a:ext>
-                  </a:extLst>
-                </a:gridCol>
-                <a:gridCol w="732752">
-                  <a:extLst>
-                    <a:ext uri="{9D8B030D-6E8A-4147-A177-3AD203B41FA5}">
-                      <a16:colId xmlns:a16="http://schemas.microsoft.com/office/drawing/2014/main" val="2636546198"/>
-                    </a:ext>
-                  </a:extLst>
-                </a:gridCol>
-              </a:tblGrid>
-              <a:tr h="281245">
-                <a:tc>
-                  <a:txBody>
-                    <a:bodyPr/>
-                    <a:lstStyle/>
-                    <a:p>
-                      <a:pPr algn="ctr" fontAlgn="ctr"/>
-                      <a:r>
-                        <a:rPr lang="zh-CN" altLang="en-US" sz="1800" u="none" strike="noStrike">
-                          <a:effectLst/>
-                        </a:rPr>
-                        <a:t>职业</a:t>
-                      </a:r>
-                      <a:endParaRPr lang="zh-CN" altLang="en-US" sz="1800" b="0" i="0" u="none" strike="noStrike">
-                        <a:solidFill>
-                          <a:srgbClr val="000000"/>
-                        </a:solidFill>
-                        <a:effectLst/>
-                        <a:latin typeface="等线" panose="02010600030101010101" pitchFamily="2" charset="-122"/>
-                        <a:ea typeface="等线" panose="02010600030101010101" pitchFamily="2" charset="-122"/>
-                      </a:endParaRPr>
-                    </a:p>
-                  </a:txBody>
-                  <a:tcPr marL="7620" marR="7620" marT="7620" marB="0" anchor="ctr"/>
-                </a:tc>
-                <a:tc>
-                  <a:txBody>
-                    <a:bodyPr/>
-                    <a:lstStyle/>
-                    <a:p>
-                      <a:pPr algn="ctr" fontAlgn="ctr"/>
-                      <a:r>
-                        <a:rPr lang="zh-CN" altLang="en-US" sz="1800" u="none" strike="noStrike">
-                          <a:effectLst/>
-                        </a:rPr>
-                        <a:t>力量</a:t>
-                      </a:r>
-                      <a:endParaRPr lang="zh-CN" altLang="en-US" sz="1800" b="0" i="0" u="none" strike="noStrike">
-                        <a:solidFill>
-                          <a:srgbClr val="000000"/>
-                        </a:solidFill>
-                        <a:effectLst/>
-                        <a:latin typeface="等线" panose="02010600030101010101" pitchFamily="2" charset="-122"/>
-                        <a:ea typeface="等线" panose="02010600030101010101" pitchFamily="2" charset="-122"/>
-                      </a:endParaRPr>
-                    </a:p>
-                  </a:txBody>
-                  <a:tcPr marL="7620" marR="7620" marT="7620" marB="0" anchor="ctr"/>
-                </a:tc>
-                <a:tc>
-                  <a:txBody>
-                    <a:bodyPr/>
-                    <a:lstStyle/>
-                    <a:p>
-                      <a:pPr algn="ctr" fontAlgn="ctr"/>
-                      <a:r>
-                        <a:rPr lang="zh-CN" altLang="en-US" sz="1800" u="none" strike="noStrike">
-                          <a:effectLst/>
-                        </a:rPr>
-                        <a:t>魔法</a:t>
-                      </a:r>
-                      <a:endParaRPr lang="zh-CN" altLang="en-US" sz="1800" b="0" i="0" u="none" strike="noStrike">
-                        <a:solidFill>
-                          <a:srgbClr val="000000"/>
-                        </a:solidFill>
-                        <a:effectLst/>
-                        <a:latin typeface="等线" panose="02010600030101010101" pitchFamily="2" charset="-122"/>
-                        <a:ea typeface="等线" panose="02010600030101010101" pitchFamily="2" charset="-122"/>
-                      </a:endParaRPr>
-                    </a:p>
-                  </a:txBody>
-                  <a:tcPr marL="7620" marR="7620" marT="7620" marB="0" anchor="ctr"/>
-                </a:tc>
-                <a:tc>
-                  <a:txBody>
-                    <a:bodyPr/>
-                    <a:lstStyle/>
-                    <a:p>
-                      <a:pPr algn="ctr" fontAlgn="ctr"/>
-                      <a:r>
-                        <a:rPr lang="zh-CN" altLang="en-US" sz="1800" u="none" strike="noStrike">
-                          <a:effectLst/>
-                        </a:rPr>
-                        <a:t>血槽</a:t>
-                      </a:r>
-                      <a:endParaRPr lang="zh-CN" altLang="en-US" sz="1800" b="0" i="0" u="none" strike="noStrike">
-                        <a:solidFill>
-                          <a:srgbClr val="000000"/>
-                        </a:solidFill>
-                        <a:effectLst/>
-                        <a:latin typeface="等线" panose="02010600030101010101" pitchFamily="2" charset="-122"/>
-                        <a:ea typeface="等线" panose="02010600030101010101" pitchFamily="2" charset="-122"/>
-                      </a:endParaRPr>
-                    </a:p>
-                  </a:txBody>
-                  <a:tcPr marL="7620" marR="7620" marT="7620" marB="0" anchor="ctr"/>
-                </a:tc>
-                <a:tc>
-                  <a:txBody>
-                    <a:bodyPr/>
-                    <a:lstStyle/>
-                    <a:p>
-                      <a:pPr algn="ctr" fontAlgn="ctr"/>
-                      <a:r>
-                        <a:rPr lang="zh-CN" altLang="en-US" sz="1800" u="none" strike="noStrike">
-                          <a:effectLst/>
-                        </a:rPr>
-                        <a:t>敏捷</a:t>
-                      </a:r>
-                      <a:endParaRPr lang="zh-CN" altLang="en-US" sz="1800" b="0" i="0" u="none" strike="noStrike">
-                        <a:solidFill>
-                          <a:srgbClr val="000000"/>
-                        </a:solidFill>
-                        <a:effectLst/>
-                        <a:latin typeface="等线" panose="02010600030101010101" pitchFamily="2" charset="-122"/>
-                        <a:ea typeface="等线" panose="02010600030101010101" pitchFamily="2" charset="-122"/>
-                      </a:endParaRPr>
-                    </a:p>
-                  </a:txBody>
-                  <a:tcPr marL="7620" marR="7620" marT="7620" marB="0" anchor="ctr"/>
-                </a:tc>
-                <a:extLst>
-                  <a:ext uri="{0D108BD9-81ED-4DB2-BD59-A6C34878D82A}">
-                    <a16:rowId xmlns:a16="http://schemas.microsoft.com/office/drawing/2014/main" val="2416650654"/>
-                  </a:ext>
-                </a:extLst>
-              </a:tr>
-              <a:tr h="281245">
-                <a:tc>
-                  <a:txBody>
-                    <a:bodyPr/>
-                    <a:lstStyle/>
-                    <a:p>
-                      <a:pPr algn="ctr" fontAlgn="ctr"/>
-                      <a:r>
-                        <a:rPr lang="zh-CN" altLang="en-US" sz="1800" u="none" strike="noStrike">
-                          <a:effectLst/>
-                        </a:rPr>
-                        <a:t>骑士</a:t>
-                      </a:r>
-                      <a:endParaRPr lang="zh-CN" altLang="en-US" sz="1800" b="0" i="0" u="none" strike="noStrike">
-                        <a:solidFill>
-                          <a:srgbClr val="000000"/>
-                        </a:solidFill>
-                        <a:effectLst/>
-                        <a:latin typeface="等线" panose="02010600030101010101" pitchFamily="2" charset="-122"/>
-                        <a:ea typeface="等线" panose="02010600030101010101" pitchFamily="2" charset="-122"/>
-                      </a:endParaRPr>
-                    </a:p>
-                  </a:txBody>
-                  <a:tcPr marL="7620" marR="7620" marT="7620" marB="0" anchor="ctr"/>
-                </a:tc>
-                <a:tc>
-                  <a:txBody>
-                    <a:bodyPr/>
-                    <a:lstStyle/>
-                    <a:p>
-                      <a:pPr algn="ctr" fontAlgn="ctr"/>
-                      <a:r>
-                        <a:rPr lang="en-US" altLang="zh-CN" sz="1800" u="none" strike="noStrike">
-                          <a:effectLst/>
-                        </a:rPr>
-                        <a:t>90</a:t>
-                      </a:r>
-                      <a:endParaRPr lang="en-US" altLang="zh-CN" sz="1800" b="0" i="0" u="none" strike="noStrike">
-                        <a:solidFill>
-                          <a:srgbClr val="000000"/>
-                        </a:solidFill>
-                        <a:effectLst/>
-                        <a:latin typeface="等线" panose="02010600030101010101" pitchFamily="2" charset="-122"/>
-                        <a:ea typeface="等线" panose="02010600030101010101" pitchFamily="2" charset="-122"/>
-                      </a:endParaRPr>
-                    </a:p>
-                  </a:txBody>
-                  <a:tcPr marL="7620" marR="7620" marT="7620" marB="0" anchor="ctr"/>
-                </a:tc>
-                <a:tc>
-                  <a:txBody>
-                    <a:bodyPr/>
-                    <a:lstStyle/>
-                    <a:p>
-                      <a:pPr algn="ctr" fontAlgn="ctr"/>
-                      <a:r>
-                        <a:rPr lang="en-US" altLang="zh-CN" sz="1800" u="none" strike="noStrike">
-                          <a:effectLst/>
-                        </a:rPr>
-                        <a:t>30</a:t>
-                      </a:r>
-                      <a:endParaRPr lang="en-US" altLang="zh-CN" sz="1800" b="0" i="0" u="none" strike="noStrike">
-                        <a:solidFill>
-                          <a:srgbClr val="000000"/>
-                        </a:solidFill>
-                        <a:effectLst/>
-                        <a:latin typeface="等线" panose="02010600030101010101" pitchFamily="2" charset="-122"/>
-                        <a:ea typeface="等线" panose="02010600030101010101" pitchFamily="2" charset="-122"/>
-                      </a:endParaRPr>
-                    </a:p>
-                  </a:txBody>
-                  <a:tcPr marL="7620" marR="7620" marT="7620" marB="0" anchor="ctr"/>
-                </a:tc>
-                <a:tc>
-                  <a:txBody>
-                    <a:bodyPr/>
-                    <a:lstStyle/>
-                    <a:p>
-                      <a:pPr algn="ctr" fontAlgn="ctr"/>
-                      <a:r>
-                        <a:rPr lang="en-US" altLang="zh-CN" sz="1800" u="none" strike="noStrike">
-                          <a:effectLst/>
-                        </a:rPr>
-                        <a:t>100</a:t>
-                      </a:r>
-                      <a:endParaRPr lang="en-US" altLang="zh-CN" sz="1800" b="0" i="0" u="none" strike="noStrike">
-                        <a:solidFill>
-                          <a:srgbClr val="000000"/>
-                        </a:solidFill>
-                        <a:effectLst/>
-                        <a:latin typeface="等线" panose="02010600030101010101" pitchFamily="2" charset="-122"/>
-                        <a:ea typeface="等线" panose="02010600030101010101" pitchFamily="2" charset="-122"/>
-                      </a:endParaRPr>
-                    </a:p>
-                  </a:txBody>
-                  <a:tcPr marL="7620" marR="7620" marT="7620" marB="0" anchor="ctr"/>
-                </a:tc>
-                <a:tc>
-                  <a:txBody>
-                    <a:bodyPr/>
-                    <a:lstStyle/>
-                    <a:p>
-                      <a:pPr algn="ctr" fontAlgn="ctr"/>
-                      <a:r>
-                        <a:rPr lang="en-US" altLang="zh-CN" sz="1800" u="none" strike="noStrike">
-                          <a:effectLst/>
-                        </a:rPr>
-                        <a:t>60</a:t>
-                      </a:r>
-                      <a:endParaRPr lang="en-US" altLang="zh-CN" sz="1800" b="0" i="0" u="none" strike="noStrike">
-                        <a:solidFill>
-                          <a:srgbClr val="000000"/>
-                        </a:solidFill>
-                        <a:effectLst/>
-                        <a:latin typeface="等线" panose="02010600030101010101" pitchFamily="2" charset="-122"/>
-                        <a:ea typeface="等线" panose="02010600030101010101" pitchFamily="2" charset="-122"/>
-                      </a:endParaRPr>
-                    </a:p>
-                  </a:txBody>
-                  <a:tcPr marL="7620" marR="7620" marT="7620" marB="0" anchor="ctr"/>
-                </a:tc>
-                <a:extLst>
-                  <a:ext uri="{0D108BD9-81ED-4DB2-BD59-A6C34878D82A}">
-                    <a16:rowId xmlns:a16="http://schemas.microsoft.com/office/drawing/2014/main" val="2535390638"/>
-                  </a:ext>
-                </a:extLst>
-              </a:tr>
-              <a:tr h="281245">
-                <a:tc>
-                  <a:txBody>
-                    <a:bodyPr/>
-                    <a:lstStyle/>
-                    <a:p>
-                      <a:pPr algn="ctr" fontAlgn="ctr"/>
-                      <a:r>
-                        <a:rPr lang="zh-CN" altLang="en-US" sz="1800" u="none" strike="noStrike">
-                          <a:effectLst/>
-                        </a:rPr>
-                        <a:t>魔法师</a:t>
-                      </a:r>
-                      <a:endParaRPr lang="zh-CN" altLang="en-US" sz="1800" b="0" i="0" u="none" strike="noStrike">
-                        <a:solidFill>
-                          <a:srgbClr val="000000"/>
-                        </a:solidFill>
-                        <a:effectLst/>
-                        <a:latin typeface="等线" panose="02010600030101010101" pitchFamily="2" charset="-122"/>
-                        <a:ea typeface="等线" panose="02010600030101010101" pitchFamily="2" charset="-122"/>
-                      </a:endParaRPr>
-                    </a:p>
-                  </a:txBody>
-                  <a:tcPr marL="7620" marR="7620" marT="7620" marB="0" anchor="ctr"/>
-                </a:tc>
-                <a:tc>
-                  <a:txBody>
-                    <a:bodyPr/>
-                    <a:lstStyle/>
-                    <a:p>
-                      <a:pPr algn="ctr" fontAlgn="ctr"/>
-                      <a:r>
-                        <a:rPr lang="en-US" altLang="zh-CN" sz="1800" u="none" strike="noStrike">
-                          <a:effectLst/>
-                        </a:rPr>
-                        <a:t>30</a:t>
-                      </a:r>
-                      <a:endParaRPr lang="en-US" altLang="zh-CN" sz="1800" b="0" i="0" u="none" strike="noStrike">
-                        <a:solidFill>
-                          <a:srgbClr val="000000"/>
-                        </a:solidFill>
-                        <a:effectLst/>
-                        <a:latin typeface="等线" panose="02010600030101010101" pitchFamily="2" charset="-122"/>
-                        <a:ea typeface="等线" panose="02010600030101010101" pitchFamily="2" charset="-122"/>
-                      </a:endParaRPr>
-                    </a:p>
-                  </a:txBody>
-                  <a:tcPr marL="7620" marR="7620" marT="7620" marB="0" anchor="ctr"/>
-                </a:tc>
-                <a:tc>
-                  <a:txBody>
-                    <a:bodyPr/>
-                    <a:lstStyle/>
-                    <a:p>
-                      <a:pPr algn="ctr" fontAlgn="ctr"/>
-                      <a:r>
-                        <a:rPr lang="en-US" altLang="zh-CN" sz="1800" u="none" strike="noStrike">
-                          <a:effectLst/>
-                        </a:rPr>
-                        <a:t>100</a:t>
-                      </a:r>
-                      <a:endParaRPr lang="en-US" altLang="zh-CN" sz="1800" b="0" i="0" u="none" strike="noStrike">
-                        <a:solidFill>
-                          <a:srgbClr val="000000"/>
-                        </a:solidFill>
-                        <a:effectLst/>
-                        <a:latin typeface="等线" panose="02010600030101010101" pitchFamily="2" charset="-122"/>
-                        <a:ea typeface="等线" panose="02010600030101010101" pitchFamily="2" charset="-122"/>
-                      </a:endParaRPr>
-                    </a:p>
-                  </a:txBody>
-                  <a:tcPr marL="7620" marR="7620" marT="7620" marB="0" anchor="ctr"/>
-                </a:tc>
-                <a:tc>
-                  <a:txBody>
-                    <a:bodyPr/>
-                    <a:lstStyle/>
-                    <a:p>
-                      <a:pPr algn="ctr" fontAlgn="ctr"/>
-                      <a:r>
-                        <a:rPr lang="en-US" altLang="zh-CN" sz="1800" u="none" strike="noStrike">
-                          <a:effectLst/>
-                        </a:rPr>
-                        <a:t>30</a:t>
-                      </a:r>
-                      <a:endParaRPr lang="en-US" altLang="zh-CN" sz="1800" b="0" i="0" u="none" strike="noStrike">
-                        <a:solidFill>
-                          <a:srgbClr val="000000"/>
-                        </a:solidFill>
-                        <a:effectLst/>
-                        <a:latin typeface="等线" panose="02010600030101010101" pitchFamily="2" charset="-122"/>
-                        <a:ea typeface="等线" panose="02010600030101010101" pitchFamily="2" charset="-122"/>
-                      </a:endParaRPr>
-                    </a:p>
-                  </a:txBody>
-                  <a:tcPr marL="7620" marR="7620" marT="7620" marB="0" anchor="ctr"/>
-                </a:tc>
-                <a:tc>
-                  <a:txBody>
-                    <a:bodyPr/>
-                    <a:lstStyle/>
-                    <a:p>
-                      <a:pPr algn="ctr" fontAlgn="ctr"/>
-                      <a:r>
-                        <a:rPr lang="en-US" altLang="zh-CN" sz="1800" u="none" strike="noStrike">
-                          <a:effectLst/>
-                        </a:rPr>
-                        <a:t>80</a:t>
-                      </a:r>
-                      <a:endParaRPr lang="en-US" altLang="zh-CN" sz="1800" b="0" i="0" u="none" strike="noStrike">
-                        <a:solidFill>
-                          <a:srgbClr val="000000"/>
-                        </a:solidFill>
-                        <a:effectLst/>
-                        <a:latin typeface="等线" panose="02010600030101010101" pitchFamily="2" charset="-122"/>
-                        <a:ea typeface="等线" panose="02010600030101010101" pitchFamily="2" charset="-122"/>
-                      </a:endParaRPr>
-                    </a:p>
-                  </a:txBody>
-                  <a:tcPr marL="7620" marR="7620" marT="7620" marB="0" anchor="ctr"/>
-                </a:tc>
-                <a:extLst>
-                  <a:ext uri="{0D108BD9-81ED-4DB2-BD59-A6C34878D82A}">
-                    <a16:rowId xmlns:a16="http://schemas.microsoft.com/office/drawing/2014/main" val="654852498"/>
-                  </a:ext>
-                </a:extLst>
-              </a:tr>
-              <a:tr h="281245">
-                <a:tc>
-                  <a:txBody>
-                    <a:bodyPr/>
-                    <a:lstStyle/>
-                    <a:p>
-                      <a:pPr algn="ctr" fontAlgn="ctr"/>
-                      <a:r>
-                        <a:rPr lang="zh-CN" altLang="en-US" sz="1800" u="none" strike="noStrike">
-                          <a:effectLst/>
-                        </a:rPr>
-                        <a:t>剑士</a:t>
-                      </a:r>
-                      <a:endParaRPr lang="zh-CN" altLang="en-US" sz="1800" b="0" i="0" u="none" strike="noStrike">
-                        <a:solidFill>
-                          <a:srgbClr val="000000"/>
-                        </a:solidFill>
-                        <a:effectLst/>
-                        <a:latin typeface="等线" panose="02010600030101010101" pitchFamily="2" charset="-122"/>
-                        <a:ea typeface="等线" panose="02010600030101010101" pitchFamily="2" charset="-122"/>
-                      </a:endParaRPr>
-                    </a:p>
-                  </a:txBody>
-                  <a:tcPr marL="7620" marR="7620" marT="7620" marB="0" anchor="ctr"/>
-                </a:tc>
-                <a:tc>
-                  <a:txBody>
-                    <a:bodyPr/>
-                    <a:lstStyle/>
-                    <a:p>
-                      <a:pPr algn="ctr" fontAlgn="ctr"/>
-                      <a:r>
-                        <a:rPr lang="en-US" altLang="zh-CN" sz="1800" u="none" strike="noStrike">
-                          <a:effectLst/>
-                        </a:rPr>
-                        <a:t>100</a:t>
-                      </a:r>
-                      <a:endParaRPr lang="en-US" altLang="zh-CN" sz="1800" b="0" i="0" u="none" strike="noStrike">
-                        <a:solidFill>
-                          <a:srgbClr val="000000"/>
-                        </a:solidFill>
-                        <a:effectLst/>
-                        <a:latin typeface="等线" panose="02010600030101010101" pitchFamily="2" charset="-122"/>
-                        <a:ea typeface="等线" panose="02010600030101010101" pitchFamily="2" charset="-122"/>
-                      </a:endParaRPr>
-                    </a:p>
-                  </a:txBody>
-                  <a:tcPr marL="7620" marR="7620" marT="7620" marB="0" anchor="ctr"/>
-                </a:tc>
-                <a:tc>
-                  <a:txBody>
-                    <a:bodyPr/>
-                    <a:lstStyle/>
-                    <a:p>
-                      <a:pPr algn="ctr" fontAlgn="ctr"/>
-                      <a:r>
-                        <a:rPr lang="en-US" altLang="zh-CN" sz="1800" u="none" strike="noStrike">
-                          <a:effectLst/>
-                        </a:rPr>
-                        <a:t>30</a:t>
-                      </a:r>
-                      <a:endParaRPr lang="en-US" altLang="zh-CN" sz="1800" b="0" i="0" u="none" strike="noStrike">
-                        <a:solidFill>
-                          <a:srgbClr val="000000"/>
-                        </a:solidFill>
-                        <a:effectLst/>
-                        <a:latin typeface="等线" panose="02010600030101010101" pitchFamily="2" charset="-122"/>
-                        <a:ea typeface="等线" panose="02010600030101010101" pitchFamily="2" charset="-122"/>
-                      </a:endParaRPr>
-                    </a:p>
-                  </a:txBody>
-                  <a:tcPr marL="7620" marR="7620" marT="7620" marB="0" anchor="ctr"/>
-                </a:tc>
-                <a:tc>
-                  <a:txBody>
-                    <a:bodyPr/>
-                    <a:lstStyle/>
-                    <a:p>
-                      <a:pPr algn="ctr" fontAlgn="ctr"/>
-                      <a:r>
-                        <a:rPr lang="en-US" altLang="zh-CN" sz="1800" u="none" strike="noStrike">
-                          <a:effectLst/>
-                        </a:rPr>
-                        <a:t>90</a:t>
-                      </a:r>
-                      <a:endParaRPr lang="en-US" altLang="zh-CN" sz="1800" b="0" i="0" u="none" strike="noStrike">
-                        <a:solidFill>
-                          <a:srgbClr val="000000"/>
-                        </a:solidFill>
-                        <a:effectLst/>
-                        <a:latin typeface="等线" panose="02010600030101010101" pitchFamily="2" charset="-122"/>
-                        <a:ea typeface="等线" panose="02010600030101010101" pitchFamily="2" charset="-122"/>
-                      </a:endParaRPr>
-                    </a:p>
-                  </a:txBody>
-                  <a:tcPr marL="7620" marR="7620" marT="7620" marB="0" anchor="ctr"/>
-                </a:tc>
-                <a:tc>
-                  <a:txBody>
-                    <a:bodyPr/>
-                    <a:lstStyle/>
-                    <a:p>
-                      <a:pPr algn="ctr" fontAlgn="ctr"/>
-                      <a:r>
-                        <a:rPr lang="en-US" altLang="zh-CN" sz="1800" u="none" strike="noStrike">
-                          <a:effectLst/>
-                        </a:rPr>
-                        <a:t>90</a:t>
-                      </a:r>
-                      <a:endParaRPr lang="en-US" altLang="zh-CN" sz="1800" b="0" i="0" u="none" strike="noStrike">
-                        <a:solidFill>
-                          <a:srgbClr val="000000"/>
-                        </a:solidFill>
-                        <a:effectLst/>
-                        <a:latin typeface="等线" panose="02010600030101010101" pitchFamily="2" charset="-122"/>
-                        <a:ea typeface="等线" panose="02010600030101010101" pitchFamily="2" charset="-122"/>
-                      </a:endParaRPr>
-                    </a:p>
-                  </a:txBody>
-                  <a:tcPr marL="7620" marR="7620" marT="7620" marB="0" anchor="ctr"/>
-                </a:tc>
-                <a:extLst>
-                  <a:ext uri="{0D108BD9-81ED-4DB2-BD59-A6C34878D82A}">
-                    <a16:rowId xmlns:a16="http://schemas.microsoft.com/office/drawing/2014/main" val="2748458684"/>
-                  </a:ext>
-                </a:extLst>
-              </a:tr>
-              <a:tr h="281245">
-                <a:tc>
-                  <a:txBody>
-                    <a:bodyPr/>
-                    <a:lstStyle/>
-                    <a:p>
-                      <a:pPr algn="ctr" fontAlgn="ctr"/>
-                      <a:r>
-                        <a:rPr lang="zh-CN" altLang="en-US" sz="1800" u="none" strike="noStrike">
-                          <a:effectLst/>
-                        </a:rPr>
-                        <a:t>弓箭手</a:t>
-                      </a:r>
-                      <a:endParaRPr lang="zh-CN" altLang="en-US" sz="1800" b="0" i="0" u="none" strike="noStrike">
-                        <a:solidFill>
-                          <a:srgbClr val="000000"/>
-                        </a:solidFill>
-                        <a:effectLst/>
-                        <a:latin typeface="等线" panose="02010600030101010101" pitchFamily="2" charset="-122"/>
-                        <a:ea typeface="等线" panose="02010600030101010101" pitchFamily="2" charset="-122"/>
-                      </a:endParaRPr>
-                    </a:p>
-                  </a:txBody>
-                  <a:tcPr marL="7620" marR="7620" marT="7620" marB="0" anchor="ctr"/>
-                </a:tc>
-                <a:tc>
-                  <a:txBody>
-                    <a:bodyPr/>
-                    <a:lstStyle/>
-                    <a:p>
-                      <a:pPr algn="ctr" fontAlgn="ctr"/>
-                      <a:r>
-                        <a:rPr lang="en-US" altLang="zh-CN" sz="1800" u="none" strike="noStrike">
-                          <a:effectLst/>
-                        </a:rPr>
-                        <a:t>80</a:t>
-                      </a:r>
-                      <a:endParaRPr lang="en-US" altLang="zh-CN" sz="1800" b="0" i="0" u="none" strike="noStrike">
-                        <a:solidFill>
-                          <a:srgbClr val="000000"/>
-                        </a:solidFill>
-                        <a:effectLst/>
-                        <a:latin typeface="等线" panose="02010600030101010101" pitchFamily="2" charset="-122"/>
-                        <a:ea typeface="等线" panose="02010600030101010101" pitchFamily="2" charset="-122"/>
-                      </a:endParaRPr>
-                    </a:p>
-                  </a:txBody>
-                  <a:tcPr marL="7620" marR="7620" marT="7620" marB="0" anchor="ctr"/>
-                </a:tc>
-                <a:tc>
-                  <a:txBody>
-                    <a:bodyPr/>
-                    <a:lstStyle/>
-                    <a:p>
-                      <a:pPr algn="ctr" fontAlgn="ctr"/>
-                      <a:r>
-                        <a:rPr lang="en-US" altLang="zh-CN" sz="1800" u="none" strike="noStrike">
-                          <a:effectLst/>
-                        </a:rPr>
-                        <a:t>40</a:t>
-                      </a:r>
-                      <a:endParaRPr lang="en-US" altLang="zh-CN" sz="1800" b="0" i="0" u="none" strike="noStrike">
-                        <a:solidFill>
-                          <a:srgbClr val="000000"/>
-                        </a:solidFill>
-                        <a:effectLst/>
-                        <a:latin typeface="等线" panose="02010600030101010101" pitchFamily="2" charset="-122"/>
-                        <a:ea typeface="等线" panose="02010600030101010101" pitchFamily="2" charset="-122"/>
-                      </a:endParaRPr>
-                    </a:p>
-                  </a:txBody>
-                  <a:tcPr marL="7620" marR="7620" marT="7620" marB="0" anchor="ctr"/>
-                </a:tc>
-                <a:tc>
-                  <a:txBody>
-                    <a:bodyPr/>
-                    <a:lstStyle/>
-                    <a:p>
-                      <a:pPr algn="ctr" fontAlgn="ctr"/>
-                      <a:r>
-                        <a:rPr lang="en-US" altLang="zh-CN" sz="1800" u="none" strike="noStrike">
-                          <a:effectLst/>
-                        </a:rPr>
-                        <a:t>60</a:t>
-                      </a:r>
-                      <a:endParaRPr lang="en-US" altLang="zh-CN" sz="1800" b="0" i="0" u="none" strike="noStrike">
-                        <a:solidFill>
-                          <a:srgbClr val="000000"/>
-                        </a:solidFill>
-                        <a:effectLst/>
-                        <a:latin typeface="等线" panose="02010600030101010101" pitchFamily="2" charset="-122"/>
-                        <a:ea typeface="等线" panose="02010600030101010101" pitchFamily="2" charset="-122"/>
-                      </a:endParaRPr>
-                    </a:p>
-                  </a:txBody>
-                  <a:tcPr marL="7620" marR="7620" marT="7620" marB="0" anchor="ctr"/>
-                </a:tc>
-                <a:tc>
-                  <a:txBody>
-                    <a:bodyPr/>
-                    <a:lstStyle/>
-                    <a:p>
-                      <a:pPr algn="ctr" fontAlgn="ctr"/>
-                      <a:r>
-                        <a:rPr lang="en-US" altLang="zh-CN" sz="1800" u="none" strike="noStrike">
-                          <a:effectLst/>
-                        </a:rPr>
-                        <a:t>100</a:t>
-                      </a:r>
-                      <a:endParaRPr lang="en-US" altLang="zh-CN" sz="1800" b="0" i="0" u="none" strike="noStrike">
-                        <a:solidFill>
-                          <a:srgbClr val="000000"/>
-                        </a:solidFill>
-                        <a:effectLst/>
-                        <a:latin typeface="等线" panose="02010600030101010101" pitchFamily="2" charset="-122"/>
-                        <a:ea typeface="等线" panose="02010600030101010101" pitchFamily="2" charset="-122"/>
-                      </a:endParaRPr>
-                    </a:p>
-                  </a:txBody>
-                  <a:tcPr marL="7620" marR="7620" marT="7620" marB="0" anchor="ctr"/>
-                </a:tc>
-                <a:extLst>
-                  <a:ext uri="{0D108BD9-81ED-4DB2-BD59-A6C34878D82A}">
-                    <a16:rowId xmlns:a16="http://schemas.microsoft.com/office/drawing/2014/main" val="950453381"/>
-                  </a:ext>
-                </a:extLst>
-              </a:tr>
-            </a:tbl>
-          </a:graphicData>
-        </a:graphic>
-      </p:graphicFrame>
-      <p:sp>
-        <p:nvSpPr>
-          <p:cNvPr id="6" name="乘号 5">
-            <a:extLst>
-              <a:ext uri="{FF2B5EF4-FFF2-40B4-BE49-F238E27FC236}">
-                <a16:creationId xmlns:a16="http://schemas.microsoft.com/office/drawing/2014/main" id="{3D828139-7C95-43F2-BF19-8930B7F6E590}"/>
-              </a:ext>
-            </a:extLst>
-          </p:cNvPr>
-          <p:cNvSpPr/>
-          <p:nvPr/>
-        </p:nvSpPr>
-        <p:spPr>
-          <a:xfrm>
-            <a:off x="3921278" y="3434961"/>
-            <a:ext cx="499648" cy="691764"/>
-          </a:xfrm>
-          <a:prstGeom prst="mathMultiply">
-            <a:avLst/>
-          </a:prstGeom>
-        </p:spPr>
-        <p:style>
-          <a:lnRef idx="2">
-            <a:schemeClr val="accent1">
-              <a:shade val="50000"/>
-            </a:schemeClr>
-          </a:lnRef>
-          <a:fillRef idx="1">
-            <a:schemeClr val="accent1"/>
-          </a:fillRef>
-          <a:effectRef idx="0">
-            <a:schemeClr val="accent1"/>
-          </a:effectRef>
-          <a:fontRef idx="minor">
-            <a:schemeClr val="lt1"/>
-          </a:fontRef>
-        </p:style>
-        <p:txBody>
-          <a:bodyPr rtlCol="0" anchor="ctr"/>
-          <a:lstStyle/>
-          <a:p>
-            <a:pPr algn="ctr"/>
-            <a:endParaRPr lang="zh-CN" altLang="en-US"/>
-          </a:p>
-        </p:txBody>
-      </p:sp>
-      <p:graphicFrame>
-        <p:nvGraphicFramePr>
-          <p:cNvPr id="7" name="表格 6">
-            <a:extLst>
-              <a:ext uri="{FF2B5EF4-FFF2-40B4-BE49-F238E27FC236}">
-                <a16:creationId xmlns:a16="http://schemas.microsoft.com/office/drawing/2014/main" id="{B2E32021-B069-490A-A113-5581B55A685A}"/>
-              </a:ext>
-            </a:extLst>
-          </p:cNvPr>
-          <p:cNvGraphicFramePr>
-            <a:graphicFrameLocks noGrp="1"/>
-          </p:cNvGraphicFramePr>
-          <p:nvPr>
-            <p:extLst>
-              <p:ext uri="{D42A27DB-BD31-4B8C-83A1-F6EECF244321}">
-                <p14:modId xmlns:p14="http://schemas.microsoft.com/office/powerpoint/2010/main" val="3292096330"/>
-              </p:ext>
-            </p:extLst>
-          </p:nvPr>
-        </p:nvGraphicFramePr>
-        <p:xfrm>
-          <a:off x="8460186" y="3551860"/>
-          <a:ext cx="3085329" cy="563880"/>
-        </p:xfrm>
-        <a:graphic>
-          <a:graphicData uri="http://schemas.openxmlformats.org/drawingml/2006/table">
-            <a:tbl>
-              <a:tblPr>
-                <a:tableStyleId>{5C22544A-7EE6-4342-B048-85BDC9FD1C3A}</a:tableStyleId>
-              </a:tblPr>
-              <a:tblGrid>
-                <a:gridCol w="762952">
-                  <a:extLst>
-                    <a:ext uri="{9D8B030D-6E8A-4147-A177-3AD203B41FA5}">
-                      <a16:colId xmlns:a16="http://schemas.microsoft.com/office/drawing/2014/main" val="522575774"/>
-                    </a:ext>
-                  </a:extLst>
-                </a:gridCol>
-                <a:gridCol w="535940">
-                  <a:extLst>
-                    <a:ext uri="{9D8B030D-6E8A-4147-A177-3AD203B41FA5}">
-                      <a16:colId xmlns:a16="http://schemas.microsoft.com/office/drawing/2014/main" val="907697836"/>
-                    </a:ext>
-                  </a:extLst>
-                </a:gridCol>
-                <a:gridCol w="535940">
-                  <a:extLst>
-                    <a:ext uri="{9D8B030D-6E8A-4147-A177-3AD203B41FA5}">
-                      <a16:colId xmlns:a16="http://schemas.microsoft.com/office/drawing/2014/main" val="566173974"/>
-                    </a:ext>
-                  </a:extLst>
-                </a:gridCol>
-                <a:gridCol w="535940">
-                  <a:extLst>
-                    <a:ext uri="{9D8B030D-6E8A-4147-A177-3AD203B41FA5}">
-                      <a16:colId xmlns:a16="http://schemas.microsoft.com/office/drawing/2014/main" val="4188794394"/>
-                    </a:ext>
-                  </a:extLst>
-                </a:gridCol>
-                <a:gridCol w="714557">
-                  <a:extLst>
-                    <a:ext uri="{9D8B030D-6E8A-4147-A177-3AD203B41FA5}">
-                      <a16:colId xmlns:a16="http://schemas.microsoft.com/office/drawing/2014/main" val="3671607614"/>
-                    </a:ext>
-                  </a:extLst>
-                </a:gridCol>
-              </a:tblGrid>
-              <a:tr h="121152">
-                <a:tc>
-                  <a:txBody>
-                    <a:bodyPr/>
-                    <a:lstStyle/>
-                    <a:p>
-                      <a:pPr algn="l" fontAlgn="ctr"/>
-                      <a:endParaRPr lang="zh-CN" altLang="en-US" sz="1800" b="0" i="0" u="none" strike="noStrike">
-                        <a:solidFill>
-                          <a:srgbClr val="000000"/>
-                        </a:solidFill>
-                        <a:effectLst/>
-                        <a:latin typeface="等线" panose="02010600030101010101" pitchFamily="2" charset="-122"/>
-                        <a:ea typeface="等线" panose="02010600030101010101" pitchFamily="2" charset="-122"/>
-                      </a:endParaRPr>
-                    </a:p>
-                  </a:txBody>
-                  <a:tcPr marL="7620" marR="7620" marT="7620" marB="0" anchor="ctr"/>
-                </a:tc>
-                <a:tc>
-                  <a:txBody>
-                    <a:bodyPr/>
-                    <a:lstStyle/>
-                    <a:p>
-                      <a:pPr algn="ctr" rtl="0" fontAlgn="ctr"/>
-                      <a:r>
-                        <a:rPr lang="zh-CN" altLang="en-US" sz="1800" u="none" strike="noStrike">
-                          <a:effectLst/>
-                        </a:rPr>
-                        <a:t>力量</a:t>
-                      </a:r>
-                      <a:endParaRPr lang="zh-CN" altLang="en-US" sz="1800" b="0" i="0" u="none" strike="noStrike">
-                        <a:solidFill>
-                          <a:srgbClr val="000000"/>
-                        </a:solidFill>
-                        <a:effectLst/>
-                        <a:latin typeface="Arial" panose="020B0604020202020204" pitchFamily="34" charset="0"/>
-                        <a:ea typeface="等线" panose="02010600030101010101" pitchFamily="2" charset="-122"/>
-                      </a:endParaRPr>
-                    </a:p>
-                  </a:txBody>
-                  <a:tcPr marL="7620" marR="7620" marT="7620" marB="0" anchor="ctr"/>
-                </a:tc>
-                <a:tc>
-                  <a:txBody>
-                    <a:bodyPr/>
-                    <a:lstStyle/>
-                    <a:p>
-                      <a:pPr algn="ctr" rtl="0" fontAlgn="ctr"/>
-                      <a:r>
-                        <a:rPr lang="zh-CN" altLang="en-US" sz="1800" u="none" strike="noStrike">
-                          <a:effectLst/>
-                        </a:rPr>
-                        <a:t>魔法</a:t>
-                      </a:r>
-                      <a:endParaRPr lang="zh-CN" altLang="en-US" sz="1800" b="0" i="0" u="none" strike="noStrike">
-                        <a:solidFill>
-                          <a:srgbClr val="000000"/>
-                        </a:solidFill>
-                        <a:effectLst/>
-                        <a:latin typeface="Arial" panose="020B0604020202020204" pitchFamily="34" charset="0"/>
-                        <a:ea typeface="等线" panose="02010600030101010101" pitchFamily="2" charset="-122"/>
-                      </a:endParaRPr>
-                    </a:p>
-                  </a:txBody>
-                  <a:tcPr marL="7620" marR="7620" marT="7620" marB="0" anchor="ctr"/>
-                </a:tc>
-                <a:tc>
-                  <a:txBody>
-                    <a:bodyPr/>
-                    <a:lstStyle/>
-                    <a:p>
-                      <a:pPr algn="ctr" rtl="0" fontAlgn="ctr"/>
-                      <a:r>
-                        <a:rPr lang="zh-CN" altLang="en-US" sz="1800" u="none" strike="noStrike">
-                          <a:effectLst/>
-                        </a:rPr>
-                        <a:t>血槽</a:t>
-                      </a:r>
-                      <a:endParaRPr lang="zh-CN" altLang="en-US" sz="1800" b="0" i="0" u="none" strike="noStrike">
-                        <a:solidFill>
-                          <a:srgbClr val="000000"/>
-                        </a:solidFill>
-                        <a:effectLst/>
-                        <a:latin typeface="Arial" panose="020B0604020202020204" pitchFamily="34" charset="0"/>
-                        <a:ea typeface="等线" panose="02010600030101010101" pitchFamily="2" charset="-122"/>
-                      </a:endParaRPr>
-                    </a:p>
-                  </a:txBody>
-                  <a:tcPr marL="7620" marR="7620" marT="7620" marB="0" anchor="ctr"/>
-                </a:tc>
-                <a:tc>
-                  <a:txBody>
-                    <a:bodyPr/>
-                    <a:lstStyle/>
-                    <a:p>
-                      <a:pPr algn="ctr" rtl="0" fontAlgn="ctr"/>
-                      <a:r>
-                        <a:rPr lang="zh-CN" altLang="en-US" sz="1800" u="none" strike="noStrike">
-                          <a:effectLst/>
-                        </a:rPr>
-                        <a:t>敏捷</a:t>
-                      </a:r>
-                      <a:endParaRPr lang="zh-CN" altLang="en-US" sz="1800" b="0" i="0" u="none" strike="noStrike">
-                        <a:solidFill>
-                          <a:srgbClr val="000000"/>
-                        </a:solidFill>
-                        <a:effectLst/>
-                        <a:latin typeface="Arial" panose="020B0604020202020204" pitchFamily="34" charset="0"/>
-                        <a:ea typeface="等线" panose="02010600030101010101" pitchFamily="2" charset="-122"/>
-                      </a:endParaRPr>
-                    </a:p>
-                  </a:txBody>
-                  <a:tcPr marL="7620" marR="7620" marT="7620" marB="0" anchor="ctr"/>
-                </a:tc>
-                <a:extLst>
-                  <a:ext uri="{0D108BD9-81ED-4DB2-BD59-A6C34878D82A}">
-                    <a16:rowId xmlns:a16="http://schemas.microsoft.com/office/drawing/2014/main" val="3429710312"/>
-                  </a:ext>
-                </a:extLst>
-              </a:tr>
-              <a:tr h="239029">
-                <a:tc>
-                  <a:txBody>
-                    <a:bodyPr/>
-                    <a:lstStyle/>
-                    <a:p>
-                      <a:pPr algn="ctr" fontAlgn="ctr"/>
-                      <a:r>
-                        <a:rPr lang="zh-CN" altLang="en-US" sz="1800" b="0" i="0" u="none" strike="noStrike">
-                          <a:solidFill>
-                            <a:srgbClr val="000000"/>
-                          </a:solidFill>
-                          <a:effectLst/>
-                          <a:latin typeface="华文新魏" panose="02010800040101010101" pitchFamily="2" charset="-122"/>
-                          <a:ea typeface="+mn-ea"/>
-                        </a:rPr>
-                        <a:t>骑法师</a:t>
-                      </a:r>
-                    </a:p>
-                  </a:txBody>
-                  <a:tcPr marL="7620" marR="7620" marT="7620" marB="0" anchor="ctr"/>
-                </a:tc>
-                <a:tc>
-                  <a:txBody>
-                    <a:bodyPr/>
-                    <a:lstStyle/>
-                    <a:p>
-                      <a:pPr algn="ctr" fontAlgn="ctr"/>
-                      <a:r>
-                        <a:rPr lang="en-US" altLang="zh-CN" sz="1800" u="none" strike="noStrike">
-                          <a:effectLst/>
-                        </a:rPr>
-                        <a:t>65</a:t>
-                      </a:r>
-                      <a:endParaRPr lang="en-US" altLang="zh-CN" sz="1800" b="0" i="0" u="none" strike="noStrike">
-                        <a:solidFill>
-                          <a:srgbClr val="000000"/>
-                        </a:solidFill>
-                        <a:effectLst/>
-                        <a:latin typeface="等线" panose="02010600030101010101" pitchFamily="2" charset="-122"/>
-                        <a:ea typeface="等线" panose="02010600030101010101" pitchFamily="2" charset="-122"/>
-                      </a:endParaRPr>
-                    </a:p>
-                  </a:txBody>
-                  <a:tcPr marL="7620" marR="7620" marT="7620" marB="0" anchor="ctr"/>
-                </a:tc>
-                <a:tc>
-                  <a:txBody>
-                    <a:bodyPr/>
-                    <a:lstStyle/>
-                    <a:p>
-                      <a:pPr algn="ctr" fontAlgn="ctr"/>
-                      <a:r>
-                        <a:rPr lang="en-US" altLang="zh-CN" sz="1800" u="none" strike="noStrike">
-                          <a:effectLst/>
-                        </a:rPr>
-                        <a:t>65</a:t>
-                      </a:r>
-                      <a:endParaRPr lang="en-US" altLang="zh-CN" sz="1800" b="0" i="0" u="none" strike="noStrike">
-                        <a:solidFill>
-                          <a:srgbClr val="000000"/>
-                        </a:solidFill>
-                        <a:effectLst/>
-                        <a:latin typeface="等线" panose="02010600030101010101" pitchFamily="2" charset="-122"/>
-                        <a:ea typeface="等线" panose="02010600030101010101" pitchFamily="2" charset="-122"/>
-                      </a:endParaRPr>
-                    </a:p>
-                  </a:txBody>
-                  <a:tcPr marL="7620" marR="7620" marT="7620" marB="0" anchor="ctr"/>
-                </a:tc>
-                <a:tc>
-                  <a:txBody>
-                    <a:bodyPr/>
-                    <a:lstStyle/>
-                    <a:p>
-                      <a:pPr algn="ctr" fontAlgn="ctr"/>
-                      <a:r>
-                        <a:rPr lang="en-US" altLang="zh-CN" sz="1800" u="none" strike="noStrike">
-                          <a:effectLst/>
-                        </a:rPr>
-                        <a:t>65</a:t>
-                      </a:r>
-                      <a:endParaRPr lang="en-US" altLang="zh-CN" sz="1800" b="0" i="0" u="none" strike="noStrike">
-                        <a:solidFill>
-                          <a:srgbClr val="000000"/>
-                        </a:solidFill>
-                        <a:effectLst/>
-                        <a:latin typeface="等线" panose="02010600030101010101" pitchFamily="2" charset="-122"/>
-                        <a:ea typeface="等线" panose="02010600030101010101" pitchFamily="2" charset="-122"/>
-                      </a:endParaRPr>
-                    </a:p>
-                  </a:txBody>
-                  <a:tcPr marL="7620" marR="7620" marT="7620" marB="0" anchor="ctr"/>
-                </a:tc>
-                <a:tc>
-                  <a:txBody>
-                    <a:bodyPr/>
-                    <a:lstStyle/>
-                    <a:p>
-                      <a:pPr algn="ctr" fontAlgn="ctr"/>
-                      <a:r>
-                        <a:rPr lang="en-US" altLang="zh-CN" sz="1800" u="none" strike="noStrike">
-                          <a:effectLst/>
-                        </a:rPr>
-                        <a:t>70</a:t>
-                      </a:r>
-                      <a:endParaRPr lang="en-US" altLang="zh-CN" sz="1800" b="0" i="0" u="none" strike="noStrike">
-                        <a:solidFill>
-                          <a:srgbClr val="000000"/>
-                        </a:solidFill>
-                        <a:effectLst/>
-                        <a:latin typeface="等线" panose="02010600030101010101" pitchFamily="2" charset="-122"/>
-                        <a:ea typeface="等线" panose="02010600030101010101" pitchFamily="2" charset="-122"/>
-                      </a:endParaRPr>
-                    </a:p>
-                  </a:txBody>
-                  <a:tcPr marL="7620" marR="7620" marT="7620" marB="0" anchor="ctr"/>
-                </a:tc>
-                <a:extLst>
-                  <a:ext uri="{0D108BD9-81ED-4DB2-BD59-A6C34878D82A}">
-                    <a16:rowId xmlns:a16="http://schemas.microsoft.com/office/drawing/2014/main" val="2061058679"/>
-                  </a:ext>
-                </a:extLst>
-              </a:tr>
-            </a:tbl>
-          </a:graphicData>
-        </a:graphic>
-      </p:graphicFrame>
-      <p:sp>
-        <p:nvSpPr>
-          <p:cNvPr id="8" name="等号 7">
-            <a:extLst>
-              <a:ext uri="{FF2B5EF4-FFF2-40B4-BE49-F238E27FC236}">
-                <a16:creationId xmlns:a16="http://schemas.microsoft.com/office/drawing/2014/main" id="{8B9E1F72-1CE3-4EFA-8988-DCB920D03CBF}"/>
-              </a:ext>
-            </a:extLst>
-          </p:cNvPr>
-          <p:cNvSpPr/>
-          <p:nvPr/>
-        </p:nvSpPr>
-        <p:spPr>
-          <a:xfrm>
-            <a:off x="7847409" y="3649647"/>
-            <a:ext cx="526269" cy="381663"/>
-          </a:xfrm>
-          <a:prstGeom prst="mathEqual">
-            <a:avLst/>
-          </a:prstGeom>
-        </p:spPr>
-        <p:style>
-          <a:lnRef idx="2">
-            <a:schemeClr val="accent1">
-              <a:shade val="50000"/>
-            </a:schemeClr>
-          </a:lnRef>
-          <a:fillRef idx="1">
-            <a:schemeClr val="accent1"/>
-          </a:fillRef>
-          <a:effectRef idx="0">
-            <a:schemeClr val="accent1"/>
-          </a:effectRef>
-          <a:fontRef idx="minor">
-            <a:schemeClr val="lt1"/>
-          </a:fontRef>
-        </p:style>
-        <p:txBody>
-          <a:bodyPr rtlCol="0" anchor="ctr"/>
-          <a:lstStyle/>
-          <a:p>
-            <a:pPr algn="ctr"/>
-            <a:endParaRPr lang="zh-CN" altLang="en-US">
-              <a:solidFill>
-                <a:schemeClr val="tx1"/>
-              </a:solidFill>
-            </a:endParaRPr>
-          </a:p>
-        </p:txBody>
-      </p:sp>
-      <p:sp>
-        <p:nvSpPr>
-          <p:cNvPr id="11" name="文本框 10">
-            <a:extLst>
-              <a:ext uri="{FF2B5EF4-FFF2-40B4-BE49-F238E27FC236}">
-                <a16:creationId xmlns:a16="http://schemas.microsoft.com/office/drawing/2014/main" id="{3DA6DF54-6BCD-400A-A545-FC03AEBCCAFD}"/>
-              </a:ext>
-            </a:extLst>
-          </p:cNvPr>
-          <p:cNvSpPr txBox="1"/>
-          <p:nvPr/>
-        </p:nvSpPr>
-        <p:spPr>
-          <a:xfrm>
-            <a:off x="4412976" y="4572010"/>
-            <a:ext cx="906448" cy="523220"/>
-          </a:xfrm>
-          <a:prstGeom prst="rect">
-            <a:avLst/>
-          </a:prstGeom>
-          <a:noFill/>
-        </p:spPr>
-        <p:txBody>
-          <a:bodyPr wrap="square" rtlCol="0">
-            <a:spAutoFit/>
-          </a:bodyPr>
-          <a:lstStyle/>
-          <a:p>
-            <a:r>
-              <a:rPr lang="zh-CN" altLang="en-US" sz="2800">
-                <a:solidFill>
-                  <a:srgbClr val="C00000"/>
-                </a:solidFill>
-              </a:rPr>
-              <a:t>输入</a:t>
-            </a:r>
-          </a:p>
-        </p:txBody>
-      </p:sp>
-      <p:sp>
-        <p:nvSpPr>
-          <p:cNvPr id="12" name="文本框 11">
-            <a:extLst>
-              <a:ext uri="{FF2B5EF4-FFF2-40B4-BE49-F238E27FC236}">
-                <a16:creationId xmlns:a16="http://schemas.microsoft.com/office/drawing/2014/main" id="{D74896A9-D9EF-4D97-9072-B469B77AF90D}"/>
-              </a:ext>
-            </a:extLst>
-          </p:cNvPr>
-          <p:cNvSpPr txBox="1"/>
-          <p:nvPr/>
-        </p:nvSpPr>
-        <p:spPr>
-          <a:xfrm>
-            <a:off x="5710364" y="2637422"/>
-            <a:ext cx="905122" cy="523220"/>
-          </a:xfrm>
-          <a:prstGeom prst="rect">
-            <a:avLst/>
-          </a:prstGeom>
-          <a:noFill/>
-        </p:spPr>
-        <p:txBody>
-          <a:bodyPr wrap="square" rtlCol="0">
-            <a:spAutoFit/>
-          </a:bodyPr>
-          <a:lstStyle/>
-          <a:p>
-            <a:r>
-              <a:rPr lang="zh-CN" altLang="en-US" sz="2800">
-                <a:solidFill>
-                  <a:srgbClr val="C00000"/>
-                </a:solidFill>
-              </a:rPr>
-              <a:t>输出</a:t>
-            </a:r>
-          </a:p>
-        </p:txBody>
-      </p:sp>
-    </p:spTree>
-    <p:extLst>
-      <p:ext uri="{BB962C8B-B14F-4D97-AF65-F5344CB8AC3E}">
-        <p14:creationId xmlns:p14="http://schemas.microsoft.com/office/powerpoint/2010/main" val="1037827869"/>
-      </p:ext>
-    </p:extLst>
-  </p:cSld>
-  <p:clrMapOvr>
-    <a:masterClrMapping/>
-  </p:clrMapOvr>
-</p:sld>
-</file>
-
 <file path=ppt/theme/theme1.xml><?xml version="1.0" encoding="utf-8"?>
 <a:theme xmlns:a="http://schemas.openxmlformats.org/drawingml/2006/main" name="平面">
   <a:themeElements>
